--- a/PPT/C++练习.pptx
+++ b/PPT/C++练习.pptx
@@ -5,12 +5,13 @@
     <p:sldMasterId id="2147483648" r:id="rId1"/>
   </p:sldMasterIdLst>
   <p:notesMasterIdLst>
-    <p:notesMasterId r:id="rId5"/>
+    <p:notesMasterId r:id="rId6"/>
   </p:notesMasterIdLst>
   <p:sldIdLst>
     <p:sldId id="256" r:id="rId2"/>
-    <p:sldId id="257" r:id="rId3"/>
-    <p:sldId id="259" r:id="rId4"/>
+    <p:sldId id="260" r:id="rId3"/>
+    <p:sldId id="257" r:id="rId4"/>
+    <p:sldId id="259" r:id="rId5"/>
   </p:sldIdLst>
   <p:sldSz cx="9144000" cy="5143500" type="screen16x9"/>
   <p:notesSz cx="6858000" cy="9144000"/>
@@ -326,7 +327,7 @@
               <a:pPr>
                 <a:defRPr/>
               </a:pPr>
-              <a:t>2017/8/13</a:t>
+              <a:t>2017/8/28</a:t>
             </a:fld>
             <a:endParaRPr lang="zh-CN" altLang="en-US" sz="1200"/>
           </a:p>
@@ -4407,15 +4408,18 @@
                 <a:latin typeface="微软雅黑 Light" panose="020B0502040204020203" pitchFamily="34" charset="-122"/>
                 <a:ea typeface="微软雅黑 Light" panose="020B0502040204020203" pitchFamily="34" charset="-122"/>
               </a:rPr>
-              <a:t>主要内容</a:t>
-            </a:r>
-            <a:endParaRPr lang="en-US" altLang="zh-CN" dirty="0">
-              <a:solidFill>
-                <a:srgbClr val="C00000"/>
-              </a:solidFill>
-              <a:latin typeface="微软雅黑 Light" panose="020B0502040204020203" pitchFamily="34" charset="-122"/>
-              <a:ea typeface="微软雅黑 Light" panose="020B0502040204020203" pitchFamily="34" charset="-122"/>
-            </a:endParaRPr>
+              <a:t>练习</a:t>
+            </a:r>
+            <a:r>
+              <a:rPr lang="en-US" altLang="zh-CN" dirty="0">
+                <a:solidFill>
+                  <a:srgbClr val="C00000"/>
+                </a:solidFill>
+                <a:latin typeface="微软雅黑 Light" panose="020B0502040204020203" pitchFamily="34" charset="-122"/>
+                <a:ea typeface="微软雅黑 Light" panose="020B0502040204020203" pitchFamily="34" charset="-122"/>
+              </a:rPr>
+              <a:t>1</a:t>
+            </a:r>
           </a:p>
         </p:txBody>
       </p:sp>
@@ -4732,7 +4736,7 @@
               </a:lnSpc>
             </a:pPr>
             <a:r>
-              <a:rPr lang="zh-CN" altLang="en-US" sz="2400">
+              <a:rPr lang="zh-CN" altLang="en-US" sz="2400" dirty="0">
                 <a:solidFill>
                   <a:schemeClr val="tx1">
                     <a:lumMod val="65000"/>
@@ -4744,7 +4748,7 @@
               </a:rPr>
               <a:t>向量间的加减法</a:t>
             </a:r>
-            <a:endParaRPr lang="en-US" altLang="zh-CN" sz="2400">
+            <a:endParaRPr lang="en-US" altLang="zh-CN" sz="2400" dirty="0">
               <a:solidFill>
                 <a:schemeClr val="tx1">
                   <a:lumMod val="65000"/>
@@ -4823,6 +4827,11 @@
         </p:txBody>
       </p:sp>
     </p:spTree>
+    <p:extLst>
+      <p:ext uri="{BB962C8B-B14F-4D97-AF65-F5344CB8AC3E}">
+        <p14:creationId xmlns:p14="http://schemas.microsoft.com/office/powerpoint/2010/main" val="3410067986"/>
+      </p:ext>
+    </p:extLst>
   </p:cSld>
   <p:clrMapOvr>
     <a:masterClrMapping/>
@@ -4831,6 +4840,492 @@
 </file>
 
 <file path=ppt/slides/slide3.xml><?xml version="1.0" encoding="utf-8"?>
+<p:sld xmlns:a="http://schemas.openxmlformats.org/drawingml/2006/main" xmlns:r="http://schemas.openxmlformats.org/officeDocument/2006/relationships" xmlns:p="http://schemas.openxmlformats.org/presentationml/2006/main">
+  <p:cSld>
+    <p:spTree>
+      <p:nvGrpSpPr>
+        <p:cNvPr id="1" name=""/>
+        <p:cNvGrpSpPr/>
+        <p:nvPr/>
+      </p:nvGrpSpPr>
+      <p:grpSpPr>
+        <a:xfrm>
+          <a:off x="0" y="0"/>
+          <a:ext cx="0" cy="0"/>
+          <a:chOff x="0" y="0"/>
+          <a:chExt cx="0" cy="0"/>
+        </a:xfrm>
+      </p:grpSpPr>
+      <p:pic>
+        <p:nvPicPr>
+          <p:cNvPr id="3074" name="Picture 2">
+            <a:extLst>
+              <a:ext uri="{FF2B5EF4-FFF2-40B4-BE49-F238E27FC236}">
+                <a16:creationId xmlns:a16="http://schemas.microsoft.com/office/drawing/2014/main" id="{602C339E-BA86-4A21-AB6C-4F6D8491BC39}"/>
+              </a:ext>
+            </a:extLst>
+          </p:cNvPr>
+          <p:cNvPicPr>
+            <a:picLocks noChangeAspect="1" noChangeArrowheads="1"/>
+          </p:cNvPicPr>
+          <p:nvPr/>
+        </p:nvPicPr>
+        <p:blipFill>
+          <a:blip r:embed="rId2">
+            <a:extLst>
+              <a:ext uri="{28A0092B-C50C-407E-A947-70E740481C1C}">
+                <a14:useLocalDpi xmlns:a14="http://schemas.microsoft.com/office/drawing/2010/main" val="0"/>
+              </a:ext>
+            </a:extLst>
+          </a:blip>
+          <a:srcRect/>
+          <a:stretch>
+            <a:fillRect/>
+          </a:stretch>
+        </p:blipFill>
+        <p:spPr bwMode="auto">
+          <a:xfrm>
+            <a:off x="7956550" y="4606925"/>
+            <a:ext cx="1081088" cy="450850"/>
+          </a:xfrm>
+          <a:prstGeom prst="rect">
+            <a:avLst/>
+          </a:prstGeom>
+          <a:noFill/>
+          <a:ln>
+            <a:noFill/>
+          </a:ln>
+          <a:effectLst/>
+          <a:extLst>
+            <a:ext uri="{909E8E84-426E-40DD-AFC4-6F175D3DCCD1}">
+              <a14:hiddenFill xmlns:a14="http://schemas.microsoft.com/office/drawing/2010/main">
+                <a:solidFill>
+                  <a:srgbClr val="FFFFFF"/>
+                </a:solidFill>
+              </a14:hiddenFill>
+            </a:ext>
+            <a:ext uri="{91240B29-F687-4F45-9708-019B960494DF}">
+              <a14:hiddenLine xmlns:a14="http://schemas.microsoft.com/office/drawing/2010/main" w="9525">
+                <a:solidFill>
+                  <a:srgbClr val="000000"/>
+                </a:solidFill>
+                <a:miter lim="800000"/>
+                <a:headEnd/>
+                <a:tailEnd/>
+              </a14:hiddenLine>
+            </a:ext>
+            <a:ext uri="{AF507438-7753-43E0-B8FC-AC1667EBCBE1}">
+              <a14:hiddenEffects xmlns:a14="http://schemas.microsoft.com/office/drawing/2010/main">
+                <a:effectLst>
+                  <a:outerShdw dist="35921" dir="2700000" algn="ctr" rotWithShape="0">
+                    <a:srgbClr val="808080"/>
+                  </a:outerShdw>
+                </a:effectLst>
+              </a14:hiddenEffects>
+            </a:ext>
+          </a:extLst>
+        </p:spPr>
+      </p:pic>
+      <p:sp>
+        <p:nvSpPr>
+          <p:cNvPr id="3075" name="Title 1">
+            <a:extLst>
+              <a:ext uri="{FF2B5EF4-FFF2-40B4-BE49-F238E27FC236}">
+                <a16:creationId xmlns:a16="http://schemas.microsoft.com/office/drawing/2014/main" id="{666E1B67-1175-4598-AA77-794FC6629051}"/>
+              </a:ext>
+            </a:extLst>
+          </p:cNvPr>
+          <p:cNvSpPr>
+            <a:spLocks noGrp="1" noChangeArrowheads="1"/>
+          </p:cNvSpPr>
+          <p:nvPr>
+            <p:ph type="title"/>
+          </p:nvPr>
+        </p:nvSpPr>
+        <p:spPr bwMode="auto">
+          <a:xfrm>
+            <a:off x="457200" y="123825"/>
+            <a:ext cx="8229600" cy="711200"/>
+          </a:xfrm>
+          <a:noFill/>
+          <a:extLst>
+            <a:ext uri="{909E8E84-426E-40DD-AFC4-6F175D3DCCD1}">
+              <a14:hiddenFill xmlns:a14="http://schemas.microsoft.com/office/drawing/2010/main">
+                <a:solidFill>
+                  <a:srgbClr val="FFFFFF"/>
+                </a:solidFill>
+              </a14:hiddenFill>
+            </a:ext>
+            <a:ext uri="{91240B29-F687-4F45-9708-019B960494DF}">
+              <a14:hiddenLine xmlns:a14="http://schemas.microsoft.com/office/drawing/2010/main" w="9525">
+                <a:solidFill>
+                  <a:srgbClr val="000000"/>
+                </a:solidFill>
+                <a:miter lim="800000"/>
+                <a:headEnd/>
+                <a:tailEnd/>
+              </a14:hiddenLine>
+            </a:ext>
+          </a:extLst>
+        </p:spPr>
+        <p:txBody>
+          <a:bodyPr vert="horz" wrap="square" lIns="91440" tIns="45720" rIns="91440" bIns="45720" numCol="1" anchor="t" anchorCtr="0" compatLnSpc="1">
+            <a:prstTxWarp prst="textNoShape">
+              <a:avLst/>
+            </a:prstTxWarp>
+          </a:bodyPr>
+          <a:lstStyle/>
+          <a:p>
+            <a:pPr algn="l" eaLnBrk="1" hangingPunct="1"/>
+            <a:r>
+              <a:rPr lang="zh-CN" altLang="en-US" dirty="0">
+                <a:solidFill>
+                  <a:srgbClr val="C00000"/>
+                </a:solidFill>
+                <a:latin typeface="微软雅黑 Light" panose="020B0502040204020203" pitchFamily="34" charset="-122"/>
+                <a:ea typeface="微软雅黑 Light" panose="020B0502040204020203" pitchFamily="34" charset="-122"/>
+              </a:rPr>
+              <a:t>练习</a:t>
+            </a:r>
+            <a:r>
+              <a:rPr lang="en-US" altLang="zh-CN" dirty="0">
+                <a:solidFill>
+                  <a:srgbClr val="C00000"/>
+                </a:solidFill>
+                <a:latin typeface="微软雅黑 Light" panose="020B0502040204020203" pitchFamily="34" charset="-122"/>
+                <a:ea typeface="微软雅黑 Light" panose="020B0502040204020203" pitchFamily="34" charset="-122"/>
+              </a:rPr>
+              <a:t>1</a:t>
+            </a:r>
+          </a:p>
+        </p:txBody>
+      </p:sp>
+      <p:sp>
+        <p:nvSpPr>
+          <p:cNvPr id="4" name="Content Placeholder 3">
+            <a:extLst>
+              <a:ext uri="{FF2B5EF4-FFF2-40B4-BE49-F238E27FC236}">
+                <a16:creationId xmlns:a16="http://schemas.microsoft.com/office/drawing/2014/main" id="{368B2D2E-6A5C-4FE0-91BB-6CC0CC9AEF62}"/>
+              </a:ext>
+            </a:extLst>
+          </p:cNvPr>
+          <p:cNvSpPr txBox="1">
+            <a:spLocks/>
+          </p:cNvSpPr>
+          <p:nvPr/>
+        </p:nvSpPr>
+        <p:spPr>
+          <a:xfrm>
+            <a:off x="457200" y="1131888"/>
+            <a:ext cx="8229600" cy="3925887"/>
+          </a:xfrm>
+          <a:prstGeom prst="rect">
+            <a:avLst/>
+          </a:prstGeom>
+        </p:spPr>
+        <p:txBody>
+          <a:bodyPr/>
+          <a:lstStyle>
+            <a:lvl1pPr marL="342900" indent="-342900" algn="l" rtl="0" fontAlgn="base">
+              <a:spcBef>
+                <a:spcPct val="20000"/>
+              </a:spcBef>
+              <a:spcAft>
+                <a:spcPct val="0"/>
+              </a:spcAft>
+              <a:buFont typeface="Arial" panose="020B0604020202020204" pitchFamily="34" charset="0"/>
+              <a:buChar char="•"/>
+              <a:defRPr sz="3200" kern="1200">
+                <a:solidFill>
+                  <a:schemeClr val="tx1"/>
+                </a:solidFill>
+                <a:latin typeface="+mn-lt"/>
+                <a:ea typeface="+mn-ea"/>
+                <a:cs typeface="+mn-cs"/>
+                <a:sym typeface="Calibri" panose="020F0502020204030204" pitchFamily="34" charset="0"/>
+              </a:defRPr>
+            </a:lvl1pPr>
+            <a:lvl2pPr marL="742950" indent="-285750" algn="l" rtl="0" fontAlgn="base">
+              <a:spcBef>
+                <a:spcPct val="20000"/>
+              </a:spcBef>
+              <a:spcAft>
+                <a:spcPct val="0"/>
+              </a:spcAft>
+              <a:buFont typeface="Arial" panose="020B0604020202020204" pitchFamily="34" charset="0"/>
+              <a:buChar char="–"/>
+              <a:defRPr sz="2800" kern="1200">
+                <a:solidFill>
+                  <a:schemeClr val="tx1"/>
+                </a:solidFill>
+                <a:latin typeface="+mn-lt"/>
+                <a:ea typeface="+mn-ea"/>
+                <a:cs typeface="+mn-cs"/>
+                <a:sym typeface="Calibri" panose="020F0502020204030204" pitchFamily="34" charset="0"/>
+              </a:defRPr>
+            </a:lvl2pPr>
+            <a:lvl3pPr marL="1143000" indent="-228600" algn="l" rtl="0" fontAlgn="base">
+              <a:spcBef>
+                <a:spcPct val="20000"/>
+              </a:spcBef>
+              <a:spcAft>
+                <a:spcPct val="0"/>
+              </a:spcAft>
+              <a:buFont typeface="Arial" panose="020B0604020202020204" pitchFamily="34" charset="0"/>
+              <a:buChar char="•"/>
+              <a:defRPr sz="2400" kern="1200">
+                <a:solidFill>
+                  <a:schemeClr val="tx1"/>
+                </a:solidFill>
+                <a:latin typeface="+mn-lt"/>
+                <a:ea typeface="+mn-ea"/>
+                <a:cs typeface="+mn-cs"/>
+                <a:sym typeface="Calibri" panose="020F0502020204030204" pitchFamily="34" charset="0"/>
+              </a:defRPr>
+            </a:lvl3pPr>
+            <a:lvl4pPr marL="1600200" indent="-228600" algn="l" rtl="0" fontAlgn="base">
+              <a:spcBef>
+                <a:spcPct val="20000"/>
+              </a:spcBef>
+              <a:spcAft>
+                <a:spcPct val="0"/>
+              </a:spcAft>
+              <a:buFont typeface="Arial" panose="020B0604020202020204" pitchFamily="34" charset="0"/>
+              <a:buChar char="–"/>
+              <a:defRPr sz="2000" kern="1200">
+                <a:solidFill>
+                  <a:schemeClr val="tx1"/>
+                </a:solidFill>
+                <a:latin typeface="+mn-lt"/>
+                <a:ea typeface="+mn-ea"/>
+                <a:cs typeface="+mn-cs"/>
+                <a:sym typeface="Calibri" panose="020F0502020204030204" pitchFamily="34" charset="0"/>
+              </a:defRPr>
+            </a:lvl4pPr>
+            <a:lvl5pPr marL="2057400" indent="-228600" algn="l" rtl="0" fontAlgn="base">
+              <a:spcBef>
+                <a:spcPct val="20000"/>
+              </a:spcBef>
+              <a:spcAft>
+                <a:spcPct val="0"/>
+              </a:spcAft>
+              <a:buFont typeface="Arial" panose="020B0604020202020204" pitchFamily="34" charset="0"/>
+              <a:buChar char="»"/>
+              <a:defRPr sz="2000" kern="1200">
+                <a:solidFill>
+                  <a:schemeClr val="tx1"/>
+                </a:solidFill>
+                <a:latin typeface="+mn-lt"/>
+                <a:ea typeface="+mn-ea"/>
+                <a:cs typeface="+mn-cs"/>
+                <a:sym typeface="Calibri" panose="020F0502020204030204" pitchFamily="34" charset="0"/>
+              </a:defRPr>
+            </a:lvl5pPr>
+            <a:lvl6pPr marL="2514600" indent="-228600" algn="l" defTabSz="914400" rtl="0" eaLnBrk="1" latinLnBrk="0" hangingPunct="1">
+              <a:lnSpc>
+                <a:spcPct val="90000"/>
+              </a:lnSpc>
+              <a:spcBef>
+                <a:spcPts val="500"/>
+              </a:spcBef>
+              <a:buFont typeface="Arial" panose="020B0604020202020204" pitchFamily="34" charset="0"/>
+              <a:buChar char="•"/>
+              <a:defRPr sz="1800" kern="1200">
+                <a:solidFill>
+                  <a:schemeClr val="tx1"/>
+                </a:solidFill>
+                <a:latin typeface="+mn-lt"/>
+                <a:ea typeface="+mn-ea"/>
+                <a:cs typeface="+mn-cs"/>
+              </a:defRPr>
+            </a:lvl6pPr>
+            <a:lvl7pPr marL="2971800" indent="-228600" algn="l" defTabSz="914400" rtl="0" eaLnBrk="1" latinLnBrk="0" hangingPunct="1">
+              <a:lnSpc>
+                <a:spcPct val="90000"/>
+              </a:lnSpc>
+              <a:spcBef>
+                <a:spcPts val="500"/>
+              </a:spcBef>
+              <a:buFont typeface="Arial" panose="020B0604020202020204" pitchFamily="34" charset="0"/>
+              <a:buChar char="•"/>
+              <a:defRPr sz="1800" kern="1200">
+                <a:solidFill>
+                  <a:schemeClr val="tx1"/>
+                </a:solidFill>
+                <a:latin typeface="+mn-lt"/>
+                <a:ea typeface="+mn-ea"/>
+                <a:cs typeface="+mn-cs"/>
+              </a:defRPr>
+            </a:lvl7pPr>
+            <a:lvl8pPr marL="3429000" indent="-228600" algn="l" defTabSz="914400" rtl="0" eaLnBrk="1" latinLnBrk="0" hangingPunct="1">
+              <a:lnSpc>
+                <a:spcPct val="90000"/>
+              </a:lnSpc>
+              <a:spcBef>
+                <a:spcPts val="500"/>
+              </a:spcBef>
+              <a:buFont typeface="Arial" panose="020B0604020202020204" pitchFamily="34" charset="0"/>
+              <a:buChar char="•"/>
+              <a:defRPr sz="1800" kern="1200">
+                <a:solidFill>
+                  <a:schemeClr val="tx1"/>
+                </a:solidFill>
+                <a:latin typeface="+mn-lt"/>
+                <a:ea typeface="+mn-ea"/>
+                <a:cs typeface="+mn-cs"/>
+              </a:defRPr>
+            </a:lvl8pPr>
+            <a:lvl9pPr marL="3886200" indent="-228600" algn="l" defTabSz="914400" rtl="0" eaLnBrk="1" latinLnBrk="0" hangingPunct="1">
+              <a:lnSpc>
+                <a:spcPct val="90000"/>
+              </a:lnSpc>
+              <a:spcBef>
+                <a:spcPts val="500"/>
+              </a:spcBef>
+              <a:buFont typeface="Arial" panose="020B0604020202020204" pitchFamily="34" charset="0"/>
+              <a:buChar char="•"/>
+              <a:defRPr sz="1800" kern="1200">
+                <a:solidFill>
+                  <a:schemeClr val="tx1"/>
+                </a:solidFill>
+                <a:latin typeface="+mn-lt"/>
+                <a:ea typeface="+mn-ea"/>
+                <a:cs typeface="+mn-cs"/>
+              </a:defRPr>
+            </a:lvl9pPr>
+          </a:lstStyle>
+          <a:p>
+            <a:pPr>
+              <a:lnSpc>
+                <a:spcPct val="150000"/>
+              </a:lnSpc>
+            </a:pPr>
+            <a:r>
+              <a:rPr lang="en-US" altLang="zh-CN" sz="2800" dirty="0">
+                <a:solidFill>
+                  <a:schemeClr val="tx1">
+                    <a:lumMod val="65000"/>
+                    <a:lumOff val="35000"/>
+                  </a:schemeClr>
+                </a:solidFill>
+                <a:latin typeface="微软雅黑 Light" panose="020B0502040204020203" pitchFamily="34" charset="-122"/>
+                <a:ea typeface="微软雅黑 Light" panose="020B0502040204020203" pitchFamily="34" charset="-122"/>
+              </a:rPr>
+              <a:t>GVector3</a:t>
+            </a:r>
+            <a:r>
+              <a:rPr lang="zh-CN" altLang="en-US" sz="2800" dirty="0">
+                <a:solidFill>
+                  <a:schemeClr val="tx1">
+                    <a:lumMod val="65000"/>
+                    <a:lumOff val="35000"/>
+                  </a:schemeClr>
+                </a:solidFill>
+                <a:latin typeface="微软雅黑 Light" panose="020B0502040204020203" pitchFamily="34" charset="-122"/>
+                <a:ea typeface="微软雅黑 Light" panose="020B0502040204020203" pitchFamily="34" charset="-122"/>
+              </a:rPr>
+              <a:t>类</a:t>
+            </a:r>
+            <a:endParaRPr lang="en-US" altLang="zh-CN" sz="2800" dirty="0">
+              <a:solidFill>
+                <a:schemeClr val="tx1">
+                  <a:lumMod val="65000"/>
+                  <a:lumOff val="35000"/>
+                </a:schemeClr>
+              </a:solidFill>
+              <a:latin typeface="微软雅黑 Light" panose="020B0502040204020203" pitchFamily="34" charset="-122"/>
+              <a:ea typeface="微软雅黑 Light" panose="020B0502040204020203" pitchFamily="34" charset="-122"/>
+            </a:endParaRPr>
+          </a:p>
+          <a:p>
+            <a:pPr lvl="1">
+              <a:lnSpc>
+                <a:spcPct val="150000"/>
+              </a:lnSpc>
+            </a:pPr>
+            <a:r>
+              <a:rPr lang="zh-CN" altLang="en-US" sz="2400" dirty="0">
+                <a:solidFill>
+                  <a:schemeClr val="tx1">
+                    <a:lumMod val="65000"/>
+                    <a:lumOff val="35000"/>
+                  </a:schemeClr>
+                </a:solidFill>
+                <a:latin typeface="微软雅黑 Light" panose="020B0502040204020203" pitchFamily="34" charset="-122"/>
+                <a:ea typeface="微软雅黑 Light" panose="020B0502040204020203" pitchFamily="34" charset="-122"/>
+              </a:rPr>
+              <a:t>向量间的大小</a:t>
+            </a:r>
+            <a:endParaRPr lang="en-US" altLang="zh-CN" sz="2400" dirty="0">
+              <a:solidFill>
+                <a:schemeClr val="tx1">
+                  <a:lumMod val="65000"/>
+                  <a:lumOff val="35000"/>
+                </a:schemeClr>
+              </a:solidFill>
+              <a:latin typeface="微软雅黑 Light" panose="020B0502040204020203" pitchFamily="34" charset="-122"/>
+              <a:ea typeface="微软雅黑 Light" panose="020B0502040204020203" pitchFamily="34" charset="-122"/>
+            </a:endParaRPr>
+          </a:p>
+          <a:p>
+            <a:pPr lvl="1">
+              <a:lnSpc>
+                <a:spcPct val="150000"/>
+              </a:lnSpc>
+            </a:pPr>
+            <a:r>
+              <a:rPr lang="zh-CN" altLang="en-US" sz="2400" dirty="0">
+                <a:solidFill>
+                  <a:schemeClr val="tx1">
+                    <a:lumMod val="65000"/>
+                    <a:lumOff val="35000"/>
+                  </a:schemeClr>
+                </a:solidFill>
+                <a:latin typeface="微软雅黑 Light" panose="020B0502040204020203" pitchFamily="34" charset="-122"/>
+                <a:ea typeface="微软雅黑 Light" panose="020B0502040204020203" pitchFamily="34" charset="-122"/>
+              </a:rPr>
+              <a:t>向量的方向</a:t>
+            </a:r>
+            <a:endParaRPr lang="en-US" altLang="zh-CN" sz="2400" dirty="0">
+              <a:solidFill>
+                <a:schemeClr val="tx1">
+                  <a:lumMod val="65000"/>
+                  <a:lumOff val="35000"/>
+                </a:schemeClr>
+              </a:solidFill>
+              <a:latin typeface="微软雅黑 Light" panose="020B0502040204020203" pitchFamily="34" charset="-122"/>
+              <a:ea typeface="微软雅黑 Light" panose="020B0502040204020203" pitchFamily="34" charset="-122"/>
+            </a:endParaRPr>
+          </a:p>
+          <a:p>
+            <a:pPr eaLnBrk="1" hangingPunct="1">
+              <a:lnSpc>
+                <a:spcPct val="150000"/>
+              </a:lnSpc>
+              <a:defRPr/>
+            </a:pPr>
+            <a:endParaRPr lang="en-US" altLang="zh-CN" sz="2800" dirty="0">
+              <a:solidFill>
+                <a:schemeClr val="tx1">
+                  <a:lumMod val="65000"/>
+                  <a:lumOff val="35000"/>
+                </a:schemeClr>
+              </a:solidFill>
+              <a:latin typeface="微软雅黑 Light" panose="020B0502040204020203" pitchFamily="34" charset="-122"/>
+              <a:ea typeface="微软雅黑 Light" panose="020B0502040204020203" pitchFamily="34" charset="-122"/>
+            </a:endParaRPr>
+          </a:p>
+        </p:txBody>
+      </p:sp>
+    </p:spTree>
+  </p:cSld>
+  <p:clrMapOvr>
+    <a:masterClrMapping/>
+  </p:clrMapOvr>
+</p:sld>
+</file>
+
+<file path=ppt/slides/slide4.xml><?xml version="1.0" encoding="utf-8"?>
 <p:sld xmlns:a="http://schemas.openxmlformats.org/drawingml/2006/main" xmlns:r="http://schemas.openxmlformats.org/officeDocument/2006/relationships" xmlns:p="http://schemas.openxmlformats.org/presentationml/2006/main">
   <p:cSld>
     <p:spTree>

--- a/PPT/C++练习.pptx
+++ b/PPT/C++练习.pptx
@@ -5,13 +5,18 @@
     <p:sldMasterId id="2147483648" r:id="rId1"/>
   </p:sldMasterIdLst>
   <p:notesMasterIdLst>
-    <p:notesMasterId r:id="rId6"/>
+    <p:notesMasterId r:id="rId11"/>
   </p:notesMasterIdLst>
   <p:sldIdLst>
     <p:sldId id="256" r:id="rId2"/>
     <p:sldId id="260" r:id="rId3"/>
     <p:sldId id="257" r:id="rId4"/>
-    <p:sldId id="259" r:id="rId5"/>
+    <p:sldId id="261" r:id="rId5"/>
+    <p:sldId id="262" r:id="rId6"/>
+    <p:sldId id="263" r:id="rId7"/>
+    <p:sldId id="264" r:id="rId8"/>
+    <p:sldId id="265" r:id="rId9"/>
+    <p:sldId id="259" r:id="rId10"/>
   </p:sldIdLst>
   <p:sldSz cx="9144000" cy="5143500" type="screen16x9"/>
   <p:notesSz cx="6858000" cy="9144000"/>
@@ -327,7 +332,7 @@
               <a:pPr>
                 <a:defRPr/>
               </a:pPr>
-              <a:t>2017/8/28</a:t>
+              <a:t>2017/8/29</a:t>
             </a:fld>
             <a:endParaRPr lang="zh-CN" altLang="en-US" sz="1200"/>
           </a:p>
@@ -4410,16 +4415,13 @@
               </a:rPr>
               <a:t>练习</a:t>
             </a:r>
-            <a:r>
-              <a:rPr lang="en-US" altLang="zh-CN" dirty="0">
-                <a:solidFill>
-                  <a:srgbClr val="C00000"/>
-                </a:solidFill>
-                <a:latin typeface="微软雅黑 Light" panose="020B0502040204020203" pitchFamily="34" charset="-122"/>
-                <a:ea typeface="微软雅黑 Light" panose="020B0502040204020203" pitchFamily="34" charset="-122"/>
-              </a:rPr>
-              <a:t>1</a:t>
-            </a:r>
+            <a:endParaRPr lang="en-US" altLang="zh-CN" dirty="0">
+              <a:solidFill>
+                <a:srgbClr val="C00000"/>
+              </a:solidFill>
+              <a:latin typeface="微软雅黑 Light" panose="020B0502040204020203" pitchFamily="34" charset="-122"/>
+              <a:ea typeface="微软雅黑 Light" panose="020B0502040204020203" pitchFamily="34" charset="-122"/>
+            </a:endParaRPr>
           </a:p>
         </p:txBody>
       </p:sp>
@@ -4987,16 +4989,13 @@
               </a:rPr>
               <a:t>练习</a:t>
             </a:r>
-            <a:r>
-              <a:rPr lang="en-US" altLang="zh-CN" dirty="0">
-                <a:solidFill>
-                  <a:srgbClr val="C00000"/>
-                </a:solidFill>
-                <a:latin typeface="微软雅黑 Light" panose="020B0502040204020203" pitchFamily="34" charset="-122"/>
-                <a:ea typeface="微软雅黑 Light" panose="020B0502040204020203" pitchFamily="34" charset="-122"/>
-              </a:rPr>
-              <a:t>1</a:t>
-            </a:r>
+            <a:endParaRPr lang="en-US" altLang="zh-CN" dirty="0">
+              <a:solidFill>
+                <a:srgbClr val="C00000"/>
+              </a:solidFill>
+              <a:latin typeface="微软雅黑 Light" panose="020B0502040204020203" pitchFamily="34" charset="-122"/>
+              <a:ea typeface="微软雅黑 Light" panose="020B0502040204020203" pitchFamily="34" charset="-122"/>
+            </a:endParaRPr>
           </a:p>
         </p:txBody>
       </p:sp>
@@ -5254,7 +5253,7 @@
                 <a:latin typeface="微软雅黑 Light" panose="020B0502040204020203" pitchFamily="34" charset="-122"/>
                 <a:ea typeface="微软雅黑 Light" panose="020B0502040204020203" pitchFamily="34" charset="-122"/>
               </a:rPr>
-              <a:t>向量间的大小</a:t>
+              <a:t>向量的大小</a:t>
             </a:r>
             <a:endParaRPr lang="en-US" altLang="zh-CN" sz="2400" dirty="0">
               <a:solidFill>
@@ -5326,6 +5325,2392 @@
 </file>
 
 <file path=ppt/slides/slide4.xml><?xml version="1.0" encoding="utf-8"?>
+<p:sld xmlns:a="http://schemas.openxmlformats.org/drawingml/2006/main" xmlns:r="http://schemas.openxmlformats.org/officeDocument/2006/relationships" xmlns:p="http://schemas.openxmlformats.org/presentationml/2006/main">
+  <p:cSld>
+    <p:spTree>
+      <p:nvGrpSpPr>
+        <p:cNvPr id="1" name=""/>
+        <p:cNvGrpSpPr/>
+        <p:nvPr/>
+      </p:nvGrpSpPr>
+      <p:grpSpPr>
+        <a:xfrm>
+          <a:off x="0" y="0"/>
+          <a:ext cx="0" cy="0"/>
+          <a:chOff x="0" y="0"/>
+          <a:chExt cx="0" cy="0"/>
+        </a:xfrm>
+      </p:grpSpPr>
+      <p:pic>
+        <p:nvPicPr>
+          <p:cNvPr id="3074" name="Picture 2">
+            <a:extLst>
+              <a:ext uri="{FF2B5EF4-FFF2-40B4-BE49-F238E27FC236}">
+                <a16:creationId xmlns:a16="http://schemas.microsoft.com/office/drawing/2014/main" id="{602C339E-BA86-4A21-AB6C-4F6D8491BC39}"/>
+              </a:ext>
+            </a:extLst>
+          </p:cNvPr>
+          <p:cNvPicPr>
+            <a:picLocks noChangeAspect="1" noChangeArrowheads="1"/>
+          </p:cNvPicPr>
+          <p:nvPr/>
+        </p:nvPicPr>
+        <p:blipFill>
+          <a:blip r:embed="rId2">
+            <a:extLst>
+              <a:ext uri="{28A0092B-C50C-407E-A947-70E740481C1C}">
+                <a14:useLocalDpi xmlns:a14="http://schemas.microsoft.com/office/drawing/2010/main" val="0"/>
+              </a:ext>
+            </a:extLst>
+          </a:blip>
+          <a:srcRect/>
+          <a:stretch>
+            <a:fillRect/>
+          </a:stretch>
+        </p:blipFill>
+        <p:spPr bwMode="auto">
+          <a:xfrm>
+            <a:off x="7956550" y="4606925"/>
+            <a:ext cx="1081088" cy="450850"/>
+          </a:xfrm>
+          <a:prstGeom prst="rect">
+            <a:avLst/>
+          </a:prstGeom>
+          <a:noFill/>
+          <a:ln>
+            <a:noFill/>
+          </a:ln>
+          <a:effectLst/>
+          <a:extLst>
+            <a:ext uri="{909E8E84-426E-40DD-AFC4-6F175D3DCCD1}">
+              <a14:hiddenFill xmlns:a14="http://schemas.microsoft.com/office/drawing/2010/main">
+                <a:solidFill>
+                  <a:srgbClr val="FFFFFF"/>
+                </a:solidFill>
+              </a14:hiddenFill>
+            </a:ext>
+            <a:ext uri="{91240B29-F687-4F45-9708-019B960494DF}">
+              <a14:hiddenLine xmlns:a14="http://schemas.microsoft.com/office/drawing/2010/main" w="9525">
+                <a:solidFill>
+                  <a:srgbClr val="000000"/>
+                </a:solidFill>
+                <a:miter lim="800000"/>
+                <a:headEnd/>
+                <a:tailEnd/>
+              </a14:hiddenLine>
+            </a:ext>
+            <a:ext uri="{AF507438-7753-43E0-B8FC-AC1667EBCBE1}">
+              <a14:hiddenEffects xmlns:a14="http://schemas.microsoft.com/office/drawing/2010/main">
+                <a:effectLst>
+                  <a:outerShdw dist="35921" dir="2700000" algn="ctr" rotWithShape="0">
+                    <a:srgbClr val="808080"/>
+                  </a:outerShdw>
+                </a:effectLst>
+              </a14:hiddenEffects>
+            </a:ext>
+          </a:extLst>
+        </p:spPr>
+      </p:pic>
+      <p:sp>
+        <p:nvSpPr>
+          <p:cNvPr id="3075" name="Title 1">
+            <a:extLst>
+              <a:ext uri="{FF2B5EF4-FFF2-40B4-BE49-F238E27FC236}">
+                <a16:creationId xmlns:a16="http://schemas.microsoft.com/office/drawing/2014/main" id="{666E1B67-1175-4598-AA77-794FC6629051}"/>
+              </a:ext>
+            </a:extLst>
+          </p:cNvPr>
+          <p:cNvSpPr>
+            <a:spLocks noGrp="1" noChangeArrowheads="1"/>
+          </p:cNvSpPr>
+          <p:nvPr>
+            <p:ph type="title"/>
+          </p:nvPr>
+        </p:nvSpPr>
+        <p:spPr bwMode="auto">
+          <a:xfrm>
+            <a:off x="457200" y="123825"/>
+            <a:ext cx="8229600" cy="711200"/>
+          </a:xfrm>
+          <a:noFill/>
+          <a:extLst>
+            <a:ext uri="{909E8E84-426E-40DD-AFC4-6F175D3DCCD1}">
+              <a14:hiddenFill xmlns:a14="http://schemas.microsoft.com/office/drawing/2010/main">
+                <a:solidFill>
+                  <a:srgbClr val="FFFFFF"/>
+                </a:solidFill>
+              </a14:hiddenFill>
+            </a:ext>
+            <a:ext uri="{91240B29-F687-4F45-9708-019B960494DF}">
+              <a14:hiddenLine xmlns:a14="http://schemas.microsoft.com/office/drawing/2010/main" w="9525">
+                <a:solidFill>
+                  <a:srgbClr val="000000"/>
+                </a:solidFill>
+                <a:miter lim="800000"/>
+                <a:headEnd/>
+                <a:tailEnd/>
+              </a14:hiddenLine>
+            </a:ext>
+          </a:extLst>
+        </p:spPr>
+        <p:txBody>
+          <a:bodyPr vert="horz" wrap="square" lIns="91440" tIns="45720" rIns="91440" bIns="45720" numCol="1" anchor="t" anchorCtr="0" compatLnSpc="1">
+            <a:prstTxWarp prst="textNoShape">
+              <a:avLst/>
+            </a:prstTxWarp>
+          </a:bodyPr>
+          <a:lstStyle/>
+          <a:p>
+            <a:pPr algn="l" eaLnBrk="1" hangingPunct="1"/>
+            <a:r>
+              <a:rPr lang="zh-CN" altLang="en-US" dirty="0">
+                <a:solidFill>
+                  <a:srgbClr val="C00000"/>
+                </a:solidFill>
+                <a:latin typeface="微软雅黑 Light" panose="020B0502040204020203" pitchFamily="34" charset="-122"/>
+                <a:ea typeface="微软雅黑 Light" panose="020B0502040204020203" pitchFamily="34" charset="-122"/>
+              </a:rPr>
+              <a:t>练习</a:t>
+            </a:r>
+            <a:endParaRPr lang="en-US" altLang="zh-CN" dirty="0">
+              <a:solidFill>
+                <a:srgbClr val="C00000"/>
+              </a:solidFill>
+              <a:latin typeface="微软雅黑 Light" panose="020B0502040204020203" pitchFamily="34" charset="-122"/>
+              <a:ea typeface="微软雅黑 Light" panose="020B0502040204020203" pitchFamily="34" charset="-122"/>
+            </a:endParaRPr>
+          </a:p>
+        </p:txBody>
+      </p:sp>
+      <p:sp>
+        <p:nvSpPr>
+          <p:cNvPr id="4" name="Content Placeholder 3">
+            <a:extLst>
+              <a:ext uri="{FF2B5EF4-FFF2-40B4-BE49-F238E27FC236}">
+                <a16:creationId xmlns:a16="http://schemas.microsoft.com/office/drawing/2014/main" id="{368B2D2E-6A5C-4FE0-91BB-6CC0CC9AEF62}"/>
+              </a:ext>
+            </a:extLst>
+          </p:cNvPr>
+          <p:cNvSpPr txBox="1">
+            <a:spLocks/>
+          </p:cNvSpPr>
+          <p:nvPr/>
+        </p:nvSpPr>
+        <p:spPr>
+          <a:xfrm>
+            <a:off x="457200" y="1131888"/>
+            <a:ext cx="8229600" cy="3925887"/>
+          </a:xfrm>
+          <a:prstGeom prst="rect">
+            <a:avLst/>
+          </a:prstGeom>
+        </p:spPr>
+        <p:txBody>
+          <a:bodyPr/>
+          <a:lstStyle>
+            <a:lvl1pPr marL="342900" indent="-342900" algn="l" rtl="0" fontAlgn="base">
+              <a:spcBef>
+                <a:spcPct val="20000"/>
+              </a:spcBef>
+              <a:spcAft>
+                <a:spcPct val="0"/>
+              </a:spcAft>
+              <a:buFont typeface="Arial" panose="020B0604020202020204" pitchFamily="34" charset="0"/>
+              <a:buChar char="•"/>
+              <a:defRPr sz="3200" kern="1200">
+                <a:solidFill>
+                  <a:schemeClr val="tx1"/>
+                </a:solidFill>
+                <a:latin typeface="+mn-lt"/>
+                <a:ea typeface="+mn-ea"/>
+                <a:cs typeface="+mn-cs"/>
+                <a:sym typeface="Calibri" panose="020F0502020204030204" pitchFamily="34" charset="0"/>
+              </a:defRPr>
+            </a:lvl1pPr>
+            <a:lvl2pPr marL="742950" indent="-285750" algn="l" rtl="0" fontAlgn="base">
+              <a:spcBef>
+                <a:spcPct val="20000"/>
+              </a:spcBef>
+              <a:spcAft>
+                <a:spcPct val="0"/>
+              </a:spcAft>
+              <a:buFont typeface="Arial" panose="020B0604020202020204" pitchFamily="34" charset="0"/>
+              <a:buChar char="–"/>
+              <a:defRPr sz="2800" kern="1200">
+                <a:solidFill>
+                  <a:schemeClr val="tx1"/>
+                </a:solidFill>
+                <a:latin typeface="+mn-lt"/>
+                <a:ea typeface="+mn-ea"/>
+                <a:cs typeface="+mn-cs"/>
+                <a:sym typeface="Calibri" panose="020F0502020204030204" pitchFamily="34" charset="0"/>
+              </a:defRPr>
+            </a:lvl2pPr>
+            <a:lvl3pPr marL="1143000" indent="-228600" algn="l" rtl="0" fontAlgn="base">
+              <a:spcBef>
+                <a:spcPct val="20000"/>
+              </a:spcBef>
+              <a:spcAft>
+                <a:spcPct val="0"/>
+              </a:spcAft>
+              <a:buFont typeface="Arial" panose="020B0604020202020204" pitchFamily="34" charset="0"/>
+              <a:buChar char="•"/>
+              <a:defRPr sz="2400" kern="1200">
+                <a:solidFill>
+                  <a:schemeClr val="tx1"/>
+                </a:solidFill>
+                <a:latin typeface="+mn-lt"/>
+                <a:ea typeface="+mn-ea"/>
+                <a:cs typeface="+mn-cs"/>
+                <a:sym typeface="Calibri" panose="020F0502020204030204" pitchFamily="34" charset="0"/>
+              </a:defRPr>
+            </a:lvl3pPr>
+            <a:lvl4pPr marL="1600200" indent="-228600" algn="l" rtl="0" fontAlgn="base">
+              <a:spcBef>
+                <a:spcPct val="20000"/>
+              </a:spcBef>
+              <a:spcAft>
+                <a:spcPct val="0"/>
+              </a:spcAft>
+              <a:buFont typeface="Arial" panose="020B0604020202020204" pitchFamily="34" charset="0"/>
+              <a:buChar char="–"/>
+              <a:defRPr sz="2000" kern="1200">
+                <a:solidFill>
+                  <a:schemeClr val="tx1"/>
+                </a:solidFill>
+                <a:latin typeface="+mn-lt"/>
+                <a:ea typeface="+mn-ea"/>
+                <a:cs typeface="+mn-cs"/>
+                <a:sym typeface="Calibri" panose="020F0502020204030204" pitchFamily="34" charset="0"/>
+              </a:defRPr>
+            </a:lvl4pPr>
+            <a:lvl5pPr marL="2057400" indent="-228600" algn="l" rtl="0" fontAlgn="base">
+              <a:spcBef>
+                <a:spcPct val="20000"/>
+              </a:spcBef>
+              <a:spcAft>
+                <a:spcPct val="0"/>
+              </a:spcAft>
+              <a:buFont typeface="Arial" panose="020B0604020202020204" pitchFamily="34" charset="0"/>
+              <a:buChar char="»"/>
+              <a:defRPr sz="2000" kern="1200">
+                <a:solidFill>
+                  <a:schemeClr val="tx1"/>
+                </a:solidFill>
+                <a:latin typeface="+mn-lt"/>
+                <a:ea typeface="+mn-ea"/>
+                <a:cs typeface="+mn-cs"/>
+                <a:sym typeface="Calibri" panose="020F0502020204030204" pitchFamily="34" charset="0"/>
+              </a:defRPr>
+            </a:lvl5pPr>
+            <a:lvl6pPr marL="2514600" indent="-228600" algn="l" defTabSz="914400" rtl="0" eaLnBrk="1" latinLnBrk="0" hangingPunct="1">
+              <a:lnSpc>
+                <a:spcPct val="90000"/>
+              </a:lnSpc>
+              <a:spcBef>
+                <a:spcPts val="500"/>
+              </a:spcBef>
+              <a:buFont typeface="Arial" panose="020B0604020202020204" pitchFamily="34" charset="0"/>
+              <a:buChar char="•"/>
+              <a:defRPr sz="1800" kern="1200">
+                <a:solidFill>
+                  <a:schemeClr val="tx1"/>
+                </a:solidFill>
+                <a:latin typeface="+mn-lt"/>
+                <a:ea typeface="+mn-ea"/>
+                <a:cs typeface="+mn-cs"/>
+              </a:defRPr>
+            </a:lvl6pPr>
+            <a:lvl7pPr marL="2971800" indent="-228600" algn="l" defTabSz="914400" rtl="0" eaLnBrk="1" latinLnBrk="0" hangingPunct="1">
+              <a:lnSpc>
+                <a:spcPct val="90000"/>
+              </a:lnSpc>
+              <a:spcBef>
+                <a:spcPts val="500"/>
+              </a:spcBef>
+              <a:buFont typeface="Arial" panose="020B0604020202020204" pitchFamily="34" charset="0"/>
+              <a:buChar char="•"/>
+              <a:defRPr sz="1800" kern="1200">
+                <a:solidFill>
+                  <a:schemeClr val="tx1"/>
+                </a:solidFill>
+                <a:latin typeface="+mn-lt"/>
+                <a:ea typeface="+mn-ea"/>
+                <a:cs typeface="+mn-cs"/>
+              </a:defRPr>
+            </a:lvl7pPr>
+            <a:lvl8pPr marL="3429000" indent="-228600" algn="l" defTabSz="914400" rtl="0" eaLnBrk="1" latinLnBrk="0" hangingPunct="1">
+              <a:lnSpc>
+                <a:spcPct val="90000"/>
+              </a:lnSpc>
+              <a:spcBef>
+                <a:spcPts val="500"/>
+              </a:spcBef>
+              <a:buFont typeface="Arial" panose="020B0604020202020204" pitchFamily="34" charset="0"/>
+              <a:buChar char="•"/>
+              <a:defRPr sz="1800" kern="1200">
+                <a:solidFill>
+                  <a:schemeClr val="tx1"/>
+                </a:solidFill>
+                <a:latin typeface="+mn-lt"/>
+                <a:ea typeface="+mn-ea"/>
+                <a:cs typeface="+mn-cs"/>
+              </a:defRPr>
+            </a:lvl8pPr>
+            <a:lvl9pPr marL="3886200" indent="-228600" algn="l" defTabSz="914400" rtl="0" eaLnBrk="1" latinLnBrk="0" hangingPunct="1">
+              <a:lnSpc>
+                <a:spcPct val="90000"/>
+              </a:lnSpc>
+              <a:spcBef>
+                <a:spcPts val="500"/>
+              </a:spcBef>
+              <a:buFont typeface="Arial" panose="020B0604020202020204" pitchFamily="34" charset="0"/>
+              <a:buChar char="•"/>
+              <a:defRPr sz="1800" kern="1200">
+                <a:solidFill>
+                  <a:schemeClr val="tx1"/>
+                </a:solidFill>
+                <a:latin typeface="+mn-lt"/>
+                <a:ea typeface="+mn-ea"/>
+                <a:cs typeface="+mn-cs"/>
+              </a:defRPr>
+            </a:lvl9pPr>
+          </a:lstStyle>
+          <a:p>
+            <a:pPr>
+              <a:lnSpc>
+                <a:spcPct val="150000"/>
+              </a:lnSpc>
+            </a:pPr>
+            <a:r>
+              <a:rPr lang="en-US" altLang="zh-CN" sz="2800" dirty="0">
+                <a:solidFill>
+                  <a:schemeClr val="tx1">
+                    <a:lumMod val="65000"/>
+                    <a:lumOff val="35000"/>
+                  </a:schemeClr>
+                </a:solidFill>
+                <a:latin typeface="微软雅黑 Light" panose="020B0502040204020203" pitchFamily="34" charset="-122"/>
+                <a:ea typeface="微软雅黑 Light" panose="020B0502040204020203" pitchFamily="34" charset="-122"/>
+              </a:rPr>
+              <a:t>GVector3</a:t>
+            </a:r>
+            <a:r>
+              <a:rPr lang="zh-CN" altLang="en-US" sz="2800" dirty="0">
+                <a:solidFill>
+                  <a:schemeClr val="tx1">
+                    <a:lumMod val="65000"/>
+                    <a:lumOff val="35000"/>
+                  </a:schemeClr>
+                </a:solidFill>
+                <a:latin typeface="微软雅黑 Light" panose="020B0502040204020203" pitchFamily="34" charset="-122"/>
+                <a:ea typeface="微软雅黑 Light" panose="020B0502040204020203" pitchFamily="34" charset="-122"/>
+              </a:rPr>
+              <a:t>类</a:t>
+            </a:r>
+            <a:endParaRPr lang="en-US" altLang="zh-CN" sz="2800" dirty="0">
+              <a:solidFill>
+                <a:schemeClr val="tx1">
+                  <a:lumMod val="65000"/>
+                  <a:lumOff val="35000"/>
+                </a:schemeClr>
+              </a:solidFill>
+              <a:latin typeface="微软雅黑 Light" panose="020B0502040204020203" pitchFamily="34" charset="-122"/>
+              <a:ea typeface="微软雅黑 Light" panose="020B0502040204020203" pitchFamily="34" charset="-122"/>
+            </a:endParaRPr>
+          </a:p>
+          <a:p>
+            <a:pPr lvl="1">
+              <a:lnSpc>
+                <a:spcPct val="150000"/>
+              </a:lnSpc>
+            </a:pPr>
+            <a:r>
+              <a:rPr lang="zh-CN" altLang="en-US" sz="2400" dirty="0">
+                <a:solidFill>
+                  <a:schemeClr val="tx1">
+                    <a:lumMod val="65000"/>
+                    <a:lumOff val="35000"/>
+                  </a:schemeClr>
+                </a:solidFill>
+                <a:latin typeface="微软雅黑 Light" panose="020B0502040204020203" pitchFamily="34" charset="-122"/>
+                <a:ea typeface="微软雅黑 Light" panose="020B0502040204020203" pitchFamily="34" charset="-122"/>
+              </a:rPr>
+              <a:t>向量的外积</a:t>
+            </a:r>
+            <a:endParaRPr lang="en-US" altLang="zh-CN" sz="2400" dirty="0">
+              <a:solidFill>
+                <a:schemeClr val="tx1">
+                  <a:lumMod val="65000"/>
+                  <a:lumOff val="35000"/>
+                </a:schemeClr>
+              </a:solidFill>
+              <a:latin typeface="微软雅黑 Light" panose="020B0502040204020203" pitchFamily="34" charset="-122"/>
+              <a:ea typeface="微软雅黑 Light" panose="020B0502040204020203" pitchFamily="34" charset="-122"/>
+            </a:endParaRPr>
+          </a:p>
+          <a:p>
+            <a:pPr lvl="1">
+              <a:lnSpc>
+                <a:spcPct val="150000"/>
+              </a:lnSpc>
+            </a:pPr>
+            <a:r>
+              <a:rPr lang="zh-CN" altLang="en-US" sz="2400" dirty="0">
+                <a:solidFill>
+                  <a:schemeClr val="tx1">
+                    <a:lumMod val="65000"/>
+                    <a:lumOff val="35000"/>
+                  </a:schemeClr>
+                </a:solidFill>
+                <a:latin typeface="微软雅黑 Light" panose="020B0502040204020203" pitchFamily="34" charset="-122"/>
+                <a:ea typeface="微软雅黑 Light" panose="020B0502040204020203" pitchFamily="34" charset="-122"/>
+              </a:rPr>
+              <a:t>向量的内积</a:t>
+            </a:r>
+            <a:endParaRPr lang="en-US" altLang="zh-CN" sz="2400" dirty="0">
+              <a:solidFill>
+                <a:schemeClr val="tx1">
+                  <a:lumMod val="65000"/>
+                  <a:lumOff val="35000"/>
+                </a:schemeClr>
+              </a:solidFill>
+              <a:latin typeface="微软雅黑 Light" panose="020B0502040204020203" pitchFamily="34" charset="-122"/>
+              <a:ea typeface="微软雅黑 Light" panose="020B0502040204020203" pitchFamily="34" charset="-122"/>
+            </a:endParaRPr>
+          </a:p>
+          <a:p>
+            <a:pPr lvl="1">
+              <a:lnSpc>
+                <a:spcPct val="150000"/>
+              </a:lnSpc>
+            </a:pPr>
+            <a:r>
+              <a:rPr lang="zh-CN" altLang="en-US" sz="2400" dirty="0">
+                <a:solidFill>
+                  <a:schemeClr val="tx1">
+                    <a:lumMod val="65000"/>
+                    <a:lumOff val="35000"/>
+                  </a:schemeClr>
+                </a:solidFill>
+                <a:latin typeface="微软雅黑 Light" panose="020B0502040204020203" pitchFamily="34" charset="-122"/>
+                <a:ea typeface="微软雅黑 Light" panose="020B0502040204020203" pitchFamily="34" charset="-122"/>
+              </a:rPr>
+              <a:t>向量的投影</a:t>
+            </a:r>
+            <a:endParaRPr lang="en-US" altLang="zh-CN" sz="2400" dirty="0">
+              <a:solidFill>
+                <a:schemeClr val="tx1">
+                  <a:lumMod val="65000"/>
+                  <a:lumOff val="35000"/>
+                </a:schemeClr>
+              </a:solidFill>
+              <a:latin typeface="微软雅黑 Light" panose="020B0502040204020203" pitchFamily="34" charset="-122"/>
+              <a:ea typeface="微软雅黑 Light" panose="020B0502040204020203" pitchFamily="34" charset="-122"/>
+            </a:endParaRPr>
+          </a:p>
+          <a:p>
+            <a:pPr eaLnBrk="1" hangingPunct="1">
+              <a:lnSpc>
+                <a:spcPct val="150000"/>
+              </a:lnSpc>
+              <a:defRPr/>
+            </a:pPr>
+            <a:endParaRPr lang="en-US" altLang="zh-CN" sz="2800" dirty="0">
+              <a:solidFill>
+                <a:schemeClr val="tx1">
+                  <a:lumMod val="65000"/>
+                  <a:lumOff val="35000"/>
+                </a:schemeClr>
+              </a:solidFill>
+              <a:latin typeface="微软雅黑 Light" panose="020B0502040204020203" pitchFamily="34" charset="-122"/>
+              <a:ea typeface="微软雅黑 Light" panose="020B0502040204020203" pitchFamily="34" charset="-122"/>
+            </a:endParaRPr>
+          </a:p>
+        </p:txBody>
+      </p:sp>
+    </p:spTree>
+    <p:extLst>
+      <p:ext uri="{BB962C8B-B14F-4D97-AF65-F5344CB8AC3E}">
+        <p14:creationId xmlns:p14="http://schemas.microsoft.com/office/powerpoint/2010/main" val="275949795"/>
+      </p:ext>
+    </p:extLst>
+  </p:cSld>
+  <p:clrMapOvr>
+    <a:masterClrMapping/>
+  </p:clrMapOvr>
+</p:sld>
+</file>
+
+<file path=ppt/slides/slide5.xml><?xml version="1.0" encoding="utf-8"?>
+<p:sld xmlns:a="http://schemas.openxmlformats.org/drawingml/2006/main" xmlns:r="http://schemas.openxmlformats.org/officeDocument/2006/relationships" xmlns:p="http://schemas.openxmlformats.org/presentationml/2006/main">
+  <p:cSld>
+    <p:spTree>
+      <p:nvGrpSpPr>
+        <p:cNvPr id="1" name=""/>
+        <p:cNvGrpSpPr/>
+        <p:nvPr/>
+      </p:nvGrpSpPr>
+      <p:grpSpPr>
+        <a:xfrm>
+          <a:off x="0" y="0"/>
+          <a:ext cx="0" cy="0"/>
+          <a:chOff x="0" y="0"/>
+          <a:chExt cx="0" cy="0"/>
+        </a:xfrm>
+      </p:grpSpPr>
+      <p:pic>
+        <p:nvPicPr>
+          <p:cNvPr id="3074" name="Picture 2">
+            <a:extLst>
+              <a:ext uri="{FF2B5EF4-FFF2-40B4-BE49-F238E27FC236}">
+                <a16:creationId xmlns:a16="http://schemas.microsoft.com/office/drawing/2014/main" id="{602C339E-BA86-4A21-AB6C-4F6D8491BC39}"/>
+              </a:ext>
+            </a:extLst>
+          </p:cNvPr>
+          <p:cNvPicPr>
+            <a:picLocks noChangeAspect="1" noChangeArrowheads="1"/>
+          </p:cNvPicPr>
+          <p:nvPr/>
+        </p:nvPicPr>
+        <p:blipFill>
+          <a:blip r:embed="rId2">
+            <a:extLst>
+              <a:ext uri="{28A0092B-C50C-407E-A947-70E740481C1C}">
+                <a14:useLocalDpi xmlns:a14="http://schemas.microsoft.com/office/drawing/2010/main" val="0"/>
+              </a:ext>
+            </a:extLst>
+          </a:blip>
+          <a:srcRect/>
+          <a:stretch>
+            <a:fillRect/>
+          </a:stretch>
+        </p:blipFill>
+        <p:spPr bwMode="auto">
+          <a:xfrm>
+            <a:off x="7956550" y="4606925"/>
+            <a:ext cx="1081088" cy="450850"/>
+          </a:xfrm>
+          <a:prstGeom prst="rect">
+            <a:avLst/>
+          </a:prstGeom>
+          <a:noFill/>
+          <a:ln>
+            <a:noFill/>
+          </a:ln>
+          <a:effectLst/>
+          <a:extLst>
+            <a:ext uri="{909E8E84-426E-40DD-AFC4-6F175D3DCCD1}">
+              <a14:hiddenFill xmlns:a14="http://schemas.microsoft.com/office/drawing/2010/main">
+                <a:solidFill>
+                  <a:srgbClr val="FFFFFF"/>
+                </a:solidFill>
+              </a14:hiddenFill>
+            </a:ext>
+            <a:ext uri="{91240B29-F687-4F45-9708-019B960494DF}">
+              <a14:hiddenLine xmlns:a14="http://schemas.microsoft.com/office/drawing/2010/main" w="9525">
+                <a:solidFill>
+                  <a:srgbClr val="000000"/>
+                </a:solidFill>
+                <a:miter lim="800000"/>
+                <a:headEnd/>
+                <a:tailEnd/>
+              </a14:hiddenLine>
+            </a:ext>
+            <a:ext uri="{AF507438-7753-43E0-B8FC-AC1667EBCBE1}">
+              <a14:hiddenEffects xmlns:a14="http://schemas.microsoft.com/office/drawing/2010/main">
+                <a:effectLst>
+                  <a:outerShdw dist="35921" dir="2700000" algn="ctr" rotWithShape="0">
+                    <a:srgbClr val="808080"/>
+                  </a:outerShdw>
+                </a:effectLst>
+              </a14:hiddenEffects>
+            </a:ext>
+          </a:extLst>
+        </p:spPr>
+      </p:pic>
+      <p:sp>
+        <p:nvSpPr>
+          <p:cNvPr id="3075" name="Title 1">
+            <a:extLst>
+              <a:ext uri="{FF2B5EF4-FFF2-40B4-BE49-F238E27FC236}">
+                <a16:creationId xmlns:a16="http://schemas.microsoft.com/office/drawing/2014/main" id="{666E1B67-1175-4598-AA77-794FC6629051}"/>
+              </a:ext>
+            </a:extLst>
+          </p:cNvPr>
+          <p:cNvSpPr>
+            <a:spLocks noGrp="1" noChangeArrowheads="1"/>
+          </p:cNvSpPr>
+          <p:nvPr>
+            <p:ph type="title"/>
+          </p:nvPr>
+        </p:nvSpPr>
+        <p:spPr bwMode="auto">
+          <a:xfrm>
+            <a:off x="457200" y="123825"/>
+            <a:ext cx="8229600" cy="711200"/>
+          </a:xfrm>
+          <a:noFill/>
+          <a:extLst>
+            <a:ext uri="{909E8E84-426E-40DD-AFC4-6F175D3DCCD1}">
+              <a14:hiddenFill xmlns:a14="http://schemas.microsoft.com/office/drawing/2010/main">
+                <a:solidFill>
+                  <a:srgbClr val="FFFFFF"/>
+                </a:solidFill>
+              </a14:hiddenFill>
+            </a:ext>
+            <a:ext uri="{91240B29-F687-4F45-9708-019B960494DF}">
+              <a14:hiddenLine xmlns:a14="http://schemas.microsoft.com/office/drawing/2010/main" w="9525">
+                <a:solidFill>
+                  <a:srgbClr val="000000"/>
+                </a:solidFill>
+                <a:miter lim="800000"/>
+                <a:headEnd/>
+                <a:tailEnd/>
+              </a14:hiddenLine>
+            </a:ext>
+          </a:extLst>
+        </p:spPr>
+        <p:txBody>
+          <a:bodyPr vert="horz" wrap="square" lIns="91440" tIns="45720" rIns="91440" bIns="45720" numCol="1" anchor="t" anchorCtr="0" compatLnSpc="1">
+            <a:prstTxWarp prst="textNoShape">
+              <a:avLst/>
+            </a:prstTxWarp>
+          </a:bodyPr>
+          <a:lstStyle/>
+          <a:p>
+            <a:pPr algn="l" eaLnBrk="1" hangingPunct="1"/>
+            <a:r>
+              <a:rPr lang="zh-CN" altLang="en-US" dirty="0">
+                <a:solidFill>
+                  <a:srgbClr val="C00000"/>
+                </a:solidFill>
+                <a:latin typeface="微软雅黑 Light" panose="020B0502040204020203" pitchFamily="34" charset="-122"/>
+                <a:ea typeface="微软雅黑 Light" panose="020B0502040204020203" pitchFamily="34" charset="-122"/>
+              </a:rPr>
+              <a:t>练习</a:t>
+            </a:r>
+            <a:endParaRPr lang="en-US" altLang="zh-CN" dirty="0">
+              <a:solidFill>
+                <a:srgbClr val="C00000"/>
+              </a:solidFill>
+              <a:latin typeface="微软雅黑 Light" panose="020B0502040204020203" pitchFamily="34" charset="-122"/>
+              <a:ea typeface="微软雅黑 Light" panose="020B0502040204020203" pitchFamily="34" charset="-122"/>
+            </a:endParaRPr>
+          </a:p>
+        </p:txBody>
+      </p:sp>
+      <p:sp>
+        <p:nvSpPr>
+          <p:cNvPr id="4" name="Content Placeholder 3">
+            <a:extLst>
+              <a:ext uri="{FF2B5EF4-FFF2-40B4-BE49-F238E27FC236}">
+                <a16:creationId xmlns:a16="http://schemas.microsoft.com/office/drawing/2014/main" id="{368B2D2E-6A5C-4FE0-91BB-6CC0CC9AEF62}"/>
+              </a:ext>
+            </a:extLst>
+          </p:cNvPr>
+          <p:cNvSpPr txBox="1">
+            <a:spLocks/>
+          </p:cNvSpPr>
+          <p:nvPr/>
+        </p:nvSpPr>
+        <p:spPr>
+          <a:xfrm>
+            <a:off x="457200" y="1131888"/>
+            <a:ext cx="8229600" cy="3925887"/>
+          </a:xfrm>
+          <a:prstGeom prst="rect">
+            <a:avLst/>
+          </a:prstGeom>
+        </p:spPr>
+        <p:txBody>
+          <a:bodyPr/>
+          <a:lstStyle>
+            <a:lvl1pPr marL="342900" indent="-342900" algn="l" rtl="0" fontAlgn="base">
+              <a:spcBef>
+                <a:spcPct val="20000"/>
+              </a:spcBef>
+              <a:spcAft>
+                <a:spcPct val="0"/>
+              </a:spcAft>
+              <a:buFont typeface="Arial" panose="020B0604020202020204" pitchFamily="34" charset="0"/>
+              <a:buChar char="•"/>
+              <a:defRPr sz="3200" kern="1200">
+                <a:solidFill>
+                  <a:schemeClr val="tx1"/>
+                </a:solidFill>
+                <a:latin typeface="+mn-lt"/>
+                <a:ea typeface="+mn-ea"/>
+                <a:cs typeface="+mn-cs"/>
+                <a:sym typeface="Calibri" panose="020F0502020204030204" pitchFamily="34" charset="0"/>
+              </a:defRPr>
+            </a:lvl1pPr>
+            <a:lvl2pPr marL="742950" indent="-285750" algn="l" rtl="0" fontAlgn="base">
+              <a:spcBef>
+                <a:spcPct val="20000"/>
+              </a:spcBef>
+              <a:spcAft>
+                <a:spcPct val="0"/>
+              </a:spcAft>
+              <a:buFont typeface="Arial" panose="020B0604020202020204" pitchFamily="34" charset="0"/>
+              <a:buChar char="–"/>
+              <a:defRPr sz="2800" kern="1200">
+                <a:solidFill>
+                  <a:schemeClr val="tx1"/>
+                </a:solidFill>
+                <a:latin typeface="+mn-lt"/>
+                <a:ea typeface="+mn-ea"/>
+                <a:cs typeface="+mn-cs"/>
+                <a:sym typeface="Calibri" panose="020F0502020204030204" pitchFamily="34" charset="0"/>
+              </a:defRPr>
+            </a:lvl2pPr>
+            <a:lvl3pPr marL="1143000" indent="-228600" algn="l" rtl="0" fontAlgn="base">
+              <a:spcBef>
+                <a:spcPct val="20000"/>
+              </a:spcBef>
+              <a:spcAft>
+                <a:spcPct val="0"/>
+              </a:spcAft>
+              <a:buFont typeface="Arial" panose="020B0604020202020204" pitchFamily="34" charset="0"/>
+              <a:buChar char="•"/>
+              <a:defRPr sz="2400" kern="1200">
+                <a:solidFill>
+                  <a:schemeClr val="tx1"/>
+                </a:solidFill>
+                <a:latin typeface="+mn-lt"/>
+                <a:ea typeface="+mn-ea"/>
+                <a:cs typeface="+mn-cs"/>
+                <a:sym typeface="Calibri" panose="020F0502020204030204" pitchFamily="34" charset="0"/>
+              </a:defRPr>
+            </a:lvl3pPr>
+            <a:lvl4pPr marL="1600200" indent="-228600" algn="l" rtl="0" fontAlgn="base">
+              <a:spcBef>
+                <a:spcPct val="20000"/>
+              </a:spcBef>
+              <a:spcAft>
+                <a:spcPct val="0"/>
+              </a:spcAft>
+              <a:buFont typeface="Arial" panose="020B0604020202020204" pitchFamily="34" charset="0"/>
+              <a:buChar char="–"/>
+              <a:defRPr sz="2000" kern="1200">
+                <a:solidFill>
+                  <a:schemeClr val="tx1"/>
+                </a:solidFill>
+                <a:latin typeface="+mn-lt"/>
+                <a:ea typeface="+mn-ea"/>
+                <a:cs typeface="+mn-cs"/>
+                <a:sym typeface="Calibri" panose="020F0502020204030204" pitchFamily="34" charset="0"/>
+              </a:defRPr>
+            </a:lvl4pPr>
+            <a:lvl5pPr marL="2057400" indent="-228600" algn="l" rtl="0" fontAlgn="base">
+              <a:spcBef>
+                <a:spcPct val="20000"/>
+              </a:spcBef>
+              <a:spcAft>
+                <a:spcPct val="0"/>
+              </a:spcAft>
+              <a:buFont typeface="Arial" panose="020B0604020202020204" pitchFamily="34" charset="0"/>
+              <a:buChar char="»"/>
+              <a:defRPr sz="2000" kern="1200">
+                <a:solidFill>
+                  <a:schemeClr val="tx1"/>
+                </a:solidFill>
+                <a:latin typeface="+mn-lt"/>
+                <a:ea typeface="+mn-ea"/>
+                <a:cs typeface="+mn-cs"/>
+                <a:sym typeface="Calibri" panose="020F0502020204030204" pitchFamily="34" charset="0"/>
+              </a:defRPr>
+            </a:lvl5pPr>
+            <a:lvl6pPr marL="2514600" indent="-228600" algn="l" defTabSz="914400" rtl="0" eaLnBrk="1" latinLnBrk="0" hangingPunct="1">
+              <a:lnSpc>
+                <a:spcPct val="90000"/>
+              </a:lnSpc>
+              <a:spcBef>
+                <a:spcPts val="500"/>
+              </a:spcBef>
+              <a:buFont typeface="Arial" panose="020B0604020202020204" pitchFamily="34" charset="0"/>
+              <a:buChar char="•"/>
+              <a:defRPr sz="1800" kern="1200">
+                <a:solidFill>
+                  <a:schemeClr val="tx1"/>
+                </a:solidFill>
+                <a:latin typeface="+mn-lt"/>
+                <a:ea typeface="+mn-ea"/>
+                <a:cs typeface="+mn-cs"/>
+              </a:defRPr>
+            </a:lvl6pPr>
+            <a:lvl7pPr marL="2971800" indent="-228600" algn="l" defTabSz="914400" rtl="0" eaLnBrk="1" latinLnBrk="0" hangingPunct="1">
+              <a:lnSpc>
+                <a:spcPct val="90000"/>
+              </a:lnSpc>
+              <a:spcBef>
+                <a:spcPts val="500"/>
+              </a:spcBef>
+              <a:buFont typeface="Arial" panose="020B0604020202020204" pitchFamily="34" charset="0"/>
+              <a:buChar char="•"/>
+              <a:defRPr sz="1800" kern="1200">
+                <a:solidFill>
+                  <a:schemeClr val="tx1"/>
+                </a:solidFill>
+                <a:latin typeface="+mn-lt"/>
+                <a:ea typeface="+mn-ea"/>
+                <a:cs typeface="+mn-cs"/>
+              </a:defRPr>
+            </a:lvl7pPr>
+            <a:lvl8pPr marL="3429000" indent="-228600" algn="l" defTabSz="914400" rtl="0" eaLnBrk="1" latinLnBrk="0" hangingPunct="1">
+              <a:lnSpc>
+                <a:spcPct val="90000"/>
+              </a:lnSpc>
+              <a:spcBef>
+                <a:spcPts val="500"/>
+              </a:spcBef>
+              <a:buFont typeface="Arial" panose="020B0604020202020204" pitchFamily="34" charset="0"/>
+              <a:buChar char="•"/>
+              <a:defRPr sz="1800" kern="1200">
+                <a:solidFill>
+                  <a:schemeClr val="tx1"/>
+                </a:solidFill>
+                <a:latin typeface="+mn-lt"/>
+                <a:ea typeface="+mn-ea"/>
+                <a:cs typeface="+mn-cs"/>
+              </a:defRPr>
+            </a:lvl8pPr>
+            <a:lvl9pPr marL="3886200" indent="-228600" algn="l" defTabSz="914400" rtl="0" eaLnBrk="1" latinLnBrk="0" hangingPunct="1">
+              <a:lnSpc>
+                <a:spcPct val="90000"/>
+              </a:lnSpc>
+              <a:spcBef>
+                <a:spcPts val="500"/>
+              </a:spcBef>
+              <a:buFont typeface="Arial" panose="020B0604020202020204" pitchFamily="34" charset="0"/>
+              <a:buChar char="•"/>
+              <a:defRPr sz="1800" kern="1200">
+                <a:solidFill>
+                  <a:schemeClr val="tx1"/>
+                </a:solidFill>
+                <a:latin typeface="+mn-lt"/>
+                <a:ea typeface="+mn-ea"/>
+                <a:cs typeface="+mn-cs"/>
+              </a:defRPr>
+            </a:lvl9pPr>
+          </a:lstStyle>
+          <a:p>
+            <a:pPr>
+              <a:lnSpc>
+                <a:spcPct val="150000"/>
+              </a:lnSpc>
+            </a:pPr>
+            <a:r>
+              <a:rPr lang="zh-CN" altLang="en-US" sz="2800" dirty="0">
+                <a:solidFill>
+                  <a:schemeClr val="tx1">
+                    <a:lumMod val="65000"/>
+                    <a:lumOff val="35000"/>
+                  </a:schemeClr>
+                </a:solidFill>
+                <a:latin typeface="微软雅黑 Light" panose="020B0502040204020203" pitchFamily="34" charset="-122"/>
+                <a:ea typeface="微软雅黑 Light" panose="020B0502040204020203" pitchFamily="34" charset="-122"/>
+              </a:rPr>
+              <a:t>施密特正交化</a:t>
+            </a:r>
+            <a:endParaRPr lang="en-US" altLang="zh-CN" sz="2800" dirty="0">
+              <a:solidFill>
+                <a:schemeClr val="tx1">
+                  <a:lumMod val="65000"/>
+                  <a:lumOff val="35000"/>
+                </a:schemeClr>
+              </a:solidFill>
+              <a:latin typeface="微软雅黑 Light" panose="020B0502040204020203" pitchFamily="34" charset="-122"/>
+              <a:ea typeface="微软雅黑 Light" panose="020B0502040204020203" pitchFamily="34" charset="-122"/>
+            </a:endParaRPr>
+          </a:p>
+          <a:p>
+            <a:pPr>
+              <a:lnSpc>
+                <a:spcPct val="150000"/>
+              </a:lnSpc>
+            </a:pPr>
+            <a:r>
+              <a:rPr lang="en-US" altLang="zh-CN" sz="2800" dirty="0">
+                <a:solidFill>
+                  <a:schemeClr val="tx1">
+                    <a:lumMod val="65000"/>
+                    <a:lumOff val="35000"/>
+                  </a:schemeClr>
+                </a:solidFill>
+                <a:latin typeface="微软雅黑 Light" panose="020B0502040204020203" pitchFamily="34" charset="-122"/>
+                <a:ea typeface="微软雅黑 Light" panose="020B0502040204020203" pitchFamily="34" charset="-122"/>
+              </a:rPr>
+              <a:t>GVector4</a:t>
+            </a:r>
+            <a:r>
+              <a:rPr lang="zh-CN" altLang="en-US" sz="2800" dirty="0">
+                <a:solidFill>
+                  <a:schemeClr val="tx1">
+                    <a:lumMod val="65000"/>
+                    <a:lumOff val="35000"/>
+                  </a:schemeClr>
+                </a:solidFill>
+                <a:latin typeface="微软雅黑 Light" panose="020B0502040204020203" pitchFamily="34" charset="-122"/>
+                <a:ea typeface="微软雅黑 Light" panose="020B0502040204020203" pitchFamily="34" charset="-122"/>
+              </a:rPr>
+              <a:t>类</a:t>
+            </a:r>
+            <a:endParaRPr lang="en-US" altLang="zh-CN" sz="2800" dirty="0">
+              <a:solidFill>
+                <a:schemeClr val="tx1">
+                  <a:lumMod val="65000"/>
+                  <a:lumOff val="35000"/>
+                </a:schemeClr>
+              </a:solidFill>
+              <a:latin typeface="微软雅黑 Light" panose="020B0502040204020203" pitchFamily="34" charset="-122"/>
+              <a:ea typeface="微软雅黑 Light" panose="020B0502040204020203" pitchFamily="34" charset="-122"/>
+            </a:endParaRPr>
+          </a:p>
+        </p:txBody>
+      </p:sp>
+    </p:spTree>
+    <p:extLst>
+      <p:ext uri="{BB962C8B-B14F-4D97-AF65-F5344CB8AC3E}">
+        <p14:creationId xmlns:p14="http://schemas.microsoft.com/office/powerpoint/2010/main" val="3445531004"/>
+      </p:ext>
+    </p:extLst>
+  </p:cSld>
+  <p:clrMapOvr>
+    <a:masterClrMapping/>
+  </p:clrMapOvr>
+</p:sld>
+</file>
+
+<file path=ppt/slides/slide6.xml><?xml version="1.0" encoding="utf-8"?>
+<p:sld xmlns:a="http://schemas.openxmlformats.org/drawingml/2006/main" xmlns:r="http://schemas.openxmlformats.org/officeDocument/2006/relationships" xmlns:p="http://schemas.openxmlformats.org/presentationml/2006/main">
+  <p:cSld>
+    <p:spTree>
+      <p:nvGrpSpPr>
+        <p:cNvPr id="1" name=""/>
+        <p:cNvGrpSpPr/>
+        <p:nvPr/>
+      </p:nvGrpSpPr>
+      <p:grpSpPr>
+        <a:xfrm>
+          <a:off x="0" y="0"/>
+          <a:ext cx="0" cy="0"/>
+          <a:chOff x="0" y="0"/>
+          <a:chExt cx="0" cy="0"/>
+        </a:xfrm>
+      </p:grpSpPr>
+      <p:pic>
+        <p:nvPicPr>
+          <p:cNvPr id="3074" name="Picture 2">
+            <a:extLst>
+              <a:ext uri="{FF2B5EF4-FFF2-40B4-BE49-F238E27FC236}">
+                <a16:creationId xmlns:a16="http://schemas.microsoft.com/office/drawing/2014/main" id="{602C339E-BA86-4A21-AB6C-4F6D8491BC39}"/>
+              </a:ext>
+            </a:extLst>
+          </p:cNvPr>
+          <p:cNvPicPr>
+            <a:picLocks noChangeAspect="1" noChangeArrowheads="1"/>
+          </p:cNvPicPr>
+          <p:nvPr/>
+        </p:nvPicPr>
+        <p:blipFill>
+          <a:blip r:embed="rId2">
+            <a:extLst>
+              <a:ext uri="{28A0092B-C50C-407E-A947-70E740481C1C}">
+                <a14:useLocalDpi xmlns:a14="http://schemas.microsoft.com/office/drawing/2010/main" val="0"/>
+              </a:ext>
+            </a:extLst>
+          </a:blip>
+          <a:srcRect/>
+          <a:stretch>
+            <a:fillRect/>
+          </a:stretch>
+        </p:blipFill>
+        <p:spPr bwMode="auto">
+          <a:xfrm>
+            <a:off x="7956550" y="4606925"/>
+            <a:ext cx="1081088" cy="450850"/>
+          </a:xfrm>
+          <a:prstGeom prst="rect">
+            <a:avLst/>
+          </a:prstGeom>
+          <a:noFill/>
+          <a:ln>
+            <a:noFill/>
+          </a:ln>
+          <a:effectLst/>
+          <a:extLst>
+            <a:ext uri="{909E8E84-426E-40DD-AFC4-6F175D3DCCD1}">
+              <a14:hiddenFill xmlns:a14="http://schemas.microsoft.com/office/drawing/2010/main">
+                <a:solidFill>
+                  <a:srgbClr val="FFFFFF"/>
+                </a:solidFill>
+              </a14:hiddenFill>
+            </a:ext>
+            <a:ext uri="{91240B29-F687-4F45-9708-019B960494DF}">
+              <a14:hiddenLine xmlns:a14="http://schemas.microsoft.com/office/drawing/2010/main" w="9525">
+                <a:solidFill>
+                  <a:srgbClr val="000000"/>
+                </a:solidFill>
+                <a:miter lim="800000"/>
+                <a:headEnd/>
+                <a:tailEnd/>
+              </a14:hiddenLine>
+            </a:ext>
+            <a:ext uri="{AF507438-7753-43E0-B8FC-AC1667EBCBE1}">
+              <a14:hiddenEffects xmlns:a14="http://schemas.microsoft.com/office/drawing/2010/main">
+                <a:effectLst>
+                  <a:outerShdw dist="35921" dir="2700000" algn="ctr" rotWithShape="0">
+                    <a:srgbClr val="808080"/>
+                  </a:outerShdw>
+                </a:effectLst>
+              </a14:hiddenEffects>
+            </a:ext>
+          </a:extLst>
+        </p:spPr>
+      </p:pic>
+      <p:sp>
+        <p:nvSpPr>
+          <p:cNvPr id="3075" name="Title 1">
+            <a:extLst>
+              <a:ext uri="{FF2B5EF4-FFF2-40B4-BE49-F238E27FC236}">
+                <a16:creationId xmlns:a16="http://schemas.microsoft.com/office/drawing/2014/main" id="{666E1B67-1175-4598-AA77-794FC6629051}"/>
+              </a:ext>
+            </a:extLst>
+          </p:cNvPr>
+          <p:cNvSpPr>
+            <a:spLocks noGrp="1" noChangeArrowheads="1"/>
+          </p:cNvSpPr>
+          <p:nvPr>
+            <p:ph type="title"/>
+          </p:nvPr>
+        </p:nvSpPr>
+        <p:spPr bwMode="auto">
+          <a:xfrm>
+            <a:off x="457200" y="123825"/>
+            <a:ext cx="8229600" cy="711200"/>
+          </a:xfrm>
+          <a:noFill/>
+          <a:extLst>
+            <a:ext uri="{909E8E84-426E-40DD-AFC4-6F175D3DCCD1}">
+              <a14:hiddenFill xmlns:a14="http://schemas.microsoft.com/office/drawing/2010/main">
+                <a:solidFill>
+                  <a:srgbClr val="FFFFFF"/>
+                </a:solidFill>
+              </a14:hiddenFill>
+            </a:ext>
+            <a:ext uri="{91240B29-F687-4F45-9708-019B960494DF}">
+              <a14:hiddenLine xmlns:a14="http://schemas.microsoft.com/office/drawing/2010/main" w="9525">
+                <a:solidFill>
+                  <a:srgbClr val="000000"/>
+                </a:solidFill>
+                <a:miter lim="800000"/>
+                <a:headEnd/>
+                <a:tailEnd/>
+              </a14:hiddenLine>
+            </a:ext>
+          </a:extLst>
+        </p:spPr>
+        <p:txBody>
+          <a:bodyPr vert="horz" wrap="square" lIns="91440" tIns="45720" rIns="91440" bIns="45720" numCol="1" anchor="t" anchorCtr="0" compatLnSpc="1">
+            <a:prstTxWarp prst="textNoShape">
+              <a:avLst/>
+            </a:prstTxWarp>
+          </a:bodyPr>
+          <a:lstStyle/>
+          <a:p>
+            <a:pPr algn="l" eaLnBrk="1" hangingPunct="1"/>
+            <a:r>
+              <a:rPr lang="zh-CN" altLang="en-US" dirty="0">
+                <a:solidFill>
+                  <a:srgbClr val="C00000"/>
+                </a:solidFill>
+                <a:latin typeface="微软雅黑 Light" panose="020B0502040204020203" pitchFamily="34" charset="-122"/>
+                <a:ea typeface="微软雅黑 Light" panose="020B0502040204020203" pitchFamily="34" charset="-122"/>
+              </a:rPr>
+              <a:t>练习</a:t>
+            </a:r>
+            <a:endParaRPr lang="en-US" altLang="zh-CN" dirty="0">
+              <a:solidFill>
+                <a:srgbClr val="C00000"/>
+              </a:solidFill>
+              <a:latin typeface="微软雅黑 Light" panose="020B0502040204020203" pitchFamily="34" charset="-122"/>
+              <a:ea typeface="微软雅黑 Light" panose="020B0502040204020203" pitchFamily="34" charset="-122"/>
+            </a:endParaRPr>
+          </a:p>
+        </p:txBody>
+      </p:sp>
+      <p:sp>
+        <p:nvSpPr>
+          <p:cNvPr id="4" name="Content Placeholder 3">
+            <a:extLst>
+              <a:ext uri="{FF2B5EF4-FFF2-40B4-BE49-F238E27FC236}">
+                <a16:creationId xmlns:a16="http://schemas.microsoft.com/office/drawing/2014/main" id="{368B2D2E-6A5C-4FE0-91BB-6CC0CC9AEF62}"/>
+              </a:ext>
+            </a:extLst>
+          </p:cNvPr>
+          <p:cNvSpPr txBox="1">
+            <a:spLocks/>
+          </p:cNvSpPr>
+          <p:nvPr/>
+        </p:nvSpPr>
+        <p:spPr>
+          <a:xfrm>
+            <a:off x="457200" y="1131888"/>
+            <a:ext cx="8229600" cy="3925887"/>
+          </a:xfrm>
+          <a:prstGeom prst="rect">
+            <a:avLst/>
+          </a:prstGeom>
+        </p:spPr>
+        <p:txBody>
+          <a:bodyPr/>
+          <a:lstStyle>
+            <a:lvl1pPr marL="342900" indent="-342900" algn="l" rtl="0" fontAlgn="base">
+              <a:spcBef>
+                <a:spcPct val="20000"/>
+              </a:spcBef>
+              <a:spcAft>
+                <a:spcPct val="0"/>
+              </a:spcAft>
+              <a:buFont typeface="Arial" panose="020B0604020202020204" pitchFamily="34" charset="0"/>
+              <a:buChar char="•"/>
+              <a:defRPr sz="3200" kern="1200">
+                <a:solidFill>
+                  <a:schemeClr val="tx1"/>
+                </a:solidFill>
+                <a:latin typeface="+mn-lt"/>
+                <a:ea typeface="+mn-ea"/>
+                <a:cs typeface="+mn-cs"/>
+                <a:sym typeface="Calibri" panose="020F0502020204030204" pitchFamily="34" charset="0"/>
+              </a:defRPr>
+            </a:lvl1pPr>
+            <a:lvl2pPr marL="742950" indent="-285750" algn="l" rtl="0" fontAlgn="base">
+              <a:spcBef>
+                <a:spcPct val="20000"/>
+              </a:spcBef>
+              <a:spcAft>
+                <a:spcPct val="0"/>
+              </a:spcAft>
+              <a:buFont typeface="Arial" panose="020B0604020202020204" pitchFamily="34" charset="0"/>
+              <a:buChar char="–"/>
+              <a:defRPr sz="2800" kern="1200">
+                <a:solidFill>
+                  <a:schemeClr val="tx1"/>
+                </a:solidFill>
+                <a:latin typeface="+mn-lt"/>
+                <a:ea typeface="+mn-ea"/>
+                <a:cs typeface="+mn-cs"/>
+                <a:sym typeface="Calibri" panose="020F0502020204030204" pitchFamily="34" charset="0"/>
+              </a:defRPr>
+            </a:lvl2pPr>
+            <a:lvl3pPr marL="1143000" indent="-228600" algn="l" rtl="0" fontAlgn="base">
+              <a:spcBef>
+                <a:spcPct val="20000"/>
+              </a:spcBef>
+              <a:spcAft>
+                <a:spcPct val="0"/>
+              </a:spcAft>
+              <a:buFont typeface="Arial" panose="020B0604020202020204" pitchFamily="34" charset="0"/>
+              <a:buChar char="•"/>
+              <a:defRPr sz="2400" kern="1200">
+                <a:solidFill>
+                  <a:schemeClr val="tx1"/>
+                </a:solidFill>
+                <a:latin typeface="+mn-lt"/>
+                <a:ea typeface="+mn-ea"/>
+                <a:cs typeface="+mn-cs"/>
+                <a:sym typeface="Calibri" panose="020F0502020204030204" pitchFamily="34" charset="0"/>
+              </a:defRPr>
+            </a:lvl3pPr>
+            <a:lvl4pPr marL="1600200" indent="-228600" algn="l" rtl="0" fontAlgn="base">
+              <a:spcBef>
+                <a:spcPct val="20000"/>
+              </a:spcBef>
+              <a:spcAft>
+                <a:spcPct val="0"/>
+              </a:spcAft>
+              <a:buFont typeface="Arial" panose="020B0604020202020204" pitchFamily="34" charset="0"/>
+              <a:buChar char="–"/>
+              <a:defRPr sz="2000" kern="1200">
+                <a:solidFill>
+                  <a:schemeClr val="tx1"/>
+                </a:solidFill>
+                <a:latin typeface="+mn-lt"/>
+                <a:ea typeface="+mn-ea"/>
+                <a:cs typeface="+mn-cs"/>
+                <a:sym typeface="Calibri" panose="020F0502020204030204" pitchFamily="34" charset="0"/>
+              </a:defRPr>
+            </a:lvl4pPr>
+            <a:lvl5pPr marL="2057400" indent="-228600" algn="l" rtl="0" fontAlgn="base">
+              <a:spcBef>
+                <a:spcPct val="20000"/>
+              </a:spcBef>
+              <a:spcAft>
+                <a:spcPct val="0"/>
+              </a:spcAft>
+              <a:buFont typeface="Arial" panose="020B0604020202020204" pitchFamily="34" charset="0"/>
+              <a:buChar char="»"/>
+              <a:defRPr sz="2000" kern="1200">
+                <a:solidFill>
+                  <a:schemeClr val="tx1"/>
+                </a:solidFill>
+                <a:latin typeface="+mn-lt"/>
+                <a:ea typeface="+mn-ea"/>
+                <a:cs typeface="+mn-cs"/>
+                <a:sym typeface="Calibri" panose="020F0502020204030204" pitchFamily="34" charset="0"/>
+              </a:defRPr>
+            </a:lvl5pPr>
+            <a:lvl6pPr marL="2514600" indent="-228600" algn="l" defTabSz="914400" rtl="0" eaLnBrk="1" latinLnBrk="0" hangingPunct="1">
+              <a:lnSpc>
+                <a:spcPct val="90000"/>
+              </a:lnSpc>
+              <a:spcBef>
+                <a:spcPts val="500"/>
+              </a:spcBef>
+              <a:buFont typeface="Arial" panose="020B0604020202020204" pitchFamily="34" charset="0"/>
+              <a:buChar char="•"/>
+              <a:defRPr sz="1800" kern="1200">
+                <a:solidFill>
+                  <a:schemeClr val="tx1"/>
+                </a:solidFill>
+                <a:latin typeface="+mn-lt"/>
+                <a:ea typeface="+mn-ea"/>
+                <a:cs typeface="+mn-cs"/>
+              </a:defRPr>
+            </a:lvl6pPr>
+            <a:lvl7pPr marL="2971800" indent="-228600" algn="l" defTabSz="914400" rtl="0" eaLnBrk="1" latinLnBrk="0" hangingPunct="1">
+              <a:lnSpc>
+                <a:spcPct val="90000"/>
+              </a:lnSpc>
+              <a:spcBef>
+                <a:spcPts val="500"/>
+              </a:spcBef>
+              <a:buFont typeface="Arial" panose="020B0604020202020204" pitchFamily="34" charset="0"/>
+              <a:buChar char="•"/>
+              <a:defRPr sz="1800" kern="1200">
+                <a:solidFill>
+                  <a:schemeClr val="tx1"/>
+                </a:solidFill>
+                <a:latin typeface="+mn-lt"/>
+                <a:ea typeface="+mn-ea"/>
+                <a:cs typeface="+mn-cs"/>
+              </a:defRPr>
+            </a:lvl7pPr>
+            <a:lvl8pPr marL="3429000" indent="-228600" algn="l" defTabSz="914400" rtl="0" eaLnBrk="1" latinLnBrk="0" hangingPunct="1">
+              <a:lnSpc>
+                <a:spcPct val="90000"/>
+              </a:lnSpc>
+              <a:spcBef>
+                <a:spcPts val="500"/>
+              </a:spcBef>
+              <a:buFont typeface="Arial" panose="020B0604020202020204" pitchFamily="34" charset="0"/>
+              <a:buChar char="•"/>
+              <a:defRPr sz="1800" kern="1200">
+                <a:solidFill>
+                  <a:schemeClr val="tx1"/>
+                </a:solidFill>
+                <a:latin typeface="+mn-lt"/>
+                <a:ea typeface="+mn-ea"/>
+                <a:cs typeface="+mn-cs"/>
+              </a:defRPr>
+            </a:lvl8pPr>
+            <a:lvl9pPr marL="3886200" indent="-228600" algn="l" defTabSz="914400" rtl="0" eaLnBrk="1" latinLnBrk="0" hangingPunct="1">
+              <a:lnSpc>
+                <a:spcPct val="90000"/>
+              </a:lnSpc>
+              <a:spcBef>
+                <a:spcPts val="500"/>
+              </a:spcBef>
+              <a:buFont typeface="Arial" panose="020B0604020202020204" pitchFamily="34" charset="0"/>
+              <a:buChar char="•"/>
+              <a:defRPr sz="1800" kern="1200">
+                <a:solidFill>
+                  <a:schemeClr val="tx1"/>
+                </a:solidFill>
+                <a:latin typeface="+mn-lt"/>
+                <a:ea typeface="+mn-ea"/>
+                <a:cs typeface="+mn-cs"/>
+              </a:defRPr>
+            </a:lvl9pPr>
+          </a:lstStyle>
+          <a:p>
+            <a:pPr>
+              <a:lnSpc>
+                <a:spcPct val="150000"/>
+              </a:lnSpc>
+            </a:pPr>
+            <a:r>
+              <a:rPr lang="en-US" altLang="zh-CN" sz="2800" dirty="0" err="1">
+                <a:solidFill>
+                  <a:schemeClr val="tx1">
+                    <a:lumMod val="65000"/>
+                    <a:lumOff val="35000"/>
+                  </a:schemeClr>
+                </a:solidFill>
+                <a:latin typeface="微软雅黑 Light" panose="020B0502040204020203" pitchFamily="34" charset="-122"/>
+                <a:ea typeface="微软雅黑 Light" panose="020B0502040204020203" pitchFamily="34" charset="-122"/>
+              </a:rPr>
+              <a:t>GMatrix</a:t>
+            </a:r>
+            <a:r>
+              <a:rPr lang="zh-CN" altLang="en-US" sz="2800" dirty="0">
+                <a:solidFill>
+                  <a:schemeClr val="tx1">
+                    <a:lumMod val="65000"/>
+                    <a:lumOff val="35000"/>
+                  </a:schemeClr>
+                </a:solidFill>
+                <a:latin typeface="微软雅黑 Light" panose="020B0502040204020203" pitchFamily="34" charset="-122"/>
+                <a:ea typeface="微软雅黑 Light" panose="020B0502040204020203" pitchFamily="34" charset="-122"/>
+              </a:rPr>
+              <a:t>类</a:t>
+            </a:r>
+            <a:endParaRPr lang="en-US" altLang="zh-CN" sz="2800" dirty="0">
+              <a:solidFill>
+                <a:schemeClr val="tx1">
+                  <a:lumMod val="65000"/>
+                  <a:lumOff val="35000"/>
+                </a:schemeClr>
+              </a:solidFill>
+              <a:latin typeface="微软雅黑 Light" panose="020B0502040204020203" pitchFamily="34" charset="-122"/>
+              <a:ea typeface="微软雅黑 Light" panose="020B0502040204020203" pitchFamily="34" charset="-122"/>
+            </a:endParaRPr>
+          </a:p>
+          <a:p>
+            <a:pPr lvl="1">
+              <a:lnSpc>
+                <a:spcPct val="150000"/>
+              </a:lnSpc>
+            </a:pPr>
+            <a:r>
+              <a:rPr lang="zh-CN" altLang="en-US" sz="2400" dirty="0">
+                <a:solidFill>
+                  <a:schemeClr val="tx1">
+                    <a:lumMod val="65000"/>
+                    <a:lumOff val="35000"/>
+                  </a:schemeClr>
+                </a:solidFill>
+                <a:latin typeface="微软雅黑 Light" panose="020B0502040204020203" pitchFamily="34" charset="-122"/>
+                <a:ea typeface="微软雅黑 Light" panose="020B0502040204020203" pitchFamily="34" charset="-122"/>
+              </a:rPr>
+              <a:t>创建</a:t>
+            </a:r>
+            <a:r>
+              <a:rPr lang="en-US" altLang="zh-CN" sz="2400" dirty="0" err="1">
+                <a:solidFill>
+                  <a:schemeClr val="tx1">
+                    <a:lumMod val="65000"/>
+                    <a:lumOff val="35000"/>
+                  </a:schemeClr>
+                </a:solidFill>
+                <a:latin typeface="微软雅黑 Light" panose="020B0502040204020203" pitchFamily="34" charset="-122"/>
+                <a:ea typeface="微软雅黑 Light" panose="020B0502040204020203" pitchFamily="34" charset="-122"/>
+              </a:rPr>
+              <a:t>GMatrix</a:t>
+            </a:r>
+            <a:endParaRPr lang="en-US" altLang="zh-CN" sz="2400" dirty="0">
+              <a:solidFill>
+                <a:schemeClr val="tx1">
+                  <a:lumMod val="65000"/>
+                  <a:lumOff val="35000"/>
+                </a:schemeClr>
+              </a:solidFill>
+              <a:latin typeface="微软雅黑 Light" panose="020B0502040204020203" pitchFamily="34" charset="-122"/>
+              <a:ea typeface="微软雅黑 Light" panose="020B0502040204020203" pitchFamily="34" charset="-122"/>
+            </a:endParaRPr>
+          </a:p>
+          <a:p>
+            <a:pPr lvl="1">
+              <a:lnSpc>
+                <a:spcPct val="150000"/>
+              </a:lnSpc>
+            </a:pPr>
+            <a:r>
+              <a:rPr lang="zh-CN" altLang="en-US" sz="2400" dirty="0">
+                <a:solidFill>
+                  <a:schemeClr val="tx1">
+                    <a:lumMod val="65000"/>
+                    <a:lumOff val="35000"/>
+                  </a:schemeClr>
+                </a:solidFill>
+                <a:latin typeface="微软雅黑 Light" panose="020B0502040204020203" pitchFamily="34" charset="-122"/>
+                <a:ea typeface="微软雅黑 Light" panose="020B0502040204020203" pitchFamily="34" charset="-122"/>
+              </a:rPr>
+              <a:t>矩阵的转置</a:t>
+            </a:r>
+            <a:endParaRPr lang="en-US" altLang="zh-CN" sz="2400" dirty="0">
+              <a:solidFill>
+                <a:schemeClr val="tx1">
+                  <a:lumMod val="65000"/>
+                  <a:lumOff val="35000"/>
+                </a:schemeClr>
+              </a:solidFill>
+              <a:latin typeface="微软雅黑 Light" panose="020B0502040204020203" pitchFamily="34" charset="-122"/>
+              <a:ea typeface="微软雅黑 Light" panose="020B0502040204020203" pitchFamily="34" charset="-122"/>
+            </a:endParaRPr>
+          </a:p>
+          <a:p>
+            <a:pPr lvl="1">
+              <a:lnSpc>
+                <a:spcPct val="150000"/>
+              </a:lnSpc>
+            </a:pPr>
+            <a:r>
+              <a:rPr lang="zh-CN" altLang="en-US" sz="2400" dirty="0">
+                <a:solidFill>
+                  <a:schemeClr val="tx1">
+                    <a:lumMod val="65000"/>
+                    <a:lumOff val="35000"/>
+                  </a:schemeClr>
+                </a:solidFill>
+                <a:latin typeface="微软雅黑 Light" panose="020B0502040204020203" pitchFamily="34" charset="-122"/>
+                <a:ea typeface="微软雅黑 Light" panose="020B0502040204020203" pitchFamily="34" charset="-122"/>
+              </a:rPr>
+              <a:t>矩阵和常量乘法</a:t>
+            </a:r>
+            <a:endParaRPr lang="en-US" altLang="zh-CN" sz="2400" dirty="0">
+              <a:solidFill>
+                <a:schemeClr val="tx1">
+                  <a:lumMod val="65000"/>
+                  <a:lumOff val="35000"/>
+                </a:schemeClr>
+              </a:solidFill>
+              <a:latin typeface="微软雅黑 Light" panose="020B0502040204020203" pitchFamily="34" charset="-122"/>
+              <a:ea typeface="微软雅黑 Light" panose="020B0502040204020203" pitchFamily="34" charset="-122"/>
+            </a:endParaRPr>
+          </a:p>
+        </p:txBody>
+      </p:sp>
+    </p:spTree>
+    <p:extLst>
+      <p:ext uri="{BB962C8B-B14F-4D97-AF65-F5344CB8AC3E}">
+        <p14:creationId xmlns:p14="http://schemas.microsoft.com/office/powerpoint/2010/main" val="3270951077"/>
+      </p:ext>
+    </p:extLst>
+  </p:cSld>
+  <p:clrMapOvr>
+    <a:masterClrMapping/>
+  </p:clrMapOvr>
+</p:sld>
+</file>
+
+<file path=ppt/slides/slide7.xml><?xml version="1.0" encoding="utf-8"?>
+<p:sld xmlns:a="http://schemas.openxmlformats.org/drawingml/2006/main" xmlns:r="http://schemas.openxmlformats.org/officeDocument/2006/relationships" xmlns:p="http://schemas.openxmlformats.org/presentationml/2006/main">
+  <p:cSld>
+    <p:spTree>
+      <p:nvGrpSpPr>
+        <p:cNvPr id="1" name=""/>
+        <p:cNvGrpSpPr/>
+        <p:nvPr/>
+      </p:nvGrpSpPr>
+      <p:grpSpPr>
+        <a:xfrm>
+          <a:off x="0" y="0"/>
+          <a:ext cx="0" cy="0"/>
+          <a:chOff x="0" y="0"/>
+          <a:chExt cx="0" cy="0"/>
+        </a:xfrm>
+      </p:grpSpPr>
+      <p:pic>
+        <p:nvPicPr>
+          <p:cNvPr id="3074" name="Picture 2">
+            <a:extLst>
+              <a:ext uri="{FF2B5EF4-FFF2-40B4-BE49-F238E27FC236}">
+                <a16:creationId xmlns:a16="http://schemas.microsoft.com/office/drawing/2014/main" id="{602C339E-BA86-4A21-AB6C-4F6D8491BC39}"/>
+              </a:ext>
+            </a:extLst>
+          </p:cNvPr>
+          <p:cNvPicPr>
+            <a:picLocks noChangeAspect="1" noChangeArrowheads="1"/>
+          </p:cNvPicPr>
+          <p:nvPr/>
+        </p:nvPicPr>
+        <p:blipFill>
+          <a:blip r:embed="rId2">
+            <a:extLst>
+              <a:ext uri="{28A0092B-C50C-407E-A947-70E740481C1C}">
+                <a14:useLocalDpi xmlns:a14="http://schemas.microsoft.com/office/drawing/2010/main" val="0"/>
+              </a:ext>
+            </a:extLst>
+          </a:blip>
+          <a:srcRect/>
+          <a:stretch>
+            <a:fillRect/>
+          </a:stretch>
+        </p:blipFill>
+        <p:spPr bwMode="auto">
+          <a:xfrm>
+            <a:off x="7956550" y="4606925"/>
+            <a:ext cx="1081088" cy="450850"/>
+          </a:xfrm>
+          <a:prstGeom prst="rect">
+            <a:avLst/>
+          </a:prstGeom>
+          <a:noFill/>
+          <a:ln>
+            <a:noFill/>
+          </a:ln>
+          <a:effectLst/>
+          <a:extLst>
+            <a:ext uri="{909E8E84-426E-40DD-AFC4-6F175D3DCCD1}">
+              <a14:hiddenFill xmlns:a14="http://schemas.microsoft.com/office/drawing/2010/main">
+                <a:solidFill>
+                  <a:srgbClr val="FFFFFF"/>
+                </a:solidFill>
+              </a14:hiddenFill>
+            </a:ext>
+            <a:ext uri="{91240B29-F687-4F45-9708-019B960494DF}">
+              <a14:hiddenLine xmlns:a14="http://schemas.microsoft.com/office/drawing/2010/main" w="9525">
+                <a:solidFill>
+                  <a:srgbClr val="000000"/>
+                </a:solidFill>
+                <a:miter lim="800000"/>
+                <a:headEnd/>
+                <a:tailEnd/>
+              </a14:hiddenLine>
+            </a:ext>
+            <a:ext uri="{AF507438-7753-43E0-B8FC-AC1667EBCBE1}">
+              <a14:hiddenEffects xmlns:a14="http://schemas.microsoft.com/office/drawing/2010/main">
+                <a:effectLst>
+                  <a:outerShdw dist="35921" dir="2700000" algn="ctr" rotWithShape="0">
+                    <a:srgbClr val="808080"/>
+                  </a:outerShdw>
+                </a:effectLst>
+              </a14:hiddenEffects>
+            </a:ext>
+          </a:extLst>
+        </p:spPr>
+      </p:pic>
+      <p:sp>
+        <p:nvSpPr>
+          <p:cNvPr id="3075" name="Title 1">
+            <a:extLst>
+              <a:ext uri="{FF2B5EF4-FFF2-40B4-BE49-F238E27FC236}">
+                <a16:creationId xmlns:a16="http://schemas.microsoft.com/office/drawing/2014/main" id="{666E1B67-1175-4598-AA77-794FC6629051}"/>
+              </a:ext>
+            </a:extLst>
+          </p:cNvPr>
+          <p:cNvSpPr>
+            <a:spLocks noGrp="1" noChangeArrowheads="1"/>
+          </p:cNvSpPr>
+          <p:nvPr>
+            <p:ph type="title"/>
+          </p:nvPr>
+        </p:nvSpPr>
+        <p:spPr bwMode="auto">
+          <a:xfrm>
+            <a:off x="457200" y="123825"/>
+            <a:ext cx="8229600" cy="711200"/>
+          </a:xfrm>
+          <a:noFill/>
+          <a:extLst>
+            <a:ext uri="{909E8E84-426E-40DD-AFC4-6F175D3DCCD1}">
+              <a14:hiddenFill xmlns:a14="http://schemas.microsoft.com/office/drawing/2010/main">
+                <a:solidFill>
+                  <a:srgbClr val="FFFFFF"/>
+                </a:solidFill>
+              </a14:hiddenFill>
+            </a:ext>
+            <a:ext uri="{91240B29-F687-4F45-9708-019B960494DF}">
+              <a14:hiddenLine xmlns:a14="http://schemas.microsoft.com/office/drawing/2010/main" w="9525">
+                <a:solidFill>
+                  <a:srgbClr val="000000"/>
+                </a:solidFill>
+                <a:miter lim="800000"/>
+                <a:headEnd/>
+                <a:tailEnd/>
+              </a14:hiddenLine>
+            </a:ext>
+          </a:extLst>
+        </p:spPr>
+        <p:txBody>
+          <a:bodyPr vert="horz" wrap="square" lIns="91440" tIns="45720" rIns="91440" bIns="45720" numCol="1" anchor="t" anchorCtr="0" compatLnSpc="1">
+            <a:prstTxWarp prst="textNoShape">
+              <a:avLst/>
+            </a:prstTxWarp>
+          </a:bodyPr>
+          <a:lstStyle/>
+          <a:p>
+            <a:pPr algn="l" eaLnBrk="1" hangingPunct="1"/>
+            <a:r>
+              <a:rPr lang="zh-CN" altLang="en-US" dirty="0">
+                <a:solidFill>
+                  <a:srgbClr val="C00000"/>
+                </a:solidFill>
+                <a:latin typeface="微软雅黑 Light" panose="020B0502040204020203" pitchFamily="34" charset="-122"/>
+                <a:ea typeface="微软雅黑 Light" panose="020B0502040204020203" pitchFamily="34" charset="-122"/>
+              </a:rPr>
+              <a:t>练习</a:t>
+            </a:r>
+            <a:endParaRPr lang="en-US" altLang="zh-CN" dirty="0">
+              <a:solidFill>
+                <a:srgbClr val="C00000"/>
+              </a:solidFill>
+              <a:latin typeface="微软雅黑 Light" panose="020B0502040204020203" pitchFamily="34" charset="-122"/>
+              <a:ea typeface="微软雅黑 Light" panose="020B0502040204020203" pitchFamily="34" charset="-122"/>
+            </a:endParaRPr>
+          </a:p>
+        </p:txBody>
+      </p:sp>
+      <p:sp>
+        <p:nvSpPr>
+          <p:cNvPr id="4" name="Content Placeholder 3">
+            <a:extLst>
+              <a:ext uri="{FF2B5EF4-FFF2-40B4-BE49-F238E27FC236}">
+                <a16:creationId xmlns:a16="http://schemas.microsoft.com/office/drawing/2014/main" id="{368B2D2E-6A5C-4FE0-91BB-6CC0CC9AEF62}"/>
+              </a:ext>
+            </a:extLst>
+          </p:cNvPr>
+          <p:cNvSpPr txBox="1">
+            <a:spLocks/>
+          </p:cNvSpPr>
+          <p:nvPr/>
+        </p:nvSpPr>
+        <p:spPr>
+          <a:xfrm>
+            <a:off x="457200" y="1131888"/>
+            <a:ext cx="8229600" cy="3925887"/>
+          </a:xfrm>
+          <a:prstGeom prst="rect">
+            <a:avLst/>
+          </a:prstGeom>
+        </p:spPr>
+        <p:txBody>
+          <a:bodyPr/>
+          <a:lstStyle>
+            <a:lvl1pPr marL="342900" indent="-342900" algn="l" rtl="0" fontAlgn="base">
+              <a:spcBef>
+                <a:spcPct val="20000"/>
+              </a:spcBef>
+              <a:spcAft>
+                <a:spcPct val="0"/>
+              </a:spcAft>
+              <a:buFont typeface="Arial" panose="020B0604020202020204" pitchFamily="34" charset="0"/>
+              <a:buChar char="•"/>
+              <a:defRPr sz="3200" kern="1200">
+                <a:solidFill>
+                  <a:schemeClr val="tx1"/>
+                </a:solidFill>
+                <a:latin typeface="+mn-lt"/>
+                <a:ea typeface="+mn-ea"/>
+                <a:cs typeface="+mn-cs"/>
+                <a:sym typeface="Calibri" panose="020F0502020204030204" pitchFamily="34" charset="0"/>
+              </a:defRPr>
+            </a:lvl1pPr>
+            <a:lvl2pPr marL="742950" indent="-285750" algn="l" rtl="0" fontAlgn="base">
+              <a:spcBef>
+                <a:spcPct val="20000"/>
+              </a:spcBef>
+              <a:spcAft>
+                <a:spcPct val="0"/>
+              </a:spcAft>
+              <a:buFont typeface="Arial" panose="020B0604020202020204" pitchFamily="34" charset="0"/>
+              <a:buChar char="–"/>
+              <a:defRPr sz="2800" kern="1200">
+                <a:solidFill>
+                  <a:schemeClr val="tx1"/>
+                </a:solidFill>
+                <a:latin typeface="+mn-lt"/>
+                <a:ea typeface="+mn-ea"/>
+                <a:cs typeface="+mn-cs"/>
+                <a:sym typeface="Calibri" panose="020F0502020204030204" pitchFamily="34" charset="0"/>
+              </a:defRPr>
+            </a:lvl2pPr>
+            <a:lvl3pPr marL="1143000" indent="-228600" algn="l" rtl="0" fontAlgn="base">
+              <a:spcBef>
+                <a:spcPct val="20000"/>
+              </a:spcBef>
+              <a:spcAft>
+                <a:spcPct val="0"/>
+              </a:spcAft>
+              <a:buFont typeface="Arial" panose="020B0604020202020204" pitchFamily="34" charset="0"/>
+              <a:buChar char="•"/>
+              <a:defRPr sz="2400" kern="1200">
+                <a:solidFill>
+                  <a:schemeClr val="tx1"/>
+                </a:solidFill>
+                <a:latin typeface="+mn-lt"/>
+                <a:ea typeface="+mn-ea"/>
+                <a:cs typeface="+mn-cs"/>
+                <a:sym typeface="Calibri" panose="020F0502020204030204" pitchFamily="34" charset="0"/>
+              </a:defRPr>
+            </a:lvl3pPr>
+            <a:lvl4pPr marL="1600200" indent="-228600" algn="l" rtl="0" fontAlgn="base">
+              <a:spcBef>
+                <a:spcPct val="20000"/>
+              </a:spcBef>
+              <a:spcAft>
+                <a:spcPct val="0"/>
+              </a:spcAft>
+              <a:buFont typeface="Arial" panose="020B0604020202020204" pitchFamily="34" charset="0"/>
+              <a:buChar char="–"/>
+              <a:defRPr sz="2000" kern="1200">
+                <a:solidFill>
+                  <a:schemeClr val="tx1"/>
+                </a:solidFill>
+                <a:latin typeface="+mn-lt"/>
+                <a:ea typeface="+mn-ea"/>
+                <a:cs typeface="+mn-cs"/>
+                <a:sym typeface="Calibri" panose="020F0502020204030204" pitchFamily="34" charset="0"/>
+              </a:defRPr>
+            </a:lvl4pPr>
+            <a:lvl5pPr marL="2057400" indent="-228600" algn="l" rtl="0" fontAlgn="base">
+              <a:spcBef>
+                <a:spcPct val="20000"/>
+              </a:spcBef>
+              <a:spcAft>
+                <a:spcPct val="0"/>
+              </a:spcAft>
+              <a:buFont typeface="Arial" panose="020B0604020202020204" pitchFamily="34" charset="0"/>
+              <a:buChar char="»"/>
+              <a:defRPr sz="2000" kern="1200">
+                <a:solidFill>
+                  <a:schemeClr val="tx1"/>
+                </a:solidFill>
+                <a:latin typeface="+mn-lt"/>
+                <a:ea typeface="+mn-ea"/>
+                <a:cs typeface="+mn-cs"/>
+                <a:sym typeface="Calibri" panose="020F0502020204030204" pitchFamily="34" charset="0"/>
+              </a:defRPr>
+            </a:lvl5pPr>
+            <a:lvl6pPr marL="2514600" indent="-228600" algn="l" defTabSz="914400" rtl="0" eaLnBrk="1" latinLnBrk="0" hangingPunct="1">
+              <a:lnSpc>
+                <a:spcPct val="90000"/>
+              </a:lnSpc>
+              <a:spcBef>
+                <a:spcPts val="500"/>
+              </a:spcBef>
+              <a:buFont typeface="Arial" panose="020B0604020202020204" pitchFamily="34" charset="0"/>
+              <a:buChar char="•"/>
+              <a:defRPr sz="1800" kern="1200">
+                <a:solidFill>
+                  <a:schemeClr val="tx1"/>
+                </a:solidFill>
+                <a:latin typeface="+mn-lt"/>
+                <a:ea typeface="+mn-ea"/>
+                <a:cs typeface="+mn-cs"/>
+              </a:defRPr>
+            </a:lvl6pPr>
+            <a:lvl7pPr marL="2971800" indent="-228600" algn="l" defTabSz="914400" rtl="0" eaLnBrk="1" latinLnBrk="0" hangingPunct="1">
+              <a:lnSpc>
+                <a:spcPct val="90000"/>
+              </a:lnSpc>
+              <a:spcBef>
+                <a:spcPts val="500"/>
+              </a:spcBef>
+              <a:buFont typeface="Arial" panose="020B0604020202020204" pitchFamily="34" charset="0"/>
+              <a:buChar char="•"/>
+              <a:defRPr sz="1800" kern="1200">
+                <a:solidFill>
+                  <a:schemeClr val="tx1"/>
+                </a:solidFill>
+                <a:latin typeface="+mn-lt"/>
+                <a:ea typeface="+mn-ea"/>
+                <a:cs typeface="+mn-cs"/>
+              </a:defRPr>
+            </a:lvl7pPr>
+            <a:lvl8pPr marL="3429000" indent="-228600" algn="l" defTabSz="914400" rtl="0" eaLnBrk="1" latinLnBrk="0" hangingPunct="1">
+              <a:lnSpc>
+                <a:spcPct val="90000"/>
+              </a:lnSpc>
+              <a:spcBef>
+                <a:spcPts val="500"/>
+              </a:spcBef>
+              <a:buFont typeface="Arial" panose="020B0604020202020204" pitchFamily="34" charset="0"/>
+              <a:buChar char="•"/>
+              <a:defRPr sz="1800" kern="1200">
+                <a:solidFill>
+                  <a:schemeClr val="tx1"/>
+                </a:solidFill>
+                <a:latin typeface="+mn-lt"/>
+                <a:ea typeface="+mn-ea"/>
+                <a:cs typeface="+mn-cs"/>
+              </a:defRPr>
+            </a:lvl8pPr>
+            <a:lvl9pPr marL="3886200" indent="-228600" algn="l" defTabSz="914400" rtl="0" eaLnBrk="1" latinLnBrk="0" hangingPunct="1">
+              <a:lnSpc>
+                <a:spcPct val="90000"/>
+              </a:lnSpc>
+              <a:spcBef>
+                <a:spcPts val="500"/>
+              </a:spcBef>
+              <a:buFont typeface="Arial" panose="020B0604020202020204" pitchFamily="34" charset="0"/>
+              <a:buChar char="•"/>
+              <a:defRPr sz="1800" kern="1200">
+                <a:solidFill>
+                  <a:schemeClr val="tx1"/>
+                </a:solidFill>
+                <a:latin typeface="+mn-lt"/>
+                <a:ea typeface="+mn-ea"/>
+                <a:cs typeface="+mn-cs"/>
+              </a:defRPr>
+            </a:lvl9pPr>
+          </a:lstStyle>
+          <a:p>
+            <a:pPr>
+              <a:lnSpc>
+                <a:spcPct val="150000"/>
+              </a:lnSpc>
+            </a:pPr>
+            <a:r>
+              <a:rPr lang="en-US" altLang="zh-CN" sz="2800" dirty="0" err="1">
+                <a:solidFill>
+                  <a:schemeClr val="tx1">
+                    <a:lumMod val="65000"/>
+                    <a:lumOff val="35000"/>
+                  </a:schemeClr>
+                </a:solidFill>
+                <a:latin typeface="微软雅黑 Light" panose="020B0502040204020203" pitchFamily="34" charset="-122"/>
+                <a:ea typeface="微软雅黑 Light" panose="020B0502040204020203" pitchFamily="34" charset="-122"/>
+              </a:rPr>
+              <a:t>GMatrix</a:t>
+            </a:r>
+            <a:r>
+              <a:rPr lang="zh-CN" altLang="en-US" sz="2800" dirty="0">
+                <a:solidFill>
+                  <a:schemeClr val="tx1">
+                    <a:lumMod val="65000"/>
+                    <a:lumOff val="35000"/>
+                  </a:schemeClr>
+                </a:solidFill>
+                <a:latin typeface="微软雅黑 Light" panose="020B0502040204020203" pitchFamily="34" charset="-122"/>
+                <a:ea typeface="微软雅黑 Light" panose="020B0502040204020203" pitchFamily="34" charset="-122"/>
+              </a:rPr>
+              <a:t>类</a:t>
+            </a:r>
+            <a:endParaRPr lang="en-US" altLang="zh-CN" sz="2800" dirty="0">
+              <a:solidFill>
+                <a:schemeClr val="tx1">
+                  <a:lumMod val="65000"/>
+                  <a:lumOff val="35000"/>
+                </a:schemeClr>
+              </a:solidFill>
+              <a:latin typeface="微软雅黑 Light" panose="020B0502040204020203" pitchFamily="34" charset="-122"/>
+              <a:ea typeface="微软雅黑 Light" panose="020B0502040204020203" pitchFamily="34" charset="-122"/>
+            </a:endParaRPr>
+          </a:p>
+          <a:p>
+            <a:pPr lvl="1">
+              <a:lnSpc>
+                <a:spcPct val="150000"/>
+              </a:lnSpc>
+            </a:pPr>
+            <a:r>
+              <a:rPr lang="zh-CN" altLang="en-US" sz="2400" dirty="0">
+                <a:solidFill>
+                  <a:schemeClr val="tx1">
+                    <a:lumMod val="65000"/>
+                    <a:lumOff val="35000"/>
+                  </a:schemeClr>
+                </a:solidFill>
+                <a:latin typeface="微软雅黑 Light" panose="020B0502040204020203" pitchFamily="34" charset="-122"/>
+                <a:ea typeface="微软雅黑 Light" panose="020B0502040204020203" pitchFamily="34" charset="-122"/>
+              </a:rPr>
+              <a:t>矩阵加减法</a:t>
+            </a:r>
+            <a:endParaRPr lang="en-US" altLang="zh-CN" sz="2400" dirty="0">
+              <a:solidFill>
+                <a:schemeClr val="tx1">
+                  <a:lumMod val="65000"/>
+                  <a:lumOff val="35000"/>
+                </a:schemeClr>
+              </a:solidFill>
+              <a:latin typeface="微软雅黑 Light" panose="020B0502040204020203" pitchFamily="34" charset="-122"/>
+              <a:ea typeface="微软雅黑 Light" panose="020B0502040204020203" pitchFamily="34" charset="-122"/>
+            </a:endParaRPr>
+          </a:p>
+          <a:p>
+            <a:pPr lvl="1">
+              <a:lnSpc>
+                <a:spcPct val="150000"/>
+              </a:lnSpc>
+            </a:pPr>
+            <a:r>
+              <a:rPr lang="zh-CN" altLang="en-US" sz="2400" dirty="0">
+                <a:solidFill>
+                  <a:schemeClr val="tx1">
+                    <a:lumMod val="65000"/>
+                    <a:lumOff val="35000"/>
+                  </a:schemeClr>
+                </a:solidFill>
+                <a:latin typeface="微软雅黑 Light" panose="020B0502040204020203" pitchFamily="34" charset="-122"/>
+                <a:ea typeface="微软雅黑 Light" panose="020B0502040204020203" pitchFamily="34" charset="-122"/>
+              </a:rPr>
+              <a:t>矩阵乘法</a:t>
+            </a:r>
+            <a:endParaRPr lang="en-US" altLang="zh-CN" sz="2400" dirty="0">
+              <a:solidFill>
+                <a:schemeClr val="tx1">
+                  <a:lumMod val="65000"/>
+                  <a:lumOff val="35000"/>
+                </a:schemeClr>
+              </a:solidFill>
+              <a:latin typeface="微软雅黑 Light" panose="020B0502040204020203" pitchFamily="34" charset="-122"/>
+              <a:ea typeface="微软雅黑 Light" panose="020B0502040204020203" pitchFamily="34" charset="-122"/>
+            </a:endParaRPr>
+          </a:p>
+        </p:txBody>
+      </p:sp>
+    </p:spTree>
+    <p:extLst>
+      <p:ext uri="{BB962C8B-B14F-4D97-AF65-F5344CB8AC3E}">
+        <p14:creationId xmlns:p14="http://schemas.microsoft.com/office/powerpoint/2010/main" val="3144022856"/>
+      </p:ext>
+    </p:extLst>
+  </p:cSld>
+  <p:clrMapOvr>
+    <a:masterClrMapping/>
+  </p:clrMapOvr>
+</p:sld>
+</file>
+
+<file path=ppt/slides/slide8.xml><?xml version="1.0" encoding="utf-8"?>
+<p:sld xmlns:a="http://schemas.openxmlformats.org/drawingml/2006/main" xmlns:r="http://schemas.openxmlformats.org/officeDocument/2006/relationships" xmlns:p="http://schemas.openxmlformats.org/presentationml/2006/main">
+  <p:cSld>
+    <p:spTree>
+      <p:nvGrpSpPr>
+        <p:cNvPr id="1" name=""/>
+        <p:cNvGrpSpPr/>
+        <p:nvPr/>
+      </p:nvGrpSpPr>
+      <p:grpSpPr>
+        <a:xfrm>
+          <a:off x="0" y="0"/>
+          <a:ext cx="0" cy="0"/>
+          <a:chOff x="0" y="0"/>
+          <a:chExt cx="0" cy="0"/>
+        </a:xfrm>
+      </p:grpSpPr>
+      <p:pic>
+        <p:nvPicPr>
+          <p:cNvPr id="3074" name="Picture 2">
+            <a:extLst>
+              <a:ext uri="{FF2B5EF4-FFF2-40B4-BE49-F238E27FC236}">
+                <a16:creationId xmlns:a16="http://schemas.microsoft.com/office/drawing/2014/main" id="{602C339E-BA86-4A21-AB6C-4F6D8491BC39}"/>
+              </a:ext>
+            </a:extLst>
+          </p:cNvPr>
+          <p:cNvPicPr>
+            <a:picLocks noChangeAspect="1" noChangeArrowheads="1"/>
+          </p:cNvPicPr>
+          <p:nvPr/>
+        </p:nvPicPr>
+        <p:blipFill>
+          <a:blip r:embed="rId2">
+            <a:extLst>
+              <a:ext uri="{28A0092B-C50C-407E-A947-70E740481C1C}">
+                <a14:useLocalDpi xmlns:a14="http://schemas.microsoft.com/office/drawing/2010/main" val="0"/>
+              </a:ext>
+            </a:extLst>
+          </a:blip>
+          <a:srcRect/>
+          <a:stretch>
+            <a:fillRect/>
+          </a:stretch>
+        </p:blipFill>
+        <p:spPr bwMode="auto">
+          <a:xfrm>
+            <a:off x="7956550" y="4606925"/>
+            <a:ext cx="1081088" cy="450850"/>
+          </a:xfrm>
+          <a:prstGeom prst="rect">
+            <a:avLst/>
+          </a:prstGeom>
+          <a:noFill/>
+          <a:ln>
+            <a:noFill/>
+          </a:ln>
+          <a:effectLst/>
+          <a:extLst>
+            <a:ext uri="{909E8E84-426E-40DD-AFC4-6F175D3DCCD1}">
+              <a14:hiddenFill xmlns:a14="http://schemas.microsoft.com/office/drawing/2010/main">
+                <a:solidFill>
+                  <a:srgbClr val="FFFFFF"/>
+                </a:solidFill>
+              </a14:hiddenFill>
+            </a:ext>
+            <a:ext uri="{91240B29-F687-4F45-9708-019B960494DF}">
+              <a14:hiddenLine xmlns:a14="http://schemas.microsoft.com/office/drawing/2010/main" w="9525">
+                <a:solidFill>
+                  <a:srgbClr val="000000"/>
+                </a:solidFill>
+                <a:miter lim="800000"/>
+                <a:headEnd/>
+                <a:tailEnd/>
+              </a14:hiddenLine>
+            </a:ext>
+            <a:ext uri="{AF507438-7753-43E0-B8FC-AC1667EBCBE1}">
+              <a14:hiddenEffects xmlns:a14="http://schemas.microsoft.com/office/drawing/2010/main">
+                <a:effectLst>
+                  <a:outerShdw dist="35921" dir="2700000" algn="ctr" rotWithShape="0">
+                    <a:srgbClr val="808080"/>
+                  </a:outerShdw>
+                </a:effectLst>
+              </a14:hiddenEffects>
+            </a:ext>
+          </a:extLst>
+        </p:spPr>
+      </p:pic>
+      <p:sp>
+        <p:nvSpPr>
+          <p:cNvPr id="3075" name="Title 1">
+            <a:extLst>
+              <a:ext uri="{FF2B5EF4-FFF2-40B4-BE49-F238E27FC236}">
+                <a16:creationId xmlns:a16="http://schemas.microsoft.com/office/drawing/2014/main" id="{666E1B67-1175-4598-AA77-794FC6629051}"/>
+              </a:ext>
+            </a:extLst>
+          </p:cNvPr>
+          <p:cNvSpPr>
+            <a:spLocks noGrp="1" noChangeArrowheads="1"/>
+          </p:cNvSpPr>
+          <p:nvPr>
+            <p:ph type="title"/>
+          </p:nvPr>
+        </p:nvSpPr>
+        <p:spPr bwMode="auto">
+          <a:xfrm>
+            <a:off x="457200" y="123825"/>
+            <a:ext cx="8229600" cy="711200"/>
+          </a:xfrm>
+          <a:noFill/>
+          <a:extLst>
+            <a:ext uri="{909E8E84-426E-40DD-AFC4-6F175D3DCCD1}">
+              <a14:hiddenFill xmlns:a14="http://schemas.microsoft.com/office/drawing/2010/main">
+                <a:solidFill>
+                  <a:srgbClr val="FFFFFF"/>
+                </a:solidFill>
+              </a14:hiddenFill>
+            </a:ext>
+            <a:ext uri="{91240B29-F687-4F45-9708-019B960494DF}">
+              <a14:hiddenLine xmlns:a14="http://schemas.microsoft.com/office/drawing/2010/main" w="9525">
+                <a:solidFill>
+                  <a:srgbClr val="000000"/>
+                </a:solidFill>
+                <a:miter lim="800000"/>
+                <a:headEnd/>
+                <a:tailEnd/>
+              </a14:hiddenLine>
+            </a:ext>
+          </a:extLst>
+        </p:spPr>
+        <p:txBody>
+          <a:bodyPr vert="horz" wrap="square" lIns="91440" tIns="45720" rIns="91440" bIns="45720" numCol="1" anchor="t" anchorCtr="0" compatLnSpc="1">
+            <a:prstTxWarp prst="textNoShape">
+              <a:avLst/>
+            </a:prstTxWarp>
+          </a:bodyPr>
+          <a:lstStyle/>
+          <a:p>
+            <a:pPr algn="l" eaLnBrk="1" hangingPunct="1"/>
+            <a:r>
+              <a:rPr lang="zh-CN" altLang="en-US" dirty="0">
+                <a:solidFill>
+                  <a:srgbClr val="C00000"/>
+                </a:solidFill>
+                <a:latin typeface="微软雅黑 Light" panose="020B0502040204020203" pitchFamily="34" charset="-122"/>
+                <a:ea typeface="微软雅黑 Light" panose="020B0502040204020203" pitchFamily="34" charset="-122"/>
+              </a:rPr>
+              <a:t>练习</a:t>
+            </a:r>
+            <a:endParaRPr lang="en-US" altLang="zh-CN" dirty="0">
+              <a:solidFill>
+                <a:srgbClr val="C00000"/>
+              </a:solidFill>
+              <a:latin typeface="微软雅黑 Light" panose="020B0502040204020203" pitchFamily="34" charset="-122"/>
+              <a:ea typeface="微软雅黑 Light" panose="020B0502040204020203" pitchFamily="34" charset="-122"/>
+            </a:endParaRPr>
+          </a:p>
+        </p:txBody>
+      </p:sp>
+      <p:sp>
+        <p:nvSpPr>
+          <p:cNvPr id="4" name="Content Placeholder 3">
+            <a:extLst>
+              <a:ext uri="{FF2B5EF4-FFF2-40B4-BE49-F238E27FC236}">
+                <a16:creationId xmlns:a16="http://schemas.microsoft.com/office/drawing/2014/main" id="{368B2D2E-6A5C-4FE0-91BB-6CC0CC9AEF62}"/>
+              </a:ext>
+            </a:extLst>
+          </p:cNvPr>
+          <p:cNvSpPr txBox="1">
+            <a:spLocks/>
+          </p:cNvSpPr>
+          <p:nvPr/>
+        </p:nvSpPr>
+        <p:spPr>
+          <a:xfrm>
+            <a:off x="457200" y="1131888"/>
+            <a:ext cx="8229600" cy="3925887"/>
+          </a:xfrm>
+          <a:prstGeom prst="rect">
+            <a:avLst/>
+          </a:prstGeom>
+        </p:spPr>
+        <p:txBody>
+          <a:bodyPr/>
+          <a:lstStyle>
+            <a:lvl1pPr marL="342900" indent="-342900" algn="l" rtl="0" fontAlgn="base">
+              <a:spcBef>
+                <a:spcPct val="20000"/>
+              </a:spcBef>
+              <a:spcAft>
+                <a:spcPct val="0"/>
+              </a:spcAft>
+              <a:buFont typeface="Arial" panose="020B0604020202020204" pitchFamily="34" charset="0"/>
+              <a:buChar char="•"/>
+              <a:defRPr sz="3200" kern="1200">
+                <a:solidFill>
+                  <a:schemeClr val="tx1"/>
+                </a:solidFill>
+                <a:latin typeface="+mn-lt"/>
+                <a:ea typeface="+mn-ea"/>
+                <a:cs typeface="+mn-cs"/>
+                <a:sym typeface="Calibri" panose="020F0502020204030204" pitchFamily="34" charset="0"/>
+              </a:defRPr>
+            </a:lvl1pPr>
+            <a:lvl2pPr marL="742950" indent="-285750" algn="l" rtl="0" fontAlgn="base">
+              <a:spcBef>
+                <a:spcPct val="20000"/>
+              </a:spcBef>
+              <a:spcAft>
+                <a:spcPct val="0"/>
+              </a:spcAft>
+              <a:buFont typeface="Arial" panose="020B0604020202020204" pitchFamily="34" charset="0"/>
+              <a:buChar char="–"/>
+              <a:defRPr sz="2800" kern="1200">
+                <a:solidFill>
+                  <a:schemeClr val="tx1"/>
+                </a:solidFill>
+                <a:latin typeface="+mn-lt"/>
+                <a:ea typeface="+mn-ea"/>
+                <a:cs typeface="+mn-cs"/>
+                <a:sym typeface="Calibri" panose="020F0502020204030204" pitchFamily="34" charset="0"/>
+              </a:defRPr>
+            </a:lvl2pPr>
+            <a:lvl3pPr marL="1143000" indent="-228600" algn="l" rtl="0" fontAlgn="base">
+              <a:spcBef>
+                <a:spcPct val="20000"/>
+              </a:spcBef>
+              <a:spcAft>
+                <a:spcPct val="0"/>
+              </a:spcAft>
+              <a:buFont typeface="Arial" panose="020B0604020202020204" pitchFamily="34" charset="0"/>
+              <a:buChar char="•"/>
+              <a:defRPr sz="2400" kern="1200">
+                <a:solidFill>
+                  <a:schemeClr val="tx1"/>
+                </a:solidFill>
+                <a:latin typeface="+mn-lt"/>
+                <a:ea typeface="+mn-ea"/>
+                <a:cs typeface="+mn-cs"/>
+                <a:sym typeface="Calibri" panose="020F0502020204030204" pitchFamily="34" charset="0"/>
+              </a:defRPr>
+            </a:lvl3pPr>
+            <a:lvl4pPr marL="1600200" indent="-228600" algn="l" rtl="0" fontAlgn="base">
+              <a:spcBef>
+                <a:spcPct val="20000"/>
+              </a:spcBef>
+              <a:spcAft>
+                <a:spcPct val="0"/>
+              </a:spcAft>
+              <a:buFont typeface="Arial" panose="020B0604020202020204" pitchFamily="34" charset="0"/>
+              <a:buChar char="–"/>
+              <a:defRPr sz="2000" kern="1200">
+                <a:solidFill>
+                  <a:schemeClr val="tx1"/>
+                </a:solidFill>
+                <a:latin typeface="+mn-lt"/>
+                <a:ea typeface="+mn-ea"/>
+                <a:cs typeface="+mn-cs"/>
+                <a:sym typeface="Calibri" panose="020F0502020204030204" pitchFamily="34" charset="0"/>
+              </a:defRPr>
+            </a:lvl4pPr>
+            <a:lvl5pPr marL="2057400" indent="-228600" algn="l" rtl="0" fontAlgn="base">
+              <a:spcBef>
+                <a:spcPct val="20000"/>
+              </a:spcBef>
+              <a:spcAft>
+                <a:spcPct val="0"/>
+              </a:spcAft>
+              <a:buFont typeface="Arial" panose="020B0604020202020204" pitchFamily="34" charset="0"/>
+              <a:buChar char="»"/>
+              <a:defRPr sz="2000" kern="1200">
+                <a:solidFill>
+                  <a:schemeClr val="tx1"/>
+                </a:solidFill>
+                <a:latin typeface="+mn-lt"/>
+                <a:ea typeface="+mn-ea"/>
+                <a:cs typeface="+mn-cs"/>
+                <a:sym typeface="Calibri" panose="020F0502020204030204" pitchFamily="34" charset="0"/>
+              </a:defRPr>
+            </a:lvl5pPr>
+            <a:lvl6pPr marL="2514600" indent="-228600" algn="l" defTabSz="914400" rtl="0" eaLnBrk="1" latinLnBrk="0" hangingPunct="1">
+              <a:lnSpc>
+                <a:spcPct val="90000"/>
+              </a:lnSpc>
+              <a:spcBef>
+                <a:spcPts val="500"/>
+              </a:spcBef>
+              <a:buFont typeface="Arial" panose="020B0604020202020204" pitchFamily="34" charset="0"/>
+              <a:buChar char="•"/>
+              <a:defRPr sz="1800" kern="1200">
+                <a:solidFill>
+                  <a:schemeClr val="tx1"/>
+                </a:solidFill>
+                <a:latin typeface="+mn-lt"/>
+                <a:ea typeface="+mn-ea"/>
+                <a:cs typeface="+mn-cs"/>
+              </a:defRPr>
+            </a:lvl6pPr>
+            <a:lvl7pPr marL="2971800" indent="-228600" algn="l" defTabSz="914400" rtl="0" eaLnBrk="1" latinLnBrk="0" hangingPunct="1">
+              <a:lnSpc>
+                <a:spcPct val="90000"/>
+              </a:lnSpc>
+              <a:spcBef>
+                <a:spcPts val="500"/>
+              </a:spcBef>
+              <a:buFont typeface="Arial" panose="020B0604020202020204" pitchFamily="34" charset="0"/>
+              <a:buChar char="•"/>
+              <a:defRPr sz="1800" kern="1200">
+                <a:solidFill>
+                  <a:schemeClr val="tx1"/>
+                </a:solidFill>
+                <a:latin typeface="+mn-lt"/>
+                <a:ea typeface="+mn-ea"/>
+                <a:cs typeface="+mn-cs"/>
+              </a:defRPr>
+            </a:lvl7pPr>
+            <a:lvl8pPr marL="3429000" indent="-228600" algn="l" defTabSz="914400" rtl="0" eaLnBrk="1" latinLnBrk="0" hangingPunct="1">
+              <a:lnSpc>
+                <a:spcPct val="90000"/>
+              </a:lnSpc>
+              <a:spcBef>
+                <a:spcPts val="500"/>
+              </a:spcBef>
+              <a:buFont typeface="Arial" panose="020B0604020202020204" pitchFamily="34" charset="0"/>
+              <a:buChar char="•"/>
+              <a:defRPr sz="1800" kern="1200">
+                <a:solidFill>
+                  <a:schemeClr val="tx1"/>
+                </a:solidFill>
+                <a:latin typeface="+mn-lt"/>
+                <a:ea typeface="+mn-ea"/>
+                <a:cs typeface="+mn-cs"/>
+              </a:defRPr>
+            </a:lvl8pPr>
+            <a:lvl9pPr marL="3886200" indent="-228600" algn="l" defTabSz="914400" rtl="0" eaLnBrk="1" latinLnBrk="0" hangingPunct="1">
+              <a:lnSpc>
+                <a:spcPct val="90000"/>
+              </a:lnSpc>
+              <a:spcBef>
+                <a:spcPts val="500"/>
+              </a:spcBef>
+              <a:buFont typeface="Arial" panose="020B0604020202020204" pitchFamily="34" charset="0"/>
+              <a:buChar char="•"/>
+              <a:defRPr sz="1800" kern="1200">
+                <a:solidFill>
+                  <a:schemeClr val="tx1"/>
+                </a:solidFill>
+                <a:latin typeface="+mn-lt"/>
+                <a:ea typeface="+mn-ea"/>
+                <a:cs typeface="+mn-cs"/>
+              </a:defRPr>
+            </a:lvl9pPr>
+          </a:lstStyle>
+          <a:p>
+            <a:pPr>
+              <a:lnSpc>
+                <a:spcPct val="150000"/>
+              </a:lnSpc>
+            </a:pPr>
+            <a:r>
+              <a:rPr lang="en-US" altLang="zh-CN" sz="2800" dirty="0" err="1">
+                <a:solidFill>
+                  <a:schemeClr val="tx1">
+                    <a:lumMod val="65000"/>
+                    <a:lumOff val="35000"/>
+                  </a:schemeClr>
+                </a:solidFill>
+                <a:latin typeface="微软雅黑 Light" panose="020B0502040204020203" pitchFamily="34" charset="-122"/>
+                <a:ea typeface="微软雅黑 Light" panose="020B0502040204020203" pitchFamily="34" charset="-122"/>
+              </a:rPr>
+              <a:t>GMatrix</a:t>
+            </a:r>
+            <a:endParaRPr lang="en-US" altLang="zh-CN" sz="2800" dirty="0">
+              <a:solidFill>
+                <a:schemeClr val="tx1">
+                  <a:lumMod val="65000"/>
+                  <a:lumOff val="35000"/>
+                </a:schemeClr>
+              </a:solidFill>
+              <a:latin typeface="微软雅黑 Light" panose="020B0502040204020203" pitchFamily="34" charset="-122"/>
+              <a:ea typeface="微软雅黑 Light" panose="020B0502040204020203" pitchFamily="34" charset="-122"/>
+            </a:endParaRPr>
+          </a:p>
+          <a:p>
+            <a:pPr lvl="1">
+              <a:lnSpc>
+                <a:spcPct val="150000"/>
+              </a:lnSpc>
+            </a:pPr>
+            <a:r>
+              <a:rPr lang="zh-CN" altLang="en-US" sz="2400" dirty="0">
+                <a:solidFill>
+                  <a:schemeClr val="tx1">
+                    <a:lumMod val="65000"/>
+                    <a:lumOff val="35000"/>
+                  </a:schemeClr>
+                </a:solidFill>
+                <a:latin typeface="微软雅黑 Light" panose="020B0502040204020203" pitchFamily="34" charset="-122"/>
+                <a:ea typeface="微软雅黑 Light" panose="020B0502040204020203" pitchFamily="34" charset="-122"/>
+              </a:rPr>
+              <a:t>高斯消元法</a:t>
+            </a:r>
+            <a:endParaRPr lang="en-US" altLang="zh-CN" sz="2400" dirty="0">
+              <a:solidFill>
+                <a:schemeClr val="tx1">
+                  <a:lumMod val="65000"/>
+                  <a:lumOff val="35000"/>
+                </a:schemeClr>
+              </a:solidFill>
+              <a:latin typeface="微软雅黑 Light" panose="020B0502040204020203" pitchFamily="34" charset="-122"/>
+              <a:ea typeface="微软雅黑 Light" panose="020B0502040204020203" pitchFamily="34" charset="-122"/>
+            </a:endParaRPr>
+          </a:p>
+          <a:p>
+            <a:pPr marL="0" indent="0">
+              <a:lnSpc>
+                <a:spcPct val="150000"/>
+              </a:lnSpc>
+              <a:buNone/>
+            </a:pPr>
+            <a:endParaRPr lang="en-US" altLang="zh-CN" sz="2800" dirty="0">
+              <a:solidFill>
+                <a:schemeClr val="tx1">
+                  <a:lumMod val="65000"/>
+                  <a:lumOff val="35000"/>
+                </a:schemeClr>
+              </a:solidFill>
+              <a:latin typeface="微软雅黑 Light" panose="020B0502040204020203" pitchFamily="34" charset="-122"/>
+              <a:ea typeface="微软雅黑 Light" panose="020B0502040204020203" pitchFamily="34" charset="-122"/>
+            </a:endParaRPr>
+          </a:p>
+        </p:txBody>
+      </p:sp>
+    </p:spTree>
+    <p:extLst>
+      <p:ext uri="{BB962C8B-B14F-4D97-AF65-F5344CB8AC3E}">
+        <p14:creationId xmlns:p14="http://schemas.microsoft.com/office/powerpoint/2010/main" val="3068457808"/>
+      </p:ext>
+    </p:extLst>
+  </p:cSld>
+  <p:clrMapOvr>
+    <a:masterClrMapping/>
+  </p:clrMapOvr>
+</p:sld>
+</file>
+
+<file path=ppt/slides/slide9.xml><?xml version="1.0" encoding="utf-8"?>
 <p:sld xmlns:a="http://schemas.openxmlformats.org/drawingml/2006/main" xmlns:r="http://schemas.openxmlformats.org/officeDocument/2006/relationships" xmlns:p="http://schemas.openxmlformats.org/presentationml/2006/main">
   <p:cSld>
     <p:spTree>

--- a/PPT/C++练习.pptx
+++ b/PPT/C++练习.pptx
@@ -332,7 +332,7 @@
               <a:pPr>
                 <a:defRPr/>
               </a:pPr>
-              <a:t>2017/8/29</a:t>
+              <a:t>2017/8/30</a:t>
             </a:fld>
             <a:endParaRPr lang="zh-CN" altLang="en-US" sz="1200"/>
           </a:p>
@@ -5736,7 +5736,7 @@
                 <a:latin typeface="微软雅黑 Light" panose="020B0502040204020203" pitchFamily="34" charset="-122"/>
                 <a:ea typeface="微软雅黑 Light" panose="020B0502040204020203" pitchFamily="34" charset="-122"/>
               </a:rPr>
-              <a:t>向量的外积</a:t>
+              <a:t>向量的内积</a:t>
             </a:r>
             <a:endParaRPr lang="en-US" altLang="zh-CN" sz="2400" dirty="0">
               <a:solidFill>
@@ -5766,7 +5766,7 @@
                 <a:latin typeface="微软雅黑 Light" panose="020B0502040204020203" pitchFamily="34" charset="-122"/>
                 <a:ea typeface="微软雅黑 Light" panose="020B0502040204020203" pitchFamily="34" charset="-122"/>
               </a:rPr>
-              <a:t>向量的内积</a:t>
+              <a:t>向量的投影</a:t>
             </a:r>
             <a:endParaRPr lang="en-US" altLang="zh-CN" sz="2400" dirty="0">
               <a:solidFill>
@@ -5796,7 +5796,7 @@
                 <a:latin typeface="微软雅黑 Light" panose="020B0502040204020203" pitchFamily="34" charset="-122"/>
                 <a:ea typeface="微软雅黑 Light" panose="020B0502040204020203" pitchFamily="34" charset="-122"/>
               </a:rPr>
-              <a:t>向量的投影</a:t>
+              <a:t>向量的外积</a:t>
             </a:r>
             <a:endParaRPr lang="en-US" altLang="zh-CN" sz="2400" dirty="0">
               <a:solidFill>

--- a/PPT/C++练习.pptx
+++ b/PPT/C++练习.pptx
@@ -5,7 +5,7 @@
     <p:sldMasterId id="2147483648" r:id="rId1"/>
   </p:sldMasterIdLst>
   <p:notesMasterIdLst>
-    <p:notesMasterId r:id="rId11"/>
+    <p:notesMasterId r:id="rId12"/>
   </p:notesMasterIdLst>
   <p:sldIdLst>
     <p:sldId id="256" r:id="rId2"/>
@@ -13,10 +13,11 @@
     <p:sldId id="257" r:id="rId4"/>
     <p:sldId id="261" r:id="rId5"/>
     <p:sldId id="262" r:id="rId6"/>
-    <p:sldId id="263" r:id="rId7"/>
-    <p:sldId id="264" r:id="rId8"/>
-    <p:sldId id="265" r:id="rId9"/>
-    <p:sldId id="259" r:id="rId10"/>
+    <p:sldId id="266" r:id="rId7"/>
+    <p:sldId id="263" r:id="rId8"/>
+    <p:sldId id="264" r:id="rId9"/>
+    <p:sldId id="265" r:id="rId10"/>
+    <p:sldId id="259" r:id="rId11"/>
   </p:sldIdLst>
   <p:sldSz cx="9144000" cy="5143500" type="screen16x9"/>
   <p:notesSz cx="6858000" cy="9144000"/>
@@ -332,7 +333,7 @@
               <a:pPr>
                 <a:defRPr/>
               </a:pPr>
-              <a:t>2017/8/30</a:t>
+              <a:t>2017/9/5</a:t>
             </a:fld>
             <a:endParaRPr lang="zh-CN" altLang="en-US" sz="1200"/>
           </a:p>
@@ -4267,6 +4268,1318 @@
 </p:sld>
 </file>
 
+<file path=ppt/slides/slide10.xml><?xml version="1.0" encoding="utf-8"?>
+<p:sld xmlns:a="http://schemas.openxmlformats.org/drawingml/2006/main" xmlns:r="http://schemas.openxmlformats.org/officeDocument/2006/relationships" xmlns:p="http://schemas.openxmlformats.org/presentationml/2006/main">
+  <p:cSld>
+    <p:spTree>
+      <p:nvGrpSpPr>
+        <p:cNvPr id="1" name=""/>
+        <p:cNvGrpSpPr/>
+        <p:nvPr/>
+      </p:nvGrpSpPr>
+      <p:grpSpPr>
+        <a:xfrm>
+          <a:off x="0" y="0"/>
+          <a:ext cx="0" cy="0"/>
+          <a:chOff x="0" y="0"/>
+          <a:chExt cx="0" cy="0"/>
+        </a:xfrm>
+      </p:grpSpPr>
+      <p:pic>
+        <p:nvPicPr>
+          <p:cNvPr id="8194" name="Picture 2" descr="D:\work\CSDN学院ppt\5.jpg">
+            <a:extLst>
+              <a:ext uri="{FF2B5EF4-FFF2-40B4-BE49-F238E27FC236}">
+                <a16:creationId xmlns:a16="http://schemas.microsoft.com/office/drawing/2014/main" id="{83E22A5A-51B9-4467-B4B9-86F64AB306C3}"/>
+              </a:ext>
+            </a:extLst>
+          </p:cNvPr>
+          <p:cNvPicPr>
+            <a:picLocks noChangeAspect="1" noChangeArrowheads="1"/>
+          </p:cNvPicPr>
+          <p:nvPr/>
+        </p:nvPicPr>
+        <p:blipFill>
+          <a:blip r:embed="rId2">
+            <a:extLst>
+              <a:ext uri="{28A0092B-C50C-407E-A947-70E740481C1C}">
+                <a14:useLocalDpi xmlns:a14="http://schemas.microsoft.com/office/drawing/2010/main" val="0"/>
+              </a:ext>
+            </a:extLst>
+          </a:blip>
+          <a:srcRect/>
+          <a:stretch>
+            <a:fillRect/>
+          </a:stretch>
+        </p:blipFill>
+        <p:spPr bwMode="auto">
+          <a:xfrm>
+            <a:off x="0" y="0"/>
+            <a:ext cx="9140825" cy="5141913"/>
+          </a:xfrm>
+          <a:prstGeom prst="rect">
+            <a:avLst/>
+          </a:prstGeom>
+          <a:noFill/>
+          <a:ln>
+            <a:noFill/>
+          </a:ln>
+          <a:extLst>
+            <a:ext uri="{909E8E84-426E-40DD-AFC4-6F175D3DCCD1}">
+              <a14:hiddenFill xmlns:a14="http://schemas.microsoft.com/office/drawing/2010/main">
+                <a:solidFill>
+                  <a:srgbClr val="FFFFFF"/>
+                </a:solidFill>
+              </a14:hiddenFill>
+            </a:ext>
+            <a:ext uri="{91240B29-F687-4F45-9708-019B960494DF}">
+              <a14:hiddenLine xmlns:a14="http://schemas.microsoft.com/office/drawing/2010/main" w="9525">
+                <a:solidFill>
+                  <a:srgbClr val="000000"/>
+                </a:solidFill>
+                <a:miter lim="800000"/>
+                <a:headEnd/>
+                <a:tailEnd/>
+              </a14:hiddenLine>
+            </a:ext>
+          </a:extLst>
+        </p:spPr>
+      </p:pic>
+      <p:sp>
+        <p:nvSpPr>
+          <p:cNvPr id="8195" name="Title 1">
+            <a:extLst>
+              <a:ext uri="{FF2B5EF4-FFF2-40B4-BE49-F238E27FC236}">
+                <a16:creationId xmlns:a16="http://schemas.microsoft.com/office/drawing/2014/main" id="{94DB3CD8-71FB-4967-8D16-B8CA33DD3B35}"/>
+              </a:ext>
+            </a:extLst>
+          </p:cNvPr>
+          <p:cNvSpPr>
+            <a:spLocks noChangeArrowheads="1"/>
+          </p:cNvSpPr>
+          <p:nvPr/>
+        </p:nvSpPr>
+        <p:spPr bwMode="auto">
+          <a:xfrm>
+            <a:off x="4211638" y="679450"/>
+            <a:ext cx="4251325" cy="1325563"/>
+          </a:xfrm>
+          <a:prstGeom prst="rect">
+            <a:avLst/>
+          </a:prstGeom>
+          <a:noFill/>
+          <a:ln>
+            <a:noFill/>
+          </a:ln>
+          <a:extLst>
+            <a:ext uri="{909E8E84-426E-40DD-AFC4-6F175D3DCCD1}">
+              <a14:hiddenFill xmlns:a14="http://schemas.microsoft.com/office/drawing/2010/main">
+                <a:solidFill>
+                  <a:srgbClr val="FFFFFF"/>
+                </a:solidFill>
+              </a14:hiddenFill>
+            </a:ext>
+            <a:ext uri="{91240B29-F687-4F45-9708-019B960494DF}">
+              <a14:hiddenLine xmlns:a14="http://schemas.microsoft.com/office/drawing/2010/main" w="9525">
+                <a:solidFill>
+                  <a:srgbClr val="000000"/>
+                </a:solidFill>
+                <a:miter lim="800000"/>
+                <a:headEnd/>
+                <a:tailEnd/>
+              </a14:hiddenLine>
+            </a:ext>
+          </a:extLst>
+        </p:spPr>
+        <p:txBody>
+          <a:bodyPr anchor="ctr"/>
+          <a:lstStyle>
+            <a:lvl1pPr>
+              <a:buFont typeface="Arial" panose="020B0604020202020204" pitchFamily="34" charset="0"/>
+              <a:defRPr>
+                <a:solidFill>
+                  <a:schemeClr val="tx1"/>
+                </a:solidFill>
+                <a:latin typeface="Arial" panose="020B0604020202020204" pitchFamily="34" charset="0"/>
+                <a:ea typeface="宋体" panose="02010600030101010101" pitchFamily="2" charset="-122"/>
+              </a:defRPr>
+            </a:lvl1pPr>
+            <a:lvl2pPr marL="742950" indent="-285750">
+              <a:buFont typeface="Arial" panose="020B0604020202020204" pitchFamily="34" charset="0"/>
+              <a:defRPr>
+                <a:solidFill>
+                  <a:schemeClr val="tx1"/>
+                </a:solidFill>
+                <a:latin typeface="Arial" panose="020B0604020202020204" pitchFamily="34" charset="0"/>
+                <a:ea typeface="宋体" panose="02010600030101010101" pitchFamily="2" charset="-122"/>
+              </a:defRPr>
+            </a:lvl2pPr>
+            <a:lvl3pPr marL="1143000" indent="-228600">
+              <a:buFont typeface="Arial" panose="020B0604020202020204" pitchFamily="34" charset="0"/>
+              <a:defRPr>
+                <a:solidFill>
+                  <a:schemeClr val="tx1"/>
+                </a:solidFill>
+                <a:latin typeface="Arial" panose="020B0604020202020204" pitchFamily="34" charset="0"/>
+                <a:ea typeface="宋体" panose="02010600030101010101" pitchFamily="2" charset="-122"/>
+              </a:defRPr>
+            </a:lvl3pPr>
+            <a:lvl4pPr marL="1600200" indent="-228600">
+              <a:buFont typeface="Arial" panose="020B0604020202020204" pitchFamily="34" charset="0"/>
+              <a:defRPr>
+                <a:solidFill>
+                  <a:schemeClr val="tx1"/>
+                </a:solidFill>
+                <a:latin typeface="Arial" panose="020B0604020202020204" pitchFamily="34" charset="0"/>
+                <a:ea typeface="宋体" panose="02010600030101010101" pitchFamily="2" charset="-122"/>
+              </a:defRPr>
+            </a:lvl4pPr>
+            <a:lvl5pPr marL="2057400" indent="-228600">
+              <a:buFont typeface="Arial" panose="020B0604020202020204" pitchFamily="34" charset="0"/>
+              <a:defRPr>
+                <a:solidFill>
+                  <a:schemeClr val="tx1"/>
+                </a:solidFill>
+                <a:latin typeface="Arial" panose="020B0604020202020204" pitchFamily="34" charset="0"/>
+                <a:ea typeface="宋体" panose="02010600030101010101" pitchFamily="2" charset="-122"/>
+              </a:defRPr>
+            </a:lvl5pPr>
+            <a:lvl6pPr marL="2514600" indent="-228600" eaLnBrk="0" fontAlgn="base" hangingPunct="0">
+              <a:spcBef>
+                <a:spcPct val="0"/>
+              </a:spcBef>
+              <a:spcAft>
+                <a:spcPct val="0"/>
+              </a:spcAft>
+              <a:buFont typeface="Arial" panose="020B0604020202020204" pitchFamily="34" charset="0"/>
+              <a:defRPr>
+                <a:solidFill>
+                  <a:schemeClr val="tx1"/>
+                </a:solidFill>
+                <a:latin typeface="Arial" panose="020B0604020202020204" pitchFamily="34" charset="0"/>
+                <a:ea typeface="宋体" panose="02010600030101010101" pitchFamily="2" charset="-122"/>
+              </a:defRPr>
+            </a:lvl6pPr>
+            <a:lvl7pPr marL="2971800" indent="-228600" eaLnBrk="0" fontAlgn="base" hangingPunct="0">
+              <a:spcBef>
+                <a:spcPct val="0"/>
+              </a:spcBef>
+              <a:spcAft>
+                <a:spcPct val="0"/>
+              </a:spcAft>
+              <a:buFont typeface="Arial" panose="020B0604020202020204" pitchFamily="34" charset="0"/>
+              <a:defRPr>
+                <a:solidFill>
+                  <a:schemeClr val="tx1"/>
+                </a:solidFill>
+                <a:latin typeface="Arial" panose="020B0604020202020204" pitchFamily="34" charset="0"/>
+                <a:ea typeface="宋体" panose="02010600030101010101" pitchFamily="2" charset="-122"/>
+              </a:defRPr>
+            </a:lvl7pPr>
+            <a:lvl8pPr marL="3429000" indent="-228600" eaLnBrk="0" fontAlgn="base" hangingPunct="0">
+              <a:spcBef>
+                <a:spcPct val="0"/>
+              </a:spcBef>
+              <a:spcAft>
+                <a:spcPct val="0"/>
+              </a:spcAft>
+              <a:buFont typeface="Arial" panose="020B0604020202020204" pitchFamily="34" charset="0"/>
+              <a:defRPr>
+                <a:solidFill>
+                  <a:schemeClr val="tx1"/>
+                </a:solidFill>
+                <a:latin typeface="Arial" panose="020B0604020202020204" pitchFamily="34" charset="0"/>
+                <a:ea typeface="宋体" panose="02010600030101010101" pitchFamily="2" charset="-122"/>
+              </a:defRPr>
+            </a:lvl8pPr>
+            <a:lvl9pPr marL="3886200" indent="-228600" eaLnBrk="0" fontAlgn="base" hangingPunct="0">
+              <a:spcBef>
+                <a:spcPct val="0"/>
+              </a:spcBef>
+              <a:spcAft>
+                <a:spcPct val="0"/>
+              </a:spcAft>
+              <a:buFont typeface="Arial" panose="020B0604020202020204" pitchFamily="34" charset="0"/>
+              <a:defRPr>
+                <a:solidFill>
+                  <a:schemeClr val="tx1"/>
+                </a:solidFill>
+                <a:latin typeface="Arial" panose="020B0604020202020204" pitchFamily="34" charset="0"/>
+                <a:ea typeface="宋体" panose="02010600030101010101" pitchFamily="2" charset="-122"/>
+              </a:defRPr>
+            </a:lvl9pPr>
+          </a:lstStyle>
+          <a:p>
+            <a:pPr eaLnBrk="1" hangingPunct="1">
+              <a:lnSpc>
+                <a:spcPct val="90000"/>
+              </a:lnSpc>
+            </a:pPr>
+            <a:r>
+              <a:rPr lang="en-US" altLang="zh-CN" sz="6000">
+                <a:latin typeface="Arial Unicode MS" panose="020B0604020202020204" pitchFamily="34" charset="-122"/>
+                <a:ea typeface="Arial Unicode MS" panose="020B0604020202020204" pitchFamily="34" charset="-122"/>
+                <a:cs typeface="Arial Unicode MS" panose="020B0604020202020204" pitchFamily="34" charset="-122"/>
+                <a:sym typeface="Arial Unicode MS" panose="020B0604020202020204" pitchFamily="34" charset="-122"/>
+              </a:rPr>
+              <a:t>THANKS</a:t>
+            </a:r>
+            <a:endParaRPr lang="zh-CN" altLang="en-US" sz="6000">
+              <a:latin typeface="Arial Unicode MS" panose="020B0604020202020204" pitchFamily="34" charset="-122"/>
+              <a:ea typeface="Arial Unicode MS" panose="020B0604020202020204" pitchFamily="34" charset="-122"/>
+              <a:cs typeface="Arial Unicode MS" panose="020B0604020202020204" pitchFamily="34" charset="-122"/>
+              <a:sym typeface="Arial Unicode MS" panose="020B0604020202020204" pitchFamily="34" charset="-122"/>
+            </a:endParaRPr>
+          </a:p>
+        </p:txBody>
+      </p:sp>
+      <p:sp>
+        <p:nvSpPr>
+          <p:cNvPr id="8196" name="矩形 3">
+            <a:extLst>
+              <a:ext uri="{FF2B5EF4-FFF2-40B4-BE49-F238E27FC236}">
+                <a16:creationId xmlns:a16="http://schemas.microsoft.com/office/drawing/2014/main" id="{BE5C8F9D-FB92-4FE2-AA09-E91256B20DEA}"/>
+              </a:ext>
+            </a:extLst>
+          </p:cNvPr>
+          <p:cNvSpPr>
+            <a:spLocks noChangeArrowheads="1"/>
+          </p:cNvSpPr>
+          <p:nvPr/>
+        </p:nvSpPr>
+        <p:spPr bwMode="auto">
+          <a:xfrm>
+            <a:off x="4357688" y="3019425"/>
+            <a:ext cx="2662237" cy="923925"/>
+          </a:xfrm>
+          <a:prstGeom prst="rect">
+            <a:avLst/>
+          </a:prstGeom>
+          <a:noFill/>
+          <a:ln>
+            <a:noFill/>
+          </a:ln>
+          <a:extLst>
+            <a:ext uri="{909E8E84-426E-40DD-AFC4-6F175D3DCCD1}">
+              <a14:hiddenFill xmlns:a14="http://schemas.microsoft.com/office/drawing/2010/main">
+                <a:solidFill>
+                  <a:srgbClr val="FFFFFF"/>
+                </a:solidFill>
+              </a14:hiddenFill>
+            </a:ext>
+            <a:ext uri="{91240B29-F687-4F45-9708-019B960494DF}">
+              <a14:hiddenLine xmlns:a14="http://schemas.microsoft.com/office/drawing/2010/main" w="9525">
+                <a:solidFill>
+                  <a:srgbClr val="000000"/>
+                </a:solidFill>
+                <a:miter lim="800000"/>
+                <a:headEnd/>
+                <a:tailEnd/>
+              </a14:hiddenLine>
+            </a:ext>
+          </a:extLst>
+        </p:spPr>
+        <p:txBody>
+          <a:bodyPr>
+            <a:spAutoFit/>
+          </a:bodyPr>
+          <a:lstStyle>
+            <a:lvl1pPr>
+              <a:buFont typeface="Arial" panose="020B0604020202020204" pitchFamily="34" charset="0"/>
+              <a:defRPr>
+                <a:solidFill>
+                  <a:schemeClr val="tx1"/>
+                </a:solidFill>
+                <a:latin typeface="Arial" panose="020B0604020202020204" pitchFamily="34" charset="0"/>
+                <a:ea typeface="宋体" panose="02010600030101010101" pitchFamily="2" charset="-122"/>
+              </a:defRPr>
+            </a:lvl1pPr>
+            <a:lvl2pPr marL="742950" indent="-285750">
+              <a:buFont typeface="Arial" panose="020B0604020202020204" pitchFamily="34" charset="0"/>
+              <a:defRPr>
+                <a:solidFill>
+                  <a:schemeClr val="tx1"/>
+                </a:solidFill>
+                <a:latin typeface="Arial" panose="020B0604020202020204" pitchFamily="34" charset="0"/>
+                <a:ea typeface="宋体" panose="02010600030101010101" pitchFamily="2" charset="-122"/>
+              </a:defRPr>
+            </a:lvl2pPr>
+            <a:lvl3pPr marL="1143000" indent="-228600">
+              <a:buFont typeface="Arial" panose="020B0604020202020204" pitchFamily="34" charset="0"/>
+              <a:defRPr>
+                <a:solidFill>
+                  <a:schemeClr val="tx1"/>
+                </a:solidFill>
+                <a:latin typeface="Arial" panose="020B0604020202020204" pitchFamily="34" charset="0"/>
+                <a:ea typeface="宋体" panose="02010600030101010101" pitchFamily="2" charset="-122"/>
+              </a:defRPr>
+            </a:lvl3pPr>
+            <a:lvl4pPr marL="1600200" indent="-228600">
+              <a:buFont typeface="Arial" panose="020B0604020202020204" pitchFamily="34" charset="0"/>
+              <a:defRPr>
+                <a:solidFill>
+                  <a:schemeClr val="tx1"/>
+                </a:solidFill>
+                <a:latin typeface="Arial" panose="020B0604020202020204" pitchFamily="34" charset="0"/>
+                <a:ea typeface="宋体" panose="02010600030101010101" pitchFamily="2" charset="-122"/>
+              </a:defRPr>
+            </a:lvl4pPr>
+            <a:lvl5pPr marL="2057400" indent="-228600">
+              <a:buFont typeface="Arial" panose="020B0604020202020204" pitchFamily="34" charset="0"/>
+              <a:defRPr>
+                <a:solidFill>
+                  <a:schemeClr val="tx1"/>
+                </a:solidFill>
+                <a:latin typeface="Arial" panose="020B0604020202020204" pitchFamily="34" charset="0"/>
+                <a:ea typeface="宋体" panose="02010600030101010101" pitchFamily="2" charset="-122"/>
+              </a:defRPr>
+            </a:lvl5pPr>
+            <a:lvl6pPr marL="2514600" indent="-228600" eaLnBrk="0" fontAlgn="base" hangingPunct="0">
+              <a:spcBef>
+                <a:spcPct val="0"/>
+              </a:spcBef>
+              <a:spcAft>
+                <a:spcPct val="0"/>
+              </a:spcAft>
+              <a:buFont typeface="Arial" panose="020B0604020202020204" pitchFamily="34" charset="0"/>
+              <a:defRPr>
+                <a:solidFill>
+                  <a:schemeClr val="tx1"/>
+                </a:solidFill>
+                <a:latin typeface="Arial" panose="020B0604020202020204" pitchFamily="34" charset="0"/>
+                <a:ea typeface="宋体" panose="02010600030101010101" pitchFamily="2" charset="-122"/>
+              </a:defRPr>
+            </a:lvl6pPr>
+            <a:lvl7pPr marL="2971800" indent="-228600" eaLnBrk="0" fontAlgn="base" hangingPunct="0">
+              <a:spcBef>
+                <a:spcPct val="0"/>
+              </a:spcBef>
+              <a:spcAft>
+                <a:spcPct val="0"/>
+              </a:spcAft>
+              <a:buFont typeface="Arial" panose="020B0604020202020204" pitchFamily="34" charset="0"/>
+              <a:defRPr>
+                <a:solidFill>
+                  <a:schemeClr val="tx1"/>
+                </a:solidFill>
+                <a:latin typeface="Arial" panose="020B0604020202020204" pitchFamily="34" charset="0"/>
+                <a:ea typeface="宋体" panose="02010600030101010101" pitchFamily="2" charset="-122"/>
+              </a:defRPr>
+            </a:lvl7pPr>
+            <a:lvl8pPr marL="3429000" indent="-228600" eaLnBrk="0" fontAlgn="base" hangingPunct="0">
+              <a:spcBef>
+                <a:spcPct val="0"/>
+              </a:spcBef>
+              <a:spcAft>
+                <a:spcPct val="0"/>
+              </a:spcAft>
+              <a:buFont typeface="Arial" panose="020B0604020202020204" pitchFamily="34" charset="0"/>
+              <a:defRPr>
+                <a:solidFill>
+                  <a:schemeClr val="tx1"/>
+                </a:solidFill>
+                <a:latin typeface="Arial" panose="020B0604020202020204" pitchFamily="34" charset="0"/>
+                <a:ea typeface="宋体" panose="02010600030101010101" pitchFamily="2" charset="-122"/>
+              </a:defRPr>
+            </a:lvl8pPr>
+            <a:lvl9pPr marL="3886200" indent="-228600" eaLnBrk="0" fontAlgn="base" hangingPunct="0">
+              <a:spcBef>
+                <a:spcPct val="0"/>
+              </a:spcBef>
+              <a:spcAft>
+                <a:spcPct val="0"/>
+              </a:spcAft>
+              <a:buFont typeface="Arial" panose="020B0604020202020204" pitchFamily="34" charset="0"/>
+              <a:defRPr>
+                <a:solidFill>
+                  <a:schemeClr val="tx1"/>
+                </a:solidFill>
+                <a:latin typeface="Arial" panose="020B0604020202020204" pitchFamily="34" charset="0"/>
+                <a:ea typeface="宋体" panose="02010600030101010101" pitchFamily="2" charset="-122"/>
+              </a:defRPr>
+            </a:lvl9pPr>
+          </a:lstStyle>
+          <a:p>
+            <a:pPr eaLnBrk="1" hangingPunct="1"/>
+            <a:r>
+              <a:rPr lang="en-US" altLang="zh-CN" sz="900">
+                <a:solidFill>
+                  <a:srgbClr val="7F7F7F"/>
+                </a:solidFill>
+                <a:latin typeface="微软雅黑" panose="020B0503020204020204" pitchFamily="34" charset="-122"/>
+                <a:ea typeface="微软雅黑" panose="020B0503020204020204" pitchFamily="34" charset="-122"/>
+                <a:sym typeface="微软雅黑" panose="020B0503020204020204" pitchFamily="34" charset="-122"/>
+              </a:rPr>
+              <a:t>CSDN</a:t>
+            </a:r>
+            <a:r>
+              <a:rPr lang="zh-CN" altLang="en-US" sz="900">
+                <a:solidFill>
+                  <a:srgbClr val="7F7F7F"/>
+                </a:solidFill>
+                <a:latin typeface="微软雅黑" panose="020B0503020204020204" pitchFamily="34" charset="-122"/>
+                <a:ea typeface="微软雅黑" panose="020B0503020204020204" pitchFamily="34" charset="-122"/>
+                <a:sym typeface="微软雅黑" panose="020B0503020204020204" pitchFamily="34" charset="-122"/>
+              </a:rPr>
+              <a:t>网站：</a:t>
+            </a:r>
+            <a:r>
+              <a:rPr lang="en-US" altLang="zh-CN" sz="900">
+                <a:solidFill>
+                  <a:srgbClr val="7F7F7F"/>
+                </a:solidFill>
+                <a:latin typeface="微软雅黑" panose="020B0503020204020204" pitchFamily="34" charset="-122"/>
+                <a:ea typeface="微软雅黑" panose="020B0503020204020204" pitchFamily="34" charset="-122"/>
+                <a:sym typeface="微软雅黑" panose="020B0503020204020204" pitchFamily="34" charset="-122"/>
+              </a:rPr>
+              <a:t>www.csdn.net</a:t>
+            </a:r>
+            <a:endParaRPr lang="zh-CN" altLang="en-US" sz="900">
+              <a:solidFill>
+                <a:srgbClr val="7F7F7F"/>
+              </a:solidFill>
+              <a:latin typeface="微软雅黑" panose="020B0503020204020204" pitchFamily="34" charset="-122"/>
+              <a:ea typeface="微软雅黑" panose="020B0503020204020204" pitchFamily="34" charset="-122"/>
+              <a:sym typeface="微软雅黑" panose="020B0503020204020204" pitchFamily="34" charset="-122"/>
+            </a:endParaRPr>
+          </a:p>
+          <a:p>
+            <a:pPr eaLnBrk="1" hangingPunct="1"/>
+            <a:r>
+              <a:rPr lang="zh-CN" altLang="en-US" sz="900">
+                <a:solidFill>
+                  <a:srgbClr val="7F7F7F"/>
+                </a:solidFill>
+                <a:latin typeface="微软雅黑" panose="020B0503020204020204" pitchFamily="34" charset="-122"/>
+                <a:ea typeface="微软雅黑" panose="020B0503020204020204" pitchFamily="34" charset="-122"/>
+                <a:sym typeface="微软雅黑" panose="020B0503020204020204" pitchFamily="34" charset="-122"/>
+              </a:rPr>
+              <a:t>企业服务：</a:t>
+            </a:r>
+            <a:r>
+              <a:rPr lang="en-US" altLang="zh-CN" sz="900">
+                <a:solidFill>
+                  <a:srgbClr val="7F7F7F"/>
+                </a:solidFill>
+                <a:latin typeface="微软雅黑" panose="020B0503020204020204" pitchFamily="34" charset="-122"/>
+                <a:ea typeface="微软雅黑" panose="020B0503020204020204" pitchFamily="34" charset="-122"/>
+                <a:sym typeface="微软雅黑" panose="020B0503020204020204" pitchFamily="34" charset="-122"/>
+              </a:rPr>
+              <a:t>http://ems.csdn.net/</a:t>
+            </a:r>
+            <a:endParaRPr lang="zh-CN" altLang="en-US" sz="900">
+              <a:solidFill>
+                <a:srgbClr val="7F7F7F"/>
+              </a:solidFill>
+              <a:latin typeface="微软雅黑" panose="020B0503020204020204" pitchFamily="34" charset="-122"/>
+              <a:ea typeface="微软雅黑" panose="020B0503020204020204" pitchFamily="34" charset="-122"/>
+              <a:sym typeface="微软雅黑" panose="020B0503020204020204" pitchFamily="34" charset="-122"/>
+            </a:endParaRPr>
+          </a:p>
+          <a:p>
+            <a:pPr eaLnBrk="1" hangingPunct="1"/>
+            <a:r>
+              <a:rPr lang="zh-CN" altLang="en-US" sz="900">
+                <a:solidFill>
+                  <a:srgbClr val="7F7F7F"/>
+                </a:solidFill>
+                <a:latin typeface="微软雅黑" panose="020B0503020204020204" pitchFamily="34" charset="-122"/>
+                <a:ea typeface="微软雅黑" panose="020B0503020204020204" pitchFamily="34" charset="-122"/>
+                <a:sym typeface="微软雅黑" panose="020B0503020204020204" pitchFamily="34" charset="-122"/>
+              </a:rPr>
+              <a:t>人才服务：</a:t>
+            </a:r>
+            <a:r>
+              <a:rPr lang="en-US" altLang="zh-CN" sz="900">
+                <a:solidFill>
+                  <a:srgbClr val="7F7F7F"/>
+                </a:solidFill>
+                <a:latin typeface="微软雅黑" panose="020B0503020204020204" pitchFamily="34" charset="-122"/>
+                <a:ea typeface="微软雅黑" panose="020B0503020204020204" pitchFamily="34" charset="-122"/>
+                <a:sym typeface="微软雅黑" panose="020B0503020204020204" pitchFamily="34" charset="-122"/>
+              </a:rPr>
+              <a:t>http://job.csdn.net/</a:t>
+            </a:r>
+            <a:endParaRPr lang="zh-CN" altLang="en-US" sz="900">
+              <a:solidFill>
+                <a:srgbClr val="7F7F7F"/>
+              </a:solidFill>
+              <a:latin typeface="微软雅黑" panose="020B0503020204020204" pitchFamily="34" charset="-122"/>
+              <a:ea typeface="微软雅黑" panose="020B0503020204020204" pitchFamily="34" charset="-122"/>
+              <a:sym typeface="微软雅黑" panose="020B0503020204020204" pitchFamily="34" charset="-122"/>
+            </a:endParaRPr>
+          </a:p>
+          <a:p>
+            <a:pPr eaLnBrk="1" hangingPunct="1"/>
+            <a:r>
+              <a:rPr lang="en-US" altLang="zh-CN" sz="900">
+                <a:solidFill>
+                  <a:srgbClr val="7F7F7F"/>
+                </a:solidFill>
+                <a:latin typeface="微软雅黑" panose="020B0503020204020204" pitchFamily="34" charset="-122"/>
+                <a:ea typeface="微软雅黑" panose="020B0503020204020204" pitchFamily="34" charset="-122"/>
+                <a:sym typeface="微软雅黑" panose="020B0503020204020204" pitchFamily="34" charset="-122"/>
+              </a:rPr>
+              <a:t>CTO</a:t>
+            </a:r>
+            <a:r>
+              <a:rPr lang="zh-CN" altLang="en-US" sz="900">
+                <a:solidFill>
+                  <a:srgbClr val="7F7F7F"/>
+                </a:solidFill>
+                <a:latin typeface="微软雅黑" panose="020B0503020204020204" pitchFamily="34" charset="-122"/>
+                <a:ea typeface="微软雅黑" panose="020B0503020204020204" pitchFamily="34" charset="-122"/>
+                <a:sym typeface="微软雅黑" panose="020B0503020204020204" pitchFamily="34" charset="-122"/>
+              </a:rPr>
+              <a:t>俱乐部：</a:t>
+            </a:r>
+            <a:r>
+              <a:rPr lang="en-US" altLang="zh-CN" sz="900">
+                <a:solidFill>
+                  <a:srgbClr val="7F7F7F"/>
+                </a:solidFill>
+                <a:latin typeface="微软雅黑" panose="020B0503020204020204" pitchFamily="34" charset="-122"/>
+                <a:ea typeface="微软雅黑" panose="020B0503020204020204" pitchFamily="34" charset="-122"/>
+                <a:sym typeface="微软雅黑" panose="020B0503020204020204" pitchFamily="34" charset="-122"/>
+              </a:rPr>
+              <a:t>http://cto.csdn.net/</a:t>
+            </a:r>
+            <a:endParaRPr lang="zh-CN" altLang="en-US" sz="900">
+              <a:solidFill>
+                <a:srgbClr val="7F7F7F"/>
+              </a:solidFill>
+              <a:latin typeface="微软雅黑" panose="020B0503020204020204" pitchFamily="34" charset="-122"/>
+              <a:ea typeface="微软雅黑" panose="020B0503020204020204" pitchFamily="34" charset="-122"/>
+              <a:sym typeface="微软雅黑" panose="020B0503020204020204" pitchFamily="34" charset="-122"/>
+            </a:endParaRPr>
+          </a:p>
+          <a:p>
+            <a:pPr eaLnBrk="1" hangingPunct="1"/>
+            <a:r>
+              <a:rPr lang="zh-CN" altLang="en-US" sz="900">
+                <a:solidFill>
+                  <a:srgbClr val="7F7F7F"/>
+                </a:solidFill>
+                <a:latin typeface="微软雅黑" panose="020B0503020204020204" pitchFamily="34" charset="-122"/>
+                <a:ea typeface="微软雅黑" panose="020B0503020204020204" pitchFamily="34" charset="-122"/>
+                <a:sym typeface="微软雅黑" panose="020B0503020204020204" pitchFamily="34" charset="-122"/>
+              </a:rPr>
+              <a:t>高校俱乐部：</a:t>
+            </a:r>
+            <a:r>
+              <a:rPr lang="en-US" altLang="zh-CN" sz="900">
+                <a:solidFill>
+                  <a:srgbClr val="7F7F7F"/>
+                </a:solidFill>
+                <a:latin typeface="微软雅黑" panose="020B0503020204020204" pitchFamily="34" charset="-122"/>
+                <a:ea typeface="微软雅黑" panose="020B0503020204020204" pitchFamily="34" charset="-122"/>
+                <a:sym typeface="微软雅黑" panose="020B0503020204020204" pitchFamily="34" charset="-122"/>
+              </a:rPr>
+              <a:t>http://student.csdn.net/</a:t>
+            </a:r>
+            <a:endParaRPr lang="zh-CN" altLang="en-US" sz="900">
+              <a:solidFill>
+                <a:srgbClr val="7F7F7F"/>
+              </a:solidFill>
+              <a:latin typeface="微软雅黑" panose="020B0503020204020204" pitchFamily="34" charset="-122"/>
+              <a:ea typeface="微软雅黑" panose="020B0503020204020204" pitchFamily="34" charset="-122"/>
+              <a:sym typeface="微软雅黑" panose="020B0503020204020204" pitchFamily="34" charset="-122"/>
+            </a:endParaRPr>
+          </a:p>
+          <a:p>
+            <a:pPr eaLnBrk="1" hangingPunct="1"/>
+            <a:r>
+              <a:rPr lang="zh-CN" altLang="en-US" sz="900">
+                <a:solidFill>
+                  <a:srgbClr val="7F7F7F"/>
+                </a:solidFill>
+                <a:latin typeface="微软雅黑" panose="020B0503020204020204" pitchFamily="34" charset="-122"/>
+                <a:ea typeface="微软雅黑" panose="020B0503020204020204" pitchFamily="34" charset="-122"/>
+                <a:sym typeface="微软雅黑" panose="020B0503020204020204" pitchFamily="34" charset="-122"/>
+              </a:rPr>
+              <a:t>程序员杂志：</a:t>
+            </a:r>
+            <a:r>
+              <a:rPr lang="en-US" altLang="zh-CN" sz="900">
+                <a:solidFill>
+                  <a:srgbClr val="7F7F7F"/>
+                </a:solidFill>
+                <a:latin typeface="微软雅黑" panose="020B0503020204020204" pitchFamily="34" charset="-122"/>
+                <a:ea typeface="微软雅黑" panose="020B0503020204020204" pitchFamily="34" charset="-122"/>
+                <a:sym typeface="微软雅黑" panose="020B0503020204020204" pitchFamily="34" charset="-122"/>
+              </a:rPr>
+              <a:t>http://programmer.csdn.net/</a:t>
+            </a:r>
+          </a:p>
+        </p:txBody>
+      </p:sp>
+      <p:sp>
+        <p:nvSpPr>
+          <p:cNvPr id="8197" name="矩形 4">
+            <a:extLst>
+              <a:ext uri="{FF2B5EF4-FFF2-40B4-BE49-F238E27FC236}">
+                <a16:creationId xmlns:a16="http://schemas.microsoft.com/office/drawing/2014/main" id="{5A550E93-40B1-4CA3-B718-1EE1D72F986A}"/>
+              </a:ext>
+            </a:extLst>
+          </p:cNvPr>
+          <p:cNvSpPr>
+            <a:spLocks noChangeArrowheads="1"/>
+          </p:cNvSpPr>
+          <p:nvPr/>
+        </p:nvSpPr>
+        <p:spPr bwMode="auto">
+          <a:xfrm>
+            <a:off x="4368800" y="3952875"/>
+            <a:ext cx="4572000" cy="923925"/>
+          </a:xfrm>
+          <a:prstGeom prst="rect">
+            <a:avLst/>
+          </a:prstGeom>
+          <a:noFill/>
+          <a:ln>
+            <a:noFill/>
+          </a:ln>
+          <a:extLst>
+            <a:ext uri="{909E8E84-426E-40DD-AFC4-6F175D3DCCD1}">
+              <a14:hiddenFill xmlns:a14="http://schemas.microsoft.com/office/drawing/2010/main">
+                <a:solidFill>
+                  <a:srgbClr val="FFFFFF"/>
+                </a:solidFill>
+              </a14:hiddenFill>
+            </a:ext>
+            <a:ext uri="{91240B29-F687-4F45-9708-019B960494DF}">
+              <a14:hiddenLine xmlns:a14="http://schemas.microsoft.com/office/drawing/2010/main" w="9525">
+                <a:solidFill>
+                  <a:srgbClr val="000000"/>
+                </a:solidFill>
+                <a:miter lim="800000"/>
+                <a:headEnd/>
+                <a:tailEnd/>
+              </a14:hiddenLine>
+            </a:ext>
+          </a:extLst>
+        </p:spPr>
+        <p:txBody>
+          <a:bodyPr>
+            <a:spAutoFit/>
+          </a:bodyPr>
+          <a:lstStyle>
+            <a:lvl1pPr>
+              <a:buFont typeface="Arial" panose="020B0604020202020204" pitchFamily="34" charset="0"/>
+              <a:defRPr>
+                <a:solidFill>
+                  <a:schemeClr val="tx1"/>
+                </a:solidFill>
+                <a:latin typeface="Arial" panose="020B0604020202020204" pitchFamily="34" charset="0"/>
+                <a:ea typeface="宋体" panose="02010600030101010101" pitchFamily="2" charset="-122"/>
+              </a:defRPr>
+            </a:lvl1pPr>
+            <a:lvl2pPr marL="742950" indent="-285750">
+              <a:buFont typeface="Arial" panose="020B0604020202020204" pitchFamily="34" charset="0"/>
+              <a:defRPr>
+                <a:solidFill>
+                  <a:schemeClr val="tx1"/>
+                </a:solidFill>
+                <a:latin typeface="Arial" panose="020B0604020202020204" pitchFamily="34" charset="0"/>
+                <a:ea typeface="宋体" panose="02010600030101010101" pitchFamily="2" charset="-122"/>
+              </a:defRPr>
+            </a:lvl2pPr>
+            <a:lvl3pPr marL="1143000" indent="-228600">
+              <a:buFont typeface="Arial" panose="020B0604020202020204" pitchFamily="34" charset="0"/>
+              <a:defRPr>
+                <a:solidFill>
+                  <a:schemeClr val="tx1"/>
+                </a:solidFill>
+                <a:latin typeface="Arial" panose="020B0604020202020204" pitchFamily="34" charset="0"/>
+                <a:ea typeface="宋体" panose="02010600030101010101" pitchFamily="2" charset="-122"/>
+              </a:defRPr>
+            </a:lvl3pPr>
+            <a:lvl4pPr marL="1600200" indent="-228600">
+              <a:buFont typeface="Arial" panose="020B0604020202020204" pitchFamily="34" charset="0"/>
+              <a:defRPr>
+                <a:solidFill>
+                  <a:schemeClr val="tx1"/>
+                </a:solidFill>
+                <a:latin typeface="Arial" panose="020B0604020202020204" pitchFamily="34" charset="0"/>
+                <a:ea typeface="宋体" panose="02010600030101010101" pitchFamily="2" charset="-122"/>
+              </a:defRPr>
+            </a:lvl4pPr>
+            <a:lvl5pPr marL="2057400" indent="-228600">
+              <a:buFont typeface="Arial" panose="020B0604020202020204" pitchFamily="34" charset="0"/>
+              <a:defRPr>
+                <a:solidFill>
+                  <a:schemeClr val="tx1"/>
+                </a:solidFill>
+                <a:latin typeface="Arial" panose="020B0604020202020204" pitchFamily="34" charset="0"/>
+                <a:ea typeface="宋体" panose="02010600030101010101" pitchFamily="2" charset="-122"/>
+              </a:defRPr>
+            </a:lvl5pPr>
+            <a:lvl6pPr marL="2514600" indent="-228600" eaLnBrk="0" fontAlgn="base" hangingPunct="0">
+              <a:spcBef>
+                <a:spcPct val="0"/>
+              </a:spcBef>
+              <a:spcAft>
+                <a:spcPct val="0"/>
+              </a:spcAft>
+              <a:buFont typeface="Arial" panose="020B0604020202020204" pitchFamily="34" charset="0"/>
+              <a:defRPr>
+                <a:solidFill>
+                  <a:schemeClr val="tx1"/>
+                </a:solidFill>
+                <a:latin typeface="Arial" panose="020B0604020202020204" pitchFamily="34" charset="0"/>
+                <a:ea typeface="宋体" panose="02010600030101010101" pitchFamily="2" charset="-122"/>
+              </a:defRPr>
+            </a:lvl6pPr>
+            <a:lvl7pPr marL="2971800" indent="-228600" eaLnBrk="0" fontAlgn="base" hangingPunct="0">
+              <a:spcBef>
+                <a:spcPct val="0"/>
+              </a:spcBef>
+              <a:spcAft>
+                <a:spcPct val="0"/>
+              </a:spcAft>
+              <a:buFont typeface="Arial" panose="020B0604020202020204" pitchFamily="34" charset="0"/>
+              <a:defRPr>
+                <a:solidFill>
+                  <a:schemeClr val="tx1"/>
+                </a:solidFill>
+                <a:latin typeface="Arial" panose="020B0604020202020204" pitchFamily="34" charset="0"/>
+                <a:ea typeface="宋体" panose="02010600030101010101" pitchFamily="2" charset="-122"/>
+              </a:defRPr>
+            </a:lvl7pPr>
+            <a:lvl8pPr marL="3429000" indent="-228600" eaLnBrk="0" fontAlgn="base" hangingPunct="0">
+              <a:spcBef>
+                <a:spcPct val="0"/>
+              </a:spcBef>
+              <a:spcAft>
+                <a:spcPct val="0"/>
+              </a:spcAft>
+              <a:buFont typeface="Arial" panose="020B0604020202020204" pitchFamily="34" charset="0"/>
+              <a:defRPr>
+                <a:solidFill>
+                  <a:schemeClr val="tx1"/>
+                </a:solidFill>
+                <a:latin typeface="Arial" panose="020B0604020202020204" pitchFamily="34" charset="0"/>
+                <a:ea typeface="宋体" panose="02010600030101010101" pitchFamily="2" charset="-122"/>
+              </a:defRPr>
+            </a:lvl8pPr>
+            <a:lvl9pPr marL="3886200" indent="-228600" eaLnBrk="0" fontAlgn="base" hangingPunct="0">
+              <a:spcBef>
+                <a:spcPct val="0"/>
+              </a:spcBef>
+              <a:spcAft>
+                <a:spcPct val="0"/>
+              </a:spcAft>
+              <a:buFont typeface="Arial" panose="020B0604020202020204" pitchFamily="34" charset="0"/>
+              <a:defRPr>
+                <a:solidFill>
+                  <a:schemeClr val="tx1"/>
+                </a:solidFill>
+                <a:latin typeface="Arial" panose="020B0604020202020204" pitchFamily="34" charset="0"/>
+                <a:ea typeface="宋体" panose="02010600030101010101" pitchFamily="2" charset="-122"/>
+              </a:defRPr>
+            </a:lvl9pPr>
+          </a:lstStyle>
+          <a:p>
+            <a:pPr eaLnBrk="1" hangingPunct="1"/>
+            <a:r>
+              <a:rPr lang="en-US" altLang="zh-CN" sz="900">
+                <a:solidFill>
+                  <a:srgbClr val="7F7F7F"/>
+                </a:solidFill>
+                <a:latin typeface="微软雅黑" panose="020B0503020204020204" pitchFamily="34" charset="-122"/>
+                <a:ea typeface="微软雅黑" panose="020B0503020204020204" pitchFamily="34" charset="-122"/>
+                <a:sym typeface="微软雅黑" panose="020B0503020204020204" pitchFamily="34" charset="-122"/>
+              </a:rPr>
+              <a:t>CODE</a:t>
+            </a:r>
+            <a:r>
+              <a:rPr lang="zh-CN" altLang="en-US" sz="900">
+                <a:solidFill>
+                  <a:srgbClr val="7F7F7F"/>
+                </a:solidFill>
+                <a:latin typeface="微软雅黑" panose="020B0503020204020204" pitchFamily="34" charset="-122"/>
+                <a:ea typeface="微软雅黑" panose="020B0503020204020204" pitchFamily="34" charset="-122"/>
+                <a:sym typeface="微软雅黑" panose="020B0503020204020204" pitchFamily="34" charset="-122"/>
+              </a:rPr>
+              <a:t>平台：</a:t>
+            </a:r>
+            <a:r>
+              <a:rPr lang="en-US" altLang="zh-CN" sz="900">
+                <a:solidFill>
+                  <a:srgbClr val="7F7F7F"/>
+                </a:solidFill>
+                <a:latin typeface="微软雅黑" panose="020B0503020204020204" pitchFamily="34" charset="-122"/>
+                <a:ea typeface="微软雅黑" panose="020B0503020204020204" pitchFamily="34" charset="-122"/>
+                <a:sym typeface="微软雅黑" panose="020B0503020204020204" pitchFamily="34" charset="-122"/>
+              </a:rPr>
+              <a:t>https://code.csdn.net/</a:t>
+            </a:r>
+            <a:endParaRPr lang="zh-CN" altLang="en-US" sz="900">
+              <a:solidFill>
+                <a:srgbClr val="7F7F7F"/>
+              </a:solidFill>
+              <a:latin typeface="微软雅黑" panose="020B0503020204020204" pitchFamily="34" charset="-122"/>
+              <a:ea typeface="微软雅黑" panose="020B0503020204020204" pitchFamily="34" charset="-122"/>
+              <a:sym typeface="微软雅黑" panose="020B0503020204020204" pitchFamily="34" charset="-122"/>
+            </a:endParaRPr>
+          </a:p>
+          <a:p>
+            <a:pPr eaLnBrk="1" hangingPunct="1"/>
+            <a:r>
+              <a:rPr lang="zh-CN" altLang="en-US" sz="900">
+                <a:solidFill>
+                  <a:srgbClr val="7F7F7F"/>
+                </a:solidFill>
+                <a:latin typeface="微软雅黑" panose="020B0503020204020204" pitchFamily="34" charset="-122"/>
+                <a:ea typeface="微软雅黑" panose="020B0503020204020204" pitchFamily="34" charset="-122"/>
+                <a:sym typeface="微软雅黑" panose="020B0503020204020204" pitchFamily="34" charset="-122"/>
+              </a:rPr>
+              <a:t>项目外包：</a:t>
+            </a:r>
+            <a:r>
+              <a:rPr lang="en-US" altLang="zh-CN" sz="900">
+                <a:solidFill>
+                  <a:srgbClr val="7F7F7F"/>
+                </a:solidFill>
+                <a:latin typeface="微软雅黑" panose="020B0503020204020204" pitchFamily="34" charset="-122"/>
+                <a:ea typeface="微软雅黑" panose="020B0503020204020204" pitchFamily="34" charset="-122"/>
+                <a:sym typeface="微软雅黑" panose="020B0503020204020204" pitchFamily="34" charset="-122"/>
+              </a:rPr>
+              <a:t>http://www.csto.com/</a:t>
+            </a:r>
+            <a:endParaRPr lang="zh-CN" altLang="en-US" sz="900">
+              <a:solidFill>
+                <a:srgbClr val="7F7F7F"/>
+              </a:solidFill>
+              <a:latin typeface="微软雅黑" panose="020B0503020204020204" pitchFamily="34" charset="-122"/>
+              <a:ea typeface="微软雅黑" panose="020B0503020204020204" pitchFamily="34" charset="-122"/>
+              <a:sym typeface="微软雅黑" panose="020B0503020204020204" pitchFamily="34" charset="-122"/>
+            </a:endParaRPr>
+          </a:p>
+          <a:p>
+            <a:pPr eaLnBrk="1" hangingPunct="1"/>
+            <a:r>
+              <a:rPr lang="en-US" altLang="zh-CN" sz="900">
+                <a:solidFill>
+                  <a:srgbClr val="7F7F7F"/>
+                </a:solidFill>
+                <a:latin typeface="微软雅黑" panose="020B0503020204020204" pitchFamily="34" charset="-122"/>
+                <a:ea typeface="微软雅黑" panose="020B0503020204020204" pitchFamily="34" charset="-122"/>
+                <a:sym typeface="微软雅黑" panose="020B0503020204020204" pitchFamily="34" charset="-122"/>
+              </a:rPr>
+              <a:t>CSDN</a:t>
+            </a:r>
+            <a:r>
+              <a:rPr lang="zh-CN" altLang="en-US" sz="900">
+                <a:solidFill>
+                  <a:srgbClr val="7F7F7F"/>
+                </a:solidFill>
+                <a:latin typeface="微软雅黑" panose="020B0503020204020204" pitchFamily="34" charset="-122"/>
+                <a:ea typeface="微软雅黑" panose="020B0503020204020204" pitchFamily="34" charset="-122"/>
+                <a:sym typeface="微软雅黑" panose="020B0503020204020204" pitchFamily="34" charset="-122"/>
+              </a:rPr>
+              <a:t>博客：</a:t>
+            </a:r>
+            <a:r>
+              <a:rPr lang="en-US" altLang="zh-CN" sz="900">
+                <a:solidFill>
+                  <a:srgbClr val="7F7F7F"/>
+                </a:solidFill>
+                <a:latin typeface="微软雅黑" panose="020B0503020204020204" pitchFamily="34" charset="-122"/>
+                <a:ea typeface="微软雅黑" panose="020B0503020204020204" pitchFamily="34" charset="-122"/>
+                <a:sym typeface="微软雅黑" panose="020B0503020204020204" pitchFamily="34" charset="-122"/>
+              </a:rPr>
+              <a:t>http://blog.csdn.net/</a:t>
+            </a:r>
+            <a:endParaRPr lang="zh-CN" altLang="en-US" sz="900">
+              <a:solidFill>
+                <a:srgbClr val="7F7F7F"/>
+              </a:solidFill>
+              <a:latin typeface="微软雅黑" panose="020B0503020204020204" pitchFamily="34" charset="-122"/>
+              <a:ea typeface="微软雅黑" panose="020B0503020204020204" pitchFamily="34" charset="-122"/>
+              <a:sym typeface="微软雅黑" panose="020B0503020204020204" pitchFamily="34" charset="-122"/>
+            </a:endParaRPr>
+          </a:p>
+          <a:p>
+            <a:pPr eaLnBrk="1" hangingPunct="1"/>
+            <a:r>
+              <a:rPr lang="en-US" altLang="zh-CN" sz="900">
+                <a:solidFill>
+                  <a:srgbClr val="7F7F7F"/>
+                </a:solidFill>
+                <a:latin typeface="微软雅黑" panose="020B0503020204020204" pitchFamily="34" charset="-122"/>
+                <a:ea typeface="微软雅黑" panose="020B0503020204020204" pitchFamily="34" charset="-122"/>
+                <a:sym typeface="微软雅黑" panose="020B0503020204020204" pitchFamily="34" charset="-122"/>
+              </a:rPr>
+              <a:t>CSDN</a:t>
+            </a:r>
+            <a:r>
+              <a:rPr lang="zh-CN" altLang="en-US" sz="900">
+                <a:solidFill>
+                  <a:srgbClr val="7F7F7F"/>
+                </a:solidFill>
+                <a:latin typeface="微软雅黑" panose="020B0503020204020204" pitchFamily="34" charset="-122"/>
+                <a:ea typeface="微软雅黑" panose="020B0503020204020204" pitchFamily="34" charset="-122"/>
+                <a:sym typeface="微软雅黑" panose="020B0503020204020204" pitchFamily="34" charset="-122"/>
+              </a:rPr>
+              <a:t>论坛：</a:t>
+            </a:r>
+            <a:r>
+              <a:rPr lang="en-US" altLang="zh-CN" sz="900">
+                <a:solidFill>
+                  <a:srgbClr val="7F7F7F"/>
+                </a:solidFill>
+                <a:latin typeface="微软雅黑" panose="020B0503020204020204" pitchFamily="34" charset="-122"/>
+                <a:ea typeface="微软雅黑" panose="020B0503020204020204" pitchFamily="34" charset="-122"/>
+                <a:sym typeface="微软雅黑" panose="020B0503020204020204" pitchFamily="34" charset="-122"/>
+              </a:rPr>
+              <a:t>http://bbs.csdn.net/</a:t>
+            </a:r>
+            <a:endParaRPr lang="zh-CN" altLang="en-US" sz="900">
+              <a:solidFill>
+                <a:srgbClr val="7F7F7F"/>
+              </a:solidFill>
+              <a:latin typeface="微软雅黑" panose="020B0503020204020204" pitchFamily="34" charset="-122"/>
+              <a:ea typeface="微软雅黑" panose="020B0503020204020204" pitchFamily="34" charset="-122"/>
+              <a:sym typeface="微软雅黑" panose="020B0503020204020204" pitchFamily="34" charset="-122"/>
+            </a:endParaRPr>
+          </a:p>
+          <a:p>
+            <a:pPr eaLnBrk="1" hangingPunct="1"/>
+            <a:r>
+              <a:rPr lang="en-US" altLang="zh-CN" sz="900">
+                <a:solidFill>
+                  <a:srgbClr val="7F7F7F"/>
+                </a:solidFill>
+                <a:latin typeface="微软雅黑" panose="020B0503020204020204" pitchFamily="34" charset="-122"/>
+                <a:ea typeface="微软雅黑" panose="020B0503020204020204" pitchFamily="34" charset="-122"/>
+                <a:sym typeface="微软雅黑" panose="020B0503020204020204" pitchFamily="34" charset="-122"/>
+              </a:rPr>
+              <a:t>CSDN</a:t>
+            </a:r>
+            <a:r>
+              <a:rPr lang="zh-CN" altLang="en-US" sz="900">
+                <a:solidFill>
+                  <a:srgbClr val="7F7F7F"/>
+                </a:solidFill>
+                <a:latin typeface="微软雅黑" panose="020B0503020204020204" pitchFamily="34" charset="-122"/>
+                <a:ea typeface="微软雅黑" panose="020B0503020204020204" pitchFamily="34" charset="-122"/>
+                <a:sym typeface="微软雅黑" panose="020B0503020204020204" pitchFamily="34" charset="-122"/>
+              </a:rPr>
+              <a:t>下载：</a:t>
+            </a:r>
+            <a:r>
+              <a:rPr lang="en-US" altLang="zh-CN" sz="900">
+                <a:solidFill>
+                  <a:srgbClr val="7F7F7F"/>
+                </a:solidFill>
+                <a:latin typeface="微软雅黑" panose="020B0503020204020204" pitchFamily="34" charset="-122"/>
+                <a:ea typeface="微软雅黑" panose="020B0503020204020204" pitchFamily="34" charset="-122"/>
+                <a:sym typeface="微软雅黑" panose="020B0503020204020204" pitchFamily="34" charset="-122"/>
+              </a:rPr>
+              <a:t>http://download.csdn.net/</a:t>
+            </a:r>
+            <a:endParaRPr lang="en-US" altLang="zh-CN" sz="900" b="1">
+              <a:solidFill>
+                <a:srgbClr val="7F7F7F"/>
+              </a:solidFill>
+              <a:latin typeface="微软雅黑" panose="020B0503020204020204" pitchFamily="34" charset="-122"/>
+              <a:ea typeface="微软雅黑" panose="020B0503020204020204" pitchFamily="34" charset="-122"/>
+              <a:sym typeface="微软雅黑" panose="020B0503020204020204" pitchFamily="34" charset="-122"/>
+            </a:endParaRPr>
+          </a:p>
+          <a:p>
+            <a:pPr eaLnBrk="1" hangingPunct="1"/>
+            <a:endParaRPr lang="zh-CN" altLang="en-US" sz="900">
+              <a:solidFill>
+                <a:srgbClr val="7F7F7F"/>
+              </a:solidFill>
+              <a:latin typeface="微软雅黑" panose="020B0503020204020204" pitchFamily="34" charset="-122"/>
+              <a:ea typeface="微软雅黑" panose="020B0503020204020204" pitchFamily="34" charset="-122"/>
+              <a:sym typeface="微软雅黑" panose="020B0503020204020204" pitchFamily="34" charset="-122"/>
+            </a:endParaRPr>
+          </a:p>
+        </p:txBody>
+      </p:sp>
+      <p:sp>
+        <p:nvSpPr>
+          <p:cNvPr id="8198" name="文本框 5">
+            <a:extLst>
+              <a:ext uri="{FF2B5EF4-FFF2-40B4-BE49-F238E27FC236}">
+                <a16:creationId xmlns:a16="http://schemas.microsoft.com/office/drawing/2014/main" id="{C3033956-A2A9-4D76-84E1-6F53E52FBB80}"/>
+              </a:ext>
+            </a:extLst>
+          </p:cNvPr>
+          <p:cNvSpPr>
+            <a:spLocks noChangeArrowheads="1"/>
+          </p:cNvSpPr>
+          <p:nvPr/>
+        </p:nvSpPr>
+        <p:spPr bwMode="auto">
+          <a:xfrm>
+            <a:off x="4337050" y="1928813"/>
+            <a:ext cx="4000500" cy="492125"/>
+          </a:xfrm>
+          <a:prstGeom prst="rect">
+            <a:avLst/>
+          </a:prstGeom>
+          <a:noFill/>
+          <a:ln>
+            <a:noFill/>
+          </a:ln>
+          <a:extLst>
+            <a:ext uri="{909E8E84-426E-40DD-AFC4-6F175D3DCCD1}">
+              <a14:hiddenFill xmlns:a14="http://schemas.microsoft.com/office/drawing/2010/main">
+                <a:solidFill>
+                  <a:srgbClr val="FFFFFF"/>
+                </a:solidFill>
+              </a14:hiddenFill>
+            </a:ext>
+            <a:ext uri="{91240B29-F687-4F45-9708-019B960494DF}">
+              <a14:hiddenLine xmlns:a14="http://schemas.microsoft.com/office/drawing/2010/main" w="9525">
+                <a:solidFill>
+                  <a:srgbClr val="000000"/>
+                </a:solidFill>
+                <a:miter lim="800000"/>
+                <a:headEnd/>
+                <a:tailEnd/>
+              </a14:hiddenLine>
+            </a:ext>
+          </a:extLst>
+        </p:spPr>
+        <p:txBody>
+          <a:bodyPr>
+            <a:spAutoFit/>
+          </a:bodyPr>
+          <a:lstStyle>
+            <a:lvl1pPr>
+              <a:buFont typeface="Arial" panose="020B0604020202020204" pitchFamily="34" charset="0"/>
+              <a:defRPr>
+                <a:solidFill>
+                  <a:schemeClr val="tx1"/>
+                </a:solidFill>
+                <a:latin typeface="Arial" panose="020B0604020202020204" pitchFamily="34" charset="0"/>
+                <a:ea typeface="宋体" panose="02010600030101010101" pitchFamily="2" charset="-122"/>
+              </a:defRPr>
+            </a:lvl1pPr>
+            <a:lvl2pPr marL="742950" indent="-285750">
+              <a:buFont typeface="Arial" panose="020B0604020202020204" pitchFamily="34" charset="0"/>
+              <a:defRPr>
+                <a:solidFill>
+                  <a:schemeClr val="tx1"/>
+                </a:solidFill>
+                <a:latin typeface="Arial" panose="020B0604020202020204" pitchFamily="34" charset="0"/>
+                <a:ea typeface="宋体" panose="02010600030101010101" pitchFamily="2" charset="-122"/>
+              </a:defRPr>
+            </a:lvl2pPr>
+            <a:lvl3pPr marL="1143000" indent="-228600">
+              <a:buFont typeface="Arial" panose="020B0604020202020204" pitchFamily="34" charset="0"/>
+              <a:defRPr>
+                <a:solidFill>
+                  <a:schemeClr val="tx1"/>
+                </a:solidFill>
+                <a:latin typeface="Arial" panose="020B0604020202020204" pitchFamily="34" charset="0"/>
+                <a:ea typeface="宋体" panose="02010600030101010101" pitchFamily="2" charset="-122"/>
+              </a:defRPr>
+            </a:lvl3pPr>
+            <a:lvl4pPr marL="1600200" indent="-228600">
+              <a:buFont typeface="Arial" panose="020B0604020202020204" pitchFamily="34" charset="0"/>
+              <a:defRPr>
+                <a:solidFill>
+                  <a:schemeClr val="tx1"/>
+                </a:solidFill>
+                <a:latin typeface="Arial" panose="020B0604020202020204" pitchFamily="34" charset="0"/>
+                <a:ea typeface="宋体" panose="02010600030101010101" pitchFamily="2" charset="-122"/>
+              </a:defRPr>
+            </a:lvl4pPr>
+            <a:lvl5pPr marL="2057400" indent="-228600">
+              <a:buFont typeface="Arial" panose="020B0604020202020204" pitchFamily="34" charset="0"/>
+              <a:defRPr>
+                <a:solidFill>
+                  <a:schemeClr val="tx1"/>
+                </a:solidFill>
+                <a:latin typeface="Arial" panose="020B0604020202020204" pitchFamily="34" charset="0"/>
+                <a:ea typeface="宋体" panose="02010600030101010101" pitchFamily="2" charset="-122"/>
+              </a:defRPr>
+            </a:lvl5pPr>
+            <a:lvl6pPr marL="2514600" indent="-228600" eaLnBrk="0" fontAlgn="base" hangingPunct="0">
+              <a:spcBef>
+                <a:spcPct val="0"/>
+              </a:spcBef>
+              <a:spcAft>
+                <a:spcPct val="0"/>
+              </a:spcAft>
+              <a:buFont typeface="Arial" panose="020B0604020202020204" pitchFamily="34" charset="0"/>
+              <a:defRPr>
+                <a:solidFill>
+                  <a:schemeClr val="tx1"/>
+                </a:solidFill>
+                <a:latin typeface="Arial" panose="020B0604020202020204" pitchFamily="34" charset="0"/>
+                <a:ea typeface="宋体" panose="02010600030101010101" pitchFamily="2" charset="-122"/>
+              </a:defRPr>
+            </a:lvl6pPr>
+            <a:lvl7pPr marL="2971800" indent="-228600" eaLnBrk="0" fontAlgn="base" hangingPunct="0">
+              <a:spcBef>
+                <a:spcPct val="0"/>
+              </a:spcBef>
+              <a:spcAft>
+                <a:spcPct val="0"/>
+              </a:spcAft>
+              <a:buFont typeface="Arial" panose="020B0604020202020204" pitchFamily="34" charset="0"/>
+              <a:defRPr>
+                <a:solidFill>
+                  <a:schemeClr val="tx1"/>
+                </a:solidFill>
+                <a:latin typeface="Arial" panose="020B0604020202020204" pitchFamily="34" charset="0"/>
+                <a:ea typeface="宋体" panose="02010600030101010101" pitchFamily="2" charset="-122"/>
+              </a:defRPr>
+            </a:lvl7pPr>
+            <a:lvl8pPr marL="3429000" indent="-228600" eaLnBrk="0" fontAlgn="base" hangingPunct="0">
+              <a:spcBef>
+                <a:spcPct val="0"/>
+              </a:spcBef>
+              <a:spcAft>
+                <a:spcPct val="0"/>
+              </a:spcAft>
+              <a:buFont typeface="Arial" panose="020B0604020202020204" pitchFamily="34" charset="0"/>
+              <a:defRPr>
+                <a:solidFill>
+                  <a:schemeClr val="tx1"/>
+                </a:solidFill>
+                <a:latin typeface="Arial" panose="020B0604020202020204" pitchFamily="34" charset="0"/>
+                <a:ea typeface="宋体" panose="02010600030101010101" pitchFamily="2" charset="-122"/>
+              </a:defRPr>
+            </a:lvl8pPr>
+            <a:lvl9pPr marL="3886200" indent="-228600" eaLnBrk="0" fontAlgn="base" hangingPunct="0">
+              <a:spcBef>
+                <a:spcPct val="0"/>
+              </a:spcBef>
+              <a:spcAft>
+                <a:spcPct val="0"/>
+              </a:spcAft>
+              <a:buFont typeface="Arial" panose="020B0604020202020204" pitchFamily="34" charset="0"/>
+              <a:defRPr>
+                <a:solidFill>
+                  <a:schemeClr val="tx1"/>
+                </a:solidFill>
+                <a:latin typeface="Arial" panose="020B0604020202020204" pitchFamily="34" charset="0"/>
+                <a:ea typeface="宋体" panose="02010600030101010101" pitchFamily="2" charset="-122"/>
+              </a:defRPr>
+            </a:lvl9pPr>
+          </a:lstStyle>
+          <a:p>
+            <a:pPr eaLnBrk="1" hangingPunct="1"/>
+            <a:r>
+              <a:rPr lang="zh-CN" altLang="en-US" sz="1400">
+                <a:solidFill>
+                  <a:srgbClr val="595959"/>
+                </a:solidFill>
+                <a:latin typeface="微软雅黑" panose="020B0503020204020204" pitchFamily="34" charset="-122"/>
+                <a:ea typeface="微软雅黑" panose="020B0503020204020204" pitchFamily="34" charset="-122"/>
+                <a:sym typeface="微软雅黑" panose="020B0503020204020204" pitchFamily="34" charset="-122"/>
+              </a:rPr>
+              <a:t>本课程由 张赐 提供</a:t>
+            </a:r>
+            <a:endParaRPr lang="en-US" altLang="zh-CN" sz="1400">
+              <a:solidFill>
+                <a:srgbClr val="595959"/>
+              </a:solidFill>
+              <a:latin typeface="微软雅黑" panose="020B0503020204020204" pitchFamily="34" charset="-122"/>
+              <a:ea typeface="微软雅黑" panose="020B0503020204020204" pitchFamily="34" charset="-122"/>
+              <a:sym typeface="微软雅黑" panose="020B0503020204020204" pitchFamily="34" charset="-122"/>
+            </a:endParaRPr>
+          </a:p>
+          <a:p>
+            <a:pPr eaLnBrk="1" hangingPunct="1"/>
+            <a:endParaRPr lang="zh-CN" altLang="en-US" sz="1200">
+              <a:solidFill>
+                <a:srgbClr val="595959"/>
+              </a:solidFill>
+              <a:latin typeface="微软雅黑" panose="020B0503020204020204" pitchFamily="34" charset="-122"/>
+              <a:ea typeface="微软雅黑" panose="020B0503020204020204" pitchFamily="34" charset="-122"/>
+              <a:sym typeface="微软雅黑" panose="020B0503020204020204" pitchFamily="34" charset="-122"/>
+            </a:endParaRPr>
+          </a:p>
+        </p:txBody>
+      </p:sp>
+      <p:pic>
+        <p:nvPicPr>
+          <p:cNvPr id="8199" name="Picture 2">
+            <a:extLst>
+              <a:ext uri="{FF2B5EF4-FFF2-40B4-BE49-F238E27FC236}">
+                <a16:creationId xmlns:a16="http://schemas.microsoft.com/office/drawing/2014/main" id="{2656A675-2838-4DE8-A1F0-DE7DF761E3B6}"/>
+              </a:ext>
+            </a:extLst>
+          </p:cNvPr>
+          <p:cNvPicPr>
+            <a:picLocks noChangeAspect="1" noChangeArrowheads="1"/>
+          </p:cNvPicPr>
+          <p:nvPr/>
+        </p:nvPicPr>
+        <p:blipFill>
+          <a:blip r:embed="rId3">
+            <a:extLst>
+              <a:ext uri="{28A0092B-C50C-407E-A947-70E740481C1C}">
+                <a14:useLocalDpi xmlns:a14="http://schemas.microsoft.com/office/drawing/2010/main" val="0"/>
+              </a:ext>
+            </a:extLst>
+          </a:blip>
+          <a:srcRect/>
+          <a:stretch>
+            <a:fillRect/>
+          </a:stretch>
+        </p:blipFill>
+        <p:spPr bwMode="auto">
+          <a:xfrm>
+            <a:off x="107950" y="123825"/>
+            <a:ext cx="1296988" cy="539750"/>
+          </a:xfrm>
+          <a:prstGeom prst="rect">
+            <a:avLst/>
+          </a:prstGeom>
+          <a:noFill/>
+          <a:ln>
+            <a:noFill/>
+          </a:ln>
+          <a:effectLst/>
+          <a:extLst>
+            <a:ext uri="{909E8E84-426E-40DD-AFC4-6F175D3DCCD1}">
+              <a14:hiddenFill xmlns:a14="http://schemas.microsoft.com/office/drawing/2010/main">
+                <a:solidFill>
+                  <a:srgbClr val="FFFFFF"/>
+                </a:solidFill>
+              </a14:hiddenFill>
+            </a:ext>
+            <a:ext uri="{91240B29-F687-4F45-9708-019B960494DF}">
+              <a14:hiddenLine xmlns:a14="http://schemas.microsoft.com/office/drawing/2010/main" w="9525">
+                <a:solidFill>
+                  <a:srgbClr val="000000"/>
+                </a:solidFill>
+                <a:miter lim="800000"/>
+                <a:headEnd/>
+                <a:tailEnd/>
+              </a14:hiddenLine>
+            </a:ext>
+            <a:ext uri="{AF507438-7753-43E0-B8FC-AC1667EBCBE1}">
+              <a14:hiddenEffects xmlns:a14="http://schemas.microsoft.com/office/drawing/2010/main">
+                <a:effectLst>
+                  <a:outerShdw dist="35921" dir="2700000" algn="ctr" rotWithShape="0">
+                    <a:srgbClr val="808080"/>
+                  </a:outerShdw>
+                </a:effectLst>
+              </a14:hiddenEffects>
+            </a:ext>
+          </a:extLst>
+        </p:spPr>
+      </p:pic>
+    </p:spTree>
+  </p:cSld>
+  <p:clrMapOvr>
+    <a:masterClrMapping/>
+  </p:clrMapOvr>
+</p:sld>
+</file>
+
 <file path=ppt/slides/slide2.xml><?xml version="1.0" encoding="utf-8"?>
 <p:sld xmlns:a="http://schemas.openxmlformats.org/drawingml/2006/main" xmlns:r="http://schemas.openxmlformats.org/officeDocument/2006/relationships" xmlns:p="http://schemas.openxmlformats.org/presentationml/2006/main">
   <p:cSld>
@@ -6211,25 +7524,8 @@
                 <a:latin typeface="微软雅黑 Light" panose="020B0502040204020203" pitchFamily="34" charset="-122"/>
                 <a:ea typeface="微软雅黑 Light" panose="020B0502040204020203" pitchFamily="34" charset="-122"/>
               </a:rPr>
-              <a:t>施密特正交化</a:t>
-            </a:r>
-            <a:endParaRPr lang="en-US" altLang="zh-CN" sz="2800" dirty="0">
-              <a:solidFill>
-                <a:schemeClr val="tx1">
-                  <a:lumMod val="65000"/>
-                  <a:lumOff val="35000"/>
-                </a:schemeClr>
-              </a:solidFill>
-              <a:latin typeface="微软雅黑 Light" panose="020B0502040204020203" pitchFamily="34" charset="-122"/>
-              <a:ea typeface="微软雅黑 Light" panose="020B0502040204020203" pitchFamily="34" charset="-122"/>
-            </a:endParaRPr>
-          </a:p>
-          <a:p>
-            <a:pPr>
-              <a:lnSpc>
-                <a:spcPct val="150000"/>
-              </a:lnSpc>
-            </a:pPr>
+              <a:t>完善</a:t>
+            </a:r>
             <a:r>
               <a:rPr lang="en-US" altLang="zh-CN" sz="2800" dirty="0">
                 <a:solidFill>
@@ -6241,7 +7537,7 @@
                 <a:latin typeface="微软雅黑 Light" panose="020B0502040204020203" pitchFamily="34" charset="-122"/>
                 <a:ea typeface="微软雅黑 Light" panose="020B0502040204020203" pitchFamily="34" charset="-122"/>
               </a:rPr>
-              <a:t>GVector4</a:t>
+              <a:t>GVector3</a:t>
             </a:r>
             <a:r>
               <a:rPr lang="zh-CN" altLang="en-US" sz="2800" dirty="0">
@@ -6641,7 +7937,7 @@
               </a:lnSpc>
             </a:pPr>
             <a:r>
-              <a:rPr lang="en-US" altLang="zh-CN" sz="2800" dirty="0" err="1">
+              <a:rPr lang="zh-CN" altLang="en-US" sz="2800" dirty="0">
                 <a:solidFill>
                   <a:schemeClr val="tx1">
                     <a:lumMod val="65000"/>
@@ -6651,7 +7947,20 @@
                 <a:latin typeface="微软雅黑 Light" panose="020B0502040204020203" pitchFamily="34" charset="-122"/>
                 <a:ea typeface="微软雅黑 Light" panose="020B0502040204020203" pitchFamily="34" charset="-122"/>
               </a:rPr>
-              <a:t>GMatrix</a:t>
+              <a:t>创建</a:t>
+            </a:r>
+            <a:r>
+              <a:rPr lang="en-US" altLang="zh-CN" sz="2800" dirty="0" err="1">
+                <a:solidFill>
+                  <a:schemeClr val="tx1">
+                    <a:lumMod val="65000"/>
+                    <a:lumOff val="35000"/>
+                  </a:schemeClr>
+                </a:solidFill>
+                <a:latin typeface="微软雅黑 Light" panose="020B0502040204020203" pitchFamily="34" charset="-122"/>
+                <a:ea typeface="微软雅黑 Light" panose="020B0502040204020203" pitchFamily="34" charset="-122"/>
+              </a:rPr>
+              <a:t>GVector</a:t>
             </a:r>
             <a:r>
               <a:rPr lang="zh-CN" altLang="en-US" sz="2800" dirty="0">
@@ -6694,20 +8003,7 @@
                 <a:latin typeface="微软雅黑 Light" panose="020B0502040204020203" pitchFamily="34" charset="-122"/>
                 <a:ea typeface="微软雅黑 Light" panose="020B0502040204020203" pitchFamily="34" charset="-122"/>
               </a:rPr>
-              <a:t>创建</a:t>
-            </a:r>
-            <a:r>
-              <a:rPr lang="en-US" altLang="zh-CN" sz="2400" dirty="0" err="1">
-                <a:solidFill>
-                  <a:schemeClr val="tx1">
-                    <a:lumMod val="65000"/>
-                    <a:lumOff val="35000"/>
-                  </a:schemeClr>
-                </a:solidFill>
-                <a:latin typeface="微软雅黑 Light" panose="020B0502040204020203" pitchFamily="34" charset="-122"/>
-                <a:ea typeface="微软雅黑 Light" panose="020B0502040204020203" pitchFamily="34" charset="-122"/>
-              </a:rPr>
-              <a:t>GMatrix</a:t>
+              <a:t>可变参数构造函数</a:t>
             </a:r>
             <a:endParaRPr lang="en-US" altLang="zh-CN" sz="2400" dirty="0">
               <a:solidFill>
@@ -6721,13 +8017,13 @@
             </a:endParaRPr>
           </a:p>
           <a:p>
-            <a:pPr lvl="1">
+            <a:pPr lvl="2">
               <a:lnSpc>
                 <a:spcPct val="150000"/>
               </a:lnSpc>
             </a:pPr>
             <a:r>
-              <a:rPr lang="zh-CN" altLang="en-US" sz="2400" dirty="0">
+              <a:rPr lang="en-US" altLang="zh-CN" dirty="0" err="1">
                 <a:solidFill>
                   <a:schemeClr val="tx1">
                     <a:lumMod val="65000"/>
@@ -6737,9 +8033,87 @@
                 <a:latin typeface="微软雅黑 Light" panose="020B0502040204020203" pitchFamily="34" charset="-122"/>
                 <a:ea typeface="微软雅黑 Light" panose="020B0502040204020203" pitchFamily="34" charset="-122"/>
               </a:rPr>
-              <a:t>矩阵的转置</a:t>
-            </a:r>
-            <a:endParaRPr lang="en-US" altLang="zh-CN" sz="2400" dirty="0">
+              <a:t>va_list</a:t>
+            </a:r>
+            <a:r>
+              <a:rPr lang="zh-CN" altLang="en-US" dirty="0">
+                <a:solidFill>
+                  <a:schemeClr val="tx1">
+                    <a:lumMod val="65000"/>
+                    <a:lumOff val="35000"/>
+                  </a:schemeClr>
+                </a:solidFill>
+                <a:latin typeface="微软雅黑 Light" panose="020B0502040204020203" pitchFamily="34" charset="-122"/>
+                <a:ea typeface="微软雅黑 Light" panose="020B0502040204020203" pitchFamily="34" charset="-122"/>
+              </a:rPr>
+              <a:t>，</a:t>
+            </a:r>
+            <a:r>
+              <a:rPr lang="en-US" altLang="zh-CN" dirty="0" err="1">
+                <a:solidFill>
+                  <a:schemeClr val="tx1">
+                    <a:lumMod val="65000"/>
+                    <a:lumOff val="35000"/>
+                  </a:schemeClr>
+                </a:solidFill>
+                <a:latin typeface="微软雅黑 Light" panose="020B0502040204020203" pitchFamily="34" charset="-122"/>
+                <a:ea typeface="微软雅黑 Light" panose="020B0502040204020203" pitchFamily="34" charset="-122"/>
+              </a:rPr>
+              <a:t>va_start</a:t>
+            </a:r>
+            <a:r>
+              <a:rPr lang="zh-CN" altLang="en-US" dirty="0">
+                <a:solidFill>
+                  <a:schemeClr val="tx1">
+                    <a:lumMod val="65000"/>
+                    <a:lumOff val="35000"/>
+                  </a:schemeClr>
+                </a:solidFill>
+                <a:latin typeface="微软雅黑 Light" panose="020B0502040204020203" pitchFamily="34" charset="-122"/>
+                <a:ea typeface="微软雅黑 Light" panose="020B0502040204020203" pitchFamily="34" charset="-122"/>
+              </a:rPr>
+              <a:t>，</a:t>
+            </a:r>
+            <a:r>
+              <a:rPr lang="en-US" altLang="zh-CN" dirty="0" err="1">
+                <a:solidFill>
+                  <a:schemeClr val="tx1">
+                    <a:lumMod val="65000"/>
+                    <a:lumOff val="35000"/>
+                  </a:schemeClr>
+                </a:solidFill>
+                <a:latin typeface="微软雅黑 Light" panose="020B0502040204020203" pitchFamily="34" charset="-122"/>
+                <a:ea typeface="微软雅黑 Light" panose="020B0502040204020203" pitchFamily="34" charset="-122"/>
+              </a:rPr>
+              <a:t>va_arg</a:t>
+            </a:r>
+            <a:r>
+              <a:rPr lang="zh-CN" altLang="en-US" dirty="0">
+                <a:solidFill>
+                  <a:schemeClr val="tx1">
+                    <a:lumMod val="65000"/>
+                    <a:lumOff val="35000"/>
+                  </a:schemeClr>
+                </a:solidFill>
+                <a:latin typeface="微软雅黑 Light" panose="020B0502040204020203" pitchFamily="34" charset="-122"/>
+                <a:ea typeface="微软雅黑 Light" panose="020B0502040204020203" pitchFamily="34" charset="-122"/>
+              </a:rPr>
+              <a:t>，</a:t>
+            </a:r>
+            <a:r>
+              <a:rPr lang="en-US" altLang="zh-CN" dirty="0" err="1">
+                <a:solidFill>
+                  <a:schemeClr val="tx1">
+                    <a:lumMod val="65000"/>
+                    <a:lumOff val="35000"/>
+                  </a:schemeClr>
+                </a:solidFill>
+                <a:latin typeface="微软雅黑 Light" panose="020B0502040204020203" pitchFamily="34" charset="-122"/>
+                <a:ea typeface="微软雅黑 Light" panose="020B0502040204020203" pitchFamily="34" charset="-122"/>
+              </a:rPr>
+              <a:t>va_end</a:t>
+            </a:r>
+            <a:endParaRPr lang="en-US" altLang="zh-CN" dirty="0">
               <a:solidFill>
                 <a:schemeClr val="tx1">
                   <a:lumMod val="65000"/>
@@ -6750,42 +8124,12 @@
               <a:ea typeface="微软雅黑 Light" panose="020B0502040204020203" pitchFamily="34" charset="-122"/>
             </a:endParaRPr>
           </a:p>
-          <a:p>
-            <a:pPr lvl="1">
-              <a:lnSpc>
-                <a:spcPct val="150000"/>
-              </a:lnSpc>
-            </a:pPr>
-            <a:r>
-              <a:rPr lang="zh-CN" altLang="en-US" sz="2400" dirty="0">
-                <a:solidFill>
-                  <a:schemeClr val="tx1">
-                    <a:lumMod val="65000"/>
-                    <a:lumOff val="35000"/>
-                  </a:schemeClr>
-                </a:solidFill>
-                <a:latin typeface="微软雅黑 Light" panose="020B0502040204020203" pitchFamily="34" charset="-122"/>
-                <a:ea typeface="微软雅黑 Light" panose="020B0502040204020203" pitchFamily="34" charset="-122"/>
-              </a:rPr>
-              <a:t>矩阵和常量乘法</a:t>
-            </a:r>
-            <a:endParaRPr lang="en-US" altLang="zh-CN" sz="2400" dirty="0">
-              <a:solidFill>
-                <a:schemeClr val="tx1">
-                  <a:lumMod val="65000"/>
-                  <a:lumOff val="35000"/>
-                </a:schemeClr>
-              </a:solidFill>
-              <a:latin typeface="微软雅黑 Light" panose="020B0502040204020203" pitchFamily="34" charset="-122"/>
-              <a:ea typeface="微软雅黑 Light" panose="020B0502040204020203" pitchFamily="34" charset="-122"/>
-            </a:endParaRPr>
-          </a:p>
         </p:txBody>
       </p:sp>
     </p:spTree>
     <p:extLst>
       <p:ext uri="{BB962C8B-B14F-4D97-AF65-F5344CB8AC3E}">
-        <p14:creationId xmlns:p14="http://schemas.microsoft.com/office/powerpoint/2010/main" val="3270951077"/>
+        <p14:creationId xmlns:p14="http://schemas.microsoft.com/office/powerpoint/2010/main" val="1455557101"/>
       </p:ext>
     </p:extLst>
   </p:cSld>
@@ -7207,7 +8551,20 @@
                 <a:latin typeface="微软雅黑 Light" panose="020B0502040204020203" pitchFamily="34" charset="-122"/>
                 <a:ea typeface="微软雅黑 Light" panose="020B0502040204020203" pitchFamily="34" charset="-122"/>
               </a:rPr>
-              <a:t>矩阵加减法</a:t>
+              <a:t>创建</a:t>
+            </a:r>
+            <a:r>
+              <a:rPr lang="en-US" altLang="zh-CN" sz="2400" dirty="0" err="1">
+                <a:solidFill>
+                  <a:schemeClr val="tx1">
+                    <a:lumMod val="65000"/>
+                    <a:lumOff val="35000"/>
+                  </a:schemeClr>
+                </a:solidFill>
+                <a:latin typeface="微软雅黑 Light" panose="020B0502040204020203" pitchFamily="34" charset="-122"/>
+                <a:ea typeface="微软雅黑 Light" panose="020B0502040204020203" pitchFamily="34" charset="-122"/>
+              </a:rPr>
+              <a:t>GMatrix</a:t>
             </a:r>
             <a:endParaRPr lang="en-US" altLang="zh-CN" sz="2400" dirty="0">
               <a:solidFill>
@@ -7237,7 +8594,7 @@
                 <a:latin typeface="微软雅黑 Light" panose="020B0502040204020203" pitchFamily="34" charset="-122"/>
                 <a:ea typeface="微软雅黑 Light" panose="020B0502040204020203" pitchFamily="34" charset="-122"/>
               </a:rPr>
-              <a:t>矩阵乘法</a:t>
+              <a:t>矩阵的转置</a:t>
             </a:r>
             <a:endParaRPr lang="en-US" altLang="zh-CN" sz="2400" dirty="0">
               <a:solidFill>
@@ -7250,12 +8607,42 @@
               <a:ea typeface="微软雅黑 Light" panose="020B0502040204020203" pitchFamily="34" charset="-122"/>
             </a:endParaRPr>
           </a:p>
+          <a:p>
+            <a:pPr lvl="1">
+              <a:lnSpc>
+                <a:spcPct val="150000"/>
+              </a:lnSpc>
+            </a:pPr>
+            <a:r>
+              <a:rPr lang="zh-CN" altLang="en-US" sz="2400" dirty="0">
+                <a:solidFill>
+                  <a:schemeClr val="tx1">
+                    <a:lumMod val="65000"/>
+                    <a:lumOff val="35000"/>
+                  </a:schemeClr>
+                </a:solidFill>
+                <a:latin typeface="微软雅黑 Light" panose="020B0502040204020203" pitchFamily="34" charset="-122"/>
+                <a:ea typeface="微软雅黑 Light" panose="020B0502040204020203" pitchFamily="34" charset="-122"/>
+              </a:rPr>
+              <a:t>矩阵和常量乘法</a:t>
+            </a:r>
+            <a:endParaRPr lang="en-US" altLang="zh-CN" sz="2400" dirty="0">
+              <a:solidFill>
+                <a:schemeClr val="tx1">
+                  <a:lumMod val="65000"/>
+                  <a:lumOff val="35000"/>
+                </a:schemeClr>
+              </a:solidFill>
+              <a:latin typeface="微软雅黑 Light" panose="020B0502040204020203" pitchFamily="34" charset="-122"/>
+              <a:ea typeface="微软雅黑 Light" panose="020B0502040204020203" pitchFamily="34" charset="-122"/>
+            </a:endParaRPr>
+          </a:p>
         </p:txBody>
       </p:sp>
     </p:spTree>
     <p:extLst>
       <p:ext uri="{BB962C8B-B14F-4D97-AF65-F5344CB8AC3E}">
-        <p14:creationId xmlns:p14="http://schemas.microsoft.com/office/powerpoint/2010/main" val="3144022856"/>
+        <p14:creationId xmlns:p14="http://schemas.microsoft.com/office/powerpoint/2010/main" val="3270951077"/>
       </p:ext>
     </p:extLst>
   </p:cSld>
@@ -7636,6 +9023,19 @@
               </a:rPr>
               <a:t>GMatrix</a:t>
             </a:r>
+            <a:r>
+              <a:rPr lang="zh-CN" altLang="en-US" sz="2800" dirty="0">
+                <a:solidFill>
+                  <a:schemeClr val="tx1">
+                    <a:lumMod val="65000"/>
+                    <a:lumOff val="35000"/>
+                  </a:schemeClr>
+                </a:solidFill>
+                <a:latin typeface="微软雅黑 Light" panose="020B0502040204020203" pitchFamily="34" charset="-122"/>
+                <a:ea typeface="微软雅黑 Light" panose="020B0502040204020203" pitchFamily="34" charset="-122"/>
+              </a:rPr>
+              <a:t>类</a:t>
+            </a:r>
             <a:endParaRPr lang="en-US" altLang="zh-CN" sz="2800" dirty="0">
               <a:solidFill>
                 <a:schemeClr val="tx1">
@@ -7664,7 +9064,7 @@
                 <a:latin typeface="微软雅黑 Light" panose="020B0502040204020203" pitchFamily="34" charset="-122"/>
                 <a:ea typeface="微软雅黑 Light" panose="020B0502040204020203" pitchFamily="34" charset="-122"/>
               </a:rPr>
-              <a:t>高斯消元法</a:t>
+              <a:t>矩阵加减法</a:t>
             </a:r>
             <a:endParaRPr lang="en-US" altLang="zh-CN" sz="2400" dirty="0">
               <a:solidFill>
@@ -7678,13 +9078,25 @@
             </a:endParaRPr>
           </a:p>
           <a:p>
-            <a:pPr marL="0" indent="0">
+            <a:pPr lvl="1">
               <a:lnSpc>
                 <a:spcPct val="150000"/>
               </a:lnSpc>
-              <a:buNone/>
             </a:pPr>
-            <a:endParaRPr lang="en-US" altLang="zh-CN" sz="2800" dirty="0">
+            <a:r>
+              <a:rPr lang="zh-CN" altLang="en-US" sz="2400" dirty="0">
+                <a:solidFill>
+                  <a:schemeClr val="tx1">
+                    <a:lumMod val="65000"/>
+                    <a:lumOff val="35000"/>
+                  </a:schemeClr>
+                </a:solidFill>
+                <a:latin typeface="微软雅黑 Light" panose="020B0502040204020203" pitchFamily="34" charset="-122"/>
+                <a:ea typeface="微软雅黑 Light" panose="020B0502040204020203" pitchFamily="34" charset="-122"/>
+              </a:rPr>
+              <a:t>矩阵乘法</a:t>
+            </a:r>
+            <a:endParaRPr lang="en-US" altLang="zh-CN" sz="2400" dirty="0">
               <a:solidFill>
                 <a:schemeClr val="tx1">
                   <a:lumMod val="65000"/>
@@ -7700,7 +9112,7 @@
     </p:spTree>
     <p:extLst>
       <p:ext uri="{BB962C8B-B14F-4D97-AF65-F5344CB8AC3E}">
-        <p14:creationId xmlns:p14="http://schemas.microsoft.com/office/powerpoint/2010/main" val="3068457808"/>
+        <p14:creationId xmlns:p14="http://schemas.microsoft.com/office/powerpoint/2010/main" val="3144022856"/>
       </p:ext>
     </p:extLst>
   </p:cSld>
@@ -7729,10 +9141,10 @@
       </p:grpSpPr>
       <p:pic>
         <p:nvPicPr>
-          <p:cNvPr id="8194" name="Picture 2" descr="D:\work\CSDN学院ppt\5.jpg">
+          <p:cNvPr id="3074" name="Picture 2">
             <a:extLst>
               <a:ext uri="{FF2B5EF4-FFF2-40B4-BE49-F238E27FC236}">
-                <a16:creationId xmlns:a16="http://schemas.microsoft.com/office/drawing/2014/main" id="{83E22A5A-51B9-4467-B4B9-86F64AB306C3}"/>
+                <a16:creationId xmlns:a16="http://schemas.microsoft.com/office/drawing/2014/main" id="{602C339E-BA86-4A21-AB6C-4F6D8491BC39}"/>
               </a:ext>
             </a:extLst>
           </p:cNvPr>
@@ -7756,1225 +9168,8 @@
         </p:blipFill>
         <p:spPr bwMode="auto">
           <a:xfrm>
-            <a:off x="0" y="0"/>
-            <a:ext cx="9140825" cy="5141913"/>
-          </a:xfrm>
-          <a:prstGeom prst="rect">
-            <a:avLst/>
-          </a:prstGeom>
-          <a:noFill/>
-          <a:ln>
-            <a:noFill/>
-          </a:ln>
-          <a:extLst>
-            <a:ext uri="{909E8E84-426E-40DD-AFC4-6F175D3DCCD1}">
-              <a14:hiddenFill xmlns:a14="http://schemas.microsoft.com/office/drawing/2010/main">
-                <a:solidFill>
-                  <a:srgbClr val="FFFFFF"/>
-                </a:solidFill>
-              </a14:hiddenFill>
-            </a:ext>
-            <a:ext uri="{91240B29-F687-4F45-9708-019B960494DF}">
-              <a14:hiddenLine xmlns:a14="http://schemas.microsoft.com/office/drawing/2010/main" w="9525">
-                <a:solidFill>
-                  <a:srgbClr val="000000"/>
-                </a:solidFill>
-                <a:miter lim="800000"/>
-                <a:headEnd/>
-                <a:tailEnd/>
-              </a14:hiddenLine>
-            </a:ext>
-          </a:extLst>
-        </p:spPr>
-      </p:pic>
-      <p:sp>
-        <p:nvSpPr>
-          <p:cNvPr id="8195" name="Title 1">
-            <a:extLst>
-              <a:ext uri="{FF2B5EF4-FFF2-40B4-BE49-F238E27FC236}">
-                <a16:creationId xmlns:a16="http://schemas.microsoft.com/office/drawing/2014/main" id="{94DB3CD8-71FB-4967-8D16-B8CA33DD3B35}"/>
-              </a:ext>
-            </a:extLst>
-          </p:cNvPr>
-          <p:cNvSpPr>
-            <a:spLocks noChangeArrowheads="1"/>
-          </p:cNvSpPr>
-          <p:nvPr/>
-        </p:nvSpPr>
-        <p:spPr bwMode="auto">
-          <a:xfrm>
-            <a:off x="4211638" y="679450"/>
-            <a:ext cx="4251325" cy="1325563"/>
-          </a:xfrm>
-          <a:prstGeom prst="rect">
-            <a:avLst/>
-          </a:prstGeom>
-          <a:noFill/>
-          <a:ln>
-            <a:noFill/>
-          </a:ln>
-          <a:extLst>
-            <a:ext uri="{909E8E84-426E-40DD-AFC4-6F175D3DCCD1}">
-              <a14:hiddenFill xmlns:a14="http://schemas.microsoft.com/office/drawing/2010/main">
-                <a:solidFill>
-                  <a:srgbClr val="FFFFFF"/>
-                </a:solidFill>
-              </a14:hiddenFill>
-            </a:ext>
-            <a:ext uri="{91240B29-F687-4F45-9708-019B960494DF}">
-              <a14:hiddenLine xmlns:a14="http://schemas.microsoft.com/office/drawing/2010/main" w="9525">
-                <a:solidFill>
-                  <a:srgbClr val="000000"/>
-                </a:solidFill>
-                <a:miter lim="800000"/>
-                <a:headEnd/>
-                <a:tailEnd/>
-              </a14:hiddenLine>
-            </a:ext>
-          </a:extLst>
-        </p:spPr>
-        <p:txBody>
-          <a:bodyPr anchor="ctr"/>
-          <a:lstStyle>
-            <a:lvl1pPr>
-              <a:buFont typeface="Arial" panose="020B0604020202020204" pitchFamily="34" charset="0"/>
-              <a:defRPr>
-                <a:solidFill>
-                  <a:schemeClr val="tx1"/>
-                </a:solidFill>
-                <a:latin typeface="Arial" panose="020B0604020202020204" pitchFamily="34" charset="0"/>
-                <a:ea typeface="宋体" panose="02010600030101010101" pitchFamily="2" charset="-122"/>
-              </a:defRPr>
-            </a:lvl1pPr>
-            <a:lvl2pPr marL="742950" indent="-285750">
-              <a:buFont typeface="Arial" panose="020B0604020202020204" pitchFamily="34" charset="0"/>
-              <a:defRPr>
-                <a:solidFill>
-                  <a:schemeClr val="tx1"/>
-                </a:solidFill>
-                <a:latin typeface="Arial" panose="020B0604020202020204" pitchFamily="34" charset="0"/>
-                <a:ea typeface="宋体" panose="02010600030101010101" pitchFamily="2" charset="-122"/>
-              </a:defRPr>
-            </a:lvl2pPr>
-            <a:lvl3pPr marL="1143000" indent="-228600">
-              <a:buFont typeface="Arial" panose="020B0604020202020204" pitchFamily="34" charset="0"/>
-              <a:defRPr>
-                <a:solidFill>
-                  <a:schemeClr val="tx1"/>
-                </a:solidFill>
-                <a:latin typeface="Arial" panose="020B0604020202020204" pitchFamily="34" charset="0"/>
-                <a:ea typeface="宋体" panose="02010600030101010101" pitchFamily="2" charset="-122"/>
-              </a:defRPr>
-            </a:lvl3pPr>
-            <a:lvl4pPr marL="1600200" indent="-228600">
-              <a:buFont typeface="Arial" panose="020B0604020202020204" pitchFamily="34" charset="0"/>
-              <a:defRPr>
-                <a:solidFill>
-                  <a:schemeClr val="tx1"/>
-                </a:solidFill>
-                <a:latin typeface="Arial" panose="020B0604020202020204" pitchFamily="34" charset="0"/>
-                <a:ea typeface="宋体" panose="02010600030101010101" pitchFamily="2" charset="-122"/>
-              </a:defRPr>
-            </a:lvl4pPr>
-            <a:lvl5pPr marL="2057400" indent="-228600">
-              <a:buFont typeface="Arial" panose="020B0604020202020204" pitchFamily="34" charset="0"/>
-              <a:defRPr>
-                <a:solidFill>
-                  <a:schemeClr val="tx1"/>
-                </a:solidFill>
-                <a:latin typeface="Arial" panose="020B0604020202020204" pitchFamily="34" charset="0"/>
-                <a:ea typeface="宋体" panose="02010600030101010101" pitchFamily="2" charset="-122"/>
-              </a:defRPr>
-            </a:lvl5pPr>
-            <a:lvl6pPr marL="2514600" indent="-228600" eaLnBrk="0" fontAlgn="base" hangingPunct="0">
-              <a:spcBef>
-                <a:spcPct val="0"/>
-              </a:spcBef>
-              <a:spcAft>
-                <a:spcPct val="0"/>
-              </a:spcAft>
-              <a:buFont typeface="Arial" panose="020B0604020202020204" pitchFamily="34" charset="0"/>
-              <a:defRPr>
-                <a:solidFill>
-                  <a:schemeClr val="tx1"/>
-                </a:solidFill>
-                <a:latin typeface="Arial" panose="020B0604020202020204" pitchFamily="34" charset="0"/>
-                <a:ea typeface="宋体" panose="02010600030101010101" pitchFamily="2" charset="-122"/>
-              </a:defRPr>
-            </a:lvl6pPr>
-            <a:lvl7pPr marL="2971800" indent="-228600" eaLnBrk="0" fontAlgn="base" hangingPunct="0">
-              <a:spcBef>
-                <a:spcPct val="0"/>
-              </a:spcBef>
-              <a:spcAft>
-                <a:spcPct val="0"/>
-              </a:spcAft>
-              <a:buFont typeface="Arial" panose="020B0604020202020204" pitchFamily="34" charset="0"/>
-              <a:defRPr>
-                <a:solidFill>
-                  <a:schemeClr val="tx1"/>
-                </a:solidFill>
-                <a:latin typeface="Arial" panose="020B0604020202020204" pitchFamily="34" charset="0"/>
-                <a:ea typeface="宋体" panose="02010600030101010101" pitchFamily="2" charset="-122"/>
-              </a:defRPr>
-            </a:lvl7pPr>
-            <a:lvl8pPr marL="3429000" indent="-228600" eaLnBrk="0" fontAlgn="base" hangingPunct="0">
-              <a:spcBef>
-                <a:spcPct val="0"/>
-              </a:spcBef>
-              <a:spcAft>
-                <a:spcPct val="0"/>
-              </a:spcAft>
-              <a:buFont typeface="Arial" panose="020B0604020202020204" pitchFamily="34" charset="0"/>
-              <a:defRPr>
-                <a:solidFill>
-                  <a:schemeClr val="tx1"/>
-                </a:solidFill>
-                <a:latin typeface="Arial" panose="020B0604020202020204" pitchFamily="34" charset="0"/>
-                <a:ea typeface="宋体" panose="02010600030101010101" pitchFamily="2" charset="-122"/>
-              </a:defRPr>
-            </a:lvl8pPr>
-            <a:lvl9pPr marL="3886200" indent="-228600" eaLnBrk="0" fontAlgn="base" hangingPunct="0">
-              <a:spcBef>
-                <a:spcPct val="0"/>
-              </a:spcBef>
-              <a:spcAft>
-                <a:spcPct val="0"/>
-              </a:spcAft>
-              <a:buFont typeface="Arial" panose="020B0604020202020204" pitchFamily="34" charset="0"/>
-              <a:defRPr>
-                <a:solidFill>
-                  <a:schemeClr val="tx1"/>
-                </a:solidFill>
-                <a:latin typeface="Arial" panose="020B0604020202020204" pitchFamily="34" charset="0"/>
-                <a:ea typeface="宋体" panose="02010600030101010101" pitchFamily="2" charset="-122"/>
-              </a:defRPr>
-            </a:lvl9pPr>
-          </a:lstStyle>
-          <a:p>
-            <a:pPr eaLnBrk="1" hangingPunct="1">
-              <a:lnSpc>
-                <a:spcPct val="90000"/>
-              </a:lnSpc>
-            </a:pPr>
-            <a:r>
-              <a:rPr lang="en-US" altLang="zh-CN" sz="6000">
-                <a:latin typeface="Arial Unicode MS" panose="020B0604020202020204" pitchFamily="34" charset="-122"/>
-                <a:ea typeface="Arial Unicode MS" panose="020B0604020202020204" pitchFamily="34" charset="-122"/>
-                <a:cs typeface="Arial Unicode MS" panose="020B0604020202020204" pitchFamily="34" charset="-122"/>
-                <a:sym typeface="Arial Unicode MS" panose="020B0604020202020204" pitchFamily="34" charset="-122"/>
-              </a:rPr>
-              <a:t>THANKS</a:t>
-            </a:r>
-            <a:endParaRPr lang="zh-CN" altLang="en-US" sz="6000">
-              <a:latin typeface="Arial Unicode MS" panose="020B0604020202020204" pitchFamily="34" charset="-122"/>
-              <a:ea typeface="Arial Unicode MS" panose="020B0604020202020204" pitchFamily="34" charset="-122"/>
-              <a:cs typeface="Arial Unicode MS" panose="020B0604020202020204" pitchFamily="34" charset="-122"/>
-              <a:sym typeface="Arial Unicode MS" panose="020B0604020202020204" pitchFamily="34" charset="-122"/>
-            </a:endParaRPr>
-          </a:p>
-        </p:txBody>
-      </p:sp>
-      <p:sp>
-        <p:nvSpPr>
-          <p:cNvPr id="8196" name="矩形 3">
-            <a:extLst>
-              <a:ext uri="{FF2B5EF4-FFF2-40B4-BE49-F238E27FC236}">
-                <a16:creationId xmlns:a16="http://schemas.microsoft.com/office/drawing/2014/main" id="{BE5C8F9D-FB92-4FE2-AA09-E91256B20DEA}"/>
-              </a:ext>
-            </a:extLst>
-          </p:cNvPr>
-          <p:cNvSpPr>
-            <a:spLocks noChangeArrowheads="1"/>
-          </p:cNvSpPr>
-          <p:nvPr/>
-        </p:nvSpPr>
-        <p:spPr bwMode="auto">
-          <a:xfrm>
-            <a:off x="4357688" y="3019425"/>
-            <a:ext cx="2662237" cy="923925"/>
-          </a:xfrm>
-          <a:prstGeom prst="rect">
-            <a:avLst/>
-          </a:prstGeom>
-          <a:noFill/>
-          <a:ln>
-            <a:noFill/>
-          </a:ln>
-          <a:extLst>
-            <a:ext uri="{909E8E84-426E-40DD-AFC4-6F175D3DCCD1}">
-              <a14:hiddenFill xmlns:a14="http://schemas.microsoft.com/office/drawing/2010/main">
-                <a:solidFill>
-                  <a:srgbClr val="FFFFFF"/>
-                </a:solidFill>
-              </a14:hiddenFill>
-            </a:ext>
-            <a:ext uri="{91240B29-F687-4F45-9708-019B960494DF}">
-              <a14:hiddenLine xmlns:a14="http://schemas.microsoft.com/office/drawing/2010/main" w="9525">
-                <a:solidFill>
-                  <a:srgbClr val="000000"/>
-                </a:solidFill>
-                <a:miter lim="800000"/>
-                <a:headEnd/>
-                <a:tailEnd/>
-              </a14:hiddenLine>
-            </a:ext>
-          </a:extLst>
-        </p:spPr>
-        <p:txBody>
-          <a:bodyPr>
-            <a:spAutoFit/>
-          </a:bodyPr>
-          <a:lstStyle>
-            <a:lvl1pPr>
-              <a:buFont typeface="Arial" panose="020B0604020202020204" pitchFamily="34" charset="0"/>
-              <a:defRPr>
-                <a:solidFill>
-                  <a:schemeClr val="tx1"/>
-                </a:solidFill>
-                <a:latin typeface="Arial" panose="020B0604020202020204" pitchFamily="34" charset="0"/>
-                <a:ea typeface="宋体" panose="02010600030101010101" pitchFamily="2" charset="-122"/>
-              </a:defRPr>
-            </a:lvl1pPr>
-            <a:lvl2pPr marL="742950" indent="-285750">
-              <a:buFont typeface="Arial" panose="020B0604020202020204" pitchFamily="34" charset="0"/>
-              <a:defRPr>
-                <a:solidFill>
-                  <a:schemeClr val="tx1"/>
-                </a:solidFill>
-                <a:latin typeface="Arial" panose="020B0604020202020204" pitchFamily="34" charset="0"/>
-                <a:ea typeface="宋体" panose="02010600030101010101" pitchFamily="2" charset="-122"/>
-              </a:defRPr>
-            </a:lvl2pPr>
-            <a:lvl3pPr marL="1143000" indent="-228600">
-              <a:buFont typeface="Arial" panose="020B0604020202020204" pitchFamily="34" charset="0"/>
-              <a:defRPr>
-                <a:solidFill>
-                  <a:schemeClr val="tx1"/>
-                </a:solidFill>
-                <a:latin typeface="Arial" panose="020B0604020202020204" pitchFamily="34" charset="0"/>
-                <a:ea typeface="宋体" panose="02010600030101010101" pitchFamily="2" charset="-122"/>
-              </a:defRPr>
-            </a:lvl3pPr>
-            <a:lvl4pPr marL="1600200" indent="-228600">
-              <a:buFont typeface="Arial" panose="020B0604020202020204" pitchFamily="34" charset="0"/>
-              <a:defRPr>
-                <a:solidFill>
-                  <a:schemeClr val="tx1"/>
-                </a:solidFill>
-                <a:latin typeface="Arial" panose="020B0604020202020204" pitchFamily="34" charset="0"/>
-                <a:ea typeface="宋体" panose="02010600030101010101" pitchFamily="2" charset="-122"/>
-              </a:defRPr>
-            </a:lvl4pPr>
-            <a:lvl5pPr marL="2057400" indent="-228600">
-              <a:buFont typeface="Arial" panose="020B0604020202020204" pitchFamily="34" charset="0"/>
-              <a:defRPr>
-                <a:solidFill>
-                  <a:schemeClr val="tx1"/>
-                </a:solidFill>
-                <a:latin typeface="Arial" panose="020B0604020202020204" pitchFamily="34" charset="0"/>
-                <a:ea typeface="宋体" panose="02010600030101010101" pitchFamily="2" charset="-122"/>
-              </a:defRPr>
-            </a:lvl5pPr>
-            <a:lvl6pPr marL="2514600" indent="-228600" eaLnBrk="0" fontAlgn="base" hangingPunct="0">
-              <a:spcBef>
-                <a:spcPct val="0"/>
-              </a:spcBef>
-              <a:spcAft>
-                <a:spcPct val="0"/>
-              </a:spcAft>
-              <a:buFont typeface="Arial" panose="020B0604020202020204" pitchFamily="34" charset="0"/>
-              <a:defRPr>
-                <a:solidFill>
-                  <a:schemeClr val="tx1"/>
-                </a:solidFill>
-                <a:latin typeface="Arial" panose="020B0604020202020204" pitchFamily="34" charset="0"/>
-                <a:ea typeface="宋体" panose="02010600030101010101" pitchFamily="2" charset="-122"/>
-              </a:defRPr>
-            </a:lvl6pPr>
-            <a:lvl7pPr marL="2971800" indent="-228600" eaLnBrk="0" fontAlgn="base" hangingPunct="0">
-              <a:spcBef>
-                <a:spcPct val="0"/>
-              </a:spcBef>
-              <a:spcAft>
-                <a:spcPct val="0"/>
-              </a:spcAft>
-              <a:buFont typeface="Arial" panose="020B0604020202020204" pitchFamily="34" charset="0"/>
-              <a:defRPr>
-                <a:solidFill>
-                  <a:schemeClr val="tx1"/>
-                </a:solidFill>
-                <a:latin typeface="Arial" panose="020B0604020202020204" pitchFamily="34" charset="0"/>
-                <a:ea typeface="宋体" panose="02010600030101010101" pitchFamily="2" charset="-122"/>
-              </a:defRPr>
-            </a:lvl7pPr>
-            <a:lvl8pPr marL="3429000" indent="-228600" eaLnBrk="0" fontAlgn="base" hangingPunct="0">
-              <a:spcBef>
-                <a:spcPct val="0"/>
-              </a:spcBef>
-              <a:spcAft>
-                <a:spcPct val="0"/>
-              </a:spcAft>
-              <a:buFont typeface="Arial" panose="020B0604020202020204" pitchFamily="34" charset="0"/>
-              <a:defRPr>
-                <a:solidFill>
-                  <a:schemeClr val="tx1"/>
-                </a:solidFill>
-                <a:latin typeface="Arial" panose="020B0604020202020204" pitchFamily="34" charset="0"/>
-                <a:ea typeface="宋体" panose="02010600030101010101" pitchFamily="2" charset="-122"/>
-              </a:defRPr>
-            </a:lvl8pPr>
-            <a:lvl9pPr marL="3886200" indent="-228600" eaLnBrk="0" fontAlgn="base" hangingPunct="0">
-              <a:spcBef>
-                <a:spcPct val="0"/>
-              </a:spcBef>
-              <a:spcAft>
-                <a:spcPct val="0"/>
-              </a:spcAft>
-              <a:buFont typeface="Arial" panose="020B0604020202020204" pitchFamily="34" charset="0"/>
-              <a:defRPr>
-                <a:solidFill>
-                  <a:schemeClr val="tx1"/>
-                </a:solidFill>
-                <a:latin typeface="Arial" panose="020B0604020202020204" pitchFamily="34" charset="0"/>
-                <a:ea typeface="宋体" panose="02010600030101010101" pitchFamily="2" charset="-122"/>
-              </a:defRPr>
-            </a:lvl9pPr>
-          </a:lstStyle>
-          <a:p>
-            <a:pPr eaLnBrk="1" hangingPunct="1"/>
-            <a:r>
-              <a:rPr lang="en-US" altLang="zh-CN" sz="900">
-                <a:solidFill>
-                  <a:srgbClr val="7F7F7F"/>
-                </a:solidFill>
-                <a:latin typeface="微软雅黑" panose="020B0503020204020204" pitchFamily="34" charset="-122"/>
-                <a:ea typeface="微软雅黑" panose="020B0503020204020204" pitchFamily="34" charset="-122"/>
-                <a:sym typeface="微软雅黑" panose="020B0503020204020204" pitchFamily="34" charset="-122"/>
-              </a:rPr>
-              <a:t>CSDN</a:t>
-            </a:r>
-            <a:r>
-              <a:rPr lang="zh-CN" altLang="en-US" sz="900">
-                <a:solidFill>
-                  <a:srgbClr val="7F7F7F"/>
-                </a:solidFill>
-                <a:latin typeface="微软雅黑" panose="020B0503020204020204" pitchFamily="34" charset="-122"/>
-                <a:ea typeface="微软雅黑" panose="020B0503020204020204" pitchFamily="34" charset="-122"/>
-                <a:sym typeface="微软雅黑" panose="020B0503020204020204" pitchFamily="34" charset="-122"/>
-              </a:rPr>
-              <a:t>网站：</a:t>
-            </a:r>
-            <a:r>
-              <a:rPr lang="en-US" altLang="zh-CN" sz="900">
-                <a:solidFill>
-                  <a:srgbClr val="7F7F7F"/>
-                </a:solidFill>
-                <a:latin typeface="微软雅黑" panose="020B0503020204020204" pitchFamily="34" charset="-122"/>
-                <a:ea typeface="微软雅黑" panose="020B0503020204020204" pitchFamily="34" charset="-122"/>
-                <a:sym typeface="微软雅黑" panose="020B0503020204020204" pitchFamily="34" charset="-122"/>
-              </a:rPr>
-              <a:t>www.csdn.net</a:t>
-            </a:r>
-            <a:endParaRPr lang="zh-CN" altLang="en-US" sz="900">
-              <a:solidFill>
-                <a:srgbClr val="7F7F7F"/>
-              </a:solidFill>
-              <a:latin typeface="微软雅黑" panose="020B0503020204020204" pitchFamily="34" charset="-122"/>
-              <a:ea typeface="微软雅黑" panose="020B0503020204020204" pitchFamily="34" charset="-122"/>
-              <a:sym typeface="微软雅黑" panose="020B0503020204020204" pitchFamily="34" charset="-122"/>
-            </a:endParaRPr>
-          </a:p>
-          <a:p>
-            <a:pPr eaLnBrk="1" hangingPunct="1"/>
-            <a:r>
-              <a:rPr lang="zh-CN" altLang="en-US" sz="900">
-                <a:solidFill>
-                  <a:srgbClr val="7F7F7F"/>
-                </a:solidFill>
-                <a:latin typeface="微软雅黑" panose="020B0503020204020204" pitchFamily="34" charset="-122"/>
-                <a:ea typeface="微软雅黑" panose="020B0503020204020204" pitchFamily="34" charset="-122"/>
-                <a:sym typeface="微软雅黑" panose="020B0503020204020204" pitchFamily="34" charset="-122"/>
-              </a:rPr>
-              <a:t>企业服务：</a:t>
-            </a:r>
-            <a:r>
-              <a:rPr lang="en-US" altLang="zh-CN" sz="900">
-                <a:solidFill>
-                  <a:srgbClr val="7F7F7F"/>
-                </a:solidFill>
-                <a:latin typeface="微软雅黑" panose="020B0503020204020204" pitchFamily="34" charset="-122"/>
-                <a:ea typeface="微软雅黑" panose="020B0503020204020204" pitchFamily="34" charset="-122"/>
-                <a:sym typeface="微软雅黑" panose="020B0503020204020204" pitchFamily="34" charset="-122"/>
-              </a:rPr>
-              <a:t>http://ems.csdn.net/</a:t>
-            </a:r>
-            <a:endParaRPr lang="zh-CN" altLang="en-US" sz="900">
-              <a:solidFill>
-                <a:srgbClr val="7F7F7F"/>
-              </a:solidFill>
-              <a:latin typeface="微软雅黑" panose="020B0503020204020204" pitchFamily="34" charset="-122"/>
-              <a:ea typeface="微软雅黑" panose="020B0503020204020204" pitchFamily="34" charset="-122"/>
-              <a:sym typeface="微软雅黑" panose="020B0503020204020204" pitchFamily="34" charset="-122"/>
-            </a:endParaRPr>
-          </a:p>
-          <a:p>
-            <a:pPr eaLnBrk="1" hangingPunct="1"/>
-            <a:r>
-              <a:rPr lang="zh-CN" altLang="en-US" sz="900">
-                <a:solidFill>
-                  <a:srgbClr val="7F7F7F"/>
-                </a:solidFill>
-                <a:latin typeface="微软雅黑" panose="020B0503020204020204" pitchFamily="34" charset="-122"/>
-                <a:ea typeface="微软雅黑" panose="020B0503020204020204" pitchFamily="34" charset="-122"/>
-                <a:sym typeface="微软雅黑" panose="020B0503020204020204" pitchFamily="34" charset="-122"/>
-              </a:rPr>
-              <a:t>人才服务：</a:t>
-            </a:r>
-            <a:r>
-              <a:rPr lang="en-US" altLang="zh-CN" sz="900">
-                <a:solidFill>
-                  <a:srgbClr val="7F7F7F"/>
-                </a:solidFill>
-                <a:latin typeface="微软雅黑" panose="020B0503020204020204" pitchFamily="34" charset="-122"/>
-                <a:ea typeface="微软雅黑" panose="020B0503020204020204" pitchFamily="34" charset="-122"/>
-                <a:sym typeface="微软雅黑" panose="020B0503020204020204" pitchFamily="34" charset="-122"/>
-              </a:rPr>
-              <a:t>http://job.csdn.net/</a:t>
-            </a:r>
-            <a:endParaRPr lang="zh-CN" altLang="en-US" sz="900">
-              <a:solidFill>
-                <a:srgbClr val="7F7F7F"/>
-              </a:solidFill>
-              <a:latin typeface="微软雅黑" panose="020B0503020204020204" pitchFamily="34" charset="-122"/>
-              <a:ea typeface="微软雅黑" panose="020B0503020204020204" pitchFamily="34" charset="-122"/>
-              <a:sym typeface="微软雅黑" panose="020B0503020204020204" pitchFamily="34" charset="-122"/>
-            </a:endParaRPr>
-          </a:p>
-          <a:p>
-            <a:pPr eaLnBrk="1" hangingPunct="1"/>
-            <a:r>
-              <a:rPr lang="en-US" altLang="zh-CN" sz="900">
-                <a:solidFill>
-                  <a:srgbClr val="7F7F7F"/>
-                </a:solidFill>
-                <a:latin typeface="微软雅黑" panose="020B0503020204020204" pitchFamily="34" charset="-122"/>
-                <a:ea typeface="微软雅黑" panose="020B0503020204020204" pitchFamily="34" charset="-122"/>
-                <a:sym typeface="微软雅黑" panose="020B0503020204020204" pitchFamily="34" charset="-122"/>
-              </a:rPr>
-              <a:t>CTO</a:t>
-            </a:r>
-            <a:r>
-              <a:rPr lang="zh-CN" altLang="en-US" sz="900">
-                <a:solidFill>
-                  <a:srgbClr val="7F7F7F"/>
-                </a:solidFill>
-                <a:latin typeface="微软雅黑" panose="020B0503020204020204" pitchFamily="34" charset="-122"/>
-                <a:ea typeface="微软雅黑" panose="020B0503020204020204" pitchFamily="34" charset="-122"/>
-                <a:sym typeface="微软雅黑" panose="020B0503020204020204" pitchFamily="34" charset="-122"/>
-              </a:rPr>
-              <a:t>俱乐部：</a:t>
-            </a:r>
-            <a:r>
-              <a:rPr lang="en-US" altLang="zh-CN" sz="900">
-                <a:solidFill>
-                  <a:srgbClr val="7F7F7F"/>
-                </a:solidFill>
-                <a:latin typeface="微软雅黑" panose="020B0503020204020204" pitchFamily="34" charset="-122"/>
-                <a:ea typeface="微软雅黑" panose="020B0503020204020204" pitchFamily="34" charset="-122"/>
-                <a:sym typeface="微软雅黑" panose="020B0503020204020204" pitchFamily="34" charset="-122"/>
-              </a:rPr>
-              <a:t>http://cto.csdn.net/</a:t>
-            </a:r>
-            <a:endParaRPr lang="zh-CN" altLang="en-US" sz="900">
-              <a:solidFill>
-                <a:srgbClr val="7F7F7F"/>
-              </a:solidFill>
-              <a:latin typeface="微软雅黑" panose="020B0503020204020204" pitchFamily="34" charset="-122"/>
-              <a:ea typeface="微软雅黑" panose="020B0503020204020204" pitchFamily="34" charset="-122"/>
-              <a:sym typeface="微软雅黑" panose="020B0503020204020204" pitchFamily="34" charset="-122"/>
-            </a:endParaRPr>
-          </a:p>
-          <a:p>
-            <a:pPr eaLnBrk="1" hangingPunct="1"/>
-            <a:r>
-              <a:rPr lang="zh-CN" altLang="en-US" sz="900">
-                <a:solidFill>
-                  <a:srgbClr val="7F7F7F"/>
-                </a:solidFill>
-                <a:latin typeface="微软雅黑" panose="020B0503020204020204" pitchFamily="34" charset="-122"/>
-                <a:ea typeface="微软雅黑" panose="020B0503020204020204" pitchFamily="34" charset="-122"/>
-                <a:sym typeface="微软雅黑" panose="020B0503020204020204" pitchFamily="34" charset="-122"/>
-              </a:rPr>
-              <a:t>高校俱乐部：</a:t>
-            </a:r>
-            <a:r>
-              <a:rPr lang="en-US" altLang="zh-CN" sz="900">
-                <a:solidFill>
-                  <a:srgbClr val="7F7F7F"/>
-                </a:solidFill>
-                <a:latin typeface="微软雅黑" panose="020B0503020204020204" pitchFamily="34" charset="-122"/>
-                <a:ea typeface="微软雅黑" panose="020B0503020204020204" pitchFamily="34" charset="-122"/>
-                <a:sym typeface="微软雅黑" panose="020B0503020204020204" pitchFamily="34" charset="-122"/>
-              </a:rPr>
-              <a:t>http://student.csdn.net/</a:t>
-            </a:r>
-            <a:endParaRPr lang="zh-CN" altLang="en-US" sz="900">
-              <a:solidFill>
-                <a:srgbClr val="7F7F7F"/>
-              </a:solidFill>
-              <a:latin typeface="微软雅黑" panose="020B0503020204020204" pitchFamily="34" charset="-122"/>
-              <a:ea typeface="微软雅黑" panose="020B0503020204020204" pitchFamily="34" charset="-122"/>
-              <a:sym typeface="微软雅黑" panose="020B0503020204020204" pitchFamily="34" charset="-122"/>
-            </a:endParaRPr>
-          </a:p>
-          <a:p>
-            <a:pPr eaLnBrk="1" hangingPunct="1"/>
-            <a:r>
-              <a:rPr lang="zh-CN" altLang="en-US" sz="900">
-                <a:solidFill>
-                  <a:srgbClr val="7F7F7F"/>
-                </a:solidFill>
-                <a:latin typeface="微软雅黑" panose="020B0503020204020204" pitchFamily="34" charset="-122"/>
-                <a:ea typeface="微软雅黑" panose="020B0503020204020204" pitchFamily="34" charset="-122"/>
-                <a:sym typeface="微软雅黑" panose="020B0503020204020204" pitchFamily="34" charset="-122"/>
-              </a:rPr>
-              <a:t>程序员杂志：</a:t>
-            </a:r>
-            <a:r>
-              <a:rPr lang="en-US" altLang="zh-CN" sz="900">
-                <a:solidFill>
-                  <a:srgbClr val="7F7F7F"/>
-                </a:solidFill>
-                <a:latin typeface="微软雅黑" panose="020B0503020204020204" pitchFamily="34" charset="-122"/>
-                <a:ea typeface="微软雅黑" panose="020B0503020204020204" pitchFamily="34" charset="-122"/>
-                <a:sym typeface="微软雅黑" panose="020B0503020204020204" pitchFamily="34" charset="-122"/>
-              </a:rPr>
-              <a:t>http://programmer.csdn.net/</a:t>
-            </a:r>
-          </a:p>
-        </p:txBody>
-      </p:sp>
-      <p:sp>
-        <p:nvSpPr>
-          <p:cNvPr id="8197" name="矩形 4">
-            <a:extLst>
-              <a:ext uri="{FF2B5EF4-FFF2-40B4-BE49-F238E27FC236}">
-                <a16:creationId xmlns:a16="http://schemas.microsoft.com/office/drawing/2014/main" id="{5A550E93-40B1-4CA3-B718-1EE1D72F986A}"/>
-              </a:ext>
-            </a:extLst>
-          </p:cNvPr>
-          <p:cNvSpPr>
-            <a:spLocks noChangeArrowheads="1"/>
-          </p:cNvSpPr>
-          <p:nvPr/>
-        </p:nvSpPr>
-        <p:spPr bwMode="auto">
-          <a:xfrm>
-            <a:off x="4368800" y="3952875"/>
-            <a:ext cx="4572000" cy="923925"/>
-          </a:xfrm>
-          <a:prstGeom prst="rect">
-            <a:avLst/>
-          </a:prstGeom>
-          <a:noFill/>
-          <a:ln>
-            <a:noFill/>
-          </a:ln>
-          <a:extLst>
-            <a:ext uri="{909E8E84-426E-40DD-AFC4-6F175D3DCCD1}">
-              <a14:hiddenFill xmlns:a14="http://schemas.microsoft.com/office/drawing/2010/main">
-                <a:solidFill>
-                  <a:srgbClr val="FFFFFF"/>
-                </a:solidFill>
-              </a14:hiddenFill>
-            </a:ext>
-            <a:ext uri="{91240B29-F687-4F45-9708-019B960494DF}">
-              <a14:hiddenLine xmlns:a14="http://schemas.microsoft.com/office/drawing/2010/main" w="9525">
-                <a:solidFill>
-                  <a:srgbClr val="000000"/>
-                </a:solidFill>
-                <a:miter lim="800000"/>
-                <a:headEnd/>
-                <a:tailEnd/>
-              </a14:hiddenLine>
-            </a:ext>
-          </a:extLst>
-        </p:spPr>
-        <p:txBody>
-          <a:bodyPr>
-            <a:spAutoFit/>
-          </a:bodyPr>
-          <a:lstStyle>
-            <a:lvl1pPr>
-              <a:buFont typeface="Arial" panose="020B0604020202020204" pitchFamily="34" charset="0"/>
-              <a:defRPr>
-                <a:solidFill>
-                  <a:schemeClr val="tx1"/>
-                </a:solidFill>
-                <a:latin typeface="Arial" panose="020B0604020202020204" pitchFamily="34" charset="0"/>
-                <a:ea typeface="宋体" panose="02010600030101010101" pitchFamily="2" charset="-122"/>
-              </a:defRPr>
-            </a:lvl1pPr>
-            <a:lvl2pPr marL="742950" indent="-285750">
-              <a:buFont typeface="Arial" panose="020B0604020202020204" pitchFamily="34" charset="0"/>
-              <a:defRPr>
-                <a:solidFill>
-                  <a:schemeClr val="tx1"/>
-                </a:solidFill>
-                <a:latin typeface="Arial" panose="020B0604020202020204" pitchFamily="34" charset="0"/>
-                <a:ea typeface="宋体" panose="02010600030101010101" pitchFamily="2" charset="-122"/>
-              </a:defRPr>
-            </a:lvl2pPr>
-            <a:lvl3pPr marL="1143000" indent="-228600">
-              <a:buFont typeface="Arial" panose="020B0604020202020204" pitchFamily="34" charset="0"/>
-              <a:defRPr>
-                <a:solidFill>
-                  <a:schemeClr val="tx1"/>
-                </a:solidFill>
-                <a:latin typeface="Arial" panose="020B0604020202020204" pitchFamily="34" charset="0"/>
-                <a:ea typeface="宋体" panose="02010600030101010101" pitchFamily="2" charset="-122"/>
-              </a:defRPr>
-            </a:lvl3pPr>
-            <a:lvl4pPr marL="1600200" indent="-228600">
-              <a:buFont typeface="Arial" panose="020B0604020202020204" pitchFamily="34" charset="0"/>
-              <a:defRPr>
-                <a:solidFill>
-                  <a:schemeClr val="tx1"/>
-                </a:solidFill>
-                <a:latin typeface="Arial" panose="020B0604020202020204" pitchFamily="34" charset="0"/>
-                <a:ea typeface="宋体" panose="02010600030101010101" pitchFamily="2" charset="-122"/>
-              </a:defRPr>
-            </a:lvl4pPr>
-            <a:lvl5pPr marL="2057400" indent="-228600">
-              <a:buFont typeface="Arial" panose="020B0604020202020204" pitchFamily="34" charset="0"/>
-              <a:defRPr>
-                <a:solidFill>
-                  <a:schemeClr val="tx1"/>
-                </a:solidFill>
-                <a:latin typeface="Arial" panose="020B0604020202020204" pitchFamily="34" charset="0"/>
-                <a:ea typeface="宋体" panose="02010600030101010101" pitchFamily="2" charset="-122"/>
-              </a:defRPr>
-            </a:lvl5pPr>
-            <a:lvl6pPr marL="2514600" indent="-228600" eaLnBrk="0" fontAlgn="base" hangingPunct="0">
-              <a:spcBef>
-                <a:spcPct val="0"/>
-              </a:spcBef>
-              <a:spcAft>
-                <a:spcPct val="0"/>
-              </a:spcAft>
-              <a:buFont typeface="Arial" panose="020B0604020202020204" pitchFamily="34" charset="0"/>
-              <a:defRPr>
-                <a:solidFill>
-                  <a:schemeClr val="tx1"/>
-                </a:solidFill>
-                <a:latin typeface="Arial" panose="020B0604020202020204" pitchFamily="34" charset="0"/>
-                <a:ea typeface="宋体" panose="02010600030101010101" pitchFamily="2" charset="-122"/>
-              </a:defRPr>
-            </a:lvl6pPr>
-            <a:lvl7pPr marL="2971800" indent="-228600" eaLnBrk="0" fontAlgn="base" hangingPunct="0">
-              <a:spcBef>
-                <a:spcPct val="0"/>
-              </a:spcBef>
-              <a:spcAft>
-                <a:spcPct val="0"/>
-              </a:spcAft>
-              <a:buFont typeface="Arial" panose="020B0604020202020204" pitchFamily="34" charset="0"/>
-              <a:defRPr>
-                <a:solidFill>
-                  <a:schemeClr val="tx1"/>
-                </a:solidFill>
-                <a:latin typeface="Arial" panose="020B0604020202020204" pitchFamily="34" charset="0"/>
-                <a:ea typeface="宋体" panose="02010600030101010101" pitchFamily="2" charset="-122"/>
-              </a:defRPr>
-            </a:lvl7pPr>
-            <a:lvl8pPr marL="3429000" indent="-228600" eaLnBrk="0" fontAlgn="base" hangingPunct="0">
-              <a:spcBef>
-                <a:spcPct val="0"/>
-              </a:spcBef>
-              <a:spcAft>
-                <a:spcPct val="0"/>
-              </a:spcAft>
-              <a:buFont typeface="Arial" panose="020B0604020202020204" pitchFamily="34" charset="0"/>
-              <a:defRPr>
-                <a:solidFill>
-                  <a:schemeClr val="tx1"/>
-                </a:solidFill>
-                <a:latin typeface="Arial" panose="020B0604020202020204" pitchFamily="34" charset="0"/>
-                <a:ea typeface="宋体" panose="02010600030101010101" pitchFamily="2" charset="-122"/>
-              </a:defRPr>
-            </a:lvl8pPr>
-            <a:lvl9pPr marL="3886200" indent="-228600" eaLnBrk="0" fontAlgn="base" hangingPunct="0">
-              <a:spcBef>
-                <a:spcPct val="0"/>
-              </a:spcBef>
-              <a:spcAft>
-                <a:spcPct val="0"/>
-              </a:spcAft>
-              <a:buFont typeface="Arial" panose="020B0604020202020204" pitchFamily="34" charset="0"/>
-              <a:defRPr>
-                <a:solidFill>
-                  <a:schemeClr val="tx1"/>
-                </a:solidFill>
-                <a:latin typeface="Arial" panose="020B0604020202020204" pitchFamily="34" charset="0"/>
-                <a:ea typeface="宋体" panose="02010600030101010101" pitchFamily="2" charset="-122"/>
-              </a:defRPr>
-            </a:lvl9pPr>
-          </a:lstStyle>
-          <a:p>
-            <a:pPr eaLnBrk="1" hangingPunct="1"/>
-            <a:r>
-              <a:rPr lang="en-US" altLang="zh-CN" sz="900">
-                <a:solidFill>
-                  <a:srgbClr val="7F7F7F"/>
-                </a:solidFill>
-                <a:latin typeface="微软雅黑" panose="020B0503020204020204" pitchFamily="34" charset="-122"/>
-                <a:ea typeface="微软雅黑" panose="020B0503020204020204" pitchFamily="34" charset="-122"/>
-                <a:sym typeface="微软雅黑" panose="020B0503020204020204" pitchFamily="34" charset="-122"/>
-              </a:rPr>
-              <a:t>CODE</a:t>
-            </a:r>
-            <a:r>
-              <a:rPr lang="zh-CN" altLang="en-US" sz="900">
-                <a:solidFill>
-                  <a:srgbClr val="7F7F7F"/>
-                </a:solidFill>
-                <a:latin typeface="微软雅黑" panose="020B0503020204020204" pitchFamily="34" charset="-122"/>
-                <a:ea typeface="微软雅黑" panose="020B0503020204020204" pitchFamily="34" charset="-122"/>
-                <a:sym typeface="微软雅黑" panose="020B0503020204020204" pitchFamily="34" charset="-122"/>
-              </a:rPr>
-              <a:t>平台：</a:t>
-            </a:r>
-            <a:r>
-              <a:rPr lang="en-US" altLang="zh-CN" sz="900">
-                <a:solidFill>
-                  <a:srgbClr val="7F7F7F"/>
-                </a:solidFill>
-                <a:latin typeface="微软雅黑" panose="020B0503020204020204" pitchFamily="34" charset="-122"/>
-                <a:ea typeface="微软雅黑" panose="020B0503020204020204" pitchFamily="34" charset="-122"/>
-                <a:sym typeface="微软雅黑" panose="020B0503020204020204" pitchFamily="34" charset="-122"/>
-              </a:rPr>
-              <a:t>https://code.csdn.net/</a:t>
-            </a:r>
-            <a:endParaRPr lang="zh-CN" altLang="en-US" sz="900">
-              <a:solidFill>
-                <a:srgbClr val="7F7F7F"/>
-              </a:solidFill>
-              <a:latin typeface="微软雅黑" panose="020B0503020204020204" pitchFamily="34" charset="-122"/>
-              <a:ea typeface="微软雅黑" panose="020B0503020204020204" pitchFamily="34" charset="-122"/>
-              <a:sym typeface="微软雅黑" panose="020B0503020204020204" pitchFamily="34" charset="-122"/>
-            </a:endParaRPr>
-          </a:p>
-          <a:p>
-            <a:pPr eaLnBrk="1" hangingPunct="1"/>
-            <a:r>
-              <a:rPr lang="zh-CN" altLang="en-US" sz="900">
-                <a:solidFill>
-                  <a:srgbClr val="7F7F7F"/>
-                </a:solidFill>
-                <a:latin typeface="微软雅黑" panose="020B0503020204020204" pitchFamily="34" charset="-122"/>
-                <a:ea typeface="微软雅黑" panose="020B0503020204020204" pitchFamily="34" charset="-122"/>
-                <a:sym typeface="微软雅黑" panose="020B0503020204020204" pitchFamily="34" charset="-122"/>
-              </a:rPr>
-              <a:t>项目外包：</a:t>
-            </a:r>
-            <a:r>
-              <a:rPr lang="en-US" altLang="zh-CN" sz="900">
-                <a:solidFill>
-                  <a:srgbClr val="7F7F7F"/>
-                </a:solidFill>
-                <a:latin typeface="微软雅黑" panose="020B0503020204020204" pitchFamily="34" charset="-122"/>
-                <a:ea typeface="微软雅黑" panose="020B0503020204020204" pitchFamily="34" charset="-122"/>
-                <a:sym typeface="微软雅黑" panose="020B0503020204020204" pitchFamily="34" charset="-122"/>
-              </a:rPr>
-              <a:t>http://www.csto.com/</a:t>
-            </a:r>
-            <a:endParaRPr lang="zh-CN" altLang="en-US" sz="900">
-              <a:solidFill>
-                <a:srgbClr val="7F7F7F"/>
-              </a:solidFill>
-              <a:latin typeface="微软雅黑" panose="020B0503020204020204" pitchFamily="34" charset="-122"/>
-              <a:ea typeface="微软雅黑" panose="020B0503020204020204" pitchFamily="34" charset="-122"/>
-              <a:sym typeface="微软雅黑" panose="020B0503020204020204" pitchFamily="34" charset="-122"/>
-            </a:endParaRPr>
-          </a:p>
-          <a:p>
-            <a:pPr eaLnBrk="1" hangingPunct="1"/>
-            <a:r>
-              <a:rPr lang="en-US" altLang="zh-CN" sz="900">
-                <a:solidFill>
-                  <a:srgbClr val="7F7F7F"/>
-                </a:solidFill>
-                <a:latin typeface="微软雅黑" panose="020B0503020204020204" pitchFamily="34" charset="-122"/>
-                <a:ea typeface="微软雅黑" panose="020B0503020204020204" pitchFamily="34" charset="-122"/>
-                <a:sym typeface="微软雅黑" panose="020B0503020204020204" pitchFamily="34" charset="-122"/>
-              </a:rPr>
-              <a:t>CSDN</a:t>
-            </a:r>
-            <a:r>
-              <a:rPr lang="zh-CN" altLang="en-US" sz="900">
-                <a:solidFill>
-                  <a:srgbClr val="7F7F7F"/>
-                </a:solidFill>
-                <a:latin typeface="微软雅黑" panose="020B0503020204020204" pitchFamily="34" charset="-122"/>
-                <a:ea typeface="微软雅黑" panose="020B0503020204020204" pitchFamily="34" charset="-122"/>
-                <a:sym typeface="微软雅黑" panose="020B0503020204020204" pitchFamily="34" charset="-122"/>
-              </a:rPr>
-              <a:t>博客：</a:t>
-            </a:r>
-            <a:r>
-              <a:rPr lang="en-US" altLang="zh-CN" sz="900">
-                <a:solidFill>
-                  <a:srgbClr val="7F7F7F"/>
-                </a:solidFill>
-                <a:latin typeface="微软雅黑" panose="020B0503020204020204" pitchFamily="34" charset="-122"/>
-                <a:ea typeface="微软雅黑" panose="020B0503020204020204" pitchFamily="34" charset="-122"/>
-                <a:sym typeface="微软雅黑" panose="020B0503020204020204" pitchFamily="34" charset="-122"/>
-              </a:rPr>
-              <a:t>http://blog.csdn.net/</a:t>
-            </a:r>
-            <a:endParaRPr lang="zh-CN" altLang="en-US" sz="900">
-              <a:solidFill>
-                <a:srgbClr val="7F7F7F"/>
-              </a:solidFill>
-              <a:latin typeface="微软雅黑" panose="020B0503020204020204" pitchFamily="34" charset="-122"/>
-              <a:ea typeface="微软雅黑" panose="020B0503020204020204" pitchFamily="34" charset="-122"/>
-              <a:sym typeface="微软雅黑" panose="020B0503020204020204" pitchFamily="34" charset="-122"/>
-            </a:endParaRPr>
-          </a:p>
-          <a:p>
-            <a:pPr eaLnBrk="1" hangingPunct="1"/>
-            <a:r>
-              <a:rPr lang="en-US" altLang="zh-CN" sz="900">
-                <a:solidFill>
-                  <a:srgbClr val="7F7F7F"/>
-                </a:solidFill>
-                <a:latin typeface="微软雅黑" panose="020B0503020204020204" pitchFamily="34" charset="-122"/>
-                <a:ea typeface="微软雅黑" panose="020B0503020204020204" pitchFamily="34" charset="-122"/>
-                <a:sym typeface="微软雅黑" panose="020B0503020204020204" pitchFamily="34" charset="-122"/>
-              </a:rPr>
-              <a:t>CSDN</a:t>
-            </a:r>
-            <a:r>
-              <a:rPr lang="zh-CN" altLang="en-US" sz="900">
-                <a:solidFill>
-                  <a:srgbClr val="7F7F7F"/>
-                </a:solidFill>
-                <a:latin typeface="微软雅黑" panose="020B0503020204020204" pitchFamily="34" charset="-122"/>
-                <a:ea typeface="微软雅黑" panose="020B0503020204020204" pitchFamily="34" charset="-122"/>
-                <a:sym typeface="微软雅黑" panose="020B0503020204020204" pitchFamily="34" charset="-122"/>
-              </a:rPr>
-              <a:t>论坛：</a:t>
-            </a:r>
-            <a:r>
-              <a:rPr lang="en-US" altLang="zh-CN" sz="900">
-                <a:solidFill>
-                  <a:srgbClr val="7F7F7F"/>
-                </a:solidFill>
-                <a:latin typeface="微软雅黑" panose="020B0503020204020204" pitchFamily="34" charset="-122"/>
-                <a:ea typeface="微软雅黑" panose="020B0503020204020204" pitchFamily="34" charset="-122"/>
-                <a:sym typeface="微软雅黑" panose="020B0503020204020204" pitchFamily="34" charset="-122"/>
-              </a:rPr>
-              <a:t>http://bbs.csdn.net/</a:t>
-            </a:r>
-            <a:endParaRPr lang="zh-CN" altLang="en-US" sz="900">
-              <a:solidFill>
-                <a:srgbClr val="7F7F7F"/>
-              </a:solidFill>
-              <a:latin typeface="微软雅黑" panose="020B0503020204020204" pitchFamily="34" charset="-122"/>
-              <a:ea typeface="微软雅黑" panose="020B0503020204020204" pitchFamily="34" charset="-122"/>
-              <a:sym typeface="微软雅黑" panose="020B0503020204020204" pitchFamily="34" charset="-122"/>
-            </a:endParaRPr>
-          </a:p>
-          <a:p>
-            <a:pPr eaLnBrk="1" hangingPunct="1"/>
-            <a:r>
-              <a:rPr lang="en-US" altLang="zh-CN" sz="900">
-                <a:solidFill>
-                  <a:srgbClr val="7F7F7F"/>
-                </a:solidFill>
-                <a:latin typeface="微软雅黑" panose="020B0503020204020204" pitchFamily="34" charset="-122"/>
-                <a:ea typeface="微软雅黑" panose="020B0503020204020204" pitchFamily="34" charset="-122"/>
-                <a:sym typeface="微软雅黑" panose="020B0503020204020204" pitchFamily="34" charset="-122"/>
-              </a:rPr>
-              <a:t>CSDN</a:t>
-            </a:r>
-            <a:r>
-              <a:rPr lang="zh-CN" altLang="en-US" sz="900">
-                <a:solidFill>
-                  <a:srgbClr val="7F7F7F"/>
-                </a:solidFill>
-                <a:latin typeface="微软雅黑" panose="020B0503020204020204" pitchFamily="34" charset="-122"/>
-                <a:ea typeface="微软雅黑" panose="020B0503020204020204" pitchFamily="34" charset="-122"/>
-                <a:sym typeface="微软雅黑" panose="020B0503020204020204" pitchFamily="34" charset="-122"/>
-              </a:rPr>
-              <a:t>下载：</a:t>
-            </a:r>
-            <a:r>
-              <a:rPr lang="en-US" altLang="zh-CN" sz="900">
-                <a:solidFill>
-                  <a:srgbClr val="7F7F7F"/>
-                </a:solidFill>
-                <a:latin typeface="微软雅黑" panose="020B0503020204020204" pitchFamily="34" charset="-122"/>
-                <a:ea typeface="微软雅黑" panose="020B0503020204020204" pitchFamily="34" charset="-122"/>
-                <a:sym typeface="微软雅黑" panose="020B0503020204020204" pitchFamily="34" charset="-122"/>
-              </a:rPr>
-              <a:t>http://download.csdn.net/</a:t>
-            </a:r>
-            <a:endParaRPr lang="en-US" altLang="zh-CN" sz="900" b="1">
-              <a:solidFill>
-                <a:srgbClr val="7F7F7F"/>
-              </a:solidFill>
-              <a:latin typeface="微软雅黑" panose="020B0503020204020204" pitchFamily="34" charset="-122"/>
-              <a:ea typeface="微软雅黑" panose="020B0503020204020204" pitchFamily="34" charset="-122"/>
-              <a:sym typeface="微软雅黑" panose="020B0503020204020204" pitchFamily="34" charset="-122"/>
-            </a:endParaRPr>
-          </a:p>
-          <a:p>
-            <a:pPr eaLnBrk="1" hangingPunct="1"/>
-            <a:endParaRPr lang="zh-CN" altLang="en-US" sz="900">
-              <a:solidFill>
-                <a:srgbClr val="7F7F7F"/>
-              </a:solidFill>
-              <a:latin typeface="微软雅黑" panose="020B0503020204020204" pitchFamily="34" charset="-122"/>
-              <a:ea typeface="微软雅黑" panose="020B0503020204020204" pitchFamily="34" charset="-122"/>
-              <a:sym typeface="微软雅黑" panose="020B0503020204020204" pitchFamily="34" charset="-122"/>
-            </a:endParaRPr>
-          </a:p>
-        </p:txBody>
-      </p:sp>
-      <p:sp>
-        <p:nvSpPr>
-          <p:cNvPr id="8198" name="文本框 5">
-            <a:extLst>
-              <a:ext uri="{FF2B5EF4-FFF2-40B4-BE49-F238E27FC236}">
-                <a16:creationId xmlns:a16="http://schemas.microsoft.com/office/drawing/2014/main" id="{C3033956-A2A9-4D76-84E1-6F53E52FBB80}"/>
-              </a:ext>
-            </a:extLst>
-          </p:cNvPr>
-          <p:cNvSpPr>
-            <a:spLocks noChangeArrowheads="1"/>
-          </p:cNvSpPr>
-          <p:nvPr/>
-        </p:nvSpPr>
-        <p:spPr bwMode="auto">
-          <a:xfrm>
-            <a:off x="4337050" y="1928813"/>
-            <a:ext cx="4000500" cy="492125"/>
-          </a:xfrm>
-          <a:prstGeom prst="rect">
-            <a:avLst/>
-          </a:prstGeom>
-          <a:noFill/>
-          <a:ln>
-            <a:noFill/>
-          </a:ln>
-          <a:extLst>
-            <a:ext uri="{909E8E84-426E-40DD-AFC4-6F175D3DCCD1}">
-              <a14:hiddenFill xmlns:a14="http://schemas.microsoft.com/office/drawing/2010/main">
-                <a:solidFill>
-                  <a:srgbClr val="FFFFFF"/>
-                </a:solidFill>
-              </a14:hiddenFill>
-            </a:ext>
-            <a:ext uri="{91240B29-F687-4F45-9708-019B960494DF}">
-              <a14:hiddenLine xmlns:a14="http://schemas.microsoft.com/office/drawing/2010/main" w="9525">
-                <a:solidFill>
-                  <a:srgbClr val="000000"/>
-                </a:solidFill>
-                <a:miter lim="800000"/>
-                <a:headEnd/>
-                <a:tailEnd/>
-              </a14:hiddenLine>
-            </a:ext>
-          </a:extLst>
-        </p:spPr>
-        <p:txBody>
-          <a:bodyPr>
-            <a:spAutoFit/>
-          </a:bodyPr>
-          <a:lstStyle>
-            <a:lvl1pPr>
-              <a:buFont typeface="Arial" panose="020B0604020202020204" pitchFamily="34" charset="0"/>
-              <a:defRPr>
-                <a:solidFill>
-                  <a:schemeClr val="tx1"/>
-                </a:solidFill>
-                <a:latin typeface="Arial" panose="020B0604020202020204" pitchFamily="34" charset="0"/>
-                <a:ea typeface="宋体" panose="02010600030101010101" pitchFamily="2" charset="-122"/>
-              </a:defRPr>
-            </a:lvl1pPr>
-            <a:lvl2pPr marL="742950" indent="-285750">
-              <a:buFont typeface="Arial" panose="020B0604020202020204" pitchFamily="34" charset="0"/>
-              <a:defRPr>
-                <a:solidFill>
-                  <a:schemeClr val="tx1"/>
-                </a:solidFill>
-                <a:latin typeface="Arial" panose="020B0604020202020204" pitchFamily="34" charset="0"/>
-                <a:ea typeface="宋体" panose="02010600030101010101" pitchFamily="2" charset="-122"/>
-              </a:defRPr>
-            </a:lvl2pPr>
-            <a:lvl3pPr marL="1143000" indent="-228600">
-              <a:buFont typeface="Arial" panose="020B0604020202020204" pitchFamily="34" charset="0"/>
-              <a:defRPr>
-                <a:solidFill>
-                  <a:schemeClr val="tx1"/>
-                </a:solidFill>
-                <a:latin typeface="Arial" panose="020B0604020202020204" pitchFamily="34" charset="0"/>
-                <a:ea typeface="宋体" panose="02010600030101010101" pitchFamily="2" charset="-122"/>
-              </a:defRPr>
-            </a:lvl3pPr>
-            <a:lvl4pPr marL="1600200" indent="-228600">
-              <a:buFont typeface="Arial" panose="020B0604020202020204" pitchFamily="34" charset="0"/>
-              <a:defRPr>
-                <a:solidFill>
-                  <a:schemeClr val="tx1"/>
-                </a:solidFill>
-                <a:latin typeface="Arial" panose="020B0604020202020204" pitchFamily="34" charset="0"/>
-                <a:ea typeface="宋体" panose="02010600030101010101" pitchFamily="2" charset="-122"/>
-              </a:defRPr>
-            </a:lvl4pPr>
-            <a:lvl5pPr marL="2057400" indent="-228600">
-              <a:buFont typeface="Arial" panose="020B0604020202020204" pitchFamily="34" charset="0"/>
-              <a:defRPr>
-                <a:solidFill>
-                  <a:schemeClr val="tx1"/>
-                </a:solidFill>
-                <a:latin typeface="Arial" panose="020B0604020202020204" pitchFamily="34" charset="0"/>
-                <a:ea typeface="宋体" panose="02010600030101010101" pitchFamily="2" charset="-122"/>
-              </a:defRPr>
-            </a:lvl5pPr>
-            <a:lvl6pPr marL="2514600" indent="-228600" eaLnBrk="0" fontAlgn="base" hangingPunct="0">
-              <a:spcBef>
-                <a:spcPct val="0"/>
-              </a:spcBef>
-              <a:spcAft>
-                <a:spcPct val="0"/>
-              </a:spcAft>
-              <a:buFont typeface="Arial" panose="020B0604020202020204" pitchFamily="34" charset="0"/>
-              <a:defRPr>
-                <a:solidFill>
-                  <a:schemeClr val="tx1"/>
-                </a:solidFill>
-                <a:latin typeface="Arial" panose="020B0604020202020204" pitchFamily="34" charset="0"/>
-                <a:ea typeface="宋体" panose="02010600030101010101" pitchFamily="2" charset="-122"/>
-              </a:defRPr>
-            </a:lvl6pPr>
-            <a:lvl7pPr marL="2971800" indent="-228600" eaLnBrk="0" fontAlgn="base" hangingPunct="0">
-              <a:spcBef>
-                <a:spcPct val="0"/>
-              </a:spcBef>
-              <a:spcAft>
-                <a:spcPct val="0"/>
-              </a:spcAft>
-              <a:buFont typeface="Arial" panose="020B0604020202020204" pitchFamily="34" charset="0"/>
-              <a:defRPr>
-                <a:solidFill>
-                  <a:schemeClr val="tx1"/>
-                </a:solidFill>
-                <a:latin typeface="Arial" panose="020B0604020202020204" pitchFamily="34" charset="0"/>
-                <a:ea typeface="宋体" panose="02010600030101010101" pitchFamily="2" charset="-122"/>
-              </a:defRPr>
-            </a:lvl7pPr>
-            <a:lvl8pPr marL="3429000" indent="-228600" eaLnBrk="0" fontAlgn="base" hangingPunct="0">
-              <a:spcBef>
-                <a:spcPct val="0"/>
-              </a:spcBef>
-              <a:spcAft>
-                <a:spcPct val="0"/>
-              </a:spcAft>
-              <a:buFont typeface="Arial" panose="020B0604020202020204" pitchFamily="34" charset="0"/>
-              <a:defRPr>
-                <a:solidFill>
-                  <a:schemeClr val="tx1"/>
-                </a:solidFill>
-                <a:latin typeface="Arial" panose="020B0604020202020204" pitchFamily="34" charset="0"/>
-                <a:ea typeface="宋体" panose="02010600030101010101" pitchFamily="2" charset="-122"/>
-              </a:defRPr>
-            </a:lvl8pPr>
-            <a:lvl9pPr marL="3886200" indent="-228600" eaLnBrk="0" fontAlgn="base" hangingPunct="0">
-              <a:spcBef>
-                <a:spcPct val="0"/>
-              </a:spcBef>
-              <a:spcAft>
-                <a:spcPct val="0"/>
-              </a:spcAft>
-              <a:buFont typeface="Arial" panose="020B0604020202020204" pitchFamily="34" charset="0"/>
-              <a:defRPr>
-                <a:solidFill>
-                  <a:schemeClr val="tx1"/>
-                </a:solidFill>
-                <a:latin typeface="Arial" panose="020B0604020202020204" pitchFamily="34" charset="0"/>
-                <a:ea typeface="宋体" panose="02010600030101010101" pitchFamily="2" charset="-122"/>
-              </a:defRPr>
-            </a:lvl9pPr>
-          </a:lstStyle>
-          <a:p>
-            <a:pPr eaLnBrk="1" hangingPunct="1"/>
-            <a:r>
-              <a:rPr lang="zh-CN" altLang="en-US" sz="1400">
-                <a:solidFill>
-                  <a:srgbClr val="595959"/>
-                </a:solidFill>
-                <a:latin typeface="微软雅黑" panose="020B0503020204020204" pitchFamily="34" charset="-122"/>
-                <a:ea typeface="微软雅黑" panose="020B0503020204020204" pitchFamily="34" charset="-122"/>
-                <a:sym typeface="微软雅黑" panose="020B0503020204020204" pitchFamily="34" charset="-122"/>
-              </a:rPr>
-              <a:t>本课程由 张赐 提供</a:t>
-            </a:r>
-            <a:endParaRPr lang="en-US" altLang="zh-CN" sz="1400">
-              <a:solidFill>
-                <a:srgbClr val="595959"/>
-              </a:solidFill>
-              <a:latin typeface="微软雅黑" panose="020B0503020204020204" pitchFamily="34" charset="-122"/>
-              <a:ea typeface="微软雅黑" panose="020B0503020204020204" pitchFamily="34" charset="-122"/>
-              <a:sym typeface="微软雅黑" panose="020B0503020204020204" pitchFamily="34" charset="-122"/>
-            </a:endParaRPr>
-          </a:p>
-          <a:p>
-            <a:pPr eaLnBrk="1" hangingPunct="1"/>
-            <a:endParaRPr lang="zh-CN" altLang="en-US" sz="1200">
-              <a:solidFill>
-                <a:srgbClr val="595959"/>
-              </a:solidFill>
-              <a:latin typeface="微软雅黑" panose="020B0503020204020204" pitchFamily="34" charset="-122"/>
-              <a:ea typeface="微软雅黑" panose="020B0503020204020204" pitchFamily="34" charset="-122"/>
-              <a:sym typeface="微软雅黑" panose="020B0503020204020204" pitchFamily="34" charset="-122"/>
-            </a:endParaRPr>
-          </a:p>
-        </p:txBody>
-      </p:sp>
-      <p:pic>
-        <p:nvPicPr>
-          <p:cNvPr id="8199" name="Picture 2">
-            <a:extLst>
-              <a:ext uri="{FF2B5EF4-FFF2-40B4-BE49-F238E27FC236}">
-                <a16:creationId xmlns:a16="http://schemas.microsoft.com/office/drawing/2014/main" id="{2656A675-2838-4DE8-A1F0-DE7DF761E3B6}"/>
-              </a:ext>
-            </a:extLst>
-          </p:cNvPr>
-          <p:cNvPicPr>
-            <a:picLocks noChangeAspect="1" noChangeArrowheads="1"/>
-          </p:cNvPicPr>
-          <p:nvPr/>
-        </p:nvPicPr>
-        <p:blipFill>
-          <a:blip r:embed="rId3">
-            <a:extLst>
-              <a:ext uri="{28A0092B-C50C-407E-A947-70E740481C1C}">
-                <a14:useLocalDpi xmlns:a14="http://schemas.microsoft.com/office/drawing/2010/main" val="0"/>
-              </a:ext>
-            </a:extLst>
-          </a:blip>
-          <a:srcRect/>
-          <a:stretch>
-            <a:fillRect/>
-          </a:stretch>
-        </p:blipFill>
-        <p:spPr bwMode="auto">
-          <a:xfrm>
-            <a:off x="107950" y="123825"/>
-            <a:ext cx="1296988" cy="539750"/>
+            <a:off x="7956550" y="4606925"/>
+            <a:ext cx="1081088" cy="450850"/>
           </a:xfrm>
           <a:prstGeom prst="rect">
             <a:avLst/>
@@ -9014,7 +9209,357 @@
           </a:extLst>
         </p:spPr>
       </p:pic>
+      <p:sp>
+        <p:nvSpPr>
+          <p:cNvPr id="3075" name="Title 1">
+            <a:extLst>
+              <a:ext uri="{FF2B5EF4-FFF2-40B4-BE49-F238E27FC236}">
+                <a16:creationId xmlns:a16="http://schemas.microsoft.com/office/drawing/2014/main" id="{666E1B67-1175-4598-AA77-794FC6629051}"/>
+              </a:ext>
+            </a:extLst>
+          </p:cNvPr>
+          <p:cNvSpPr>
+            <a:spLocks noGrp="1" noChangeArrowheads="1"/>
+          </p:cNvSpPr>
+          <p:nvPr>
+            <p:ph type="title"/>
+          </p:nvPr>
+        </p:nvSpPr>
+        <p:spPr bwMode="auto">
+          <a:xfrm>
+            <a:off x="457200" y="123825"/>
+            <a:ext cx="8229600" cy="711200"/>
+          </a:xfrm>
+          <a:noFill/>
+          <a:extLst>
+            <a:ext uri="{909E8E84-426E-40DD-AFC4-6F175D3DCCD1}">
+              <a14:hiddenFill xmlns:a14="http://schemas.microsoft.com/office/drawing/2010/main">
+                <a:solidFill>
+                  <a:srgbClr val="FFFFFF"/>
+                </a:solidFill>
+              </a14:hiddenFill>
+            </a:ext>
+            <a:ext uri="{91240B29-F687-4F45-9708-019B960494DF}">
+              <a14:hiddenLine xmlns:a14="http://schemas.microsoft.com/office/drawing/2010/main" w="9525">
+                <a:solidFill>
+                  <a:srgbClr val="000000"/>
+                </a:solidFill>
+                <a:miter lim="800000"/>
+                <a:headEnd/>
+                <a:tailEnd/>
+              </a14:hiddenLine>
+            </a:ext>
+          </a:extLst>
+        </p:spPr>
+        <p:txBody>
+          <a:bodyPr vert="horz" wrap="square" lIns="91440" tIns="45720" rIns="91440" bIns="45720" numCol="1" anchor="t" anchorCtr="0" compatLnSpc="1">
+            <a:prstTxWarp prst="textNoShape">
+              <a:avLst/>
+            </a:prstTxWarp>
+          </a:bodyPr>
+          <a:lstStyle/>
+          <a:p>
+            <a:pPr algn="l" eaLnBrk="1" hangingPunct="1"/>
+            <a:r>
+              <a:rPr lang="zh-CN" altLang="en-US" dirty="0">
+                <a:solidFill>
+                  <a:srgbClr val="C00000"/>
+                </a:solidFill>
+                <a:latin typeface="微软雅黑 Light" panose="020B0502040204020203" pitchFamily="34" charset="-122"/>
+                <a:ea typeface="微软雅黑 Light" panose="020B0502040204020203" pitchFamily="34" charset="-122"/>
+              </a:rPr>
+              <a:t>练习</a:t>
+            </a:r>
+            <a:endParaRPr lang="en-US" altLang="zh-CN" dirty="0">
+              <a:solidFill>
+                <a:srgbClr val="C00000"/>
+              </a:solidFill>
+              <a:latin typeface="微软雅黑 Light" panose="020B0502040204020203" pitchFamily="34" charset="-122"/>
+              <a:ea typeface="微软雅黑 Light" panose="020B0502040204020203" pitchFamily="34" charset="-122"/>
+            </a:endParaRPr>
+          </a:p>
+        </p:txBody>
+      </p:sp>
+      <p:sp>
+        <p:nvSpPr>
+          <p:cNvPr id="4" name="Content Placeholder 3">
+            <a:extLst>
+              <a:ext uri="{FF2B5EF4-FFF2-40B4-BE49-F238E27FC236}">
+                <a16:creationId xmlns:a16="http://schemas.microsoft.com/office/drawing/2014/main" id="{368B2D2E-6A5C-4FE0-91BB-6CC0CC9AEF62}"/>
+              </a:ext>
+            </a:extLst>
+          </p:cNvPr>
+          <p:cNvSpPr txBox="1">
+            <a:spLocks/>
+          </p:cNvSpPr>
+          <p:nvPr/>
+        </p:nvSpPr>
+        <p:spPr>
+          <a:xfrm>
+            <a:off x="457200" y="1131888"/>
+            <a:ext cx="8229600" cy="3925887"/>
+          </a:xfrm>
+          <a:prstGeom prst="rect">
+            <a:avLst/>
+          </a:prstGeom>
+        </p:spPr>
+        <p:txBody>
+          <a:bodyPr/>
+          <a:lstStyle>
+            <a:lvl1pPr marL="342900" indent="-342900" algn="l" rtl="0" fontAlgn="base">
+              <a:spcBef>
+                <a:spcPct val="20000"/>
+              </a:spcBef>
+              <a:spcAft>
+                <a:spcPct val="0"/>
+              </a:spcAft>
+              <a:buFont typeface="Arial" panose="020B0604020202020204" pitchFamily="34" charset="0"/>
+              <a:buChar char="•"/>
+              <a:defRPr sz="3200" kern="1200">
+                <a:solidFill>
+                  <a:schemeClr val="tx1"/>
+                </a:solidFill>
+                <a:latin typeface="+mn-lt"/>
+                <a:ea typeface="+mn-ea"/>
+                <a:cs typeface="+mn-cs"/>
+                <a:sym typeface="Calibri" panose="020F0502020204030204" pitchFamily="34" charset="0"/>
+              </a:defRPr>
+            </a:lvl1pPr>
+            <a:lvl2pPr marL="742950" indent="-285750" algn="l" rtl="0" fontAlgn="base">
+              <a:spcBef>
+                <a:spcPct val="20000"/>
+              </a:spcBef>
+              <a:spcAft>
+                <a:spcPct val="0"/>
+              </a:spcAft>
+              <a:buFont typeface="Arial" panose="020B0604020202020204" pitchFamily="34" charset="0"/>
+              <a:buChar char="–"/>
+              <a:defRPr sz="2800" kern="1200">
+                <a:solidFill>
+                  <a:schemeClr val="tx1"/>
+                </a:solidFill>
+                <a:latin typeface="+mn-lt"/>
+                <a:ea typeface="+mn-ea"/>
+                <a:cs typeface="+mn-cs"/>
+                <a:sym typeface="Calibri" panose="020F0502020204030204" pitchFamily="34" charset="0"/>
+              </a:defRPr>
+            </a:lvl2pPr>
+            <a:lvl3pPr marL="1143000" indent="-228600" algn="l" rtl="0" fontAlgn="base">
+              <a:spcBef>
+                <a:spcPct val="20000"/>
+              </a:spcBef>
+              <a:spcAft>
+                <a:spcPct val="0"/>
+              </a:spcAft>
+              <a:buFont typeface="Arial" panose="020B0604020202020204" pitchFamily="34" charset="0"/>
+              <a:buChar char="•"/>
+              <a:defRPr sz="2400" kern="1200">
+                <a:solidFill>
+                  <a:schemeClr val="tx1"/>
+                </a:solidFill>
+                <a:latin typeface="+mn-lt"/>
+                <a:ea typeface="+mn-ea"/>
+                <a:cs typeface="+mn-cs"/>
+                <a:sym typeface="Calibri" panose="020F0502020204030204" pitchFamily="34" charset="0"/>
+              </a:defRPr>
+            </a:lvl3pPr>
+            <a:lvl4pPr marL="1600200" indent="-228600" algn="l" rtl="0" fontAlgn="base">
+              <a:spcBef>
+                <a:spcPct val="20000"/>
+              </a:spcBef>
+              <a:spcAft>
+                <a:spcPct val="0"/>
+              </a:spcAft>
+              <a:buFont typeface="Arial" panose="020B0604020202020204" pitchFamily="34" charset="0"/>
+              <a:buChar char="–"/>
+              <a:defRPr sz="2000" kern="1200">
+                <a:solidFill>
+                  <a:schemeClr val="tx1"/>
+                </a:solidFill>
+                <a:latin typeface="+mn-lt"/>
+                <a:ea typeface="+mn-ea"/>
+                <a:cs typeface="+mn-cs"/>
+                <a:sym typeface="Calibri" panose="020F0502020204030204" pitchFamily="34" charset="0"/>
+              </a:defRPr>
+            </a:lvl4pPr>
+            <a:lvl5pPr marL="2057400" indent="-228600" algn="l" rtl="0" fontAlgn="base">
+              <a:spcBef>
+                <a:spcPct val="20000"/>
+              </a:spcBef>
+              <a:spcAft>
+                <a:spcPct val="0"/>
+              </a:spcAft>
+              <a:buFont typeface="Arial" panose="020B0604020202020204" pitchFamily="34" charset="0"/>
+              <a:buChar char="»"/>
+              <a:defRPr sz="2000" kern="1200">
+                <a:solidFill>
+                  <a:schemeClr val="tx1"/>
+                </a:solidFill>
+                <a:latin typeface="+mn-lt"/>
+                <a:ea typeface="+mn-ea"/>
+                <a:cs typeface="+mn-cs"/>
+                <a:sym typeface="Calibri" panose="020F0502020204030204" pitchFamily="34" charset="0"/>
+              </a:defRPr>
+            </a:lvl5pPr>
+            <a:lvl6pPr marL="2514600" indent="-228600" algn="l" defTabSz="914400" rtl="0" eaLnBrk="1" latinLnBrk="0" hangingPunct="1">
+              <a:lnSpc>
+                <a:spcPct val="90000"/>
+              </a:lnSpc>
+              <a:spcBef>
+                <a:spcPts val="500"/>
+              </a:spcBef>
+              <a:buFont typeface="Arial" panose="020B0604020202020204" pitchFamily="34" charset="0"/>
+              <a:buChar char="•"/>
+              <a:defRPr sz="1800" kern="1200">
+                <a:solidFill>
+                  <a:schemeClr val="tx1"/>
+                </a:solidFill>
+                <a:latin typeface="+mn-lt"/>
+                <a:ea typeface="+mn-ea"/>
+                <a:cs typeface="+mn-cs"/>
+              </a:defRPr>
+            </a:lvl6pPr>
+            <a:lvl7pPr marL="2971800" indent="-228600" algn="l" defTabSz="914400" rtl="0" eaLnBrk="1" latinLnBrk="0" hangingPunct="1">
+              <a:lnSpc>
+                <a:spcPct val="90000"/>
+              </a:lnSpc>
+              <a:spcBef>
+                <a:spcPts val="500"/>
+              </a:spcBef>
+              <a:buFont typeface="Arial" panose="020B0604020202020204" pitchFamily="34" charset="0"/>
+              <a:buChar char="•"/>
+              <a:defRPr sz="1800" kern="1200">
+                <a:solidFill>
+                  <a:schemeClr val="tx1"/>
+                </a:solidFill>
+                <a:latin typeface="+mn-lt"/>
+                <a:ea typeface="+mn-ea"/>
+                <a:cs typeface="+mn-cs"/>
+              </a:defRPr>
+            </a:lvl7pPr>
+            <a:lvl8pPr marL="3429000" indent="-228600" algn="l" defTabSz="914400" rtl="0" eaLnBrk="1" latinLnBrk="0" hangingPunct="1">
+              <a:lnSpc>
+                <a:spcPct val="90000"/>
+              </a:lnSpc>
+              <a:spcBef>
+                <a:spcPts val="500"/>
+              </a:spcBef>
+              <a:buFont typeface="Arial" panose="020B0604020202020204" pitchFamily="34" charset="0"/>
+              <a:buChar char="•"/>
+              <a:defRPr sz="1800" kern="1200">
+                <a:solidFill>
+                  <a:schemeClr val="tx1"/>
+                </a:solidFill>
+                <a:latin typeface="+mn-lt"/>
+                <a:ea typeface="+mn-ea"/>
+                <a:cs typeface="+mn-cs"/>
+              </a:defRPr>
+            </a:lvl8pPr>
+            <a:lvl9pPr marL="3886200" indent="-228600" algn="l" defTabSz="914400" rtl="0" eaLnBrk="1" latinLnBrk="0" hangingPunct="1">
+              <a:lnSpc>
+                <a:spcPct val="90000"/>
+              </a:lnSpc>
+              <a:spcBef>
+                <a:spcPts val="500"/>
+              </a:spcBef>
+              <a:buFont typeface="Arial" panose="020B0604020202020204" pitchFamily="34" charset="0"/>
+              <a:buChar char="•"/>
+              <a:defRPr sz="1800" kern="1200">
+                <a:solidFill>
+                  <a:schemeClr val="tx1"/>
+                </a:solidFill>
+                <a:latin typeface="+mn-lt"/>
+                <a:ea typeface="+mn-ea"/>
+                <a:cs typeface="+mn-cs"/>
+              </a:defRPr>
+            </a:lvl9pPr>
+          </a:lstStyle>
+          <a:p>
+            <a:pPr>
+              <a:lnSpc>
+                <a:spcPct val="150000"/>
+              </a:lnSpc>
+            </a:pPr>
+            <a:r>
+              <a:rPr lang="en-US" altLang="zh-CN" sz="2800" dirty="0" err="1">
+                <a:solidFill>
+                  <a:schemeClr val="tx1">
+                    <a:lumMod val="65000"/>
+                    <a:lumOff val="35000"/>
+                  </a:schemeClr>
+                </a:solidFill>
+                <a:latin typeface="微软雅黑 Light" panose="020B0502040204020203" pitchFamily="34" charset="-122"/>
+                <a:ea typeface="微软雅黑 Light" panose="020B0502040204020203" pitchFamily="34" charset="-122"/>
+              </a:rPr>
+              <a:t>GMatrix</a:t>
+            </a:r>
+            <a:endParaRPr lang="en-US" altLang="zh-CN" sz="2800" dirty="0">
+              <a:solidFill>
+                <a:schemeClr val="tx1">
+                  <a:lumMod val="65000"/>
+                  <a:lumOff val="35000"/>
+                </a:schemeClr>
+              </a:solidFill>
+              <a:latin typeface="微软雅黑 Light" panose="020B0502040204020203" pitchFamily="34" charset="-122"/>
+              <a:ea typeface="微软雅黑 Light" panose="020B0502040204020203" pitchFamily="34" charset="-122"/>
+            </a:endParaRPr>
+          </a:p>
+          <a:p>
+            <a:pPr lvl="1">
+              <a:lnSpc>
+                <a:spcPct val="150000"/>
+              </a:lnSpc>
+            </a:pPr>
+            <a:r>
+              <a:rPr lang="zh-CN" altLang="en-US" sz="2400" dirty="0">
+                <a:solidFill>
+                  <a:schemeClr val="tx1">
+                    <a:lumMod val="65000"/>
+                    <a:lumOff val="35000"/>
+                  </a:schemeClr>
+                </a:solidFill>
+                <a:latin typeface="微软雅黑 Light" panose="020B0502040204020203" pitchFamily="34" charset="-122"/>
+                <a:ea typeface="微软雅黑 Light" panose="020B0502040204020203" pitchFamily="34" charset="-122"/>
+              </a:rPr>
+              <a:t>高斯消元法</a:t>
+            </a:r>
+            <a:endParaRPr lang="en-US" altLang="zh-CN" sz="2400" dirty="0">
+              <a:solidFill>
+                <a:schemeClr val="tx1">
+                  <a:lumMod val="65000"/>
+                  <a:lumOff val="35000"/>
+                </a:schemeClr>
+              </a:solidFill>
+              <a:latin typeface="微软雅黑 Light" panose="020B0502040204020203" pitchFamily="34" charset="-122"/>
+              <a:ea typeface="微软雅黑 Light" panose="020B0502040204020203" pitchFamily="34" charset="-122"/>
+            </a:endParaRPr>
+          </a:p>
+          <a:p>
+            <a:pPr marL="0" indent="0">
+              <a:lnSpc>
+                <a:spcPct val="150000"/>
+              </a:lnSpc>
+              <a:buNone/>
+            </a:pPr>
+            <a:endParaRPr lang="en-US" altLang="zh-CN" sz="2800" dirty="0">
+              <a:solidFill>
+                <a:schemeClr val="tx1">
+                  <a:lumMod val="65000"/>
+                  <a:lumOff val="35000"/>
+                </a:schemeClr>
+              </a:solidFill>
+              <a:latin typeface="微软雅黑 Light" panose="020B0502040204020203" pitchFamily="34" charset="-122"/>
+              <a:ea typeface="微软雅黑 Light" panose="020B0502040204020203" pitchFamily="34" charset="-122"/>
+            </a:endParaRPr>
+          </a:p>
+        </p:txBody>
+      </p:sp>
     </p:spTree>
+    <p:extLst>
+      <p:ext uri="{BB962C8B-B14F-4D97-AF65-F5344CB8AC3E}">
+        <p14:creationId xmlns:p14="http://schemas.microsoft.com/office/powerpoint/2010/main" val="3068457808"/>
+      </p:ext>
+    </p:extLst>
   </p:cSld>
   <p:clrMapOvr>
     <a:masterClrMapping/>

--- a/PPT/C++练习.pptx
+++ b/PPT/C++练习.pptx
@@ -5,7 +5,7 @@
     <p:sldMasterId id="2147483648" r:id="rId1"/>
   </p:sldMasterIdLst>
   <p:notesMasterIdLst>
-    <p:notesMasterId r:id="rId12"/>
+    <p:notesMasterId r:id="rId13"/>
   </p:notesMasterIdLst>
   <p:sldIdLst>
     <p:sldId id="256" r:id="rId2"/>
@@ -16,8 +16,9 @@
     <p:sldId id="266" r:id="rId7"/>
     <p:sldId id="263" r:id="rId8"/>
     <p:sldId id="264" r:id="rId9"/>
-    <p:sldId id="265" r:id="rId10"/>
-    <p:sldId id="259" r:id="rId11"/>
+    <p:sldId id="267" r:id="rId10"/>
+    <p:sldId id="265" r:id="rId11"/>
+    <p:sldId id="259" r:id="rId12"/>
   </p:sldIdLst>
   <p:sldSz cx="9144000" cy="5143500" type="screen16x9"/>
   <p:notesSz cx="6858000" cy="9144000"/>
@@ -4287,6 +4288,451 @@
       </p:grpSpPr>
       <p:pic>
         <p:nvPicPr>
+          <p:cNvPr id="3074" name="Picture 2">
+            <a:extLst>
+              <a:ext uri="{FF2B5EF4-FFF2-40B4-BE49-F238E27FC236}">
+                <a16:creationId xmlns:a16="http://schemas.microsoft.com/office/drawing/2014/main" id="{602C339E-BA86-4A21-AB6C-4F6D8491BC39}"/>
+              </a:ext>
+            </a:extLst>
+          </p:cNvPr>
+          <p:cNvPicPr>
+            <a:picLocks noChangeAspect="1" noChangeArrowheads="1"/>
+          </p:cNvPicPr>
+          <p:nvPr/>
+        </p:nvPicPr>
+        <p:blipFill>
+          <a:blip r:embed="rId2">
+            <a:extLst>
+              <a:ext uri="{28A0092B-C50C-407E-A947-70E740481C1C}">
+                <a14:useLocalDpi xmlns:a14="http://schemas.microsoft.com/office/drawing/2010/main" val="0"/>
+              </a:ext>
+            </a:extLst>
+          </a:blip>
+          <a:srcRect/>
+          <a:stretch>
+            <a:fillRect/>
+          </a:stretch>
+        </p:blipFill>
+        <p:spPr bwMode="auto">
+          <a:xfrm>
+            <a:off x="7956550" y="4606925"/>
+            <a:ext cx="1081088" cy="450850"/>
+          </a:xfrm>
+          <a:prstGeom prst="rect">
+            <a:avLst/>
+          </a:prstGeom>
+          <a:noFill/>
+          <a:ln>
+            <a:noFill/>
+          </a:ln>
+          <a:effectLst/>
+          <a:extLst>
+            <a:ext uri="{909E8E84-426E-40DD-AFC4-6F175D3DCCD1}">
+              <a14:hiddenFill xmlns:a14="http://schemas.microsoft.com/office/drawing/2010/main">
+                <a:solidFill>
+                  <a:srgbClr val="FFFFFF"/>
+                </a:solidFill>
+              </a14:hiddenFill>
+            </a:ext>
+            <a:ext uri="{91240B29-F687-4F45-9708-019B960494DF}">
+              <a14:hiddenLine xmlns:a14="http://schemas.microsoft.com/office/drawing/2010/main" w="9525">
+                <a:solidFill>
+                  <a:srgbClr val="000000"/>
+                </a:solidFill>
+                <a:miter lim="800000"/>
+                <a:headEnd/>
+                <a:tailEnd/>
+              </a14:hiddenLine>
+            </a:ext>
+            <a:ext uri="{AF507438-7753-43E0-B8FC-AC1667EBCBE1}">
+              <a14:hiddenEffects xmlns:a14="http://schemas.microsoft.com/office/drawing/2010/main">
+                <a:effectLst>
+                  <a:outerShdw dist="35921" dir="2700000" algn="ctr" rotWithShape="0">
+                    <a:srgbClr val="808080"/>
+                  </a:outerShdw>
+                </a:effectLst>
+              </a14:hiddenEffects>
+            </a:ext>
+          </a:extLst>
+        </p:spPr>
+      </p:pic>
+      <p:sp>
+        <p:nvSpPr>
+          <p:cNvPr id="3075" name="Title 1">
+            <a:extLst>
+              <a:ext uri="{FF2B5EF4-FFF2-40B4-BE49-F238E27FC236}">
+                <a16:creationId xmlns:a16="http://schemas.microsoft.com/office/drawing/2014/main" id="{666E1B67-1175-4598-AA77-794FC6629051}"/>
+              </a:ext>
+            </a:extLst>
+          </p:cNvPr>
+          <p:cNvSpPr>
+            <a:spLocks noGrp="1" noChangeArrowheads="1"/>
+          </p:cNvSpPr>
+          <p:nvPr>
+            <p:ph type="title"/>
+          </p:nvPr>
+        </p:nvSpPr>
+        <p:spPr bwMode="auto">
+          <a:xfrm>
+            <a:off x="457200" y="123825"/>
+            <a:ext cx="8229600" cy="711200"/>
+          </a:xfrm>
+          <a:noFill/>
+          <a:extLst>
+            <a:ext uri="{909E8E84-426E-40DD-AFC4-6F175D3DCCD1}">
+              <a14:hiddenFill xmlns:a14="http://schemas.microsoft.com/office/drawing/2010/main">
+                <a:solidFill>
+                  <a:srgbClr val="FFFFFF"/>
+                </a:solidFill>
+              </a14:hiddenFill>
+            </a:ext>
+            <a:ext uri="{91240B29-F687-4F45-9708-019B960494DF}">
+              <a14:hiddenLine xmlns:a14="http://schemas.microsoft.com/office/drawing/2010/main" w="9525">
+                <a:solidFill>
+                  <a:srgbClr val="000000"/>
+                </a:solidFill>
+                <a:miter lim="800000"/>
+                <a:headEnd/>
+                <a:tailEnd/>
+              </a14:hiddenLine>
+            </a:ext>
+          </a:extLst>
+        </p:spPr>
+        <p:txBody>
+          <a:bodyPr vert="horz" wrap="square" lIns="91440" tIns="45720" rIns="91440" bIns="45720" numCol="1" anchor="t" anchorCtr="0" compatLnSpc="1">
+            <a:prstTxWarp prst="textNoShape">
+              <a:avLst/>
+            </a:prstTxWarp>
+          </a:bodyPr>
+          <a:lstStyle/>
+          <a:p>
+            <a:pPr algn="l" eaLnBrk="1" hangingPunct="1"/>
+            <a:r>
+              <a:rPr lang="zh-CN" altLang="en-US" dirty="0">
+                <a:solidFill>
+                  <a:srgbClr val="C00000"/>
+                </a:solidFill>
+                <a:latin typeface="微软雅黑 Light" panose="020B0502040204020203" pitchFamily="34" charset="-122"/>
+                <a:ea typeface="微软雅黑 Light" panose="020B0502040204020203" pitchFamily="34" charset="-122"/>
+              </a:rPr>
+              <a:t>练习</a:t>
+            </a:r>
+            <a:endParaRPr lang="en-US" altLang="zh-CN" dirty="0">
+              <a:solidFill>
+                <a:srgbClr val="C00000"/>
+              </a:solidFill>
+              <a:latin typeface="微软雅黑 Light" panose="020B0502040204020203" pitchFamily="34" charset="-122"/>
+              <a:ea typeface="微软雅黑 Light" panose="020B0502040204020203" pitchFamily="34" charset="-122"/>
+            </a:endParaRPr>
+          </a:p>
+        </p:txBody>
+      </p:sp>
+      <p:sp>
+        <p:nvSpPr>
+          <p:cNvPr id="4" name="Content Placeholder 3">
+            <a:extLst>
+              <a:ext uri="{FF2B5EF4-FFF2-40B4-BE49-F238E27FC236}">
+                <a16:creationId xmlns:a16="http://schemas.microsoft.com/office/drawing/2014/main" id="{368B2D2E-6A5C-4FE0-91BB-6CC0CC9AEF62}"/>
+              </a:ext>
+            </a:extLst>
+          </p:cNvPr>
+          <p:cNvSpPr txBox="1">
+            <a:spLocks/>
+          </p:cNvSpPr>
+          <p:nvPr/>
+        </p:nvSpPr>
+        <p:spPr>
+          <a:xfrm>
+            <a:off x="457200" y="1131888"/>
+            <a:ext cx="8229600" cy="3925887"/>
+          </a:xfrm>
+          <a:prstGeom prst="rect">
+            <a:avLst/>
+          </a:prstGeom>
+        </p:spPr>
+        <p:txBody>
+          <a:bodyPr/>
+          <a:lstStyle>
+            <a:lvl1pPr marL="342900" indent="-342900" algn="l" rtl="0" fontAlgn="base">
+              <a:spcBef>
+                <a:spcPct val="20000"/>
+              </a:spcBef>
+              <a:spcAft>
+                <a:spcPct val="0"/>
+              </a:spcAft>
+              <a:buFont typeface="Arial" panose="020B0604020202020204" pitchFamily="34" charset="0"/>
+              <a:buChar char="•"/>
+              <a:defRPr sz="3200" kern="1200">
+                <a:solidFill>
+                  <a:schemeClr val="tx1"/>
+                </a:solidFill>
+                <a:latin typeface="+mn-lt"/>
+                <a:ea typeface="+mn-ea"/>
+                <a:cs typeface="+mn-cs"/>
+                <a:sym typeface="Calibri" panose="020F0502020204030204" pitchFamily="34" charset="0"/>
+              </a:defRPr>
+            </a:lvl1pPr>
+            <a:lvl2pPr marL="742950" indent="-285750" algn="l" rtl="0" fontAlgn="base">
+              <a:spcBef>
+                <a:spcPct val="20000"/>
+              </a:spcBef>
+              <a:spcAft>
+                <a:spcPct val="0"/>
+              </a:spcAft>
+              <a:buFont typeface="Arial" panose="020B0604020202020204" pitchFamily="34" charset="0"/>
+              <a:buChar char="–"/>
+              <a:defRPr sz="2800" kern="1200">
+                <a:solidFill>
+                  <a:schemeClr val="tx1"/>
+                </a:solidFill>
+                <a:latin typeface="+mn-lt"/>
+                <a:ea typeface="+mn-ea"/>
+                <a:cs typeface="+mn-cs"/>
+                <a:sym typeface="Calibri" panose="020F0502020204030204" pitchFamily="34" charset="0"/>
+              </a:defRPr>
+            </a:lvl2pPr>
+            <a:lvl3pPr marL="1143000" indent="-228600" algn="l" rtl="0" fontAlgn="base">
+              <a:spcBef>
+                <a:spcPct val="20000"/>
+              </a:spcBef>
+              <a:spcAft>
+                <a:spcPct val="0"/>
+              </a:spcAft>
+              <a:buFont typeface="Arial" panose="020B0604020202020204" pitchFamily="34" charset="0"/>
+              <a:buChar char="•"/>
+              <a:defRPr sz="2400" kern="1200">
+                <a:solidFill>
+                  <a:schemeClr val="tx1"/>
+                </a:solidFill>
+                <a:latin typeface="+mn-lt"/>
+                <a:ea typeface="+mn-ea"/>
+                <a:cs typeface="+mn-cs"/>
+                <a:sym typeface="Calibri" panose="020F0502020204030204" pitchFamily="34" charset="0"/>
+              </a:defRPr>
+            </a:lvl3pPr>
+            <a:lvl4pPr marL="1600200" indent="-228600" algn="l" rtl="0" fontAlgn="base">
+              <a:spcBef>
+                <a:spcPct val="20000"/>
+              </a:spcBef>
+              <a:spcAft>
+                <a:spcPct val="0"/>
+              </a:spcAft>
+              <a:buFont typeface="Arial" panose="020B0604020202020204" pitchFamily="34" charset="0"/>
+              <a:buChar char="–"/>
+              <a:defRPr sz="2000" kern="1200">
+                <a:solidFill>
+                  <a:schemeClr val="tx1"/>
+                </a:solidFill>
+                <a:latin typeface="+mn-lt"/>
+                <a:ea typeface="+mn-ea"/>
+                <a:cs typeface="+mn-cs"/>
+                <a:sym typeface="Calibri" panose="020F0502020204030204" pitchFamily="34" charset="0"/>
+              </a:defRPr>
+            </a:lvl4pPr>
+            <a:lvl5pPr marL="2057400" indent="-228600" algn="l" rtl="0" fontAlgn="base">
+              <a:spcBef>
+                <a:spcPct val="20000"/>
+              </a:spcBef>
+              <a:spcAft>
+                <a:spcPct val="0"/>
+              </a:spcAft>
+              <a:buFont typeface="Arial" panose="020B0604020202020204" pitchFamily="34" charset="0"/>
+              <a:buChar char="»"/>
+              <a:defRPr sz="2000" kern="1200">
+                <a:solidFill>
+                  <a:schemeClr val="tx1"/>
+                </a:solidFill>
+                <a:latin typeface="+mn-lt"/>
+                <a:ea typeface="+mn-ea"/>
+                <a:cs typeface="+mn-cs"/>
+                <a:sym typeface="Calibri" panose="020F0502020204030204" pitchFamily="34" charset="0"/>
+              </a:defRPr>
+            </a:lvl5pPr>
+            <a:lvl6pPr marL="2514600" indent="-228600" algn="l" defTabSz="914400" rtl="0" eaLnBrk="1" latinLnBrk="0" hangingPunct="1">
+              <a:lnSpc>
+                <a:spcPct val="90000"/>
+              </a:lnSpc>
+              <a:spcBef>
+                <a:spcPts val="500"/>
+              </a:spcBef>
+              <a:buFont typeface="Arial" panose="020B0604020202020204" pitchFamily="34" charset="0"/>
+              <a:buChar char="•"/>
+              <a:defRPr sz="1800" kern="1200">
+                <a:solidFill>
+                  <a:schemeClr val="tx1"/>
+                </a:solidFill>
+                <a:latin typeface="+mn-lt"/>
+                <a:ea typeface="+mn-ea"/>
+                <a:cs typeface="+mn-cs"/>
+              </a:defRPr>
+            </a:lvl6pPr>
+            <a:lvl7pPr marL="2971800" indent="-228600" algn="l" defTabSz="914400" rtl="0" eaLnBrk="1" latinLnBrk="0" hangingPunct="1">
+              <a:lnSpc>
+                <a:spcPct val="90000"/>
+              </a:lnSpc>
+              <a:spcBef>
+                <a:spcPts val="500"/>
+              </a:spcBef>
+              <a:buFont typeface="Arial" panose="020B0604020202020204" pitchFamily="34" charset="0"/>
+              <a:buChar char="•"/>
+              <a:defRPr sz="1800" kern="1200">
+                <a:solidFill>
+                  <a:schemeClr val="tx1"/>
+                </a:solidFill>
+                <a:latin typeface="+mn-lt"/>
+                <a:ea typeface="+mn-ea"/>
+                <a:cs typeface="+mn-cs"/>
+              </a:defRPr>
+            </a:lvl7pPr>
+            <a:lvl8pPr marL="3429000" indent="-228600" algn="l" defTabSz="914400" rtl="0" eaLnBrk="1" latinLnBrk="0" hangingPunct="1">
+              <a:lnSpc>
+                <a:spcPct val="90000"/>
+              </a:lnSpc>
+              <a:spcBef>
+                <a:spcPts val="500"/>
+              </a:spcBef>
+              <a:buFont typeface="Arial" panose="020B0604020202020204" pitchFamily="34" charset="0"/>
+              <a:buChar char="•"/>
+              <a:defRPr sz="1800" kern="1200">
+                <a:solidFill>
+                  <a:schemeClr val="tx1"/>
+                </a:solidFill>
+                <a:latin typeface="+mn-lt"/>
+                <a:ea typeface="+mn-ea"/>
+                <a:cs typeface="+mn-cs"/>
+              </a:defRPr>
+            </a:lvl8pPr>
+            <a:lvl9pPr marL="3886200" indent="-228600" algn="l" defTabSz="914400" rtl="0" eaLnBrk="1" latinLnBrk="0" hangingPunct="1">
+              <a:lnSpc>
+                <a:spcPct val="90000"/>
+              </a:lnSpc>
+              <a:spcBef>
+                <a:spcPts val="500"/>
+              </a:spcBef>
+              <a:buFont typeface="Arial" panose="020B0604020202020204" pitchFamily="34" charset="0"/>
+              <a:buChar char="•"/>
+              <a:defRPr sz="1800" kern="1200">
+                <a:solidFill>
+                  <a:schemeClr val="tx1"/>
+                </a:solidFill>
+                <a:latin typeface="+mn-lt"/>
+                <a:ea typeface="+mn-ea"/>
+                <a:cs typeface="+mn-cs"/>
+              </a:defRPr>
+            </a:lvl9pPr>
+          </a:lstStyle>
+          <a:p>
+            <a:pPr>
+              <a:lnSpc>
+                <a:spcPct val="150000"/>
+              </a:lnSpc>
+            </a:pPr>
+            <a:r>
+              <a:rPr lang="en-US" altLang="zh-CN" sz="2800" dirty="0" err="1">
+                <a:solidFill>
+                  <a:schemeClr val="tx1">
+                    <a:lumMod val="65000"/>
+                    <a:lumOff val="35000"/>
+                  </a:schemeClr>
+                </a:solidFill>
+                <a:latin typeface="微软雅黑 Light" panose="020B0502040204020203" pitchFamily="34" charset="-122"/>
+                <a:ea typeface="微软雅黑 Light" panose="020B0502040204020203" pitchFamily="34" charset="-122"/>
+              </a:rPr>
+              <a:t>GMatrix</a:t>
+            </a:r>
+            <a:endParaRPr lang="en-US" altLang="zh-CN" sz="2800" dirty="0">
+              <a:solidFill>
+                <a:schemeClr val="tx1">
+                  <a:lumMod val="65000"/>
+                  <a:lumOff val="35000"/>
+                </a:schemeClr>
+              </a:solidFill>
+              <a:latin typeface="微软雅黑 Light" panose="020B0502040204020203" pitchFamily="34" charset="-122"/>
+              <a:ea typeface="微软雅黑 Light" panose="020B0502040204020203" pitchFamily="34" charset="-122"/>
+            </a:endParaRPr>
+          </a:p>
+          <a:p>
+            <a:pPr lvl="1">
+              <a:lnSpc>
+                <a:spcPct val="150000"/>
+              </a:lnSpc>
+            </a:pPr>
+            <a:r>
+              <a:rPr lang="zh-CN" altLang="en-US" sz="2400" dirty="0">
+                <a:solidFill>
+                  <a:schemeClr val="tx1">
+                    <a:lumMod val="65000"/>
+                    <a:lumOff val="35000"/>
+                  </a:schemeClr>
+                </a:solidFill>
+                <a:latin typeface="微软雅黑 Light" panose="020B0502040204020203" pitchFamily="34" charset="-122"/>
+                <a:ea typeface="微软雅黑 Light" panose="020B0502040204020203" pitchFamily="34" charset="-122"/>
+              </a:rPr>
+              <a:t>高斯消元法</a:t>
+            </a:r>
+            <a:endParaRPr lang="en-US" altLang="zh-CN" sz="2400" dirty="0">
+              <a:solidFill>
+                <a:schemeClr val="tx1">
+                  <a:lumMod val="65000"/>
+                  <a:lumOff val="35000"/>
+                </a:schemeClr>
+              </a:solidFill>
+              <a:latin typeface="微软雅黑 Light" panose="020B0502040204020203" pitchFamily="34" charset="-122"/>
+              <a:ea typeface="微软雅黑 Light" panose="020B0502040204020203" pitchFamily="34" charset="-122"/>
+            </a:endParaRPr>
+          </a:p>
+          <a:p>
+            <a:pPr marL="0" indent="0">
+              <a:lnSpc>
+                <a:spcPct val="150000"/>
+              </a:lnSpc>
+              <a:buNone/>
+            </a:pPr>
+            <a:endParaRPr lang="en-US" altLang="zh-CN" sz="2800" dirty="0">
+              <a:solidFill>
+                <a:schemeClr val="tx1">
+                  <a:lumMod val="65000"/>
+                  <a:lumOff val="35000"/>
+                </a:schemeClr>
+              </a:solidFill>
+              <a:latin typeface="微软雅黑 Light" panose="020B0502040204020203" pitchFamily="34" charset="-122"/>
+              <a:ea typeface="微软雅黑 Light" panose="020B0502040204020203" pitchFamily="34" charset="-122"/>
+            </a:endParaRPr>
+          </a:p>
+        </p:txBody>
+      </p:sp>
+    </p:spTree>
+    <p:extLst>
+      <p:ext uri="{BB962C8B-B14F-4D97-AF65-F5344CB8AC3E}">
+        <p14:creationId xmlns:p14="http://schemas.microsoft.com/office/powerpoint/2010/main" val="3068457808"/>
+      </p:ext>
+    </p:extLst>
+  </p:cSld>
+  <p:clrMapOvr>
+    <a:masterClrMapping/>
+  </p:clrMapOvr>
+</p:sld>
+</file>
+
+<file path=ppt/slides/slide11.xml><?xml version="1.0" encoding="utf-8"?>
+<p:sld xmlns:a="http://schemas.openxmlformats.org/drawingml/2006/main" xmlns:r="http://schemas.openxmlformats.org/officeDocument/2006/relationships" xmlns:p="http://schemas.openxmlformats.org/presentationml/2006/main">
+  <p:cSld>
+    <p:spTree>
+      <p:nvGrpSpPr>
+        <p:cNvPr id="1" name=""/>
+        <p:cNvGrpSpPr/>
+        <p:nvPr/>
+      </p:nvGrpSpPr>
+      <p:grpSpPr>
+        <a:xfrm>
+          <a:off x="0" y="0"/>
+          <a:ext cx="0" cy="0"/>
+          <a:chOff x="0" y="0"/>
+          <a:chExt cx="0" cy="0"/>
+        </a:xfrm>
+      </p:grpSpPr>
+      <p:pic>
+        <p:nvPicPr>
           <p:cNvPr id="8194" name="Picture 2" descr="D:\work\CSDN学院ppt\5.jpg">
             <a:extLst>
               <a:ext uri="{FF2B5EF4-FFF2-40B4-BE49-F238E27FC236}">
@@ -9280,284 +9726,2473 @@
           </a:p>
         </p:txBody>
       </p:sp>
-      <p:sp>
-        <p:nvSpPr>
-          <p:cNvPr id="4" name="Content Placeholder 3">
-            <a:extLst>
-              <a:ext uri="{FF2B5EF4-FFF2-40B4-BE49-F238E27FC236}">
-                <a16:creationId xmlns:a16="http://schemas.microsoft.com/office/drawing/2014/main" id="{368B2D2E-6A5C-4FE0-91BB-6CC0CC9AEF62}"/>
-              </a:ext>
-            </a:extLst>
-          </p:cNvPr>
-          <p:cNvSpPr txBox="1">
-            <a:spLocks/>
-          </p:cNvSpPr>
-          <p:nvPr/>
-        </p:nvSpPr>
-        <p:spPr>
-          <a:xfrm>
-            <a:off x="457200" y="1131888"/>
-            <a:ext cx="8229600" cy="3925887"/>
-          </a:xfrm>
-          <a:prstGeom prst="rect">
-            <a:avLst/>
-          </a:prstGeom>
-        </p:spPr>
-        <p:txBody>
-          <a:bodyPr/>
-          <a:lstStyle>
-            <a:lvl1pPr marL="342900" indent="-342900" algn="l" rtl="0" fontAlgn="base">
-              <a:spcBef>
-                <a:spcPct val="20000"/>
-              </a:spcBef>
-              <a:spcAft>
-                <a:spcPct val="0"/>
-              </a:spcAft>
-              <a:buFont typeface="Arial" panose="020B0604020202020204" pitchFamily="34" charset="0"/>
-              <a:buChar char="•"/>
-              <a:defRPr sz="3200" kern="1200">
-                <a:solidFill>
-                  <a:schemeClr val="tx1"/>
-                </a:solidFill>
-                <a:latin typeface="+mn-lt"/>
-                <a:ea typeface="+mn-ea"/>
-                <a:cs typeface="+mn-cs"/>
-                <a:sym typeface="Calibri" panose="020F0502020204030204" pitchFamily="34" charset="0"/>
-              </a:defRPr>
-            </a:lvl1pPr>
-            <a:lvl2pPr marL="742950" indent="-285750" algn="l" rtl="0" fontAlgn="base">
-              <a:spcBef>
-                <a:spcPct val="20000"/>
-              </a:spcBef>
-              <a:spcAft>
-                <a:spcPct val="0"/>
-              </a:spcAft>
-              <a:buFont typeface="Arial" panose="020B0604020202020204" pitchFamily="34" charset="0"/>
-              <a:buChar char="–"/>
-              <a:defRPr sz="2800" kern="1200">
-                <a:solidFill>
-                  <a:schemeClr val="tx1"/>
-                </a:solidFill>
-                <a:latin typeface="+mn-lt"/>
-                <a:ea typeface="+mn-ea"/>
-                <a:cs typeface="+mn-cs"/>
-                <a:sym typeface="Calibri" panose="020F0502020204030204" pitchFamily="34" charset="0"/>
-              </a:defRPr>
-            </a:lvl2pPr>
-            <a:lvl3pPr marL="1143000" indent="-228600" algn="l" rtl="0" fontAlgn="base">
-              <a:spcBef>
-                <a:spcPct val="20000"/>
-              </a:spcBef>
-              <a:spcAft>
-                <a:spcPct val="0"/>
-              </a:spcAft>
-              <a:buFont typeface="Arial" panose="020B0604020202020204" pitchFamily="34" charset="0"/>
-              <a:buChar char="•"/>
-              <a:defRPr sz="2400" kern="1200">
-                <a:solidFill>
-                  <a:schemeClr val="tx1"/>
-                </a:solidFill>
-                <a:latin typeface="+mn-lt"/>
-                <a:ea typeface="+mn-ea"/>
-                <a:cs typeface="+mn-cs"/>
-                <a:sym typeface="Calibri" panose="020F0502020204030204" pitchFamily="34" charset="0"/>
-              </a:defRPr>
-            </a:lvl3pPr>
-            <a:lvl4pPr marL="1600200" indent="-228600" algn="l" rtl="0" fontAlgn="base">
-              <a:spcBef>
-                <a:spcPct val="20000"/>
-              </a:spcBef>
-              <a:spcAft>
-                <a:spcPct val="0"/>
-              </a:spcAft>
-              <a:buFont typeface="Arial" panose="020B0604020202020204" pitchFamily="34" charset="0"/>
-              <a:buChar char="–"/>
-              <a:defRPr sz="2000" kern="1200">
-                <a:solidFill>
-                  <a:schemeClr val="tx1"/>
-                </a:solidFill>
-                <a:latin typeface="+mn-lt"/>
-                <a:ea typeface="+mn-ea"/>
-                <a:cs typeface="+mn-cs"/>
-                <a:sym typeface="Calibri" panose="020F0502020204030204" pitchFamily="34" charset="0"/>
-              </a:defRPr>
-            </a:lvl4pPr>
-            <a:lvl5pPr marL="2057400" indent="-228600" algn="l" rtl="0" fontAlgn="base">
-              <a:spcBef>
-                <a:spcPct val="20000"/>
-              </a:spcBef>
-              <a:spcAft>
-                <a:spcPct val="0"/>
-              </a:spcAft>
-              <a:buFont typeface="Arial" panose="020B0604020202020204" pitchFamily="34" charset="0"/>
-              <a:buChar char="»"/>
-              <a:defRPr sz="2000" kern="1200">
-                <a:solidFill>
-                  <a:schemeClr val="tx1"/>
-                </a:solidFill>
-                <a:latin typeface="+mn-lt"/>
-                <a:ea typeface="+mn-ea"/>
-                <a:cs typeface="+mn-cs"/>
-                <a:sym typeface="Calibri" panose="020F0502020204030204" pitchFamily="34" charset="0"/>
-              </a:defRPr>
-            </a:lvl5pPr>
-            <a:lvl6pPr marL="2514600" indent="-228600" algn="l" defTabSz="914400" rtl="0" eaLnBrk="1" latinLnBrk="0" hangingPunct="1">
-              <a:lnSpc>
-                <a:spcPct val="90000"/>
-              </a:lnSpc>
-              <a:spcBef>
-                <a:spcPts val="500"/>
-              </a:spcBef>
-              <a:buFont typeface="Arial" panose="020B0604020202020204" pitchFamily="34" charset="0"/>
-              <a:buChar char="•"/>
-              <a:defRPr sz="1800" kern="1200">
-                <a:solidFill>
-                  <a:schemeClr val="tx1"/>
-                </a:solidFill>
-                <a:latin typeface="+mn-lt"/>
-                <a:ea typeface="+mn-ea"/>
-                <a:cs typeface="+mn-cs"/>
-              </a:defRPr>
-            </a:lvl6pPr>
-            <a:lvl7pPr marL="2971800" indent="-228600" algn="l" defTabSz="914400" rtl="0" eaLnBrk="1" latinLnBrk="0" hangingPunct="1">
-              <a:lnSpc>
-                <a:spcPct val="90000"/>
-              </a:lnSpc>
-              <a:spcBef>
-                <a:spcPts val="500"/>
-              </a:spcBef>
-              <a:buFont typeface="Arial" panose="020B0604020202020204" pitchFamily="34" charset="0"/>
-              <a:buChar char="•"/>
-              <a:defRPr sz="1800" kern="1200">
-                <a:solidFill>
-                  <a:schemeClr val="tx1"/>
-                </a:solidFill>
-                <a:latin typeface="+mn-lt"/>
-                <a:ea typeface="+mn-ea"/>
-                <a:cs typeface="+mn-cs"/>
-              </a:defRPr>
-            </a:lvl7pPr>
-            <a:lvl8pPr marL="3429000" indent="-228600" algn="l" defTabSz="914400" rtl="0" eaLnBrk="1" latinLnBrk="0" hangingPunct="1">
-              <a:lnSpc>
-                <a:spcPct val="90000"/>
-              </a:lnSpc>
-              <a:spcBef>
-                <a:spcPts val="500"/>
-              </a:spcBef>
-              <a:buFont typeface="Arial" panose="020B0604020202020204" pitchFamily="34" charset="0"/>
-              <a:buChar char="•"/>
-              <a:defRPr sz="1800" kern="1200">
-                <a:solidFill>
-                  <a:schemeClr val="tx1"/>
-                </a:solidFill>
-                <a:latin typeface="+mn-lt"/>
-                <a:ea typeface="+mn-ea"/>
-                <a:cs typeface="+mn-cs"/>
-              </a:defRPr>
-            </a:lvl8pPr>
-            <a:lvl9pPr marL="3886200" indent="-228600" algn="l" defTabSz="914400" rtl="0" eaLnBrk="1" latinLnBrk="0" hangingPunct="1">
-              <a:lnSpc>
-                <a:spcPct val="90000"/>
-              </a:lnSpc>
-              <a:spcBef>
-                <a:spcPts val="500"/>
-              </a:spcBef>
-              <a:buFont typeface="Arial" panose="020B0604020202020204" pitchFamily="34" charset="0"/>
-              <a:buChar char="•"/>
-              <a:defRPr sz="1800" kern="1200">
-                <a:solidFill>
-                  <a:schemeClr val="tx1"/>
-                </a:solidFill>
-                <a:latin typeface="+mn-lt"/>
-                <a:ea typeface="+mn-ea"/>
-                <a:cs typeface="+mn-cs"/>
-              </a:defRPr>
-            </a:lvl9pPr>
-          </a:lstStyle>
-          <a:p>
-            <a:pPr>
-              <a:lnSpc>
-                <a:spcPct val="150000"/>
-              </a:lnSpc>
-            </a:pPr>
-            <a:r>
-              <a:rPr lang="en-US" altLang="zh-CN" sz="2800" dirty="0" err="1">
-                <a:solidFill>
-                  <a:schemeClr val="tx1">
-                    <a:lumMod val="65000"/>
-                    <a:lumOff val="35000"/>
-                  </a:schemeClr>
-                </a:solidFill>
-                <a:latin typeface="微软雅黑 Light" panose="020B0502040204020203" pitchFamily="34" charset="-122"/>
-                <a:ea typeface="微软雅黑 Light" panose="020B0502040204020203" pitchFamily="34" charset="-122"/>
-              </a:rPr>
-              <a:t>GMatrix</a:t>
-            </a:r>
-            <a:endParaRPr lang="en-US" altLang="zh-CN" sz="2800" dirty="0">
-              <a:solidFill>
-                <a:schemeClr val="tx1">
-                  <a:lumMod val="65000"/>
-                  <a:lumOff val="35000"/>
-                </a:schemeClr>
-              </a:solidFill>
-              <a:latin typeface="微软雅黑 Light" panose="020B0502040204020203" pitchFamily="34" charset="-122"/>
-              <a:ea typeface="微软雅黑 Light" panose="020B0502040204020203" pitchFamily="34" charset="-122"/>
-            </a:endParaRPr>
-          </a:p>
-          <a:p>
-            <a:pPr lvl="1">
-              <a:lnSpc>
-                <a:spcPct val="150000"/>
-              </a:lnSpc>
-            </a:pPr>
-            <a:r>
-              <a:rPr lang="zh-CN" altLang="en-US" sz="2400" dirty="0">
-                <a:solidFill>
-                  <a:schemeClr val="tx1">
-                    <a:lumMod val="65000"/>
-                    <a:lumOff val="35000"/>
-                  </a:schemeClr>
-                </a:solidFill>
-                <a:latin typeface="微软雅黑 Light" panose="020B0502040204020203" pitchFamily="34" charset="-122"/>
-                <a:ea typeface="微软雅黑 Light" panose="020B0502040204020203" pitchFamily="34" charset="-122"/>
-              </a:rPr>
-              <a:t>高斯消元法</a:t>
-            </a:r>
-            <a:endParaRPr lang="en-US" altLang="zh-CN" sz="2400" dirty="0">
-              <a:solidFill>
-                <a:schemeClr val="tx1">
-                  <a:lumMod val="65000"/>
-                  <a:lumOff val="35000"/>
-                </a:schemeClr>
-              </a:solidFill>
-              <a:latin typeface="微软雅黑 Light" panose="020B0502040204020203" pitchFamily="34" charset="-122"/>
-              <a:ea typeface="微软雅黑 Light" panose="020B0502040204020203" pitchFamily="34" charset="-122"/>
-            </a:endParaRPr>
-          </a:p>
-          <a:p>
-            <a:pPr marL="0" indent="0">
-              <a:lnSpc>
-                <a:spcPct val="150000"/>
-              </a:lnSpc>
-              <a:buNone/>
-            </a:pPr>
-            <a:endParaRPr lang="en-US" altLang="zh-CN" sz="2800" dirty="0">
-              <a:solidFill>
-                <a:schemeClr val="tx1">
-                  <a:lumMod val="65000"/>
-                  <a:lumOff val="35000"/>
-                </a:schemeClr>
-              </a:solidFill>
-              <a:latin typeface="微软雅黑 Light" panose="020B0502040204020203" pitchFamily="34" charset="-122"/>
-              <a:ea typeface="微软雅黑 Light" panose="020B0502040204020203" pitchFamily="34" charset="-122"/>
-            </a:endParaRPr>
-          </a:p>
-        </p:txBody>
-      </p:sp>
+      <mc:AlternateContent xmlns:mc="http://schemas.openxmlformats.org/markup-compatibility/2006">
+        <mc:Choice xmlns:a14="http://schemas.microsoft.com/office/drawing/2010/main" Requires="a14">
+          <p:sp>
+            <p:nvSpPr>
+              <p:cNvPr id="4" name="Content Placeholder 3">
+                <a:extLst>
+                  <a:ext uri="{FF2B5EF4-FFF2-40B4-BE49-F238E27FC236}">
+                    <a16:creationId xmlns:a16="http://schemas.microsoft.com/office/drawing/2014/main" id="{368B2D2E-6A5C-4FE0-91BB-6CC0CC9AEF62}"/>
+                  </a:ext>
+                </a:extLst>
+              </p:cNvPr>
+              <p:cNvSpPr txBox="1">
+                <a:spLocks/>
+              </p:cNvSpPr>
+              <p:nvPr/>
+            </p:nvSpPr>
+            <p:spPr>
+              <a:xfrm>
+                <a:off x="457200" y="1131888"/>
+                <a:ext cx="8229600" cy="3925887"/>
+              </a:xfrm>
+              <a:prstGeom prst="rect">
+                <a:avLst/>
+              </a:prstGeom>
+            </p:spPr>
+            <p:txBody>
+              <a:bodyPr/>
+              <a:lstStyle>
+                <a:lvl1pPr marL="342900" indent="-342900" algn="l" rtl="0" fontAlgn="base">
+                  <a:spcBef>
+                    <a:spcPct val="20000"/>
+                  </a:spcBef>
+                  <a:spcAft>
+                    <a:spcPct val="0"/>
+                  </a:spcAft>
+                  <a:buFont typeface="Arial" panose="020B0604020202020204" pitchFamily="34" charset="0"/>
+                  <a:buChar char="•"/>
+                  <a:defRPr sz="3200" kern="1200">
+                    <a:solidFill>
+                      <a:schemeClr val="tx1"/>
+                    </a:solidFill>
+                    <a:latin typeface="+mn-lt"/>
+                    <a:ea typeface="+mn-ea"/>
+                    <a:cs typeface="+mn-cs"/>
+                    <a:sym typeface="Calibri" panose="020F0502020204030204" pitchFamily="34" charset="0"/>
+                  </a:defRPr>
+                </a:lvl1pPr>
+                <a:lvl2pPr marL="742950" indent="-285750" algn="l" rtl="0" fontAlgn="base">
+                  <a:spcBef>
+                    <a:spcPct val="20000"/>
+                  </a:spcBef>
+                  <a:spcAft>
+                    <a:spcPct val="0"/>
+                  </a:spcAft>
+                  <a:buFont typeface="Arial" panose="020B0604020202020204" pitchFamily="34" charset="0"/>
+                  <a:buChar char="–"/>
+                  <a:defRPr sz="2800" kern="1200">
+                    <a:solidFill>
+                      <a:schemeClr val="tx1"/>
+                    </a:solidFill>
+                    <a:latin typeface="+mn-lt"/>
+                    <a:ea typeface="+mn-ea"/>
+                    <a:cs typeface="+mn-cs"/>
+                    <a:sym typeface="Calibri" panose="020F0502020204030204" pitchFamily="34" charset="0"/>
+                  </a:defRPr>
+                </a:lvl2pPr>
+                <a:lvl3pPr marL="1143000" indent="-228600" algn="l" rtl="0" fontAlgn="base">
+                  <a:spcBef>
+                    <a:spcPct val="20000"/>
+                  </a:spcBef>
+                  <a:spcAft>
+                    <a:spcPct val="0"/>
+                  </a:spcAft>
+                  <a:buFont typeface="Arial" panose="020B0604020202020204" pitchFamily="34" charset="0"/>
+                  <a:buChar char="•"/>
+                  <a:defRPr sz="2400" kern="1200">
+                    <a:solidFill>
+                      <a:schemeClr val="tx1"/>
+                    </a:solidFill>
+                    <a:latin typeface="+mn-lt"/>
+                    <a:ea typeface="+mn-ea"/>
+                    <a:cs typeface="+mn-cs"/>
+                    <a:sym typeface="Calibri" panose="020F0502020204030204" pitchFamily="34" charset="0"/>
+                  </a:defRPr>
+                </a:lvl3pPr>
+                <a:lvl4pPr marL="1600200" indent="-228600" algn="l" rtl="0" fontAlgn="base">
+                  <a:spcBef>
+                    <a:spcPct val="20000"/>
+                  </a:spcBef>
+                  <a:spcAft>
+                    <a:spcPct val="0"/>
+                  </a:spcAft>
+                  <a:buFont typeface="Arial" panose="020B0604020202020204" pitchFamily="34" charset="0"/>
+                  <a:buChar char="–"/>
+                  <a:defRPr sz="2000" kern="1200">
+                    <a:solidFill>
+                      <a:schemeClr val="tx1"/>
+                    </a:solidFill>
+                    <a:latin typeface="+mn-lt"/>
+                    <a:ea typeface="+mn-ea"/>
+                    <a:cs typeface="+mn-cs"/>
+                    <a:sym typeface="Calibri" panose="020F0502020204030204" pitchFamily="34" charset="0"/>
+                  </a:defRPr>
+                </a:lvl4pPr>
+                <a:lvl5pPr marL="2057400" indent="-228600" algn="l" rtl="0" fontAlgn="base">
+                  <a:spcBef>
+                    <a:spcPct val="20000"/>
+                  </a:spcBef>
+                  <a:spcAft>
+                    <a:spcPct val="0"/>
+                  </a:spcAft>
+                  <a:buFont typeface="Arial" panose="020B0604020202020204" pitchFamily="34" charset="0"/>
+                  <a:buChar char="»"/>
+                  <a:defRPr sz="2000" kern="1200">
+                    <a:solidFill>
+                      <a:schemeClr val="tx1"/>
+                    </a:solidFill>
+                    <a:latin typeface="+mn-lt"/>
+                    <a:ea typeface="+mn-ea"/>
+                    <a:cs typeface="+mn-cs"/>
+                    <a:sym typeface="Calibri" panose="020F0502020204030204" pitchFamily="34" charset="0"/>
+                  </a:defRPr>
+                </a:lvl5pPr>
+                <a:lvl6pPr marL="2514600" indent="-228600" algn="l" defTabSz="914400" rtl="0" eaLnBrk="1" latinLnBrk="0" hangingPunct="1">
+                  <a:lnSpc>
+                    <a:spcPct val="90000"/>
+                  </a:lnSpc>
+                  <a:spcBef>
+                    <a:spcPts val="500"/>
+                  </a:spcBef>
+                  <a:buFont typeface="Arial" panose="020B0604020202020204" pitchFamily="34" charset="0"/>
+                  <a:buChar char="•"/>
+                  <a:defRPr sz="1800" kern="1200">
+                    <a:solidFill>
+                      <a:schemeClr val="tx1"/>
+                    </a:solidFill>
+                    <a:latin typeface="+mn-lt"/>
+                    <a:ea typeface="+mn-ea"/>
+                    <a:cs typeface="+mn-cs"/>
+                  </a:defRPr>
+                </a:lvl6pPr>
+                <a:lvl7pPr marL="2971800" indent="-228600" algn="l" defTabSz="914400" rtl="0" eaLnBrk="1" latinLnBrk="0" hangingPunct="1">
+                  <a:lnSpc>
+                    <a:spcPct val="90000"/>
+                  </a:lnSpc>
+                  <a:spcBef>
+                    <a:spcPts val="500"/>
+                  </a:spcBef>
+                  <a:buFont typeface="Arial" panose="020B0604020202020204" pitchFamily="34" charset="0"/>
+                  <a:buChar char="•"/>
+                  <a:defRPr sz="1800" kern="1200">
+                    <a:solidFill>
+                      <a:schemeClr val="tx1"/>
+                    </a:solidFill>
+                    <a:latin typeface="+mn-lt"/>
+                    <a:ea typeface="+mn-ea"/>
+                    <a:cs typeface="+mn-cs"/>
+                  </a:defRPr>
+                </a:lvl7pPr>
+                <a:lvl8pPr marL="3429000" indent="-228600" algn="l" defTabSz="914400" rtl="0" eaLnBrk="1" latinLnBrk="0" hangingPunct="1">
+                  <a:lnSpc>
+                    <a:spcPct val="90000"/>
+                  </a:lnSpc>
+                  <a:spcBef>
+                    <a:spcPts val="500"/>
+                  </a:spcBef>
+                  <a:buFont typeface="Arial" panose="020B0604020202020204" pitchFamily="34" charset="0"/>
+                  <a:buChar char="•"/>
+                  <a:defRPr sz="1800" kern="1200">
+                    <a:solidFill>
+                      <a:schemeClr val="tx1"/>
+                    </a:solidFill>
+                    <a:latin typeface="+mn-lt"/>
+                    <a:ea typeface="+mn-ea"/>
+                    <a:cs typeface="+mn-cs"/>
+                  </a:defRPr>
+                </a:lvl8pPr>
+                <a:lvl9pPr marL="3886200" indent="-228600" algn="l" defTabSz="914400" rtl="0" eaLnBrk="1" latinLnBrk="0" hangingPunct="1">
+                  <a:lnSpc>
+                    <a:spcPct val="90000"/>
+                  </a:lnSpc>
+                  <a:spcBef>
+                    <a:spcPts val="500"/>
+                  </a:spcBef>
+                  <a:buFont typeface="Arial" panose="020B0604020202020204" pitchFamily="34" charset="0"/>
+                  <a:buChar char="•"/>
+                  <a:defRPr sz="1800" kern="1200">
+                    <a:solidFill>
+                      <a:schemeClr val="tx1"/>
+                    </a:solidFill>
+                    <a:latin typeface="+mn-lt"/>
+                    <a:ea typeface="+mn-ea"/>
+                    <a:cs typeface="+mn-cs"/>
+                  </a:defRPr>
+                </a:lvl9pPr>
+              </a:lstStyle>
+              <a:p>
+                <a:pPr>
+                  <a:lnSpc>
+                    <a:spcPct val="150000"/>
+                  </a:lnSpc>
+                </a:pPr>
+                <a:r>
+                  <a:rPr lang="zh-CN" altLang="en-US" sz="2000" dirty="0">
+                    <a:solidFill>
+                      <a:schemeClr val="tx1">
+                        <a:lumMod val="65000"/>
+                        <a:lumOff val="35000"/>
+                      </a:schemeClr>
+                    </a:solidFill>
+                    <a:latin typeface="微软雅黑 Light" panose="020B0502040204020203" pitchFamily="34" charset="-122"/>
+                    <a:ea typeface="微软雅黑 Light" panose="020B0502040204020203" pitchFamily="34" charset="-122"/>
+                  </a:rPr>
+                  <a:t>矩阵乘法</a:t>
+                </a:r>
+                <a:endParaRPr lang="en-US" altLang="zh-CN" sz="2000" dirty="0">
+                  <a:solidFill>
+                    <a:schemeClr val="tx1">
+                      <a:lumMod val="65000"/>
+                      <a:lumOff val="35000"/>
+                    </a:schemeClr>
+                  </a:solidFill>
+                  <a:latin typeface="微软雅黑 Light" panose="020B0502040204020203" pitchFamily="34" charset="-122"/>
+                  <a:ea typeface="微软雅黑 Light" panose="020B0502040204020203" pitchFamily="34" charset="-122"/>
+                </a:endParaRPr>
+              </a:p>
+              <a:p>
+                <a:pPr marL="0" indent="0">
+                  <a:lnSpc>
+                    <a:spcPct val="150000"/>
+                  </a:lnSpc>
+                  <a:buNone/>
+                </a:pPr>
+                <a14:m>
+                  <m:oMathPara xmlns:m="http://schemas.openxmlformats.org/officeDocument/2006/math">
+                    <m:oMathParaPr>
+                      <m:jc m:val="left"/>
+                    </m:oMathParaPr>
+                    <m:oMath xmlns:m="http://schemas.openxmlformats.org/officeDocument/2006/math">
+                      <m:sSub>
+                        <m:sSubPr>
+                          <m:ctrlPr>
+                            <a:rPr lang="en-US" altLang="zh-CN" sz="2000" b="0" i="1" smtClean="0">
+                              <a:solidFill>
+                                <a:schemeClr val="tx1">
+                                  <a:lumMod val="65000"/>
+                                  <a:lumOff val="35000"/>
+                                </a:schemeClr>
+                              </a:solidFill>
+                              <a:latin typeface="Cambria Math" panose="02040503050406030204" pitchFamily="18" charset="0"/>
+                              <a:ea typeface="微软雅黑 Light" panose="020B0502040204020203" pitchFamily="34" charset="-122"/>
+                            </a:rPr>
+                          </m:ctrlPr>
+                        </m:sSubPr>
+                        <m:e>
+                          <m:r>
+                            <a:rPr lang="en-US" altLang="zh-CN" sz="2000" i="1">
+                              <a:solidFill>
+                                <a:schemeClr val="tx1">
+                                  <a:lumMod val="65000"/>
+                                  <a:lumOff val="35000"/>
+                                </a:schemeClr>
+                              </a:solidFill>
+                              <a:latin typeface="Cambria Math" panose="02040503050406030204" pitchFamily="18" charset="0"/>
+                              <a:ea typeface="微软雅黑 Light" panose="020B0502040204020203" pitchFamily="34" charset="-122"/>
+                            </a:rPr>
+                            <m:t>𝑃</m:t>
+                          </m:r>
+                        </m:e>
+                        <m:sub>
+                          <m:r>
+                            <a:rPr lang="en-US" altLang="zh-CN" sz="2000" b="0" i="1" smtClean="0">
+                              <a:solidFill>
+                                <a:schemeClr val="tx1">
+                                  <a:lumMod val="65000"/>
+                                  <a:lumOff val="35000"/>
+                                </a:schemeClr>
+                              </a:solidFill>
+                              <a:latin typeface="Cambria Math" panose="02040503050406030204" pitchFamily="18" charset="0"/>
+                              <a:ea typeface="微软雅黑 Light" panose="020B0502040204020203" pitchFamily="34" charset="-122"/>
+                            </a:rPr>
+                            <m:t>2,2</m:t>
+                          </m:r>
+                        </m:sub>
+                      </m:sSub>
+                      <m:r>
+                        <a:rPr lang="en-US" altLang="zh-CN" sz="2000" b="0" i="1" smtClean="0">
+                          <a:solidFill>
+                            <a:schemeClr val="tx1">
+                              <a:lumMod val="65000"/>
+                              <a:lumOff val="35000"/>
+                            </a:schemeClr>
+                          </a:solidFill>
+                          <a:latin typeface="Cambria Math" panose="02040503050406030204" pitchFamily="18" charset="0"/>
+                          <a:ea typeface="微软雅黑 Light" panose="020B0502040204020203" pitchFamily="34" charset="-122"/>
+                        </a:rPr>
+                        <m:t>=</m:t>
+                      </m:r>
+                      <m:sSub>
+                        <m:sSubPr>
+                          <m:ctrlPr>
+                            <a:rPr lang="en-US" altLang="zh-CN" sz="2000" i="1">
+                              <a:solidFill>
+                                <a:schemeClr val="tx1">
+                                  <a:lumMod val="65000"/>
+                                  <a:lumOff val="35000"/>
+                                </a:schemeClr>
+                              </a:solidFill>
+                              <a:latin typeface="Cambria Math" panose="02040503050406030204" pitchFamily="18" charset="0"/>
+                              <a:ea typeface="微软雅黑 Light" panose="020B0502040204020203" pitchFamily="34" charset="-122"/>
+                            </a:rPr>
+                          </m:ctrlPr>
+                        </m:sSubPr>
+                        <m:e>
+                          <m:r>
+                            <a:rPr lang="en-US" altLang="zh-CN" sz="2000" b="0" i="1" smtClean="0">
+                              <a:solidFill>
+                                <a:schemeClr val="tx1">
+                                  <a:lumMod val="65000"/>
+                                  <a:lumOff val="35000"/>
+                                </a:schemeClr>
+                              </a:solidFill>
+                              <a:latin typeface="Cambria Math" panose="02040503050406030204" pitchFamily="18" charset="0"/>
+                              <a:ea typeface="微软雅黑 Light" panose="020B0502040204020203" pitchFamily="34" charset="-122"/>
+                            </a:rPr>
+                            <m:t>𝑀</m:t>
+                          </m:r>
+                        </m:e>
+                        <m:sub>
+                          <m:r>
+                            <a:rPr lang="en-US" altLang="zh-CN" sz="2000" i="1">
+                              <a:solidFill>
+                                <a:schemeClr val="tx1">
+                                  <a:lumMod val="65000"/>
+                                  <a:lumOff val="35000"/>
+                                </a:schemeClr>
+                              </a:solidFill>
+                              <a:latin typeface="Cambria Math" panose="02040503050406030204" pitchFamily="18" charset="0"/>
+                              <a:ea typeface="微软雅黑 Light" panose="020B0502040204020203" pitchFamily="34" charset="-122"/>
+                            </a:rPr>
+                            <m:t>2,</m:t>
+                          </m:r>
+                          <m:r>
+                            <a:rPr lang="en-US" altLang="zh-CN" sz="2000" b="0" i="1" smtClean="0">
+                              <a:solidFill>
+                                <a:schemeClr val="tx1">
+                                  <a:lumMod val="65000"/>
+                                  <a:lumOff val="35000"/>
+                                </a:schemeClr>
+                              </a:solidFill>
+                              <a:latin typeface="Cambria Math" panose="02040503050406030204" pitchFamily="18" charset="0"/>
+                              <a:ea typeface="微软雅黑 Light" panose="020B0502040204020203" pitchFamily="34" charset="-122"/>
+                            </a:rPr>
+                            <m:t>3</m:t>
+                          </m:r>
+                        </m:sub>
+                      </m:sSub>
+                      <m:sSub>
+                        <m:sSubPr>
+                          <m:ctrlPr>
+                            <a:rPr lang="en-US" altLang="zh-CN" sz="2000" i="1">
+                              <a:solidFill>
+                                <a:schemeClr val="tx1">
+                                  <a:lumMod val="65000"/>
+                                  <a:lumOff val="35000"/>
+                                </a:schemeClr>
+                              </a:solidFill>
+                              <a:latin typeface="Cambria Math" panose="02040503050406030204" pitchFamily="18" charset="0"/>
+                              <a:ea typeface="微软雅黑 Light" panose="020B0502040204020203" pitchFamily="34" charset="-122"/>
+                            </a:rPr>
+                          </m:ctrlPr>
+                        </m:sSubPr>
+                        <m:e>
+                          <m:r>
+                            <a:rPr lang="en-US" altLang="zh-CN" sz="2000" b="0" i="1" smtClean="0">
+                              <a:solidFill>
+                                <a:schemeClr val="tx1">
+                                  <a:lumMod val="65000"/>
+                                  <a:lumOff val="35000"/>
+                                </a:schemeClr>
+                              </a:solidFill>
+                              <a:latin typeface="Cambria Math" panose="02040503050406030204" pitchFamily="18" charset="0"/>
+                              <a:ea typeface="微软雅黑 Light" panose="020B0502040204020203" pitchFamily="34" charset="-122"/>
+                            </a:rPr>
+                            <m:t>𝑁</m:t>
+                          </m:r>
+                        </m:e>
+                        <m:sub>
+                          <m:r>
+                            <a:rPr lang="en-US" altLang="zh-CN" sz="2000" b="0" i="1" smtClean="0">
+                              <a:solidFill>
+                                <a:schemeClr val="tx1">
+                                  <a:lumMod val="65000"/>
+                                  <a:lumOff val="35000"/>
+                                </a:schemeClr>
+                              </a:solidFill>
+                              <a:latin typeface="Cambria Math" panose="02040503050406030204" pitchFamily="18" charset="0"/>
+                              <a:ea typeface="微软雅黑 Light" panose="020B0502040204020203" pitchFamily="34" charset="-122"/>
+                            </a:rPr>
+                            <m:t>3</m:t>
+                          </m:r>
+                          <m:r>
+                            <a:rPr lang="en-US" altLang="zh-CN" sz="2000" i="1">
+                              <a:solidFill>
+                                <a:schemeClr val="tx1">
+                                  <a:lumMod val="65000"/>
+                                  <a:lumOff val="35000"/>
+                                </a:schemeClr>
+                              </a:solidFill>
+                              <a:latin typeface="Cambria Math" panose="02040503050406030204" pitchFamily="18" charset="0"/>
+                              <a:ea typeface="微软雅黑 Light" panose="020B0502040204020203" pitchFamily="34" charset="-122"/>
+                            </a:rPr>
+                            <m:t>,2</m:t>
+                          </m:r>
+                        </m:sub>
+                      </m:sSub>
+                    </m:oMath>
+                  </m:oMathPara>
+                </a14:m>
+                <a:endParaRPr lang="en-US" altLang="zh-CN" sz="2000" dirty="0">
+                  <a:solidFill>
+                    <a:schemeClr val="tx1">
+                      <a:lumMod val="65000"/>
+                      <a:lumOff val="35000"/>
+                    </a:schemeClr>
+                  </a:solidFill>
+                  <a:latin typeface="微软雅黑 Light" panose="020B0502040204020203" pitchFamily="34" charset="-122"/>
+                  <a:ea typeface="微软雅黑 Light" panose="020B0502040204020203" pitchFamily="34" charset="-122"/>
+                </a:endParaRPr>
+              </a:p>
+              <a:p>
+                <a:pPr marL="0" indent="0">
+                  <a:buNone/>
+                </a:pPr>
+                <a14:m>
+                  <m:oMathPara xmlns:m="http://schemas.openxmlformats.org/officeDocument/2006/math">
+                    <m:oMathParaPr>
+                      <m:jc m:val="left"/>
+                    </m:oMathParaPr>
+                    <m:oMath xmlns:m="http://schemas.openxmlformats.org/officeDocument/2006/math">
+                      <m:d>
+                        <m:dPr>
+                          <m:begChr m:val="["/>
+                          <m:endChr m:val="]"/>
+                          <m:ctrlPr>
+                            <a:rPr lang="en-US" altLang="zh-CN" sz="2000" b="0" i="1" smtClean="0">
+                              <a:solidFill>
+                                <a:schemeClr val="tx1">
+                                  <a:lumMod val="65000"/>
+                                  <a:lumOff val="35000"/>
+                                </a:schemeClr>
+                              </a:solidFill>
+                              <a:latin typeface="Cambria Math" panose="02040503050406030204" pitchFamily="18" charset="0"/>
+                              <a:ea typeface="微软雅黑 Light" panose="020B0502040204020203" pitchFamily="34" charset="-122"/>
+                            </a:rPr>
+                          </m:ctrlPr>
+                        </m:dPr>
+                        <m:e>
+                          <m:m>
+                            <m:mPr>
+                              <m:mcs>
+                                <m:mc>
+                                  <m:mcPr>
+                                    <m:count m:val="2"/>
+                                    <m:mcJc m:val="center"/>
+                                  </m:mcPr>
+                                </m:mc>
+                              </m:mcs>
+                              <m:ctrlPr>
+                                <a:rPr lang="en-US" altLang="zh-CN" sz="2000" i="1">
+                                  <a:solidFill>
+                                    <a:schemeClr val="tx1">
+                                      <a:lumMod val="65000"/>
+                                      <a:lumOff val="35000"/>
+                                    </a:schemeClr>
+                                  </a:solidFill>
+                                  <a:latin typeface="Cambria Math" panose="02040503050406030204" pitchFamily="18" charset="0"/>
+                                  <a:ea typeface="微软雅黑 Light" panose="020B0502040204020203" pitchFamily="34" charset="-122"/>
+                                </a:rPr>
+                              </m:ctrlPr>
+                            </m:mPr>
+                            <m:mr>
+                              <m:e>
+                                <m:sSub>
+                                  <m:sSubPr>
+                                    <m:ctrlPr>
+                                      <a:rPr lang="en-US" altLang="zh-CN" sz="2000" i="1">
+                                        <a:solidFill>
+                                          <a:schemeClr val="tx1">
+                                            <a:lumMod val="65000"/>
+                                            <a:lumOff val="35000"/>
+                                          </a:schemeClr>
+                                        </a:solidFill>
+                                        <a:latin typeface="Cambria Math" panose="02040503050406030204" pitchFamily="18" charset="0"/>
+                                        <a:ea typeface="微软雅黑 Light" panose="020B0502040204020203" pitchFamily="34" charset="-122"/>
+                                      </a:rPr>
+                                    </m:ctrlPr>
+                                  </m:sSubPr>
+                                  <m:e>
+                                    <m:r>
+                                      <a:rPr lang="en-US" altLang="zh-CN" sz="2000" b="0" i="1" smtClean="0">
+                                        <a:solidFill>
+                                          <a:schemeClr val="tx1">
+                                            <a:lumMod val="65000"/>
+                                            <a:lumOff val="35000"/>
+                                          </a:schemeClr>
+                                        </a:solidFill>
+                                        <a:latin typeface="Cambria Math" panose="02040503050406030204" pitchFamily="18" charset="0"/>
+                                        <a:ea typeface="微软雅黑 Light" panose="020B0502040204020203" pitchFamily="34" charset="-122"/>
+                                      </a:rPr>
+                                      <m:t>𝑝</m:t>
+                                    </m:r>
+                                  </m:e>
+                                  <m:sub>
+                                    <m:r>
+                                      <a:rPr lang="en-US" altLang="zh-CN" sz="2000" i="1">
+                                        <a:solidFill>
+                                          <a:schemeClr val="tx1">
+                                            <a:lumMod val="65000"/>
+                                            <a:lumOff val="35000"/>
+                                          </a:schemeClr>
+                                        </a:solidFill>
+                                        <a:latin typeface="Cambria Math" panose="02040503050406030204" pitchFamily="18" charset="0"/>
+                                        <a:ea typeface="微软雅黑 Light" panose="020B0502040204020203" pitchFamily="34" charset="-122"/>
+                                      </a:rPr>
+                                      <m:t>0</m:t>
+                                    </m:r>
+                                  </m:sub>
+                                </m:sSub>
+                              </m:e>
+                              <m:e>
+                                <m:sSub>
+                                  <m:sSubPr>
+                                    <m:ctrlPr>
+                                      <a:rPr lang="en-US" altLang="zh-CN" sz="2000" i="1">
+                                        <a:solidFill>
+                                          <a:schemeClr val="tx1">
+                                            <a:lumMod val="65000"/>
+                                            <a:lumOff val="35000"/>
+                                          </a:schemeClr>
+                                        </a:solidFill>
+                                        <a:latin typeface="Cambria Math" panose="02040503050406030204" pitchFamily="18" charset="0"/>
+                                        <a:ea typeface="微软雅黑 Light" panose="020B0502040204020203" pitchFamily="34" charset="-122"/>
+                                      </a:rPr>
+                                    </m:ctrlPr>
+                                  </m:sSubPr>
+                                  <m:e>
+                                    <m:r>
+                                      <a:rPr lang="en-US" altLang="zh-CN" sz="2000" b="0" i="1" smtClean="0">
+                                        <a:solidFill>
+                                          <a:schemeClr val="tx1">
+                                            <a:lumMod val="65000"/>
+                                            <a:lumOff val="35000"/>
+                                          </a:schemeClr>
+                                        </a:solidFill>
+                                        <a:latin typeface="Cambria Math" panose="02040503050406030204" pitchFamily="18" charset="0"/>
+                                        <a:ea typeface="微软雅黑 Light" panose="020B0502040204020203" pitchFamily="34" charset="-122"/>
+                                      </a:rPr>
+                                      <m:t>𝑝</m:t>
+                                    </m:r>
+                                  </m:e>
+                                  <m:sub>
+                                    <m:r>
+                                      <a:rPr lang="en-US" altLang="zh-CN" sz="2000" b="0" i="1" smtClean="0">
+                                        <a:solidFill>
+                                          <a:schemeClr val="tx1">
+                                            <a:lumMod val="65000"/>
+                                            <a:lumOff val="35000"/>
+                                          </a:schemeClr>
+                                        </a:solidFill>
+                                        <a:latin typeface="Cambria Math" panose="02040503050406030204" pitchFamily="18" charset="0"/>
+                                        <a:ea typeface="微软雅黑 Light" panose="020B0502040204020203" pitchFamily="34" charset="-122"/>
+                                      </a:rPr>
+                                      <m:t>1</m:t>
+                                    </m:r>
+                                  </m:sub>
+                                </m:sSub>
+                              </m:e>
+                            </m:mr>
+                            <m:mr>
+                              <m:e>
+                                <m:sSub>
+                                  <m:sSubPr>
+                                    <m:ctrlPr>
+                                      <a:rPr lang="en-US" altLang="zh-CN" sz="2000" i="1">
+                                        <a:solidFill>
+                                          <a:schemeClr val="tx1">
+                                            <a:lumMod val="65000"/>
+                                            <a:lumOff val="35000"/>
+                                          </a:schemeClr>
+                                        </a:solidFill>
+                                        <a:latin typeface="Cambria Math" panose="02040503050406030204" pitchFamily="18" charset="0"/>
+                                        <a:ea typeface="微软雅黑 Light" panose="020B0502040204020203" pitchFamily="34" charset="-122"/>
+                                      </a:rPr>
+                                    </m:ctrlPr>
+                                  </m:sSubPr>
+                                  <m:e>
+                                    <m:r>
+                                      <a:rPr lang="en-US" altLang="zh-CN" sz="2000" b="0" i="1" smtClean="0">
+                                        <a:solidFill>
+                                          <a:schemeClr val="tx1">
+                                            <a:lumMod val="65000"/>
+                                            <a:lumOff val="35000"/>
+                                          </a:schemeClr>
+                                        </a:solidFill>
+                                        <a:latin typeface="Cambria Math" panose="02040503050406030204" pitchFamily="18" charset="0"/>
+                                        <a:ea typeface="微软雅黑 Light" panose="020B0502040204020203" pitchFamily="34" charset="-122"/>
+                                      </a:rPr>
+                                      <m:t>𝑝</m:t>
+                                    </m:r>
+                                  </m:e>
+                                  <m:sub>
+                                    <m:r>
+                                      <a:rPr lang="en-US" altLang="zh-CN" sz="2000" b="0" i="1" smtClean="0">
+                                        <a:solidFill>
+                                          <a:schemeClr val="tx1">
+                                            <a:lumMod val="65000"/>
+                                            <a:lumOff val="35000"/>
+                                          </a:schemeClr>
+                                        </a:solidFill>
+                                        <a:latin typeface="Cambria Math" panose="02040503050406030204" pitchFamily="18" charset="0"/>
+                                        <a:ea typeface="微软雅黑 Light" panose="020B0502040204020203" pitchFamily="34" charset="-122"/>
+                                      </a:rPr>
+                                      <m:t>2</m:t>
+                                    </m:r>
+                                  </m:sub>
+                                </m:sSub>
+                              </m:e>
+                              <m:e>
+                                <m:sSub>
+                                  <m:sSubPr>
+                                    <m:ctrlPr>
+                                      <a:rPr lang="en-US" altLang="zh-CN" sz="2000" i="1">
+                                        <a:solidFill>
+                                          <a:schemeClr val="tx1">
+                                            <a:lumMod val="65000"/>
+                                            <a:lumOff val="35000"/>
+                                          </a:schemeClr>
+                                        </a:solidFill>
+                                        <a:latin typeface="Cambria Math" panose="02040503050406030204" pitchFamily="18" charset="0"/>
+                                        <a:ea typeface="微软雅黑 Light" panose="020B0502040204020203" pitchFamily="34" charset="-122"/>
+                                      </a:rPr>
+                                    </m:ctrlPr>
+                                  </m:sSubPr>
+                                  <m:e>
+                                    <m:r>
+                                      <a:rPr lang="en-US" altLang="zh-CN" sz="2000" b="0" i="1" smtClean="0">
+                                        <a:solidFill>
+                                          <a:schemeClr val="tx1">
+                                            <a:lumMod val="65000"/>
+                                            <a:lumOff val="35000"/>
+                                          </a:schemeClr>
+                                        </a:solidFill>
+                                        <a:latin typeface="Cambria Math" panose="02040503050406030204" pitchFamily="18" charset="0"/>
+                                        <a:ea typeface="微软雅黑 Light" panose="020B0502040204020203" pitchFamily="34" charset="-122"/>
+                                      </a:rPr>
+                                      <m:t>𝑝</m:t>
+                                    </m:r>
+                                  </m:e>
+                                  <m:sub>
+                                    <m:r>
+                                      <a:rPr lang="en-US" altLang="zh-CN" sz="2000" b="0" i="1" smtClean="0">
+                                        <a:solidFill>
+                                          <a:schemeClr val="tx1">
+                                            <a:lumMod val="65000"/>
+                                            <a:lumOff val="35000"/>
+                                          </a:schemeClr>
+                                        </a:solidFill>
+                                        <a:latin typeface="Cambria Math" panose="02040503050406030204" pitchFamily="18" charset="0"/>
+                                        <a:ea typeface="微软雅黑 Light" panose="020B0502040204020203" pitchFamily="34" charset="-122"/>
+                                      </a:rPr>
+                                      <m:t>3</m:t>
+                                    </m:r>
+                                  </m:sub>
+                                </m:sSub>
+                              </m:e>
+                            </m:mr>
+                          </m:m>
+                        </m:e>
+                      </m:d>
+                      <m:r>
+                        <a:rPr lang="en-US" altLang="zh-CN" sz="2000" b="0" i="1" smtClean="0">
+                          <a:solidFill>
+                            <a:schemeClr val="tx1">
+                              <a:lumMod val="65000"/>
+                              <a:lumOff val="35000"/>
+                            </a:schemeClr>
+                          </a:solidFill>
+                          <a:latin typeface="Cambria Math" panose="02040503050406030204" pitchFamily="18" charset="0"/>
+                          <a:ea typeface="微软雅黑 Light" panose="020B0502040204020203" pitchFamily="34" charset="-122"/>
+                        </a:rPr>
+                        <m:t>=</m:t>
+                      </m:r>
+                      <m:d>
+                        <m:dPr>
+                          <m:begChr m:val="["/>
+                          <m:endChr m:val="]"/>
+                          <m:ctrlPr>
+                            <a:rPr lang="en-US" altLang="zh-CN" sz="2000" i="1">
+                              <a:solidFill>
+                                <a:schemeClr val="tx1">
+                                  <a:lumMod val="65000"/>
+                                  <a:lumOff val="35000"/>
+                                </a:schemeClr>
+                              </a:solidFill>
+                              <a:latin typeface="Cambria Math" panose="02040503050406030204" pitchFamily="18" charset="0"/>
+                              <a:ea typeface="微软雅黑 Light" panose="020B0502040204020203" pitchFamily="34" charset="-122"/>
+                            </a:rPr>
+                          </m:ctrlPr>
+                        </m:dPr>
+                        <m:e>
+                          <m:m>
+                            <m:mPr>
+                              <m:mcs>
+                                <m:mc>
+                                  <m:mcPr>
+                                    <m:count m:val="3"/>
+                                    <m:mcJc m:val="center"/>
+                                  </m:mcPr>
+                                </m:mc>
+                              </m:mcs>
+                              <m:ctrlPr>
+                                <a:rPr lang="en-US" altLang="zh-CN" sz="2000" i="1">
+                                  <a:solidFill>
+                                    <a:schemeClr val="tx1">
+                                      <a:lumMod val="65000"/>
+                                      <a:lumOff val="35000"/>
+                                    </a:schemeClr>
+                                  </a:solidFill>
+                                  <a:latin typeface="Cambria Math" panose="02040503050406030204" pitchFamily="18" charset="0"/>
+                                  <a:ea typeface="微软雅黑 Light" panose="020B0502040204020203" pitchFamily="34" charset="-122"/>
+                                </a:rPr>
+                              </m:ctrlPr>
+                            </m:mPr>
+                            <m:mr>
+                              <m:e>
+                                <m:sSub>
+                                  <m:sSubPr>
+                                    <m:ctrlPr>
+                                      <a:rPr lang="en-US" altLang="zh-CN" sz="2000" i="1">
+                                        <a:solidFill>
+                                          <a:schemeClr val="tx1">
+                                            <a:lumMod val="65000"/>
+                                            <a:lumOff val="35000"/>
+                                          </a:schemeClr>
+                                        </a:solidFill>
+                                        <a:latin typeface="Cambria Math" panose="02040503050406030204" pitchFamily="18" charset="0"/>
+                                        <a:ea typeface="微软雅黑 Light" panose="020B0502040204020203" pitchFamily="34" charset="-122"/>
+                                      </a:rPr>
+                                    </m:ctrlPr>
+                                  </m:sSubPr>
+                                  <m:e>
+                                    <m:r>
+                                      <a:rPr lang="en-US" altLang="zh-CN" sz="2000" b="0" i="1" smtClean="0">
+                                        <a:solidFill>
+                                          <a:schemeClr val="tx1">
+                                            <a:lumMod val="65000"/>
+                                            <a:lumOff val="35000"/>
+                                          </a:schemeClr>
+                                        </a:solidFill>
+                                        <a:latin typeface="Cambria Math" panose="02040503050406030204" pitchFamily="18" charset="0"/>
+                                        <a:ea typeface="微软雅黑 Light" panose="020B0502040204020203" pitchFamily="34" charset="-122"/>
+                                      </a:rPr>
+                                      <m:t>𝑚</m:t>
+                                    </m:r>
+                                  </m:e>
+                                  <m:sub>
+                                    <m:r>
+                                      <a:rPr lang="en-US" altLang="zh-CN" sz="2000" b="0" i="1" smtClean="0">
+                                        <a:solidFill>
+                                          <a:schemeClr val="tx1">
+                                            <a:lumMod val="65000"/>
+                                            <a:lumOff val="35000"/>
+                                          </a:schemeClr>
+                                        </a:solidFill>
+                                        <a:latin typeface="Cambria Math" panose="02040503050406030204" pitchFamily="18" charset="0"/>
+                                        <a:ea typeface="微软雅黑 Light" panose="020B0502040204020203" pitchFamily="34" charset="-122"/>
+                                      </a:rPr>
+                                      <m:t>0</m:t>
+                                    </m:r>
+                                  </m:sub>
+                                </m:sSub>
+                              </m:e>
+                              <m:e>
+                                <m:sSub>
+                                  <m:sSubPr>
+                                    <m:ctrlPr>
+                                      <a:rPr lang="en-US" altLang="zh-CN" sz="2000" i="1">
+                                        <a:solidFill>
+                                          <a:schemeClr val="tx1">
+                                            <a:lumMod val="65000"/>
+                                            <a:lumOff val="35000"/>
+                                          </a:schemeClr>
+                                        </a:solidFill>
+                                        <a:latin typeface="Cambria Math" panose="02040503050406030204" pitchFamily="18" charset="0"/>
+                                        <a:ea typeface="微软雅黑 Light" panose="020B0502040204020203" pitchFamily="34" charset="-122"/>
+                                      </a:rPr>
+                                    </m:ctrlPr>
+                                  </m:sSubPr>
+                                  <m:e>
+                                    <m:r>
+                                      <a:rPr lang="en-US" altLang="zh-CN" sz="2000" i="1">
+                                        <a:solidFill>
+                                          <a:schemeClr val="tx1">
+                                            <a:lumMod val="65000"/>
+                                            <a:lumOff val="35000"/>
+                                          </a:schemeClr>
+                                        </a:solidFill>
+                                        <a:latin typeface="Cambria Math" panose="02040503050406030204" pitchFamily="18" charset="0"/>
+                                        <a:ea typeface="微软雅黑 Light" panose="020B0502040204020203" pitchFamily="34" charset="-122"/>
+                                      </a:rPr>
+                                      <m:t>𝑚</m:t>
+                                    </m:r>
+                                  </m:e>
+                                  <m:sub>
+                                    <m:r>
+                                      <a:rPr lang="en-US" altLang="zh-CN" sz="2000" b="0" i="1" smtClean="0">
+                                        <a:solidFill>
+                                          <a:schemeClr val="tx1">
+                                            <a:lumMod val="65000"/>
+                                            <a:lumOff val="35000"/>
+                                          </a:schemeClr>
+                                        </a:solidFill>
+                                        <a:latin typeface="Cambria Math" panose="02040503050406030204" pitchFamily="18" charset="0"/>
+                                        <a:ea typeface="微软雅黑 Light" panose="020B0502040204020203" pitchFamily="34" charset="-122"/>
+                                      </a:rPr>
+                                      <m:t>1</m:t>
+                                    </m:r>
+                                  </m:sub>
+                                </m:sSub>
+                              </m:e>
+                              <m:e>
+                                <m:sSub>
+                                  <m:sSubPr>
+                                    <m:ctrlPr>
+                                      <a:rPr lang="en-US" altLang="zh-CN" sz="2000" i="1">
+                                        <a:solidFill>
+                                          <a:schemeClr val="tx1">
+                                            <a:lumMod val="65000"/>
+                                            <a:lumOff val="35000"/>
+                                          </a:schemeClr>
+                                        </a:solidFill>
+                                        <a:latin typeface="Cambria Math" panose="02040503050406030204" pitchFamily="18" charset="0"/>
+                                        <a:ea typeface="微软雅黑 Light" panose="020B0502040204020203" pitchFamily="34" charset="-122"/>
+                                      </a:rPr>
+                                    </m:ctrlPr>
+                                  </m:sSubPr>
+                                  <m:e>
+                                    <m:r>
+                                      <a:rPr lang="en-US" altLang="zh-CN" sz="2000" i="1">
+                                        <a:solidFill>
+                                          <a:schemeClr val="tx1">
+                                            <a:lumMod val="65000"/>
+                                            <a:lumOff val="35000"/>
+                                          </a:schemeClr>
+                                        </a:solidFill>
+                                        <a:latin typeface="Cambria Math" panose="02040503050406030204" pitchFamily="18" charset="0"/>
+                                        <a:ea typeface="微软雅黑 Light" panose="020B0502040204020203" pitchFamily="34" charset="-122"/>
+                                      </a:rPr>
+                                      <m:t>𝑚</m:t>
+                                    </m:r>
+                                  </m:e>
+                                  <m:sub>
+                                    <m:r>
+                                      <a:rPr lang="en-US" altLang="zh-CN" sz="2000" b="0" i="1" smtClean="0">
+                                        <a:solidFill>
+                                          <a:schemeClr val="tx1">
+                                            <a:lumMod val="65000"/>
+                                            <a:lumOff val="35000"/>
+                                          </a:schemeClr>
+                                        </a:solidFill>
+                                        <a:latin typeface="Cambria Math" panose="02040503050406030204" pitchFamily="18" charset="0"/>
+                                        <a:ea typeface="微软雅黑 Light" panose="020B0502040204020203" pitchFamily="34" charset="-122"/>
+                                      </a:rPr>
+                                      <m:t>2</m:t>
+                                    </m:r>
+                                  </m:sub>
+                                </m:sSub>
+                              </m:e>
+                            </m:mr>
+                            <m:mr>
+                              <m:e>
+                                <m:sSub>
+                                  <m:sSubPr>
+                                    <m:ctrlPr>
+                                      <a:rPr lang="en-US" altLang="zh-CN" sz="2000" i="1">
+                                        <a:solidFill>
+                                          <a:schemeClr val="tx1">
+                                            <a:lumMod val="65000"/>
+                                            <a:lumOff val="35000"/>
+                                          </a:schemeClr>
+                                        </a:solidFill>
+                                        <a:latin typeface="Cambria Math" panose="02040503050406030204" pitchFamily="18" charset="0"/>
+                                        <a:ea typeface="微软雅黑 Light" panose="020B0502040204020203" pitchFamily="34" charset="-122"/>
+                                      </a:rPr>
+                                    </m:ctrlPr>
+                                  </m:sSubPr>
+                                  <m:e>
+                                    <m:r>
+                                      <a:rPr lang="en-US" altLang="zh-CN" sz="2000" i="1">
+                                        <a:solidFill>
+                                          <a:schemeClr val="tx1">
+                                            <a:lumMod val="65000"/>
+                                            <a:lumOff val="35000"/>
+                                          </a:schemeClr>
+                                        </a:solidFill>
+                                        <a:latin typeface="Cambria Math" panose="02040503050406030204" pitchFamily="18" charset="0"/>
+                                        <a:ea typeface="微软雅黑 Light" panose="020B0502040204020203" pitchFamily="34" charset="-122"/>
+                                      </a:rPr>
+                                      <m:t>𝑚</m:t>
+                                    </m:r>
+                                  </m:e>
+                                  <m:sub>
+                                    <m:r>
+                                      <a:rPr lang="en-US" altLang="zh-CN" sz="2000" b="0" i="1" smtClean="0">
+                                        <a:solidFill>
+                                          <a:schemeClr val="tx1">
+                                            <a:lumMod val="65000"/>
+                                            <a:lumOff val="35000"/>
+                                          </a:schemeClr>
+                                        </a:solidFill>
+                                        <a:latin typeface="Cambria Math" panose="02040503050406030204" pitchFamily="18" charset="0"/>
+                                        <a:ea typeface="微软雅黑 Light" panose="020B0502040204020203" pitchFamily="34" charset="-122"/>
+                                      </a:rPr>
+                                      <m:t>3</m:t>
+                                    </m:r>
+                                  </m:sub>
+                                </m:sSub>
+                              </m:e>
+                              <m:e>
+                                <m:sSub>
+                                  <m:sSubPr>
+                                    <m:ctrlPr>
+                                      <a:rPr lang="en-US" altLang="zh-CN" sz="2000" i="1">
+                                        <a:solidFill>
+                                          <a:schemeClr val="tx1">
+                                            <a:lumMod val="65000"/>
+                                            <a:lumOff val="35000"/>
+                                          </a:schemeClr>
+                                        </a:solidFill>
+                                        <a:latin typeface="Cambria Math" panose="02040503050406030204" pitchFamily="18" charset="0"/>
+                                        <a:ea typeface="微软雅黑 Light" panose="020B0502040204020203" pitchFamily="34" charset="-122"/>
+                                      </a:rPr>
+                                    </m:ctrlPr>
+                                  </m:sSubPr>
+                                  <m:e>
+                                    <m:r>
+                                      <a:rPr lang="en-US" altLang="zh-CN" sz="2000" i="1">
+                                        <a:solidFill>
+                                          <a:schemeClr val="tx1">
+                                            <a:lumMod val="65000"/>
+                                            <a:lumOff val="35000"/>
+                                          </a:schemeClr>
+                                        </a:solidFill>
+                                        <a:latin typeface="Cambria Math" panose="02040503050406030204" pitchFamily="18" charset="0"/>
+                                        <a:ea typeface="微软雅黑 Light" panose="020B0502040204020203" pitchFamily="34" charset="-122"/>
+                                      </a:rPr>
+                                      <m:t>𝑚</m:t>
+                                    </m:r>
+                                  </m:e>
+                                  <m:sub>
+                                    <m:r>
+                                      <a:rPr lang="en-US" altLang="zh-CN" sz="2000" b="0" i="1" smtClean="0">
+                                        <a:solidFill>
+                                          <a:schemeClr val="tx1">
+                                            <a:lumMod val="65000"/>
+                                            <a:lumOff val="35000"/>
+                                          </a:schemeClr>
+                                        </a:solidFill>
+                                        <a:latin typeface="Cambria Math" panose="02040503050406030204" pitchFamily="18" charset="0"/>
+                                        <a:ea typeface="微软雅黑 Light" panose="020B0502040204020203" pitchFamily="34" charset="-122"/>
+                                      </a:rPr>
+                                      <m:t>4</m:t>
+                                    </m:r>
+                                  </m:sub>
+                                </m:sSub>
+                              </m:e>
+                              <m:e>
+                                <m:sSub>
+                                  <m:sSubPr>
+                                    <m:ctrlPr>
+                                      <a:rPr lang="en-US" altLang="zh-CN" sz="2000" i="1">
+                                        <a:solidFill>
+                                          <a:schemeClr val="tx1">
+                                            <a:lumMod val="65000"/>
+                                            <a:lumOff val="35000"/>
+                                          </a:schemeClr>
+                                        </a:solidFill>
+                                        <a:latin typeface="Cambria Math" panose="02040503050406030204" pitchFamily="18" charset="0"/>
+                                        <a:ea typeface="微软雅黑 Light" panose="020B0502040204020203" pitchFamily="34" charset="-122"/>
+                                      </a:rPr>
+                                    </m:ctrlPr>
+                                  </m:sSubPr>
+                                  <m:e>
+                                    <m:r>
+                                      <a:rPr lang="en-US" altLang="zh-CN" sz="2000" i="1">
+                                        <a:solidFill>
+                                          <a:schemeClr val="tx1">
+                                            <a:lumMod val="65000"/>
+                                            <a:lumOff val="35000"/>
+                                          </a:schemeClr>
+                                        </a:solidFill>
+                                        <a:latin typeface="Cambria Math" panose="02040503050406030204" pitchFamily="18" charset="0"/>
+                                        <a:ea typeface="微软雅黑 Light" panose="020B0502040204020203" pitchFamily="34" charset="-122"/>
+                                      </a:rPr>
+                                      <m:t>𝑚</m:t>
+                                    </m:r>
+                                  </m:e>
+                                  <m:sub>
+                                    <m:r>
+                                      <a:rPr lang="en-US" altLang="zh-CN" sz="2000" b="0" i="1" smtClean="0">
+                                        <a:solidFill>
+                                          <a:schemeClr val="tx1">
+                                            <a:lumMod val="65000"/>
+                                            <a:lumOff val="35000"/>
+                                          </a:schemeClr>
+                                        </a:solidFill>
+                                        <a:latin typeface="Cambria Math" panose="02040503050406030204" pitchFamily="18" charset="0"/>
+                                        <a:ea typeface="微软雅黑 Light" panose="020B0502040204020203" pitchFamily="34" charset="-122"/>
+                                      </a:rPr>
+                                      <m:t>5</m:t>
+                                    </m:r>
+                                  </m:sub>
+                                </m:sSub>
+                              </m:e>
+                            </m:mr>
+                          </m:m>
+                        </m:e>
+                      </m:d>
+                      <m:d>
+                        <m:dPr>
+                          <m:begChr m:val="["/>
+                          <m:endChr m:val="]"/>
+                          <m:ctrlPr>
+                            <a:rPr lang="en-US" altLang="zh-CN" sz="2000" i="1">
+                              <a:solidFill>
+                                <a:schemeClr val="tx1">
+                                  <a:lumMod val="65000"/>
+                                  <a:lumOff val="35000"/>
+                                </a:schemeClr>
+                              </a:solidFill>
+                              <a:latin typeface="Cambria Math" panose="02040503050406030204" pitchFamily="18" charset="0"/>
+                              <a:ea typeface="微软雅黑 Light" panose="020B0502040204020203" pitchFamily="34" charset="-122"/>
+                            </a:rPr>
+                          </m:ctrlPr>
+                        </m:dPr>
+                        <m:e>
+                          <m:m>
+                            <m:mPr>
+                              <m:mcs>
+                                <m:mc>
+                                  <m:mcPr>
+                                    <m:count m:val="2"/>
+                                    <m:mcJc m:val="center"/>
+                                  </m:mcPr>
+                                </m:mc>
+                              </m:mcs>
+                              <m:ctrlPr>
+                                <a:rPr lang="en-US" altLang="zh-CN" sz="2000" i="1">
+                                  <a:solidFill>
+                                    <a:schemeClr val="tx1">
+                                      <a:lumMod val="65000"/>
+                                      <a:lumOff val="35000"/>
+                                    </a:schemeClr>
+                                  </a:solidFill>
+                                  <a:latin typeface="Cambria Math" panose="02040503050406030204" pitchFamily="18" charset="0"/>
+                                  <a:ea typeface="微软雅黑 Light" panose="020B0502040204020203" pitchFamily="34" charset="-122"/>
+                                </a:rPr>
+                              </m:ctrlPr>
+                            </m:mPr>
+                            <m:mr>
+                              <m:e>
+                                <m:sSub>
+                                  <m:sSubPr>
+                                    <m:ctrlPr>
+                                      <a:rPr lang="en-US" altLang="zh-CN" sz="2000" i="1">
+                                        <a:solidFill>
+                                          <a:schemeClr val="tx1">
+                                            <a:lumMod val="65000"/>
+                                            <a:lumOff val="35000"/>
+                                          </a:schemeClr>
+                                        </a:solidFill>
+                                        <a:latin typeface="Cambria Math" panose="02040503050406030204" pitchFamily="18" charset="0"/>
+                                        <a:ea typeface="微软雅黑 Light" panose="020B0502040204020203" pitchFamily="34" charset="-122"/>
+                                      </a:rPr>
+                                    </m:ctrlPr>
+                                  </m:sSubPr>
+                                  <m:e>
+                                    <m:r>
+                                      <a:rPr lang="en-US" altLang="zh-CN" sz="2000" b="0" i="1" smtClean="0">
+                                        <a:solidFill>
+                                          <a:schemeClr val="tx1">
+                                            <a:lumMod val="65000"/>
+                                            <a:lumOff val="35000"/>
+                                          </a:schemeClr>
+                                        </a:solidFill>
+                                        <a:latin typeface="Cambria Math" panose="02040503050406030204" pitchFamily="18" charset="0"/>
+                                        <a:ea typeface="微软雅黑 Light" panose="020B0502040204020203" pitchFamily="34" charset="-122"/>
+                                      </a:rPr>
+                                      <m:t>𝑛</m:t>
+                                    </m:r>
+                                  </m:e>
+                                  <m:sub>
+                                    <m:r>
+                                      <a:rPr lang="en-US" altLang="zh-CN" sz="2000" i="1">
+                                        <a:solidFill>
+                                          <a:schemeClr val="tx1">
+                                            <a:lumMod val="65000"/>
+                                            <a:lumOff val="35000"/>
+                                          </a:schemeClr>
+                                        </a:solidFill>
+                                        <a:latin typeface="Cambria Math" panose="02040503050406030204" pitchFamily="18" charset="0"/>
+                                        <a:ea typeface="微软雅黑 Light" panose="020B0502040204020203" pitchFamily="34" charset="-122"/>
+                                      </a:rPr>
+                                      <m:t>0</m:t>
+                                    </m:r>
+                                  </m:sub>
+                                </m:sSub>
+                              </m:e>
+                              <m:e>
+                                <m:sSub>
+                                  <m:sSubPr>
+                                    <m:ctrlPr>
+                                      <a:rPr lang="en-US" altLang="zh-CN" sz="2000" i="1">
+                                        <a:solidFill>
+                                          <a:schemeClr val="tx1">
+                                            <a:lumMod val="65000"/>
+                                            <a:lumOff val="35000"/>
+                                          </a:schemeClr>
+                                        </a:solidFill>
+                                        <a:latin typeface="Cambria Math" panose="02040503050406030204" pitchFamily="18" charset="0"/>
+                                        <a:ea typeface="微软雅黑 Light" panose="020B0502040204020203" pitchFamily="34" charset="-122"/>
+                                      </a:rPr>
+                                    </m:ctrlPr>
+                                  </m:sSubPr>
+                                  <m:e>
+                                    <m:r>
+                                      <a:rPr lang="en-US" altLang="zh-CN" sz="2000" i="1">
+                                        <a:solidFill>
+                                          <a:schemeClr val="tx1">
+                                            <a:lumMod val="65000"/>
+                                            <a:lumOff val="35000"/>
+                                          </a:schemeClr>
+                                        </a:solidFill>
+                                        <a:latin typeface="Cambria Math" panose="02040503050406030204" pitchFamily="18" charset="0"/>
+                                        <a:ea typeface="微软雅黑 Light" panose="020B0502040204020203" pitchFamily="34" charset="-122"/>
+                                      </a:rPr>
+                                      <m:t>𝑛</m:t>
+                                    </m:r>
+                                  </m:e>
+                                  <m:sub>
+                                    <m:r>
+                                      <a:rPr lang="en-US" altLang="zh-CN" sz="2000" b="0" i="1" smtClean="0">
+                                        <a:solidFill>
+                                          <a:schemeClr val="tx1">
+                                            <a:lumMod val="65000"/>
+                                            <a:lumOff val="35000"/>
+                                          </a:schemeClr>
+                                        </a:solidFill>
+                                        <a:latin typeface="Cambria Math" panose="02040503050406030204" pitchFamily="18" charset="0"/>
+                                        <a:ea typeface="微软雅黑 Light" panose="020B0502040204020203" pitchFamily="34" charset="-122"/>
+                                      </a:rPr>
+                                      <m:t>1</m:t>
+                                    </m:r>
+                                  </m:sub>
+                                </m:sSub>
+                              </m:e>
+                            </m:mr>
+                            <m:mr>
+                              <m:e>
+                                <m:sSub>
+                                  <m:sSubPr>
+                                    <m:ctrlPr>
+                                      <a:rPr lang="en-US" altLang="zh-CN" sz="2000" i="1">
+                                        <a:solidFill>
+                                          <a:schemeClr val="tx1">
+                                            <a:lumMod val="65000"/>
+                                            <a:lumOff val="35000"/>
+                                          </a:schemeClr>
+                                        </a:solidFill>
+                                        <a:latin typeface="Cambria Math" panose="02040503050406030204" pitchFamily="18" charset="0"/>
+                                        <a:ea typeface="微软雅黑 Light" panose="020B0502040204020203" pitchFamily="34" charset="-122"/>
+                                      </a:rPr>
+                                    </m:ctrlPr>
+                                  </m:sSubPr>
+                                  <m:e>
+                                    <m:r>
+                                      <a:rPr lang="en-US" altLang="zh-CN" sz="2000" i="1">
+                                        <a:solidFill>
+                                          <a:schemeClr val="tx1">
+                                            <a:lumMod val="65000"/>
+                                            <a:lumOff val="35000"/>
+                                          </a:schemeClr>
+                                        </a:solidFill>
+                                        <a:latin typeface="Cambria Math" panose="02040503050406030204" pitchFamily="18" charset="0"/>
+                                        <a:ea typeface="微软雅黑 Light" panose="020B0502040204020203" pitchFamily="34" charset="-122"/>
+                                      </a:rPr>
+                                      <m:t>𝑛</m:t>
+                                    </m:r>
+                                  </m:e>
+                                  <m:sub>
+                                    <m:r>
+                                      <a:rPr lang="en-US" altLang="zh-CN" sz="2000" b="0" i="1" smtClean="0">
+                                        <a:solidFill>
+                                          <a:schemeClr val="tx1">
+                                            <a:lumMod val="65000"/>
+                                            <a:lumOff val="35000"/>
+                                          </a:schemeClr>
+                                        </a:solidFill>
+                                        <a:latin typeface="Cambria Math" panose="02040503050406030204" pitchFamily="18" charset="0"/>
+                                        <a:ea typeface="微软雅黑 Light" panose="020B0502040204020203" pitchFamily="34" charset="-122"/>
+                                      </a:rPr>
+                                      <m:t>2</m:t>
+                                    </m:r>
+                                  </m:sub>
+                                </m:sSub>
+                              </m:e>
+                              <m:e>
+                                <m:sSub>
+                                  <m:sSubPr>
+                                    <m:ctrlPr>
+                                      <a:rPr lang="en-US" altLang="zh-CN" sz="2000" i="1">
+                                        <a:solidFill>
+                                          <a:schemeClr val="tx1">
+                                            <a:lumMod val="65000"/>
+                                            <a:lumOff val="35000"/>
+                                          </a:schemeClr>
+                                        </a:solidFill>
+                                        <a:latin typeface="Cambria Math" panose="02040503050406030204" pitchFamily="18" charset="0"/>
+                                        <a:ea typeface="微软雅黑 Light" panose="020B0502040204020203" pitchFamily="34" charset="-122"/>
+                                      </a:rPr>
+                                    </m:ctrlPr>
+                                  </m:sSubPr>
+                                  <m:e>
+                                    <m:r>
+                                      <a:rPr lang="en-US" altLang="zh-CN" sz="2000" i="1">
+                                        <a:solidFill>
+                                          <a:schemeClr val="tx1">
+                                            <a:lumMod val="65000"/>
+                                            <a:lumOff val="35000"/>
+                                          </a:schemeClr>
+                                        </a:solidFill>
+                                        <a:latin typeface="Cambria Math" panose="02040503050406030204" pitchFamily="18" charset="0"/>
+                                        <a:ea typeface="微软雅黑 Light" panose="020B0502040204020203" pitchFamily="34" charset="-122"/>
+                                      </a:rPr>
+                                      <m:t>𝑛</m:t>
+                                    </m:r>
+                                  </m:e>
+                                  <m:sub>
+                                    <m:r>
+                                      <a:rPr lang="en-US" altLang="zh-CN" sz="2000" b="0" i="1" smtClean="0">
+                                        <a:solidFill>
+                                          <a:schemeClr val="tx1">
+                                            <a:lumMod val="65000"/>
+                                            <a:lumOff val="35000"/>
+                                          </a:schemeClr>
+                                        </a:solidFill>
+                                        <a:latin typeface="Cambria Math" panose="02040503050406030204" pitchFamily="18" charset="0"/>
+                                        <a:ea typeface="微软雅黑 Light" panose="020B0502040204020203" pitchFamily="34" charset="-122"/>
+                                      </a:rPr>
+                                      <m:t>3</m:t>
+                                    </m:r>
+                                  </m:sub>
+                                </m:sSub>
+                              </m:e>
+                            </m:mr>
+                            <m:mr>
+                              <m:e>
+                                <m:sSub>
+                                  <m:sSubPr>
+                                    <m:ctrlPr>
+                                      <a:rPr lang="en-US" altLang="zh-CN" sz="2000" i="1">
+                                        <a:solidFill>
+                                          <a:schemeClr val="tx1">
+                                            <a:lumMod val="65000"/>
+                                            <a:lumOff val="35000"/>
+                                          </a:schemeClr>
+                                        </a:solidFill>
+                                        <a:latin typeface="Cambria Math" panose="02040503050406030204" pitchFamily="18" charset="0"/>
+                                        <a:ea typeface="微软雅黑 Light" panose="020B0502040204020203" pitchFamily="34" charset="-122"/>
+                                      </a:rPr>
+                                    </m:ctrlPr>
+                                  </m:sSubPr>
+                                  <m:e>
+                                    <m:r>
+                                      <a:rPr lang="en-US" altLang="zh-CN" sz="2000" i="1">
+                                        <a:solidFill>
+                                          <a:schemeClr val="tx1">
+                                            <a:lumMod val="65000"/>
+                                            <a:lumOff val="35000"/>
+                                          </a:schemeClr>
+                                        </a:solidFill>
+                                        <a:latin typeface="Cambria Math" panose="02040503050406030204" pitchFamily="18" charset="0"/>
+                                        <a:ea typeface="微软雅黑 Light" panose="020B0502040204020203" pitchFamily="34" charset="-122"/>
+                                      </a:rPr>
+                                      <m:t>𝑛</m:t>
+                                    </m:r>
+                                  </m:e>
+                                  <m:sub>
+                                    <m:r>
+                                      <a:rPr lang="en-US" altLang="zh-CN" sz="2000" b="0" i="1" smtClean="0">
+                                        <a:solidFill>
+                                          <a:schemeClr val="tx1">
+                                            <a:lumMod val="65000"/>
+                                            <a:lumOff val="35000"/>
+                                          </a:schemeClr>
+                                        </a:solidFill>
+                                        <a:latin typeface="Cambria Math" panose="02040503050406030204" pitchFamily="18" charset="0"/>
+                                        <a:ea typeface="微软雅黑 Light" panose="020B0502040204020203" pitchFamily="34" charset="-122"/>
+                                      </a:rPr>
+                                      <m:t>4</m:t>
+                                    </m:r>
+                                  </m:sub>
+                                </m:sSub>
+                              </m:e>
+                              <m:e>
+                                <m:sSub>
+                                  <m:sSubPr>
+                                    <m:ctrlPr>
+                                      <a:rPr lang="en-US" altLang="zh-CN" sz="2000" i="1">
+                                        <a:solidFill>
+                                          <a:schemeClr val="tx1">
+                                            <a:lumMod val="65000"/>
+                                            <a:lumOff val="35000"/>
+                                          </a:schemeClr>
+                                        </a:solidFill>
+                                        <a:latin typeface="Cambria Math" panose="02040503050406030204" pitchFamily="18" charset="0"/>
+                                        <a:ea typeface="微软雅黑 Light" panose="020B0502040204020203" pitchFamily="34" charset="-122"/>
+                                      </a:rPr>
+                                    </m:ctrlPr>
+                                  </m:sSubPr>
+                                  <m:e>
+                                    <m:r>
+                                      <a:rPr lang="en-US" altLang="zh-CN" sz="2000" i="1">
+                                        <a:solidFill>
+                                          <a:schemeClr val="tx1">
+                                            <a:lumMod val="65000"/>
+                                            <a:lumOff val="35000"/>
+                                          </a:schemeClr>
+                                        </a:solidFill>
+                                        <a:latin typeface="Cambria Math" panose="02040503050406030204" pitchFamily="18" charset="0"/>
+                                        <a:ea typeface="微软雅黑 Light" panose="020B0502040204020203" pitchFamily="34" charset="-122"/>
+                                      </a:rPr>
+                                      <m:t>𝑛</m:t>
+                                    </m:r>
+                                  </m:e>
+                                  <m:sub>
+                                    <m:r>
+                                      <a:rPr lang="en-US" altLang="zh-CN" sz="2000" b="0" i="1" smtClean="0">
+                                        <a:solidFill>
+                                          <a:schemeClr val="tx1">
+                                            <a:lumMod val="65000"/>
+                                            <a:lumOff val="35000"/>
+                                          </a:schemeClr>
+                                        </a:solidFill>
+                                        <a:latin typeface="Cambria Math" panose="02040503050406030204" pitchFamily="18" charset="0"/>
+                                        <a:ea typeface="微软雅黑 Light" panose="020B0502040204020203" pitchFamily="34" charset="-122"/>
+                                      </a:rPr>
+                                      <m:t>5</m:t>
+                                    </m:r>
+                                  </m:sub>
+                                </m:sSub>
+                              </m:e>
+                            </m:mr>
+                          </m:m>
+                        </m:e>
+                      </m:d>
+                      <m:r>
+                        <a:rPr lang="en-US" altLang="zh-CN" sz="2000" b="0" i="1" smtClean="0">
+                          <a:solidFill>
+                            <a:schemeClr val="tx1">
+                              <a:lumMod val="65000"/>
+                              <a:lumOff val="35000"/>
+                            </a:schemeClr>
+                          </a:solidFill>
+                          <a:latin typeface="Cambria Math" panose="02040503050406030204" pitchFamily="18" charset="0"/>
+                          <a:ea typeface="微软雅黑 Light" panose="020B0502040204020203" pitchFamily="34" charset="-122"/>
+                        </a:rPr>
+                        <m:t>,</m:t>
+                      </m:r>
+                    </m:oMath>
+                  </m:oMathPara>
+                </a14:m>
+                <a:endParaRPr lang="en-US" altLang="zh-CN" sz="2000" b="0" i="1" dirty="0">
+                  <a:solidFill>
+                    <a:schemeClr val="tx1">
+                      <a:lumMod val="65000"/>
+                      <a:lumOff val="35000"/>
+                    </a:schemeClr>
+                  </a:solidFill>
+                  <a:latin typeface="Cambria Math" panose="02040503050406030204" pitchFamily="18" charset="0"/>
+                  <a:ea typeface="微软雅黑 Light" panose="020B0502040204020203" pitchFamily="34" charset="-122"/>
+                </a:endParaRPr>
+              </a:p>
+              <a:p>
+                <a:pPr marL="0" indent="0">
+                  <a:lnSpc>
+                    <a:spcPct val="150000"/>
+                  </a:lnSpc>
+                  <a:buNone/>
+                </a:pPr>
+                <a14:m>
+                  <m:oMath xmlns:m="http://schemas.openxmlformats.org/officeDocument/2006/math">
+                    <m:r>
+                      <a:rPr lang="en-US" altLang="zh-CN" sz="2000" b="0" i="1" smtClean="0">
+                        <a:solidFill>
+                          <a:schemeClr val="tx1">
+                            <a:lumMod val="65000"/>
+                            <a:lumOff val="35000"/>
+                          </a:schemeClr>
+                        </a:solidFill>
+                        <a:latin typeface="Cambria Math" panose="02040503050406030204" pitchFamily="18" charset="0"/>
+                        <a:ea typeface="微软雅黑 Light" panose="020B0502040204020203" pitchFamily="34" charset="-122"/>
+                      </a:rPr>
+                      <m:t>𝑖</m:t>
+                    </m:r>
+                    <m:r>
+                      <a:rPr lang="en-US" altLang="zh-CN" sz="2000" b="0" i="1" smtClean="0">
+                        <a:solidFill>
+                          <a:schemeClr val="tx1">
+                            <a:lumMod val="65000"/>
+                            <a:lumOff val="35000"/>
+                          </a:schemeClr>
+                        </a:solidFill>
+                        <a:latin typeface="Cambria Math" panose="02040503050406030204" pitchFamily="18" charset="0"/>
+                        <a:ea typeface="微软雅黑 Light" panose="020B0502040204020203" pitchFamily="34" charset="-122"/>
+                      </a:rPr>
+                      <m:t>:</m:t>
+                    </m:r>
+                    <m:r>
+                      <a:rPr lang="en-US" altLang="zh-CN" sz="2000" b="0" i="1" smtClean="0">
+                        <a:solidFill>
+                          <a:schemeClr val="tx1">
+                            <a:lumMod val="65000"/>
+                            <a:lumOff val="35000"/>
+                          </a:schemeClr>
+                        </a:solidFill>
+                        <a:latin typeface="Cambria Math" panose="02040503050406030204" pitchFamily="18" charset="0"/>
+                        <a:ea typeface="微软雅黑 Light" panose="020B0502040204020203" pitchFamily="34" charset="-122"/>
+                      </a:rPr>
+                      <m:t>𝑀</m:t>
+                    </m:r>
+                    <m:r>
+                      <a:rPr lang="zh-CN" altLang="en-US" sz="2000" i="1">
+                        <a:solidFill>
+                          <a:schemeClr val="tx1">
+                            <a:lumMod val="65000"/>
+                            <a:lumOff val="35000"/>
+                          </a:schemeClr>
+                        </a:solidFill>
+                        <a:latin typeface="Cambria Math" panose="02040503050406030204" pitchFamily="18" charset="0"/>
+                        <a:ea typeface="微软雅黑 Light" panose="020B0502040204020203" pitchFamily="34" charset="-122"/>
+                      </a:rPr>
+                      <m:t>的</m:t>
+                    </m:r>
+                    <m:r>
+                      <a:rPr lang="zh-CN" altLang="en-US" sz="2000" i="1" smtClean="0">
+                        <a:solidFill>
+                          <a:schemeClr val="tx1">
+                            <a:lumMod val="65000"/>
+                            <a:lumOff val="35000"/>
+                          </a:schemeClr>
+                        </a:solidFill>
+                        <a:latin typeface="Cambria Math" panose="02040503050406030204" pitchFamily="18" charset="0"/>
+                        <a:ea typeface="微软雅黑 Light" panose="020B0502040204020203" pitchFamily="34" charset="-122"/>
+                      </a:rPr>
+                      <m:t>第</m:t>
+                    </m:r>
+                    <m:r>
+                      <a:rPr lang="en-US" altLang="zh-CN" sz="2000" b="0" i="1" smtClean="0">
+                        <a:solidFill>
+                          <a:schemeClr val="tx1">
+                            <a:lumMod val="65000"/>
+                            <a:lumOff val="35000"/>
+                          </a:schemeClr>
+                        </a:solidFill>
+                        <a:latin typeface="Cambria Math" panose="02040503050406030204" pitchFamily="18" charset="0"/>
+                        <a:ea typeface="微软雅黑 Light" panose="020B0502040204020203" pitchFamily="34" charset="-122"/>
+                      </a:rPr>
+                      <m:t>𝑖</m:t>
+                    </m:r>
+                    <m:r>
+                      <a:rPr lang="zh-CN" altLang="en-US" sz="2000" i="1">
+                        <a:solidFill>
+                          <a:schemeClr val="tx1">
+                            <a:lumMod val="65000"/>
+                            <a:lumOff val="35000"/>
+                          </a:schemeClr>
+                        </a:solidFill>
+                        <a:latin typeface="Cambria Math" panose="02040503050406030204" pitchFamily="18" charset="0"/>
+                        <a:ea typeface="微软雅黑 Light" panose="020B0502040204020203" pitchFamily="34" charset="-122"/>
+                      </a:rPr>
+                      <m:t>行</m:t>
+                    </m:r>
+                    <m:r>
+                      <a:rPr lang="en-US" altLang="zh-CN" sz="2000" b="0" i="1" smtClean="0">
+                        <a:solidFill>
+                          <a:schemeClr val="tx1">
+                            <a:lumMod val="65000"/>
+                            <a:lumOff val="35000"/>
+                          </a:schemeClr>
+                        </a:solidFill>
+                        <a:latin typeface="Cambria Math" panose="02040503050406030204" pitchFamily="18" charset="0"/>
+                        <a:ea typeface="微软雅黑 Light" panose="020B0502040204020203" pitchFamily="34" charset="-122"/>
+                      </a:rPr>
+                      <m:t>,</m:t>
+                    </m:r>
+                    <m:r>
+                      <a:rPr lang="en-US" altLang="zh-CN" sz="2000" b="0" i="1" smtClean="0">
+                        <a:solidFill>
+                          <a:schemeClr val="tx1">
+                            <a:lumMod val="65000"/>
+                            <a:lumOff val="35000"/>
+                          </a:schemeClr>
+                        </a:solidFill>
+                        <a:latin typeface="Cambria Math" panose="02040503050406030204" pitchFamily="18" charset="0"/>
+                        <a:ea typeface="微软雅黑 Light" panose="020B0502040204020203" pitchFamily="34" charset="-122"/>
+                      </a:rPr>
+                      <m:t>𝑗</m:t>
+                    </m:r>
+                    <m:r>
+                      <a:rPr lang="en-US" altLang="zh-CN" sz="2000" b="0" i="1" smtClean="0">
+                        <a:solidFill>
+                          <a:schemeClr val="tx1">
+                            <a:lumMod val="65000"/>
+                            <a:lumOff val="35000"/>
+                          </a:schemeClr>
+                        </a:solidFill>
+                        <a:latin typeface="Cambria Math" panose="02040503050406030204" pitchFamily="18" charset="0"/>
+                        <a:ea typeface="微软雅黑 Light" panose="020B0502040204020203" pitchFamily="34" charset="-122"/>
+                      </a:rPr>
+                      <m:t>:</m:t>
+                    </m:r>
+                    <m:r>
+                      <a:rPr lang="en-US" altLang="zh-CN" sz="2000" b="0" i="1" smtClean="0">
+                        <a:solidFill>
+                          <a:schemeClr val="tx1">
+                            <a:lumMod val="65000"/>
+                            <a:lumOff val="35000"/>
+                          </a:schemeClr>
+                        </a:solidFill>
+                        <a:latin typeface="Cambria Math" panose="02040503050406030204" pitchFamily="18" charset="0"/>
+                        <a:ea typeface="微软雅黑 Light" panose="020B0502040204020203" pitchFamily="34" charset="-122"/>
+                      </a:rPr>
+                      <m:t>𝑀</m:t>
+                    </m:r>
+                    <m:r>
+                      <a:rPr lang="zh-CN" altLang="en-US" sz="2000" i="1">
+                        <a:solidFill>
+                          <a:schemeClr val="tx1">
+                            <a:lumMod val="65000"/>
+                            <a:lumOff val="35000"/>
+                          </a:schemeClr>
+                        </a:solidFill>
+                        <a:latin typeface="Cambria Math" panose="02040503050406030204" pitchFamily="18" charset="0"/>
+                        <a:ea typeface="微软雅黑 Light" panose="020B0502040204020203" pitchFamily="34" charset="-122"/>
+                      </a:rPr>
+                      <m:t>的</m:t>
+                    </m:r>
+                    <m:r>
+                      <a:rPr lang="zh-CN" altLang="en-US" sz="2000" i="1" smtClean="0">
+                        <a:solidFill>
+                          <a:schemeClr val="tx1">
+                            <a:lumMod val="65000"/>
+                            <a:lumOff val="35000"/>
+                          </a:schemeClr>
+                        </a:solidFill>
+                        <a:latin typeface="Cambria Math" panose="02040503050406030204" pitchFamily="18" charset="0"/>
+                        <a:ea typeface="微软雅黑 Light" panose="020B0502040204020203" pitchFamily="34" charset="-122"/>
+                      </a:rPr>
+                      <m:t>第</m:t>
+                    </m:r>
+                    <m:r>
+                      <a:rPr lang="en-US" altLang="zh-CN" sz="2000" b="0" i="1" smtClean="0">
+                        <a:solidFill>
+                          <a:schemeClr val="tx1">
+                            <a:lumMod val="65000"/>
+                            <a:lumOff val="35000"/>
+                          </a:schemeClr>
+                        </a:solidFill>
+                        <a:latin typeface="Cambria Math" panose="02040503050406030204" pitchFamily="18" charset="0"/>
+                        <a:ea typeface="微软雅黑 Light" panose="020B0502040204020203" pitchFamily="34" charset="-122"/>
+                      </a:rPr>
+                      <m:t>𝑗</m:t>
+                    </m:r>
+                    <m:r>
+                      <a:rPr lang="zh-CN" altLang="en-US" sz="2000" i="1">
+                        <a:solidFill>
+                          <a:schemeClr val="tx1">
+                            <a:lumMod val="65000"/>
+                            <a:lumOff val="35000"/>
+                          </a:schemeClr>
+                        </a:solidFill>
+                        <a:latin typeface="Cambria Math" panose="02040503050406030204" pitchFamily="18" charset="0"/>
+                        <a:ea typeface="微软雅黑 Light" panose="020B0502040204020203" pitchFamily="34" charset="-122"/>
+                      </a:rPr>
+                      <m:t>列</m:t>
+                    </m:r>
+                    <m:r>
+                      <a:rPr lang="en-US" altLang="zh-CN" sz="2000" b="0" i="1" smtClean="0">
+                        <a:solidFill>
+                          <a:schemeClr val="tx1">
+                            <a:lumMod val="65000"/>
+                            <a:lumOff val="35000"/>
+                          </a:schemeClr>
+                        </a:solidFill>
+                        <a:latin typeface="Cambria Math" panose="02040503050406030204" pitchFamily="18" charset="0"/>
+                        <a:ea typeface="微软雅黑 Light" panose="020B0502040204020203" pitchFamily="34" charset="-122"/>
+                      </a:rPr>
+                      <m:t>,</m:t>
+                    </m:r>
+                    <m:r>
+                      <a:rPr lang="en-US" altLang="zh-CN" sz="2000" b="0" i="1" smtClean="0">
+                        <a:solidFill>
+                          <a:schemeClr val="tx1">
+                            <a:lumMod val="65000"/>
+                            <a:lumOff val="35000"/>
+                          </a:schemeClr>
+                        </a:solidFill>
+                        <a:latin typeface="Cambria Math" panose="02040503050406030204" pitchFamily="18" charset="0"/>
+                        <a:ea typeface="微软雅黑 Light" panose="020B0502040204020203" pitchFamily="34" charset="-122"/>
+                      </a:rPr>
+                      <m:t>𝑘</m:t>
+                    </m:r>
+                    <m:r>
+                      <a:rPr lang="en-US" altLang="zh-CN" sz="2000" b="0" i="1" smtClean="0">
+                        <a:solidFill>
+                          <a:schemeClr val="tx1">
+                            <a:lumMod val="65000"/>
+                            <a:lumOff val="35000"/>
+                          </a:schemeClr>
+                        </a:solidFill>
+                        <a:latin typeface="Cambria Math" panose="02040503050406030204" pitchFamily="18" charset="0"/>
+                        <a:ea typeface="微软雅黑 Light" panose="020B0502040204020203" pitchFamily="34" charset="-122"/>
+                      </a:rPr>
+                      <m:t>:</m:t>
+                    </m:r>
+                    <m:r>
+                      <a:rPr lang="zh-CN" altLang="en-US" sz="2000" i="1">
+                        <a:solidFill>
+                          <a:schemeClr val="tx1">
+                            <a:lumMod val="65000"/>
+                            <a:lumOff val="35000"/>
+                          </a:schemeClr>
+                        </a:solidFill>
+                        <a:latin typeface="Cambria Math" panose="02040503050406030204" pitchFamily="18" charset="0"/>
+                        <a:ea typeface="微软雅黑 Light" panose="020B0502040204020203" pitchFamily="34" charset="-122"/>
+                      </a:rPr>
+                      <m:t>第</m:t>
+                    </m:r>
+                    <m:r>
+                      <a:rPr lang="en-US" altLang="zh-CN" sz="2000" b="0" i="1" smtClean="0">
+                        <a:solidFill>
+                          <a:schemeClr val="tx1">
+                            <a:lumMod val="65000"/>
+                            <a:lumOff val="35000"/>
+                          </a:schemeClr>
+                        </a:solidFill>
+                        <a:latin typeface="Cambria Math" panose="02040503050406030204" pitchFamily="18" charset="0"/>
+                        <a:ea typeface="微软雅黑 Light" panose="020B0502040204020203" pitchFamily="34" charset="-122"/>
+                      </a:rPr>
+                      <m:t>𝑘</m:t>
+                    </m:r>
+                    <m:r>
+                      <a:rPr lang="zh-CN" altLang="en-US" sz="2000" i="1">
+                        <a:solidFill>
+                          <a:schemeClr val="tx1">
+                            <a:lumMod val="65000"/>
+                            <a:lumOff val="35000"/>
+                          </a:schemeClr>
+                        </a:solidFill>
+                        <a:latin typeface="Cambria Math" panose="02040503050406030204" pitchFamily="18" charset="0"/>
+                        <a:ea typeface="微软雅黑 Light" panose="020B0502040204020203" pitchFamily="34" charset="-122"/>
+                      </a:rPr>
+                      <m:t>行</m:t>
+                    </m:r>
+                    <m:r>
+                      <a:rPr lang="zh-CN" altLang="en-US" sz="2000" i="1" smtClean="0">
+                        <a:solidFill>
+                          <a:schemeClr val="tx1">
+                            <a:lumMod val="65000"/>
+                            <a:lumOff val="35000"/>
+                          </a:schemeClr>
+                        </a:solidFill>
+                        <a:latin typeface="Cambria Math" panose="02040503050406030204" pitchFamily="18" charset="0"/>
+                        <a:ea typeface="微软雅黑 Light" panose="020B0502040204020203" pitchFamily="34" charset="-122"/>
+                      </a:rPr>
+                      <m:t>与</m:t>
+                    </m:r>
+                    <m:r>
+                      <a:rPr lang="zh-CN" altLang="en-US" sz="2000" i="1">
+                        <a:solidFill>
+                          <a:schemeClr val="tx1">
+                            <a:lumMod val="65000"/>
+                            <a:lumOff val="35000"/>
+                          </a:schemeClr>
+                        </a:solidFill>
+                        <a:latin typeface="Cambria Math" panose="02040503050406030204" pitchFamily="18" charset="0"/>
+                        <a:ea typeface="微软雅黑 Light" panose="020B0502040204020203" pitchFamily="34" charset="-122"/>
+                      </a:rPr>
+                      <m:t>第</m:t>
+                    </m:r>
+                    <m:r>
+                      <a:rPr lang="en-US" altLang="zh-CN" sz="2000" b="0" i="1" smtClean="0">
+                        <a:solidFill>
+                          <a:schemeClr val="tx1">
+                            <a:lumMod val="65000"/>
+                            <a:lumOff val="35000"/>
+                          </a:schemeClr>
+                        </a:solidFill>
+                        <a:latin typeface="Cambria Math" panose="02040503050406030204" pitchFamily="18" charset="0"/>
+                        <a:ea typeface="微软雅黑 Light" panose="020B0502040204020203" pitchFamily="34" charset="-122"/>
+                      </a:rPr>
+                      <m:t>𝑘</m:t>
+                    </m:r>
+                    <m:r>
+                      <a:rPr lang="zh-CN" altLang="en-US" sz="2000" i="1">
+                        <a:solidFill>
+                          <a:schemeClr val="tx1">
+                            <a:lumMod val="65000"/>
+                            <a:lumOff val="35000"/>
+                          </a:schemeClr>
+                        </a:solidFill>
+                        <a:latin typeface="Cambria Math" panose="02040503050406030204" pitchFamily="18" charset="0"/>
+                        <a:ea typeface="微软雅黑 Light" panose="020B0502040204020203" pitchFamily="34" charset="-122"/>
+                      </a:rPr>
+                      <m:t>列</m:t>
+                    </m:r>
+                    <m:r>
+                      <a:rPr lang="en-US" altLang="zh-CN" sz="2000" b="0" i="1" smtClean="0">
+                        <a:solidFill>
+                          <a:schemeClr val="tx1">
+                            <a:lumMod val="65000"/>
+                            <a:lumOff val="35000"/>
+                          </a:schemeClr>
+                        </a:solidFill>
+                        <a:latin typeface="Cambria Math" panose="02040503050406030204" pitchFamily="18" charset="0"/>
+                        <a:ea typeface="微软雅黑 Light" panose="020B0502040204020203" pitchFamily="34" charset="-122"/>
+                      </a:rPr>
+                      <m:t>, </m:t>
+                    </m:r>
+                    <m:sSub>
+                      <m:sSubPr>
+                        <m:ctrlPr>
+                          <a:rPr lang="en-US" altLang="zh-CN" sz="2000" b="0" i="1" smtClean="0">
+                            <a:solidFill>
+                              <a:schemeClr val="tx1">
+                                <a:lumMod val="65000"/>
+                                <a:lumOff val="35000"/>
+                              </a:schemeClr>
+                            </a:solidFill>
+                            <a:latin typeface="Cambria Math" panose="02040503050406030204" pitchFamily="18" charset="0"/>
+                            <a:ea typeface="微软雅黑 Light" panose="020B0502040204020203" pitchFamily="34" charset="-122"/>
+                          </a:rPr>
+                        </m:ctrlPr>
+                      </m:sSubPr>
+                      <m:e>
+                        <m:r>
+                          <a:rPr lang="en-US" altLang="zh-CN" sz="2000" i="1">
+                            <a:solidFill>
+                              <a:schemeClr val="tx1">
+                                <a:lumMod val="65000"/>
+                                <a:lumOff val="35000"/>
+                              </a:schemeClr>
+                            </a:solidFill>
+                            <a:latin typeface="Cambria Math" panose="02040503050406030204" pitchFamily="18" charset="0"/>
+                            <a:ea typeface="微软雅黑 Light" panose="020B0502040204020203" pitchFamily="34" charset="-122"/>
+                          </a:rPr>
+                          <m:t>𝐶</m:t>
+                        </m:r>
+                      </m:e>
+                      <m:sub>
+                        <m:r>
+                          <a:rPr lang="en-US" altLang="zh-CN" sz="2000" b="0" i="1" smtClean="0">
+                            <a:solidFill>
+                              <a:schemeClr val="tx1">
+                                <a:lumMod val="65000"/>
+                                <a:lumOff val="35000"/>
+                              </a:schemeClr>
+                            </a:solidFill>
+                            <a:latin typeface="Cambria Math" panose="02040503050406030204" pitchFamily="18" charset="0"/>
+                            <a:ea typeface="微软雅黑 Light" panose="020B0502040204020203" pitchFamily="34" charset="-122"/>
+                          </a:rPr>
+                          <m:t>𝑚</m:t>
+                        </m:r>
+                      </m:sub>
+                    </m:sSub>
+                    <m:r>
+                      <a:rPr lang="en-US" altLang="zh-CN" sz="2000" b="0" i="1" smtClean="0">
+                        <a:solidFill>
+                          <a:schemeClr val="tx1">
+                            <a:lumMod val="65000"/>
+                            <a:lumOff val="35000"/>
+                          </a:schemeClr>
+                        </a:solidFill>
+                        <a:latin typeface="Cambria Math" panose="02040503050406030204" pitchFamily="18" charset="0"/>
+                        <a:ea typeface="微软雅黑 Light" panose="020B0502040204020203" pitchFamily="34" charset="-122"/>
+                      </a:rPr>
+                      <m:t>:</m:t>
+                    </m:r>
+                    <m:r>
+                      <a:rPr lang="en-US" altLang="zh-CN" sz="2000" b="0" i="1" smtClean="0">
+                        <a:solidFill>
+                          <a:schemeClr val="tx1">
+                            <a:lumMod val="65000"/>
+                            <a:lumOff val="35000"/>
+                          </a:schemeClr>
+                        </a:solidFill>
+                        <a:latin typeface="Cambria Math" panose="02040503050406030204" pitchFamily="18" charset="0"/>
+                        <a:ea typeface="微软雅黑 Light" panose="020B0502040204020203" pitchFamily="34" charset="-122"/>
+                      </a:rPr>
+                      <m:t>𝑀</m:t>
+                    </m:r>
+                    <m:r>
+                      <a:rPr lang="zh-CN" altLang="en-US" sz="2000" i="1">
+                        <a:solidFill>
+                          <a:schemeClr val="tx1">
+                            <a:lumMod val="65000"/>
+                            <a:lumOff val="35000"/>
+                          </a:schemeClr>
+                        </a:solidFill>
+                        <a:latin typeface="Cambria Math" panose="02040503050406030204" pitchFamily="18" charset="0"/>
+                        <a:ea typeface="微软雅黑 Light" panose="020B0502040204020203" pitchFamily="34" charset="-122"/>
+                      </a:rPr>
+                      <m:t>的</m:t>
+                    </m:r>
+                    <m:r>
+                      <a:rPr lang="zh-CN" altLang="en-US" sz="2000" i="1" smtClean="0">
+                        <a:solidFill>
+                          <a:schemeClr val="tx1">
+                            <a:lumMod val="65000"/>
+                            <a:lumOff val="35000"/>
+                          </a:schemeClr>
+                        </a:solidFill>
+                        <a:latin typeface="Cambria Math" panose="02040503050406030204" pitchFamily="18" charset="0"/>
+                        <a:ea typeface="微软雅黑 Light" panose="020B0502040204020203" pitchFamily="34" charset="-122"/>
+                      </a:rPr>
+                      <m:t>列数</m:t>
+                    </m:r>
+                    <m:r>
+                      <a:rPr lang="en-US" altLang="zh-CN" sz="2000" b="0" i="1" smtClean="0">
+                        <a:solidFill>
+                          <a:schemeClr val="tx1">
+                            <a:lumMod val="65000"/>
+                            <a:lumOff val="35000"/>
+                          </a:schemeClr>
+                        </a:solidFill>
+                        <a:latin typeface="Cambria Math" panose="02040503050406030204" pitchFamily="18" charset="0"/>
+                        <a:ea typeface="微软雅黑 Light" panose="020B0502040204020203" pitchFamily="34" charset="-122"/>
+                      </a:rPr>
+                      <m:t>,</m:t>
+                    </m:r>
+                    <m:sSub>
+                      <m:sSubPr>
+                        <m:ctrlPr>
+                          <a:rPr lang="en-US" altLang="zh-CN" sz="2000" i="1">
+                            <a:solidFill>
+                              <a:schemeClr val="tx1">
+                                <a:lumMod val="65000"/>
+                                <a:lumOff val="35000"/>
+                              </a:schemeClr>
+                            </a:solidFill>
+                            <a:latin typeface="Cambria Math" panose="02040503050406030204" pitchFamily="18" charset="0"/>
+                            <a:ea typeface="微软雅黑 Light" panose="020B0502040204020203" pitchFamily="34" charset="-122"/>
+                          </a:rPr>
+                        </m:ctrlPr>
+                      </m:sSubPr>
+                      <m:e>
+                        <m:r>
+                          <a:rPr lang="en-US" altLang="zh-CN" sz="2000" i="1">
+                            <a:solidFill>
+                              <a:schemeClr val="tx1">
+                                <a:lumMod val="65000"/>
+                                <a:lumOff val="35000"/>
+                              </a:schemeClr>
+                            </a:solidFill>
+                            <a:latin typeface="Cambria Math" panose="02040503050406030204" pitchFamily="18" charset="0"/>
+                            <a:ea typeface="微软雅黑 Light" panose="020B0502040204020203" pitchFamily="34" charset="-122"/>
+                          </a:rPr>
+                          <m:t>𝐶</m:t>
+                        </m:r>
+                      </m:e>
+                      <m:sub>
+                        <m:r>
+                          <a:rPr lang="en-US" altLang="zh-CN" sz="2000" b="0" i="1" smtClean="0">
+                            <a:solidFill>
+                              <a:schemeClr val="tx1">
+                                <a:lumMod val="65000"/>
+                                <a:lumOff val="35000"/>
+                              </a:schemeClr>
+                            </a:solidFill>
+                            <a:latin typeface="Cambria Math" panose="02040503050406030204" pitchFamily="18" charset="0"/>
+                            <a:ea typeface="微软雅黑 Light" panose="020B0502040204020203" pitchFamily="34" charset="-122"/>
+                          </a:rPr>
+                          <m:t>𝑛</m:t>
+                        </m:r>
+                      </m:sub>
+                    </m:sSub>
+                    <m:r>
+                      <a:rPr lang="en-US" altLang="zh-CN" sz="2000" b="0" i="1" smtClean="0">
+                        <a:solidFill>
+                          <a:schemeClr val="tx1">
+                            <a:lumMod val="65000"/>
+                            <a:lumOff val="35000"/>
+                          </a:schemeClr>
+                        </a:solidFill>
+                        <a:latin typeface="Cambria Math" panose="02040503050406030204" pitchFamily="18" charset="0"/>
+                        <a:ea typeface="微软雅黑 Light" panose="020B0502040204020203" pitchFamily="34" charset="-122"/>
+                      </a:rPr>
+                      <m:t>:</m:t>
+                    </m:r>
+                    <m:r>
+                      <a:rPr lang="en-US" altLang="zh-CN" sz="2000" b="0" i="1" smtClean="0">
+                        <a:solidFill>
+                          <a:schemeClr val="tx1">
+                            <a:lumMod val="65000"/>
+                            <a:lumOff val="35000"/>
+                          </a:schemeClr>
+                        </a:solidFill>
+                        <a:latin typeface="Cambria Math" panose="02040503050406030204" pitchFamily="18" charset="0"/>
+                        <a:ea typeface="微软雅黑 Light" panose="020B0502040204020203" pitchFamily="34" charset="-122"/>
+                      </a:rPr>
+                      <m:t>𝑁</m:t>
+                    </m:r>
+                    <m:r>
+                      <a:rPr lang="zh-CN" altLang="en-US" sz="2000" i="1">
+                        <a:solidFill>
+                          <a:schemeClr val="tx1">
+                            <a:lumMod val="65000"/>
+                            <a:lumOff val="35000"/>
+                          </a:schemeClr>
+                        </a:solidFill>
+                        <a:latin typeface="Cambria Math" panose="02040503050406030204" pitchFamily="18" charset="0"/>
+                        <a:ea typeface="微软雅黑 Light" panose="020B0502040204020203" pitchFamily="34" charset="-122"/>
+                      </a:rPr>
+                      <m:t>的</m:t>
+                    </m:r>
+                  </m:oMath>
+                </a14:m>
+                <a:r>
+                  <a:rPr lang="zh-CN" altLang="en-US" sz="2000" dirty="0">
+                    <a:solidFill>
+                      <a:schemeClr val="tx1">
+                        <a:lumMod val="65000"/>
+                        <a:lumOff val="35000"/>
+                      </a:schemeClr>
+                    </a:solidFill>
+                    <a:latin typeface="微软雅黑 Light" panose="020B0502040204020203" pitchFamily="34" charset="-122"/>
+                    <a:ea typeface="微软雅黑 Light" panose="020B0502040204020203" pitchFamily="34" charset="-122"/>
+                  </a:rPr>
+                  <a:t>列数</a:t>
+                </a:r>
+                <a:endParaRPr lang="en-US" altLang="zh-CN" sz="2000" dirty="0">
+                  <a:solidFill>
+                    <a:schemeClr val="tx1">
+                      <a:lumMod val="65000"/>
+                      <a:lumOff val="35000"/>
+                    </a:schemeClr>
+                  </a:solidFill>
+                  <a:latin typeface="微软雅黑 Light" panose="020B0502040204020203" pitchFamily="34" charset="-122"/>
+                  <a:ea typeface="微软雅黑 Light" panose="020B0502040204020203" pitchFamily="34" charset="-122"/>
+                </a:endParaRPr>
+              </a:p>
+              <a:p>
+                <a:pPr marL="0" indent="0">
+                  <a:lnSpc>
+                    <a:spcPct val="150000"/>
+                  </a:lnSpc>
+                  <a:buNone/>
+                </a:pPr>
+                <a14:m>
+                  <m:oMathPara xmlns:m="http://schemas.openxmlformats.org/officeDocument/2006/math">
+                    <m:oMathParaPr>
+                      <m:jc m:val="centerGroup"/>
+                    </m:oMathParaPr>
+                    <m:oMath xmlns:m="http://schemas.openxmlformats.org/officeDocument/2006/math">
+                      <m:r>
+                        <a:rPr lang="en-US" altLang="zh-CN" sz="2000" b="0" i="1" smtClean="0">
+                          <a:solidFill>
+                            <a:schemeClr val="tx1">
+                              <a:lumMod val="65000"/>
+                              <a:lumOff val="35000"/>
+                            </a:schemeClr>
+                          </a:solidFill>
+                          <a:latin typeface="Cambria Math" panose="02040503050406030204" pitchFamily="18" charset="0"/>
+                          <a:ea typeface="微软雅黑 Light" panose="020B0502040204020203" pitchFamily="34" charset="-122"/>
+                        </a:rPr>
+                        <m:t>𝑃</m:t>
+                      </m:r>
+                      <m:d>
+                        <m:dPr>
+                          <m:begChr m:val="["/>
+                          <m:endChr m:val="]"/>
+                          <m:ctrlPr>
+                            <a:rPr lang="en-US" altLang="zh-CN" sz="2000" b="0" i="1" smtClean="0">
+                              <a:solidFill>
+                                <a:schemeClr val="tx1">
+                                  <a:lumMod val="65000"/>
+                                  <a:lumOff val="35000"/>
+                                </a:schemeClr>
+                              </a:solidFill>
+                              <a:latin typeface="Cambria Math" panose="02040503050406030204" pitchFamily="18" charset="0"/>
+                              <a:ea typeface="微软雅黑 Light" panose="020B0502040204020203" pitchFamily="34" charset="-122"/>
+                            </a:rPr>
+                          </m:ctrlPr>
+                        </m:dPr>
+                        <m:e>
+                          <m:r>
+                            <a:rPr lang="en-US" altLang="zh-CN" sz="2000" i="1">
+                              <a:solidFill>
+                                <a:schemeClr val="tx1">
+                                  <a:lumMod val="65000"/>
+                                  <a:lumOff val="35000"/>
+                                </a:schemeClr>
+                              </a:solidFill>
+                              <a:latin typeface="Cambria Math" panose="02040503050406030204" pitchFamily="18" charset="0"/>
+                              <a:ea typeface="微软雅黑 Light" panose="020B0502040204020203" pitchFamily="34" charset="-122"/>
+                            </a:rPr>
+                            <m:t>𝑖</m:t>
+                          </m:r>
+                          <m:r>
+                            <a:rPr lang="en-US" altLang="zh-CN" sz="2000" i="1">
+                              <a:solidFill>
+                                <a:schemeClr val="tx1">
+                                  <a:lumMod val="65000"/>
+                                  <a:lumOff val="35000"/>
+                                </a:schemeClr>
+                              </a:solidFill>
+                              <a:latin typeface="Cambria Math" panose="02040503050406030204" pitchFamily="18" charset="0"/>
+                              <a:ea typeface="微软雅黑 Light" panose="020B0502040204020203" pitchFamily="34" charset="-122"/>
+                            </a:rPr>
+                            <m:t>∗</m:t>
+                          </m:r>
+                          <m:sSub>
+                            <m:sSubPr>
+                              <m:ctrlPr>
+                                <a:rPr lang="en-US" altLang="zh-CN" sz="2000" i="1">
+                                  <a:solidFill>
+                                    <a:schemeClr val="tx1">
+                                      <a:lumMod val="65000"/>
+                                      <a:lumOff val="35000"/>
+                                    </a:schemeClr>
+                                  </a:solidFill>
+                                  <a:latin typeface="Cambria Math" panose="02040503050406030204" pitchFamily="18" charset="0"/>
+                                  <a:ea typeface="微软雅黑 Light" panose="020B0502040204020203" pitchFamily="34" charset="-122"/>
+                                </a:rPr>
+                              </m:ctrlPr>
+                            </m:sSubPr>
+                            <m:e>
+                              <m:r>
+                                <a:rPr lang="en-US" altLang="zh-CN" sz="2000" i="1">
+                                  <a:solidFill>
+                                    <a:schemeClr val="tx1">
+                                      <a:lumMod val="65000"/>
+                                      <a:lumOff val="35000"/>
+                                    </a:schemeClr>
+                                  </a:solidFill>
+                                  <a:latin typeface="Cambria Math" panose="02040503050406030204" pitchFamily="18" charset="0"/>
+                                  <a:ea typeface="微软雅黑 Light" panose="020B0502040204020203" pitchFamily="34" charset="-122"/>
+                                </a:rPr>
+                                <m:t>𝐶</m:t>
+                              </m:r>
+                            </m:e>
+                            <m:sub>
+                              <m:r>
+                                <a:rPr lang="en-US" altLang="zh-CN" sz="2000" i="1">
+                                  <a:solidFill>
+                                    <a:schemeClr val="tx1">
+                                      <a:lumMod val="65000"/>
+                                      <a:lumOff val="35000"/>
+                                    </a:schemeClr>
+                                  </a:solidFill>
+                                  <a:latin typeface="Cambria Math" panose="02040503050406030204" pitchFamily="18" charset="0"/>
+                                  <a:ea typeface="微软雅黑 Light" panose="020B0502040204020203" pitchFamily="34" charset="-122"/>
+                                </a:rPr>
+                                <m:t>𝑚</m:t>
+                              </m:r>
+                            </m:sub>
+                          </m:sSub>
+                          <m:r>
+                            <a:rPr lang="en-US" altLang="zh-CN" sz="2000" i="1">
+                              <a:solidFill>
+                                <a:schemeClr val="tx1">
+                                  <a:lumMod val="65000"/>
+                                  <a:lumOff val="35000"/>
+                                </a:schemeClr>
+                              </a:solidFill>
+                              <a:latin typeface="Cambria Math" panose="02040503050406030204" pitchFamily="18" charset="0"/>
+                              <a:ea typeface="微软雅黑 Light" panose="020B0502040204020203" pitchFamily="34" charset="-122"/>
+                            </a:rPr>
+                            <m:t>+</m:t>
+                          </m:r>
+                          <m:r>
+                            <a:rPr lang="en-US" altLang="zh-CN" sz="2000" b="0" i="1" smtClean="0">
+                              <a:solidFill>
+                                <a:schemeClr val="tx1">
+                                  <a:lumMod val="65000"/>
+                                  <a:lumOff val="35000"/>
+                                </a:schemeClr>
+                              </a:solidFill>
+                              <a:latin typeface="Cambria Math" panose="02040503050406030204" pitchFamily="18" charset="0"/>
+                              <a:ea typeface="微软雅黑 Light" panose="020B0502040204020203" pitchFamily="34" charset="-122"/>
+                            </a:rPr>
+                            <m:t>𝑗</m:t>
+                          </m:r>
+                        </m:e>
+                      </m:d>
+                      <m:r>
+                        <a:rPr lang="en-US" altLang="zh-CN" sz="2000" b="0" i="1" smtClean="0">
+                          <a:solidFill>
+                            <a:schemeClr val="tx1">
+                              <a:lumMod val="65000"/>
+                              <a:lumOff val="35000"/>
+                            </a:schemeClr>
+                          </a:solidFill>
+                          <a:latin typeface="Cambria Math" panose="02040503050406030204" pitchFamily="18" charset="0"/>
+                          <a:ea typeface="微软雅黑 Light" panose="020B0502040204020203" pitchFamily="34" charset="-122"/>
+                        </a:rPr>
+                        <m:t>+=</m:t>
+                      </m:r>
+                      <m:r>
+                        <a:rPr lang="en-US" altLang="zh-CN" sz="2000" b="0" i="1" smtClean="0">
+                          <a:solidFill>
+                            <a:schemeClr val="tx1">
+                              <a:lumMod val="65000"/>
+                              <a:lumOff val="35000"/>
+                            </a:schemeClr>
+                          </a:solidFill>
+                          <a:latin typeface="Cambria Math" panose="02040503050406030204" pitchFamily="18" charset="0"/>
+                          <a:ea typeface="微软雅黑 Light" panose="020B0502040204020203" pitchFamily="34" charset="-122"/>
+                        </a:rPr>
+                        <m:t>𝑀</m:t>
+                      </m:r>
+                      <m:d>
+                        <m:dPr>
+                          <m:begChr m:val="["/>
+                          <m:endChr m:val="]"/>
+                          <m:ctrlPr>
+                            <a:rPr lang="en-US" altLang="zh-CN" sz="2000" b="0" i="1" smtClean="0">
+                              <a:solidFill>
+                                <a:schemeClr val="tx1">
+                                  <a:lumMod val="65000"/>
+                                  <a:lumOff val="35000"/>
+                                </a:schemeClr>
+                              </a:solidFill>
+                              <a:latin typeface="Cambria Math" panose="02040503050406030204" pitchFamily="18" charset="0"/>
+                              <a:ea typeface="微软雅黑 Light" panose="020B0502040204020203" pitchFamily="34" charset="-122"/>
+                            </a:rPr>
+                          </m:ctrlPr>
+                        </m:dPr>
+                        <m:e>
+                          <m:r>
+                            <a:rPr lang="en-US" altLang="zh-CN" sz="2000" i="1">
+                              <a:solidFill>
+                                <a:schemeClr val="tx1">
+                                  <a:lumMod val="65000"/>
+                                  <a:lumOff val="35000"/>
+                                </a:schemeClr>
+                              </a:solidFill>
+                              <a:latin typeface="Cambria Math" panose="02040503050406030204" pitchFamily="18" charset="0"/>
+                              <a:ea typeface="微软雅黑 Light" panose="020B0502040204020203" pitchFamily="34" charset="-122"/>
+                            </a:rPr>
+                            <m:t>𝑖</m:t>
+                          </m:r>
+                          <m:r>
+                            <a:rPr lang="en-US" altLang="zh-CN" sz="2000" i="1">
+                              <a:solidFill>
+                                <a:schemeClr val="tx1">
+                                  <a:lumMod val="65000"/>
+                                  <a:lumOff val="35000"/>
+                                </a:schemeClr>
+                              </a:solidFill>
+                              <a:latin typeface="Cambria Math" panose="02040503050406030204" pitchFamily="18" charset="0"/>
+                              <a:ea typeface="微软雅黑 Light" panose="020B0502040204020203" pitchFamily="34" charset="-122"/>
+                            </a:rPr>
+                            <m:t>∗</m:t>
+                          </m:r>
+                          <m:sSub>
+                            <m:sSubPr>
+                              <m:ctrlPr>
+                                <a:rPr lang="en-US" altLang="zh-CN" sz="2000" i="1">
+                                  <a:solidFill>
+                                    <a:schemeClr val="tx1">
+                                      <a:lumMod val="65000"/>
+                                      <a:lumOff val="35000"/>
+                                    </a:schemeClr>
+                                  </a:solidFill>
+                                  <a:latin typeface="Cambria Math" panose="02040503050406030204" pitchFamily="18" charset="0"/>
+                                  <a:ea typeface="微软雅黑 Light" panose="020B0502040204020203" pitchFamily="34" charset="-122"/>
+                                </a:rPr>
+                              </m:ctrlPr>
+                            </m:sSubPr>
+                            <m:e>
+                              <m:r>
+                                <a:rPr lang="en-US" altLang="zh-CN" sz="2000" i="1">
+                                  <a:solidFill>
+                                    <a:schemeClr val="tx1">
+                                      <a:lumMod val="65000"/>
+                                      <a:lumOff val="35000"/>
+                                    </a:schemeClr>
+                                  </a:solidFill>
+                                  <a:latin typeface="Cambria Math" panose="02040503050406030204" pitchFamily="18" charset="0"/>
+                                  <a:ea typeface="微软雅黑 Light" panose="020B0502040204020203" pitchFamily="34" charset="-122"/>
+                                </a:rPr>
+                                <m:t>𝐶</m:t>
+                              </m:r>
+                            </m:e>
+                            <m:sub>
+                              <m:r>
+                                <a:rPr lang="en-US" altLang="zh-CN" sz="2000" i="1">
+                                  <a:solidFill>
+                                    <a:schemeClr val="tx1">
+                                      <a:lumMod val="65000"/>
+                                      <a:lumOff val="35000"/>
+                                    </a:schemeClr>
+                                  </a:solidFill>
+                                  <a:latin typeface="Cambria Math" panose="02040503050406030204" pitchFamily="18" charset="0"/>
+                                  <a:ea typeface="微软雅黑 Light" panose="020B0502040204020203" pitchFamily="34" charset="-122"/>
+                                </a:rPr>
+                                <m:t>𝑚</m:t>
+                              </m:r>
+                            </m:sub>
+                          </m:sSub>
+                          <m:r>
+                            <a:rPr lang="en-US" altLang="zh-CN" sz="2000" i="1">
+                              <a:solidFill>
+                                <a:schemeClr val="tx1">
+                                  <a:lumMod val="65000"/>
+                                  <a:lumOff val="35000"/>
+                                </a:schemeClr>
+                              </a:solidFill>
+                              <a:latin typeface="Cambria Math" panose="02040503050406030204" pitchFamily="18" charset="0"/>
+                              <a:ea typeface="微软雅黑 Light" panose="020B0502040204020203" pitchFamily="34" charset="-122"/>
+                            </a:rPr>
+                            <m:t>+</m:t>
+                          </m:r>
+                          <m:r>
+                            <a:rPr lang="en-US" altLang="zh-CN" sz="2000" b="0" i="1" smtClean="0">
+                              <a:solidFill>
+                                <a:schemeClr val="tx1">
+                                  <a:lumMod val="65000"/>
+                                  <a:lumOff val="35000"/>
+                                </a:schemeClr>
+                              </a:solidFill>
+                              <a:latin typeface="Cambria Math" panose="02040503050406030204" pitchFamily="18" charset="0"/>
+                              <a:ea typeface="微软雅黑 Light" panose="020B0502040204020203" pitchFamily="34" charset="-122"/>
+                            </a:rPr>
+                            <m:t>𝑘</m:t>
+                          </m:r>
+                        </m:e>
+                      </m:d>
+                      <m:r>
+                        <a:rPr lang="en-US" altLang="zh-CN" sz="2000" b="0" i="1" smtClean="0">
+                          <a:solidFill>
+                            <a:schemeClr val="tx1">
+                              <a:lumMod val="65000"/>
+                              <a:lumOff val="35000"/>
+                            </a:schemeClr>
+                          </a:solidFill>
+                          <a:latin typeface="Cambria Math" panose="02040503050406030204" pitchFamily="18" charset="0"/>
+                          <a:ea typeface="微软雅黑 Light" panose="020B0502040204020203" pitchFamily="34" charset="-122"/>
+                        </a:rPr>
+                        <m:t>∙</m:t>
+                      </m:r>
+                      <m:r>
+                        <a:rPr lang="en-US" altLang="zh-CN" sz="2000" b="0" i="1" smtClean="0">
+                          <a:solidFill>
+                            <a:schemeClr val="tx1">
+                              <a:lumMod val="65000"/>
+                              <a:lumOff val="35000"/>
+                            </a:schemeClr>
+                          </a:solidFill>
+                          <a:latin typeface="Cambria Math" panose="02040503050406030204" pitchFamily="18" charset="0"/>
+                          <a:ea typeface="微软雅黑 Light" panose="020B0502040204020203" pitchFamily="34" charset="-122"/>
+                        </a:rPr>
+                        <m:t>𝑁</m:t>
+                      </m:r>
+                      <m:r>
+                        <a:rPr lang="en-US" altLang="zh-CN" sz="2000" b="0" i="1" smtClean="0">
+                          <a:solidFill>
+                            <a:schemeClr val="tx1">
+                              <a:lumMod val="65000"/>
+                              <a:lumOff val="35000"/>
+                            </a:schemeClr>
+                          </a:solidFill>
+                          <a:latin typeface="Cambria Math" panose="02040503050406030204" pitchFamily="18" charset="0"/>
+                          <a:ea typeface="微软雅黑 Light" panose="020B0502040204020203" pitchFamily="34" charset="-122"/>
+                        </a:rPr>
+                        <m:t>[</m:t>
+                      </m:r>
+                      <m:r>
+                        <a:rPr lang="en-US" altLang="zh-CN" sz="2000" i="1">
+                          <a:solidFill>
+                            <a:schemeClr val="tx1">
+                              <a:lumMod val="65000"/>
+                              <a:lumOff val="35000"/>
+                            </a:schemeClr>
+                          </a:solidFill>
+                          <a:latin typeface="Cambria Math" panose="02040503050406030204" pitchFamily="18" charset="0"/>
+                          <a:ea typeface="微软雅黑 Light" panose="020B0502040204020203" pitchFamily="34" charset="-122"/>
+                        </a:rPr>
+                        <m:t>𝑘</m:t>
+                      </m:r>
+                      <m:r>
+                        <a:rPr lang="en-US" altLang="zh-CN" sz="2000" i="1">
+                          <a:solidFill>
+                            <a:schemeClr val="tx1">
+                              <a:lumMod val="65000"/>
+                              <a:lumOff val="35000"/>
+                            </a:schemeClr>
+                          </a:solidFill>
+                          <a:latin typeface="Cambria Math" panose="02040503050406030204" pitchFamily="18" charset="0"/>
+                          <a:ea typeface="微软雅黑 Light" panose="020B0502040204020203" pitchFamily="34" charset="-122"/>
+                        </a:rPr>
+                        <m:t>∗</m:t>
+                      </m:r>
+                      <m:sSub>
+                        <m:sSubPr>
+                          <m:ctrlPr>
+                            <a:rPr lang="en-US" altLang="zh-CN" sz="2000" i="1">
+                              <a:solidFill>
+                                <a:schemeClr val="tx1">
+                                  <a:lumMod val="65000"/>
+                                  <a:lumOff val="35000"/>
+                                </a:schemeClr>
+                              </a:solidFill>
+                              <a:latin typeface="Cambria Math" panose="02040503050406030204" pitchFamily="18" charset="0"/>
+                              <a:ea typeface="微软雅黑 Light" panose="020B0502040204020203" pitchFamily="34" charset="-122"/>
+                            </a:rPr>
+                          </m:ctrlPr>
+                        </m:sSubPr>
+                        <m:e>
+                          <m:r>
+                            <a:rPr lang="en-US" altLang="zh-CN" sz="2000" i="1">
+                              <a:solidFill>
+                                <a:schemeClr val="tx1">
+                                  <a:lumMod val="65000"/>
+                                  <a:lumOff val="35000"/>
+                                </a:schemeClr>
+                              </a:solidFill>
+                              <a:latin typeface="Cambria Math" panose="02040503050406030204" pitchFamily="18" charset="0"/>
+                              <a:ea typeface="微软雅黑 Light" panose="020B0502040204020203" pitchFamily="34" charset="-122"/>
+                            </a:rPr>
+                            <m:t>𝐶</m:t>
+                          </m:r>
+                        </m:e>
+                        <m:sub>
+                          <m:r>
+                            <a:rPr lang="en-US" altLang="zh-CN" sz="2000" i="1">
+                              <a:solidFill>
+                                <a:schemeClr val="tx1">
+                                  <a:lumMod val="65000"/>
+                                  <a:lumOff val="35000"/>
+                                </a:schemeClr>
+                              </a:solidFill>
+                              <a:latin typeface="Cambria Math" panose="02040503050406030204" pitchFamily="18" charset="0"/>
+                              <a:ea typeface="微软雅黑 Light" panose="020B0502040204020203" pitchFamily="34" charset="-122"/>
+                            </a:rPr>
+                            <m:t>𝑛</m:t>
+                          </m:r>
+                        </m:sub>
+                      </m:sSub>
+                      <m:r>
+                        <a:rPr lang="en-US" altLang="zh-CN" sz="2000" i="1">
+                          <a:solidFill>
+                            <a:schemeClr val="tx1">
+                              <a:lumMod val="65000"/>
+                              <a:lumOff val="35000"/>
+                            </a:schemeClr>
+                          </a:solidFill>
+                          <a:latin typeface="Cambria Math" panose="02040503050406030204" pitchFamily="18" charset="0"/>
+                          <a:ea typeface="微软雅黑 Light" panose="020B0502040204020203" pitchFamily="34" charset="-122"/>
+                        </a:rPr>
+                        <m:t>+</m:t>
+                      </m:r>
+                      <m:r>
+                        <a:rPr lang="en-US" altLang="zh-CN" sz="2000" b="0" i="1" smtClean="0">
+                          <a:solidFill>
+                            <a:schemeClr val="tx1">
+                              <a:lumMod val="65000"/>
+                              <a:lumOff val="35000"/>
+                            </a:schemeClr>
+                          </a:solidFill>
+                          <a:latin typeface="Cambria Math" panose="02040503050406030204" pitchFamily="18" charset="0"/>
+                          <a:ea typeface="微软雅黑 Light" panose="020B0502040204020203" pitchFamily="34" charset="-122"/>
+                        </a:rPr>
+                        <m:t>𝑗</m:t>
+                      </m:r>
+                      <m:r>
+                        <a:rPr lang="en-US" altLang="zh-CN" sz="2000" b="0" i="1" smtClean="0">
+                          <a:solidFill>
+                            <a:schemeClr val="tx1">
+                              <a:lumMod val="65000"/>
+                              <a:lumOff val="35000"/>
+                            </a:schemeClr>
+                          </a:solidFill>
+                          <a:latin typeface="Cambria Math" panose="02040503050406030204" pitchFamily="18" charset="0"/>
+                          <a:ea typeface="微软雅黑 Light" panose="020B0502040204020203" pitchFamily="34" charset="-122"/>
+                        </a:rPr>
+                        <m:t>]</m:t>
+                      </m:r>
+                    </m:oMath>
+                  </m:oMathPara>
+                </a14:m>
+                <a:endParaRPr lang="en-US" altLang="zh-CN" sz="2000" dirty="0">
+                  <a:solidFill>
+                    <a:schemeClr val="tx1">
+                      <a:lumMod val="65000"/>
+                      <a:lumOff val="35000"/>
+                    </a:schemeClr>
+                  </a:solidFill>
+                  <a:latin typeface="微软雅黑 Light" panose="020B0502040204020203" pitchFamily="34" charset="-122"/>
+                  <a:ea typeface="微软雅黑 Light" panose="020B0502040204020203" pitchFamily="34" charset="-122"/>
+                </a:endParaRPr>
+              </a:p>
+            </p:txBody>
+          </p:sp>
+        </mc:Choice>
+        <mc:Fallback>
+          <p:sp>
+            <p:nvSpPr>
+              <p:cNvPr id="4" name="Content Placeholder 3">
+                <a:extLst>
+                  <a:ext uri="{FF2B5EF4-FFF2-40B4-BE49-F238E27FC236}">
+                    <a16:creationId xmlns:a16="http://schemas.microsoft.com/office/drawing/2014/main" id="{368B2D2E-6A5C-4FE0-91BB-6CC0CC9AEF62}"/>
+                  </a:ext>
+                </a:extLst>
+              </p:cNvPr>
+              <p:cNvSpPr txBox="1">
+                <a:spLocks noRot="1" noChangeAspect="1" noMove="1" noResize="1" noEditPoints="1" noAdjustHandles="1" noChangeArrowheads="1" noChangeShapeType="1" noTextEdit="1"/>
+              </p:cNvSpPr>
+              <p:nvPr/>
+            </p:nvSpPr>
+            <p:spPr>
+              <a:xfrm>
+                <a:off x="457200" y="1131888"/>
+                <a:ext cx="8229600" cy="3925887"/>
+              </a:xfrm>
+              <a:prstGeom prst="rect">
+                <a:avLst/>
+              </a:prstGeom>
+              <a:blipFill>
+                <a:blip r:embed="rId3"/>
+                <a:stretch>
+                  <a:fillRect l="-667"/>
+                </a:stretch>
+              </a:blipFill>
+            </p:spPr>
+            <p:txBody>
+              <a:bodyPr/>
+              <a:lstStyle/>
+              <a:p>
+                <a:r>
+                  <a:rPr lang="zh-CN" altLang="en-US">
+                    <a:noFill/>
+                  </a:rPr>
+                  <a:t> </a:t>
+                </a:r>
+              </a:p>
+            </p:txBody>
+          </p:sp>
+        </mc:Fallback>
+      </mc:AlternateContent>
     </p:spTree>
     <p:extLst>
       <p:ext uri="{BB962C8B-B14F-4D97-AF65-F5344CB8AC3E}">
-        <p14:creationId xmlns:p14="http://schemas.microsoft.com/office/powerpoint/2010/main" val="3068457808"/>
+        <p14:creationId xmlns:p14="http://schemas.microsoft.com/office/powerpoint/2010/main" val="1017445738"/>
       </p:ext>
     </p:extLst>
   </p:cSld>

--- a/PPT/C++练习.pptx
+++ b/PPT/C++练习.pptx
@@ -338,7 +338,7 @@
               <a:pPr>
                 <a:defRPr/>
               </a:pPr>
-              <a:t>2017/9/6</a:t>
+              <a:t>2017/9/8</a:t>
             </a:fld>
             <a:endParaRPr lang="zh-CN" altLang="en-US" sz="1200"/>
           </a:p>
@@ -23212,7 +23212,7 @@
                 <a:latin typeface="微软雅黑 Light" panose="020B0502040204020203" pitchFamily="34" charset="-122"/>
                 <a:ea typeface="微软雅黑 Light" panose="020B0502040204020203" pitchFamily="34" charset="-122"/>
               </a:rPr>
-              <a:t>矩阵的转置</a:t>
+              <a:t>矩阵加减法</a:t>
             </a:r>
             <a:endParaRPr lang="en-US" altLang="zh-CN" sz="2400" dirty="0">
               <a:solidFill>
@@ -23653,36 +23653,6 @@
                 <a:ea typeface="微软雅黑 Light" panose="020B0502040204020203" pitchFamily="34" charset="-122"/>
               </a:rPr>
               <a:t>类</a:t>
-            </a:r>
-            <a:endParaRPr lang="en-US" altLang="zh-CN" sz="2800" dirty="0">
-              <a:solidFill>
-                <a:schemeClr val="tx1">
-                  <a:lumMod val="65000"/>
-                  <a:lumOff val="35000"/>
-                </a:schemeClr>
-              </a:solidFill>
-              <a:latin typeface="微软雅黑 Light" panose="020B0502040204020203" pitchFamily="34" charset="-122"/>
-              <a:ea typeface="微软雅黑 Light" panose="020B0502040204020203" pitchFamily="34" charset="-122"/>
-            </a:endParaRPr>
-          </a:p>
-          <a:p>
-            <a:pPr lvl="1">
-              <a:lnSpc>
-                <a:spcPct val="150000"/>
-              </a:lnSpc>
-            </a:pPr>
-            <a:r>
-              <a:rPr lang="zh-CN" altLang="en-US" sz="2400" dirty="0">
-                <a:solidFill>
-                  <a:schemeClr val="tx1">
-                    <a:lumMod val="65000"/>
-                    <a:lumOff val="35000"/>
-                  </a:schemeClr>
-                </a:solidFill>
-                <a:latin typeface="微软雅黑 Light" panose="020B0502040204020203" pitchFamily="34" charset="-122"/>
-                <a:ea typeface="微软雅黑 Light" panose="020B0502040204020203" pitchFamily="34" charset="-122"/>
-              </a:rPr>
-              <a:t>矩阵加减法</a:t>
             </a:r>
             <a:endParaRPr lang="en-US" altLang="zh-CN" sz="2400" dirty="0">
               <a:solidFill>

--- a/PPT/C++练习.pptx
+++ b/PPT/C++练习.pptx
@@ -5,7 +5,7 @@
     <p:sldMasterId id="2147483648" r:id="rId1"/>
   </p:sldMasterIdLst>
   <p:notesMasterIdLst>
-    <p:notesMasterId r:id="rId17"/>
+    <p:notesMasterId r:id="rId18"/>
   </p:notesMasterIdLst>
   <p:sldIdLst>
     <p:sldId id="256" r:id="rId2"/>
@@ -22,7 +22,8 @@
     <p:sldId id="269" r:id="rId13"/>
     <p:sldId id="270" r:id="rId14"/>
     <p:sldId id="272" r:id="rId15"/>
-    <p:sldId id="259" r:id="rId16"/>
+    <p:sldId id="273" r:id="rId16"/>
+    <p:sldId id="259" r:id="rId17"/>
   </p:sldIdLst>
   <p:sldSz cx="9144000" cy="5143500" type="screen16x9"/>
   <p:notesSz cx="6858000" cy="9144000"/>
@@ -338,7 +339,7 @@
               <a:pPr>
                 <a:defRPr/>
               </a:pPr>
-              <a:t>2017/9/8</a:t>
+              <a:t>2017/9/12</a:t>
             </a:fld>
             <a:endParaRPr lang="zh-CN" altLang="en-US" sz="1200"/>
           </a:p>
@@ -18905,6 +18906,525 @@
       </p:grpSpPr>
       <p:pic>
         <p:nvPicPr>
+          <p:cNvPr id="3074" name="Picture 2">
+            <a:extLst>
+              <a:ext uri="{FF2B5EF4-FFF2-40B4-BE49-F238E27FC236}">
+                <a16:creationId xmlns:a16="http://schemas.microsoft.com/office/drawing/2014/main" id="{602C339E-BA86-4A21-AB6C-4F6D8491BC39}"/>
+              </a:ext>
+            </a:extLst>
+          </p:cNvPr>
+          <p:cNvPicPr>
+            <a:picLocks noChangeAspect="1" noChangeArrowheads="1"/>
+          </p:cNvPicPr>
+          <p:nvPr/>
+        </p:nvPicPr>
+        <p:blipFill>
+          <a:blip r:embed="rId2">
+            <a:extLst>
+              <a:ext uri="{28A0092B-C50C-407E-A947-70E740481C1C}">
+                <a14:useLocalDpi xmlns:a14="http://schemas.microsoft.com/office/drawing/2010/main" val="0"/>
+              </a:ext>
+            </a:extLst>
+          </a:blip>
+          <a:srcRect/>
+          <a:stretch>
+            <a:fillRect/>
+          </a:stretch>
+        </p:blipFill>
+        <p:spPr bwMode="auto">
+          <a:xfrm>
+            <a:off x="7956550" y="4606925"/>
+            <a:ext cx="1081088" cy="450850"/>
+          </a:xfrm>
+          <a:prstGeom prst="rect">
+            <a:avLst/>
+          </a:prstGeom>
+          <a:noFill/>
+          <a:ln>
+            <a:noFill/>
+          </a:ln>
+          <a:effectLst/>
+          <a:extLst>
+            <a:ext uri="{909E8E84-426E-40DD-AFC4-6F175D3DCCD1}">
+              <a14:hiddenFill xmlns:a14="http://schemas.microsoft.com/office/drawing/2010/main">
+                <a:solidFill>
+                  <a:srgbClr val="FFFFFF"/>
+                </a:solidFill>
+              </a14:hiddenFill>
+            </a:ext>
+            <a:ext uri="{91240B29-F687-4F45-9708-019B960494DF}">
+              <a14:hiddenLine xmlns:a14="http://schemas.microsoft.com/office/drawing/2010/main" w="9525">
+                <a:solidFill>
+                  <a:srgbClr val="000000"/>
+                </a:solidFill>
+                <a:miter lim="800000"/>
+                <a:headEnd/>
+                <a:tailEnd/>
+              </a14:hiddenLine>
+            </a:ext>
+            <a:ext uri="{AF507438-7753-43E0-B8FC-AC1667EBCBE1}">
+              <a14:hiddenEffects xmlns:a14="http://schemas.microsoft.com/office/drawing/2010/main">
+                <a:effectLst>
+                  <a:outerShdw dist="35921" dir="2700000" algn="ctr" rotWithShape="0">
+                    <a:srgbClr val="808080"/>
+                  </a:outerShdw>
+                </a:effectLst>
+              </a14:hiddenEffects>
+            </a:ext>
+          </a:extLst>
+        </p:spPr>
+      </p:pic>
+      <p:sp>
+        <p:nvSpPr>
+          <p:cNvPr id="3075" name="Title 1">
+            <a:extLst>
+              <a:ext uri="{FF2B5EF4-FFF2-40B4-BE49-F238E27FC236}">
+                <a16:creationId xmlns:a16="http://schemas.microsoft.com/office/drawing/2014/main" id="{666E1B67-1175-4598-AA77-794FC6629051}"/>
+              </a:ext>
+            </a:extLst>
+          </p:cNvPr>
+          <p:cNvSpPr>
+            <a:spLocks noGrp="1" noChangeArrowheads="1"/>
+          </p:cNvSpPr>
+          <p:nvPr>
+            <p:ph type="title"/>
+          </p:nvPr>
+        </p:nvSpPr>
+        <p:spPr bwMode="auto">
+          <a:xfrm>
+            <a:off x="457200" y="123825"/>
+            <a:ext cx="8229600" cy="711200"/>
+          </a:xfrm>
+          <a:noFill/>
+          <a:extLst>
+            <a:ext uri="{909E8E84-426E-40DD-AFC4-6F175D3DCCD1}">
+              <a14:hiddenFill xmlns:a14="http://schemas.microsoft.com/office/drawing/2010/main">
+                <a:solidFill>
+                  <a:srgbClr val="FFFFFF"/>
+                </a:solidFill>
+              </a14:hiddenFill>
+            </a:ext>
+            <a:ext uri="{91240B29-F687-4F45-9708-019B960494DF}">
+              <a14:hiddenLine xmlns:a14="http://schemas.microsoft.com/office/drawing/2010/main" w="9525">
+                <a:solidFill>
+                  <a:srgbClr val="000000"/>
+                </a:solidFill>
+                <a:miter lim="800000"/>
+                <a:headEnd/>
+                <a:tailEnd/>
+              </a14:hiddenLine>
+            </a:ext>
+          </a:extLst>
+        </p:spPr>
+        <p:txBody>
+          <a:bodyPr vert="horz" wrap="square" lIns="91440" tIns="45720" rIns="91440" bIns="45720" numCol="1" anchor="t" anchorCtr="0" compatLnSpc="1">
+            <a:prstTxWarp prst="textNoShape">
+              <a:avLst/>
+            </a:prstTxWarp>
+          </a:bodyPr>
+          <a:lstStyle/>
+          <a:p>
+            <a:pPr algn="l" eaLnBrk="1" hangingPunct="1"/>
+            <a:r>
+              <a:rPr lang="zh-CN" altLang="en-US" dirty="0">
+                <a:solidFill>
+                  <a:srgbClr val="C00000"/>
+                </a:solidFill>
+                <a:latin typeface="微软雅黑 Light" panose="020B0502040204020203" pitchFamily="34" charset="-122"/>
+                <a:ea typeface="微软雅黑 Light" panose="020B0502040204020203" pitchFamily="34" charset="-122"/>
+              </a:rPr>
+              <a:t>练习</a:t>
+            </a:r>
+            <a:endParaRPr lang="en-US" altLang="zh-CN" dirty="0">
+              <a:solidFill>
+                <a:srgbClr val="C00000"/>
+              </a:solidFill>
+              <a:latin typeface="微软雅黑 Light" panose="020B0502040204020203" pitchFamily="34" charset="-122"/>
+              <a:ea typeface="微软雅黑 Light" panose="020B0502040204020203" pitchFamily="34" charset="-122"/>
+            </a:endParaRPr>
+          </a:p>
+        </p:txBody>
+      </p:sp>
+      <p:sp>
+        <p:nvSpPr>
+          <p:cNvPr id="4" name="Content Placeholder 3">
+            <a:extLst>
+              <a:ext uri="{FF2B5EF4-FFF2-40B4-BE49-F238E27FC236}">
+                <a16:creationId xmlns:a16="http://schemas.microsoft.com/office/drawing/2014/main" id="{368B2D2E-6A5C-4FE0-91BB-6CC0CC9AEF62}"/>
+              </a:ext>
+            </a:extLst>
+          </p:cNvPr>
+          <p:cNvSpPr txBox="1">
+            <a:spLocks/>
+          </p:cNvSpPr>
+          <p:nvPr/>
+        </p:nvSpPr>
+        <p:spPr>
+          <a:xfrm>
+            <a:off x="457200" y="1131888"/>
+            <a:ext cx="8229600" cy="3925887"/>
+          </a:xfrm>
+          <a:prstGeom prst="rect">
+            <a:avLst/>
+          </a:prstGeom>
+        </p:spPr>
+        <p:txBody>
+          <a:bodyPr/>
+          <a:lstStyle>
+            <a:lvl1pPr marL="342900" indent="-342900" algn="l" rtl="0" fontAlgn="base">
+              <a:spcBef>
+                <a:spcPct val="20000"/>
+              </a:spcBef>
+              <a:spcAft>
+                <a:spcPct val="0"/>
+              </a:spcAft>
+              <a:buFont typeface="Arial" panose="020B0604020202020204" pitchFamily="34" charset="0"/>
+              <a:buChar char="•"/>
+              <a:defRPr sz="3200" kern="1200">
+                <a:solidFill>
+                  <a:schemeClr val="tx1"/>
+                </a:solidFill>
+                <a:latin typeface="+mn-lt"/>
+                <a:ea typeface="+mn-ea"/>
+                <a:cs typeface="+mn-cs"/>
+                <a:sym typeface="Calibri" panose="020F0502020204030204" pitchFamily="34" charset="0"/>
+              </a:defRPr>
+            </a:lvl1pPr>
+            <a:lvl2pPr marL="742950" indent="-285750" algn="l" rtl="0" fontAlgn="base">
+              <a:spcBef>
+                <a:spcPct val="20000"/>
+              </a:spcBef>
+              <a:spcAft>
+                <a:spcPct val="0"/>
+              </a:spcAft>
+              <a:buFont typeface="Arial" panose="020B0604020202020204" pitchFamily="34" charset="0"/>
+              <a:buChar char="–"/>
+              <a:defRPr sz="2800" kern="1200">
+                <a:solidFill>
+                  <a:schemeClr val="tx1"/>
+                </a:solidFill>
+                <a:latin typeface="+mn-lt"/>
+                <a:ea typeface="+mn-ea"/>
+                <a:cs typeface="+mn-cs"/>
+                <a:sym typeface="Calibri" panose="020F0502020204030204" pitchFamily="34" charset="0"/>
+              </a:defRPr>
+            </a:lvl2pPr>
+            <a:lvl3pPr marL="1143000" indent="-228600" algn="l" rtl="0" fontAlgn="base">
+              <a:spcBef>
+                <a:spcPct val="20000"/>
+              </a:spcBef>
+              <a:spcAft>
+                <a:spcPct val="0"/>
+              </a:spcAft>
+              <a:buFont typeface="Arial" panose="020B0604020202020204" pitchFamily="34" charset="0"/>
+              <a:buChar char="•"/>
+              <a:defRPr sz="2400" kern="1200">
+                <a:solidFill>
+                  <a:schemeClr val="tx1"/>
+                </a:solidFill>
+                <a:latin typeface="+mn-lt"/>
+                <a:ea typeface="+mn-ea"/>
+                <a:cs typeface="+mn-cs"/>
+                <a:sym typeface="Calibri" panose="020F0502020204030204" pitchFamily="34" charset="0"/>
+              </a:defRPr>
+            </a:lvl3pPr>
+            <a:lvl4pPr marL="1600200" indent="-228600" algn="l" rtl="0" fontAlgn="base">
+              <a:spcBef>
+                <a:spcPct val="20000"/>
+              </a:spcBef>
+              <a:spcAft>
+                <a:spcPct val="0"/>
+              </a:spcAft>
+              <a:buFont typeface="Arial" panose="020B0604020202020204" pitchFamily="34" charset="0"/>
+              <a:buChar char="–"/>
+              <a:defRPr sz="2000" kern="1200">
+                <a:solidFill>
+                  <a:schemeClr val="tx1"/>
+                </a:solidFill>
+                <a:latin typeface="+mn-lt"/>
+                <a:ea typeface="+mn-ea"/>
+                <a:cs typeface="+mn-cs"/>
+                <a:sym typeface="Calibri" panose="020F0502020204030204" pitchFamily="34" charset="0"/>
+              </a:defRPr>
+            </a:lvl4pPr>
+            <a:lvl5pPr marL="2057400" indent="-228600" algn="l" rtl="0" fontAlgn="base">
+              <a:spcBef>
+                <a:spcPct val="20000"/>
+              </a:spcBef>
+              <a:spcAft>
+                <a:spcPct val="0"/>
+              </a:spcAft>
+              <a:buFont typeface="Arial" panose="020B0604020202020204" pitchFamily="34" charset="0"/>
+              <a:buChar char="»"/>
+              <a:defRPr sz="2000" kern="1200">
+                <a:solidFill>
+                  <a:schemeClr val="tx1"/>
+                </a:solidFill>
+                <a:latin typeface="+mn-lt"/>
+                <a:ea typeface="+mn-ea"/>
+                <a:cs typeface="+mn-cs"/>
+                <a:sym typeface="Calibri" panose="020F0502020204030204" pitchFamily="34" charset="0"/>
+              </a:defRPr>
+            </a:lvl5pPr>
+            <a:lvl6pPr marL="2514600" indent="-228600" algn="l" defTabSz="914400" rtl="0" eaLnBrk="1" latinLnBrk="0" hangingPunct="1">
+              <a:lnSpc>
+                <a:spcPct val="90000"/>
+              </a:lnSpc>
+              <a:spcBef>
+                <a:spcPts val="500"/>
+              </a:spcBef>
+              <a:buFont typeface="Arial" panose="020B0604020202020204" pitchFamily="34" charset="0"/>
+              <a:buChar char="•"/>
+              <a:defRPr sz="1800" kern="1200">
+                <a:solidFill>
+                  <a:schemeClr val="tx1"/>
+                </a:solidFill>
+                <a:latin typeface="+mn-lt"/>
+                <a:ea typeface="+mn-ea"/>
+                <a:cs typeface="+mn-cs"/>
+              </a:defRPr>
+            </a:lvl6pPr>
+            <a:lvl7pPr marL="2971800" indent="-228600" algn="l" defTabSz="914400" rtl="0" eaLnBrk="1" latinLnBrk="0" hangingPunct="1">
+              <a:lnSpc>
+                <a:spcPct val="90000"/>
+              </a:lnSpc>
+              <a:spcBef>
+                <a:spcPts val="500"/>
+              </a:spcBef>
+              <a:buFont typeface="Arial" panose="020B0604020202020204" pitchFamily="34" charset="0"/>
+              <a:buChar char="•"/>
+              <a:defRPr sz="1800" kern="1200">
+                <a:solidFill>
+                  <a:schemeClr val="tx1"/>
+                </a:solidFill>
+                <a:latin typeface="+mn-lt"/>
+                <a:ea typeface="+mn-ea"/>
+                <a:cs typeface="+mn-cs"/>
+              </a:defRPr>
+            </a:lvl7pPr>
+            <a:lvl8pPr marL="3429000" indent="-228600" algn="l" defTabSz="914400" rtl="0" eaLnBrk="1" latinLnBrk="0" hangingPunct="1">
+              <a:lnSpc>
+                <a:spcPct val="90000"/>
+              </a:lnSpc>
+              <a:spcBef>
+                <a:spcPts val="500"/>
+              </a:spcBef>
+              <a:buFont typeface="Arial" panose="020B0604020202020204" pitchFamily="34" charset="0"/>
+              <a:buChar char="•"/>
+              <a:defRPr sz="1800" kern="1200">
+                <a:solidFill>
+                  <a:schemeClr val="tx1"/>
+                </a:solidFill>
+                <a:latin typeface="+mn-lt"/>
+                <a:ea typeface="+mn-ea"/>
+                <a:cs typeface="+mn-cs"/>
+              </a:defRPr>
+            </a:lvl8pPr>
+            <a:lvl9pPr marL="3886200" indent="-228600" algn="l" defTabSz="914400" rtl="0" eaLnBrk="1" latinLnBrk="0" hangingPunct="1">
+              <a:lnSpc>
+                <a:spcPct val="90000"/>
+              </a:lnSpc>
+              <a:spcBef>
+                <a:spcPts val="500"/>
+              </a:spcBef>
+              <a:buFont typeface="Arial" panose="020B0604020202020204" pitchFamily="34" charset="0"/>
+              <a:buChar char="•"/>
+              <a:defRPr sz="1800" kern="1200">
+                <a:solidFill>
+                  <a:schemeClr val="tx1"/>
+                </a:solidFill>
+                <a:latin typeface="+mn-lt"/>
+                <a:ea typeface="+mn-ea"/>
+                <a:cs typeface="+mn-cs"/>
+              </a:defRPr>
+            </a:lvl9pPr>
+          </a:lstStyle>
+          <a:p>
+            <a:pPr>
+              <a:lnSpc>
+                <a:spcPct val="150000"/>
+              </a:lnSpc>
+            </a:pPr>
+            <a:r>
+              <a:rPr lang="zh-CN" altLang="en-US" sz="2800" dirty="0">
+                <a:solidFill>
+                  <a:schemeClr val="tx1">
+                    <a:lumMod val="65000"/>
+                    <a:lumOff val="35000"/>
+                  </a:schemeClr>
+                </a:solidFill>
+                <a:latin typeface="微软雅黑 Light" panose="020B0502040204020203" pitchFamily="34" charset="-122"/>
+                <a:ea typeface="微软雅黑 Light" panose="020B0502040204020203" pitchFamily="34" charset="-122"/>
+              </a:rPr>
+              <a:t>完善</a:t>
+            </a:r>
+            <a:r>
+              <a:rPr lang="en-US" altLang="zh-CN" sz="2800" dirty="0" err="1">
+                <a:solidFill>
+                  <a:schemeClr val="tx1">
+                    <a:lumMod val="65000"/>
+                    <a:lumOff val="35000"/>
+                  </a:schemeClr>
+                </a:solidFill>
+                <a:latin typeface="微软雅黑 Light" panose="020B0502040204020203" pitchFamily="34" charset="-122"/>
+                <a:ea typeface="微软雅黑 Light" panose="020B0502040204020203" pitchFamily="34" charset="-122"/>
+              </a:rPr>
+              <a:t>GMatrix</a:t>
+            </a:r>
+            <a:r>
+              <a:rPr lang="zh-CN" altLang="en-US" sz="2800" dirty="0">
+                <a:solidFill>
+                  <a:schemeClr val="tx1">
+                    <a:lumMod val="65000"/>
+                    <a:lumOff val="35000"/>
+                  </a:schemeClr>
+                </a:solidFill>
+                <a:latin typeface="微软雅黑 Light" panose="020B0502040204020203" pitchFamily="34" charset="-122"/>
+                <a:ea typeface="微软雅黑 Light" panose="020B0502040204020203" pitchFamily="34" charset="-122"/>
+              </a:rPr>
+              <a:t>类</a:t>
+            </a:r>
+            <a:endParaRPr lang="en-US" altLang="zh-CN" sz="2800" dirty="0">
+              <a:solidFill>
+                <a:schemeClr val="tx1">
+                  <a:lumMod val="65000"/>
+                  <a:lumOff val="35000"/>
+                </a:schemeClr>
+              </a:solidFill>
+              <a:latin typeface="微软雅黑 Light" panose="020B0502040204020203" pitchFamily="34" charset="-122"/>
+              <a:ea typeface="微软雅黑 Light" panose="020B0502040204020203" pitchFamily="34" charset="-122"/>
+            </a:endParaRPr>
+          </a:p>
+          <a:p>
+            <a:pPr lvl="1">
+              <a:lnSpc>
+                <a:spcPct val="150000"/>
+              </a:lnSpc>
+            </a:pPr>
+            <a:r>
+              <a:rPr lang="en-US" altLang="zh-CN" sz="2400" dirty="0" err="1">
+                <a:solidFill>
+                  <a:schemeClr val="tx1">
+                    <a:lumMod val="65000"/>
+                    <a:lumOff val="35000"/>
+                  </a:schemeClr>
+                </a:solidFill>
+                <a:latin typeface="微软雅黑 Light" panose="020B0502040204020203" pitchFamily="34" charset="-122"/>
+                <a:ea typeface="微软雅黑 Light" panose="020B0502040204020203" pitchFamily="34" charset="-122"/>
+              </a:rPr>
+              <a:t>cout</a:t>
+            </a:r>
+            <a:endParaRPr lang="en-US" altLang="zh-CN" sz="2400" dirty="0">
+              <a:solidFill>
+                <a:schemeClr val="tx1">
+                  <a:lumMod val="65000"/>
+                  <a:lumOff val="35000"/>
+                </a:schemeClr>
+              </a:solidFill>
+              <a:latin typeface="微软雅黑 Light" panose="020B0502040204020203" pitchFamily="34" charset="-122"/>
+              <a:ea typeface="微软雅黑 Light" panose="020B0502040204020203" pitchFamily="34" charset="-122"/>
+            </a:endParaRPr>
+          </a:p>
+          <a:p>
+            <a:pPr lvl="1">
+              <a:lnSpc>
+                <a:spcPct val="150000"/>
+              </a:lnSpc>
+            </a:pPr>
+            <a:r>
+              <a:rPr lang="en-US" altLang="zh-CN" sz="2400" dirty="0" err="1">
+                <a:solidFill>
+                  <a:schemeClr val="tx1">
+                    <a:lumMod val="65000"/>
+                    <a:lumOff val="35000"/>
+                  </a:schemeClr>
+                </a:solidFill>
+                <a:latin typeface="微软雅黑 Light" panose="020B0502040204020203" pitchFamily="34" charset="-122"/>
+                <a:ea typeface="微软雅黑 Light" panose="020B0502040204020203" pitchFamily="34" charset="-122"/>
+              </a:rPr>
+              <a:t>SetIdentity</a:t>
+            </a:r>
+            <a:r>
+              <a:rPr lang="en-US" altLang="zh-CN" sz="2400" dirty="0">
+                <a:solidFill>
+                  <a:schemeClr val="tx1">
+                    <a:lumMod val="65000"/>
+                    <a:lumOff val="35000"/>
+                  </a:schemeClr>
+                </a:solidFill>
+                <a:latin typeface="微软雅黑 Light" panose="020B0502040204020203" pitchFamily="34" charset="-122"/>
+                <a:ea typeface="微软雅黑 Light" panose="020B0502040204020203" pitchFamily="34" charset="-122"/>
+              </a:rPr>
+              <a:t>()</a:t>
+            </a:r>
+          </a:p>
+          <a:p>
+            <a:pPr lvl="1">
+              <a:lnSpc>
+                <a:spcPct val="150000"/>
+              </a:lnSpc>
+            </a:pPr>
+            <a:r>
+              <a:rPr lang="en-US" altLang="zh-CN" sz="2400" dirty="0" err="1">
+                <a:solidFill>
+                  <a:schemeClr val="tx1">
+                    <a:lumMod val="65000"/>
+                    <a:lumOff val="35000"/>
+                  </a:schemeClr>
+                </a:solidFill>
+                <a:latin typeface="微软雅黑 Light" panose="020B0502040204020203" pitchFamily="34" charset="-122"/>
+                <a:ea typeface="微软雅黑 Light" panose="020B0502040204020203" pitchFamily="34" charset="-122"/>
+              </a:rPr>
+              <a:t>SetZeros</a:t>
+            </a:r>
+            <a:r>
+              <a:rPr lang="en-US" altLang="zh-CN" sz="2400" dirty="0">
+                <a:solidFill>
+                  <a:schemeClr val="tx1">
+                    <a:lumMod val="65000"/>
+                    <a:lumOff val="35000"/>
+                  </a:schemeClr>
+                </a:solidFill>
+                <a:latin typeface="微软雅黑 Light" panose="020B0502040204020203" pitchFamily="34" charset="-122"/>
+                <a:ea typeface="微软雅黑 Light" panose="020B0502040204020203" pitchFamily="34" charset="-122"/>
+              </a:rPr>
+              <a:t>()</a:t>
+            </a:r>
+          </a:p>
+        </p:txBody>
+      </p:sp>
+    </p:spTree>
+    <p:extLst>
+      <p:ext uri="{BB962C8B-B14F-4D97-AF65-F5344CB8AC3E}">
+        <p14:creationId xmlns:p14="http://schemas.microsoft.com/office/powerpoint/2010/main" val="3508085386"/>
+      </p:ext>
+    </p:extLst>
+  </p:cSld>
+  <p:clrMapOvr>
+    <a:masterClrMapping/>
+  </p:clrMapOvr>
+</p:sld>
+</file>
+
+<file path=ppt/slides/slide16.xml><?xml version="1.0" encoding="utf-8"?>
+<p:sld xmlns:a="http://schemas.openxmlformats.org/drawingml/2006/main" xmlns:r="http://schemas.openxmlformats.org/officeDocument/2006/relationships" xmlns:p="http://schemas.openxmlformats.org/presentationml/2006/main">
+  <p:cSld>
+    <p:spTree>
+      <p:nvGrpSpPr>
+        <p:cNvPr id="1" name=""/>
+        <p:cNvGrpSpPr/>
+        <p:nvPr/>
+      </p:nvGrpSpPr>
+      <p:grpSpPr>
+        <a:xfrm>
+          <a:off x="0" y="0"/>
+          <a:ext cx="0" cy="0"/>
+          <a:chOff x="0" y="0"/>
+          <a:chExt cx="0" cy="0"/>
+        </a:xfrm>
+      </p:grpSpPr>
+      <p:pic>
+        <p:nvPicPr>
           <p:cNvPr id="8194" name="Picture 2" descr="D:\work\CSDN学院ppt\5.jpg">
             <a:extLst>
               <a:ext uri="{FF2B5EF4-FFF2-40B4-BE49-F238E27FC236}">

--- a/PPT/C++练习.pptx
+++ b/PPT/C++练习.pptx
@@ -5,7 +5,7 @@
     <p:sldMasterId id="2147483648" r:id="rId1"/>
   </p:sldMasterIdLst>
   <p:notesMasterIdLst>
-    <p:notesMasterId r:id="rId18"/>
+    <p:notesMasterId r:id="rId21"/>
   </p:notesMasterIdLst>
   <p:sldIdLst>
     <p:sldId id="256" r:id="rId2"/>
@@ -23,7 +23,10 @@
     <p:sldId id="270" r:id="rId14"/>
     <p:sldId id="272" r:id="rId15"/>
     <p:sldId id="273" r:id="rId16"/>
-    <p:sldId id="259" r:id="rId17"/>
+    <p:sldId id="274" r:id="rId17"/>
+    <p:sldId id="275" r:id="rId18"/>
+    <p:sldId id="276" r:id="rId19"/>
+    <p:sldId id="259" r:id="rId20"/>
   </p:sldIdLst>
   <p:sldSz cx="9144000" cy="5143500" type="screen16x9"/>
   <p:notesSz cx="6858000" cy="9144000"/>
@@ -339,7 +342,7 @@
               <a:pPr>
                 <a:defRPr/>
               </a:pPr>
-              <a:t>2017/9/12</a:t>
+              <a:t>2017/9/13</a:t>
             </a:fld>
             <a:endParaRPr lang="zh-CN" altLang="en-US" sz="1200"/>
           </a:p>
@@ -19425,6 +19428,1645 @@
       </p:grpSpPr>
       <p:pic>
         <p:nvPicPr>
+          <p:cNvPr id="3074" name="Picture 2">
+            <a:extLst>
+              <a:ext uri="{FF2B5EF4-FFF2-40B4-BE49-F238E27FC236}">
+                <a16:creationId xmlns:a16="http://schemas.microsoft.com/office/drawing/2014/main" id="{602C339E-BA86-4A21-AB6C-4F6D8491BC39}"/>
+              </a:ext>
+            </a:extLst>
+          </p:cNvPr>
+          <p:cNvPicPr>
+            <a:picLocks noChangeAspect="1" noChangeArrowheads="1"/>
+          </p:cNvPicPr>
+          <p:nvPr/>
+        </p:nvPicPr>
+        <p:blipFill>
+          <a:blip r:embed="rId2">
+            <a:extLst>
+              <a:ext uri="{28A0092B-C50C-407E-A947-70E740481C1C}">
+                <a14:useLocalDpi xmlns:a14="http://schemas.microsoft.com/office/drawing/2010/main" val="0"/>
+              </a:ext>
+            </a:extLst>
+          </a:blip>
+          <a:srcRect/>
+          <a:stretch>
+            <a:fillRect/>
+          </a:stretch>
+        </p:blipFill>
+        <p:spPr bwMode="auto">
+          <a:xfrm>
+            <a:off x="7956550" y="4606925"/>
+            <a:ext cx="1081088" cy="450850"/>
+          </a:xfrm>
+          <a:prstGeom prst="rect">
+            <a:avLst/>
+          </a:prstGeom>
+          <a:noFill/>
+          <a:ln>
+            <a:noFill/>
+          </a:ln>
+          <a:effectLst/>
+          <a:extLst>
+            <a:ext uri="{909E8E84-426E-40DD-AFC4-6F175D3DCCD1}">
+              <a14:hiddenFill xmlns:a14="http://schemas.microsoft.com/office/drawing/2010/main">
+                <a:solidFill>
+                  <a:srgbClr val="FFFFFF"/>
+                </a:solidFill>
+              </a14:hiddenFill>
+            </a:ext>
+            <a:ext uri="{91240B29-F687-4F45-9708-019B960494DF}">
+              <a14:hiddenLine xmlns:a14="http://schemas.microsoft.com/office/drawing/2010/main" w="9525">
+                <a:solidFill>
+                  <a:srgbClr val="000000"/>
+                </a:solidFill>
+                <a:miter lim="800000"/>
+                <a:headEnd/>
+                <a:tailEnd/>
+              </a14:hiddenLine>
+            </a:ext>
+            <a:ext uri="{AF507438-7753-43E0-B8FC-AC1667EBCBE1}">
+              <a14:hiddenEffects xmlns:a14="http://schemas.microsoft.com/office/drawing/2010/main">
+                <a:effectLst>
+                  <a:outerShdw dist="35921" dir="2700000" algn="ctr" rotWithShape="0">
+                    <a:srgbClr val="808080"/>
+                  </a:outerShdw>
+                </a:effectLst>
+              </a14:hiddenEffects>
+            </a:ext>
+          </a:extLst>
+        </p:spPr>
+      </p:pic>
+      <p:sp>
+        <p:nvSpPr>
+          <p:cNvPr id="3075" name="Title 1">
+            <a:extLst>
+              <a:ext uri="{FF2B5EF4-FFF2-40B4-BE49-F238E27FC236}">
+                <a16:creationId xmlns:a16="http://schemas.microsoft.com/office/drawing/2014/main" id="{666E1B67-1175-4598-AA77-794FC6629051}"/>
+              </a:ext>
+            </a:extLst>
+          </p:cNvPr>
+          <p:cNvSpPr>
+            <a:spLocks noGrp="1" noChangeArrowheads="1"/>
+          </p:cNvSpPr>
+          <p:nvPr>
+            <p:ph type="title"/>
+          </p:nvPr>
+        </p:nvSpPr>
+        <p:spPr bwMode="auto">
+          <a:xfrm>
+            <a:off x="457200" y="123825"/>
+            <a:ext cx="8229600" cy="711200"/>
+          </a:xfrm>
+          <a:noFill/>
+          <a:extLst>
+            <a:ext uri="{909E8E84-426E-40DD-AFC4-6F175D3DCCD1}">
+              <a14:hiddenFill xmlns:a14="http://schemas.microsoft.com/office/drawing/2010/main">
+                <a:solidFill>
+                  <a:srgbClr val="FFFFFF"/>
+                </a:solidFill>
+              </a14:hiddenFill>
+            </a:ext>
+            <a:ext uri="{91240B29-F687-4F45-9708-019B960494DF}">
+              <a14:hiddenLine xmlns:a14="http://schemas.microsoft.com/office/drawing/2010/main" w="9525">
+                <a:solidFill>
+                  <a:srgbClr val="000000"/>
+                </a:solidFill>
+                <a:miter lim="800000"/>
+                <a:headEnd/>
+                <a:tailEnd/>
+              </a14:hiddenLine>
+            </a:ext>
+          </a:extLst>
+        </p:spPr>
+        <p:txBody>
+          <a:bodyPr vert="horz" wrap="square" lIns="91440" tIns="45720" rIns="91440" bIns="45720" numCol="1" anchor="t" anchorCtr="0" compatLnSpc="1">
+            <a:prstTxWarp prst="textNoShape">
+              <a:avLst/>
+            </a:prstTxWarp>
+          </a:bodyPr>
+          <a:lstStyle/>
+          <a:p>
+            <a:pPr algn="l" eaLnBrk="1" hangingPunct="1"/>
+            <a:r>
+              <a:rPr lang="zh-CN" altLang="en-US" dirty="0">
+                <a:solidFill>
+                  <a:srgbClr val="C00000"/>
+                </a:solidFill>
+                <a:latin typeface="微软雅黑 Light" panose="020B0502040204020203" pitchFamily="34" charset="-122"/>
+                <a:ea typeface="微软雅黑 Light" panose="020B0502040204020203" pitchFamily="34" charset="-122"/>
+              </a:rPr>
+              <a:t>练习</a:t>
+            </a:r>
+            <a:endParaRPr lang="en-US" altLang="zh-CN" dirty="0">
+              <a:solidFill>
+                <a:srgbClr val="C00000"/>
+              </a:solidFill>
+              <a:latin typeface="微软雅黑 Light" panose="020B0502040204020203" pitchFamily="34" charset="-122"/>
+              <a:ea typeface="微软雅黑 Light" panose="020B0502040204020203" pitchFamily="34" charset="-122"/>
+            </a:endParaRPr>
+          </a:p>
+        </p:txBody>
+      </p:sp>
+      <p:sp>
+        <p:nvSpPr>
+          <p:cNvPr id="4" name="Content Placeholder 3">
+            <a:extLst>
+              <a:ext uri="{FF2B5EF4-FFF2-40B4-BE49-F238E27FC236}">
+                <a16:creationId xmlns:a16="http://schemas.microsoft.com/office/drawing/2014/main" id="{368B2D2E-6A5C-4FE0-91BB-6CC0CC9AEF62}"/>
+              </a:ext>
+            </a:extLst>
+          </p:cNvPr>
+          <p:cNvSpPr txBox="1">
+            <a:spLocks/>
+          </p:cNvSpPr>
+          <p:nvPr/>
+        </p:nvSpPr>
+        <p:spPr>
+          <a:xfrm>
+            <a:off x="457200" y="1131888"/>
+            <a:ext cx="8229600" cy="3925887"/>
+          </a:xfrm>
+          <a:prstGeom prst="rect">
+            <a:avLst/>
+          </a:prstGeom>
+        </p:spPr>
+        <p:txBody>
+          <a:bodyPr/>
+          <a:lstStyle>
+            <a:lvl1pPr marL="342900" indent="-342900" algn="l" rtl="0" fontAlgn="base">
+              <a:spcBef>
+                <a:spcPct val="20000"/>
+              </a:spcBef>
+              <a:spcAft>
+                <a:spcPct val="0"/>
+              </a:spcAft>
+              <a:buFont typeface="Arial" panose="020B0604020202020204" pitchFamily="34" charset="0"/>
+              <a:buChar char="•"/>
+              <a:defRPr sz="3200" kern="1200">
+                <a:solidFill>
+                  <a:schemeClr val="tx1"/>
+                </a:solidFill>
+                <a:latin typeface="+mn-lt"/>
+                <a:ea typeface="+mn-ea"/>
+                <a:cs typeface="+mn-cs"/>
+                <a:sym typeface="Calibri" panose="020F0502020204030204" pitchFamily="34" charset="0"/>
+              </a:defRPr>
+            </a:lvl1pPr>
+            <a:lvl2pPr marL="742950" indent="-285750" algn="l" rtl="0" fontAlgn="base">
+              <a:spcBef>
+                <a:spcPct val="20000"/>
+              </a:spcBef>
+              <a:spcAft>
+                <a:spcPct val="0"/>
+              </a:spcAft>
+              <a:buFont typeface="Arial" panose="020B0604020202020204" pitchFamily="34" charset="0"/>
+              <a:buChar char="–"/>
+              <a:defRPr sz="2800" kern="1200">
+                <a:solidFill>
+                  <a:schemeClr val="tx1"/>
+                </a:solidFill>
+                <a:latin typeface="+mn-lt"/>
+                <a:ea typeface="+mn-ea"/>
+                <a:cs typeface="+mn-cs"/>
+                <a:sym typeface="Calibri" panose="020F0502020204030204" pitchFamily="34" charset="0"/>
+              </a:defRPr>
+            </a:lvl2pPr>
+            <a:lvl3pPr marL="1143000" indent="-228600" algn="l" rtl="0" fontAlgn="base">
+              <a:spcBef>
+                <a:spcPct val="20000"/>
+              </a:spcBef>
+              <a:spcAft>
+                <a:spcPct val="0"/>
+              </a:spcAft>
+              <a:buFont typeface="Arial" panose="020B0604020202020204" pitchFamily="34" charset="0"/>
+              <a:buChar char="•"/>
+              <a:defRPr sz="2400" kern="1200">
+                <a:solidFill>
+                  <a:schemeClr val="tx1"/>
+                </a:solidFill>
+                <a:latin typeface="+mn-lt"/>
+                <a:ea typeface="+mn-ea"/>
+                <a:cs typeface="+mn-cs"/>
+                <a:sym typeface="Calibri" panose="020F0502020204030204" pitchFamily="34" charset="0"/>
+              </a:defRPr>
+            </a:lvl3pPr>
+            <a:lvl4pPr marL="1600200" indent="-228600" algn="l" rtl="0" fontAlgn="base">
+              <a:spcBef>
+                <a:spcPct val="20000"/>
+              </a:spcBef>
+              <a:spcAft>
+                <a:spcPct val="0"/>
+              </a:spcAft>
+              <a:buFont typeface="Arial" panose="020B0604020202020204" pitchFamily="34" charset="0"/>
+              <a:buChar char="–"/>
+              <a:defRPr sz="2000" kern="1200">
+                <a:solidFill>
+                  <a:schemeClr val="tx1"/>
+                </a:solidFill>
+                <a:latin typeface="+mn-lt"/>
+                <a:ea typeface="+mn-ea"/>
+                <a:cs typeface="+mn-cs"/>
+                <a:sym typeface="Calibri" panose="020F0502020204030204" pitchFamily="34" charset="0"/>
+              </a:defRPr>
+            </a:lvl4pPr>
+            <a:lvl5pPr marL="2057400" indent="-228600" algn="l" rtl="0" fontAlgn="base">
+              <a:spcBef>
+                <a:spcPct val="20000"/>
+              </a:spcBef>
+              <a:spcAft>
+                <a:spcPct val="0"/>
+              </a:spcAft>
+              <a:buFont typeface="Arial" panose="020B0604020202020204" pitchFamily="34" charset="0"/>
+              <a:buChar char="»"/>
+              <a:defRPr sz="2000" kern="1200">
+                <a:solidFill>
+                  <a:schemeClr val="tx1"/>
+                </a:solidFill>
+                <a:latin typeface="+mn-lt"/>
+                <a:ea typeface="+mn-ea"/>
+                <a:cs typeface="+mn-cs"/>
+                <a:sym typeface="Calibri" panose="020F0502020204030204" pitchFamily="34" charset="0"/>
+              </a:defRPr>
+            </a:lvl5pPr>
+            <a:lvl6pPr marL="2514600" indent="-228600" algn="l" defTabSz="914400" rtl="0" eaLnBrk="1" latinLnBrk="0" hangingPunct="1">
+              <a:lnSpc>
+                <a:spcPct val="90000"/>
+              </a:lnSpc>
+              <a:spcBef>
+                <a:spcPts val="500"/>
+              </a:spcBef>
+              <a:buFont typeface="Arial" panose="020B0604020202020204" pitchFamily="34" charset="0"/>
+              <a:buChar char="•"/>
+              <a:defRPr sz="1800" kern="1200">
+                <a:solidFill>
+                  <a:schemeClr val="tx1"/>
+                </a:solidFill>
+                <a:latin typeface="+mn-lt"/>
+                <a:ea typeface="+mn-ea"/>
+                <a:cs typeface="+mn-cs"/>
+              </a:defRPr>
+            </a:lvl6pPr>
+            <a:lvl7pPr marL="2971800" indent="-228600" algn="l" defTabSz="914400" rtl="0" eaLnBrk="1" latinLnBrk="0" hangingPunct="1">
+              <a:lnSpc>
+                <a:spcPct val="90000"/>
+              </a:lnSpc>
+              <a:spcBef>
+                <a:spcPts val="500"/>
+              </a:spcBef>
+              <a:buFont typeface="Arial" panose="020B0604020202020204" pitchFamily="34" charset="0"/>
+              <a:buChar char="•"/>
+              <a:defRPr sz="1800" kern="1200">
+                <a:solidFill>
+                  <a:schemeClr val="tx1"/>
+                </a:solidFill>
+                <a:latin typeface="+mn-lt"/>
+                <a:ea typeface="+mn-ea"/>
+                <a:cs typeface="+mn-cs"/>
+              </a:defRPr>
+            </a:lvl7pPr>
+            <a:lvl8pPr marL="3429000" indent="-228600" algn="l" defTabSz="914400" rtl="0" eaLnBrk="1" latinLnBrk="0" hangingPunct="1">
+              <a:lnSpc>
+                <a:spcPct val="90000"/>
+              </a:lnSpc>
+              <a:spcBef>
+                <a:spcPts val="500"/>
+              </a:spcBef>
+              <a:buFont typeface="Arial" panose="020B0604020202020204" pitchFamily="34" charset="0"/>
+              <a:buChar char="•"/>
+              <a:defRPr sz="1800" kern="1200">
+                <a:solidFill>
+                  <a:schemeClr val="tx1"/>
+                </a:solidFill>
+                <a:latin typeface="+mn-lt"/>
+                <a:ea typeface="+mn-ea"/>
+                <a:cs typeface="+mn-cs"/>
+              </a:defRPr>
+            </a:lvl8pPr>
+            <a:lvl9pPr marL="3886200" indent="-228600" algn="l" defTabSz="914400" rtl="0" eaLnBrk="1" latinLnBrk="0" hangingPunct="1">
+              <a:lnSpc>
+                <a:spcPct val="90000"/>
+              </a:lnSpc>
+              <a:spcBef>
+                <a:spcPts val="500"/>
+              </a:spcBef>
+              <a:buFont typeface="Arial" panose="020B0604020202020204" pitchFamily="34" charset="0"/>
+              <a:buChar char="•"/>
+              <a:defRPr sz="1800" kern="1200">
+                <a:solidFill>
+                  <a:schemeClr val="tx1"/>
+                </a:solidFill>
+                <a:latin typeface="+mn-lt"/>
+                <a:ea typeface="+mn-ea"/>
+                <a:cs typeface="+mn-cs"/>
+              </a:defRPr>
+            </a:lvl9pPr>
+          </a:lstStyle>
+          <a:p>
+            <a:pPr>
+              <a:lnSpc>
+                <a:spcPct val="150000"/>
+              </a:lnSpc>
+            </a:pPr>
+            <a:r>
+              <a:rPr lang="zh-CN" altLang="en-US" sz="2800" dirty="0">
+                <a:solidFill>
+                  <a:schemeClr val="tx1">
+                    <a:lumMod val="65000"/>
+                    <a:lumOff val="35000"/>
+                  </a:schemeClr>
+                </a:solidFill>
+                <a:latin typeface="微软雅黑 Light" panose="020B0502040204020203" pitchFamily="34" charset="-122"/>
+                <a:ea typeface="微软雅黑 Light" panose="020B0502040204020203" pitchFamily="34" charset="-122"/>
+              </a:rPr>
+              <a:t>完善</a:t>
+            </a:r>
+            <a:r>
+              <a:rPr lang="en-US" altLang="zh-CN" sz="2800" dirty="0" err="1">
+                <a:solidFill>
+                  <a:schemeClr val="tx1">
+                    <a:lumMod val="65000"/>
+                    <a:lumOff val="35000"/>
+                  </a:schemeClr>
+                </a:solidFill>
+                <a:latin typeface="微软雅黑 Light" panose="020B0502040204020203" pitchFamily="34" charset="-122"/>
+                <a:ea typeface="微软雅黑 Light" panose="020B0502040204020203" pitchFamily="34" charset="-122"/>
+              </a:rPr>
+              <a:t>GMatrix</a:t>
+            </a:r>
+            <a:r>
+              <a:rPr lang="zh-CN" altLang="en-US" sz="2800" dirty="0">
+                <a:solidFill>
+                  <a:schemeClr val="tx1">
+                    <a:lumMod val="65000"/>
+                    <a:lumOff val="35000"/>
+                  </a:schemeClr>
+                </a:solidFill>
+                <a:latin typeface="微软雅黑 Light" panose="020B0502040204020203" pitchFamily="34" charset="-122"/>
+                <a:ea typeface="微软雅黑 Light" panose="020B0502040204020203" pitchFamily="34" charset="-122"/>
+              </a:rPr>
+              <a:t>类</a:t>
+            </a:r>
+            <a:endParaRPr lang="en-US" altLang="zh-CN" sz="2800" dirty="0">
+              <a:solidFill>
+                <a:schemeClr val="tx1">
+                  <a:lumMod val="65000"/>
+                  <a:lumOff val="35000"/>
+                </a:schemeClr>
+              </a:solidFill>
+              <a:latin typeface="微软雅黑 Light" panose="020B0502040204020203" pitchFamily="34" charset="-122"/>
+              <a:ea typeface="微软雅黑 Light" panose="020B0502040204020203" pitchFamily="34" charset="-122"/>
+            </a:endParaRPr>
+          </a:p>
+          <a:p>
+            <a:pPr lvl="1">
+              <a:lnSpc>
+                <a:spcPct val="150000"/>
+              </a:lnSpc>
+            </a:pPr>
+            <a:r>
+              <a:rPr lang="en-US" altLang="zh-CN" sz="2400" dirty="0" err="1">
+                <a:solidFill>
+                  <a:schemeClr val="tx1">
+                    <a:lumMod val="65000"/>
+                    <a:lumOff val="35000"/>
+                  </a:schemeClr>
+                </a:solidFill>
+                <a:latin typeface="微软雅黑 Light" panose="020B0502040204020203" pitchFamily="34" charset="-122"/>
+                <a:ea typeface="微软雅黑 Light" panose="020B0502040204020203" pitchFamily="34" charset="-122"/>
+              </a:rPr>
+              <a:t>SetRowVec</a:t>
+            </a:r>
+            <a:r>
+              <a:rPr lang="en-US" altLang="zh-CN" sz="2400" dirty="0">
+                <a:solidFill>
+                  <a:schemeClr val="tx1">
+                    <a:lumMod val="65000"/>
+                    <a:lumOff val="35000"/>
+                  </a:schemeClr>
+                </a:solidFill>
+                <a:latin typeface="微软雅黑 Light" panose="020B0502040204020203" pitchFamily="34" charset="-122"/>
+                <a:ea typeface="微软雅黑 Light" panose="020B0502040204020203" pitchFamily="34" charset="-122"/>
+              </a:rPr>
+              <a:t>(…)</a:t>
+            </a:r>
+          </a:p>
+          <a:p>
+            <a:pPr lvl="1">
+              <a:lnSpc>
+                <a:spcPct val="150000"/>
+              </a:lnSpc>
+            </a:pPr>
+            <a:r>
+              <a:rPr lang="en-US" altLang="zh-CN" sz="2400" dirty="0" err="1">
+                <a:solidFill>
+                  <a:schemeClr val="tx1">
+                    <a:lumMod val="65000"/>
+                    <a:lumOff val="35000"/>
+                  </a:schemeClr>
+                </a:solidFill>
+                <a:latin typeface="微软雅黑 Light" panose="020B0502040204020203" pitchFamily="34" charset="-122"/>
+                <a:ea typeface="微软雅黑 Light" panose="020B0502040204020203" pitchFamily="34" charset="-122"/>
+              </a:rPr>
+              <a:t>SetColVec</a:t>
+            </a:r>
+            <a:r>
+              <a:rPr lang="en-US" altLang="zh-CN" sz="2400" dirty="0">
+                <a:solidFill>
+                  <a:schemeClr val="tx1">
+                    <a:lumMod val="65000"/>
+                    <a:lumOff val="35000"/>
+                  </a:schemeClr>
+                </a:solidFill>
+                <a:latin typeface="微软雅黑 Light" panose="020B0502040204020203" pitchFamily="34" charset="-122"/>
+                <a:ea typeface="微软雅黑 Light" panose="020B0502040204020203" pitchFamily="34" charset="-122"/>
+              </a:rPr>
+              <a:t>(…)</a:t>
+            </a:r>
+          </a:p>
+          <a:p>
+            <a:pPr lvl="1">
+              <a:lnSpc>
+                <a:spcPct val="150000"/>
+              </a:lnSpc>
+            </a:pPr>
+            <a:r>
+              <a:rPr lang="en-US" altLang="zh-CN" sz="2400" dirty="0" err="1">
+                <a:solidFill>
+                  <a:schemeClr val="tx1">
+                    <a:lumMod val="65000"/>
+                    <a:lumOff val="35000"/>
+                  </a:schemeClr>
+                </a:solidFill>
+                <a:latin typeface="微软雅黑 Light" panose="020B0502040204020203" pitchFamily="34" charset="-122"/>
+                <a:ea typeface="微软雅黑 Light" panose="020B0502040204020203" pitchFamily="34" charset="-122"/>
+              </a:rPr>
+              <a:t>GetRowVec</a:t>
+            </a:r>
+            <a:r>
+              <a:rPr lang="en-US" altLang="zh-CN" sz="2400" dirty="0">
+                <a:solidFill>
+                  <a:schemeClr val="tx1">
+                    <a:lumMod val="65000"/>
+                    <a:lumOff val="35000"/>
+                  </a:schemeClr>
+                </a:solidFill>
+                <a:latin typeface="微软雅黑 Light" panose="020B0502040204020203" pitchFamily="34" charset="-122"/>
+                <a:ea typeface="微软雅黑 Light" panose="020B0502040204020203" pitchFamily="34" charset="-122"/>
+              </a:rPr>
+              <a:t>(…)</a:t>
+            </a:r>
+          </a:p>
+          <a:p>
+            <a:pPr lvl="1">
+              <a:lnSpc>
+                <a:spcPct val="150000"/>
+              </a:lnSpc>
+            </a:pPr>
+            <a:r>
+              <a:rPr lang="en-US" altLang="zh-CN" sz="2400" dirty="0" err="1">
+                <a:solidFill>
+                  <a:schemeClr val="tx1">
+                    <a:lumMod val="65000"/>
+                    <a:lumOff val="35000"/>
+                  </a:schemeClr>
+                </a:solidFill>
+                <a:latin typeface="微软雅黑 Light" panose="020B0502040204020203" pitchFamily="34" charset="-122"/>
+                <a:ea typeface="微软雅黑 Light" panose="020B0502040204020203" pitchFamily="34" charset="-122"/>
+              </a:rPr>
+              <a:t>GetColVec</a:t>
+            </a:r>
+            <a:r>
+              <a:rPr lang="en-US" altLang="zh-CN" sz="2400" dirty="0">
+                <a:solidFill>
+                  <a:schemeClr val="tx1">
+                    <a:lumMod val="65000"/>
+                    <a:lumOff val="35000"/>
+                  </a:schemeClr>
+                </a:solidFill>
+                <a:latin typeface="微软雅黑 Light" panose="020B0502040204020203" pitchFamily="34" charset="-122"/>
+                <a:ea typeface="微软雅黑 Light" panose="020B0502040204020203" pitchFamily="34" charset="-122"/>
+              </a:rPr>
+              <a:t>(…)</a:t>
+            </a:r>
+          </a:p>
+        </p:txBody>
+      </p:sp>
+    </p:spTree>
+    <p:extLst>
+      <p:ext uri="{BB962C8B-B14F-4D97-AF65-F5344CB8AC3E}">
+        <p14:creationId xmlns:p14="http://schemas.microsoft.com/office/powerpoint/2010/main" val="70537187"/>
+      </p:ext>
+    </p:extLst>
+  </p:cSld>
+  <p:clrMapOvr>
+    <a:masterClrMapping/>
+  </p:clrMapOvr>
+</p:sld>
+</file>
+
+<file path=ppt/slides/slide17.xml><?xml version="1.0" encoding="utf-8"?>
+<p:sld xmlns:a="http://schemas.openxmlformats.org/drawingml/2006/main" xmlns:r="http://schemas.openxmlformats.org/officeDocument/2006/relationships" xmlns:p="http://schemas.openxmlformats.org/presentationml/2006/main">
+  <p:cSld>
+    <p:spTree>
+      <p:nvGrpSpPr>
+        <p:cNvPr id="1" name=""/>
+        <p:cNvGrpSpPr/>
+        <p:nvPr/>
+      </p:nvGrpSpPr>
+      <p:grpSpPr>
+        <a:xfrm>
+          <a:off x="0" y="0"/>
+          <a:ext cx="0" cy="0"/>
+          <a:chOff x="0" y="0"/>
+          <a:chExt cx="0" cy="0"/>
+        </a:xfrm>
+      </p:grpSpPr>
+      <p:pic>
+        <p:nvPicPr>
+          <p:cNvPr id="3074" name="Picture 2">
+            <a:extLst>
+              <a:ext uri="{FF2B5EF4-FFF2-40B4-BE49-F238E27FC236}">
+                <a16:creationId xmlns:a16="http://schemas.microsoft.com/office/drawing/2014/main" id="{602C339E-BA86-4A21-AB6C-4F6D8491BC39}"/>
+              </a:ext>
+            </a:extLst>
+          </p:cNvPr>
+          <p:cNvPicPr>
+            <a:picLocks noChangeAspect="1" noChangeArrowheads="1"/>
+          </p:cNvPicPr>
+          <p:nvPr/>
+        </p:nvPicPr>
+        <p:blipFill>
+          <a:blip r:embed="rId2">
+            <a:extLst>
+              <a:ext uri="{28A0092B-C50C-407E-A947-70E740481C1C}">
+                <a14:useLocalDpi xmlns:a14="http://schemas.microsoft.com/office/drawing/2010/main" val="0"/>
+              </a:ext>
+            </a:extLst>
+          </a:blip>
+          <a:srcRect/>
+          <a:stretch>
+            <a:fillRect/>
+          </a:stretch>
+        </p:blipFill>
+        <p:spPr bwMode="auto">
+          <a:xfrm>
+            <a:off x="7956550" y="4606925"/>
+            <a:ext cx="1081088" cy="450850"/>
+          </a:xfrm>
+          <a:prstGeom prst="rect">
+            <a:avLst/>
+          </a:prstGeom>
+          <a:noFill/>
+          <a:ln>
+            <a:noFill/>
+          </a:ln>
+          <a:effectLst/>
+          <a:extLst>
+            <a:ext uri="{909E8E84-426E-40DD-AFC4-6F175D3DCCD1}">
+              <a14:hiddenFill xmlns:a14="http://schemas.microsoft.com/office/drawing/2010/main">
+                <a:solidFill>
+                  <a:srgbClr val="FFFFFF"/>
+                </a:solidFill>
+              </a14:hiddenFill>
+            </a:ext>
+            <a:ext uri="{91240B29-F687-4F45-9708-019B960494DF}">
+              <a14:hiddenLine xmlns:a14="http://schemas.microsoft.com/office/drawing/2010/main" w="9525">
+                <a:solidFill>
+                  <a:srgbClr val="000000"/>
+                </a:solidFill>
+                <a:miter lim="800000"/>
+                <a:headEnd/>
+                <a:tailEnd/>
+              </a14:hiddenLine>
+            </a:ext>
+            <a:ext uri="{AF507438-7753-43E0-B8FC-AC1667EBCBE1}">
+              <a14:hiddenEffects xmlns:a14="http://schemas.microsoft.com/office/drawing/2010/main">
+                <a:effectLst>
+                  <a:outerShdw dist="35921" dir="2700000" algn="ctr" rotWithShape="0">
+                    <a:srgbClr val="808080"/>
+                  </a:outerShdw>
+                </a:effectLst>
+              </a14:hiddenEffects>
+            </a:ext>
+          </a:extLst>
+        </p:spPr>
+      </p:pic>
+      <p:sp>
+        <p:nvSpPr>
+          <p:cNvPr id="3075" name="Title 1">
+            <a:extLst>
+              <a:ext uri="{FF2B5EF4-FFF2-40B4-BE49-F238E27FC236}">
+                <a16:creationId xmlns:a16="http://schemas.microsoft.com/office/drawing/2014/main" id="{666E1B67-1175-4598-AA77-794FC6629051}"/>
+              </a:ext>
+            </a:extLst>
+          </p:cNvPr>
+          <p:cNvSpPr>
+            <a:spLocks noGrp="1" noChangeArrowheads="1"/>
+          </p:cNvSpPr>
+          <p:nvPr>
+            <p:ph type="title"/>
+          </p:nvPr>
+        </p:nvSpPr>
+        <p:spPr bwMode="auto">
+          <a:xfrm>
+            <a:off x="457200" y="123825"/>
+            <a:ext cx="8229600" cy="711200"/>
+          </a:xfrm>
+          <a:noFill/>
+          <a:extLst>
+            <a:ext uri="{909E8E84-426E-40DD-AFC4-6F175D3DCCD1}">
+              <a14:hiddenFill xmlns:a14="http://schemas.microsoft.com/office/drawing/2010/main">
+                <a:solidFill>
+                  <a:srgbClr val="FFFFFF"/>
+                </a:solidFill>
+              </a14:hiddenFill>
+            </a:ext>
+            <a:ext uri="{91240B29-F687-4F45-9708-019B960494DF}">
+              <a14:hiddenLine xmlns:a14="http://schemas.microsoft.com/office/drawing/2010/main" w="9525">
+                <a:solidFill>
+                  <a:srgbClr val="000000"/>
+                </a:solidFill>
+                <a:miter lim="800000"/>
+                <a:headEnd/>
+                <a:tailEnd/>
+              </a14:hiddenLine>
+            </a:ext>
+          </a:extLst>
+        </p:spPr>
+        <p:txBody>
+          <a:bodyPr vert="horz" wrap="square" lIns="91440" tIns="45720" rIns="91440" bIns="45720" numCol="1" anchor="t" anchorCtr="0" compatLnSpc="1">
+            <a:prstTxWarp prst="textNoShape">
+              <a:avLst/>
+            </a:prstTxWarp>
+          </a:bodyPr>
+          <a:lstStyle/>
+          <a:p>
+            <a:pPr algn="l" eaLnBrk="1" hangingPunct="1"/>
+            <a:r>
+              <a:rPr lang="zh-CN" altLang="en-US" dirty="0">
+                <a:solidFill>
+                  <a:srgbClr val="C00000"/>
+                </a:solidFill>
+                <a:latin typeface="微软雅黑 Light" panose="020B0502040204020203" pitchFamily="34" charset="-122"/>
+                <a:ea typeface="微软雅黑 Light" panose="020B0502040204020203" pitchFamily="34" charset="-122"/>
+              </a:rPr>
+              <a:t>练习</a:t>
+            </a:r>
+            <a:endParaRPr lang="en-US" altLang="zh-CN" dirty="0">
+              <a:solidFill>
+                <a:srgbClr val="C00000"/>
+              </a:solidFill>
+              <a:latin typeface="微软雅黑 Light" panose="020B0502040204020203" pitchFamily="34" charset="-122"/>
+              <a:ea typeface="微软雅黑 Light" panose="020B0502040204020203" pitchFamily="34" charset="-122"/>
+            </a:endParaRPr>
+          </a:p>
+        </p:txBody>
+      </p:sp>
+      <p:sp>
+        <p:nvSpPr>
+          <p:cNvPr id="4" name="Content Placeholder 3">
+            <a:extLst>
+              <a:ext uri="{FF2B5EF4-FFF2-40B4-BE49-F238E27FC236}">
+                <a16:creationId xmlns:a16="http://schemas.microsoft.com/office/drawing/2014/main" id="{368B2D2E-6A5C-4FE0-91BB-6CC0CC9AEF62}"/>
+              </a:ext>
+            </a:extLst>
+          </p:cNvPr>
+          <p:cNvSpPr txBox="1">
+            <a:spLocks/>
+          </p:cNvSpPr>
+          <p:nvPr/>
+        </p:nvSpPr>
+        <p:spPr>
+          <a:xfrm>
+            <a:off x="457200" y="1131888"/>
+            <a:ext cx="8229600" cy="3925887"/>
+          </a:xfrm>
+          <a:prstGeom prst="rect">
+            <a:avLst/>
+          </a:prstGeom>
+        </p:spPr>
+        <p:txBody>
+          <a:bodyPr/>
+          <a:lstStyle>
+            <a:lvl1pPr marL="342900" indent="-342900" algn="l" rtl="0" fontAlgn="base">
+              <a:spcBef>
+                <a:spcPct val="20000"/>
+              </a:spcBef>
+              <a:spcAft>
+                <a:spcPct val="0"/>
+              </a:spcAft>
+              <a:buFont typeface="Arial" panose="020B0604020202020204" pitchFamily="34" charset="0"/>
+              <a:buChar char="•"/>
+              <a:defRPr sz="3200" kern="1200">
+                <a:solidFill>
+                  <a:schemeClr val="tx1"/>
+                </a:solidFill>
+                <a:latin typeface="+mn-lt"/>
+                <a:ea typeface="+mn-ea"/>
+                <a:cs typeface="+mn-cs"/>
+                <a:sym typeface="Calibri" panose="020F0502020204030204" pitchFamily="34" charset="0"/>
+              </a:defRPr>
+            </a:lvl1pPr>
+            <a:lvl2pPr marL="742950" indent="-285750" algn="l" rtl="0" fontAlgn="base">
+              <a:spcBef>
+                <a:spcPct val="20000"/>
+              </a:spcBef>
+              <a:spcAft>
+                <a:spcPct val="0"/>
+              </a:spcAft>
+              <a:buFont typeface="Arial" panose="020B0604020202020204" pitchFamily="34" charset="0"/>
+              <a:buChar char="–"/>
+              <a:defRPr sz="2800" kern="1200">
+                <a:solidFill>
+                  <a:schemeClr val="tx1"/>
+                </a:solidFill>
+                <a:latin typeface="+mn-lt"/>
+                <a:ea typeface="+mn-ea"/>
+                <a:cs typeface="+mn-cs"/>
+                <a:sym typeface="Calibri" panose="020F0502020204030204" pitchFamily="34" charset="0"/>
+              </a:defRPr>
+            </a:lvl2pPr>
+            <a:lvl3pPr marL="1143000" indent="-228600" algn="l" rtl="0" fontAlgn="base">
+              <a:spcBef>
+                <a:spcPct val="20000"/>
+              </a:spcBef>
+              <a:spcAft>
+                <a:spcPct val="0"/>
+              </a:spcAft>
+              <a:buFont typeface="Arial" panose="020B0604020202020204" pitchFamily="34" charset="0"/>
+              <a:buChar char="•"/>
+              <a:defRPr sz="2400" kern="1200">
+                <a:solidFill>
+                  <a:schemeClr val="tx1"/>
+                </a:solidFill>
+                <a:latin typeface="+mn-lt"/>
+                <a:ea typeface="+mn-ea"/>
+                <a:cs typeface="+mn-cs"/>
+                <a:sym typeface="Calibri" panose="020F0502020204030204" pitchFamily="34" charset="0"/>
+              </a:defRPr>
+            </a:lvl3pPr>
+            <a:lvl4pPr marL="1600200" indent="-228600" algn="l" rtl="0" fontAlgn="base">
+              <a:spcBef>
+                <a:spcPct val="20000"/>
+              </a:spcBef>
+              <a:spcAft>
+                <a:spcPct val="0"/>
+              </a:spcAft>
+              <a:buFont typeface="Arial" panose="020B0604020202020204" pitchFamily="34" charset="0"/>
+              <a:buChar char="–"/>
+              <a:defRPr sz="2000" kern="1200">
+                <a:solidFill>
+                  <a:schemeClr val="tx1"/>
+                </a:solidFill>
+                <a:latin typeface="+mn-lt"/>
+                <a:ea typeface="+mn-ea"/>
+                <a:cs typeface="+mn-cs"/>
+                <a:sym typeface="Calibri" panose="020F0502020204030204" pitchFamily="34" charset="0"/>
+              </a:defRPr>
+            </a:lvl4pPr>
+            <a:lvl5pPr marL="2057400" indent="-228600" algn="l" rtl="0" fontAlgn="base">
+              <a:spcBef>
+                <a:spcPct val="20000"/>
+              </a:spcBef>
+              <a:spcAft>
+                <a:spcPct val="0"/>
+              </a:spcAft>
+              <a:buFont typeface="Arial" panose="020B0604020202020204" pitchFamily="34" charset="0"/>
+              <a:buChar char="»"/>
+              <a:defRPr sz="2000" kern="1200">
+                <a:solidFill>
+                  <a:schemeClr val="tx1"/>
+                </a:solidFill>
+                <a:latin typeface="+mn-lt"/>
+                <a:ea typeface="+mn-ea"/>
+                <a:cs typeface="+mn-cs"/>
+                <a:sym typeface="Calibri" panose="020F0502020204030204" pitchFamily="34" charset="0"/>
+              </a:defRPr>
+            </a:lvl5pPr>
+            <a:lvl6pPr marL="2514600" indent="-228600" algn="l" defTabSz="914400" rtl="0" eaLnBrk="1" latinLnBrk="0" hangingPunct="1">
+              <a:lnSpc>
+                <a:spcPct val="90000"/>
+              </a:lnSpc>
+              <a:spcBef>
+                <a:spcPts val="500"/>
+              </a:spcBef>
+              <a:buFont typeface="Arial" panose="020B0604020202020204" pitchFamily="34" charset="0"/>
+              <a:buChar char="•"/>
+              <a:defRPr sz="1800" kern="1200">
+                <a:solidFill>
+                  <a:schemeClr val="tx1"/>
+                </a:solidFill>
+                <a:latin typeface="+mn-lt"/>
+                <a:ea typeface="+mn-ea"/>
+                <a:cs typeface="+mn-cs"/>
+              </a:defRPr>
+            </a:lvl6pPr>
+            <a:lvl7pPr marL="2971800" indent="-228600" algn="l" defTabSz="914400" rtl="0" eaLnBrk="1" latinLnBrk="0" hangingPunct="1">
+              <a:lnSpc>
+                <a:spcPct val="90000"/>
+              </a:lnSpc>
+              <a:spcBef>
+                <a:spcPts val="500"/>
+              </a:spcBef>
+              <a:buFont typeface="Arial" panose="020B0604020202020204" pitchFamily="34" charset="0"/>
+              <a:buChar char="•"/>
+              <a:defRPr sz="1800" kern="1200">
+                <a:solidFill>
+                  <a:schemeClr val="tx1"/>
+                </a:solidFill>
+                <a:latin typeface="+mn-lt"/>
+                <a:ea typeface="+mn-ea"/>
+                <a:cs typeface="+mn-cs"/>
+              </a:defRPr>
+            </a:lvl7pPr>
+            <a:lvl8pPr marL="3429000" indent="-228600" algn="l" defTabSz="914400" rtl="0" eaLnBrk="1" latinLnBrk="0" hangingPunct="1">
+              <a:lnSpc>
+                <a:spcPct val="90000"/>
+              </a:lnSpc>
+              <a:spcBef>
+                <a:spcPts val="500"/>
+              </a:spcBef>
+              <a:buFont typeface="Arial" panose="020B0604020202020204" pitchFamily="34" charset="0"/>
+              <a:buChar char="•"/>
+              <a:defRPr sz="1800" kern="1200">
+                <a:solidFill>
+                  <a:schemeClr val="tx1"/>
+                </a:solidFill>
+                <a:latin typeface="+mn-lt"/>
+                <a:ea typeface="+mn-ea"/>
+                <a:cs typeface="+mn-cs"/>
+              </a:defRPr>
+            </a:lvl8pPr>
+            <a:lvl9pPr marL="3886200" indent="-228600" algn="l" defTabSz="914400" rtl="0" eaLnBrk="1" latinLnBrk="0" hangingPunct="1">
+              <a:lnSpc>
+                <a:spcPct val="90000"/>
+              </a:lnSpc>
+              <a:spcBef>
+                <a:spcPts val="500"/>
+              </a:spcBef>
+              <a:buFont typeface="Arial" panose="020B0604020202020204" pitchFamily="34" charset="0"/>
+              <a:buChar char="•"/>
+              <a:defRPr sz="1800" kern="1200">
+                <a:solidFill>
+                  <a:schemeClr val="tx1"/>
+                </a:solidFill>
+                <a:latin typeface="+mn-lt"/>
+                <a:ea typeface="+mn-ea"/>
+                <a:cs typeface="+mn-cs"/>
+              </a:defRPr>
+            </a:lvl9pPr>
+          </a:lstStyle>
+          <a:p>
+            <a:pPr>
+              <a:lnSpc>
+                <a:spcPct val="150000"/>
+              </a:lnSpc>
+            </a:pPr>
+            <a:r>
+              <a:rPr lang="zh-CN" altLang="en-US" sz="2800" dirty="0">
+                <a:solidFill>
+                  <a:schemeClr val="tx1">
+                    <a:lumMod val="65000"/>
+                    <a:lumOff val="35000"/>
+                  </a:schemeClr>
+                </a:solidFill>
+                <a:latin typeface="微软雅黑 Light" panose="020B0502040204020203" pitchFamily="34" charset="-122"/>
+                <a:ea typeface="微软雅黑 Light" panose="020B0502040204020203" pitchFamily="34" charset="-122"/>
+              </a:rPr>
+              <a:t>完善</a:t>
+            </a:r>
+            <a:r>
+              <a:rPr lang="en-US" altLang="zh-CN" sz="2800" dirty="0" err="1">
+                <a:solidFill>
+                  <a:schemeClr val="tx1">
+                    <a:lumMod val="65000"/>
+                    <a:lumOff val="35000"/>
+                  </a:schemeClr>
+                </a:solidFill>
+                <a:latin typeface="微软雅黑 Light" panose="020B0502040204020203" pitchFamily="34" charset="-122"/>
+                <a:ea typeface="微软雅黑 Light" panose="020B0502040204020203" pitchFamily="34" charset="-122"/>
+              </a:rPr>
+              <a:t>GMatrix</a:t>
+            </a:r>
+            <a:r>
+              <a:rPr lang="zh-CN" altLang="en-US" sz="2800" dirty="0">
+                <a:solidFill>
+                  <a:schemeClr val="tx1">
+                    <a:lumMod val="65000"/>
+                    <a:lumOff val="35000"/>
+                  </a:schemeClr>
+                </a:solidFill>
+                <a:latin typeface="微软雅黑 Light" panose="020B0502040204020203" pitchFamily="34" charset="-122"/>
+                <a:ea typeface="微软雅黑 Light" panose="020B0502040204020203" pitchFamily="34" charset="-122"/>
+              </a:rPr>
+              <a:t>类</a:t>
+            </a:r>
+            <a:endParaRPr lang="en-US" altLang="zh-CN" sz="2800" dirty="0">
+              <a:solidFill>
+                <a:schemeClr val="tx1">
+                  <a:lumMod val="65000"/>
+                  <a:lumOff val="35000"/>
+                </a:schemeClr>
+              </a:solidFill>
+              <a:latin typeface="微软雅黑 Light" panose="020B0502040204020203" pitchFamily="34" charset="-122"/>
+              <a:ea typeface="微软雅黑 Light" panose="020B0502040204020203" pitchFamily="34" charset="-122"/>
+            </a:endParaRPr>
+          </a:p>
+          <a:p>
+            <a:pPr lvl="1">
+              <a:lnSpc>
+                <a:spcPct val="150000"/>
+              </a:lnSpc>
+            </a:pPr>
+            <a:r>
+              <a:rPr lang="en-US" altLang="zh-CN" sz="2400" dirty="0" err="1">
+                <a:solidFill>
+                  <a:schemeClr val="tx1">
+                    <a:lumMod val="65000"/>
+                    <a:lumOff val="35000"/>
+                  </a:schemeClr>
+                </a:solidFill>
+                <a:latin typeface="微软雅黑 Light" panose="020B0502040204020203" pitchFamily="34" charset="-122"/>
+                <a:ea typeface="微软雅黑 Light" panose="020B0502040204020203" pitchFamily="34" charset="-122"/>
+              </a:rPr>
+              <a:t>ExchangeRows</a:t>
+            </a:r>
+            <a:r>
+              <a:rPr lang="en-US" altLang="zh-CN" sz="2400" dirty="0">
+                <a:solidFill>
+                  <a:schemeClr val="tx1">
+                    <a:lumMod val="65000"/>
+                    <a:lumOff val="35000"/>
+                  </a:schemeClr>
+                </a:solidFill>
+                <a:latin typeface="微软雅黑 Light" panose="020B0502040204020203" pitchFamily="34" charset="-122"/>
+                <a:ea typeface="微软雅黑 Light" panose="020B0502040204020203" pitchFamily="34" charset="-122"/>
+              </a:rPr>
+              <a:t>(…)</a:t>
+            </a:r>
+          </a:p>
+          <a:p>
+            <a:pPr lvl="1">
+              <a:lnSpc>
+                <a:spcPct val="150000"/>
+              </a:lnSpc>
+            </a:pPr>
+            <a:r>
+              <a:rPr lang="en-US" altLang="zh-CN" sz="2400" dirty="0" err="1">
+                <a:solidFill>
+                  <a:schemeClr val="tx1">
+                    <a:lumMod val="65000"/>
+                    <a:lumOff val="35000"/>
+                  </a:schemeClr>
+                </a:solidFill>
+                <a:latin typeface="微软雅黑 Light" panose="020B0502040204020203" pitchFamily="34" charset="-122"/>
+                <a:ea typeface="微软雅黑 Light" panose="020B0502040204020203" pitchFamily="34" charset="-122"/>
+              </a:rPr>
+              <a:t>ExchangeCols</a:t>
+            </a:r>
+            <a:r>
+              <a:rPr lang="en-US" altLang="zh-CN" sz="2400" dirty="0">
+                <a:solidFill>
+                  <a:schemeClr val="tx1">
+                    <a:lumMod val="65000"/>
+                    <a:lumOff val="35000"/>
+                  </a:schemeClr>
+                </a:solidFill>
+                <a:latin typeface="微软雅黑 Light" panose="020B0502040204020203" pitchFamily="34" charset="-122"/>
+                <a:ea typeface="微软雅黑 Light" panose="020B0502040204020203" pitchFamily="34" charset="-122"/>
+              </a:rPr>
+              <a:t>(…)</a:t>
+            </a:r>
+          </a:p>
+          <a:p>
+            <a:pPr lvl="1">
+              <a:lnSpc>
+                <a:spcPct val="150000"/>
+              </a:lnSpc>
+            </a:pPr>
+            <a:r>
+              <a:rPr lang="en-US" altLang="zh-CN" sz="2400" dirty="0" err="1">
+                <a:solidFill>
+                  <a:schemeClr val="tx1">
+                    <a:lumMod val="65000"/>
+                    <a:lumOff val="35000"/>
+                  </a:schemeClr>
+                </a:solidFill>
+                <a:latin typeface="微软雅黑 Light" panose="020B0502040204020203" pitchFamily="34" charset="-122"/>
+                <a:ea typeface="微软雅黑 Light" panose="020B0502040204020203" pitchFamily="34" charset="-122"/>
+              </a:rPr>
+              <a:t>GetRowNum</a:t>
+            </a:r>
+            <a:r>
+              <a:rPr lang="en-US" altLang="zh-CN" sz="2400" dirty="0">
+                <a:solidFill>
+                  <a:schemeClr val="tx1">
+                    <a:lumMod val="65000"/>
+                    <a:lumOff val="35000"/>
+                  </a:schemeClr>
+                </a:solidFill>
+                <a:latin typeface="微软雅黑 Light" panose="020B0502040204020203" pitchFamily="34" charset="-122"/>
+                <a:ea typeface="微软雅黑 Light" panose="020B0502040204020203" pitchFamily="34" charset="-122"/>
+              </a:rPr>
+              <a:t>()</a:t>
+            </a:r>
+          </a:p>
+          <a:p>
+            <a:pPr lvl="1">
+              <a:lnSpc>
+                <a:spcPct val="150000"/>
+              </a:lnSpc>
+            </a:pPr>
+            <a:r>
+              <a:rPr lang="en-US" altLang="zh-CN" sz="2400" dirty="0" err="1">
+                <a:solidFill>
+                  <a:schemeClr val="tx1">
+                    <a:lumMod val="65000"/>
+                    <a:lumOff val="35000"/>
+                  </a:schemeClr>
+                </a:solidFill>
+                <a:latin typeface="微软雅黑 Light" panose="020B0502040204020203" pitchFamily="34" charset="-122"/>
+                <a:ea typeface="微软雅黑 Light" panose="020B0502040204020203" pitchFamily="34" charset="-122"/>
+              </a:rPr>
+              <a:t>GetColNum</a:t>
+            </a:r>
+            <a:r>
+              <a:rPr lang="en-US" altLang="zh-CN" sz="2400" dirty="0">
+                <a:solidFill>
+                  <a:schemeClr val="tx1">
+                    <a:lumMod val="65000"/>
+                    <a:lumOff val="35000"/>
+                  </a:schemeClr>
+                </a:solidFill>
+                <a:latin typeface="微软雅黑 Light" panose="020B0502040204020203" pitchFamily="34" charset="-122"/>
+                <a:ea typeface="微软雅黑 Light" panose="020B0502040204020203" pitchFamily="34" charset="-122"/>
+              </a:rPr>
+              <a:t>()</a:t>
+            </a:r>
+          </a:p>
+          <a:p>
+            <a:pPr lvl="1">
+              <a:lnSpc>
+                <a:spcPct val="150000"/>
+              </a:lnSpc>
+            </a:pPr>
+            <a:r>
+              <a:rPr lang="en-US" altLang="zh-CN" sz="2400" dirty="0" err="1">
+                <a:solidFill>
+                  <a:schemeClr val="tx1">
+                    <a:lumMod val="65000"/>
+                    <a:lumOff val="35000"/>
+                  </a:schemeClr>
+                </a:solidFill>
+                <a:latin typeface="微软雅黑 Light" panose="020B0502040204020203" pitchFamily="34" charset="-122"/>
+                <a:ea typeface="微软雅黑 Light" panose="020B0502040204020203" pitchFamily="34" charset="-122"/>
+              </a:rPr>
+              <a:t>IsSquare</a:t>
+            </a:r>
+            <a:r>
+              <a:rPr lang="en-US" altLang="zh-CN" sz="2400" dirty="0">
+                <a:solidFill>
+                  <a:schemeClr val="tx1">
+                    <a:lumMod val="65000"/>
+                    <a:lumOff val="35000"/>
+                  </a:schemeClr>
+                </a:solidFill>
+                <a:latin typeface="微软雅黑 Light" panose="020B0502040204020203" pitchFamily="34" charset="-122"/>
+                <a:ea typeface="微软雅黑 Light" panose="020B0502040204020203" pitchFamily="34" charset="-122"/>
+              </a:rPr>
+              <a:t>() </a:t>
+            </a:r>
+          </a:p>
+        </p:txBody>
+      </p:sp>
+    </p:spTree>
+    <p:extLst>
+      <p:ext uri="{BB962C8B-B14F-4D97-AF65-F5344CB8AC3E}">
+        <p14:creationId xmlns:p14="http://schemas.microsoft.com/office/powerpoint/2010/main" val="3822880540"/>
+      </p:ext>
+    </p:extLst>
+  </p:cSld>
+  <p:clrMapOvr>
+    <a:masterClrMapping/>
+  </p:clrMapOvr>
+</p:sld>
+</file>
+
+<file path=ppt/slides/slide18.xml><?xml version="1.0" encoding="utf-8"?>
+<p:sld xmlns:a="http://schemas.openxmlformats.org/drawingml/2006/main" xmlns:r="http://schemas.openxmlformats.org/officeDocument/2006/relationships" xmlns:p="http://schemas.openxmlformats.org/presentationml/2006/main">
+  <p:cSld>
+    <p:spTree>
+      <p:nvGrpSpPr>
+        <p:cNvPr id="1" name=""/>
+        <p:cNvGrpSpPr/>
+        <p:nvPr/>
+      </p:nvGrpSpPr>
+      <p:grpSpPr>
+        <a:xfrm>
+          <a:off x="0" y="0"/>
+          <a:ext cx="0" cy="0"/>
+          <a:chOff x="0" y="0"/>
+          <a:chExt cx="0" cy="0"/>
+        </a:xfrm>
+      </p:grpSpPr>
+      <p:pic>
+        <p:nvPicPr>
+          <p:cNvPr id="3074" name="Picture 2">
+            <a:extLst>
+              <a:ext uri="{FF2B5EF4-FFF2-40B4-BE49-F238E27FC236}">
+                <a16:creationId xmlns:a16="http://schemas.microsoft.com/office/drawing/2014/main" id="{602C339E-BA86-4A21-AB6C-4F6D8491BC39}"/>
+              </a:ext>
+            </a:extLst>
+          </p:cNvPr>
+          <p:cNvPicPr>
+            <a:picLocks noChangeAspect="1" noChangeArrowheads="1"/>
+          </p:cNvPicPr>
+          <p:nvPr/>
+        </p:nvPicPr>
+        <p:blipFill>
+          <a:blip r:embed="rId2">
+            <a:extLst>
+              <a:ext uri="{28A0092B-C50C-407E-A947-70E740481C1C}">
+                <a14:useLocalDpi xmlns:a14="http://schemas.microsoft.com/office/drawing/2010/main" val="0"/>
+              </a:ext>
+            </a:extLst>
+          </a:blip>
+          <a:srcRect/>
+          <a:stretch>
+            <a:fillRect/>
+          </a:stretch>
+        </p:blipFill>
+        <p:spPr bwMode="auto">
+          <a:xfrm>
+            <a:off x="7956550" y="4606925"/>
+            <a:ext cx="1081088" cy="450850"/>
+          </a:xfrm>
+          <a:prstGeom prst="rect">
+            <a:avLst/>
+          </a:prstGeom>
+          <a:noFill/>
+          <a:ln>
+            <a:noFill/>
+          </a:ln>
+          <a:effectLst/>
+          <a:extLst>
+            <a:ext uri="{909E8E84-426E-40DD-AFC4-6F175D3DCCD1}">
+              <a14:hiddenFill xmlns:a14="http://schemas.microsoft.com/office/drawing/2010/main">
+                <a:solidFill>
+                  <a:srgbClr val="FFFFFF"/>
+                </a:solidFill>
+              </a14:hiddenFill>
+            </a:ext>
+            <a:ext uri="{91240B29-F687-4F45-9708-019B960494DF}">
+              <a14:hiddenLine xmlns:a14="http://schemas.microsoft.com/office/drawing/2010/main" w="9525">
+                <a:solidFill>
+                  <a:srgbClr val="000000"/>
+                </a:solidFill>
+                <a:miter lim="800000"/>
+                <a:headEnd/>
+                <a:tailEnd/>
+              </a14:hiddenLine>
+            </a:ext>
+            <a:ext uri="{AF507438-7753-43E0-B8FC-AC1667EBCBE1}">
+              <a14:hiddenEffects xmlns:a14="http://schemas.microsoft.com/office/drawing/2010/main">
+                <a:effectLst>
+                  <a:outerShdw dist="35921" dir="2700000" algn="ctr" rotWithShape="0">
+                    <a:srgbClr val="808080"/>
+                  </a:outerShdw>
+                </a:effectLst>
+              </a14:hiddenEffects>
+            </a:ext>
+          </a:extLst>
+        </p:spPr>
+      </p:pic>
+      <p:sp>
+        <p:nvSpPr>
+          <p:cNvPr id="3075" name="Title 1">
+            <a:extLst>
+              <a:ext uri="{FF2B5EF4-FFF2-40B4-BE49-F238E27FC236}">
+                <a16:creationId xmlns:a16="http://schemas.microsoft.com/office/drawing/2014/main" id="{666E1B67-1175-4598-AA77-794FC6629051}"/>
+              </a:ext>
+            </a:extLst>
+          </p:cNvPr>
+          <p:cNvSpPr>
+            <a:spLocks noGrp="1" noChangeArrowheads="1"/>
+          </p:cNvSpPr>
+          <p:nvPr>
+            <p:ph type="title"/>
+          </p:nvPr>
+        </p:nvSpPr>
+        <p:spPr bwMode="auto">
+          <a:xfrm>
+            <a:off x="457200" y="123825"/>
+            <a:ext cx="8229600" cy="711200"/>
+          </a:xfrm>
+          <a:noFill/>
+          <a:extLst>
+            <a:ext uri="{909E8E84-426E-40DD-AFC4-6F175D3DCCD1}">
+              <a14:hiddenFill xmlns:a14="http://schemas.microsoft.com/office/drawing/2010/main">
+                <a:solidFill>
+                  <a:srgbClr val="FFFFFF"/>
+                </a:solidFill>
+              </a14:hiddenFill>
+            </a:ext>
+            <a:ext uri="{91240B29-F687-4F45-9708-019B960494DF}">
+              <a14:hiddenLine xmlns:a14="http://schemas.microsoft.com/office/drawing/2010/main" w="9525">
+                <a:solidFill>
+                  <a:srgbClr val="000000"/>
+                </a:solidFill>
+                <a:miter lim="800000"/>
+                <a:headEnd/>
+                <a:tailEnd/>
+              </a14:hiddenLine>
+            </a:ext>
+          </a:extLst>
+        </p:spPr>
+        <p:txBody>
+          <a:bodyPr vert="horz" wrap="square" lIns="91440" tIns="45720" rIns="91440" bIns="45720" numCol="1" anchor="t" anchorCtr="0" compatLnSpc="1">
+            <a:prstTxWarp prst="textNoShape">
+              <a:avLst/>
+            </a:prstTxWarp>
+          </a:bodyPr>
+          <a:lstStyle/>
+          <a:p>
+            <a:pPr algn="l" eaLnBrk="1" hangingPunct="1"/>
+            <a:r>
+              <a:rPr lang="zh-CN" altLang="en-US" dirty="0">
+                <a:solidFill>
+                  <a:srgbClr val="C00000"/>
+                </a:solidFill>
+                <a:latin typeface="微软雅黑 Light" panose="020B0502040204020203" pitchFamily="34" charset="-122"/>
+                <a:ea typeface="微软雅黑 Light" panose="020B0502040204020203" pitchFamily="34" charset="-122"/>
+              </a:rPr>
+              <a:t>练习</a:t>
+            </a:r>
+            <a:endParaRPr lang="en-US" altLang="zh-CN" dirty="0">
+              <a:solidFill>
+                <a:srgbClr val="C00000"/>
+              </a:solidFill>
+              <a:latin typeface="微软雅黑 Light" panose="020B0502040204020203" pitchFamily="34" charset="-122"/>
+              <a:ea typeface="微软雅黑 Light" panose="020B0502040204020203" pitchFamily="34" charset="-122"/>
+            </a:endParaRPr>
+          </a:p>
+        </p:txBody>
+      </p:sp>
+      <p:sp>
+        <p:nvSpPr>
+          <p:cNvPr id="4" name="Content Placeholder 3">
+            <a:extLst>
+              <a:ext uri="{FF2B5EF4-FFF2-40B4-BE49-F238E27FC236}">
+                <a16:creationId xmlns:a16="http://schemas.microsoft.com/office/drawing/2014/main" id="{368B2D2E-6A5C-4FE0-91BB-6CC0CC9AEF62}"/>
+              </a:ext>
+            </a:extLst>
+          </p:cNvPr>
+          <p:cNvSpPr txBox="1">
+            <a:spLocks/>
+          </p:cNvSpPr>
+          <p:nvPr/>
+        </p:nvSpPr>
+        <p:spPr>
+          <a:xfrm>
+            <a:off x="457200" y="1131888"/>
+            <a:ext cx="8229600" cy="3925887"/>
+          </a:xfrm>
+          <a:prstGeom prst="rect">
+            <a:avLst/>
+          </a:prstGeom>
+        </p:spPr>
+        <p:txBody>
+          <a:bodyPr/>
+          <a:lstStyle>
+            <a:lvl1pPr marL="342900" indent="-342900" algn="l" rtl="0" fontAlgn="base">
+              <a:spcBef>
+                <a:spcPct val="20000"/>
+              </a:spcBef>
+              <a:spcAft>
+                <a:spcPct val="0"/>
+              </a:spcAft>
+              <a:buFont typeface="Arial" panose="020B0604020202020204" pitchFamily="34" charset="0"/>
+              <a:buChar char="•"/>
+              <a:defRPr sz="3200" kern="1200">
+                <a:solidFill>
+                  <a:schemeClr val="tx1"/>
+                </a:solidFill>
+                <a:latin typeface="+mn-lt"/>
+                <a:ea typeface="+mn-ea"/>
+                <a:cs typeface="+mn-cs"/>
+                <a:sym typeface="Calibri" panose="020F0502020204030204" pitchFamily="34" charset="0"/>
+              </a:defRPr>
+            </a:lvl1pPr>
+            <a:lvl2pPr marL="742950" indent="-285750" algn="l" rtl="0" fontAlgn="base">
+              <a:spcBef>
+                <a:spcPct val="20000"/>
+              </a:spcBef>
+              <a:spcAft>
+                <a:spcPct val="0"/>
+              </a:spcAft>
+              <a:buFont typeface="Arial" panose="020B0604020202020204" pitchFamily="34" charset="0"/>
+              <a:buChar char="–"/>
+              <a:defRPr sz="2800" kern="1200">
+                <a:solidFill>
+                  <a:schemeClr val="tx1"/>
+                </a:solidFill>
+                <a:latin typeface="+mn-lt"/>
+                <a:ea typeface="+mn-ea"/>
+                <a:cs typeface="+mn-cs"/>
+                <a:sym typeface="Calibri" panose="020F0502020204030204" pitchFamily="34" charset="0"/>
+              </a:defRPr>
+            </a:lvl2pPr>
+            <a:lvl3pPr marL="1143000" indent="-228600" algn="l" rtl="0" fontAlgn="base">
+              <a:spcBef>
+                <a:spcPct val="20000"/>
+              </a:spcBef>
+              <a:spcAft>
+                <a:spcPct val="0"/>
+              </a:spcAft>
+              <a:buFont typeface="Arial" panose="020B0604020202020204" pitchFamily="34" charset="0"/>
+              <a:buChar char="•"/>
+              <a:defRPr sz="2400" kern="1200">
+                <a:solidFill>
+                  <a:schemeClr val="tx1"/>
+                </a:solidFill>
+                <a:latin typeface="+mn-lt"/>
+                <a:ea typeface="+mn-ea"/>
+                <a:cs typeface="+mn-cs"/>
+                <a:sym typeface="Calibri" panose="020F0502020204030204" pitchFamily="34" charset="0"/>
+              </a:defRPr>
+            </a:lvl3pPr>
+            <a:lvl4pPr marL="1600200" indent="-228600" algn="l" rtl="0" fontAlgn="base">
+              <a:spcBef>
+                <a:spcPct val="20000"/>
+              </a:spcBef>
+              <a:spcAft>
+                <a:spcPct val="0"/>
+              </a:spcAft>
+              <a:buFont typeface="Arial" panose="020B0604020202020204" pitchFamily="34" charset="0"/>
+              <a:buChar char="–"/>
+              <a:defRPr sz="2000" kern="1200">
+                <a:solidFill>
+                  <a:schemeClr val="tx1"/>
+                </a:solidFill>
+                <a:latin typeface="+mn-lt"/>
+                <a:ea typeface="+mn-ea"/>
+                <a:cs typeface="+mn-cs"/>
+                <a:sym typeface="Calibri" panose="020F0502020204030204" pitchFamily="34" charset="0"/>
+              </a:defRPr>
+            </a:lvl4pPr>
+            <a:lvl5pPr marL="2057400" indent="-228600" algn="l" rtl="0" fontAlgn="base">
+              <a:spcBef>
+                <a:spcPct val="20000"/>
+              </a:spcBef>
+              <a:spcAft>
+                <a:spcPct val="0"/>
+              </a:spcAft>
+              <a:buFont typeface="Arial" panose="020B0604020202020204" pitchFamily="34" charset="0"/>
+              <a:buChar char="»"/>
+              <a:defRPr sz="2000" kern="1200">
+                <a:solidFill>
+                  <a:schemeClr val="tx1"/>
+                </a:solidFill>
+                <a:latin typeface="+mn-lt"/>
+                <a:ea typeface="+mn-ea"/>
+                <a:cs typeface="+mn-cs"/>
+                <a:sym typeface="Calibri" panose="020F0502020204030204" pitchFamily="34" charset="0"/>
+              </a:defRPr>
+            </a:lvl5pPr>
+            <a:lvl6pPr marL="2514600" indent="-228600" algn="l" defTabSz="914400" rtl="0" eaLnBrk="1" latinLnBrk="0" hangingPunct="1">
+              <a:lnSpc>
+                <a:spcPct val="90000"/>
+              </a:lnSpc>
+              <a:spcBef>
+                <a:spcPts val="500"/>
+              </a:spcBef>
+              <a:buFont typeface="Arial" panose="020B0604020202020204" pitchFamily="34" charset="0"/>
+              <a:buChar char="•"/>
+              <a:defRPr sz="1800" kern="1200">
+                <a:solidFill>
+                  <a:schemeClr val="tx1"/>
+                </a:solidFill>
+                <a:latin typeface="+mn-lt"/>
+                <a:ea typeface="+mn-ea"/>
+                <a:cs typeface="+mn-cs"/>
+              </a:defRPr>
+            </a:lvl6pPr>
+            <a:lvl7pPr marL="2971800" indent="-228600" algn="l" defTabSz="914400" rtl="0" eaLnBrk="1" latinLnBrk="0" hangingPunct="1">
+              <a:lnSpc>
+                <a:spcPct val="90000"/>
+              </a:lnSpc>
+              <a:spcBef>
+                <a:spcPts val="500"/>
+              </a:spcBef>
+              <a:buFont typeface="Arial" panose="020B0604020202020204" pitchFamily="34" charset="0"/>
+              <a:buChar char="•"/>
+              <a:defRPr sz="1800" kern="1200">
+                <a:solidFill>
+                  <a:schemeClr val="tx1"/>
+                </a:solidFill>
+                <a:latin typeface="+mn-lt"/>
+                <a:ea typeface="+mn-ea"/>
+                <a:cs typeface="+mn-cs"/>
+              </a:defRPr>
+            </a:lvl7pPr>
+            <a:lvl8pPr marL="3429000" indent="-228600" algn="l" defTabSz="914400" rtl="0" eaLnBrk="1" latinLnBrk="0" hangingPunct="1">
+              <a:lnSpc>
+                <a:spcPct val="90000"/>
+              </a:lnSpc>
+              <a:spcBef>
+                <a:spcPts val="500"/>
+              </a:spcBef>
+              <a:buFont typeface="Arial" panose="020B0604020202020204" pitchFamily="34" charset="0"/>
+              <a:buChar char="•"/>
+              <a:defRPr sz="1800" kern="1200">
+                <a:solidFill>
+                  <a:schemeClr val="tx1"/>
+                </a:solidFill>
+                <a:latin typeface="+mn-lt"/>
+                <a:ea typeface="+mn-ea"/>
+                <a:cs typeface="+mn-cs"/>
+              </a:defRPr>
+            </a:lvl8pPr>
+            <a:lvl9pPr marL="3886200" indent="-228600" algn="l" defTabSz="914400" rtl="0" eaLnBrk="1" latinLnBrk="0" hangingPunct="1">
+              <a:lnSpc>
+                <a:spcPct val="90000"/>
+              </a:lnSpc>
+              <a:spcBef>
+                <a:spcPts val="500"/>
+              </a:spcBef>
+              <a:buFont typeface="Arial" panose="020B0604020202020204" pitchFamily="34" charset="0"/>
+              <a:buChar char="•"/>
+              <a:defRPr sz="1800" kern="1200">
+                <a:solidFill>
+                  <a:schemeClr val="tx1"/>
+                </a:solidFill>
+                <a:latin typeface="+mn-lt"/>
+                <a:ea typeface="+mn-ea"/>
+                <a:cs typeface="+mn-cs"/>
+              </a:defRPr>
+            </a:lvl9pPr>
+          </a:lstStyle>
+          <a:p>
+            <a:pPr>
+              <a:lnSpc>
+                <a:spcPct val="150000"/>
+              </a:lnSpc>
+            </a:pPr>
+            <a:r>
+              <a:rPr lang="zh-CN" altLang="en-US" sz="2800" dirty="0">
+                <a:solidFill>
+                  <a:schemeClr val="tx1">
+                    <a:lumMod val="65000"/>
+                    <a:lumOff val="35000"/>
+                  </a:schemeClr>
+                </a:solidFill>
+                <a:latin typeface="微软雅黑 Light" panose="020B0502040204020203" pitchFamily="34" charset="-122"/>
+                <a:ea typeface="微软雅黑 Light" panose="020B0502040204020203" pitchFamily="34" charset="-122"/>
+              </a:rPr>
+              <a:t>完善</a:t>
+            </a:r>
+            <a:r>
+              <a:rPr lang="en-US" altLang="zh-CN" sz="2800" dirty="0" err="1">
+                <a:solidFill>
+                  <a:schemeClr val="tx1">
+                    <a:lumMod val="65000"/>
+                    <a:lumOff val="35000"/>
+                  </a:schemeClr>
+                </a:solidFill>
+                <a:latin typeface="微软雅黑 Light" panose="020B0502040204020203" pitchFamily="34" charset="-122"/>
+                <a:ea typeface="微软雅黑 Light" panose="020B0502040204020203" pitchFamily="34" charset="-122"/>
+              </a:rPr>
+              <a:t>GMatrix</a:t>
+            </a:r>
+            <a:r>
+              <a:rPr lang="zh-CN" altLang="en-US" sz="2800" dirty="0">
+                <a:solidFill>
+                  <a:schemeClr val="tx1">
+                    <a:lumMod val="65000"/>
+                    <a:lumOff val="35000"/>
+                  </a:schemeClr>
+                </a:solidFill>
+                <a:latin typeface="微软雅黑 Light" panose="020B0502040204020203" pitchFamily="34" charset="-122"/>
+                <a:ea typeface="微软雅黑 Light" panose="020B0502040204020203" pitchFamily="34" charset="-122"/>
+              </a:rPr>
+              <a:t>类</a:t>
+            </a:r>
+            <a:endParaRPr lang="en-US" altLang="zh-CN" sz="2800" dirty="0">
+              <a:solidFill>
+                <a:schemeClr val="tx1">
+                  <a:lumMod val="65000"/>
+                  <a:lumOff val="35000"/>
+                </a:schemeClr>
+              </a:solidFill>
+              <a:latin typeface="微软雅黑 Light" panose="020B0502040204020203" pitchFamily="34" charset="-122"/>
+              <a:ea typeface="微软雅黑 Light" panose="020B0502040204020203" pitchFamily="34" charset="-122"/>
+            </a:endParaRPr>
+          </a:p>
+          <a:p>
+            <a:pPr lvl="1">
+              <a:lnSpc>
+                <a:spcPct val="150000"/>
+              </a:lnSpc>
+            </a:pPr>
+            <a:r>
+              <a:rPr lang="en-US" altLang="zh-CN" sz="2400" dirty="0" err="1">
+                <a:solidFill>
+                  <a:schemeClr val="tx1">
+                    <a:lumMod val="65000"/>
+                    <a:lumOff val="35000"/>
+                  </a:schemeClr>
+                </a:solidFill>
+                <a:latin typeface="微软雅黑 Light" panose="020B0502040204020203" pitchFamily="34" charset="-122"/>
+                <a:ea typeface="微软雅黑 Light" panose="020B0502040204020203" pitchFamily="34" charset="-122"/>
+              </a:rPr>
+              <a:t>form_arr</a:t>
+            </a:r>
+            <a:r>
+              <a:rPr lang="en-US" altLang="zh-CN" sz="2400" dirty="0">
+                <a:solidFill>
+                  <a:schemeClr val="tx1">
+                    <a:lumMod val="65000"/>
+                    <a:lumOff val="35000"/>
+                  </a:schemeClr>
+                </a:solidFill>
+                <a:latin typeface="微软雅黑 Light" panose="020B0502040204020203" pitchFamily="34" charset="-122"/>
+                <a:ea typeface="微软雅黑 Light" panose="020B0502040204020203" pitchFamily="34" charset="-122"/>
+              </a:rPr>
+              <a:t>(…)</a:t>
+            </a:r>
+          </a:p>
+          <a:p>
+            <a:pPr lvl="1">
+              <a:lnSpc>
+                <a:spcPct val="150000"/>
+              </a:lnSpc>
+            </a:pPr>
+            <a:r>
+              <a:rPr lang="en-US" altLang="zh-CN" sz="2400" dirty="0">
+                <a:solidFill>
+                  <a:schemeClr val="tx1">
+                    <a:lumMod val="65000"/>
+                    <a:lumOff val="35000"/>
+                  </a:schemeClr>
+                </a:solidFill>
+                <a:latin typeface="微软雅黑 Light" panose="020B0502040204020203" pitchFamily="34" charset="-122"/>
+                <a:ea typeface="微软雅黑 Light" panose="020B0502040204020203" pitchFamily="34" charset="-122"/>
+              </a:rPr>
+              <a:t>Rank(…)</a:t>
+            </a:r>
+          </a:p>
+          <a:p>
+            <a:pPr lvl="1">
+              <a:lnSpc>
+                <a:spcPct val="150000"/>
+              </a:lnSpc>
+            </a:pPr>
+            <a:r>
+              <a:rPr lang="en-US" altLang="zh-CN" sz="2400" dirty="0">
+                <a:solidFill>
+                  <a:schemeClr val="tx1">
+                    <a:lumMod val="65000"/>
+                    <a:lumOff val="35000"/>
+                  </a:schemeClr>
+                </a:solidFill>
+                <a:latin typeface="微软雅黑 Light" panose="020B0502040204020203" pitchFamily="34" charset="-122"/>
+                <a:ea typeface="微软雅黑 Light" panose="020B0502040204020203" pitchFamily="34" charset="-122"/>
+              </a:rPr>
+              <a:t>Nullity(…)</a:t>
+            </a:r>
+          </a:p>
+        </p:txBody>
+      </p:sp>
+    </p:spTree>
+    <p:extLst>
+      <p:ext uri="{BB962C8B-B14F-4D97-AF65-F5344CB8AC3E}">
+        <p14:creationId xmlns:p14="http://schemas.microsoft.com/office/powerpoint/2010/main" val="3244693595"/>
+      </p:ext>
+    </p:extLst>
+  </p:cSld>
+  <p:clrMapOvr>
+    <a:masterClrMapping/>
+  </p:clrMapOvr>
+</p:sld>
+</file>
+
+<file path=ppt/slides/slide19.xml><?xml version="1.0" encoding="utf-8"?>
+<p:sld xmlns:a="http://schemas.openxmlformats.org/drawingml/2006/main" xmlns:r="http://schemas.openxmlformats.org/officeDocument/2006/relationships" xmlns:p="http://schemas.openxmlformats.org/presentationml/2006/main">
+  <p:cSld>
+    <p:spTree>
+      <p:nvGrpSpPr>
+        <p:cNvPr id="1" name=""/>
+        <p:cNvGrpSpPr/>
+        <p:nvPr/>
+      </p:nvGrpSpPr>
+      <p:grpSpPr>
+        <a:xfrm>
+          <a:off x="0" y="0"/>
+          <a:ext cx="0" cy="0"/>
+          <a:chOff x="0" y="0"/>
+          <a:chExt cx="0" cy="0"/>
+        </a:xfrm>
+      </p:grpSpPr>
+      <p:pic>
+        <p:nvPicPr>
           <p:cNvPr id="8194" name="Picture 2" descr="D:\work\CSDN学院ppt\5.jpg">
             <a:extLst>
               <a:ext uri="{FF2B5EF4-FFF2-40B4-BE49-F238E27FC236}">

--- a/PPT/C++练习.pptx
+++ b/PPT/C++练习.pptx
@@ -342,7 +342,7 @@
               <a:pPr>
                 <a:defRPr/>
               </a:pPr>
-              <a:t>2017/9/13</a:t>
+              <a:t>2017/9/19</a:t>
             </a:fld>
             <a:endParaRPr lang="zh-CN" altLang="en-US" sz="1200"/>
           </a:p>
@@ -21033,6 +21033,39 @@
               <a:t>Nullity(…)</a:t>
             </a:r>
           </a:p>
+          <a:p>
+            <a:pPr lvl="1">
+              <a:lnSpc>
+                <a:spcPct val="150000"/>
+              </a:lnSpc>
+            </a:pPr>
+            <a:r>
+              <a:rPr lang="en-US" altLang="zh-CN" sz="2400" dirty="0" err="1">
+                <a:solidFill>
+                  <a:schemeClr val="tx1">
+                    <a:lumMod val="65000"/>
+                    <a:lumOff val="35000"/>
+                  </a:schemeClr>
+                </a:solidFill>
+                <a:latin typeface="微软雅黑 Light" panose="020B0502040204020203" pitchFamily="34" charset="-122"/>
+                <a:ea typeface="微软雅黑 Light" panose="020B0502040204020203" pitchFamily="34" charset="-122"/>
+              </a:rPr>
+              <a:t>SetTranspose</a:t>
+            </a:r>
+            <a:r>
+              <a:rPr lang="en-US" altLang="zh-CN" sz="2400" dirty="0">
+                <a:solidFill>
+                  <a:schemeClr val="tx1">
+                    <a:lumMod val="65000"/>
+                    <a:lumOff val="35000"/>
+                  </a:schemeClr>
+                </a:solidFill>
+                <a:latin typeface="微软雅黑 Light" panose="020B0502040204020203" pitchFamily="34" charset="-122"/>
+                <a:ea typeface="微软雅黑 Light" panose="020B0502040204020203" pitchFamily="34" charset="-122"/>
+              </a:rPr>
+              <a:t>()</a:t>
+            </a:r>
+          </a:p>
         </p:txBody>
       </p:sp>
     </p:spTree>

--- a/PPT/C++练习.pptx
+++ b/PPT/C++练习.pptx
@@ -5,7 +5,7 @@
     <p:sldMasterId id="2147483648" r:id="rId1"/>
   </p:sldMasterIdLst>
   <p:notesMasterIdLst>
-    <p:notesMasterId r:id="rId21"/>
+    <p:notesMasterId r:id="rId25"/>
   </p:notesMasterIdLst>
   <p:sldIdLst>
     <p:sldId id="256" r:id="rId2"/>
@@ -26,7 +26,11 @@
     <p:sldId id="274" r:id="rId17"/>
     <p:sldId id="275" r:id="rId18"/>
     <p:sldId id="276" r:id="rId19"/>
-    <p:sldId id="259" r:id="rId20"/>
+    <p:sldId id="277" r:id="rId20"/>
+    <p:sldId id="278" r:id="rId21"/>
+    <p:sldId id="279" r:id="rId22"/>
+    <p:sldId id="280" r:id="rId23"/>
+    <p:sldId id="259" r:id="rId24"/>
   </p:sldIdLst>
   <p:sldSz cx="9144000" cy="5143500" type="screen16x9"/>
   <p:notesSz cx="6858000" cy="9144000"/>
@@ -342,7 +346,7 @@
               <a:pPr>
                 <a:defRPr/>
               </a:pPr>
-              <a:t>2017/9/19</a:t>
+              <a:t>2017/9/21</a:t>
             </a:fld>
             <a:endParaRPr lang="zh-CN" altLang="en-US" sz="1200"/>
           </a:p>
@@ -3308,41 +3312,6 @@
               <a:buNone/>
               <a:defRPr/>
             </a:pPr>
-            <a:endParaRPr lang="en-US" altLang="zh-CN" sz="4800" dirty="0">
-              <a:solidFill>
-                <a:schemeClr val="tx1">
-                  <a:lumMod val="65000"/>
-                  <a:lumOff val="35000"/>
-                </a:schemeClr>
-              </a:solidFill>
-              <a:latin typeface="微软雅黑" panose="020B0503020204020204" pitchFamily="34" charset="-122"/>
-              <a:ea typeface="微软雅黑" panose="020B0503020204020204" pitchFamily="34" charset="-122"/>
-              <a:sym typeface="微软雅黑" panose="020B0503020204020204" pitchFamily="34" charset="-122"/>
-            </a:endParaRPr>
-          </a:p>
-          <a:p>
-            <a:pPr algn="ctr" eaLnBrk="1" hangingPunct="1">
-              <a:lnSpc>
-                <a:spcPct val="90000"/>
-              </a:lnSpc>
-              <a:buFont typeface="Arial" panose="020B0604020202020204" pitchFamily="34" charset="0"/>
-              <a:buNone/>
-              <a:defRPr/>
-            </a:pPr>
-            <a:r>
-              <a:rPr lang="zh-CN" altLang="en-US" sz="4800" dirty="0">
-                <a:solidFill>
-                  <a:schemeClr val="tx1">
-                    <a:lumMod val="65000"/>
-                    <a:lumOff val="35000"/>
-                  </a:schemeClr>
-                </a:solidFill>
-                <a:latin typeface="微软雅黑" panose="020B0503020204020204" pitchFamily="34" charset="-122"/>
-                <a:ea typeface="微软雅黑" panose="020B0503020204020204" pitchFamily="34" charset="-122"/>
-                <a:sym typeface="微软雅黑" panose="020B0503020204020204" pitchFamily="34" charset="-122"/>
-              </a:rPr>
-              <a:t>向量加减法与标量运算</a:t>
-            </a:r>
             <a:endParaRPr lang="en-US" altLang="zh-CN" sz="4800" dirty="0">
               <a:solidFill>
                 <a:schemeClr val="tx1">
@@ -21100,6 +21069,3870 @@
       </p:grpSpPr>
       <p:pic>
         <p:nvPicPr>
+          <p:cNvPr id="3074" name="Picture 2">
+            <a:extLst>
+              <a:ext uri="{FF2B5EF4-FFF2-40B4-BE49-F238E27FC236}">
+                <a16:creationId xmlns:a16="http://schemas.microsoft.com/office/drawing/2014/main" id="{602C339E-BA86-4A21-AB6C-4F6D8491BC39}"/>
+              </a:ext>
+            </a:extLst>
+          </p:cNvPr>
+          <p:cNvPicPr>
+            <a:picLocks noChangeAspect="1" noChangeArrowheads="1"/>
+          </p:cNvPicPr>
+          <p:nvPr/>
+        </p:nvPicPr>
+        <p:blipFill>
+          <a:blip r:embed="rId2">
+            <a:extLst>
+              <a:ext uri="{28A0092B-C50C-407E-A947-70E740481C1C}">
+                <a14:useLocalDpi xmlns:a14="http://schemas.microsoft.com/office/drawing/2010/main" val="0"/>
+              </a:ext>
+            </a:extLst>
+          </a:blip>
+          <a:srcRect/>
+          <a:stretch>
+            <a:fillRect/>
+          </a:stretch>
+        </p:blipFill>
+        <p:spPr bwMode="auto">
+          <a:xfrm>
+            <a:off x="7956550" y="4606925"/>
+            <a:ext cx="1081088" cy="450850"/>
+          </a:xfrm>
+          <a:prstGeom prst="rect">
+            <a:avLst/>
+          </a:prstGeom>
+          <a:noFill/>
+          <a:ln>
+            <a:noFill/>
+          </a:ln>
+          <a:effectLst/>
+          <a:extLst>
+            <a:ext uri="{909E8E84-426E-40DD-AFC4-6F175D3DCCD1}">
+              <a14:hiddenFill xmlns:a14="http://schemas.microsoft.com/office/drawing/2010/main">
+                <a:solidFill>
+                  <a:srgbClr val="FFFFFF"/>
+                </a:solidFill>
+              </a14:hiddenFill>
+            </a:ext>
+            <a:ext uri="{91240B29-F687-4F45-9708-019B960494DF}">
+              <a14:hiddenLine xmlns:a14="http://schemas.microsoft.com/office/drawing/2010/main" w="9525">
+                <a:solidFill>
+                  <a:srgbClr val="000000"/>
+                </a:solidFill>
+                <a:miter lim="800000"/>
+                <a:headEnd/>
+                <a:tailEnd/>
+              </a14:hiddenLine>
+            </a:ext>
+            <a:ext uri="{AF507438-7753-43E0-B8FC-AC1667EBCBE1}">
+              <a14:hiddenEffects xmlns:a14="http://schemas.microsoft.com/office/drawing/2010/main">
+                <a:effectLst>
+                  <a:outerShdw dist="35921" dir="2700000" algn="ctr" rotWithShape="0">
+                    <a:srgbClr val="808080"/>
+                  </a:outerShdw>
+                </a:effectLst>
+              </a14:hiddenEffects>
+            </a:ext>
+          </a:extLst>
+        </p:spPr>
+      </p:pic>
+      <p:sp>
+        <p:nvSpPr>
+          <p:cNvPr id="3075" name="Title 1">
+            <a:extLst>
+              <a:ext uri="{FF2B5EF4-FFF2-40B4-BE49-F238E27FC236}">
+                <a16:creationId xmlns:a16="http://schemas.microsoft.com/office/drawing/2014/main" id="{666E1B67-1175-4598-AA77-794FC6629051}"/>
+              </a:ext>
+            </a:extLst>
+          </p:cNvPr>
+          <p:cNvSpPr>
+            <a:spLocks noGrp="1" noChangeArrowheads="1"/>
+          </p:cNvSpPr>
+          <p:nvPr>
+            <p:ph type="title"/>
+          </p:nvPr>
+        </p:nvSpPr>
+        <p:spPr bwMode="auto">
+          <a:xfrm>
+            <a:off x="457200" y="123825"/>
+            <a:ext cx="8229600" cy="711200"/>
+          </a:xfrm>
+          <a:noFill/>
+          <a:extLst>
+            <a:ext uri="{909E8E84-426E-40DD-AFC4-6F175D3DCCD1}">
+              <a14:hiddenFill xmlns:a14="http://schemas.microsoft.com/office/drawing/2010/main">
+                <a:solidFill>
+                  <a:srgbClr val="FFFFFF"/>
+                </a:solidFill>
+              </a14:hiddenFill>
+            </a:ext>
+            <a:ext uri="{91240B29-F687-4F45-9708-019B960494DF}">
+              <a14:hiddenLine xmlns:a14="http://schemas.microsoft.com/office/drawing/2010/main" w="9525">
+                <a:solidFill>
+                  <a:srgbClr val="000000"/>
+                </a:solidFill>
+                <a:miter lim="800000"/>
+                <a:headEnd/>
+                <a:tailEnd/>
+              </a14:hiddenLine>
+            </a:ext>
+          </a:extLst>
+        </p:spPr>
+        <p:txBody>
+          <a:bodyPr vert="horz" wrap="square" lIns="91440" tIns="45720" rIns="91440" bIns="45720" numCol="1" anchor="t" anchorCtr="0" compatLnSpc="1">
+            <a:prstTxWarp prst="textNoShape">
+              <a:avLst/>
+            </a:prstTxWarp>
+          </a:bodyPr>
+          <a:lstStyle/>
+          <a:p>
+            <a:pPr algn="l" eaLnBrk="1" hangingPunct="1"/>
+            <a:r>
+              <a:rPr lang="zh-CN" altLang="en-US" dirty="0">
+                <a:solidFill>
+                  <a:srgbClr val="C00000"/>
+                </a:solidFill>
+                <a:latin typeface="微软雅黑 Light" panose="020B0502040204020203" pitchFamily="34" charset="-122"/>
+                <a:ea typeface="微软雅黑 Light" panose="020B0502040204020203" pitchFamily="34" charset="-122"/>
+              </a:rPr>
+              <a:t>练习</a:t>
+            </a:r>
+            <a:endParaRPr lang="en-US" altLang="zh-CN" dirty="0">
+              <a:solidFill>
+                <a:srgbClr val="C00000"/>
+              </a:solidFill>
+              <a:latin typeface="微软雅黑 Light" panose="020B0502040204020203" pitchFamily="34" charset="-122"/>
+              <a:ea typeface="微软雅黑 Light" panose="020B0502040204020203" pitchFamily="34" charset="-122"/>
+            </a:endParaRPr>
+          </a:p>
+        </p:txBody>
+      </p:sp>
+      <p:sp>
+        <p:nvSpPr>
+          <p:cNvPr id="4" name="Content Placeholder 3">
+            <a:extLst>
+              <a:ext uri="{FF2B5EF4-FFF2-40B4-BE49-F238E27FC236}">
+                <a16:creationId xmlns:a16="http://schemas.microsoft.com/office/drawing/2014/main" id="{368B2D2E-6A5C-4FE0-91BB-6CC0CC9AEF62}"/>
+              </a:ext>
+            </a:extLst>
+          </p:cNvPr>
+          <p:cNvSpPr txBox="1">
+            <a:spLocks/>
+          </p:cNvSpPr>
+          <p:nvPr/>
+        </p:nvSpPr>
+        <p:spPr>
+          <a:xfrm>
+            <a:off x="457200" y="1131888"/>
+            <a:ext cx="8229600" cy="3925887"/>
+          </a:xfrm>
+          <a:prstGeom prst="rect">
+            <a:avLst/>
+          </a:prstGeom>
+        </p:spPr>
+        <p:txBody>
+          <a:bodyPr/>
+          <a:lstStyle>
+            <a:lvl1pPr marL="342900" indent="-342900" algn="l" rtl="0" fontAlgn="base">
+              <a:spcBef>
+                <a:spcPct val="20000"/>
+              </a:spcBef>
+              <a:spcAft>
+                <a:spcPct val="0"/>
+              </a:spcAft>
+              <a:buFont typeface="Arial" panose="020B0604020202020204" pitchFamily="34" charset="0"/>
+              <a:buChar char="•"/>
+              <a:defRPr sz="3200" kern="1200">
+                <a:solidFill>
+                  <a:schemeClr val="tx1"/>
+                </a:solidFill>
+                <a:latin typeface="+mn-lt"/>
+                <a:ea typeface="+mn-ea"/>
+                <a:cs typeface="+mn-cs"/>
+                <a:sym typeface="Calibri" panose="020F0502020204030204" pitchFamily="34" charset="0"/>
+              </a:defRPr>
+            </a:lvl1pPr>
+            <a:lvl2pPr marL="742950" indent="-285750" algn="l" rtl="0" fontAlgn="base">
+              <a:spcBef>
+                <a:spcPct val="20000"/>
+              </a:spcBef>
+              <a:spcAft>
+                <a:spcPct val="0"/>
+              </a:spcAft>
+              <a:buFont typeface="Arial" panose="020B0604020202020204" pitchFamily="34" charset="0"/>
+              <a:buChar char="–"/>
+              <a:defRPr sz="2800" kern="1200">
+                <a:solidFill>
+                  <a:schemeClr val="tx1"/>
+                </a:solidFill>
+                <a:latin typeface="+mn-lt"/>
+                <a:ea typeface="+mn-ea"/>
+                <a:cs typeface="+mn-cs"/>
+                <a:sym typeface="Calibri" panose="020F0502020204030204" pitchFamily="34" charset="0"/>
+              </a:defRPr>
+            </a:lvl2pPr>
+            <a:lvl3pPr marL="1143000" indent="-228600" algn="l" rtl="0" fontAlgn="base">
+              <a:spcBef>
+                <a:spcPct val="20000"/>
+              </a:spcBef>
+              <a:spcAft>
+                <a:spcPct val="0"/>
+              </a:spcAft>
+              <a:buFont typeface="Arial" panose="020B0604020202020204" pitchFamily="34" charset="0"/>
+              <a:buChar char="•"/>
+              <a:defRPr sz="2400" kern="1200">
+                <a:solidFill>
+                  <a:schemeClr val="tx1"/>
+                </a:solidFill>
+                <a:latin typeface="+mn-lt"/>
+                <a:ea typeface="+mn-ea"/>
+                <a:cs typeface="+mn-cs"/>
+                <a:sym typeface="Calibri" panose="020F0502020204030204" pitchFamily="34" charset="0"/>
+              </a:defRPr>
+            </a:lvl3pPr>
+            <a:lvl4pPr marL="1600200" indent="-228600" algn="l" rtl="0" fontAlgn="base">
+              <a:spcBef>
+                <a:spcPct val="20000"/>
+              </a:spcBef>
+              <a:spcAft>
+                <a:spcPct val="0"/>
+              </a:spcAft>
+              <a:buFont typeface="Arial" panose="020B0604020202020204" pitchFamily="34" charset="0"/>
+              <a:buChar char="–"/>
+              <a:defRPr sz="2000" kern="1200">
+                <a:solidFill>
+                  <a:schemeClr val="tx1"/>
+                </a:solidFill>
+                <a:latin typeface="+mn-lt"/>
+                <a:ea typeface="+mn-ea"/>
+                <a:cs typeface="+mn-cs"/>
+                <a:sym typeface="Calibri" panose="020F0502020204030204" pitchFamily="34" charset="0"/>
+              </a:defRPr>
+            </a:lvl4pPr>
+            <a:lvl5pPr marL="2057400" indent="-228600" algn="l" rtl="0" fontAlgn="base">
+              <a:spcBef>
+                <a:spcPct val="20000"/>
+              </a:spcBef>
+              <a:spcAft>
+                <a:spcPct val="0"/>
+              </a:spcAft>
+              <a:buFont typeface="Arial" panose="020B0604020202020204" pitchFamily="34" charset="0"/>
+              <a:buChar char="»"/>
+              <a:defRPr sz="2000" kern="1200">
+                <a:solidFill>
+                  <a:schemeClr val="tx1"/>
+                </a:solidFill>
+                <a:latin typeface="+mn-lt"/>
+                <a:ea typeface="+mn-ea"/>
+                <a:cs typeface="+mn-cs"/>
+                <a:sym typeface="Calibri" panose="020F0502020204030204" pitchFamily="34" charset="0"/>
+              </a:defRPr>
+            </a:lvl5pPr>
+            <a:lvl6pPr marL="2514600" indent="-228600" algn="l" defTabSz="914400" rtl="0" eaLnBrk="1" latinLnBrk="0" hangingPunct="1">
+              <a:lnSpc>
+                <a:spcPct val="90000"/>
+              </a:lnSpc>
+              <a:spcBef>
+                <a:spcPts val="500"/>
+              </a:spcBef>
+              <a:buFont typeface="Arial" panose="020B0604020202020204" pitchFamily="34" charset="0"/>
+              <a:buChar char="•"/>
+              <a:defRPr sz="1800" kern="1200">
+                <a:solidFill>
+                  <a:schemeClr val="tx1"/>
+                </a:solidFill>
+                <a:latin typeface="+mn-lt"/>
+                <a:ea typeface="+mn-ea"/>
+                <a:cs typeface="+mn-cs"/>
+              </a:defRPr>
+            </a:lvl6pPr>
+            <a:lvl7pPr marL="2971800" indent="-228600" algn="l" defTabSz="914400" rtl="0" eaLnBrk="1" latinLnBrk="0" hangingPunct="1">
+              <a:lnSpc>
+                <a:spcPct val="90000"/>
+              </a:lnSpc>
+              <a:spcBef>
+                <a:spcPts val="500"/>
+              </a:spcBef>
+              <a:buFont typeface="Arial" panose="020B0604020202020204" pitchFamily="34" charset="0"/>
+              <a:buChar char="•"/>
+              <a:defRPr sz="1800" kern="1200">
+                <a:solidFill>
+                  <a:schemeClr val="tx1"/>
+                </a:solidFill>
+                <a:latin typeface="+mn-lt"/>
+                <a:ea typeface="+mn-ea"/>
+                <a:cs typeface="+mn-cs"/>
+              </a:defRPr>
+            </a:lvl7pPr>
+            <a:lvl8pPr marL="3429000" indent="-228600" algn="l" defTabSz="914400" rtl="0" eaLnBrk="1" latinLnBrk="0" hangingPunct="1">
+              <a:lnSpc>
+                <a:spcPct val="90000"/>
+              </a:lnSpc>
+              <a:spcBef>
+                <a:spcPts val="500"/>
+              </a:spcBef>
+              <a:buFont typeface="Arial" panose="020B0604020202020204" pitchFamily="34" charset="0"/>
+              <a:buChar char="•"/>
+              <a:defRPr sz="1800" kern="1200">
+                <a:solidFill>
+                  <a:schemeClr val="tx1"/>
+                </a:solidFill>
+                <a:latin typeface="+mn-lt"/>
+                <a:ea typeface="+mn-ea"/>
+                <a:cs typeface="+mn-cs"/>
+              </a:defRPr>
+            </a:lvl8pPr>
+            <a:lvl9pPr marL="3886200" indent="-228600" algn="l" defTabSz="914400" rtl="0" eaLnBrk="1" latinLnBrk="0" hangingPunct="1">
+              <a:lnSpc>
+                <a:spcPct val="90000"/>
+              </a:lnSpc>
+              <a:spcBef>
+                <a:spcPts val="500"/>
+              </a:spcBef>
+              <a:buFont typeface="Arial" panose="020B0604020202020204" pitchFamily="34" charset="0"/>
+              <a:buChar char="•"/>
+              <a:defRPr sz="1800" kern="1200">
+                <a:solidFill>
+                  <a:schemeClr val="tx1"/>
+                </a:solidFill>
+                <a:latin typeface="+mn-lt"/>
+                <a:ea typeface="+mn-ea"/>
+                <a:cs typeface="+mn-cs"/>
+              </a:defRPr>
+            </a:lvl9pPr>
+          </a:lstStyle>
+          <a:p>
+            <a:pPr>
+              <a:lnSpc>
+                <a:spcPct val="150000"/>
+              </a:lnSpc>
+            </a:pPr>
+            <a:r>
+              <a:rPr lang="zh-CN" altLang="en-US" sz="2800" dirty="0">
+                <a:solidFill>
+                  <a:schemeClr val="tx1">
+                    <a:lumMod val="65000"/>
+                    <a:lumOff val="35000"/>
+                  </a:schemeClr>
+                </a:solidFill>
+                <a:latin typeface="微软雅黑 Light" panose="020B0502040204020203" pitchFamily="34" charset="-122"/>
+                <a:ea typeface="微软雅黑 Light" panose="020B0502040204020203" pitchFamily="34" charset="-122"/>
+              </a:rPr>
+              <a:t>创建</a:t>
+            </a:r>
+            <a:r>
+              <a:rPr lang="en-US" altLang="zh-CN" sz="2800" dirty="0" err="1">
+                <a:solidFill>
+                  <a:schemeClr val="tx1">
+                    <a:lumMod val="65000"/>
+                    <a:lumOff val="35000"/>
+                  </a:schemeClr>
+                </a:solidFill>
+                <a:latin typeface="微软雅黑 Light" panose="020B0502040204020203" pitchFamily="34" charset="-122"/>
+                <a:ea typeface="微软雅黑 Light" panose="020B0502040204020203" pitchFamily="34" charset="-122"/>
+              </a:rPr>
+              <a:t>GLine</a:t>
+            </a:r>
+            <a:r>
+              <a:rPr lang="zh-CN" altLang="en-US" sz="2800" dirty="0">
+                <a:solidFill>
+                  <a:schemeClr val="tx1">
+                    <a:lumMod val="65000"/>
+                    <a:lumOff val="35000"/>
+                  </a:schemeClr>
+                </a:solidFill>
+                <a:latin typeface="微软雅黑 Light" panose="020B0502040204020203" pitchFamily="34" charset="-122"/>
+                <a:ea typeface="微软雅黑 Light" panose="020B0502040204020203" pitchFamily="34" charset="-122"/>
+              </a:rPr>
+              <a:t>类</a:t>
+            </a:r>
+            <a:endParaRPr lang="en-US" altLang="zh-CN" sz="2800" dirty="0">
+              <a:solidFill>
+                <a:schemeClr val="tx1">
+                  <a:lumMod val="65000"/>
+                  <a:lumOff val="35000"/>
+                </a:schemeClr>
+              </a:solidFill>
+              <a:latin typeface="微软雅黑 Light" panose="020B0502040204020203" pitchFamily="34" charset="-122"/>
+              <a:ea typeface="微软雅黑 Light" panose="020B0502040204020203" pitchFamily="34" charset="-122"/>
+            </a:endParaRPr>
+          </a:p>
+          <a:p>
+            <a:pPr lvl="1">
+              <a:lnSpc>
+                <a:spcPct val="150000"/>
+              </a:lnSpc>
+            </a:pPr>
+            <a:r>
+              <a:rPr lang="zh-CN" altLang="en-US" sz="2400" dirty="0">
+                <a:solidFill>
+                  <a:schemeClr val="tx1">
+                    <a:lumMod val="65000"/>
+                    <a:lumOff val="35000"/>
+                  </a:schemeClr>
+                </a:solidFill>
+                <a:latin typeface="微软雅黑 Light" panose="020B0502040204020203" pitchFamily="34" charset="-122"/>
+                <a:ea typeface="微软雅黑 Light" panose="020B0502040204020203" pitchFamily="34" charset="-122"/>
+              </a:rPr>
+              <a:t>构造函数</a:t>
+            </a:r>
+            <a:endParaRPr lang="en-US" altLang="zh-CN" sz="2400" dirty="0">
+              <a:solidFill>
+                <a:schemeClr val="tx1">
+                  <a:lumMod val="65000"/>
+                  <a:lumOff val="35000"/>
+                </a:schemeClr>
+              </a:solidFill>
+              <a:latin typeface="微软雅黑 Light" panose="020B0502040204020203" pitchFamily="34" charset="-122"/>
+              <a:ea typeface="微软雅黑 Light" panose="020B0502040204020203" pitchFamily="34" charset="-122"/>
+            </a:endParaRPr>
+          </a:p>
+          <a:p>
+            <a:pPr lvl="1">
+              <a:lnSpc>
+                <a:spcPct val="150000"/>
+              </a:lnSpc>
+            </a:pPr>
+            <a:r>
+              <a:rPr lang="zh-CN" altLang="en-US" sz="2400" dirty="0">
+                <a:solidFill>
+                  <a:schemeClr val="tx1">
+                    <a:lumMod val="65000"/>
+                    <a:lumOff val="35000"/>
+                  </a:schemeClr>
+                </a:solidFill>
+                <a:latin typeface="微软雅黑 Light" panose="020B0502040204020203" pitchFamily="34" charset="-122"/>
+                <a:ea typeface="微软雅黑 Light" panose="020B0502040204020203" pitchFamily="34" charset="-122"/>
+              </a:rPr>
+              <a:t>析构函数</a:t>
+            </a:r>
+            <a:endParaRPr lang="en-US" altLang="zh-CN" sz="2400" dirty="0">
+              <a:solidFill>
+                <a:schemeClr val="tx1">
+                  <a:lumMod val="65000"/>
+                  <a:lumOff val="35000"/>
+                </a:schemeClr>
+              </a:solidFill>
+              <a:latin typeface="微软雅黑 Light" panose="020B0502040204020203" pitchFamily="34" charset="-122"/>
+              <a:ea typeface="微软雅黑 Light" panose="020B0502040204020203" pitchFamily="34" charset="-122"/>
+            </a:endParaRPr>
+          </a:p>
+          <a:p>
+            <a:pPr lvl="1">
+              <a:lnSpc>
+                <a:spcPct val="150000"/>
+              </a:lnSpc>
+            </a:pPr>
+            <a:r>
+              <a:rPr lang="en-US" altLang="zh-CN" sz="2400" dirty="0" err="1">
+                <a:solidFill>
+                  <a:schemeClr val="tx1">
+                    <a:lumMod val="65000"/>
+                    <a:lumOff val="35000"/>
+                  </a:schemeClr>
+                </a:solidFill>
+                <a:latin typeface="微软雅黑 Light" panose="020B0502040204020203" pitchFamily="34" charset="-122"/>
+                <a:ea typeface="微软雅黑 Light" panose="020B0502040204020203" pitchFamily="34" charset="-122"/>
+              </a:rPr>
+              <a:t>GLine</a:t>
+            </a:r>
+            <a:r>
+              <a:rPr lang="en-US" altLang="zh-CN" sz="2400" dirty="0">
+                <a:solidFill>
+                  <a:schemeClr val="tx1">
+                    <a:lumMod val="65000"/>
+                    <a:lumOff val="35000"/>
+                  </a:schemeClr>
+                </a:solidFill>
+                <a:latin typeface="微软雅黑 Light" panose="020B0502040204020203" pitchFamily="34" charset="-122"/>
+                <a:ea typeface="微软雅黑 Light" panose="020B0502040204020203" pitchFamily="34" charset="-122"/>
+              </a:rPr>
+              <a:t>&amp; operator=(…)</a:t>
+            </a:r>
+          </a:p>
+          <a:p>
+            <a:pPr lvl="1">
+              <a:lnSpc>
+                <a:spcPct val="150000"/>
+              </a:lnSpc>
+            </a:pPr>
+            <a:r>
+              <a:rPr lang="en-US" altLang="zh-CN" sz="2400" dirty="0">
+                <a:solidFill>
+                  <a:schemeClr val="tx1">
+                    <a:lumMod val="65000"/>
+                    <a:lumOff val="35000"/>
+                  </a:schemeClr>
+                </a:solidFill>
+                <a:latin typeface="微软雅黑 Light" panose="020B0502040204020203" pitchFamily="34" charset="-122"/>
+                <a:ea typeface="微软雅黑 Light" panose="020B0502040204020203" pitchFamily="34" charset="-122"/>
+              </a:rPr>
+              <a:t>GPoint3 operator();</a:t>
+            </a:r>
+          </a:p>
+        </p:txBody>
+      </p:sp>
+    </p:spTree>
+    <p:extLst>
+      <p:ext uri="{BB962C8B-B14F-4D97-AF65-F5344CB8AC3E}">
+        <p14:creationId xmlns:p14="http://schemas.microsoft.com/office/powerpoint/2010/main" val="1547582439"/>
+      </p:ext>
+    </p:extLst>
+  </p:cSld>
+  <p:clrMapOvr>
+    <a:masterClrMapping/>
+  </p:clrMapOvr>
+</p:sld>
+</file>
+
+<file path=ppt/slides/slide2.xml><?xml version="1.0" encoding="utf-8"?>
+<p:sld xmlns:a="http://schemas.openxmlformats.org/drawingml/2006/main" xmlns:r="http://schemas.openxmlformats.org/officeDocument/2006/relationships" xmlns:p="http://schemas.openxmlformats.org/presentationml/2006/main">
+  <p:cSld>
+    <p:spTree>
+      <p:nvGrpSpPr>
+        <p:cNvPr id="1" name=""/>
+        <p:cNvGrpSpPr/>
+        <p:nvPr/>
+      </p:nvGrpSpPr>
+      <p:grpSpPr>
+        <a:xfrm>
+          <a:off x="0" y="0"/>
+          <a:ext cx="0" cy="0"/>
+          <a:chOff x="0" y="0"/>
+          <a:chExt cx="0" cy="0"/>
+        </a:xfrm>
+      </p:grpSpPr>
+      <p:pic>
+        <p:nvPicPr>
+          <p:cNvPr id="3074" name="Picture 2">
+            <a:extLst>
+              <a:ext uri="{FF2B5EF4-FFF2-40B4-BE49-F238E27FC236}">
+                <a16:creationId xmlns:a16="http://schemas.microsoft.com/office/drawing/2014/main" id="{602C339E-BA86-4A21-AB6C-4F6D8491BC39}"/>
+              </a:ext>
+            </a:extLst>
+          </p:cNvPr>
+          <p:cNvPicPr>
+            <a:picLocks noChangeAspect="1" noChangeArrowheads="1"/>
+          </p:cNvPicPr>
+          <p:nvPr/>
+        </p:nvPicPr>
+        <p:blipFill>
+          <a:blip r:embed="rId2">
+            <a:extLst>
+              <a:ext uri="{28A0092B-C50C-407E-A947-70E740481C1C}">
+                <a14:useLocalDpi xmlns:a14="http://schemas.microsoft.com/office/drawing/2010/main" val="0"/>
+              </a:ext>
+            </a:extLst>
+          </a:blip>
+          <a:srcRect/>
+          <a:stretch>
+            <a:fillRect/>
+          </a:stretch>
+        </p:blipFill>
+        <p:spPr bwMode="auto">
+          <a:xfrm>
+            <a:off x="7956550" y="4606925"/>
+            <a:ext cx="1081088" cy="450850"/>
+          </a:xfrm>
+          <a:prstGeom prst="rect">
+            <a:avLst/>
+          </a:prstGeom>
+          <a:noFill/>
+          <a:ln>
+            <a:noFill/>
+          </a:ln>
+          <a:effectLst/>
+          <a:extLst>
+            <a:ext uri="{909E8E84-426E-40DD-AFC4-6F175D3DCCD1}">
+              <a14:hiddenFill xmlns:a14="http://schemas.microsoft.com/office/drawing/2010/main">
+                <a:solidFill>
+                  <a:srgbClr val="FFFFFF"/>
+                </a:solidFill>
+              </a14:hiddenFill>
+            </a:ext>
+            <a:ext uri="{91240B29-F687-4F45-9708-019B960494DF}">
+              <a14:hiddenLine xmlns:a14="http://schemas.microsoft.com/office/drawing/2010/main" w="9525">
+                <a:solidFill>
+                  <a:srgbClr val="000000"/>
+                </a:solidFill>
+                <a:miter lim="800000"/>
+                <a:headEnd/>
+                <a:tailEnd/>
+              </a14:hiddenLine>
+            </a:ext>
+            <a:ext uri="{AF507438-7753-43E0-B8FC-AC1667EBCBE1}">
+              <a14:hiddenEffects xmlns:a14="http://schemas.microsoft.com/office/drawing/2010/main">
+                <a:effectLst>
+                  <a:outerShdw dist="35921" dir="2700000" algn="ctr" rotWithShape="0">
+                    <a:srgbClr val="808080"/>
+                  </a:outerShdw>
+                </a:effectLst>
+              </a14:hiddenEffects>
+            </a:ext>
+          </a:extLst>
+        </p:spPr>
+      </p:pic>
+      <p:sp>
+        <p:nvSpPr>
+          <p:cNvPr id="3075" name="Title 1">
+            <a:extLst>
+              <a:ext uri="{FF2B5EF4-FFF2-40B4-BE49-F238E27FC236}">
+                <a16:creationId xmlns:a16="http://schemas.microsoft.com/office/drawing/2014/main" id="{666E1B67-1175-4598-AA77-794FC6629051}"/>
+              </a:ext>
+            </a:extLst>
+          </p:cNvPr>
+          <p:cNvSpPr>
+            <a:spLocks noGrp="1" noChangeArrowheads="1"/>
+          </p:cNvSpPr>
+          <p:nvPr>
+            <p:ph type="title"/>
+          </p:nvPr>
+        </p:nvSpPr>
+        <p:spPr bwMode="auto">
+          <a:xfrm>
+            <a:off x="457200" y="123825"/>
+            <a:ext cx="8229600" cy="711200"/>
+          </a:xfrm>
+          <a:noFill/>
+          <a:extLst>
+            <a:ext uri="{909E8E84-426E-40DD-AFC4-6F175D3DCCD1}">
+              <a14:hiddenFill xmlns:a14="http://schemas.microsoft.com/office/drawing/2010/main">
+                <a:solidFill>
+                  <a:srgbClr val="FFFFFF"/>
+                </a:solidFill>
+              </a14:hiddenFill>
+            </a:ext>
+            <a:ext uri="{91240B29-F687-4F45-9708-019B960494DF}">
+              <a14:hiddenLine xmlns:a14="http://schemas.microsoft.com/office/drawing/2010/main" w="9525">
+                <a:solidFill>
+                  <a:srgbClr val="000000"/>
+                </a:solidFill>
+                <a:miter lim="800000"/>
+                <a:headEnd/>
+                <a:tailEnd/>
+              </a14:hiddenLine>
+            </a:ext>
+          </a:extLst>
+        </p:spPr>
+        <p:txBody>
+          <a:bodyPr vert="horz" wrap="square" lIns="91440" tIns="45720" rIns="91440" bIns="45720" numCol="1" anchor="t" anchorCtr="0" compatLnSpc="1">
+            <a:prstTxWarp prst="textNoShape">
+              <a:avLst/>
+            </a:prstTxWarp>
+          </a:bodyPr>
+          <a:lstStyle/>
+          <a:p>
+            <a:pPr algn="l" eaLnBrk="1" hangingPunct="1"/>
+            <a:r>
+              <a:rPr lang="zh-CN" altLang="en-US" dirty="0">
+                <a:solidFill>
+                  <a:srgbClr val="C00000"/>
+                </a:solidFill>
+                <a:latin typeface="微软雅黑 Light" panose="020B0502040204020203" pitchFamily="34" charset="-122"/>
+                <a:ea typeface="微软雅黑 Light" panose="020B0502040204020203" pitchFamily="34" charset="-122"/>
+              </a:rPr>
+              <a:t>练习</a:t>
+            </a:r>
+            <a:endParaRPr lang="en-US" altLang="zh-CN" dirty="0">
+              <a:solidFill>
+                <a:srgbClr val="C00000"/>
+              </a:solidFill>
+              <a:latin typeface="微软雅黑 Light" panose="020B0502040204020203" pitchFamily="34" charset="-122"/>
+              <a:ea typeface="微软雅黑 Light" panose="020B0502040204020203" pitchFamily="34" charset="-122"/>
+            </a:endParaRPr>
+          </a:p>
+        </p:txBody>
+      </p:sp>
+      <p:sp>
+        <p:nvSpPr>
+          <p:cNvPr id="4" name="Content Placeholder 3">
+            <a:extLst>
+              <a:ext uri="{FF2B5EF4-FFF2-40B4-BE49-F238E27FC236}">
+                <a16:creationId xmlns:a16="http://schemas.microsoft.com/office/drawing/2014/main" id="{368B2D2E-6A5C-4FE0-91BB-6CC0CC9AEF62}"/>
+              </a:ext>
+            </a:extLst>
+          </p:cNvPr>
+          <p:cNvSpPr txBox="1">
+            <a:spLocks/>
+          </p:cNvSpPr>
+          <p:nvPr/>
+        </p:nvSpPr>
+        <p:spPr>
+          <a:xfrm>
+            <a:off x="457200" y="1131888"/>
+            <a:ext cx="8229600" cy="3925887"/>
+          </a:xfrm>
+          <a:prstGeom prst="rect">
+            <a:avLst/>
+          </a:prstGeom>
+        </p:spPr>
+        <p:txBody>
+          <a:bodyPr/>
+          <a:lstStyle>
+            <a:lvl1pPr marL="342900" indent="-342900" algn="l" rtl="0" fontAlgn="base">
+              <a:spcBef>
+                <a:spcPct val="20000"/>
+              </a:spcBef>
+              <a:spcAft>
+                <a:spcPct val="0"/>
+              </a:spcAft>
+              <a:buFont typeface="Arial" panose="020B0604020202020204" pitchFamily="34" charset="0"/>
+              <a:buChar char="•"/>
+              <a:defRPr sz="3200" kern="1200">
+                <a:solidFill>
+                  <a:schemeClr val="tx1"/>
+                </a:solidFill>
+                <a:latin typeface="+mn-lt"/>
+                <a:ea typeface="+mn-ea"/>
+                <a:cs typeface="+mn-cs"/>
+                <a:sym typeface="Calibri" panose="020F0502020204030204" pitchFamily="34" charset="0"/>
+              </a:defRPr>
+            </a:lvl1pPr>
+            <a:lvl2pPr marL="742950" indent="-285750" algn="l" rtl="0" fontAlgn="base">
+              <a:spcBef>
+                <a:spcPct val="20000"/>
+              </a:spcBef>
+              <a:spcAft>
+                <a:spcPct val="0"/>
+              </a:spcAft>
+              <a:buFont typeface="Arial" panose="020B0604020202020204" pitchFamily="34" charset="0"/>
+              <a:buChar char="–"/>
+              <a:defRPr sz="2800" kern="1200">
+                <a:solidFill>
+                  <a:schemeClr val="tx1"/>
+                </a:solidFill>
+                <a:latin typeface="+mn-lt"/>
+                <a:ea typeface="+mn-ea"/>
+                <a:cs typeface="+mn-cs"/>
+                <a:sym typeface="Calibri" panose="020F0502020204030204" pitchFamily="34" charset="0"/>
+              </a:defRPr>
+            </a:lvl2pPr>
+            <a:lvl3pPr marL="1143000" indent="-228600" algn="l" rtl="0" fontAlgn="base">
+              <a:spcBef>
+                <a:spcPct val="20000"/>
+              </a:spcBef>
+              <a:spcAft>
+                <a:spcPct val="0"/>
+              </a:spcAft>
+              <a:buFont typeface="Arial" panose="020B0604020202020204" pitchFamily="34" charset="0"/>
+              <a:buChar char="•"/>
+              <a:defRPr sz="2400" kern="1200">
+                <a:solidFill>
+                  <a:schemeClr val="tx1"/>
+                </a:solidFill>
+                <a:latin typeface="+mn-lt"/>
+                <a:ea typeface="+mn-ea"/>
+                <a:cs typeface="+mn-cs"/>
+                <a:sym typeface="Calibri" panose="020F0502020204030204" pitchFamily="34" charset="0"/>
+              </a:defRPr>
+            </a:lvl3pPr>
+            <a:lvl4pPr marL="1600200" indent="-228600" algn="l" rtl="0" fontAlgn="base">
+              <a:spcBef>
+                <a:spcPct val="20000"/>
+              </a:spcBef>
+              <a:spcAft>
+                <a:spcPct val="0"/>
+              </a:spcAft>
+              <a:buFont typeface="Arial" panose="020B0604020202020204" pitchFamily="34" charset="0"/>
+              <a:buChar char="–"/>
+              <a:defRPr sz="2000" kern="1200">
+                <a:solidFill>
+                  <a:schemeClr val="tx1"/>
+                </a:solidFill>
+                <a:latin typeface="+mn-lt"/>
+                <a:ea typeface="+mn-ea"/>
+                <a:cs typeface="+mn-cs"/>
+                <a:sym typeface="Calibri" panose="020F0502020204030204" pitchFamily="34" charset="0"/>
+              </a:defRPr>
+            </a:lvl4pPr>
+            <a:lvl5pPr marL="2057400" indent="-228600" algn="l" rtl="0" fontAlgn="base">
+              <a:spcBef>
+                <a:spcPct val="20000"/>
+              </a:spcBef>
+              <a:spcAft>
+                <a:spcPct val="0"/>
+              </a:spcAft>
+              <a:buFont typeface="Arial" panose="020B0604020202020204" pitchFamily="34" charset="0"/>
+              <a:buChar char="»"/>
+              <a:defRPr sz="2000" kern="1200">
+                <a:solidFill>
+                  <a:schemeClr val="tx1"/>
+                </a:solidFill>
+                <a:latin typeface="+mn-lt"/>
+                <a:ea typeface="+mn-ea"/>
+                <a:cs typeface="+mn-cs"/>
+                <a:sym typeface="Calibri" panose="020F0502020204030204" pitchFamily="34" charset="0"/>
+              </a:defRPr>
+            </a:lvl5pPr>
+            <a:lvl6pPr marL="2514600" indent="-228600" algn="l" defTabSz="914400" rtl="0" eaLnBrk="1" latinLnBrk="0" hangingPunct="1">
+              <a:lnSpc>
+                <a:spcPct val="90000"/>
+              </a:lnSpc>
+              <a:spcBef>
+                <a:spcPts val="500"/>
+              </a:spcBef>
+              <a:buFont typeface="Arial" panose="020B0604020202020204" pitchFamily="34" charset="0"/>
+              <a:buChar char="•"/>
+              <a:defRPr sz="1800" kern="1200">
+                <a:solidFill>
+                  <a:schemeClr val="tx1"/>
+                </a:solidFill>
+                <a:latin typeface="+mn-lt"/>
+                <a:ea typeface="+mn-ea"/>
+                <a:cs typeface="+mn-cs"/>
+              </a:defRPr>
+            </a:lvl6pPr>
+            <a:lvl7pPr marL="2971800" indent="-228600" algn="l" defTabSz="914400" rtl="0" eaLnBrk="1" latinLnBrk="0" hangingPunct="1">
+              <a:lnSpc>
+                <a:spcPct val="90000"/>
+              </a:lnSpc>
+              <a:spcBef>
+                <a:spcPts val="500"/>
+              </a:spcBef>
+              <a:buFont typeface="Arial" panose="020B0604020202020204" pitchFamily="34" charset="0"/>
+              <a:buChar char="•"/>
+              <a:defRPr sz="1800" kern="1200">
+                <a:solidFill>
+                  <a:schemeClr val="tx1"/>
+                </a:solidFill>
+                <a:latin typeface="+mn-lt"/>
+                <a:ea typeface="+mn-ea"/>
+                <a:cs typeface="+mn-cs"/>
+              </a:defRPr>
+            </a:lvl7pPr>
+            <a:lvl8pPr marL="3429000" indent="-228600" algn="l" defTabSz="914400" rtl="0" eaLnBrk="1" latinLnBrk="0" hangingPunct="1">
+              <a:lnSpc>
+                <a:spcPct val="90000"/>
+              </a:lnSpc>
+              <a:spcBef>
+                <a:spcPts val="500"/>
+              </a:spcBef>
+              <a:buFont typeface="Arial" panose="020B0604020202020204" pitchFamily="34" charset="0"/>
+              <a:buChar char="•"/>
+              <a:defRPr sz="1800" kern="1200">
+                <a:solidFill>
+                  <a:schemeClr val="tx1"/>
+                </a:solidFill>
+                <a:latin typeface="+mn-lt"/>
+                <a:ea typeface="+mn-ea"/>
+                <a:cs typeface="+mn-cs"/>
+              </a:defRPr>
+            </a:lvl8pPr>
+            <a:lvl9pPr marL="3886200" indent="-228600" algn="l" defTabSz="914400" rtl="0" eaLnBrk="1" latinLnBrk="0" hangingPunct="1">
+              <a:lnSpc>
+                <a:spcPct val="90000"/>
+              </a:lnSpc>
+              <a:spcBef>
+                <a:spcPts val="500"/>
+              </a:spcBef>
+              <a:buFont typeface="Arial" panose="020B0604020202020204" pitchFamily="34" charset="0"/>
+              <a:buChar char="•"/>
+              <a:defRPr sz="1800" kern="1200">
+                <a:solidFill>
+                  <a:schemeClr val="tx1"/>
+                </a:solidFill>
+                <a:latin typeface="+mn-lt"/>
+                <a:ea typeface="+mn-ea"/>
+                <a:cs typeface="+mn-cs"/>
+              </a:defRPr>
+            </a:lvl9pPr>
+          </a:lstStyle>
+          <a:p>
+            <a:pPr>
+              <a:lnSpc>
+                <a:spcPct val="150000"/>
+              </a:lnSpc>
+            </a:pPr>
+            <a:r>
+              <a:rPr lang="zh-CN" altLang="en-US" sz="2800" dirty="0">
+                <a:solidFill>
+                  <a:schemeClr val="tx1">
+                    <a:lumMod val="65000"/>
+                    <a:lumOff val="35000"/>
+                  </a:schemeClr>
+                </a:solidFill>
+                <a:latin typeface="微软雅黑 Light" panose="020B0502040204020203" pitchFamily="34" charset="-122"/>
+                <a:ea typeface="微软雅黑 Light" panose="020B0502040204020203" pitchFamily="34" charset="-122"/>
+              </a:rPr>
+              <a:t>创建</a:t>
+            </a:r>
+            <a:r>
+              <a:rPr lang="en-US" altLang="zh-CN" sz="2800" dirty="0" err="1">
+                <a:solidFill>
+                  <a:schemeClr val="tx1">
+                    <a:lumMod val="65000"/>
+                    <a:lumOff val="35000"/>
+                  </a:schemeClr>
+                </a:solidFill>
+                <a:latin typeface="微软雅黑 Light" panose="020B0502040204020203" pitchFamily="34" charset="-122"/>
+                <a:ea typeface="微软雅黑 Light" panose="020B0502040204020203" pitchFamily="34" charset="-122"/>
+              </a:rPr>
+              <a:t>GMath</a:t>
+            </a:r>
+            <a:r>
+              <a:rPr lang="zh-CN" altLang="en-US" sz="2800" dirty="0">
+                <a:solidFill>
+                  <a:schemeClr val="tx1">
+                    <a:lumMod val="65000"/>
+                    <a:lumOff val="35000"/>
+                  </a:schemeClr>
+                </a:solidFill>
+                <a:latin typeface="微软雅黑 Light" panose="020B0502040204020203" pitchFamily="34" charset="-122"/>
+                <a:ea typeface="微软雅黑 Light" panose="020B0502040204020203" pitchFamily="34" charset="-122"/>
+              </a:rPr>
+              <a:t>库</a:t>
+            </a:r>
+            <a:endParaRPr lang="en-US" altLang="zh-CN" sz="2800" dirty="0">
+              <a:solidFill>
+                <a:schemeClr val="tx1">
+                  <a:lumMod val="65000"/>
+                  <a:lumOff val="35000"/>
+                </a:schemeClr>
+              </a:solidFill>
+              <a:latin typeface="微软雅黑 Light" panose="020B0502040204020203" pitchFamily="34" charset="-122"/>
+              <a:ea typeface="微软雅黑 Light" panose="020B0502040204020203" pitchFamily="34" charset="-122"/>
+            </a:endParaRPr>
+          </a:p>
+          <a:p>
+            <a:pPr>
+              <a:lnSpc>
+                <a:spcPct val="150000"/>
+              </a:lnSpc>
+            </a:pPr>
+            <a:r>
+              <a:rPr lang="zh-CN" altLang="en-US" sz="2800" dirty="0">
+                <a:solidFill>
+                  <a:schemeClr val="tx1">
+                    <a:lumMod val="65000"/>
+                    <a:lumOff val="35000"/>
+                  </a:schemeClr>
+                </a:solidFill>
+                <a:latin typeface="微软雅黑 Light" panose="020B0502040204020203" pitchFamily="34" charset="-122"/>
+                <a:ea typeface="微软雅黑 Light" panose="020B0502040204020203" pitchFamily="34" charset="-122"/>
+              </a:rPr>
+              <a:t>创建</a:t>
+            </a:r>
+            <a:r>
+              <a:rPr lang="en-US" altLang="zh-CN" sz="2800" dirty="0">
+                <a:solidFill>
+                  <a:schemeClr val="tx1">
+                    <a:lumMod val="65000"/>
+                    <a:lumOff val="35000"/>
+                  </a:schemeClr>
+                </a:solidFill>
+                <a:latin typeface="微软雅黑 Light" panose="020B0502040204020203" pitchFamily="34" charset="-122"/>
+                <a:ea typeface="微软雅黑 Light" panose="020B0502040204020203" pitchFamily="34" charset="-122"/>
+              </a:rPr>
+              <a:t>GVector3</a:t>
+            </a:r>
+            <a:r>
+              <a:rPr lang="zh-CN" altLang="en-US" sz="2800" dirty="0">
+                <a:solidFill>
+                  <a:schemeClr val="tx1">
+                    <a:lumMod val="65000"/>
+                    <a:lumOff val="35000"/>
+                  </a:schemeClr>
+                </a:solidFill>
+                <a:latin typeface="微软雅黑 Light" panose="020B0502040204020203" pitchFamily="34" charset="-122"/>
+                <a:ea typeface="微软雅黑 Light" panose="020B0502040204020203" pitchFamily="34" charset="-122"/>
+              </a:rPr>
+              <a:t>类</a:t>
+            </a:r>
+            <a:endParaRPr lang="en-US" altLang="zh-CN" sz="2800" dirty="0">
+              <a:solidFill>
+                <a:schemeClr val="tx1">
+                  <a:lumMod val="65000"/>
+                  <a:lumOff val="35000"/>
+                </a:schemeClr>
+              </a:solidFill>
+              <a:latin typeface="微软雅黑 Light" panose="020B0502040204020203" pitchFamily="34" charset="-122"/>
+              <a:ea typeface="微软雅黑 Light" panose="020B0502040204020203" pitchFamily="34" charset="-122"/>
+            </a:endParaRPr>
+          </a:p>
+          <a:p>
+            <a:pPr lvl="1">
+              <a:lnSpc>
+                <a:spcPct val="150000"/>
+              </a:lnSpc>
+            </a:pPr>
+            <a:r>
+              <a:rPr lang="zh-CN" altLang="en-US" sz="2400" dirty="0">
+                <a:solidFill>
+                  <a:schemeClr val="tx1">
+                    <a:lumMod val="65000"/>
+                    <a:lumOff val="35000"/>
+                  </a:schemeClr>
+                </a:solidFill>
+                <a:latin typeface="微软雅黑 Light" panose="020B0502040204020203" pitchFamily="34" charset="-122"/>
+                <a:ea typeface="微软雅黑 Light" panose="020B0502040204020203" pitchFamily="34" charset="-122"/>
+              </a:rPr>
+              <a:t>向量间的加减法</a:t>
+            </a:r>
+            <a:endParaRPr lang="en-US" altLang="zh-CN" sz="2400" dirty="0">
+              <a:solidFill>
+                <a:schemeClr val="tx1">
+                  <a:lumMod val="65000"/>
+                  <a:lumOff val="35000"/>
+                </a:schemeClr>
+              </a:solidFill>
+              <a:latin typeface="微软雅黑 Light" panose="020B0502040204020203" pitchFamily="34" charset="-122"/>
+              <a:ea typeface="微软雅黑 Light" panose="020B0502040204020203" pitchFamily="34" charset="-122"/>
+            </a:endParaRPr>
+          </a:p>
+          <a:p>
+            <a:pPr lvl="1">
+              <a:lnSpc>
+                <a:spcPct val="150000"/>
+              </a:lnSpc>
+            </a:pPr>
+            <a:r>
+              <a:rPr lang="zh-CN" altLang="en-US" sz="2400" dirty="0">
+                <a:solidFill>
+                  <a:schemeClr val="tx1">
+                    <a:lumMod val="65000"/>
+                    <a:lumOff val="35000"/>
+                  </a:schemeClr>
+                </a:solidFill>
+                <a:latin typeface="微软雅黑 Light" panose="020B0502040204020203" pitchFamily="34" charset="-122"/>
+                <a:ea typeface="微软雅黑 Light" panose="020B0502040204020203" pitchFamily="34" charset="-122"/>
+              </a:rPr>
+              <a:t>向量与常量间的乘除法</a:t>
+            </a:r>
+            <a:endParaRPr lang="en-US" altLang="zh-CN" sz="2400" dirty="0">
+              <a:solidFill>
+                <a:schemeClr val="tx1">
+                  <a:lumMod val="65000"/>
+                  <a:lumOff val="35000"/>
+                </a:schemeClr>
+              </a:solidFill>
+              <a:latin typeface="微软雅黑 Light" panose="020B0502040204020203" pitchFamily="34" charset="-122"/>
+              <a:ea typeface="微软雅黑 Light" panose="020B0502040204020203" pitchFamily="34" charset="-122"/>
+            </a:endParaRPr>
+          </a:p>
+          <a:p>
+            <a:pPr lvl="1">
+              <a:lnSpc>
+                <a:spcPct val="150000"/>
+              </a:lnSpc>
+            </a:pPr>
+            <a:endParaRPr lang="en-US" altLang="zh-CN" sz="2400" dirty="0">
+              <a:solidFill>
+                <a:schemeClr val="tx1">
+                  <a:lumMod val="65000"/>
+                  <a:lumOff val="35000"/>
+                </a:schemeClr>
+              </a:solidFill>
+              <a:latin typeface="微软雅黑 Light" panose="020B0502040204020203" pitchFamily="34" charset="-122"/>
+              <a:ea typeface="微软雅黑 Light" panose="020B0502040204020203" pitchFamily="34" charset="-122"/>
+            </a:endParaRPr>
+          </a:p>
+          <a:p>
+            <a:pPr eaLnBrk="1" hangingPunct="1">
+              <a:lnSpc>
+                <a:spcPct val="150000"/>
+              </a:lnSpc>
+              <a:defRPr/>
+            </a:pPr>
+            <a:endParaRPr lang="en-US" altLang="zh-CN" sz="2800" dirty="0">
+              <a:solidFill>
+                <a:schemeClr val="tx1">
+                  <a:lumMod val="65000"/>
+                  <a:lumOff val="35000"/>
+                </a:schemeClr>
+              </a:solidFill>
+              <a:latin typeface="微软雅黑 Light" panose="020B0502040204020203" pitchFamily="34" charset="-122"/>
+              <a:ea typeface="微软雅黑 Light" panose="020B0502040204020203" pitchFamily="34" charset="-122"/>
+            </a:endParaRPr>
+          </a:p>
+        </p:txBody>
+      </p:sp>
+    </p:spTree>
+    <p:extLst>
+      <p:ext uri="{BB962C8B-B14F-4D97-AF65-F5344CB8AC3E}">
+        <p14:creationId xmlns:p14="http://schemas.microsoft.com/office/powerpoint/2010/main" val="3410067986"/>
+      </p:ext>
+    </p:extLst>
+  </p:cSld>
+  <p:clrMapOvr>
+    <a:masterClrMapping/>
+  </p:clrMapOvr>
+</p:sld>
+</file>
+
+<file path=ppt/slides/slide20.xml><?xml version="1.0" encoding="utf-8"?>
+<p:sld xmlns:a="http://schemas.openxmlformats.org/drawingml/2006/main" xmlns:r="http://schemas.openxmlformats.org/officeDocument/2006/relationships" xmlns:p="http://schemas.openxmlformats.org/presentationml/2006/main">
+  <p:cSld>
+    <p:spTree>
+      <p:nvGrpSpPr>
+        <p:cNvPr id="1" name=""/>
+        <p:cNvGrpSpPr/>
+        <p:nvPr/>
+      </p:nvGrpSpPr>
+      <p:grpSpPr>
+        <a:xfrm>
+          <a:off x="0" y="0"/>
+          <a:ext cx="0" cy="0"/>
+          <a:chOff x="0" y="0"/>
+          <a:chExt cx="0" cy="0"/>
+        </a:xfrm>
+      </p:grpSpPr>
+      <p:pic>
+        <p:nvPicPr>
+          <p:cNvPr id="3074" name="Picture 2">
+            <a:extLst>
+              <a:ext uri="{FF2B5EF4-FFF2-40B4-BE49-F238E27FC236}">
+                <a16:creationId xmlns:a16="http://schemas.microsoft.com/office/drawing/2014/main" id="{602C339E-BA86-4A21-AB6C-4F6D8491BC39}"/>
+              </a:ext>
+            </a:extLst>
+          </p:cNvPr>
+          <p:cNvPicPr>
+            <a:picLocks noChangeAspect="1" noChangeArrowheads="1"/>
+          </p:cNvPicPr>
+          <p:nvPr/>
+        </p:nvPicPr>
+        <p:blipFill>
+          <a:blip r:embed="rId2">
+            <a:extLst>
+              <a:ext uri="{28A0092B-C50C-407E-A947-70E740481C1C}">
+                <a14:useLocalDpi xmlns:a14="http://schemas.microsoft.com/office/drawing/2010/main" val="0"/>
+              </a:ext>
+            </a:extLst>
+          </a:blip>
+          <a:srcRect/>
+          <a:stretch>
+            <a:fillRect/>
+          </a:stretch>
+        </p:blipFill>
+        <p:spPr bwMode="auto">
+          <a:xfrm>
+            <a:off x="7956550" y="4606925"/>
+            <a:ext cx="1081088" cy="450850"/>
+          </a:xfrm>
+          <a:prstGeom prst="rect">
+            <a:avLst/>
+          </a:prstGeom>
+          <a:noFill/>
+          <a:ln>
+            <a:noFill/>
+          </a:ln>
+          <a:effectLst/>
+          <a:extLst>
+            <a:ext uri="{909E8E84-426E-40DD-AFC4-6F175D3DCCD1}">
+              <a14:hiddenFill xmlns:a14="http://schemas.microsoft.com/office/drawing/2010/main">
+                <a:solidFill>
+                  <a:srgbClr val="FFFFFF"/>
+                </a:solidFill>
+              </a14:hiddenFill>
+            </a:ext>
+            <a:ext uri="{91240B29-F687-4F45-9708-019B960494DF}">
+              <a14:hiddenLine xmlns:a14="http://schemas.microsoft.com/office/drawing/2010/main" w="9525">
+                <a:solidFill>
+                  <a:srgbClr val="000000"/>
+                </a:solidFill>
+                <a:miter lim="800000"/>
+                <a:headEnd/>
+                <a:tailEnd/>
+              </a14:hiddenLine>
+            </a:ext>
+            <a:ext uri="{AF507438-7753-43E0-B8FC-AC1667EBCBE1}">
+              <a14:hiddenEffects xmlns:a14="http://schemas.microsoft.com/office/drawing/2010/main">
+                <a:effectLst>
+                  <a:outerShdw dist="35921" dir="2700000" algn="ctr" rotWithShape="0">
+                    <a:srgbClr val="808080"/>
+                  </a:outerShdw>
+                </a:effectLst>
+              </a14:hiddenEffects>
+            </a:ext>
+          </a:extLst>
+        </p:spPr>
+      </p:pic>
+      <p:sp>
+        <p:nvSpPr>
+          <p:cNvPr id="3075" name="Title 1">
+            <a:extLst>
+              <a:ext uri="{FF2B5EF4-FFF2-40B4-BE49-F238E27FC236}">
+                <a16:creationId xmlns:a16="http://schemas.microsoft.com/office/drawing/2014/main" id="{666E1B67-1175-4598-AA77-794FC6629051}"/>
+              </a:ext>
+            </a:extLst>
+          </p:cNvPr>
+          <p:cNvSpPr>
+            <a:spLocks noGrp="1" noChangeArrowheads="1"/>
+          </p:cNvSpPr>
+          <p:nvPr>
+            <p:ph type="title"/>
+          </p:nvPr>
+        </p:nvSpPr>
+        <p:spPr bwMode="auto">
+          <a:xfrm>
+            <a:off x="457200" y="123825"/>
+            <a:ext cx="8229600" cy="711200"/>
+          </a:xfrm>
+          <a:noFill/>
+          <a:extLst>
+            <a:ext uri="{909E8E84-426E-40DD-AFC4-6F175D3DCCD1}">
+              <a14:hiddenFill xmlns:a14="http://schemas.microsoft.com/office/drawing/2010/main">
+                <a:solidFill>
+                  <a:srgbClr val="FFFFFF"/>
+                </a:solidFill>
+              </a14:hiddenFill>
+            </a:ext>
+            <a:ext uri="{91240B29-F687-4F45-9708-019B960494DF}">
+              <a14:hiddenLine xmlns:a14="http://schemas.microsoft.com/office/drawing/2010/main" w="9525">
+                <a:solidFill>
+                  <a:srgbClr val="000000"/>
+                </a:solidFill>
+                <a:miter lim="800000"/>
+                <a:headEnd/>
+                <a:tailEnd/>
+              </a14:hiddenLine>
+            </a:ext>
+          </a:extLst>
+        </p:spPr>
+        <p:txBody>
+          <a:bodyPr vert="horz" wrap="square" lIns="91440" tIns="45720" rIns="91440" bIns="45720" numCol="1" anchor="t" anchorCtr="0" compatLnSpc="1">
+            <a:prstTxWarp prst="textNoShape">
+              <a:avLst/>
+            </a:prstTxWarp>
+          </a:bodyPr>
+          <a:lstStyle/>
+          <a:p>
+            <a:pPr algn="l" eaLnBrk="1" hangingPunct="1"/>
+            <a:r>
+              <a:rPr lang="zh-CN" altLang="en-US" dirty="0">
+                <a:solidFill>
+                  <a:srgbClr val="C00000"/>
+                </a:solidFill>
+                <a:latin typeface="微软雅黑 Light" panose="020B0502040204020203" pitchFamily="34" charset="-122"/>
+                <a:ea typeface="微软雅黑 Light" panose="020B0502040204020203" pitchFamily="34" charset="-122"/>
+              </a:rPr>
+              <a:t>练习</a:t>
+            </a:r>
+            <a:endParaRPr lang="en-US" altLang="zh-CN" dirty="0">
+              <a:solidFill>
+                <a:srgbClr val="C00000"/>
+              </a:solidFill>
+              <a:latin typeface="微软雅黑 Light" panose="020B0502040204020203" pitchFamily="34" charset="-122"/>
+              <a:ea typeface="微软雅黑 Light" panose="020B0502040204020203" pitchFamily="34" charset="-122"/>
+            </a:endParaRPr>
+          </a:p>
+        </p:txBody>
+      </p:sp>
+      <p:sp>
+        <p:nvSpPr>
+          <p:cNvPr id="4" name="Content Placeholder 3">
+            <a:extLst>
+              <a:ext uri="{FF2B5EF4-FFF2-40B4-BE49-F238E27FC236}">
+                <a16:creationId xmlns:a16="http://schemas.microsoft.com/office/drawing/2014/main" id="{368B2D2E-6A5C-4FE0-91BB-6CC0CC9AEF62}"/>
+              </a:ext>
+            </a:extLst>
+          </p:cNvPr>
+          <p:cNvSpPr txBox="1">
+            <a:spLocks/>
+          </p:cNvSpPr>
+          <p:nvPr/>
+        </p:nvSpPr>
+        <p:spPr>
+          <a:xfrm>
+            <a:off x="457200" y="1131888"/>
+            <a:ext cx="8229600" cy="3925887"/>
+          </a:xfrm>
+          <a:prstGeom prst="rect">
+            <a:avLst/>
+          </a:prstGeom>
+        </p:spPr>
+        <p:txBody>
+          <a:bodyPr/>
+          <a:lstStyle>
+            <a:lvl1pPr marL="342900" indent="-342900" algn="l" rtl="0" fontAlgn="base">
+              <a:spcBef>
+                <a:spcPct val="20000"/>
+              </a:spcBef>
+              <a:spcAft>
+                <a:spcPct val="0"/>
+              </a:spcAft>
+              <a:buFont typeface="Arial" panose="020B0604020202020204" pitchFamily="34" charset="0"/>
+              <a:buChar char="•"/>
+              <a:defRPr sz="3200" kern="1200">
+                <a:solidFill>
+                  <a:schemeClr val="tx1"/>
+                </a:solidFill>
+                <a:latin typeface="+mn-lt"/>
+                <a:ea typeface="+mn-ea"/>
+                <a:cs typeface="+mn-cs"/>
+                <a:sym typeface="Calibri" panose="020F0502020204030204" pitchFamily="34" charset="0"/>
+              </a:defRPr>
+            </a:lvl1pPr>
+            <a:lvl2pPr marL="742950" indent="-285750" algn="l" rtl="0" fontAlgn="base">
+              <a:spcBef>
+                <a:spcPct val="20000"/>
+              </a:spcBef>
+              <a:spcAft>
+                <a:spcPct val="0"/>
+              </a:spcAft>
+              <a:buFont typeface="Arial" panose="020B0604020202020204" pitchFamily="34" charset="0"/>
+              <a:buChar char="–"/>
+              <a:defRPr sz="2800" kern="1200">
+                <a:solidFill>
+                  <a:schemeClr val="tx1"/>
+                </a:solidFill>
+                <a:latin typeface="+mn-lt"/>
+                <a:ea typeface="+mn-ea"/>
+                <a:cs typeface="+mn-cs"/>
+                <a:sym typeface="Calibri" panose="020F0502020204030204" pitchFamily="34" charset="0"/>
+              </a:defRPr>
+            </a:lvl2pPr>
+            <a:lvl3pPr marL="1143000" indent="-228600" algn="l" rtl="0" fontAlgn="base">
+              <a:spcBef>
+                <a:spcPct val="20000"/>
+              </a:spcBef>
+              <a:spcAft>
+                <a:spcPct val="0"/>
+              </a:spcAft>
+              <a:buFont typeface="Arial" panose="020B0604020202020204" pitchFamily="34" charset="0"/>
+              <a:buChar char="•"/>
+              <a:defRPr sz="2400" kern="1200">
+                <a:solidFill>
+                  <a:schemeClr val="tx1"/>
+                </a:solidFill>
+                <a:latin typeface="+mn-lt"/>
+                <a:ea typeface="+mn-ea"/>
+                <a:cs typeface="+mn-cs"/>
+                <a:sym typeface="Calibri" panose="020F0502020204030204" pitchFamily="34" charset="0"/>
+              </a:defRPr>
+            </a:lvl3pPr>
+            <a:lvl4pPr marL="1600200" indent="-228600" algn="l" rtl="0" fontAlgn="base">
+              <a:spcBef>
+                <a:spcPct val="20000"/>
+              </a:spcBef>
+              <a:spcAft>
+                <a:spcPct val="0"/>
+              </a:spcAft>
+              <a:buFont typeface="Arial" panose="020B0604020202020204" pitchFamily="34" charset="0"/>
+              <a:buChar char="–"/>
+              <a:defRPr sz="2000" kern="1200">
+                <a:solidFill>
+                  <a:schemeClr val="tx1"/>
+                </a:solidFill>
+                <a:latin typeface="+mn-lt"/>
+                <a:ea typeface="+mn-ea"/>
+                <a:cs typeface="+mn-cs"/>
+                <a:sym typeface="Calibri" panose="020F0502020204030204" pitchFamily="34" charset="0"/>
+              </a:defRPr>
+            </a:lvl4pPr>
+            <a:lvl5pPr marL="2057400" indent="-228600" algn="l" rtl="0" fontAlgn="base">
+              <a:spcBef>
+                <a:spcPct val="20000"/>
+              </a:spcBef>
+              <a:spcAft>
+                <a:spcPct val="0"/>
+              </a:spcAft>
+              <a:buFont typeface="Arial" panose="020B0604020202020204" pitchFamily="34" charset="0"/>
+              <a:buChar char="»"/>
+              <a:defRPr sz="2000" kern="1200">
+                <a:solidFill>
+                  <a:schemeClr val="tx1"/>
+                </a:solidFill>
+                <a:latin typeface="+mn-lt"/>
+                <a:ea typeface="+mn-ea"/>
+                <a:cs typeface="+mn-cs"/>
+                <a:sym typeface="Calibri" panose="020F0502020204030204" pitchFamily="34" charset="0"/>
+              </a:defRPr>
+            </a:lvl5pPr>
+            <a:lvl6pPr marL="2514600" indent="-228600" algn="l" defTabSz="914400" rtl="0" eaLnBrk="1" latinLnBrk="0" hangingPunct="1">
+              <a:lnSpc>
+                <a:spcPct val="90000"/>
+              </a:lnSpc>
+              <a:spcBef>
+                <a:spcPts val="500"/>
+              </a:spcBef>
+              <a:buFont typeface="Arial" panose="020B0604020202020204" pitchFamily="34" charset="0"/>
+              <a:buChar char="•"/>
+              <a:defRPr sz="1800" kern="1200">
+                <a:solidFill>
+                  <a:schemeClr val="tx1"/>
+                </a:solidFill>
+                <a:latin typeface="+mn-lt"/>
+                <a:ea typeface="+mn-ea"/>
+                <a:cs typeface="+mn-cs"/>
+              </a:defRPr>
+            </a:lvl6pPr>
+            <a:lvl7pPr marL="2971800" indent="-228600" algn="l" defTabSz="914400" rtl="0" eaLnBrk="1" latinLnBrk="0" hangingPunct="1">
+              <a:lnSpc>
+                <a:spcPct val="90000"/>
+              </a:lnSpc>
+              <a:spcBef>
+                <a:spcPts val="500"/>
+              </a:spcBef>
+              <a:buFont typeface="Arial" panose="020B0604020202020204" pitchFamily="34" charset="0"/>
+              <a:buChar char="•"/>
+              <a:defRPr sz="1800" kern="1200">
+                <a:solidFill>
+                  <a:schemeClr val="tx1"/>
+                </a:solidFill>
+                <a:latin typeface="+mn-lt"/>
+                <a:ea typeface="+mn-ea"/>
+                <a:cs typeface="+mn-cs"/>
+              </a:defRPr>
+            </a:lvl7pPr>
+            <a:lvl8pPr marL="3429000" indent="-228600" algn="l" defTabSz="914400" rtl="0" eaLnBrk="1" latinLnBrk="0" hangingPunct="1">
+              <a:lnSpc>
+                <a:spcPct val="90000"/>
+              </a:lnSpc>
+              <a:spcBef>
+                <a:spcPts val="500"/>
+              </a:spcBef>
+              <a:buFont typeface="Arial" panose="020B0604020202020204" pitchFamily="34" charset="0"/>
+              <a:buChar char="•"/>
+              <a:defRPr sz="1800" kern="1200">
+                <a:solidFill>
+                  <a:schemeClr val="tx1"/>
+                </a:solidFill>
+                <a:latin typeface="+mn-lt"/>
+                <a:ea typeface="+mn-ea"/>
+                <a:cs typeface="+mn-cs"/>
+              </a:defRPr>
+            </a:lvl8pPr>
+            <a:lvl9pPr marL="3886200" indent="-228600" algn="l" defTabSz="914400" rtl="0" eaLnBrk="1" latinLnBrk="0" hangingPunct="1">
+              <a:lnSpc>
+                <a:spcPct val="90000"/>
+              </a:lnSpc>
+              <a:spcBef>
+                <a:spcPts val="500"/>
+              </a:spcBef>
+              <a:buFont typeface="Arial" panose="020B0604020202020204" pitchFamily="34" charset="0"/>
+              <a:buChar char="•"/>
+              <a:defRPr sz="1800" kern="1200">
+                <a:solidFill>
+                  <a:schemeClr val="tx1"/>
+                </a:solidFill>
+                <a:latin typeface="+mn-lt"/>
+                <a:ea typeface="+mn-ea"/>
+                <a:cs typeface="+mn-cs"/>
+              </a:defRPr>
+            </a:lvl9pPr>
+          </a:lstStyle>
+          <a:p>
+            <a:pPr>
+              <a:lnSpc>
+                <a:spcPct val="150000"/>
+              </a:lnSpc>
+            </a:pPr>
+            <a:r>
+              <a:rPr lang="zh-CN" altLang="en-US" sz="2800" dirty="0">
+                <a:solidFill>
+                  <a:schemeClr val="tx1">
+                    <a:lumMod val="65000"/>
+                    <a:lumOff val="35000"/>
+                  </a:schemeClr>
+                </a:solidFill>
+                <a:latin typeface="微软雅黑 Light" panose="020B0502040204020203" pitchFamily="34" charset="-122"/>
+                <a:ea typeface="微软雅黑 Light" panose="020B0502040204020203" pitchFamily="34" charset="-122"/>
+              </a:rPr>
+              <a:t>完善</a:t>
+            </a:r>
+            <a:r>
+              <a:rPr lang="en-US" altLang="zh-CN" sz="2800" dirty="0" err="1">
+                <a:solidFill>
+                  <a:schemeClr val="tx1">
+                    <a:lumMod val="65000"/>
+                    <a:lumOff val="35000"/>
+                  </a:schemeClr>
+                </a:solidFill>
+                <a:latin typeface="微软雅黑 Light" panose="020B0502040204020203" pitchFamily="34" charset="-122"/>
+                <a:ea typeface="微软雅黑 Light" panose="020B0502040204020203" pitchFamily="34" charset="-122"/>
+              </a:rPr>
+              <a:t>GLine</a:t>
+            </a:r>
+            <a:r>
+              <a:rPr lang="zh-CN" altLang="en-US" sz="2800" dirty="0">
+                <a:solidFill>
+                  <a:schemeClr val="tx1">
+                    <a:lumMod val="65000"/>
+                    <a:lumOff val="35000"/>
+                  </a:schemeClr>
+                </a:solidFill>
+                <a:latin typeface="微软雅黑 Light" panose="020B0502040204020203" pitchFamily="34" charset="-122"/>
+                <a:ea typeface="微软雅黑 Light" panose="020B0502040204020203" pitchFamily="34" charset="-122"/>
+              </a:rPr>
+              <a:t>类</a:t>
+            </a:r>
+            <a:endParaRPr lang="en-US" altLang="zh-CN" sz="2800" dirty="0">
+              <a:solidFill>
+                <a:schemeClr val="tx1">
+                  <a:lumMod val="65000"/>
+                  <a:lumOff val="35000"/>
+                </a:schemeClr>
+              </a:solidFill>
+              <a:latin typeface="微软雅黑 Light" panose="020B0502040204020203" pitchFamily="34" charset="-122"/>
+              <a:ea typeface="微软雅黑 Light" panose="020B0502040204020203" pitchFamily="34" charset="-122"/>
+            </a:endParaRPr>
+          </a:p>
+          <a:p>
+            <a:pPr lvl="1">
+              <a:lnSpc>
+                <a:spcPct val="150000"/>
+              </a:lnSpc>
+            </a:pPr>
+            <a:r>
+              <a:rPr lang="en-US" altLang="zh-CN" sz="2400" dirty="0" err="1">
+                <a:solidFill>
+                  <a:schemeClr val="tx1">
+                    <a:lumMod val="65000"/>
+                    <a:lumOff val="35000"/>
+                  </a:schemeClr>
+                </a:solidFill>
+                <a:latin typeface="微软雅黑 Light" panose="020B0502040204020203" pitchFamily="34" charset="-122"/>
+                <a:ea typeface="微软雅黑 Light" panose="020B0502040204020203" pitchFamily="34" charset="-122"/>
+              </a:rPr>
+              <a:t>SetPt</a:t>
+            </a:r>
+            <a:r>
+              <a:rPr lang="en-US" altLang="zh-CN" sz="2400" dirty="0">
+                <a:solidFill>
+                  <a:schemeClr val="tx1">
+                    <a:lumMod val="65000"/>
+                    <a:lumOff val="35000"/>
+                  </a:schemeClr>
+                </a:solidFill>
+                <a:latin typeface="微软雅黑 Light" panose="020B0502040204020203" pitchFamily="34" charset="-122"/>
+                <a:ea typeface="微软雅黑 Light" panose="020B0502040204020203" pitchFamily="34" charset="-122"/>
+              </a:rPr>
+              <a:t>(…)</a:t>
+            </a:r>
+          </a:p>
+          <a:p>
+            <a:pPr lvl="1">
+              <a:lnSpc>
+                <a:spcPct val="150000"/>
+              </a:lnSpc>
+            </a:pPr>
+            <a:r>
+              <a:rPr lang="en-US" altLang="zh-CN" sz="2400" dirty="0" err="1">
+                <a:solidFill>
+                  <a:schemeClr val="tx1">
+                    <a:lumMod val="65000"/>
+                    <a:lumOff val="35000"/>
+                  </a:schemeClr>
+                </a:solidFill>
+                <a:latin typeface="微软雅黑 Light" panose="020B0502040204020203" pitchFamily="34" charset="-122"/>
+                <a:ea typeface="微软雅黑 Light" panose="020B0502040204020203" pitchFamily="34" charset="-122"/>
+              </a:rPr>
+              <a:t>SetDir</a:t>
+            </a:r>
+            <a:r>
+              <a:rPr lang="en-US" altLang="zh-CN" sz="2400" dirty="0">
+                <a:solidFill>
+                  <a:schemeClr val="tx1">
+                    <a:lumMod val="65000"/>
+                    <a:lumOff val="35000"/>
+                  </a:schemeClr>
+                </a:solidFill>
+                <a:latin typeface="微软雅黑 Light" panose="020B0502040204020203" pitchFamily="34" charset="-122"/>
+                <a:ea typeface="微软雅黑 Light" panose="020B0502040204020203" pitchFamily="34" charset="-122"/>
+              </a:rPr>
+              <a:t>(…)</a:t>
+            </a:r>
+          </a:p>
+          <a:p>
+            <a:pPr lvl="1">
+              <a:lnSpc>
+                <a:spcPct val="150000"/>
+              </a:lnSpc>
+            </a:pPr>
+            <a:r>
+              <a:rPr lang="en-US" altLang="zh-CN" sz="2400" dirty="0" err="1">
+                <a:solidFill>
+                  <a:schemeClr val="tx1">
+                    <a:lumMod val="65000"/>
+                    <a:lumOff val="35000"/>
+                  </a:schemeClr>
+                </a:solidFill>
+                <a:latin typeface="微软雅黑 Light" panose="020B0502040204020203" pitchFamily="34" charset="-122"/>
+                <a:ea typeface="微软雅黑 Light" panose="020B0502040204020203" pitchFamily="34" charset="-122"/>
+              </a:rPr>
+              <a:t>GetPt</a:t>
+            </a:r>
+            <a:r>
+              <a:rPr lang="en-US" altLang="zh-CN" sz="2400" dirty="0">
+                <a:solidFill>
+                  <a:schemeClr val="tx1">
+                    <a:lumMod val="65000"/>
+                    <a:lumOff val="35000"/>
+                  </a:schemeClr>
+                </a:solidFill>
+                <a:latin typeface="微软雅黑 Light" panose="020B0502040204020203" pitchFamily="34" charset="-122"/>
+                <a:ea typeface="微软雅黑 Light" panose="020B0502040204020203" pitchFamily="34" charset="-122"/>
+              </a:rPr>
+              <a:t>()</a:t>
+            </a:r>
+          </a:p>
+          <a:p>
+            <a:pPr lvl="1">
+              <a:lnSpc>
+                <a:spcPct val="150000"/>
+              </a:lnSpc>
+            </a:pPr>
+            <a:r>
+              <a:rPr lang="en-US" altLang="zh-CN" sz="2400" dirty="0" err="1">
+                <a:solidFill>
+                  <a:schemeClr val="tx1">
+                    <a:lumMod val="65000"/>
+                    <a:lumOff val="35000"/>
+                  </a:schemeClr>
+                </a:solidFill>
+                <a:latin typeface="微软雅黑 Light" panose="020B0502040204020203" pitchFamily="34" charset="-122"/>
+                <a:ea typeface="微软雅黑 Light" panose="020B0502040204020203" pitchFamily="34" charset="-122"/>
+              </a:rPr>
+              <a:t>GetDir</a:t>
+            </a:r>
+            <a:r>
+              <a:rPr lang="en-US" altLang="zh-CN" sz="2400" dirty="0">
+                <a:solidFill>
+                  <a:schemeClr val="tx1">
+                    <a:lumMod val="65000"/>
+                    <a:lumOff val="35000"/>
+                  </a:schemeClr>
+                </a:solidFill>
+                <a:latin typeface="微软雅黑 Light" panose="020B0502040204020203" pitchFamily="34" charset="-122"/>
+                <a:ea typeface="微软雅黑 Light" panose="020B0502040204020203" pitchFamily="34" charset="-122"/>
+              </a:rPr>
+              <a:t>()</a:t>
+            </a:r>
+          </a:p>
+        </p:txBody>
+      </p:sp>
+    </p:spTree>
+    <p:extLst>
+      <p:ext uri="{BB962C8B-B14F-4D97-AF65-F5344CB8AC3E}">
+        <p14:creationId xmlns:p14="http://schemas.microsoft.com/office/powerpoint/2010/main" val="2672219835"/>
+      </p:ext>
+    </p:extLst>
+  </p:cSld>
+  <p:clrMapOvr>
+    <a:masterClrMapping/>
+  </p:clrMapOvr>
+</p:sld>
+</file>
+
+<file path=ppt/slides/slide21.xml><?xml version="1.0" encoding="utf-8"?>
+<p:sld xmlns:a="http://schemas.openxmlformats.org/drawingml/2006/main" xmlns:r="http://schemas.openxmlformats.org/officeDocument/2006/relationships" xmlns:p="http://schemas.openxmlformats.org/presentationml/2006/main">
+  <p:cSld>
+    <p:spTree>
+      <p:nvGrpSpPr>
+        <p:cNvPr id="1" name=""/>
+        <p:cNvGrpSpPr/>
+        <p:nvPr/>
+      </p:nvGrpSpPr>
+      <p:grpSpPr>
+        <a:xfrm>
+          <a:off x="0" y="0"/>
+          <a:ext cx="0" cy="0"/>
+          <a:chOff x="0" y="0"/>
+          <a:chExt cx="0" cy="0"/>
+        </a:xfrm>
+      </p:grpSpPr>
+      <p:pic>
+        <p:nvPicPr>
+          <p:cNvPr id="3074" name="Picture 2">
+            <a:extLst>
+              <a:ext uri="{FF2B5EF4-FFF2-40B4-BE49-F238E27FC236}">
+                <a16:creationId xmlns:a16="http://schemas.microsoft.com/office/drawing/2014/main" id="{602C339E-BA86-4A21-AB6C-4F6D8491BC39}"/>
+              </a:ext>
+            </a:extLst>
+          </p:cNvPr>
+          <p:cNvPicPr>
+            <a:picLocks noChangeAspect="1" noChangeArrowheads="1"/>
+          </p:cNvPicPr>
+          <p:nvPr/>
+        </p:nvPicPr>
+        <p:blipFill>
+          <a:blip r:embed="rId2">
+            <a:extLst>
+              <a:ext uri="{28A0092B-C50C-407E-A947-70E740481C1C}">
+                <a14:useLocalDpi xmlns:a14="http://schemas.microsoft.com/office/drawing/2010/main" val="0"/>
+              </a:ext>
+            </a:extLst>
+          </a:blip>
+          <a:srcRect/>
+          <a:stretch>
+            <a:fillRect/>
+          </a:stretch>
+        </p:blipFill>
+        <p:spPr bwMode="auto">
+          <a:xfrm>
+            <a:off x="7956550" y="4606925"/>
+            <a:ext cx="1081088" cy="450850"/>
+          </a:xfrm>
+          <a:prstGeom prst="rect">
+            <a:avLst/>
+          </a:prstGeom>
+          <a:noFill/>
+          <a:ln>
+            <a:noFill/>
+          </a:ln>
+          <a:effectLst/>
+          <a:extLst>
+            <a:ext uri="{909E8E84-426E-40DD-AFC4-6F175D3DCCD1}">
+              <a14:hiddenFill xmlns:a14="http://schemas.microsoft.com/office/drawing/2010/main">
+                <a:solidFill>
+                  <a:srgbClr val="FFFFFF"/>
+                </a:solidFill>
+              </a14:hiddenFill>
+            </a:ext>
+            <a:ext uri="{91240B29-F687-4F45-9708-019B960494DF}">
+              <a14:hiddenLine xmlns:a14="http://schemas.microsoft.com/office/drawing/2010/main" w="9525">
+                <a:solidFill>
+                  <a:srgbClr val="000000"/>
+                </a:solidFill>
+                <a:miter lim="800000"/>
+                <a:headEnd/>
+                <a:tailEnd/>
+              </a14:hiddenLine>
+            </a:ext>
+            <a:ext uri="{AF507438-7753-43E0-B8FC-AC1667EBCBE1}">
+              <a14:hiddenEffects xmlns:a14="http://schemas.microsoft.com/office/drawing/2010/main">
+                <a:effectLst>
+                  <a:outerShdw dist="35921" dir="2700000" algn="ctr" rotWithShape="0">
+                    <a:srgbClr val="808080"/>
+                  </a:outerShdw>
+                </a:effectLst>
+              </a14:hiddenEffects>
+            </a:ext>
+          </a:extLst>
+        </p:spPr>
+      </p:pic>
+      <p:sp>
+        <p:nvSpPr>
+          <p:cNvPr id="3075" name="Title 1">
+            <a:extLst>
+              <a:ext uri="{FF2B5EF4-FFF2-40B4-BE49-F238E27FC236}">
+                <a16:creationId xmlns:a16="http://schemas.microsoft.com/office/drawing/2014/main" id="{666E1B67-1175-4598-AA77-794FC6629051}"/>
+              </a:ext>
+            </a:extLst>
+          </p:cNvPr>
+          <p:cNvSpPr>
+            <a:spLocks noGrp="1" noChangeArrowheads="1"/>
+          </p:cNvSpPr>
+          <p:nvPr>
+            <p:ph type="title"/>
+          </p:nvPr>
+        </p:nvSpPr>
+        <p:spPr bwMode="auto">
+          <a:xfrm>
+            <a:off x="457200" y="123825"/>
+            <a:ext cx="8229600" cy="711200"/>
+          </a:xfrm>
+          <a:noFill/>
+          <a:extLst>
+            <a:ext uri="{909E8E84-426E-40DD-AFC4-6F175D3DCCD1}">
+              <a14:hiddenFill xmlns:a14="http://schemas.microsoft.com/office/drawing/2010/main">
+                <a:solidFill>
+                  <a:srgbClr val="FFFFFF"/>
+                </a:solidFill>
+              </a14:hiddenFill>
+            </a:ext>
+            <a:ext uri="{91240B29-F687-4F45-9708-019B960494DF}">
+              <a14:hiddenLine xmlns:a14="http://schemas.microsoft.com/office/drawing/2010/main" w="9525">
+                <a:solidFill>
+                  <a:srgbClr val="000000"/>
+                </a:solidFill>
+                <a:miter lim="800000"/>
+                <a:headEnd/>
+                <a:tailEnd/>
+              </a14:hiddenLine>
+            </a:ext>
+          </a:extLst>
+        </p:spPr>
+        <p:txBody>
+          <a:bodyPr vert="horz" wrap="square" lIns="91440" tIns="45720" rIns="91440" bIns="45720" numCol="1" anchor="t" anchorCtr="0" compatLnSpc="1">
+            <a:prstTxWarp prst="textNoShape">
+              <a:avLst/>
+            </a:prstTxWarp>
+          </a:bodyPr>
+          <a:lstStyle/>
+          <a:p>
+            <a:pPr algn="l" eaLnBrk="1" hangingPunct="1"/>
+            <a:r>
+              <a:rPr lang="zh-CN" altLang="en-US" dirty="0">
+                <a:solidFill>
+                  <a:srgbClr val="C00000"/>
+                </a:solidFill>
+                <a:latin typeface="微软雅黑 Light" panose="020B0502040204020203" pitchFamily="34" charset="-122"/>
+                <a:ea typeface="微软雅黑 Light" panose="020B0502040204020203" pitchFamily="34" charset="-122"/>
+              </a:rPr>
+              <a:t>练习</a:t>
+            </a:r>
+            <a:endParaRPr lang="en-US" altLang="zh-CN" dirty="0">
+              <a:solidFill>
+                <a:srgbClr val="C00000"/>
+              </a:solidFill>
+              <a:latin typeface="微软雅黑 Light" panose="020B0502040204020203" pitchFamily="34" charset="-122"/>
+              <a:ea typeface="微软雅黑 Light" panose="020B0502040204020203" pitchFamily="34" charset="-122"/>
+            </a:endParaRPr>
+          </a:p>
+        </p:txBody>
+      </p:sp>
+      <p:sp>
+        <p:nvSpPr>
+          <p:cNvPr id="4" name="Content Placeholder 3">
+            <a:extLst>
+              <a:ext uri="{FF2B5EF4-FFF2-40B4-BE49-F238E27FC236}">
+                <a16:creationId xmlns:a16="http://schemas.microsoft.com/office/drawing/2014/main" id="{368B2D2E-6A5C-4FE0-91BB-6CC0CC9AEF62}"/>
+              </a:ext>
+            </a:extLst>
+          </p:cNvPr>
+          <p:cNvSpPr txBox="1">
+            <a:spLocks/>
+          </p:cNvSpPr>
+          <p:nvPr/>
+        </p:nvSpPr>
+        <p:spPr>
+          <a:xfrm>
+            <a:off x="457200" y="1131888"/>
+            <a:ext cx="8229600" cy="3925887"/>
+          </a:xfrm>
+          <a:prstGeom prst="rect">
+            <a:avLst/>
+          </a:prstGeom>
+        </p:spPr>
+        <p:txBody>
+          <a:bodyPr/>
+          <a:lstStyle>
+            <a:lvl1pPr marL="342900" indent="-342900" algn="l" rtl="0" fontAlgn="base">
+              <a:spcBef>
+                <a:spcPct val="20000"/>
+              </a:spcBef>
+              <a:spcAft>
+                <a:spcPct val="0"/>
+              </a:spcAft>
+              <a:buFont typeface="Arial" panose="020B0604020202020204" pitchFamily="34" charset="0"/>
+              <a:buChar char="•"/>
+              <a:defRPr sz="3200" kern="1200">
+                <a:solidFill>
+                  <a:schemeClr val="tx1"/>
+                </a:solidFill>
+                <a:latin typeface="+mn-lt"/>
+                <a:ea typeface="+mn-ea"/>
+                <a:cs typeface="+mn-cs"/>
+                <a:sym typeface="Calibri" panose="020F0502020204030204" pitchFamily="34" charset="0"/>
+              </a:defRPr>
+            </a:lvl1pPr>
+            <a:lvl2pPr marL="742950" indent="-285750" algn="l" rtl="0" fontAlgn="base">
+              <a:spcBef>
+                <a:spcPct val="20000"/>
+              </a:spcBef>
+              <a:spcAft>
+                <a:spcPct val="0"/>
+              </a:spcAft>
+              <a:buFont typeface="Arial" panose="020B0604020202020204" pitchFamily="34" charset="0"/>
+              <a:buChar char="–"/>
+              <a:defRPr sz="2800" kern="1200">
+                <a:solidFill>
+                  <a:schemeClr val="tx1"/>
+                </a:solidFill>
+                <a:latin typeface="+mn-lt"/>
+                <a:ea typeface="+mn-ea"/>
+                <a:cs typeface="+mn-cs"/>
+                <a:sym typeface="Calibri" panose="020F0502020204030204" pitchFamily="34" charset="0"/>
+              </a:defRPr>
+            </a:lvl2pPr>
+            <a:lvl3pPr marL="1143000" indent="-228600" algn="l" rtl="0" fontAlgn="base">
+              <a:spcBef>
+                <a:spcPct val="20000"/>
+              </a:spcBef>
+              <a:spcAft>
+                <a:spcPct val="0"/>
+              </a:spcAft>
+              <a:buFont typeface="Arial" panose="020B0604020202020204" pitchFamily="34" charset="0"/>
+              <a:buChar char="•"/>
+              <a:defRPr sz="2400" kern="1200">
+                <a:solidFill>
+                  <a:schemeClr val="tx1"/>
+                </a:solidFill>
+                <a:latin typeface="+mn-lt"/>
+                <a:ea typeface="+mn-ea"/>
+                <a:cs typeface="+mn-cs"/>
+                <a:sym typeface="Calibri" panose="020F0502020204030204" pitchFamily="34" charset="0"/>
+              </a:defRPr>
+            </a:lvl3pPr>
+            <a:lvl4pPr marL="1600200" indent="-228600" algn="l" rtl="0" fontAlgn="base">
+              <a:spcBef>
+                <a:spcPct val="20000"/>
+              </a:spcBef>
+              <a:spcAft>
+                <a:spcPct val="0"/>
+              </a:spcAft>
+              <a:buFont typeface="Arial" panose="020B0604020202020204" pitchFamily="34" charset="0"/>
+              <a:buChar char="–"/>
+              <a:defRPr sz="2000" kern="1200">
+                <a:solidFill>
+                  <a:schemeClr val="tx1"/>
+                </a:solidFill>
+                <a:latin typeface="+mn-lt"/>
+                <a:ea typeface="+mn-ea"/>
+                <a:cs typeface="+mn-cs"/>
+                <a:sym typeface="Calibri" panose="020F0502020204030204" pitchFamily="34" charset="0"/>
+              </a:defRPr>
+            </a:lvl4pPr>
+            <a:lvl5pPr marL="2057400" indent="-228600" algn="l" rtl="0" fontAlgn="base">
+              <a:spcBef>
+                <a:spcPct val="20000"/>
+              </a:spcBef>
+              <a:spcAft>
+                <a:spcPct val="0"/>
+              </a:spcAft>
+              <a:buFont typeface="Arial" panose="020B0604020202020204" pitchFamily="34" charset="0"/>
+              <a:buChar char="»"/>
+              <a:defRPr sz="2000" kern="1200">
+                <a:solidFill>
+                  <a:schemeClr val="tx1"/>
+                </a:solidFill>
+                <a:latin typeface="+mn-lt"/>
+                <a:ea typeface="+mn-ea"/>
+                <a:cs typeface="+mn-cs"/>
+                <a:sym typeface="Calibri" panose="020F0502020204030204" pitchFamily="34" charset="0"/>
+              </a:defRPr>
+            </a:lvl5pPr>
+            <a:lvl6pPr marL="2514600" indent="-228600" algn="l" defTabSz="914400" rtl="0" eaLnBrk="1" latinLnBrk="0" hangingPunct="1">
+              <a:lnSpc>
+                <a:spcPct val="90000"/>
+              </a:lnSpc>
+              <a:spcBef>
+                <a:spcPts val="500"/>
+              </a:spcBef>
+              <a:buFont typeface="Arial" panose="020B0604020202020204" pitchFamily="34" charset="0"/>
+              <a:buChar char="•"/>
+              <a:defRPr sz="1800" kern="1200">
+                <a:solidFill>
+                  <a:schemeClr val="tx1"/>
+                </a:solidFill>
+                <a:latin typeface="+mn-lt"/>
+                <a:ea typeface="+mn-ea"/>
+                <a:cs typeface="+mn-cs"/>
+              </a:defRPr>
+            </a:lvl6pPr>
+            <a:lvl7pPr marL="2971800" indent="-228600" algn="l" defTabSz="914400" rtl="0" eaLnBrk="1" latinLnBrk="0" hangingPunct="1">
+              <a:lnSpc>
+                <a:spcPct val="90000"/>
+              </a:lnSpc>
+              <a:spcBef>
+                <a:spcPts val="500"/>
+              </a:spcBef>
+              <a:buFont typeface="Arial" panose="020B0604020202020204" pitchFamily="34" charset="0"/>
+              <a:buChar char="•"/>
+              <a:defRPr sz="1800" kern="1200">
+                <a:solidFill>
+                  <a:schemeClr val="tx1"/>
+                </a:solidFill>
+                <a:latin typeface="+mn-lt"/>
+                <a:ea typeface="+mn-ea"/>
+                <a:cs typeface="+mn-cs"/>
+              </a:defRPr>
+            </a:lvl7pPr>
+            <a:lvl8pPr marL="3429000" indent="-228600" algn="l" defTabSz="914400" rtl="0" eaLnBrk="1" latinLnBrk="0" hangingPunct="1">
+              <a:lnSpc>
+                <a:spcPct val="90000"/>
+              </a:lnSpc>
+              <a:spcBef>
+                <a:spcPts val="500"/>
+              </a:spcBef>
+              <a:buFont typeface="Arial" panose="020B0604020202020204" pitchFamily="34" charset="0"/>
+              <a:buChar char="•"/>
+              <a:defRPr sz="1800" kern="1200">
+                <a:solidFill>
+                  <a:schemeClr val="tx1"/>
+                </a:solidFill>
+                <a:latin typeface="+mn-lt"/>
+                <a:ea typeface="+mn-ea"/>
+                <a:cs typeface="+mn-cs"/>
+              </a:defRPr>
+            </a:lvl8pPr>
+            <a:lvl9pPr marL="3886200" indent="-228600" algn="l" defTabSz="914400" rtl="0" eaLnBrk="1" latinLnBrk="0" hangingPunct="1">
+              <a:lnSpc>
+                <a:spcPct val="90000"/>
+              </a:lnSpc>
+              <a:spcBef>
+                <a:spcPts val="500"/>
+              </a:spcBef>
+              <a:buFont typeface="Arial" panose="020B0604020202020204" pitchFamily="34" charset="0"/>
+              <a:buChar char="•"/>
+              <a:defRPr sz="1800" kern="1200">
+                <a:solidFill>
+                  <a:schemeClr val="tx1"/>
+                </a:solidFill>
+                <a:latin typeface="+mn-lt"/>
+                <a:ea typeface="+mn-ea"/>
+                <a:cs typeface="+mn-cs"/>
+              </a:defRPr>
+            </a:lvl9pPr>
+          </a:lstStyle>
+          <a:p>
+            <a:pPr>
+              <a:lnSpc>
+                <a:spcPct val="150000"/>
+              </a:lnSpc>
+            </a:pPr>
+            <a:r>
+              <a:rPr lang="zh-CN" altLang="en-US" sz="2800" dirty="0">
+                <a:solidFill>
+                  <a:schemeClr val="tx1">
+                    <a:lumMod val="65000"/>
+                    <a:lumOff val="35000"/>
+                  </a:schemeClr>
+                </a:solidFill>
+                <a:latin typeface="微软雅黑 Light" panose="020B0502040204020203" pitchFamily="34" charset="-122"/>
+                <a:ea typeface="微软雅黑 Light" panose="020B0502040204020203" pitchFamily="34" charset="-122"/>
+              </a:rPr>
+              <a:t>完善</a:t>
+            </a:r>
+            <a:r>
+              <a:rPr lang="en-US" altLang="zh-CN" sz="2800" dirty="0" err="1">
+                <a:solidFill>
+                  <a:schemeClr val="tx1">
+                    <a:lumMod val="65000"/>
+                    <a:lumOff val="35000"/>
+                  </a:schemeClr>
+                </a:solidFill>
+                <a:latin typeface="微软雅黑 Light" panose="020B0502040204020203" pitchFamily="34" charset="-122"/>
+                <a:ea typeface="微软雅黑 Light" panose="020B0502040204020203" pitchFamily="34" charset="-122"/>
+              </a:rPr>
+              <a:t>GLine</a:t>
+            </a:r>
+            <a:r>
+              <a:rPr lang="zh-CN" altLang="en-US" sz="2800" dirty="0">
+                <a:solidFill>
+                  <a:schemeClr val="tx1">
+                    <a:lumMod val="65000"/>
+                    <a:lumOff val="35000"/>
+                  </a:schemeClr>
+                </a:solidFill>
+                <a:latin typeface="微软雅黑 Light" panose="020B0502040204020203" pitchFamily="34" charset="-122"/>
+                <a:ea typeface="微软雅黑 Light" panose="020B0502040204020203" pitchFamily="34" charset="-122"/>
+              </a:rPr>
+              <a:t>类</a:t>
+            </a:r>
+            <a:endParaRPr lang="en-US" altLang="zh-CN" sz="2800" dirty="0">
+              <a:solidFill>
+                <a:schemeClr val="tx1">
+                  <a:lumMod val="65000"/>
+                  <a:lumOff val="35000"/>
+                </a:schemeClr>
+              </a:solidFill>
+              <a:latin typeface="微软雅黑 Light" panose="020B0502040204020203" pitchFamily="34" charset="-122"/>
+              <a:ea typeface="微软雅黑 Light" panose="020B0502040204020203" pitchFamily="34" charset="-122"/>
+            </a:endParaRPr>
+          </a:p>
+          <a:p>
+            <a:pPr lvl="1">
+              <a:lnSpc>
+                <a:spcPct val="150000"/>
+              </a:lnSpc>
+            </a:pPr>
+            <a:r>
+              <a:rPr lang="zh-CN" altLang="en-US" sz="2400" dirty="0">
+                <a:solidFill>
+                  <a:schemeClr val="tx1">
+                    <a:lumMod val="65000"/>
+                    <a:lumOff val="35000"/>
+                  </a:schemeClr>
+                </a:solidFill>
+                <a:latin typeface="微软雅黑 Light" panose="020B0502040204020203" pitchFamily="34" charset="-122"/>
+                <a:ea typeface="微软雅黑 Light" panose="020B0502040204020203" pitchFamily="34" charset="-122"/>
+              </a:rPr>
+              <a:t>点到直线的距离 </a:t>
+            </a:r>
+            <a:r>
+              <a:rPr lang="en-US" altLang="zh-CN" sz="2400" dirty="0" err="1">
+                <a:solidFill>
+                  <a:schemeClr val="tx1">
+                    <a:lumMod val="65000"/>
+                    <a:lumOff val="35000"/>
+                  </a:schemeClr>
+                </a:solidFill>
+                <a:latin typeface="微软雅黑 Light" panose="020B0502040204020203" pitchFamily="34" charset="-122"/>
+                <a:ea typeface="微软雅黑 Light" panose="020B0502040204020203" pitchFamily="34" charset="-122"/>
+              </a:rPr>
+              <a:t>Dist</a:t>
+            </a:r>
+            <a:endParaRPr lang="en-US" altLang="zh-CN" sz="2400" dirty="0">
+              <a:solidFill>
+                <a:schemeClr val="tx1">
+                  <a:lumMod val="65000"/>
+                  <a:lumOff val="35000"/>
+                </a:schemeClr>
+              </a:solidFill>
+              <a:latin typeface="微软雅黑 Light" panose="020B0502040204020203" pitchFamily="34" charset="-122"/>
+              <a:ea typeface="微软雅黑 Light" panose="020B0502040204020203" pitchFamily="34" charset="-122"/>
+            </a:endParaRPr>
+          </a:p>
+        </p:txBody>
+      </p:sp>
+      <p:cxnSp>
+        <p:nvCxnSpPr>
+          <p:cNvPr id="3" name="直接连接符 2">
+            <a:extLst>
+              <a:ext uri="{FF2B5EF4-FFF2-40B4-BE49-F238E27FC236}">
+                <a16:creationId xmlns:a16="http://schemas.microsoft.com/office/drawing/2014/main" id="{732B10A5-9AF5-44B5-82C0-01E55C84D300}"/>
+              </a:ext>
+            </a:extLst>
+          </p:cNvPr>
+          <p:cNvCxnSpPr/>
+          <p:nvPr/>
+        </p:nvCxnSpPr>
+        <p:spPr bwMode="auto">
+          <a:xfrm flipV="1">
+            <a:off x="4878082" y="2206208"/>
+            <a:ext cx="2448204" cy="720060"/>
+          </a:xfrm>
+          <a:prstGeom prst="line">
+            <a:avLst/>
+          </a:prstGeom>
+          <a:ln w="28575">
+            <a:headEnd type="none" w="med" len="med"/>
+            <a:tailEnd type="none" w="med" len="med"/>
+          </a:ln>
+          <a:extLst>
+            <a:ext uri="{AF507438-7753-43E0-B8FC-AC1667EBCBE1}">
+              <a14:hiddenEffects xmlns:a14="http://schemas.microsoft.com/office/drawing/2010/main">
+                <a:effectLst>
+                  <a:outerShdw dist="35921" dir="2700000" algn="ctr" rotWithShape="0">
+                    <a:schemeClr val="bg2"/>
+                  </a:outerShdw>
+                </a:effectLst>
+              </a14:hiddenEffects>
+            </a:ext>
+          </a:extLst>
+        </p:spPr>
+        <p:style>
+          <a:lnRef idx="1">
+            <a:schemeClr val="accent1"/>
+          </a:lnRef>
+          <a:fillRef idx="0">
+            <a:schemeClr val="accent1"/>
+          </a:fillRef>
+          <a:effectRef idx="0">
+            <a:schemeClr val="accent1"/>
+          </a:effectRef>
+          <a:fontRef idx="minor">
+            <a:schemeClr val="tx1"/>
+          </a:fontRef>
+        </p:style>
+      </p:cxnSp>
+      <p:cxnSp>
+        <p:nvCxnSpPr>
+          <p:cNvPr id="7" name="直接连接符 6">
+            <a:extLst>
+              <a:ext uri="{FF2B5EF4-FFF2-40B4-BE49-F238E27FC236}">
+                <a16:creationId xmlns:a16="http://schemas.microsoft.com/office/drawing/2014/main" id="{8FE816D1-CF5B-47B0-B17D-1AECE99A9ED9}"/>
+              </a:ext>
+            </a:extLst>
+          </p:cNvPr>
+          <p:cNvCxnSpPr>
+            <a:cxnSpLocks/>
+          </p:cNvCxnSpPr>
+          <p:nvPr/>
+        </p:nvCxnSpPr>
+        <p:spPr bwMode="auto">
+          <a:xfrm>
+            <a:off x="6184735" y="1923379"/>
+            <a:ext cx="205473" cy="570853"/>
+          </a:xfrm>
+          <a:prstGeom prst="line">
+            <a:avLst/>
+          </a:prstGeom>
+          <a:ln>
+            <a:headEnd type="none" w="med" len="med"/>
+            <a:tailEnd type="none" w="med" len="med"/>
+          </a:ln>
+          <a:extLst>
+            <a:ext uri="{AF507438-7753-43E0-B8FC-AC1667EBCBE1}">
+              <a14:hiddenEffects xmlns:a14="http://schemas.microsoft.com/office/drawing/2010/main">
+                <a:effectLst>
+                  <a:outerShdw dist="35921" dir="2700000" algn="ctr" rotWithShape="0">
+                    <a:schemeClr val="bg2"/>
+                  </a:outerShdw>
+                </a:effectLst>
+              </a14:hiddenEffects>
+            </a:ext>
+          </a:extLst>
+        </p:spPr>
+        <p:style>
+          <a:lnRef idx="3">
+            <a:schemeClr val="accent6"/>
+          </a:lnRef>
+          <a:fillRef idx="0">
+            <a:schemeClr val="accent6"/>
+          </a:fillRef>
+          <a:effectRef idx="2">
+            <a:schemeClr val="accent6"/>
+          </a:effectRef>
+          <a:fontRef idx="minor">
+            <a:schemeClr val="tx1"/>
+          </a:fontRef>
+        </p:style>
+      </p:cxnSp>
+      <p:cxnSp>
+        <p:nvCxnSpPr>
+          <p:cNvPr id="12" name="直接连接符 11">
+            <a:extLst>
+              <a:ext uri="{FF2B5EF4-FFF2-40B4-BE49-F238E27FC236}">
+                <a16:creationId xmlns:a16="http://schemas.microsoft.com/office/drawing/2014/main" id="{B95D95B5-017E-4DE5-B40E-E5ADE80A1896}"/>
+              </a:ext>
+            </a:extLst>
+          </p:cNvPr>
+          <p:cNvCxnSpPr>
+            <a:cxnSpLocks/>
+            <a:stCxn id="5" idx="7"/>
+            <a:endCxn id="11" idx="3"/>
+          </p:cNvCxnSpPr>
+          <p:nvPr/>
+        </p:nvCxnSpPr>
+        <p:spPr bwMode="auto">
+          <a:xfrm flipH="1">
+            <a:off x="5392669" y="1928729"/>
+            <a:ext cx="828462" cy="863112"/>
+          </a:xfrm>
+          <a:prstGeom prst="line">
+            <a:avLst/>
+          </a:prstGeom>
+          <a:ln>
+            <a:prstDash val="dash"/>
+            <a:headEnd type="none" w="med" len="med"/>
+            <a:tailEnd type="none" w="med" len="med"/>
+          </a:ln>
+          <a:extLst>
+            <a:ext uri="{AF507438-7753-43E0-B8FC-AC1667EBCBE1}">
+              <a14:hiddenEffects xmlns:a14="http://schemas.microsoft.com/office/drawing/2010/main">
+                <a:effectLst>
+                  <a:outerShdw dist="35921" dir="2700000" algn="ctr" rotWithShape="0">
+                    <a:schemeClr val="bg2"/>
+                  </a:outerShdw>
+                </a:effectLst>
+              </a14:hiddenEffects>
+            </a:ext>
+          </a:extLst>
+        </p:spPr>
+        <p:style>
+          <a:lnRef idx="3">
+            <a:schemeClr val="accent4"/>
+          </a:lnRef>
+          <a:fillRef idx="0">
+            <a:schemeClr val="accent4"/>
+          </a:fillRef>
+          <a:effectRef idx="2">
+            <a:schemeClr val="accent4"/>
+          </a:effectRef>
+          <a:fontRef idx="minor">
+            <a:schemeClr val="tx1"/>
+          </a:fontRef>
+        </p:style>
+      </p:cxnSp>
+      <p:sp>
+        <p:nvSpPr>
+          <p:cNvPr id="5" name="椭圆 4">
+            <a:extLst>
+              <a:ext uri="{FF2B5EF4-FFF2-40B4-BE49-F238E27FC236}">
+                <a16:creationId xmlns:a16="http://schemas.microsoft.com/office/drawing/2014/main" id="{CD851F5E-64AE-4A16-90E5-8B19E1A8A391}"/>
+              </a:ext>
+            </a:extLst>
+          </p:cNvPr>
+          <p:cNvSpPr/>
+          <p:nvPr/>
+        </p:nvSpPr>
+        <p:spPr bwMode="auto">
+          <a:xfrm>
+            <a:off x="6159670" y="1918184"/>
+            <a:ext cx="72006" cy="72006"/>
+          </a:xfrm>
+          <a:prstGeom prst="ellipse">
+            <a:avLst/>
+          </a:prstGeom>
+          <a:solidFill>
+            <a:srgbClr val="00B050"/>
+          </a:solidFill>
+          <a:ln w="9525" cap="flat" cmpd="sng" algn="ctr">
+            <a:noFill/>
+            <a:prstDash val="solid"/>
+            <a:round/>
+            <a:headEnd type="none" w="med" len="med"/>
+            <a:tailEnd type="none" w="med" len="med"/>
+          </a:ln>
+          <a:effectLst/>
+          <a:extLst/>
+        </p:spPr>
+        <p:txBody>
+          <a:bodyPr vert="horz" wrap="square" lIns="91440" tIns="45720" rIns="91440" bIns="45720" numCol="1" rtlCol="0" anchor="t" anchorCtr="0" compatLnSpc="1">
+            <a:prstTxWarp prst="textNoShape">
+              <a:avLst/>
+            </a:prstTxWarp>
+          </a:bodyPr>
+          <a:lstStyle/>
+          <a:p>
+            <a:pPr marL="0" marR="0" indent="0" algn="l" defTabSz="914400" rtl="0" eaLnBrk="1" fontAlgn="base" latinLnBrk="0" hangingPunct="1">
+              <a:lnSpc>
+                <a:spcPct val="100000"/>
+              </a:lnSpc>
+              <a:spcBef>
+                <a:spcPct val="0"/>
+              </a:spcBef>
+              <a:spcAft>
+                <a:spcPct val="0"/>
+              </a:spcAft>
+              <a:buClrTx/>
+              <a:buSzTx/>
+              <a:buFont typeface="Arial" panose="020B0604020202020204" pitchFamily="34" charset="0"/>
+              <a:buNone/>
+              <a:tabLst/>
+            </a:pPr>
+            <a:endParaRPr kumimoji="0" lang="zh-CN" altLang="en-US" sz="1800" b="0" i="0" u="none" strike="noStrike" cap="none" normalizeH="0" baseline="0">
+              <a:ln>
+                <a:noFill/>
+              </a:ln>
+              <a:solidFill>
+                <a:schemeClr val="tx1"/>
+              </a:solidFill>
+              <a:effectLst/>
+              <a:latin typeface="Arial" panose="020B0604020202020204" pitchFamily="34" charset="0"/>
+              <a:ea typeface="宋体" panose="02010600030101010101" pitchFamily="2" charset="-122"/>
+            </a:endParaRPr>
+          </a:p>
+        </p:txBody>
+      </p:sp>
+      <p:sp>
+        <p:nvSpPr>
+          <p:cNvPr id="11" name="椭圆 10">
+            <a:extLst>
+              <a:ext uri="{FF2B5EF4-FFF2-40B4-BE49-F238E27FC236}">
+                <a16:creationId xmlns:a16="http://schemas.microsoft.com/office/drawing/2014/main" id="{3DECF8DE-577B-4A81-AA07-A4B16DDF2BEB}"/>
+              </a:ext>
+            </a:extLst>
+          </p:cNvPr>
+          <p:cNvSpPr/>
+          <p:nvPr/>
+        </p:nvSpPr>
+        <p:spPr bwMode="auto">
+          <a:xfrm>
+            <a:off x="5382124" y="2730380"/>
+            <a:ext cx="72006" cy="72006"/>
+          </a:xfrm>
+          <a:prstGeom prst="ellipse">
+            <a:avLst/>
+          </a:prstGeom>
+          <a:solidFill>
+            <a:srgbClr val="FFC000"/>
+          </a:solidFill>
+          <a:ln w="9525" cap="flat" cmpd="sng" algn="ctr">
+            <a:noFill/>
+            <a:prstDash val="solid"/>
+            <a:round/>
+            <a:headEnd type="none" w="med" len="med"/>
+            <a:tailEnd type="none" w="med" len="med"/>
+          </a:ln>
+          <a:effectLst/>
+          <a:extLst/>
+        </p:spPr>
+        <p:txBody>
+          <a:bodyPr vert="horz" wrap="square" lIns="91440" tIns="45720" rIns="91440" bIns="45720" numCol="1" rtlCol="0" anchor="t" anchorCtr="0" compatLnSpc="1">
+            <a:prstTxWarp prst="textNoShape">
+              <a:avLst/>
+            </a:prstTxWarp>
+          </a:bodyPr>
+          <a:lstStyle/>
+          <a:p>
+            <a:pPr marL="0" marR="0" indent="0" algn="l" defTabSz="914400" rtl="0" eaLnBrk="1" fontAlgn="base" latinLnBrk="0" hangingPunct="1">
+              <a:lnSpc>
+                <a:spcPct val="100000"/>
+              </a:lnSpc>
+              <a:spcBef>
+                <a:spcPct val="0"/>
+              </a:spcBef>
+              <a:spcAft>
+                <a:spcPct val="0"/>
+              </a:spcAft>
+              <a:buClrTx/>
+              <a:buSzTx/>
+              <a:buFont typeface="Arial" panose="020B0604020202020204" pitchFamily="34" charset="0"/>
+              <a:buNone/>
+              <a:tabLst/>
+            </a:pPr>
+            <a:endParaRPr kumimoji="0" lang="zh-CN" altLang="en-US" sz="1800" b="0" i="0" u="none" strike="noStrike" cap="none" normalizeH="0" baseline="0">
+              <a:ln>
+                <a:noFill/>
+              </a:ln>
+              <a:solidFill>
+                <a:schemeClr val="tx1"/>
+              </a:solidFill>
+              <a:effectLst/>
+              <a:latin typeface="Arial" panose="020B0604020202020204" pitchFamily="34" charset="0"/>
+              <a:ea typeface="宋体" panose="02010600030101010101" pitchFamily="2" charset="-122"/>
+            </a:endParaRPr>
+          </a:p>
+        </p:txBody>
+      </p:sp>
+      <p:cxnSp>
+        <p:nvCxnSpPr>
+          <p:cNvPr id="14" name="直接箭头连接符 13">
+            <a:extLst>
+              <a:ext uri="{FF2B5EF4-FFF2-40B4-BE49-F238E27FC236}">
+                <a16:creationId xmlns:a16="http://schemas.microsoft.com/office/drawing/2014/main" id="{FEA95C1F-8D57-47BD-A656-4B04EDAA6742}"/>
+              </a:ext>
+            </a:extLst>
+          </p:cNvPr>
+          <p:cNvCxnSpPr>
+            <a:cxnSpLocks/>
+          </p:cNvCxnSpPr>
+          <p:nvPr/>
+        </p:nvCxnSpPr>
+        <p:spPr bwMode="auto">
+          <a:xfrm flipV="1">
+            <a:off x="5443585" y="2590581"/>
+            <a:ext cx="586593" cy="172636"/>
+          </a:xfrm>
+          <a:prstGeom prst="straightConnector1">
+            <a:avLst/>
+          </a:prstGeom>
+          <a:ln w="28575">
+            <a:solidFill>
+              <a:srgbClr val="FFC000"/>
+            </a:solidFill>
+            <a:headEnd type="none" w="med" len="med"/>
+            <a:tailEnd type="triangle"/>
+          </a:ln>
+          <a:extLst>
+            <a:ext uri="{AF507438-7753-43E0-B8FC-AC1667EBCBE1}">
+              <a14:hiddenEffects xmlns:a14="http://schemas.microsoft.com/office/drawing/2010/main">
+                <a:effectLst>
+                  <a:outerShdw dist="35921" dir="2700000" algn="ctr" rotWithShape="0">
+                    <a:schemeClr val="bg2"/>
+                  </a:outerShdw>
+                </a:effectLst>
+              </a14:hiddenEffects>
+            </a:ext>
+          </a:extLst>
+        </p:spPr>
+        <p:style>
+          <a:lnRef idx="1">
+            <a:schemeClr val="accent2"/>
+          </a:lnRef>
+          <a:fillRef idx="0">
+            <a:schemeClr val="accent2"/>
+          </a:fillRef>
+          <a:effectRef idx="0">
+            <a:schemeClr val="accent2"/>
+          </a:effectRef>
+          <a:fontRef idx="minor">
+            <a:schemeClr val="tx1"/>
+          </a:fontRef>
+        </p:style>
+      </p:cxnSp>
+      <mc:AlternateContent xmlns:mc="http://schemas.openxmlformats.org/markup-compatibility/2006" xmlns:a14="http://schemas.microsoft.com/office/drawing/2010/main">
+        <mc:Choice Requires="a14">
+          <p:sp>
+            <p:nvSpPr>
+              <p:cNvPr id="15" name="文本框 14">
+                <a:extLst>
+                  <a:ext uri="{FF2B5EF4-FFF2-40B4-BE49-F238E27FC236}">
+                    <a16:creationId xmlns:a16="http://schemas.microsoft.com/office/drawing/2014/main" id="{46082815-4A8C-40B3-BA43-C0CACDF6CE63}"/>
+                  </a:ext>
+                </a:extLst>
+              </p:cNvPr>
+              <p:cNvSpPr txBox="1"/>
+              <p:nvPr/>
+            </p:nvSpPr>
+            <p:spPr>
+              <a:xfrm>
+                <a:off x="5345994" y="2730860"/>
+                <a:ext cx="195182" cy="276999"/>
+              </a:xfrm>
+              <a:prstGeom prst="rect">
+                <a:avLst/>
+              </a:prstGeom>
+              <a:noFill/>
+            </p:spPr>
+            <p:txBody>
+              <a:bodyPr wrap="none" lIns="0" tIns="0" rIns="0" bIns="0" rtlCol="0">
+                <a:spAutoFit/>
+              </a:bodyPr>
+              <a:lstStyle/>
+              <a:p>
+                <a:pPr/>
+                <a14:m>
+                  <m:oMathPara xmlns:m="http://schemas.openxmlformats.org/officeDocument/2006/math">
+                    <m:oMathParaPr>
+                      <m:jc m:val="centerGroup"/>
+                    </m:oMathParaPr>
+                    <m:oMath xmlns:m="http://schemas.openxmlformats.org/officeDocument/2006/math">
+                      <m:r>
+                        <a:rPr lang="en-US" altLang="zh-CN" b="0" i="1" smtClean="0">
+                          <a:solidFill>
+                            <a:schemeClr val="tx1">
+                              <a:lumMod val="65000"/>
+                              <a:lumOff val="35000"/>
+                            </a:schemeClr>
+                          </a:solidFill>
+                          <a:latin typeface="Cambria Math" panose="02040503050406030204" pitchFamily="18" charset="0"/>
+                        </a:rPr>
+                        <m:t>𝑝</m:t>
+                      </m:r>
+                    </m:oMath>
+                  </m:oMathPara>
+                </a14:m>
+                <a:endParaRPr lang="zh-CN" altLang="en-US" dirty="0">
+                  <a:solidFill>
+                    <a:schemeClr val="tx1">
+                      <a:lumMod val="65000"/>
+                      <a:lumOff val="35000"/>
+                    </a:schemeClr>
+                  </a:solidFill>
+                </a:endParaRPr>
+              </a:p>
+            </p:txBody>
+          </p:sp>
+        </mc:Choice>
+        <mc:Fallback xmlns="">
+          <p:sp>
+            <p:nvSpPr>
+              <p:cNvPr id="15" name="文本框 14">
+                <a:extLst>
+                  <a:ext uri="{FF2B5EF4-FFF2-40B4-BE49-F238E27FC236}">
+                    <a16:creationId xmlns:a16="http://schemas.microsoft.com/office/drawing/2014/main" id="{46082815-4A8C-40B3-BA43-C0CACDF6CE63}"/>
+                  </a:ext>
+                </a:extLst>
+              </p:cNvPr>
+              <p:cNvSpPr txBox="1">
+                <a:spLocks noRot="1" noChangeAspect="1" noMove="1" noResize="1" noEditPoints="1" noAdjustHandles="1" noChangeArrowheads="1" noChangeShapeType="1" noTextEdit="1"/>
+              </p:cNvSpPr>
+              <p:nvPr/>
+            </p:nvSpPr>
+            <p:spPr>
+              <a:xfrm>
+                <a:off x="5345994" y="2730860"/>
+                <a:ext cx="195182" cy="276999"/>
+              </a:xfrm>
+              <a:prstGeom prst="rect">
+                <a:avLst/>
+              </a:prstGeom>
+              <a:blipFill>
+                <a:blip r:embed="rId3"/>
+                <a:stretch>
+                  <a:fillRect l="-28125" r="-25000" b="-28889"/>
+                </a:stretch>
+              </a:blipFill>
+            </p:spPr>
+            <p:txBody>
+              <a:bodyPr/>
+              <a:lstStyle/>
+              <a:p>
+                <a:r>
+                  <a:rPr lang="zh-CN" altLang="en-US">
+                    <a:noFill/>
+                  </a:rPr>
+                  <a:t> </a:t>
+                </a:r>
+              </a:p>
+            </p:txBody>
+          </p:sp>
+        </mc:Fallback>
+      </mc:AlternateContent>
+      <mc:AlternateContent xmlns:mc="http://schemas.openxmlformats.org/markup-compatibility/2006" xmlns:a14="http://schemas.microsoft.com/office/drawing/2010/main">
+        <mc:Choice Requires="a14">
+          <p:sp>
+            <p:nvSpPr>
+              <p:cNvPr id="18" name="文本框 17">
+                <a:extLst>
+                  <a:ext uri="{FF2B5EF4-FFF2-40B4-BE49-F238E27FC236}">
+                    <a16:creationId xmlns:a16="http://schemas.microsoft.com/office/drawing/2014/main" id="{E00DB1E9-2687-4D44-8186-5F37B3AD984F}"/>
+                  </a:ext>
+                </a:extLst>
+              </p:cNvPr>
+              <p:cNvSpPr txBox="1"/>
+              <p:nvPr/>
+            </p:nvSpPr>
+            <p:spPr>
+              <a:xfrm>
+                <a:off x="5880966" y="2624717"/>
+                <a:ext cx="195887" cy="276999"/>
+              </a:xfrm>
+              <a:prstGeom prst="rect">
+                <a:avLst/>
+              </a:prstGeom>
+              <a:noFill/>
+            </p:spPr>
+            <p:txBody>
+              <a:bodyPr wrap="none" lIns="0" tIns="0" rIns="0" bIns="0" rtlCol="0">
+                <a:spAutoFit/>
+              </a:bodyPr>
+              <a:lstStyle/>
+              <a:p>
+                <a:pPr/>
+                <a14:m>
+                  <m:oMathPara xmlns:m="http://schemas.openxmlformats.org/officeDocument/2006/math">
+                    <m:oMathParaPr>
+                      <m:jc m:val="centerGroup"/>
+                    </m:oMathParaPr>
+                    <m:oMath xmlns:m="http://schemas.openxmlformats.org/officeDocument/2006/math">
+                      <m:r>
+                        <a:rPr lang="en-US" altLang="zh-CN" b="0" i="1" smtClean="0">
+                          <a:solidFill>
+                            <a:schemeClr val="tx1">
+                              <a:lumMod val="65000"/>
+                              <a:lumOff val="35000"/>
+                            </a:schemeClr>
+                          </a:solidFill>
+                          <a:latin typeface="Cambria Math" panose="02040503050406030204" pitchFamily="18" charset="0"/>
+                        </a:rPr>
+                        <m:t>𝑣</m:t>
+                      </m:r>
+                    </m:oMath>
+                  </m:oMathPara>
+                </a14:m>
+                <a:endParaRPr lang="zh-CN" altLang="en-US" dirty="0">
+                  <a:solidFill>
+                    <a:schemeClr val="tx1">
+                      <a:lumMod val="65000"/>
+                      <a:lumOff val="35000"/>
+                    </a:schemeClr>
+                  </a:solidFill>
+                </a:endParaRPr>
+              </a:p>
+            </p:txBody>
+          </p:sp>
+        </mc:Choice>
+        <mc:Fallback xmlns="">
+          <p:sp>
+            <p:nvSpPr>
+              <p:cNvPr id="18" name="文本框 17">
+                <a:extLst>
+                  <a:ext uri="{FF2B5EF4-FFF2-40B4-BE49-F238E27FC236}">
+                    <a16:creationId xmlns:a16="http://schemas.microsoft.com/office/drawing/2014/main" id="{E00DB1E9-2687-4D44-8186-5F37B3AD984F}"/>
+                  </a:ext>
+                </a:extLst>
+              </p:cNvPr>
+              <p:cNvSpPr txBox="1">
+                <a:spLocks noRot="1" noChangeAspect="1" noMove="1" noResize="1" noEditPoints="1" noAdjustHandles="1" noChangeArrowheads="1" noChangeShapeType="1" noTextEdit="1"/>
+              </p:cNvSpPr>
+              <p:nvPr/>
+            </p:nvSpPr>
+            <p:spPr>
+              <a:xfrm>
+                <a:off x="5880966" y="2624717"/>
+                <a:ext cx="195887" cy="276999"/>
+              </a:xfrm>
+              <a:prstGeom prst="rect">
+                <a:avLst/>
+              </a:prstGeom>
+              <a:blipFill>
+                <a:blip r:embed="rId4"/>
+                <a:stretch>
+                  <a:fillRect l="-15625" r="-12500" b="-2222"/>
+                </a:stretch>
+              </a:blipFill>
+            </p:spPr>
+            <p:txBody>
+              <a:bodyPr/>
+              <a:lstStyle/>
+              <a:p>
+                <a:r>
+                  <a:rPr lang="zh-CN" altLang="en-US">
+                    <a:noFill/>
+                  </a:rPr>
+                  <a:t> </a:t>
+                </a:r>
+              </a:p>
+            </p:txBody>
+          </p:sp>
+        </mc:Fallback>
+      </mc:AlternateContent>
+      <mc:AlternateContent xmlns:mc="http://schemas.openxmlformats.org/markup-compatibility/2006" xmlns:a14="http://schemas.microsoft.com/office/drawing/2010/main">
+        <mc:Choice Requires="a14">
+          <p:sp>
+            <p:nvSpPr>
+              <p:cNvPr id="19" name="文本框 18">
+                <a:extLst>
+                  <a:ext uri="{FF2B5EF4-FFF2-40B4-BE49-F238E27FC236}">
+                    <a16:creationId xmlns:a16="http://schemas.microsoft.com/office/drawing/2014/main" id="{5AB94D97-929F-4E94-AFED-9B785CEFF09F}"/>
+                  </a:ext>
+                </a:extLst>
+              </p:cNvPr>
+              <p:cNvSpPr txBox="1"/>
+              <p:nvPr/>
+            </p:nvSpPr>
+            <p:spPr>
+              <a:xfrm>
+                <a:off x="7412106" y="1990961"/>
+                <a:ext cx="1362361" cy="276999"/>
+              </a:xfrm>
+              <a:prstGeom prst="rect">
+                <a:avLst/>
+              </a:prstGeom>
+              <a:noFill/>
+            </p:spPr>
+            <p:txBody>
+              <a:bodyPr wrap="none" lIns="0" tIns="0" rIns="0" bIns="0" rtlCol="0">
+                <a:spAutoFit/>
+              </a:bodyPr>
+              <a:lstStyle/>
+              <a:p>
+                <a:pPr/>
+                <a14:m>
+                  <m:oMathPara xmlns:m="http://schemas.openxmlformats.org/officeDocument/2006/math">
+                    <m:oMathParaPr>
+                      <m:jc m:val="centerGroup"/>
+                    </m:oMathParaPr>
+                    <m:oMath xmlns:m="http://schemas.openxmlformats.org/officeDocument/2006/math">
+                      <m:r>
+                        <a:rPr lang="en-US" altLang="zh-CN" b="0" i="1" smtClean="0">
+                          <a:solidFill>
+                            <a:schemeClr val="tx1">
+                              <a:lumMod val="65000"/>
+                              <a:lumOff val="35000"/>
+                            </a:schemeClr>
+                          </a:solidFill>
+                          <a:latin typeface="Cambria Math" panose="02040503050406030204" pitchFamily="18" charset="0"/>
+                        </a:rPr>
+                        <m:t>𝑙</m:t>
+                      </m:r>
+                      <m:d>
+                        <m:dPr>
+                          <m:ctrlPr>
+                            <a:rPr lang="en-US" altLang="zh-CN" b="0" i="1" smtClean="0">
+                              <a:solidFill>
+                                <a:schemeClr val="tx1">
+                                  <a:lumMod val="65000"/>
+                                  <a:lumOff val="35000"/>
+                                </a:schemeClr>
+                              </a:solidFill>
+                              <a:latin typeface="Cambria Math" panose="02040503050406030204" pitchFamily="18" charset="0"/>
+                            </a:rPr>
+                          </m:ctrlPr>
+                        </m:dPr>
+                        <m:e>
+                          <m:r>
+                            <a:rPr lang="en-US" altLang="zh-CN" b="0" i="1" smtClean="0">
+                              <a:solidFill>
+                                <a:schemeClr val="tx1">
+                                  <a:lumMod val="65000"/>
+                                  <a:lumOff val="35000"/>
+                                </a:schemeClr>
+                              </a:solidFill>
+                              <a:latin typeface="Cambria Math" panose="02040503050406030204" pitchFamily="18" charset="0"/>
+                            </a:rPr>
+                            <m:t>𝑡</m:t>
+                          </m:r>
+                        </m:e>
+                      </m:d>
+                      <m:r>
+                        <a:rPr lang="en-US" altLang="zh-CN" b="0" i="1" smtClean="0">
+                          <a:solidFill>
+                            <a:schemeClr val="tx1">
+                              <a:lumMod val="65000"/>
+                              <a:lumOff val="35000"/>
+                            </a:schemeClr>
+                          </a:solidFill>
+                          <a:latin typeface="Cambria Math" panose="02040503050406030204" pitchFamily="18" charset="0"/>
+                        </a:rPr>
+                        <m:t>=</m:t>
+                      </m:r>
+                      <m:r>
+                        <a:rPr lang="en-US" altLang="zh-CN" b="0" i="1" smtClean="0">
+                          <a:solidFill>
+                            <a:schemeClr val="tx1">
+                              <a:lumMod val="65000"/>
+                              <a:lumOff val="35000"/>
+                            </a:schemeClr>
+                          </a:solidFill>
+                          <a:latin typeface="Cambria Math" panose="02040503050406030204" pitchFamily="18" charset="0"/>
+                        </a:rPr>
+                        <m:t>𝑝</m:t>
+                      </m:r>
+                      <m:r>
+                        <a:rPr lang="en-US" altLang="zh-CN" b="0" i="1" smtClean="0">
+                          <a:solidFill>
+                            <a:schemeClr val="tx1">
+                              <a:lumMod val="65000"/>
+                              <a:lumOff val="35000"/>
+                            </a:schemeClr>
+                          </a:solidFill>
+                          <a:latin typeface="Cambria Math" panose="02040503050406030204" pitchFamily="18" charset="0"/>
+                        </a:rPr>
+                        <m:t>+</m:t>
+                      </m:r>
+                      <m:r>
+                        <a:rPr lang="en-US" altLang="zh-CN" b="0" i="1" smtClean="0">
+                          <a:solidFill>
+                            <a:schemeClr val="tx1">
+                              <a:lumMod val="65000"/>
+                              <a:lumOff val="35000"/>
+                            </a:schemeClr>
+                          </a:solidFill>
+                          <a:latin typeface="Cambria Math" panose="02040503050406030204" pitchFamily="18" charset="0"/>
+                        </a:rPr>
+                        <m:t>𝑣𝑡</m:t>
+                      </m:r>
+                    </m:oMath>
+                  </m:oMathPara>
+                </a14:m>
+                <a:endParaRPr lang="zh-CN" altLang="en-US" dirty="0">
+                  <a:solidFill>
+                    <a:schemeClr val="tx1">
+                      <a:lumMod val="65000"/>
+                      <a:lumOff val="35000"/>
+                    </a:schemeClr>
+                  </a:solidFill>
+                </a:endParaRPr>
+              </a:p>
+            </p:txBody>
+          </p:sp>
+        </mc:Choice>
+        <mc:Fallback xmlns="">
+          <p:sp>
+            <p:nvSpPr>
+              <p:cNvPr id="19" name="文本框 18">
+                <a:extLst>
+                  <a:ext uri="{FF2B5EF4-FFF2-40B4-BE49-F238E27FC236}">
+                    <a16:creationId xmlns:a16="http://schemas.microsoft.com/office/drawing/2014/main" id="{5AB94D97-929F-4E94-AFED-9B785CEFF09F}"/>
+                  </a:ext>
+                </a:extLst>
+              </p:cNvPr>
+              <p:cNvSpPr txBox="1">
+                <a:spLocks noRot="1" noChangeAspect="1" noMove="1" noResize="1" noEditPoints="1" noAdjustHandles="1" noChangeArrowheads="1" noChangeShapeType="1" noTextEdit="1"/>
+              </p:cNvSpPr>
+              <p:nvPr/>
+            </p:nvSpPr>
+            <p:spPr>
+              <a:xfrm>
+                <a:off x="7412106" y="1990961"/>
+                <a:ext cx="1362361" cy="276999"/>
+              </a:xfrm>
+              <a:prstGeom prst="rect">
+                <a:avLst/>
+              </a:prstGeom>
+              <a:blipFill>
+                <a:blip r:embed="rId5"/>
+                <a:stretch>
+                  <a:fillRect l="-3587" r="-2691" b="-28889"/>
+                </a:stretch>
+              </a:blipFill>
+            </p:spPr>
+            <p:txBody>
+              <a:bodyPr/>
+              <a:lstStyle/>
+              <a:p>
+                <a:r>
+                  <a:rPr lang="zh-CN" altLang="en-US">
+                    <a:noFill/>
+                  </a:rPr>
+                  <a:t> </a:t>
+                </a:r>
+              </a:p>
+            </p:txBody>
+          </p:sp>
+        </mc:Fallback>
+      </mc:AlternateContent>
+      <mc:AlternateContent xmlns:mc="http://schemas.openxmlformats.org/markup-compatibility/2006" xmlns:a14="http://schemas.microsoft.com/office/drawing/2010/main">
+        <mc:Choice Requires="a14">
+          <p:sp>
+            <p:nvSpPr>
+              <p:cNvPr id="20" name="文本框 19">
+                <a:extLst>
+                  <a:ext uri="{FF2B5EF4-FFF2-40B4-BE49-F238E27FC236}">
+                    <a16:creationId xmlns:a16="http://schemas.microsoft.com/office/drawing/2014/main" id="{981412C1-2622-42CE-BB09-FDB0B0CF2D33}"/>
+                  </a:ext>
+                </a:extLst>
+              </p:cNvPr>
+              <p:cNvSpPr txBox="1"/>
+              <p:nvPr/>
+            </p:nvSpPr>
+            <p:spPr>
+              <a:xfrm>
+                <a:off x="6084126" y="1563666"/>
+                <a:ext cx="196144" cy="276999"/>
+              </a:xfrm>
+              <a:prstGeom prst="rect">
+                <a:avLst/>
+              </a:prstGeom>
+              <a:noFill/>
+            </p:spPr>
+            <p:txBody>
+              <a:bodyPr wrap="none" lIns="0" tIns="0" rIns="0" bIns="0" rtlCol="0">
+                <a:spAutoFit/>
+              </a:bodyPr>
+              <a:lstStyle/>
+              <a:p>
+                <a:pPr/>
+                <a14:m>
+                  <m:oMathPara xmlns:m="http://schemas.openxmlformats.org/officeDocument/2006/math">
+                    <m:oMathParaPr>
+                      <m:jc m:val="centerGroup"/>
+                    </m:oMathParaPr>
+                    <m:oMath xmlns:m="http://schemas.openxmlformats.org/officeDocument/2006/math">
+                      <m:r>
+                        <a:rPr lang="en-US" altLang="zh-CN" b="0" i="1" smtClean="0">
+                          <a:solidFill>
+                            <a:schemeClr val="tx1">
+                              <a:lumMod val="65000"/>
+                              <a:lumOff val="35000"/>
+                            </a:schemeClr>
+                          </a:solidFill>
+                          <a:latin typeface="Cambria Math" panose="02040503050406030204" pitchFamily="18" charset="0"/>
+                        </a:rPr>
+                        <m:t>𝑞</m:t>
+                      </m:r>
+                    </m:oMath>
+                  </m:oMathPara>
+                </a14:m>
+                <a:endParaRPr lang="zh-CN" altLang="en-US" dirty="0">
+                  <a:solidFill>
+                    <a:schemeClr val="tx1">
+                      <a:lumMod val="65000"/>
+                      <a:lumOff val="35000"/>
+                    </a:schemeClr>
+                  </a:solidFill>
+                </a:endParaRPr>
+              </a:p>
+            </p:txBody>
+          </p:sp>
+        </mc:Choice>
+        <mc:Fallback xmlns="">
+          <p:sp>
+            <p:nvSpPr>
+              <p:cNvPr id="20" name="文本框 19">
+                <a:extLst>
+                  <a:ext uri="{FF2B5EF4-FFF2-40B4-BE49-F238E27FC236}">
+                    <a16:creationId xmlns:a16="http://schemas.microsoft.com/office/drawing/2014/main" id="{981412C1-2622-42CE-BB09-FDB0B0CF2D33}"/>
+                  </a:ext>
+                </a:extLst>
+              </p:cNvPr>
+              <p:cNvSpPr txBox="1">
+                <a:spLocks noRot="1" noChangeAspect="1" noMove="1" noResize="1" noEditPoints="1" noAdjustHandles="1" noChangeArrowheads="1" noChangeShapeType="1" noTextEdit="1"/>
+              </p:cNvSpPr>
+              <p:nvPr/>
+            </p:nvSpPr>
+            <p:spPr>
+              <a:xfrm>
+                <a:off x="6084126" y="1563666"/>
+                <a:ext cx="196144" cy="276999"/>
+              </a:xfrm>
+              <a:prstGeom prst="rect">
+                <a:avLst/>
+              </a:prstGeom>
+              <a:blipFill>
+                <a:blip r:embed="rId6"/>
+                <a:stretch>
+                  <a:fillRect l="-28125" r="-21875" b="-28889"/>
+                </a:stretch>
+              </a:blipFill>
+            </p:spPr>
+            <p:txBody>
+              <a:bodyPr/>
+              <a:lstStyle/>
+              <a:p>
+                <a:r>
+                  <a:rPr lang="zh-CN" altLang="en-US">
+                    <a:noFill/>
+                  </a:rPr>
+                  <a:t> </a:t>
+                </a:r>
+              </a:p>
+            </p:txBody>
+          </p:sp>
+        </mc:Fallback>
+      </mc:AlternateContent>
+      <mc:AlternateContent xmlns:mc="http://schemas.openxmlformats.org/markup-compatibility/2006" xmlns:a14="http://schemas.microsoft.com/office/drawing/2010/main">
+        <mc:Choice Requires="a14">
+          <p:sp>
+            <p:nvSpPr>
+              <p:cNvPr id="22" name="文本框 21">
+                <a:extLst>
+                  <a:ext uri="{FF2B5EF4-FFF2-40B4-BE49-F238E27FC236}">
+                    <a16:creationId xmlns:a16="http://schemas.microsoft.com/office/drawing/2014/main" id="{8A2F78F4-8D0B-4737-ACC4-7CBBFA5E63E5}"/>
+                  </a:ext>
+                </a:extLst>
+              </p:cNvPr>
+              <p:cNvSpPr txBox="1"/>
+              <p:nvPr/>
+            </p:nvSpPr>
+            <p:spPr>
+              <a:xfrm>
+                <a:off x="5148048" y="3454473"/>
+                <a:ext cx="3273012" cy="391389"/>
+              </a:xfrm>
+              <a:prstGeom prst="rect">
+                <a:avLst/>
+              </a:prstGeom>
+              <a:noFill/>
+            </p:spPr>
+            <p:txBody>
+              <a:bodyPr wrap="none" lIns="0" tIns="0" rIns="0" bIns="0" rtlCol="0">
+                <a:spAutoFit/>
+              </a:bodyPr>
+              <a:lstStyle/>
+              <a:p>
+                <a:pPr/>
+                <a14:m>
+                  <m:oMathPara xmlns:m="http://schemas.openxmlformats.org/officeDocument/2006/math">
+                    <m:oMathParaPr>
+                      <m:jc m:val="centerGroup"/>
+                    </m:oMathParaPr>
+                    <m:oMath xmlns:m="http://schemas.openxmlformats.org/officeDocument/2006/math">
+                      <m:r>
+                        <a:rPr lang="en-US" altLang="zh-CN" sz="2400" b="0" i="1" smtClean="0">
+                          <a:solidFill>
+                            <a:schemeClr val="tx1">
+                              <a:lumMod val="65000"/>
+                              <a:lumOff val="35000"/>
+                            </a:schemeClr>
+                          </a:solidFill>
+                          <a:latin typeface="Cambria Math" panose="02040503050406030204" pitchFamily="18" charset="0"/>
+                        </a:rPr>
+                        <m:t>𝑑</m:t>
+                      </m:r>
+                      <m:r>
+                        <a:rPr lang="en-US" altLang="zh-CN" sz="2400" b="0" i="1" smtClean="0">
+                          <a:solidFill>
+                            <a:schemeClr val="tx1">
+                              <a:lumMod val="65000"/>
+                              <a:lumOff val="35000"/>
+                            </a:schemeClr>
+                          </a:solidFill>
+                          <a:latin typeface="Cambria Math" panose="02040503050406030204" pitchFamily="18" charset="0"/>
+                        </a:rPr>
+                        <m:t>=</m:t>
+                      </m:r>
+                      <m:sSubSup>
+                        <m:sSubSupPr>
+                          <m:ctrlPr>
+                            <a:rPr lang="en-US" altLang="zh-CN" sz="2400" b="0" i="1" smtClean="0">
+                              <a:solidFill>
+                                <a:schemeClr val="tx1">
+                                  <a:lumMod val="65000"/>
+                                  <a:lumOff val="35000"/>
+                                </a:schemeClr>
+                              </a:solidFill>
+                              <a:latin typeface="Cambria Math" panose="02040503050406030204" pitchFamily="18" charset="0"/>
+                            </a:rPr>
+                          </m:ctrlPr>
+                        </m:sSubSupPr>
+                        <m:e>
+                          <m:r>
+                            <a:rPr lang="en-US" altLang="zh-CN" sz="2400" b="0" i="1" smtClean="0">
+                              <a:solidFill>
+                                <a:schemeClr val="tx1">
+                                  <a:lumMod val="65000"/>
+                                  <a:lumOff val="35000"/>
+                                </a:schemeClr>
+                              </a:solidFill>
+                              <a:latin typeface="Cambria Math" panose="02040503050406030204" pitchFamily="18" charset="0"/>
+                            </a:rPr>
+                            <m:t>|</m:t>
+                          </m:r>
+                          <m:d>
+                            <m:dPr>
+                              <m:ctrlPr>
+                                <a:rPr lang="en-US" altLang="zh-CN" sz="2400" b="0" i="1" smtClean="0">
+                                  <a:solidFill>
+                                    <a:schemeClr val="tx1">
+                                      <a:lumMod val="65000"/>
+                                      <a:lumOff val="35000"/>
+                                    </a:schemeClr>
+                                  </a:solidFill>
+                                  <a:latin typeface="Cambria Math" panose="02040503050406030204" pitchFamily="18" charset="0"/>
+                                </a:rPr>
+                              </m:ctrlPr>
+                            </m:dPr>
+                            <m:e>
+                              <m:r>
+                                <a:rPr lang="en-US" altLang="zh-CN" sz="2400" b="0" i="1" smtClean="0">
+                                  <a:solidFill>
+                                    <a:schemeClr val="tx1">
+                                      <a:lumMod val="65000"/>
+                                      <a:lumOff val="35000"/>
+                                    </a:schemeClr>
+                                  </a:solidFill>
+                                  <a:latin typeface="Cambria Math" panose="02040503050406030204" pitchFamily="18" charset="0"/>
+                                </a:rPr>
+                                <m:t>𝑞</m:t>
+                              </m:r>
+                              <m:r>
+                                <a:rPr lang="en-US" altLang="zh-CN" sz="2400" b="0" i="1" smtClean="0">
+                                  <a:solidFill>
+                                    <a:schemeClr val="tx1">
+                                      <a:lumMod val="65000"/>
+                                      <a:lumOff val="35000"/>
+                                    </a:schemeClr>
+                                  </a:solidFill>
+                                  <a:latin typeface="Cambria Math" panose="02040503050406030204" pitchFamily="18" charset="0"/>
+                                </a:rPr>
+                                <m:t>−</m:t>
+                              </m:r>
+                              <m:r>
+                                <a:rPr lang="en-US" altLang="zh-CN" sz="2400" b="0" i="1" smtClean="0">
+                                  <a:solidFill>
+                                    <a:schemeClr val="tx1">
+                                      <a:lumMod val="65000"/>
+                                      <a:lumOff val="35000"/>
+                                    </a:schemeClr>
+                                  </a:solidFill>
+                                  <a:latin typeface="Cambria Math" panose="02040503050406030204" pitchFamily="18" charset="0"/>
+                                </a:rPr>
+                                <m:t>𝑝</m:t>
+                              </m:r>
+                            </m:e>
+                          </m:d>
+                          <m:r>
+                            <a:rPr lang="en-US" altLang="zh-CN" sz="2400" b="0" i="1" smtClean="0">
+                              <a:solidFill>
+                                <a:schemeClr val="tx1">
+                                  <a:lumMod val="65000"/>
+                                  <a:lumOff val="35000"/>
+                                </a:schemeClr>
+                              </a:solidFill>
+                              <a:latin typeface="Cambria Math" panose="02040503050406030204" pitchFamily="18" charset="0"/>
+                            </a:rPr>
+                            <m:t>−</m:t>
+                          </m:r>
+                          <m:r>
+                            <a:rPr lang="en-US" altLang="zh-CN" sz="2400" b="0" i="1" smtClean="0">
+                              <a:solidFill>
+                                <a:schemeClr val="tx1">
+                                  <a:lumMod val="65000"/>
+                                  <a:lumOff val="35000"/>
+                                </a:schemeClr>
+                              </a:solidFill>
+                              <a:latin typeface="Cambria Math" panose="02040503050406030204" pitchFamily="18" charset="0"/>
+                            </a:rPr>
+                            <m:t>𝑝𝑟𝑜</m:t>
+                          </m:r>
+                          <m:r>
+                            <a:rPr lang="en-US" altLang="zh-CN" sz="2400" i="1">
+                              <a:solidFill>
+                                <a:schemeClr val="tx1">
+                                  <a:lumMod val="65000"/>
+                                  <a:lumOff val="35000"/>
+                                </a:schemeClr>
+                              </a:solidFill>
+                              <a:latin typeface="Cambria Math" panose="02040503050406030204" pitchFamily="18" charset="0"/>
+                            </a:rPr>
+                            <m:t>𝑗</m:t>
+                          </m:r>
+                        </m:e>
+                        <m:sub>
+                          <m:r>
+                            <a:rPr lang="en-US" altLang="zh-CN" sz="2400" b="0" i="1" smtClean="0">
+                              <a:solidFill>
+                                <a:schemeClr val="tx1">
+                                  <a:lumMod val="65000"/>
+                                  <a:lumOff val="35000"/>
+                                </a:schemeClr>
+                              </a:solidFill>
+                              <a:latin typeface="Cambria Math" panose="02040503050406030204" pitchFamily="18" charset="0"/>
+                            </a:rPr>
+                            <m:t>𝑣</m:t>
+                          </m:r>
+                        </m:sub>
+                        <m:sup>
+                          <m:r>
+                            <a:rPr lang="en-US" altLang="zh-CN" sz="2400" b="0" i="1" smtClean="0">
+                              <a:solidFill>
+                                <a:schemeClr val="tx1">
+                                  <a:lumMod val="65000"/>
+                                  <a:lumOff val="35000"/>
+                                </a:schemeClr>
+                              </a:solidFill>
+                              <a:latin typeface="Cambria Math" panose="02040503050406030204" pitchFamily="18" charset="0"/>
+                            </a:rPr>
+                            <m:t>𝑞</m:t>
+                          </m:r>
+                          <m:r>
+                            <a:rPr lang="en-US" altLang="zh-CN" sz="2400" b="0" i="1" smtClean="0">
+                              <a:solidFill>
+                                <a:schemeClr val="tx1">
+                                  <a:lumMod val="65000"/>
+                                  <a:lumOff val="35000"/>
+                                </a:schemeClr>
+                              </a:solidFill>
+                              <a:latin typeface="Cambria Math" panose="02040503050406030204" pitchFamily="18" charset="0"/>
+                            </a:rPr>
+                            <m:t>−</m:t>
+                          </m:r>
+                          <m:r>
+                            <a:rPr lang="en-US" altLang="zh-CN" sz="2400" b="0" i="1" smtClean="0">
+                              <a:solidFill>
+                                <a:schemeClr val="tx1">
+                                  <a:lumMod val="65000"/>
+                                  <a:lumOff val="35000"/>
+                                </a:schemeClr>
+                              </a:solidFill>
+                              <a:latin typeface="Cambria Math" panose="02040503050406030204" pitchFamily="18" charset="0"/>
+                            </a:rPr>
+                            <m:t>𝑝</m:t>
+                          </m:r>
+                        </m:sup>
+                      </m:sSubSup>
+                      <m:r>
+                        <a:rPr lang="en-US" altLang="zh-CN" sz="2400" b="0" i="1" smtClean="0">
+                          <a:solidFill>
+                            <a:schemeClr val="tx1">
+                              <a:lumMod val="65000"/>
+                              <a:lumOff val="35000"/>
+                            </a:schemeClr>
+                          </a:solidFill>
+                          <a:latin typeface="Cambria Math" panose="02040503050406030204" pitchFamily="18" charset="0"/>
+                        </a:rPr>
+                        <m:t>|</m:t>
+                      </m:r>
+                    </m:oMath>
+                  </m:oMathPara>
+                </a14:m>
+                <a:endParaRPr lang="zh-CN" altLang="en-US" sz="2400" dirty="0">
+                  <a:solidFill>
+                    <a:schemeClr val="tx1">
+                      <a:lumMod val="65000"/>
+                      <a:lumOff val="35000"/>
+                    </a:schemeClr>
+                  </a:solidFill>
+                </a:endParaRPr>
+              </a:p>
+            </p:txBody>
+          </p:sp>
+        </mc:Choice>
+        <mc:Fallback xmlns="">
+          <p:sp>
+            <p:nvSpPr>
+              <p:cNvPr id="22" name="文本框 21">
+                <a:extLst>
+                  <a:ext uri="{FF2B5EF4-FFF2-40B4-BE49-F238E27FC236}">
+                    <a16:creationId xmlns:a16="http://schemas.microsoft.com/office/drawing/2014/main" id="{8A2F78F4-8D0B-4737-ACC4-7CBBFA5E63E5}"/>
+                  </a:ext>
+                </a:extLst>
+              </p:cNvPr>
+              <p:cNvSpPr txBox="1">
+                <a:spLocks noRot="1" noChangeAspect="1" noMove="1" noResize="1" noEditPoints="1" noAdjustHandles="1" noChangeArrowheads="1" noChangeShapeType="1" noTextEdit="1"/>
+              </p:cNvSpPr>
+              <p:nvPr/>
+            </p:nvSpPr>
+            <p:spPr>
+              <a:xfrm>
+                <a:off x="5148048" y="3454473"/>
+                <a:ext cx="3273012" cy="391389"/>
+              </a:xfrm>
+              <a:prstGeom prst="rect">
+                <a:avLst/>
+              </a:prstGeom>
+              <a:blipFill>
+                <a:blip r:embed="rId7"/>
+                <a:stretch>
+                  <a:fillRect/>
+                </a:stretch>
+              </a:blipFill>
+            </p:spPr>
+            <p:txBody>
+              <a:bodyPr/>
+              <a:lstStyle/>
+              <a:p>
+                <a:r>
+                  <a:rPr lang="zh-CN" altLang="en-US">
+                    <a:noFill/>
+                  </a:rPr>
+                  <a:t> </a:t>
+                </a:r>
+              </a:p>
+            </p:txBody>
+          </p:sp>
+        </mc:Fallback>
+      </mc:AlternateContent>
+    </p:spTree>
+    <p:extLst>
+      <p:ext uri="{BB962C8B-B14F-4D97-AF65-F5344CB8AC3E}">
+        <p14:creationId xmlns:p14="http://schemas.microsoft.com/office/powerpoint/2010/main" val="247091114"/>
+      </p:ext>
+    </p:extLst>
+  </p:cSld>
+  <p:clrMapOvr>
+    <a:masterClrMapping/>
+  </p:clrMapOvr>
+</p:sld>
+</file>
+
+<file path=ppt/slides/slide22.xml><?xml version="1.0" encoding="utf-8"?>
+<p:sld xmlns:a="http://schemas.openxmlformats.org/drawingml/2006/main" xmlns:r="http://schemas.openxmlformats.org/officeDocument/2006/relationships" xmlns:p="http://schemas.openxmlformats.org/presentationml/2006/main">
+  <p:cSld>
+    <p:spTree>
+      <p:nvGrpSpPr>
+        <p:cNvPr id="1" name=""/>
+        <p:cNvGrpSpPr/>
+        <p:nvPr/>
+      </p:nvGrpSpPr>
+      <p:grpSpPr>
+        <a:xfrm>
+          <a:off x="0" y="0"/>
+          <a:ext cx="0" cy="0"/>
+          <a:chOff x="0" y="0"/>
+          <a:chExt cx="0" cy="0"/>
+        </a:xfrm>
+      </p:grpSpPr>
+      <p:pic>
+        <p:nvPicPr>
+          <p:cNvPr id="3074" name="Picture 2">
+            <a:extLst>
+              <a:ext uri="{FF2B5EF4-FFF2-40B4-BE49-F238E27FC236}">
+                <a16:creationId xmlns:a16="http://schemas.microsoft.com/office/drawing/2014/main" id="{602C339E-BA86-4A21-AB6C-4F6D8491BC39}"/>
+              </a:ext>
+            </a:extLst>
+          </p:cNvPr>
+          <p:cNvPicPr>
+            <a:picLocks noChangeAspect="1" noChangeArrowheads="1"/>
+          </p:cNvPicPr>
+          <p:nvPr/>
+        </p:nvPicPr>
+        <p:blipFill>
+          <a:blip r:embed="rId2">
+            <a:extLst>
+              <a:ext uri="{28A0092B-C50C-407E-A947-70E740481C1C}">
+                <a14:useLocalDpi xmlns:a14="http://schemas.microsoft.com/office/drawing/2010/main" val="0"/>
+              </a:ext>
+            </a:extLst>
+          </a:blip>
+          <a:srcRect/>
+          <a:stretch>
+            <a:fillRect/>
+          </a:stretch>
+        </p:blipFill>
+        <p:spPr bwMode="auto">
+          <a:xfrm>
+            <a:off x="7956550" y="4606925"/>
+            <a:ext cx="1081088" cy="450850"/>
+          </a:xfrm>
+          <a:prstGeom prst="rect">
+            <a:avLst/>
+          </a:prstGeom>
+          <a:noFill/>
+          <a:ln>
+            <a:noFill/>
+          </a:ln>
+          <a:effectLst/>
+          <a:extLst>
+            <a:ext uri="{909E8E84-426E-40DD-AFC4-6F175D3DCCD1}">
+              <a14:hiddenFill xmlns:a14="http://schemas.microsoft.com/office/drawing/2010/main">
+                <a:solidFill>
+                  <a:srgbClr val="FFFFFF"/>
+                </a:solidFill>
+              </a14:hiddenFill>
+            </a:ext>
+            <a:ext uri="{91240B29-F687-4F45-9708-019B960494DF}">
+              <a14:hiddenLine xmlns:a14="http://schemas.microsoft.com/office/drawing/2010/main" w="9525">
+                <a:solidFill>
+                  <a:srgbClr val="000000"/>
+                </a:solidFill>
+                <a:miter lim="800000"/>
+                <a:headEnd/>
+                <a:tailEnd/>
+              </a14:hiddenLine>
+            </a:ext>
+            <a:ext uri="{AF507438-7753-43E0-B8FC-AC1667EBCBE1}">
+              <a14:hiddenEffects xmlns:a14="http://schemas.microsoft.com/office/drawing/2010/main">
+                <a:effectLst>
+                  <a:outerShdw dist="35921" dir="2700000" algn="ctr" rotWithShape="0">
+                    <a:srgbClr val="808080"/>
+                  </a:outerShdw>
+                </a:effectLst>
+              </a14:hiddenEffects>
+            </a:ext>
+          </a:extLst>
+        </p:spPr>
+      </p:pic>
+      <p:sp>
+        <p:nvSpPr>
+          <p:cNvPr id="3075" name="Title 1">
+            <a:extLst>
+              <a:ext uri="{FF2B5EF4-FFF2-40B4-BE49-F238E27FC236}">
+                <a16:creationId xmlns:a16="http://schemas.microsoft.com/office/drawing/2014/main" id="{666E1B67-1175-4598-AA77-794FC6629051}"/>
+              </a:ext>
+            </a:extLst>
+          </p:cNvPr>
+          <p:cNvSpPr>
+            <a:spLocks noGrp="1" noChangeArrowheads="1"/>
+          </p:cNvSpPr>
+          <p:nvPr>
+            <p:ph type="title"/>
+          </p:nvPr>
+        </p:nvSpPr>
+        <p:spPr bwMode="auto">
+          <a:xfrm>
+            <a:off x="457200" y="123825"/>
+            <a:ext cx="8229600" cy="711200"/>
+          </a:xfrm>
+          <a:noFill/>
+          <a:extLst>
+            <a:ext uri="{909E8E84-426E-40DD-AFC4-6F175D3DCCD1}">
+              <a14:hiddenFill xmlns:a14="http://schemas.microsoft.com/office/drawing/2010/main">
+                <a:solidFill>
+                  <a:srgbClr val="FFFFFF"/>
+                </a:solidFill>
+              </a14:hiddenFill>
+            </a:ext>
+            <a:ext uri="{91240B29-F687-4F45-9708-019B960494DF}">
+              <a14:hiddenLine xmlns:a14="http://schemas.microsoft.com/office/drawing/2010/main" w="9525">
+                <a:solidFill>
+                  <a:srgbClr val="000000"/>
+                </a:solidFill>
+                <a:miter lim="800000"/>
+                <a:headEnd/>
+                <a:tailEnd/>
+              </a14:hiddenLine>
+            </a:ext>
+          </a:extLst>
+        </p:spPr>
+        <p:txBody>
+          <a:bodyPr vert="horz" wrap="square" lIns="91440" tIns="45720" rIns="91440" bIns="45720" numCol="1" anchor="t" anchorCtr="0" compatLnSpc="1">
+            <a:prstTxWarp prst="textNoShape">
+              <a:avLst/>
+            </a:prstTxWarp>
+          </a:bodyPr>
+          <a:lstStyle/>
+          <a:p>
+            <a:pPr algn="l" eaLnBrk="1" hangingPunct="1"/>
+            <a:r>
+              <a:rPr lang="zh-CN" altLang="en-US" dirty="0">
+                <a:solidFill>
+                  <a:srgbClr val="C00000"/>
+                </a:solidFill>
+                <a:latin typeface="微软雅黑 Light" panose="020B0502040204020203" pitchFamily="34" charset="-122"/>
+                <a:ea typeface="微软雅黑 Light" panose="020B0502040204020203" pitchFamily="34" charset="-122"/>
+              </a:rPr>
+              <a:t>练习</a:t>
+            </a:r>
+            <a:endParaRPr lang="en-US" altLang="zh-CN" dirty="0">
+              <a:solidFill>
+                <a:srgbClr val="C00000"/>
+              </a:solidFill>
+              <a:latin typeface="微软雅黑 Light" panose="020B0502040204020203" pitchFamily="34" charset="-122"/>
+              <a:ea typeface="微软雅黑 Light" panose="020B0502040204020203" pitchFamily="34" charset="-122"/>
+            </a:endParaRPr>
+          </a:p>
+        </p:txBody>
+      </p:sp>
+      <p:sp>
+        <p:nvSpPr>
+          <p:cNvPr id="4" name="Content Placeholder 3">
+            <a:extLst>
+              <a:ext uri="{FF2B5EF4-FFF2-40B4-BE49-F238E27FC236}">
+                <a16:creationId xmlns:a16="http://schemas.microsoft.com/office/drawing/2014/main" id="{368B2D2E-6A5C-4FE0-91BB-6CC0CC9AEF62}"/>
+              </a:ext>
+            </a:extLst>
+          </p:cNvPr>
+          <p:cNvSpPr txBox="1">
+            <a:spLocks/>
+          </p:cNvSpPr>
+          <p:nvPr/>
+        </p:nvSpPr>
+        <p:spPr>
+          <a:xfrm>
+            <a:off x="457200" y="1131888"/>
+            <a:ext cx="8229600" cy="3925887"/>
+          </a:xfrm>
+          <a:prstGeom prst="rect">
+            <a:avLst/>
+          </a:prstGeom>
+        </p:spPr>
+        <p:txBody>
+          <a:bodyPr/>
+          <a:lstStyle>
+            <a:lvl1pPr marL="342900" indent="-342900" algn="l" rtl="0" fontAlgn="base">
+              <a:spcBef>
+                <a:spcPct val="20000"/>
+              </a:spcBef>
+              <a:spcAft>
+                <a:spcPct val="0"/>
+              </a:spcAft>
+              <a:buFont typeface="Arial" panose="020B0604020202020204" pitchFamily="34" charset="0"/>
+              <a:buChar char="•"/>
+              <a:defRPr sz="3200" kern="1200">
+                <a:solidFill>
+                  <a:schemeClr val="tx1"/>
+                </a:solidFill>
+                <a:latin typeface="+mn-lt"/>
+                <a:ea typeface="+mn-ea"/>
+                <a:cs typeface="+mn-cs"/>
+                <a:sym typeface="Calibri" panose="020F0502020204030204" pitchFamily="34" charset="0"/>
+              </a:defRPr>
+            </a:lvl1pPr>
+            <a:lvl2pPr marL="742950" indent="-285750" algn="l" rtl="0" fontAlgn="base">
+              <a:spcBef>
+                <a:spcPct val="20000"/>
+              </a:spcBef>
+              <a:spcAft>
+                <a:spcPct val="0"/>
+              </a:spcAft>
+              <a:buFont typeface="Arial" panose="020B0604020202020204" pitchFamily="34" charset="0"/>
+              <a:buChar char="–"/>
+              <a:defRPr sz="2800" kern="1200">
+                <a:solidFill>
+                  <a:schemeClr val="tx1"/>
+                </a:solidFill>
+                <a:latin typeface="+mn-lt"/>
+                <a:ea typeface="+mn-ea"/>
+                <a:cs typeface="+mn-cs"/>
+                <a:sym typeface="Calibri" panose="020F0502020204030204" pitchFamily="34" charset="0"/>
+              </a:defRPr>
+            </a:lvl2pPr>
+            <a:lvl3pPr marL="1143000" indent="-228600" algn="l" rtl="0" fontAlgn="base">
+              <a:spcBef>
+                <a:spcPct val="20000"/>
+              </a:spcBef>
+              <a:spcAft>
+                <a:spcPct val="0"/>
+              </a:spcAft>
+              <a:buFont typeface="Arial" panose="020B0604020202020204" pitchFamily="34" charset="0"/>
+              <a:buChar char="•"/>
+              <a:defRPr sz="2400" kern="1200">
+                <a:solidFill>
+                  <a:schemeClr val="tx1"/>
+                </a:solidFill>
+                <a:latin typeface="+mn-lt"/>
+                <a:ea typeface="+mn-ea"/>
+                <a:cs typeface="+mn-cs"/>
+                <a:sym typeface="Calibri" panose="020F0502020204030204" pitchFamily="34" charset="0"/>
+              </a:defRPr>
+            </a:lvl3pPr>
+            <a:lvl4pPr marL="1600200" indent="-228600" algn="l" rtl="0" fontAlgn="base">
+              <a:spcBef>
+                <a:spcPct val="20000"/>
+              </a:spcBef>
+              <a:spcAft>
+                <a:spcPct val="0"/>
+              </a:spcAft>
+              <a:buFont typeface="Arial" panose="020B0604020202020204" pitchFamily="34" charset="0"/>
+              <a:buChar char="–"/>
+              <a:defRPr sz="2000" kern="1200">
+                <a:solidFill>
+                  <a:schemeClr val="tx1"/>
+                </a:solidFill>
+                <a:latin typeface="+mn-lt"/>
+                <a:ea typeface="+mn-ea"/>
+                <a:cs typeface="+mn-cs"/>
+                <a:sym typeface="Calibri" panose="020F0502020204030204" pitchFamily="34" charset="0"/>
+              </a:defRPr>
+            </a:lvl4pPr>
+            <a:lvl5pPr marL="2057400" indent="-228600" algn="l" rtl="0" fontAlgn="base">
+              <a:spcBef>
+                <a:spcPct val="20000"/>
+              </a:spcBef>
+              <a:spcAft>
+                <a:spcPct val="0"/>
+              </a:spcAft>
+              <a:buFont typeface="Arial" panose="020B0604020202020204" pitchFamily="34" charset="0"/>
+              <a:buChar char="»"/>
+              <a:defRPr sz="2000" kern="1200">
+                <a:solidFill>
+                  <a:schemeClr val="tx1"/>
+                </a:solidFill>
+                <a:latin typeface="+mn-lt"/>
+                <a:ea typeface="+mn-ea"/>
+                <a:cs typeface="+mn-cs"/>
+                <a:sym typeface="Calibri" panose="020F0502020204030204" pitchFamily="34" charset="0"/>
+              </a:defRPr>
+            </a:lvl5pPr>
+            <a:lvl6pPr marL="2514600" indent="-228600" algn="l" defTabSz="914400" rtl="0" eaLnBrk="1" latinLnBrk="0" hangingPunct="1">
+              <a:lnSpc>
+                <a:spcPct val="90000"/>
+              </a:lnSpc>
+              <a:spcBef>
+                <a:spcPts val="500"/>
+              </a:spcBef>
+              <a:buFont typeface="Arial" panose="020B0604020202020204" pitchFamily="34" charset="0"/>
+              <a:buChar char="•"/>
+              <a:defRPr sz="1800" kern="1200">
+                <a:solidFill>
+                  <a:schemeClr val="tx1"/>
+                </a:solidFill>
+                <a:latin typeface="+mn-lt"/>
+                <a:ea typeface="+mn-ea"/>
+                <a:cs typeface="+mn-cs"/>
+              </a:defRPr>
+            </a:lvl6pPr>
+            <a:lvl7pPr marL="2971800" indent="-228600" algn="l" defTabSz="914400" rtl="0" eaLnBrk="1" latinLnBrk="0" hangingPunct="1">
+              <a:lnSpc>
+                <a:spcPct val="90000"/>
+              </a:lnSpc>
+              <a:spcBef>
+                <a:spcPts val="500"/>
+              </a:spcBef>
+              <a:buFont typeface="Arial" panose="020B0604020202020204" pitchFamily="34" charset="0"/>
+              <a:buChar char="•"/>
+              <a:defRPr sz="1800" kern="1200">
+                <a:solidFill>
+                  <a:schemeClr val="tx1"/>
+                </a:solidFill>
+                <a:latin typeface="+mn-lt"/>
+                <a:ea typeface="+mn-ea"/>
+                <a:cs typeface="+mn-cs"/>
+              </a:defRPr>
+            </a:lvl7pPr>
+            <a:lvl8pPr marL="3429000" indent="-228600" algn="l" defTabSz="914400" rtl="0" eaLnBrk="1" latinLnBrk="0" hangingPunct="1">
+              <a:lnSpc>
+                <a:spcPct val="90000"/>
+              </a:lnSpc>
+              <a:spcBef>
+                <a:spcPts val="500"/>
+              </a:spcBef>
+              <a:buFont typeface="Arial" panose="020B0604020202020204" pitchFamily="34" charset="0"/>
+              <a:buChar char="•"/>
+              <a:defRPr sz="1800" kern="1200">
+                <a:solidFill>
+                  <a:schemeClr val="tx1"/>
+                </a:solidFill>
+                <a:latin typeface="+mn-lt"/>
+                <a:ea typeface="+mn-ea"/>
+                <a:cs typeface="+mn-cs"/>
+              </a:defRPr>
+            </a:lvl8pPr>
+            <a:lvl9pPr marL="3886200" indent="-228600" algn="l" defTabSz="914400" rtl="0" eaLnBrk="1" latinLnBrk="0" hangingPunct="1">
+              <a:lnSpc>
+                <a:spcPct val="90000"/>
+              </a:lnSpc>
+              <a:spcBef>
+                <a:spcPts val="500"/>
+              </a:spcBef>
+              <a:buFont typeface="Arial" panose="020B0604020202020204" pitchFamily="34" charset="0"/>
+              <a:buChar char="•"/>
+              <a:defRPr sz="1800" kern="1200">
+                <a:solidFill>
+                  <a:schemeClr val="tx1"/>
+                </a:solidFill>
+                <a:latin typeface="+mn-lt"/>
+                <a:ea typeface="+mn-ea"/>
+                <a:cs typeface="+mn-cs"/>
+              </a:defRPr>
+            </a:lvl9pPr>
+          </a:lstStyle>
+          <a:p>
+            <a:pPr>
+              <a:lnSpc>
+                <a:spcPct val="150000"/>
+              </a:lnSpc>
+            </a:pPr>
+            <a:r>
+              <a:rPr lang="zh-CN" altLang="en-US" sz="2800" dirty="0">
+                <a:solidFill>
+                  <a:schemeClr val="tx1">
+                    <a:lumMod val="65000"/>
+                    <a:lumOff val="35000"/>
+                  </a:schemeClr>
+                </a:solidFill>
+                <a:latin typeface="微软雅黑 Light" panose="020B0502040204020203" pitchFamily="34" charset="-122"/>
+                <a:ea typeface="微软雅黑 Light" panose="020B0502040204020203" pitchFamily="34" charset="-122"/>
+              </a:rPr>
+              <a:t>创建</a:t>
+            </a:r>
+            <a:r>
+              <a:rPr lang="en-US" altLang="zh-CN" sz="2800" dirty="0" err="1">
+                <a:solidFill>
+                  <a:schemeClr val="tx1">
+                    <a:lumMod val="65000"/>
+                    <a:lumOff val="35000"/>
+                  </a:schemeClr>
+                </a:solidFill>
+                <a:latin typeface="微软雅黑 Light" panose="020B0502040204020203" pitchFamily="34" charset="-122"/>
+                <a:ea typeface="微软雅黑 Light" panose="020B0502040204020203" pitchFamily="34" charset="-122"/>
+              </a:rPr>
+              <a:t>GPlane</a:t>
+            </a:r>
+            <a:r>
+              <a:rPr lang="zh-CN" altLang="en-US" sz="2800" dirty="0">
+                <a:solidFill>
+                  <a:schemeClr val="tx1">
+                    <a:lumMod val="65000"/>
+                    <a:lumOff val="35000"/>
+                  </a:schemeClr>
+                </a:solidFill>
+                <a:latin typeface="微软雅黑 Light" panose="020B0502040204020203" pitchFamily="34" charset="-122"/>
+                <a:ea typeface="微软雅黑 Light" panose="020B0502040204020203" pitchFamily="34" charset="-122"/>
+              </a:rPr>
+              <a:t>类</a:t>
+            </a:r>
+            <a:endParaRPr lang="en-US" altLang="zh-CN" sz="2800" dirty="0">
+              <a:solidFill>
+                <a:schemeClr val="tx1">
+                  <a:lumMod val="65000"/>
+                  <a:lumOff val="35000"/>
+                </a:schemeClr>
+              </a:solidFill>
+              <a:latin typeface="微软雅黑 Light" panose="020B0502040204020203" pitchFamily="34" charset="-122"/>
+              <a:ea typeface="微软雅黑 Light" panose="020B0502040204020203" pitchFamily="34" charset="-122"/>
+            </a:endParaRPr>
+          </a:p>
+          <a:p>
+            <a:pPr lvl="1">
+              <a:lnSpc>
+                <a:spcPct val="150000"/>
+              </a:lnSpc>
+            </a:pPr>
+            <a:r>
+              <a:rPr lang="zh-CN" altLang="en-US" sz="2400" dirty="0">
+                <a:solidFill>
+                  <a:schemeClr val="tx1">
+                    <a:lumMod val="65000"/>
+                    <a:lumOff val="35000"/>
+                  </a:schemeClr>
+                </a:solidFill>
+                <a:latin typeface="微软雅黑 Light" panose="020B0502040204020203" pitchFamily="34" charset="-122"/>
+                <a:ea typeface="微软雅黑 Light" panose="020B0502040204020203" pitchFamily="34" charset="-122"/>
+              </a:rPr>
+              <a:t>构造函数</a:t>
+            </a:r>
+            <a:endParaRPr lang="en-US" altLang="zh-CN" sz="2400" dirty="0">
+              <a:solidFill>
+                <a:schemeClr val="tx1">
+                  <a:lumMod val="65000"/>
+                  <a:lumOff val="35000"/>
+                </a:schemeClr>
+              </a:solidFill>
+              <a:latin typeface="微软雅黑 Light" panose="020B0502040204020203" pitchFamily="34" charset="-122"/>
+              <a:ea typeface="微软雅黑 Light" panose="020B0502040204020203" pitchFamily="34" charset="-122"/>
+            </a:endParaRPr>
+          </a:p>
+          <a:p>
+            <a:pPr lvl="1">
+              <a:lnSpc>
+                <a:spcPct val="150000"/>
+              </a:lnSpc>
+            </a:pPr>
+            <a:r>
+              <a:rPr lang="en-US" altLang="zh-CN" sz="2400" dirty="0">
+                <a:solidFill>
+                  <a:schemeClr val="tx1">
+                    <a:lumMod val="65000"/>
+                    <a:lumOff val="35000"/>
+                  </a:schemeClr>
+                </a:solidFill>
+                <a:latin typeface="微软雅黑 Light" panose="020B0502040204020203" pitchFamily="34" charset="-122"/>
+                <a:ea typeface="微软雅黑 Light" panose="020B0502040204020203" pitchFamily="34" charset="-122"/>
+              </a:rPr>
+              <a:t>Operator =</a:t>
+            </a:r>
+          </a:p>
+          <a:p>
+            <a:pPr lvl="1">
+              <a:lnSpc>
+                <a:spcPct val="150000"/>
+              </a:lnSpc>
+            </a:pPr>
+            <a:r>
+              <a:rPr lang="en-US" altLang="zh-CN" sz="2400" dirty="0" err="1">
+                <a:solidFill>
+                  <a:schemeClr val="tx1">
+                    <a:lumMod val="65000"/>
+                    <a:lumOff val="35000"/>
+                  </a:schemeClr>
+                </a:solidFill>
+                <a:latin typeface="微软雅黑 Light" panose="020B0502040204020203" pitchFamily="34" charset="-122"/>
+                <a:ea typeface="微软雅黑 Light" panose="020B0502040204020203" pitchFamily="34" charset="-122"/>
+              </a:rPr>
+              <a:t>GetNormal</a:t>
+            </a:r>
+            <a:r>
+              <a:rPr lang="en-US" altLang="zh-CN" sz="2400" dirty="0">
+                <a:solidFill>
+                  <a:schemeClr val="tx1">
+                    <a:lumMod val="65000"/>
+                    <a:lumOff val="35000"/>
+                  </a:schemeClr>
+                </a:solidFill>
+                <a:latin typeface="微软雅黑 Light" panose="020B0502040204020203" pitchFamily="34" charset="-122"/>
+                <a:ea typeface="微软雅黑 Light" panose="020B0502040204020203" pitchFamily="34" charset="-122"/>
+              </a:rPr>
+              <a:t>(</a:t>
+            </a:r>
+            <a:r>
+              <a:rPr lang="zh-CN" altLang="en-US" sz="2400" dirty="0">
+                <a:solidFill>
+                  <a:schemeClr val="tx1">
+                    <a:lumMod val="65000"/>
+                    <a:lumOff val="35000"/>
+                  </a:schemeClr>
+                </a:solidFill>
+                <a:latin typeface="微软雅黑 Light" panose="020B0502040204020203" pitchFamily="34" charset="-122"/>
+                <a:ea typeface="微软雅黑 Light" panose="020B0502040204020203" pitchFamily="34" charset="-122"/>
+              </a:rPr>
+              <a:t>）</a:t>
+            </a:r>
+            <a:endParaRPr lang="en-US" altLang="zh-CN" sz="2400" dirty="0">
+              <a:solidFill>
+                <a:schemeClr val="tx1">
+                  <a:lumMod val="65000"/>
+                  <a:lumOff val="35000"/>
+                </a:schemeClr>
+              </a:solidFill>
+              <a:latin typeface="微软雅黑 Light" panose="020B0502040204020203" pitchFamily="34" charset="-122"/>
+              <a:ea typeface="微软雅黑 Light" panose="020B0502040204020203" pitchFamily="34" charset="-122"/>
+            </a:endParaRPr>
+          </a:p>
+          <a:p>
+            <a:pPr lvl="1">
+              <a:lnSpc>
+                <a:spcPct val="150000"/>
+              </a:lnSpc>
+            </a:pPr>
+            <a:r>
+              <a:rPr lang="zh-CN" altLang="en-US" sz="2400" dirty="0">
+                <a:solidFill>
+                  <a:schemeClr val="tx1">
+                    <a:lumMod val="65000"/>
+                    <a:lumOff val="35000"/>
+                  </a:schemeClr>
+                </a:solidFill>
+                <a:latin typeface="微软雅黑 Light" panose="020B0502040204020203" pitchFamily="34" charset="-122"/>
+                <a:ea typeface="微软雅黑 Light" panose="020B0502040204020203" pitchFamily="34" charset="-122"/>
+              </a:rPr>
+              <a:t>点到平面距离</a:t>
+            </a:r>
+            <a:endParaRPr lang="en-US" altLang="zh-CN" sz="2400" dirty="0">
+              <a:solidFill>
+                <a:schemeClr val="tx1">
+                  <a:lumMod val="65000"/>
+                  <a:lumOff val="35000"/>
+                </a:schemeClr>
+              </a:solidFill>
+              <a:latin typeface="微软雅黑 Light" panose="020B0502040204020203" pitchFamily="34" charset="-122"/>
+              <a:ea typeface="微软雅黑 Light" panose="020B0502040204020203" pitchFamily="34" charset="-122"/>
+            </a:endParaRPr>
+          </a:p>
+        </p:txBody>
+      </p:sp>
+    </p:spTree>
+    <p:extLst>
+      <p:ext uri="{BB962C8B-B14F-4D97-AF65-F5344CB8AC3E}">
+        <p14:creationId xmlns:p14="http://schemas.microsoft.com/office/powerpoint/2010/main" val="2830567720"/>
+      </p:ext>
+    </p:extLst>
+  </p:cSld>
+  <p:clrMapOvr>
+    <a:masterClrMapping/>
+  </p:clrMapOvr>
+</p:sld>
+</file>
+
+<file path=ppt/slides/slide23.xml><?xml version="1.0" encoding="utf-8"?>
+<p:sld xmlns:a="http://schemas.openxmlformats.org/drawingml/2006/main" xmlns:r="http://schemas.openxmlformats.org/officeDocument/2006/relationships" xmlns:p="http://schemas.openxmlformats.org/presentationml/2006/main">
+  <p:cSld>
+    <p:spTree>
+      <p:nvGrpSpPr>
+        <p:cNvPr id="1" name=""/>
+        <p:cNvGrpSpPr/>
+        <p:nvPr/>
+      </p:nvGrpSpPr>
+      <p:grpSpPr>
+        <a:xfrm>
+          <a:off x="0" y="0"/>
+          <a:ext cx="0" cy="0"/>
+          <a:chOff x="0" y="0"/>
+          <a:chExt cx="0" cy="0"/>
+        </a:xfrm>
+      </p:grpSpPr>
+      <p:pic>
+        <p:nvPicPr>
           <p:cNvPr id="8194" name="Picture 2" descr="D:\work\CSDN学院ppt\5.jpg">
             <a:extLst>
               <a:ext uri="{FF2B5EF4-FFF2-40B4-BE49-F238E27FC236}">
@@ -22386,580 +26219,6 @@
         </p:spPr>
       </p:pic>
     </p:spTree>
-  </p:cSld>
-  <p:clrMapOvr>
-    <a:masterClrMapping/>
-  </p:clrMapOvr>
-</p:sld>
-</file>
-
-<file path=ppt/slides/slide2.xml><?xml version="1.0" encoding="utf-8"?>
-<p:sld xmlns:a="http://schemas.openxmlformats.org/drawingml/2006/main" xmlns:r="http://schemas.openxmlformats.org/officeDocument/2006/relationships" xmlns:p="http://schemas.openxmlformats.org/presentationml/2006/main">
-  <p:cSld>
-    <p:spTree>
-      <p:nvGrpSpPr>
-        <p:cNvPr id="1" name=""/>
-        <p:cNvGrpSpPr/>
-        <p:nvPr/>
-      </p:nvGrpSpPr>
-      <p:grpSpPr>
-        <a:xfrm>
-          <a:off x="0" y="0"/>
-          <a:ext cx="0" cy="0"/>
-          <a:chOff x="0" y="0"/>
-          <a:chExt cx="0" cy="0"/>
-        </a:xfrm>
-      </p:grpSpPr>
-      <p:pic>
-        <p:nvPicPr>
-          <p:cNvPr id="3074" name="Picture 2">
-            <a:extLst>
-              <a:ext uri="{FF2B5EF4-FFF2-40B4-BE49-F238E27FC236}">
-                <a16:creationId xmlns:a16="http://schemas.microsoft.com/office/drawing/2014/main" id="{602C339E-BA86-4A21-AB6C-4F6D8491BC39}"/>
-              </a:ext>
-            </a:extLst>
-          </p:cNvPr>
-          <p:cNvPicPr>
-            <a:picLocks noChangeAspect="1" noChangeArrowheads="1"/>
-          </p:cNvPicPr>
-          <p:nvPr/>
-        </p:nvPicPr>
-        <p:blipFill>
-          <a:blip r:embed="rId2">
-            <a:extLst>
-              <a:ext uri="{28A0092B-C50C-407E-A947-70E740481C1C}">
-                <a14:useLocalDpi xmlns:a14="http://schemas.microsoft.com/office/drawing/2010/main" val="0"/>
-              </a:ext>
-            </a:extLst>
-          </a:blip>
-          <a:srcRect/>
-          <a:stretch>
-            <a:fillRect/>
-          </a:stretch>
-        </p:blipFill>
-        <p:spPr bwMode="auto">
-          <a:xfrm>
-            <a:off x="7956550" y="4606925"/>
-            <a:ext cx="1081088" cy="450850"/>
-          </a:xfrm>
-          <a:prstGeom prst="rect">
-            <a:avLst/>
-          </a:prstGeom>
-          <a:noFill/>
-          <a:ln>
-            <a:noFill/>
-          </a:ln>
-          <a:effectLst/>
-          <a:extLst>
-            <a:ext uri="{909E8E84-426E-40DD-AFC4-6F175D3DCCD1}">
-              <a14:hiddenFill xmlns:a14="http://schemas.microsoft.com/office/drawing/2010/main">
-                <a:solidFill>
-                  <a:srgbClr val="FFFFFF"/>
-                </a:solidFill>
-              </a14:hiddenFill>
-            </a:ext>
-            <a:ext uri="{91240B29-F687-4F45-9708-019B960494DF}">
-              <a14:hiddenLine xmlns:a14="http://schemas.microsoft.com/office/drawing/2010/main" w="9525">
-                <a:solidFill>
-                  <a:srgbClr val="000000"/>
-                </a:solidFill>
-                <a:miter lim="800000"/>
-                <a:headEnd/>
-                <a:tailEnd/>
-              </a14:hiddenLine>
-            </a:ext>
-            <a:ext uri="{AF507438-7753-43E0-B8FC-AC1667EBCBE1}">
-              <a14:hiddenEffects xmlns:a14="http://schemas.microsoft.com/office/drawing/2010/main">
-                <a:effectLst>
-                  <a:outerShdw dist="35921" dir="2700000" algn="ctr" rotWithShape="0">
-                    <a:srgbClr val="808080"/>
-                  </a:outerShdw>
-                </a:effectLst>
-              </a14:hiddenEffects>
-            </a:ext>
-          </a:extLst>
-        </p:spPr>
-      </p:pic>
-      <p:sp>
-        <p:nvSpPr>
-          <p:cNvPr id="3075" name="Title 1">
-            <a:extLst>
-              <a:ext uri="{FF2B5EF4-FFF2-40B4-BE49-F238E27FC236}">
-                <a16:creationId xmlns:a16="http://schemas.microsoft.com/office/drawing/2014/main" id="{666E1B67-1175-4598-AA77-794FC6629051}"/>
-              </a:ext>
-            </a:extLst>
-          </p:cNvPr>
-          <p:cNvSpPr>
-            <a:spLocks noGrp="1" noChangeArrowheads="1"/>
-          </p:cNvSpPr>
-          <p:nvPr>
-            <p:ph type="title"/>
-          </p:nvPr>
-        </p:nvSpPr>
-        <p:spPr bwMode="auto">
-          <a:xfrm>
-            <a:off x="457200" y="123825"/>
-            <a:ext cx="8229600" cy="711200"/>
-          </a:xfrm>
-          <a:noFill/>
-          <a:extLst>
-            <a:ext uri="{909E8E84-426E-40DD-AFC4-6F175D3DCCD1}">
-              <a14:hiddenFill xmlns:a14="http://schemas.microsoft.com/office/drawing/2010/main">
-                <a:solidFill>
-                  <a:srgbClr val="FFFFFF"/>
-                </a:solidFill>
-              </a14:hiddenFill>
-            </a:ext>
-            <a:ext uri="{91240B29-F687-4F45-9708-019B960494DF}">
-              <a14:hiddenLine xmlns:a14="http://schemas.microsoft.com/office/drawing/2010/main" w="9525">
-                <a:solidFill>
-                  <a:srgbClr val="000000"/>
-                </a:solidFill>
-                <a:miter lim="800000"/>
-                <a:headEnd/>
-                <a:tailEnd/>
-              </a14:hiddenLine>
-            </a:ext>
-          </a:extLst>
-        </p:spPr>
-        <p:txBody>
-          <a:bodyPr vert="horz" wrap="square" lIns="91440" tIns="45720" rIns="91440" bIns="45720" numCol="1" anchor="t" anchorCtr="0" compatLnSpc="1">
-            <a:prstTxWarp prst="textNoShape">
-              <a:avLst/>
-            </a:prstTxWarp>
-          </a:bodyPr>
-          <a:lstStyle/>
-          <a:p>
-            <a:pPr algn="l" eaLnBrk="1" hangingPunct="1"/>
-            <a:r>
-              <a:rPr lang="zh-CN" altLang="en-US" dirty="0">
-                <a:solidFill>
-                  <a:srgbClr val="C00000"/>
-                </a:solidFill>
-                <a:latin typeface="微软雅黑 Light" panose="020B0502040204020203" pitchFamily="34" charset="-122"/>
-                <a:ea typeface="微软雅黑 Light" panose="020B0502040204020203" pitchFamily="34" charset="-122"/>
-              </a:rPr>
-              <a:t>练习</a:t>
-            </a:r>
-            <a:endParaRPr lang="en-US" altLang="zh-CN" dirty="0">
-              <a:solidFill>
-                <a:srgbClr val="C00000"/>
-              </a:solidFill>
-              <a:latin typeface="微软雅黑 Light" panose="020B0502040204020203" pitchFamily="34" charset="-122"/>
-              <a:ea typeface="微软雅黑 Light" panose="020B0502040204020203" pitchFamily="34" charset="-122"/>
-            </a:endParaRPr>
-          </a:p>
-        </p:txBody>
-      </p:sp>
-      <p:sp>
-        <p:nvSpPr>
-          <p:cNvPr id="4" name="Content Placeholder 3">
-            <a:extLst>
-              <a:ext uri="{FF2B5EF4-FFF2-40B4-BE49-F238E27FC236}">
-                <a16:creationId xmlns:a16="http://schemas.microsoft.com/office/drawing/2014/main" id="{368B2D2E-6A5C-4FE0-91BB-6CC0CC9AEF62}"/>
-              </a:ext>
-            </a:extLst>
-          </p:cNvPr>
-          <p:cNvSpPr txBox="1">
-            <a:spLocks/>
-          </p:cNvSpPr>
-          <p:nvPr/>
-        </p:nvSpPr>
-        <p:spPr>
-          <a:xfrm>
-            <a:off x="457200" y="1131888"/>
-            <a:ext cx="8229600" cy="3925887"/>
-          </a:xfrm>
-          <a:prstGeom prst="rect">
-            <a:avLst/>
-          </a:prstGeom>
-        </p:spPr>
-        <p:txBody>
-          <a:bodyPr/>
-          <a:lstStyle>
-            <a:lvl1pPr marL="342900" indent="-342900" algn="l" rtl="0" fontAlgn="base">
-              <a:spcBef>
-                <a:spcPct val="20000"/>
-              </a:spcBef>
-              <a:spcAft>
-                <a:spcPct val="0"/>
-              </a:spcAft>
-              <a:buFont typeface="Arial" panose="020B0604020202020204" pitchFamily="34" charset="0"/>
-              <a:buChar char="•"/>
-              <a:defRPr sz="3200" kern="1200">
-                <a:solidFill>
-                  <a:schemeClr val="tx1"/>
-                </a:solidFill>
-                <a:latin typeface="+mn-lt"/>
-                <a:ea typeface="+mn-ea"/>
-                <a:cs typeface="+mn-cs"/>
-                <a:sym typeface="Calibri" panose="020F0502020204030204" pitchFamily="34" charset="0"/>
-              </a:defRPr>
-            </a:lvl1pPr>
-            <a:lvl2pPr marL="742950" indent="-285750" algn="l" rtl="0" fontAlgn="base">
-              <a:spcBef>
-                <a:spcPct val="20000"/>
-              </a:spcBef>
-              <a:spcAft>
-                <a:spcPct val="0"/>
-              </a:spcAft>
-              <a:buFont typeface="Arial" panose="020B0604020202020204" pitchFamily="34" charset="0"/>
-              <a:buChar char="–"/>
-              <a:defRPr sz="2800" kern="1200">
-                <a:solidFill>
-                  <a:schemeClr val="tx1"/>
-                </a:solidFill>
-                <a:latin typeface="+mn-lt"/>
-                <a:ea typeface="+mn-ea"/>
-                <a:cs typeface="+mn-cs"/>
-                <a:sym typeface="Calibri" panose="020F0502020204030204" pitchFamily="34" charset="0"/>
-              </a:defRPr>
-            </a:lvl2pPr>
-            <a:lvl3pPr marL="1143000" indent="-228600" algn="l" rtl="0" fontAlgn="base">
-              <a:spcBef>
-                <a:spcPct val="20000"/>
-              </a:spcBef>
-              <a:spcAft>
-                <a:spcPct val="0"/>
-              </a:spcAft>
-              <a:buFont typeface="Arial" panose="020B0604020202020204" pitchFamily="34" charset="0"/>
-              <a:buChar char="•"/>
-              <a:defRPr sz="2400" kern="1200">
-                <a:solidFill>
-                  <a:schemeClr val="tx1"/>
-                </a:solidFill>
-                <a:latin typeface="+mn-lt"/>
-                <a:ea typeface="+mn-ea"/>
-                <a:cs typeface="+mn-cs"/>
-                <a:sym typeface="Calibri" panose="020F0502020204030204" pitchFamily="34" charset="0"/>
-              </a:defRPr>
-            </a:lvl3pPr>
-            <a:lvl4pPr marL="1600200" indent="-228600" algn="l" rtl="0" fontAlgn="base">
-              <a:spcBef>
-                <a:spcPct val="20000"/>
-              </a:spcBef>
-              <a:spcAft>
-                <a:spcPct val="0"/>
-              </a:spcAft>
-              <a:buFont typeface="Arial" panose="020B0604020202020204" pitchFamily="34" charset="0"/>
-              <a:buChar char="–"/>
-              <a:defRPr sz="2000" kern="1200">
-                <a:solidFill>
-                  <a:schemeClr val="tx1"/>
-                </a:solidFill>
-                <a:latin typeface="+mn-lt"/>
-                <a:ea typeface="+mn-ea"/>
-                <a:cs typeface="+mn-cs"/>
-                <a:sym typeface="Calibri" panose="020F0502020204030204" pitchFamily="34" charset="0"/>
-              </a:defRPr>
-            </a:lvl4pPr>
-            <a:lvl5pPr marL="2057400" indent="-228600" algn="l" rtl="0" fontAlgn="base">
-              <a:spcBef>
-                <a:spcPct val="20000"/>
-              </a:spcBef>
-              <a:spcAft>
-                <a:spcPct val="0"/>
-              </a:spcAft>
-              <a:buFont typeface="Arial" panose="020B0604020202020204" pitchFamily="34" charset="0"/>
-              <a:buChar char="»"/>
-              <a:defRPr sz="2000" kern="1200">
-                <a:solidFill>
-                  <a:schemeClr val="tx1"/>
-                </a:solidFill>
-                <a:latin typeface="+mn-lt"/>
-                <a:ea typeface="+mn-ea"/>
-                <a:cs typeface="+mn-cs"/>
-                <a:sym typeface="Calibri" panose="020F0502020204030204" pitchFamily="34" charset="0"/>
-              </a:defRPr>
-            </a:lvl5pPr>
-            <a:lvl6pPr marL="2514600" indent="-228600" algn="l" defTabSz="914400" rtl="0" eaLnBrk="1" latinLnBrk="0" hangingPunct="1">
-              <a:lnSpc>
-                <a:spcPct val="90000"/>
-              </a:lnSpc>
-              <a:spcBef>
-                <a:spcPts val="500"/>
-              </a:spcBef>
-              <a:buFont typeface="Arial" panose="020B0604020202020204" pitchFamily="34" charset="0"/>
-              <a:buChar char="•"/>
-              <a:defRPr sz="1800" kern="1200">
-                <a:solidFill>
-                  <a:schemeClr val="tx1"/>
-                </a:solidFill>
-                <a:latin typeface="+mn-lt"/>
-                <a:ea typeface="+mn-ea"/>
-                <a:cs typeface="+mn-cs"/>
-              </a:defRPr>
-            </a:lvl6pPr>
-            <a:lvl7pPr marL="2971800" indent="-228600" algn="l" defTabSz="914400" rtl="0" eaLnBrk="1" latinLnBrk="0" hangingPunct="1">
-              <a:lnSpc>
-                <a:spcPct val="90000"/>
-              </a:lnSpc>
-              <a:spcBef>
-                <a:spcPts val="500"/>
-              </a:spcBef>
-              <a:buFont typeface="Arial" panose="020B0604020202020204" pitchFamily="34" charset="0"/>
-              <a:buChar char="•"/>
-              <a:defRPr sz="1800" kern="1200">
-                <a:solidFill>
-                  <a:schemeClr val="tx1"/>
-                </a:solidFill>
-                <a:latin typeface="+mn-lt"/>
-                <a:ea typeface="+mn-ea"/>
-                <a:cs typeface="+mn-cs"/>
-              </a:defRPr>
-            </a:lvl7pPr>
-            <a:lvl8pPr marL="3429000" indent="-228600" algn="l" defTabSz="914400" rtl="0" eaLnBrk="1" latinLnBrk="0" hangingPunct="1">
-              <a:lnSpc>
-                <a:spcPct val="90000"/>
-              </a:lnSpc>
-              <a:spcBef>
-                <a:spcPts val="500"/>
-              </a:spcBef>
-              <a:buFont typeface="Arial" panose="020B0604020202020204" pitchFamily="34" charset="0"/>
-              <a:buChar char="•"/>
-              <a:defRPr sz="1800" kern="1200">
-                <a:solidFill>
-                  <a:schemeClr val="tx1"/>
-                </a:solidFill>
-                <a:latin typeface="+mn-lt"/>
-                <a:ea typeface="+mn-ea"/>
-                <a:cs typeface="+mn-cs"/>
-              </a:defRPr>
-            </a:lvl8pPr>
-            <a:lvl9pPr marL="3886200" indent="-228600" algn="l" defTabSz="914400" rtl="0" eaLnBrk="1" latinLnBrk="0" hangingPunct="1">
-              <a:lnSpc>
-                <a:spcPct val="90000"/>
-              </a:lnSpc>
-              <a:spcBef>
-                <a:spcPts val="500"/>
-              </a:spcBef>
-              <a:buFont typeface="Arial" panose="020B0604020202020204" pitchFamily="34" charset="0"/>
-              <a:buChar char="•"/>
-              <a:defRPr sz="1800" kern="1200">
-                <a:solidFill>
-                  <a:schemeClr val="tx1"/>
-                </a:solidFill>
-                <a:latin typeface="+mn-lt"/>
-                <a:ea typeface="+mn-ea"/>
-                <a:cs typeface="+mn-cs"/>
-              </a:defRPr>
-            </a:lvl9pPr>
-          </a:lstStyle>
-          <a:p>
-            <a:pPr>
-              <a:lnSpc>
-                <a:spcPct val="150000"/>
-              </a:lnSpc>
-            </a:pPr>
-            <a:r>
-              <a:rPr lang="zh-CN" altLang="en-US" sz="2800" dirty="0">
-                <a:solidFill>
-                  <a:schemeClr val="tx1">
-                    <a:lumMod val="65000"/>
-                    <a:lumOff val="35000"/>
-                  </a:schemeClr>
-                </a:solidFill>
-                <a:latin typeface="微软雅黑 Light" panose="020B0502040204020203" pitchFamily="34" charset="-122"/>
-                <a:ea typeface="微软雅黑 Light" panose="020B0502040204020203" pitchFamily="34" charset="-122"/>
-              </a:rPr>
-              <a:t>创建</a:t>
-            </a:r>
-            <a:r>
-              <a:rPr lang="en-US" altLang="zh-CN" sz="2800" dirty="0" err="1">
-                <a:solidFill>
-                  <a:schemeClr val="tx1">
-                    <a:lumMod val="65000"/>
-                    <a:lumOff val="35000"/>
-                  </a:schemeClr>
-                </a:solidFill>
-                <a:latin typeface="微软雅黑 Light" panose="020B0502040204020203" pitchFamily="34" charset="-122"/>
-                <a:ea typeface="微软雅黑 Light" panose="020B0502040204020203" pitchFamily="34" charset="-122"/>
-              </a:rPr>
-              <a:t>GMath</a:t>
-            </a:r>
-            <a:r>
-              <a:rPr lang="zh-CN" altLang="en-US" sz="2800" dirty="0">
-                <a:solidFill>
-                  <a:schemeClr val="tx1">
-                    <a:lumMod val="65000"/>
-                    <a:lumOff val="35000"/>
-                  </a:schemeClr>
-                </a:solidFill>
-                <a:latin typeface="微软雅黑 Light" panose="020B0502040204020203" pitchFamily="34" charset="-122"/>
-                <a:ea typeface="微软雅黑 Light" panose="020B0502040204020203" pitchFamily="34" charset="-122"/>
-              </a:rPr>
-              <a:t>库</a:t>
-            </a:r>
-            <a:endParaRPr lang="en-US" altLang="zh-CN" sz="2800" dirty="0">
-              <a:solidFill>
-                <a:schemeClr val="tx1">
-                  <a:lumMod val="65000"/>
-                  <a:lumOff val="35000"/>
-                </a:schemeClr>
-              </a:solidFill>
-              <a:latin typeface="微软雅黑 Light" panose="020B0502040204020203" pitchFamily="34" charset="-122"/>
-              <a:ea typeface="微软雅黑 Light" panose="020B0502040204020203" pitchFamily="34" charset="-122"/>
-            </a:endParaRPr>
-          </a:p>
-          <a:p>
-            <a:pPr>
-              <a:lnSpc>
-                <a:spcPct val="150000"/>
-              </a:lnSpc>
-            </a:pPr>
-            <a:r>
-              <a:rPr lang="zh-CN" altLang="en-US" sz="2800" dirty="0">
-                <a:solidFill>
-                  <a:schemeClr val="tx1">
-                    <a:lumMod val="65000"/>
-                    <a:lumOff val="35000"/>
-                  </a:schemeClr>
-                </a:solidFill>
-                <a:latin typeface="微软雅黑 Light" panose="020B0502040204020203" pitchFamily="34" charset="-122"/>
-                <a:ea typeface="微软雅黑 Light" panose="020B0502040204020203" pitchFamily="34" charset="-122"/>
-              </a:rPr>
-              <a:t>创建</a:t>
-            </a:r>
-            <a:r>
-              <a:rPr lang="en-US" altLang="zh-CN" sz="2800" dirty="0">
-                <a:solidFill>
-                  <a:schemeClr val="tx1">
-                    <a:lumMod val="65000"/>
-                    <a:lumOff val="35000"/>
-                  </a:schemeClr>
-                </a:solidFill>
-                <a:latin typeface="微软雅黑 Light" panose="020B0502040204020203" pitchFamily="34" charset="-122"/>
-                <a:ea typeface="微软雅黑 Light" panose="020B0502040204020203" pitchFamily="34" charset="-122"/>
-              </a:rPr>
-              <a:t>GVector3</a:t>
-            </a:r>
-            <a:r>
-              <a:rPr lang="zh-CN" altLang="en-US" sz="2800" dirty="0">
-                <a:solidFill>
-                  <a:schemeClr val="tx1">
-                    <a:lumMod val="65000"/>
-                    <a:lumOff val="35000"/>
-                  </a:schemeClr>
-                </a:solidFill>
-                <a:latin typeface="微软雅黑 Light" panose="020B0502040204020203" pitchFamily="34" charset="-122"/>
-                <a:ea typeface="微软雅黑 Light" panose="020B0502040204020203" pitchFamily="34" charset="-122"/>
-              </a:rPr>
-              <a:t>类</a:t>
-            </a:r>
-            <a:endParaRPr lang="en-US" altLang="zh-CN" sz="2800" dirty="0">
-              <a:solidFill>
-                <a:schemeClr val="tx1">
-                  <a:lumMod val="65000"/>
-                  <a:lumOff val="35000"/>
-                </a:schemeClr>
-              </a:solidFill>
-              <a:latin typeface="微软雅黑 Light" panose="020B0502040204020203" pitchFamily="34" charset="-122"/>
-              <a:ea typeface="微软雅黑 Light" panose="020B0502040204020203" pitchFamily="34" charset="-122"/>
-            </a:endParaRPr>
-          </a:p>
-          <a:p>
-            <a:pPr lvl="1">
-              <a:lnSpc>
-                <a:spcPct val="150000"/>
-              </a:lnSpc>
-            </a:pPr>
-            <a:r>
-              <a:rPr lang="zh-CN" altLang="en-US" sz="2400" dirty="0">
-                <a:solidFill>
-                  <a:schemeClr val="tx1">
-                    <a:lumMod val="65000"/>
-                    <a:lumOff val="35000"/>
-                  </a:schemeClr>
-                </a:solidFill>
-                <a:latin typeface="微软雅黑 Light" panose="020B0502040204020203" pitchFamily="34" charset="-122"/>
-                <a:ea typeface="微软雅黑 Light" panose="020B0502040204020203" pitchFamily="34" charset="-122"/>
-              </a:rPr>
-              <a:t>向量间的加减法</a:t>
-            </a:r>
-            <a:endParaRPr lang="en-US" altLang="zh-CN" sz="2400" dirty="0">
-              <a:solidFill>
-                <a:schemeClr val="tx1">
-                  <a:lumMod val="65000"/>
-                  <a:lumOff val="35000"/>
-                </a:schemeClr>
-              </a:solidFill>
-              <a:latin typeface="微软雅黑 Light" panose="020B0502040204020203" pitchFamily="34" charset="-122"/>
-              <a:ea typeface="微软雅黑 Light" panose="020B0502040204020203" pitchFamily="34" charset="-122"/>
-            </a:endParaRPr>
-          </a:p>
-          <a:p>
-            <a:pPr lvl="1">
-              <a:lnSpc>
-                <a:spcPct val="150000"/>
-              </a:lnSpc>
-            </a:pPr>
-            <a:r>
-              <a:rPr lang="zh-CN" altLang="en-US" sz="2400" dirty="0">
-                <a:solidFill>
-                  <a:schemeClr val="tx1">
-                    <a:lumMod val="65000"/>
-                    <a:lumOff val="35000"/>
-                  </a:schemeClr>
-                </a:solidFill>
-                <a:latin typeface="微软雅黑 Light" panose="020B0502040204020203" pitchFamily="34" charset="-122"/>
-                <a:ea typeface="微软雅黑 Light" panose="020B0502040204020203" pitchFamily="34" charset="-122"/>
-              </a:rPr>
-              <a:t>向量与常量间的乘除法</a:t>
-            </a:r>
-            <a:endParaRPr lang="en-US" altLang="zh-CN" sz="2400" dirty="0">
-              <a:solidFill>
-                <a:schemeClr val="tx1">
-                  <a:lumMod val="65000"/>
-                  <a:lumOff val="35000"/>
-                </a:schemeClr>
-              </a:solidFill>
-              <a:latin typeface="微软雅黑 Light" panose="020B0502040204020203" pitchFamily="34" charset="-122"/>
-              <a:ea typeface="微软雅黑 Light" panose="020B0502040204020203" pitchFamily="34" charset="-122"/>
-            </a:endParaRPr>
-          </a:p>
-          <a:p>
-            <a:pPr lvl="1">
-              <a:lnSpc>
-                <a:spcPct val="150000"/>
-              </a:lnSpc>
-            </a:pPr>
-            <a:endParaRPr lang="en-US" altLang="zh-CN" sz="2400" dirty="0">
-              <a:solidFill>
-                <a:schemeClr val="tx1">
-                  <a:lumMod val="65000"/>
-                  <a:lumOff val="35000"/>
-                </a:schemeClr>
-              </a:solidFill>
-              <a:latin typeface="微软雅黑 Light" panose="020B0502040204020203" pitchFamily="34" charset="-122"/>
-              <a:ea typeface="微软雅黑 Light" panose="020B0502040204020203" pitchFamily="34" charset="-122"/>
-            </a:endParaRPr>
-          </a:p>
-          <a:p>
-            <a:pPr eaLnBrk="1" hangingPunct="1">
-              <a:lnSpc>
-                <a:spcPct val="150000"/>
-              </a:lnSpc>
-              <a:defRPr/>
-            </a:pPr>
-            <a:endParaRPr lang="en-US" altLang="zh-CN" sz="2800" dirty="0">
-              <a:solidFill>
-                <a:schemeClr val="tx1">
-                  <a:lumMod val="65000"/>
-                  <a:lumOff val="35000"/>
-                </a:schemeClr>
-              </a:solidFill>
-              <a:latin typeface="微软雅黑 Light" panose="020B0502040204020203" pitchFamily="34" charset="-122"/>
-              <a:ea typeface="微软雅黑 Light" panose="020B0502040204020203" pitchFamily="34" charset="-122"/>
-            </a:endParaRPr>
-          </a:p>
-        </p:txBody>
-      </p:sp>
-    </p:spTree>
-    <p:extLst>
-      <p:ext uri="{BB962C8B-B14F-4D97-AF65-F5344CB8AC3E}">
-        <p14:creationId xmlns:p14="http://schemas.microsoft.com/office/powerpoint/2010/main" val="3410067986"/>
-      </p:ext>
-    </p:extLst>
   </p:cSld>
   <p:clrMapOvr>
     <a:masterClrMapping/>

--- a/PPT/C++练习.pptx
+++ b/PPT/C++练习.pptx
@@ -5,7 +5,7 @@
     <p:sldMasterId id="2147483648" r:id="rId1"/>
   </p:sldMasterIdLst>
   <p:notesMasterIdLst>
-    <p:notesMasterId r:id="rId25"/>
+    <p:notesMasterId r:id="rId29"/>
   </p:notesMasterIdLst>
   <p:sldIdLst>
     <p:sldId id="256" r:id="rId2"/>
@@ -30,7 +30,11 @@
     <p:sldId id="278" r:id="rId21"/>
     <p:sldId id="279" r:id="rId22"/>
     <p:sldId id="280" r:id="rId23"/>
-    <p:sldId id="259" r:id="rId24"/>
+    <p:sldId id="281" r:id="rId24"/>
+    <p:sldId id="282" r:id="rId25"/>
+    <p:sldId id="283" r:id="rId26"/>
+    <p:sldId id="284" r:id="rId27"/>
+    <p:sldId id="259" r:id="rId28"/>
   </p:sldIdLst>
   <p:sldSz cx="9144000" cy="5143500" type="screen16x9"/>
   <p:notesSz cx="6858000" cy="9144000"/>
@@ -346,7 +350,7 @@
               <a:pPr>
                 <a:defRPr/>
               </a:pPr>
-              <a:t>2017/9/21</a:t>
+              <a:t>2017/9/23</a:t>
             </a:fld>
             <a:endParaRPr lang="zh-CN" altLang="en-US" sz="1200"/>
           </a:p>
@@ -24202,19 +24206,7 @@
                               </a:solidFill>
                               <a:latin typeface="Cambria Math" panose="02040503050406030204" pitchFamily="18" charset="0"/>
                             </a:rPr>
-                            <m:t>𝑝𝑟𝑜</m:t>
-                          </m:r>
-                          <m:r>
-                            <a:rPr lang="en-US" altLang="zh-CN" sz="2400" i="1">
-                              <a:solidFill>
-                                <a:schemeClr val="tx1">
-                                  <a:lumMod val="65000"/>
-                                  <a:lumOff val="35000"/>
-                                </a:schemeClr>
-                              </a:solidFill>
-                              <a:latin typeface="Cambria Math" panose="02040503050406030204" pitchFamily="18" charset="0"/>
-                            </a:rPr>
-                            <m:t>𝑗</m:t>
+                            <m:t>𝑝𝑟𝑜𝑗</m:t>
                           </m:r>
                         </m:e>
                         <m:sub>
@@ -24915,6 +24907,3144 @@
 </file>
 
 <file path=ppt/slides/slide23.xml><?xml version="1.0" encoding="utf-8"?>
+<p:sld xmlns:a="http://schemas.openxmlformats.org/drawingml/2006/main" xmlns:r="http://schemas.openxmlformats.org/officeDocument/2006/relationships" xmlns:p="http://schemas.openxmlformats.org/presentationml/2006/main">
+  <p:cSld>
+    <p:spTree>
+      <p:nvGrpSpPr>
+        <p:cNvPr id="1" name=""/>
+        <p:cNvGrpSpPr/>
+        <p:nvPr/>
+      </p:nvGrpSpPr>
+      <p:grpSpPr>
+        <a:xfrm>
+          <a:off x="0" y="0"/>
+          <a:ext cx="0" cy="0"/>
+          <a:chOff x="0" y="0"/>
+          <a:chExt cx="0" cy="0"/>
+        </a:xfrm>
+      </p:grpSpPr>
+      <p:pic>
+        <p:nvPicPr>
+          <p:cNvPr id="3074" name="Picture 2">
+            <a:extLst>
+              <a:ext uri="{FF2B5EF4-FFF2-40B4-BE49-F238E27FC236}">
+                <a16:creationId xmlns:a16="http://schemas.microsoft.com/office/drawing/2014/main" id="{602C339E-BA86-4A21-AB6C-4F6D8491BC39}"/>
+              </a:ext>
+            </a:extLst>
+          </p:cNvPr>
+          <p:cNvPicPr>
+            <a:picLocks noChangeAspect="1" noChangeArrowheads="1"/>
+          </p:cNvPicPr>
+          <p:nvPr/>
+        </p:nvPicPr>
+        <p:blipFill>
+          <a:blip r:embed="rId2">
+            <a:extLst>
+              <a:ext uri="{28A0092B-C50C-407E-A947-70E740481C1C}">
+                <a14:useLocalDpi xmlns:a14="http://schemas.microsoft.com/office/drawing/2010/main" val="0"/>
+              </a:ext>
+            </a:extLst>
+          </a:blip>
+          <a:srcRect/>
+          <a:stretch>
+            <a:fillRect/>
+          </a:stretch>
+        </p:blipFill>
+        <p:spPr bwMode="auto">
+          <a:xfrm>
+            <a:off x="7956550" y="4606925"/>
+            <a:ext cx="1081088" cy="450850"/>
+          </a:xfrm>
+          <a:prstGeom prst="rect">
+            <a:avLst/>
+          </a:prstGeom>
+          <a:noFill/>
+          <a:ln>
+            <a:noFill/>
+          </a:ln>
+          <a:effectLst/>
+          <a:extLst>
+            <a:ext uri="{909E8E84-426E-40DD-AFC4-6F175D3DCCD1}">
+              <a14:hiddenFill xmlns:a14="http://schemas.microsoft.com/office/drawing/2010/main">
+                <a:solidFill>
+                  <a:srgbClr val="FFFFFF"/>
+                </a:solidFill>
+              </a14:hiddenFill>
+            </a:ext>
+            <a:ext uri="{91240B29-F687-4F45-9708-019B960494DF}">
+              <a14:hiddenLine xmlns:a14="http://schemas.microsoft.com/office/drawing/2010/main" w="9525">
+                <a:solidFill>
+                  <a:srgbClr val="000000"/>
+                </a:solidFill>
+                <a:miter lim="800000"/>
+                <a:headEnd/>
+                <a:tailEnd/>
+              </a14:hiddenLine>
+            </a:ext>
+            <a:ext uri="{AF507438-7753-43E0-B8FC-AC1667EBCBE1}">
+              <a14:hiddenEffects xmlns:a14="http://schemas.microsoft.com/office/drawing/2010/main">
+                <a:effectLst>
+                  <a:outerShdw dist="35921" dir="2700000" algn="ctr" rotWithShape="0">
+                    <a:srgbClr val="808080"/>
+                  </a:outerShdw>
+                </a:effectLst>
+              </a14:hiddenEffects>
+            </a:ext>
+          </a:extLst>
+        </p:spPr>
+      </p:pic>
+      <p:sp>
+        <p:nvSpPr>
+          <p:cNvPr id="3075" name="Title 1">
+            <a:extLst>
+              <a:ext uri="{FF2B5EF4-FFF2-40B4-BE49-F238E27FC236}">
+                <a16:creationId xmlns:a16="http://schemas.microsoft.com/office/drawing/2014/main" id="{666E1B67-1175-4598-AA77-794FC6629051}"/>
+              </a:ext>
+            </a:extLst>
+          </p:cNvPr>
+          <p:cNvSpPr>
+            <a:spLocks noGrp="1" noChangeArrowheads="1"/>
+          </p:cNvSpPr>
+          <p:nvPr>
+            <p:ph type="title"/>
+          </p:nvPr>
+        </p:nvSpPr>
+        <p:spPr bwMode="auto">
+          <a:xfrm>
+            <a:off x="457200" y="123825"/>
+            <a:ext cx="8229600" cy="711200"/>
+          </a:xfrm>
+          <a:noFill/>
+          <a:extLst>
+            <a:ext uri="{909E8E84-426E-40DD-AFC4-6F175D3DCCD1}">
+              <a14:hiddenFill xmlns:a14="http://schemas.microsoft.com/office/drawing/2010/main">
+                <a:solidFill>
+                  <a:srgbClr val="FFFFFF"/>
+                </a:solidFill>
+              </a14:hiddenFill>
+            </a:ext>
+            <a:ext uri="{91240B29-F687-4F45-9708-019B960494DF}">
+              <a14:hiddenLine xmlns:a14="http://schemas.microsoft.com/office/drawing/2010/main" w="9525">
+                <a:solidFill>
+                  <a:srgbClr val="000000"/>
+                </a:solidFill>
+                <a:miter lim="800000"/>
+                <a:headEnd/>
+                <a:tailEnd/>
+              </a14:hiddenLine>
+            </a:ext>
+          </a:extLst>
+        </p:spPr>
+        <p:txBody>
+          <a:bodyPr vert="horz" wrap="square" lIns="91440" tIns="45720" rIns="91440" bIns="45720" numCol="1" anchor="t" anchorCtr="0" compatLnSpc="1">
+            <a:prstTxWarp prst="textNoShape">
+              <a:avLst/>
+            </a:prstTxWarp>
+          </a:bodyPr>
+          <a:lstStyle/>
+          <a:p>
+            <a:pPr algn="l" eaLnBrk="1" hangingPunct="1"/>
+            <a:r>
+              <a:rPr lang="zh-CN" altLang="en-US" dirty="0">
+                <a:solidFill>
+                  <a:srgbClr val="C00000"/>
+                </a:solidFill>
+                <a:latin typeface="微软雅黑 Light" panose="020B0502040204020203" pitchFamily="34" charset="-122"/>
+                <a:ea typeface="微软雅黑 Light" panose="020B0502040204020203" pitchFamily="34" charset="-122"/>
+              </a:rPr>
+              <a:t>练习</a:t>
+            </a:r>
+            <a:endParaRPr lang="en-US" altLang="zh-CN" dirty="0">
+              <a:solidFill>
+                <a:srgbClr val="C00000"/>
+              </a:solidFill>
+              <a:latin typeface="微软雅黑 Light" panose="020B0502040204020203" pitchFamily="34" charset="-122"/>
+              <a:ea typeface="微软雅黑 Light" panose="020B0502040204020203" pitchFamily="34" charset="-122"/>
+            </a:endParaRPr>
+          </a:p>
+        </p:txBody>
+      </p:sp>
+      <p:sp>
+        <p:nvSpPr>
+          <p:cNvPr id="4" name="Content Placeholder 3">
+            <a:extLst>
+              <a:ext uri="{FF2B5EF4-FFF2-40B4-BE49-F238E27FC236}">
+                <a16:creationId xmlns:a16="http://schemas.microsoft.com/office/drawing/2014/main" id="{368B2D2E-6A5C-4FE0-91BB-6CC0CC9AEF62}"/>
+              </a:ext>
+            </a:extLst>
+          </p:cNvPr>
+          <p:cNvSpPr txBox="1">
+            <a:spLocks/>
+          </p:cNvSpPr>
+          <p:nvPr/>
+        </p:nvSpPr>
+        <p:spPr>
+          <a:xfrm>
+            <a:off x="457200" y="1131888"/>
+            <a:ext cx="8229600" cy="3925887"/>
+          </a:xfrm>
+          <a:prstGeom prst="rect">
+            <a:avLst/>
+          </a:prstGeom>
+        </p:spPr>
+        <p:txBody>
+          <a:bodyPr/>
+          <a:lstStyle>
+            <a:lvl1pPr marL="342900" indent="-342900" algn="l" rtl="0" fontAlgn="base">
+              <a:spcBef>
+                <a:spcPct val="20000"/>
+              </a:spcBef>
+              <a:spcAft>
+                <a:spcPct val="0"/>
+              </a:spcAft>
+              <a:buFont typeface="Arial" panose="020B0604020202020204" pitchFamily="34" charset="0"/>
+              <a:buChar char="•"/>
+              <a:defRPr sz="3200" kern="1200">
+                <a:solidFill>
+                  <a:schemeClr val="tx1"/>
+                </a:solidFill>
+                <a:latin typeface="+mn-lt"/>
+                <a:ea typeface="+mn-ea"/>
+                <a:cs typeface="+mn-cs"/>
+                <a:sym typeface="Calibri" panose="020F0502020204030204" pitchFamily="34" charset="0"/>
+              </a:defRPr>
+            </a:lvl1pPr>
+            <a:lvl2pPr marL="742950" indent="-285750" algn="l" rtl="0" fontAlgn="base">
+              <a:spcBef>
+                <a:spcPct val="20000"/>
+              </a:spcBef>
+              <a:spcAft>
+                <a:spcPct val="0"/>
+              </a:spcAft>
+              <a:buFont typeface="Arial" panose="020B0604020202020204" pitchFamily="34" charset="0"/>
+              <a:buChar char="–"/>
+              <a:defRPr sz="2800" kern="1200">
+                <a:solidFill>
+                  <a:schemeClr val="tx1"/>
+                </a:solidFill>
+                <a:latin typeface="+mn-lt"/>
+                <a:ea typeface="+mn-ea"/>
+                <a:cs typeface="+mn-cs"/>
+                <a:sym typeface="Calibri" panose="020F0502020204030204" pitchFamily="34" charset="0"/>
+              </a:defRPr>
+            </a:lvl2pPr>
+            <a:lvl3pPr marL="1143000" indent="-228600" algn="l" rtl="0" fontAlgn="base">
+              <a:spcBef>
+                <a:spcPct val="20000"/>
+              </a:spcBef>
+              <a:spcAft>
+                <a:spcPct val="0"/>
+              </a:spcAft>
+              <a:buFont typeface="Arial" panose="020B0604020202020204" pitchFamily="34" charset="0"/>
+              <a:buChar char="•"/>
+              <a:defRPr sz="2400" kern="1200">
+                <a:solidFill>
+                  <a:schemeClr val="tx1"/>
+                </a:solidFill>
+                <a:latin typeface="+mn-lt"/>
+                <a:ea typeface="+mn-ea"/>
+                <a:cs typeface="+mn-cs"/>
+                <a:sym typeface="Calibri" panose="020F0502020204030204" pitchFamily="34" charset="0"/>
+              </a:defRPr>
+            </a:lvl3pPr>
+            <a:lvl4pPr marL="1600200" indent="-228600" algn="l" rtl="0" fontAlgn="base">
+              <a:spcBef>
+                <a:spcPct val="20000"/>
+              </a:spcBef>
+              <a:spcAft>
+                <a:spcPct val="0"/>
+              </a:spcAft>
+              <a:buFont typeface="Arial" panose="020B0604020202020204" pitchFamily="34" charset="0"/>
+              <a:buChar char="–"/>
+              <a:defRPr sz="2000" kern="1200">
+                <a:solidFill>
+                  <a:schemeClr val="tx1"/>
+                </a:solidFill>
+                <a:latin typeface="+mn-lt"/>
+                <a:ea typeface="+mn-ea"/>
+                <a:cs typeface="+mn-cs"/>
+                <a:sym typeface="Calibri" panose="020F0502020204030204" pitchFamily="34" charset="0"/>
+              </a:defRPr>
+            </a:lvl4pPr>
+            <a:lvl5pPr marL="2057400" indent="-228600" algn="l" rtl="0" fontAlgn="base">
+              <a:spcBef>
+                <a:spcPct val="20000"/>
+              </a:spcBef>
+              <a:spcAft>
+                <a:spcPct val="0"/>
+              </a:spcAft>
+              <a:buFont typeface="Arial" panose="020B0604020202020204" pitchFamily="34" charset="0"/>
+              <a:buChar char="»"/>
+              <a:defRPr sz="2000" kern="1200">
+                <a:solidFill>
+                  <a:schemeClr val="tx1"/>
+                </a:solidFill>
+                <a:latin typeface="+mn-lt"/>
+                <a:ea typeface="+mn-ea"/>
+                <a:cs typeface="+mn-cs"/>
+                <a:sym typeface="Calibri" panose="020F0502020204030204" pitchFamily="34" charset="0"/>
+              </a:defRPr>
+            </a:lvl5pPr>
+            <a:lvl6pPr marL="2514600" indent="-228600" algn="l" defTabSz="914400" rtl="0" eaLnBrk="1" latinLnBrk="0" hangingPunct="1">
+              <a:lnSpc>
+                <a:spcPct val="90000"/>
+              </a:lnSpc>
+              <a:spcBef>
+                <a:spcPts val="500"/>
+              </a:spcBef>
+              <a:buFont typeface="Arial" panose="020B0604020202020204" pitchFamily="34" charset="0"/>
+              <a:buChar char="•"/>
+              <a:defRPr sz="1800" kern="1200">
+                <a:solidFill>
+                  <a:schemeClr val="tx1"/>
+                </a:solidFill>
+                <a:latin typeface="+mn-lt"/>
+                <a:ea typeface="+mn-ea"/>
+                <a:cs typeface="+mn-cs"/>
+              </a:defRPr>
+            </a:lvl6pPr>
+            <a:lvl7pPr marL="2971800" indent="-228600" algn="l" defTabSz="914400" rtl="0" eaLnBrk="1" latinLnBrk="0" hangingPunct="1">
+              <a:lnSpc>
+                <a:spcPct val="90000"/>
+              </a:lnSpc>
+              <a:spcBef>
+                <a:spcPts val="500"/>
+              </a:spcBef>
+              <a:buFont typeface="Arial" panose="020B0604020202020204" pitchFamily="34" charset="0"/>
+              <a:buChar char="•"/>
+              <a:defRPr sz="1800" kern="1200">
+                <a:solidFill>
+                  <a:schemeClr val="tx1"/>
+                </a:solidFill>
+                <a:latin typeface="+mn-lt"/>
+                <a:ea typeface="+mn-ea"/>
+                <a:cs typeface="+mn-cs"/>
+              </a:defRPr>
+            </a:lvl7pPr>
+            <a:lvl8pPr marL="3429000" indent="-228600" algn="l" defTabSz="914400" rtl="0" eaLnBrk="1" latinLnBrk="0" hangingPunct="1">
+              <a:lnSpc>
+                <a:spcPct val="90000"/>
+              </a:lnSpc>
+              <a:spcBef>
+                <a:spcPts val="500"/>
+              </a:spcBef>
+              <a:buFont typeface="Arial" panose="020B0604020202020204" pitchFamily="34" charset="0"/>
+              <a:buChar char="•"/>
+              <a:defRPr sz="1800" kern="1200">
+                <a:solidFill>
+                  <a:schemeClr val="tx1"/>
+                </a:solidFill>
+                <a:latin typeface="+mn-lt"/>
+                <a:ea typeface="+mn-ea"/>
+                <a:cs typeface="+mn-cs"/>
+              </a:defRPr>
+            </a:lvl8pPr>
+            <a:lvl9pPr marL="3886200" indent="-228600" algn="l" defTabSz="914400" rtl="0" eaLnBrk="1" latinLnBrk="0" hangingPunct="1">
+              <a:lnSpc>
+                <a:spcPct val="90000"/>
+              </a:lnSpc>
+              <a:spcBef>
+                <a:spcPts val="500"/>
+              </a:spcBef>
+              <a:buFont typeface="Arial" panose="020B0604020202020204" pitchFamily="34" charset="0"/>
+              <a:buChar char="•"/>
+              <a:defRPr sz="1800" kern="1200">
+                <a:solidFill>
+                  <a:schemeClr val="tx1"/>
+                </a:solidFill>
+                <a:latin typeface="+mn-lt"/>
+                <a:ea typeface="+mn-ea"/>
+                <a:cs typeface="+mn-cs"/>
+              </a:defRPr>
+            </a:lvl9pPr>
+          </a:lstStyle>
+          <a:p>
+            <a:pPr>
+              <a:lnSpc>
+                <a:spcPct val="150000"/>
+              </a:lnSpc>
+            </a:pPr>
+            <a:r>
+              <a:rPr lang="zh-CN" altLang="en-US" sz="2800" dirty="0">
+                <a:solidFill>
+                  <a:schemeClr val="tx1">
+                    <a:lumMod val="65000"/>
+                    <a:lumOff val="35000"/>
+                  </a:schemeClr>
+                </a:solidFill>
+                <a:latin typeface="微软雅黑 Light" panose="020B0502040204020203" pitchFamily="34" charset="-122"/>
+                <a:ea typeface="微软雅黑 Light" panose="020B0502040204020203" pitchFamily="34" charset="-122"/>
+              </a:rPr>
+              <a:t>创建</a:t>
+            </a:r>
+            <a:r>
+              <a:rPr lang="en-US" altLang="zh-CN" sz="2800" dirty="0" err="1">
+                <a:solidFill>
+                  <a:schemeClr val="tx1">
+                    <a:lumMod val="65000"/>
+                    <a:lumOff val="35000"/>
+                  </a:schemeClr>
+                </a:solidFill>
+                <a:latin typeface="微软雅黑 Light" panose="020B0502040204020203" pitchFamily="34" charset="-122"/>
+                <a:ea typeface="微软雅黑 Light" panose="020B0502040204020203" pitchFamily="34" charset="-122"/>
+              </a:rPr>
+              <a:t>GQuater</a:t>
+            </a:r>
+            <a:r>
+              <a:rPr lang="zh-CN" altLang="en-US" sz="2800" dirty="0">
+                <a:solidFill>
+                  <a:schemeClr val="tx1">
+                    <a:lumMod val="65000"/>
+                    <a:lumOff val="35000"/>
+                  </a:schemeClr>
+                </a:solidFill>
+                <a:latin typeface="微软雅黑 Light" panose="020B0502040204020203" pitchFamily="34" charset="-122"/>
+                <a:ea typeface="微软雅黑 Light" panose="020B0502040204020203" pitchFamily="34" charset="-122"/>
+              </a:rPr>
+              <a:t>类</a:t>
+            </a:r>
+            <a:endParaRPr lang="en-US" altLang="zh-CN" sz="2800" dirty="0">
+              <a:solidFill>
+                <a:schemeClr val="tx1">
+                  <a:lumMod val="65000"/>
+                  <a:lumOff val="35000"/>
+                </a:schemeClr>
+              </a:solidFill>
+              <a:latin typeface="微软雅黑 Light" panose="020B0502040204020203" pitchFamily="34" charset="-122"/>
+              <a:ea typeface="微软雅黑 Light" panose="020B0502040204020203" pitchFamily="34" charset="-122"/>
+            </a:endParaRPr>
+          </a:p>
+          <a:p>
+            <a:pPr lvl="1">
+              <a:lnSpc>
+                <a:spcPct val="150000"/>
+              </a:lnSpc>
+            </a:pPr>
+            <a:r>
+              <a:rPr lang="en-US" altLang="zh-CN" sz="2400" dirty="0" err="1">
+                <a:solidFill>
+                  <a:schemeClr val="tx1">
+                    <a:lumMod val="65000"/>
+                    <a:lumOff val="35000"/>
+                  </a:schemeClr>
+                </a:solidFill>
+                <a:latin typeface="微软雅黑 Light" panose="020B0502040204020203" pitchFamily="34" charset="-122"/>
+                <a:ea typeface="微软雅黑 Light" panose="020B0502040204020203" pitchFamily="34" charset="-122"/>
+              </a:rPr>
+              <a:t>GQuater</a:t>
+            </a:r>
+            <a:r>
+              <a:rPr lang="en-US" altLang="zh-CN" sz="2400" dirty="0">
+                <a:solidFill>
+                  <a:schemeClr val="tx1">
+                    <a:lumMod val="65000"/>
+                    <a:lumOff val="35000"/>
+                  </a:schemeClr>
+                </a:solidFill>
+                <a:latin typeface="微软雅黑 Light" panose="020B0502040204020203" pitchFamily="34" charset="-122"/>
+                <a:ea typeface="微软雅黑 Light" panose="020B0502040204020203" pitchFamily="34" charset="-122"/>
+              </a:rPr>
+              <a:t>(float w, float x, float y, float z)</a:t>
+            </a:r>
+          </a:p>
+          <a:p>
+            <a:pPr lvl="1">
+              <a:lnSpc>
+                <a:spcPct val="150000"/>
+              </a:lnSpc>
+            </a:pPr>
+            <a:r>
+              <a:rPr lang="en-US" altLang="zh-CN" sz="2400" dirty="0" err="1">
+                <a:solidFill>
+                  <a:schemeClr val="tx1">
+                    <a:lumMod val="65000"/>
+                    <a:lumOff val="35000"/>
+                  </a:schemeClr>
+                </a:solidFill>
+                <a:latin typeface="微软雅黑 Light" panose="020B0502040204020203" pitchFamily="34" charset="-122"/>
+                <a:ea typeface="微软雅黑 Light" panose="020B0502040204020203" pitchFamily="34" charset="-122"/>
+              </a:rPr>
+              <a:t>GQuater</a:t>
+            </a:r>
+            <a:r>
+              <a:rPr lang="en-US" altLang="zh-CN" sz="2400" dirty="0">
+                <a:solidFill>
+                  <a:schemeClr val="tx1">
+                    <a:lumMod val="65000"/>
+                    <a:lumOff val="35000"/>
+                  </a:schemeClr>
+                </a:solidFill>
+                <a:latin typeface="微软雅黑 Light" panose="020B0502040204020203" pitchFamily="34" charset="-122"/>
+                <a:ea typeface="微软雅黑 Light" panose="020B0502040204020203" pitchFamily="34" charset="-122"/>
+              </a:rPr>
+              <a:t>(</a:t>
+            </a:r>
+            <a:r>
+              <a:rPr lang="en-US" altLang="zh-CN" sz="2400" dirty="0" err="1">
+                <a:solidFill>
+                  <a:schemeClr val="tx1">
+                    <a:lumMod val="65000"/>
+                    <a:lumOff val="35000"/>
+                  </a:schemeClr>
+                </a:solidFill>
+                <a:latin typeface="微软雅黑 Light" panose="020B0502040204020203" pitchFamily="34" charset="-122"/>
+                <a:ea typeface="微软雅黑 Light" panose="020B0502040204020203" pitchFamily="34" charset="-122"/>
+              </a:rPr>
+              <a:t>const</a:t>
+            </a:r>
+            <a:r>
+              <a:rPr lang="en-US" altLang="zh-CN" sz="2400" dirty="0">
+                <a:solidFill>
+                  <a:schemeClr val="tx1">
+                    <a:lumMod val="65000"/>
+                    <a:lumOff val="35000"/>
+                  </a:schemeClr>
+                </a:solidFill>
+                <a:latin typeface="微软雅黑 Light" panose="020B0502040204020203" pitchFamily="34" charset="-122"/>
+                <a:ea typeface="微软雅黑 Light" panose="020B0502040204020203" pitchFamily="34" charset="-122"/>
+              </a:rPr>
+              <a:t> </a:t>
+            </a:r>
+            <a:r>
+              <a:rPr lang="en-US" altLang="zh-CN" sz="2400" dirty="0" err="1">
+                <a:solidFill>
+                  <a:schemeClr val="tx1">
+                    <a:lumMod val="65000"/>
+                    <a:lumOff val="35000"/>
+                  </a:schemeClr>
+                </a:solidFill>
+                <a:latin typeface="微软雅黑 Light" panose="020B0502040204020203" pitchFamily="34" charset="-122"/>
+                <a:ea typeface="微软雅黑 Light" panose="020B0502040204020203" pitchFamily="34" charset="-122"/>
+              </a:rPr>
+              <a:t>GQuater</a:t>
+            </a:r>
+            <a:r>
+              <a:rPr lang="en-US" altLang="zh-CN" sz="2400" dirty="0">
+                <a:solidFill>
+                  <a:schemeClr val="tx1">
+                    <a:lumMod val="65000"/>
+                    <a:lumOff val="35000"/>
+                  </a:schemeClr>
+                </a:solidFill>
+                <a:latin typeface="微软雅黑 Light" panose="020B0502040204020203" pitchFamily="34" charset="-122"/>
+                <a:ea typeface="微软雅黑 Light" panose="020B0502040204020203" pitchFamily="34" charset="-122"/>
+              </a:rPr>
+              <a:t>&amp; copy)</a:t>
+            </a:r>
+          </a:p>
+          <a:p>
+            <a:pPr lvl="1">
+              <a:lnSpc>
+                <a:spcPct val="150000"/>
+              </a:lnSpc>
+            </a:pPr>
+            <a:r>
+              <a:rPr lang="en-US" altLang="zh-CN" sz="2400" dirty="0" err="1">
+                <a:solidFill>
+                  <a:schemeClr val="tx1">
+                    <a:lumMod val="65000"/>
+                    <a:lumOff val="35000"/>
+                  </a:schemeClr>
+                </a:solidFill>
+                <a:latin typeface="微软雅黑 Light" panose="020B0502040204020203" pitchFamily="34" charset="-122"/>
+                <a:ea typeface="微软雅黑 Light" panose="020B0502040204020203" pitchFamily="34" charset="-122"/>
+              </a:rPr>
+              <a:t>GQuater</a:t>
+            </a:r>
+            <a:r>
+              <a:rPr lang="en-US" altLang="zh-CN" sz="2400" dirty="0">
+                <a:solidFill>
+                  <a:schemeClr val="tx1">
+                    <a:lumMod val="65000"/>
+                    <a:lumOff val="35000"/>
+                  </a:schemeClr>
+                </a:solidFill>
+                <a:latin typeface="微软雅黑 Light" panose="020B0502040204020203" pitchFamily="34" charset="-122"/>
+                <a:ea typeface="微软雅黑 Light" panose="020B0502040204020203" pitchFamily="34" charset="-122"/>
+              </a:rPr>
+              <a:t>(GVector3 axis, float theta, bool radian)</a:t>
+            </a:r>
+          </a:p>
+          <a:p>
+            <a:pPr lvl="1">
+              <a:lnSpc>
+                <a:spcPct val="150000"/>
+              </a:lnSpc>
+            </a:pPr>
+            <a:r>
+              <a:rPr lang="en-US" altLang="zh-CN" sz="2400" dirty="0" err="1">
+                <a:solidFill>
+                  <a:schemeClr val="tx1">
+                    <a:lumMod val="65000"/>
+                    <a:lumOff val="35000"/>
+                  </a:schemeClr>
+                </a:solidFill>
+                <a:latin typeface="微软雅黑 Light" panose="020B0502040204020203" pitchFamily="34" charset="-122"/>
+                <a:ea typeface="微软雅黑 Light" panose="020B0502040204020203" pitchFamily="34" charset="-122"/>
+              </a:rPr>
+              <a:t>GQuater</a:t>
+            </a:r>
+            <a:r>
+              <a:rPr lang="en-US" altLang="zh-CN" sz="2400" dirty="0">
+                <a:solidFill>
+                  <a:schemeClr val="tx1">
+                    <a:lumMod val="65000"/>
+                    <a:lumOff val="35000"/>
+                  </a:schemeClr>
+                </a:solidFill>
+                <a:latin typeface="微软雅黑 Light" panose="020B0502040204020203" pitchFamily="34" charset="-122"/>
+                <a:ea typeface="微软雅黑 Light" panose="020B0502040204020203" pitchFamily="34" charset="-122"/>
+              </a:rPr>
+              <a:t> &amp;operator=(</a:t>
+            </a:r>
+            <a:r>
+              <a:rPr lang="en-US" altLang="zh-CN" sz="2400" dirty="0" err="1">
+                <a:solidFill>
+                  <a:schemeClr val="tx1">
+                    <a:lumMod val="65000"/>
+                    <a:lumOff val="35000"/>
+                  </a:schemeClr>
+                </a:solidFill>
+                <a:latin typeface="微软雅黑 Light" panose="020B0502040204020203" pitchFamily="34" charset="-122"/>
+                <a:ea typeface="微软雅黑 Light" panose="020B0502040204020203" pitchFamily="34" charset="-122"/>
+              </a:rPr>
+              <a:t>const</a:t>
+            </a:r>
+            <a:r>
+              <a:rPr lang="en-US" altLang="zh-CN" sz="2400" dirty="0">
+                <a:solidFill>
+                  <a:schemeClr val="tx1">
+                    <a:lumMod val="65000"/>
+                    <a:lumOff val="35000"/>
+                  </a:schemeClr>
+                </a:solidFill>
+                <a:latin typeface="微软雅黑 Light" panose="020B0502040204020203" pitchFamily="34" charset="-122"/>
+                <a:ea typeface="微软雅黑 Light" panose="020B0502040204020203" pitchFamily="34" charset="-122"/>
+              </a:rPr>
+              <a:t> </a:t>
+            </a:r>
+            <a:r>
+              <a:rPr lang="en-US" altLang="zh-CN" sz="2400" dirty="0" err="1">
+                <a:solidFill>
+                  <a:schemeClr val="tx1">
+                    <a:lumMod val="65000"/>
+                    <a:lumOff val="35000"/>
+                  </a:schemeClr>
+                </a:solidFill>
+                <a:latin typeface="微软雅黑 Light" panose="020B0502040204020203" pitchFamily="34" charset="-122"/>
+                <a:ea typeface="微软雅黑 Light" panose="020B0502040204020203" pitchFamily="34" charset="-122"/>
+              </a:rPr>
+              <a:t>GQuater</a:t>
+            </a:r>
+            <a:r>
+              <a:rPr lang="en-US" altLang="zh-CN" sz="2400" dirty="0">
+                <a:solidFill>
+                  <a:schemeClr val="tx1">
+                    <a:lumMod val="65000"/>
+                    <a:lumOff val="35000"/>
+                  </a:schemeClr>
+                </a:solidFill>
+                <a:latin typeface="微软雅黑 Light" panose="020B0502040204020203" pitchFamily="34" charset="-122"/>
+                <a:ea typeface="微软雅黑 Light" panose="020B0502040204020203" pitchFamily="34" charset="-122"/>
+              </a:rPr>
+              <a:t>&amp; </a:t>
+            </a:r>
+            <a:r>
+              <a:rPr lang="en-US" altLang="zh-CN" sz="2400" dirty="0" err="1">
+                <a:solidFill>
+                  <a:schemeClr val="tx1">
+                    <a:lumMod val="65000"/>
+                    <a:lumOff val="35000"/>
+                  </a:schemeClr>
+                </a:solidFill>
+                <a:latin typeface="微软雅黑 Light" panose="020B0502040204020203" pitchFamily="34" charset="-122"/>
+                <a:ea typeface="微软雅黑 Light" panose="020B0502040204020203" pitchFamily="34" charset="-122"/>
+              </a:rPr>
+              <a:t>rhs</a:t>
+            </a:r>
+            <a:r>
+              <a:rPr lang="en-US" altLang="zh-CN" sz="2400" dirty="0">
+                <a:solidFill>
+                  <a:schemeClr val="tx1">
+                    <a:lumMod val="65000"/>
+                    <a:lumOff val="35000"/>
+                  </a:schemeClr>
+                </a:solidFill>
+                <a:latin typeface="微软雅黑 Light" panose="020B0502040204020203" pitchFamily="34" charset="-122"/>
+                <a:ea typeface="微软雅黑 Light" panose="020B0502040204020203" pitchFamily="34" charset="-122"/>
+              </a:rPr>
+              <a:t>);</a:t>
+            </a:r>
+          </a:p>
+        </p:txBody>
+      </p:sp>
+    </p:spTree>
+    <p:extLst>
+      <p:ext uri="{BB962C8B-B14F-4D97-AF65-F5344CB8AC3E}">
+        <p14:creationId xmlns:p14="http://schemas.microsoft.com/office/powerpoint/2010/main" val="2910616322"/>
+      </p:ext>
+    </p:extLst>
+  </p:cSld>
+  <p:clrMapOvr>
+    <a:masterClrMapping/>
+  </p:clrMapOvr>
+</p:sld>
+</file>
+
+<file path=ppt/slides/slide24.xml><?xml version="1.0" encoding="utf-8"?>
+<p:sld xmlns:a="http://schemas.openxmlformats.org/drawingml/2006/main" xmlns:r="http://schemas.openxmlformats.org/officeDocument/2006/relationships" xmlns:p="http://schemas.openxmlformats.org/presentationml/2006/main">
+  <p:cSld>
+    <p:spTree>
+      <p:nvGrpSpPr>
+        <p:cNvPr id="1" name=""/>
+        <p:cNvGrpSpPr/>
+        <p:nvPr/>
+      </p:nvGrpSpPr>
+      <p:grpSpPr>
+        <a:xfrm>
+          <a:off x="0" y="0"/>
+          <a:ext cx="0" cy="0"/>
+          <a:chOff x="0" y="0"/>
+          <a:chExt cx="0" cy="0"/>
+        </a:xfrm>
+      </p:grpSpPr>
+      <p:pic>
+        <p:nvPicPr>
+          <p:cNvPr id="3074" name="Picture 2">
+            <a:extLst>
+              <a:ext uri="{FF2B5EF4-FFF2-40B4-BE49-F238E27FC236}">
+                <a16:creationId xmlns:a16="http://schemas.microsoft.com/office/drawing/2014/main" id="{602C339E-BA86-4A21-AB6C-4F6D8491BC39}"/>
+              </a:ext>
+            </a:extLst>
+          </p:cNvPr>
+          <p:cNvPicPr>
+            <a:picLocks noChangeAspect="1" noChangeArrowheads="1"/>
+          </p:cNvPicPr>
+          <p:nvPr/>
+        </p:nvPicPr>
+        <p:blipFill>
+          <a:blip r:embed="rId2">
+            <a:extLst>
+              <a:ext uri="{28A0092B-C50C-407E-A947-70E740481C1C}">
+                <a14:useLocalDpi xmlns:a14="http://schemas.microsoft.com/office/drawing/2010/main" val="0"/>
+              </a:ext>
+            </a:extLst>
+          </a:blip>
+          <a:srcRect/>
+          <a:stretch>
+            <a:fillRect/>
+          </a:stretch>
+        </p:blipFill>
+        <p:spPr bwMode="auto">
+          <a:xfrm>
+            <a:off x="7956550" y="4606925"/>
+            <a:ext cx="1081088" cy="450850"/>
+          </a:xfrm>
+          <a:prstGeom prst="rect">
+            <a:avLst/>
+          </a:prstGeom>
+          <a:noFill/>
+          <a:ln>
+            <a:noFill/>
+          </a:ln>
+          <a:effectLst/>
+          <a:extLst>
+            <a:ext uri="{909E8E84-426E-40DD-AFC4-6F175D3DCCD1}">
+              <a14:hiddenFill xmlns:a14="http://schemas.microsoft.com/office/drawing/2010/main">
+                <a:solidFill>
+                  <a:srgbClr val="FFFFFF"/>
+                </a:solidFill>
+              </a14:hiddenFill>
+            </a:ext>
+            <a:ext uri="{91240B29-F687-4F45-9708-019B960494DF}">
+              <a14:hiddenLine xmlns:a14="http://schemas.microsoft.com/office/drawing/2010/main" w="9525">
+                <a:solidFill>
+                  <a:srgbClr val="000000"/>
+                </a:solidFill>
+                <a:miter lim="800000"/>
+                <a:headEnd/>
+                <a:tailEnd/>
+              </a14:hiddenLine>
+            </a:ext>
+            <a:ext uri="{AF507438-7753-43E0-B8FC-AC1667EBCBE1}">
+              <a14:hiddenEffects xmlns:a14="http://schemas.microsoft.com/office/drawing/2010/main">
+                <a:effectLst>
+                  <a:outerShdw dist="35921" dir="2700000" algn="ctr" rotWithShape="0">
+                    <a:srgbClr val="808080"/>
+                  </a:outerShdw>
+                </a:effectLst>
+              </a14:hiddenEffects>
+            </a:ext>
+          </a:extLst>
+        </p:spPr>
+      </p:pic>
+      <p:sp>
+        <p:nvSpPr>
+          <p:cNvPr id="3075" name="Title 1">
+            <a:extLst>
+              <a:ext uri="{FF2B5EF4-FFF2-40B4-BE49-F238E27FC236}">
+                <a16:creationId xmlns:a16="http://schemas.microsoft.com/office/drawing/2014/main" id="{666E1B67-1175-4598-AA77-794FC6629051}"/>
+              </a:ext>
+            </a:extLst>
+          </p:cNvPr>
+          <p:cNvSpPr>
+            <a:spLocks noGrp="1" noChangeArrowheads="1"/>
+          </p:cNvSpPr>
+          <p:nvPr>
+            <p:ph type="title"/>
+          </p:nvPr>
+        </p:nvSpPr>
+        <p:spPr bwMode="auto">
+          <a:xfrm>
+            <a:off x="457200" y="123825"/>
+            <a:ext cx="8229600" cy="711200"/>
+          </a:xfrm>
+          <a:noFill/>
+          <a:extLst>
+            <a:ext uri="{909E8E84-426E-40DD-AFC4-6F175D3DCCD1}">
+              <a14:hiddenFill xmlns:a14="http://schemas.microsoft.com/office/drawing/2010/main">
+                <a:solidFill>
+                  <a:srgbClr val="FFFFFF"/>
+                </a:solidFill>
+              </a14:hiddenFill>
+            </a:ext>
+            <a:ext uri="{91240B29-F687-4F45-9708-019B960494DF}">
+              <a14:hiddenLine xmlns:a14="http://schemas.microsoft.com/office/drawing/2010/main" w="9525">
+                <a:solidFill>
+                  <a:srgbClr val="000000"/>
+                </a:solidFill>
+                <a:miter lim="800000"/>
+                <a:headEnd/>
+                <a:tailEnd/>
+              </a14:hiddenLine>
+            </a:ext>
+          </a:extLst>
+        </p:spPr>
+        <p:txBody>
+          <a:bodyPr vert="horz" wrap="square" lIns="91440" tIns="45720" rIns="91440" bIns="45720" numCol="1" anchor="t" anchorCtr="0" compatLnSpc="1">
+            <a:prstTxWarp prst="textNoShape">
+              <a:avLst/>
+            </a:prstTxWarp>
+          </a:bodyPr>
+          <a:lstStyle/>
+          <a:p>
+            <a:pPr algn="l" eaLnBrk="1" hangingPunct="1"/>
+            <a:r>
+              <a:rPr lang="zh-CN" altLang="en-US" dirty="0">
+                <a:solidFill>
+                  <a:srgbClr val="C00000"/>
+                </a:solidFill>
+                <a:latin typeface="微软雅黑 Light" panose="020B0502040204020203" pitchFamily="34" charset="-122"/>
+                <a:ea typeface="微软雅黑 Light" panose="020B0502040204020203" pitchFamily="34" charset="-122"/>
+              </a:rPr>
+              <a:t>练习</a:t>
+            </a:r>
+            <a:endParaRPr lang="en-US" altLang="zh-CN" dirty="0">
+              <a:solidFill>
+                <a:srgbClr val="C00000"/>
+              </a:solidFill>
+              <a:latin typeface="微软雅黑 Light" panose="020B0502040204020203" pitchFamily="34" charset="-122"/>
+              <a:ea typeface="微软雅黑 Light" panose="020B0502040204020203" pitchFamily="34" charset="-122"/>
+            </a:endParaRPr>
+          </a:p>
+        </p:txBody>
+      </p:sp>
+      <p:sp>
+        <p:nvSpPr>
+          <p:cNvPr id="4" name="Content Placeholder 3">
+            <a:extLst>
+              <a:ext uri="{FF2B5EF4-FFF2-40B4-BE49-F238E27FC236}">
+                <a16:creationId xmlns:a16="http://schemas.microsoft.com/office/drawing/2014/main" id="{368B2D2E-6A5C-4FE0-91BB-6CC0CC9AEF62}"/>
+              </a:ext>
+            </a:extLst>
+          </p:cNvPr>
+          <p:cNvSpPr txBox="1">
+            <a:spLocks/>
+          </p:cNvSpPr>
+          <p:nvPr/>
+        </p:nvSpPr>
+        <p:spPr>
+          <a:xfrm>
+            <a:off x="457200" y="1131888"/>
+            <a:ext cx="8229600" cy="3925887"/>
+          </a:xfrm>
+          <a:prstGeom prst="rect">
+            <a:avLst/>
+          </a:prstGeom>
+        </p:spPr>
+        <p:txBody>
+          <a:bodyPr/>
+          <a:lstStyle>
+            <a:lvl1pPr marL="342900" indent="-342900" algn="l" rtl="0" fontAlgn="base">
+              <a:spcBef>
+                <a:spcPct val="20000"/>
+              </a:spcBef>
+              <a:spcAft>
+                <a:spcPct val="0"/>
+              </a:spcAft>
+              <a:buFont typeface="Arial" panose="020B0604020202020204" pitchFamily="34" charset="0"/>
+              <a:buChar char="•"/>
+              <a:defRPr sz="3200" kern="1200">
+                <a:solidFill>
+                  <a:schemeClr val="tx1"/>
+                </a:solidFill>
+                <a:latin typeface="+mn-lt"/>
+                <a:ea typeface="+mn-ea"/>
+                <a:cs typeface="+mn-cs"/>
+                <a:sym typeface="Calibri" panose="020F0502020204030204" pitchFamily="34" charset="0"/>
+              </a:defRPr>
+            </a:lvl1pPr>
+            <a:lvl2pPr marL="742950" indent="-285750" algn="l" rtl="0" fontAlgn="base">
+              <a:spcBef>
+                <a:spcPct val="20000"/>
+              </a:spcBef>
+              <a:spcAft>
+                <a:spcPct val="0"/>
+              </a:spcAft>
+              <a:buFont typeface="Arial" panose="020B0604020202020204" pitchFamily="34" charset="0"/>
+              <a:buChar char="–"/>
+              <a:defRPr sz="2800" kern="1200">
+                <a:solidFill>
+                  <a:schemeClr val="tx1"/>
+                </a:solidFill>
+                <a:latin typeface="+mn-lt"/>
+                <a:ea typeface="+mn-ea"/>
+                <a:cs typeface="+mn-cs"/>
+                <a:sym typeface="Calibri" panose="020F0502020204030204" pitchFamily="34" charset="0"/>
+              </a:defRPr>
+            </a:lvl2pPr>
+            <a:lvl3pPr marL="1143000" indent="-228600" algn="l" rtl="0" fontAlgn="base">
+              <a:spcBef>
+                <a:spcPct val="20000"/>
+              </a:spcBef>
+              <a:spcAft>
+                <a:spcPct val="0"/>
+              </a:spcAft>
+              <a:buFont typeface="Arial" panose="020B0604020202020204" pitchFamily="34" charset="0"/>
+              <a:buChar char="•"/>
+              <a:defRPr sz="2400" kern="1200">
+                <a:solidFill>
+                  <a:schemeClr val="tx1"/>
+                </a:solidFill>
+                <a:latin typeface="+mn-lt"/>
+                <a:ea typeface="+mn-ea"/>
+                <a:cs typeface="+mn-cs"/>
+                <a:sym typeface="Calibri" panose="020F0502020204030204" pitchFamily="34" charset="0"/>
+              </a:defRPr>
+            </a:lvl3pPr>
+            <a:lvl4pPr marL="1600200" indent="-228600" algn="l" rtl="0" fontAlgn="base">
+              <a:spcBef>
+                <a:spcPct val="20000"/>
+              </a:spcBef>
+              <a:spcAft>
+                <a:spcPct val="0"/>
+              </a:spcAft>
+              <a:buFont typeface="Arial" panose="020B0604020202020204" pitchFamily="34" charset="0"/>
+              <a:buChar char="–"/>
+              <a:defRPr sz="2000" kern="1200">
+                <a:solidFill>
+                  <a:schemeClr val="tx1"/>
+                </a:solidFill>
+                <a:latin typeface="+mn-lt"/>
+                <a:ea typeface="+mn-ea"/>
+                <a:cs typeface="+mn-cs"/>
+                <a:sym typeface="Calibri" panose="020F0502020204030204" pitchFamily="34" charset="0"/>
+              </a:defRPr>
+            </a:lvl4pPr>
+            <a:lvl5pPr marL="2057400" indent="-228600" algn="l" rtl="0" fontAlgn="base">
+              <a:spcBef>
+                <a:spcPct val="20000"/>
+              </a:spcBef>
+              <a:spcAft>
+                <a:spcPct val="0"/>
+              </a:spcAft>
+              <a:buFont typeface="Arial" panose="020B0604020202020204" pitchFamily="34" charset="0"/>
+              <a:buChar char="»"/>
+              <a:defRPr sz="2000" kern="1200">
+                <a:solidFill>
+                  <a:schemeClr val="tx1"/>
+                </a:solidFill>
+                <a:latin typeface="+mn-lt"/>
+                <a:ea typeface="+mn-ea"/>
+                <a:cs typeface="+mn-cs"/>
+                <a:sym typeface="Calibri" panose="020F0502020204030204" pitchFamily="34" charset="0"/>
+              </a:defRPr>
+            </a:lvl5pPr>
+            <a:lvl6pPr marL="2514600" indent="-228600" algn="l" defTabSz="914400" rtl="0" eaLnBrk="1" latinLnBrk="0" hangingPunct="1">
+              <a:lnSpc>
+                <a:spcPct val="90000"/>
+              </a:lnSpc>
+              <a:spcBef>
+                <a:spcPts val="500"/>
+              </a:spcBef>
+              <a:buFont typeface="Arial" panose="020B0604020202020204" pitchFamily="34" charset="0"/>
+              <a:buChar char="•"/>
+              <a:defRPr sz="1800" kern="1200">
+                <a:solidFill>
+                  <a:schemeClr val="tx1"/>
+                </a:solidFill>
+                <a:latin typeface="+mn-lt"/>
+                <a:ea typeface="+mn-ea"/>
+                <a:cs typeface="+mn-cs"/>
+              </a:defRPr>
+            </a:lvl6pPr>
+            <a:lvl7pPr marL="2971800" indent="-228600" algn="l" defTabSz="914400" rtl="0" eaLnBrk="1" latinLnBrk="0" hangingPunct="1">
+              <a:lnSpc>
+                <a:spcPct val="90000"/>
+              </a:lnSpc>
+              <a:spcBef>
+                <a:spcPts val="500"/>
+              </a:spcBef>
+              <a:buFont typeface="Arial" panose="020B0604020202020204" pitchFamily="34" charset="0"/>
+              <a:buChar char="•"/>
+              <a:defRPr sz="1800" kern="1200">
+                <a:solidFill>
+                  <a:schemeClr val="tx1"/>
+                </a:solidFill>
+                <a:latin typeface="+mn-lt"/>
+                <a:ea typeface="+mn-ea"/>
+                <a:cs typeface="+mn-cs"/>
+              </a:defRPr>
+            </a:lvl7pPr>
+            <a:lvl8pPr marL="3429000" indent="-228600" algn="l" defTabSz="914400" rtl="0" eaLnBrk="1" latinLnBrk="0" hangingPunct="1">
+              <a:lnSpc>
+                <a:spcPct val="90000"/>
+              </a:lnSpc>
+              <a:spcBef>
+                <a:spcPts val="500"/>
+              </a:spcBef>
+              <a:buFont typeface="Arial" panose="020B0604020202020204" pitchFamily="34" charset="0"/>
+              <a:buChar char="•"/>
+              <a:defRPr sz="1800" kern="1200">
+                <a:solidFill>
+                  <a:schemeClr val="tx1"/>
+                </a:solidFill>
+                <a:latin typeface="+mn-lt"/>
+                <a:ea typeface="+mn-ea"/>
+                <a:cs typeface="+mn-cs"/>
+              </a:defRPr>
+            </a:lvl8pPr>
+            <a:lvl9pPr marL="3886200" indent="-228600" algn="l" defTabSz="914400" rtl="0" eaLnBrk="1" latinLnBrk="0" hangingPunct="1">
+              <a:lnSpc>
+                <a:spcPct val="90000"/>
+              </a:lnSpc>
+              <a:spcBef>
+                <a:spcPts val="500"/>
+              </a:spcBef>
+              <a:buFont typeface="Arial" panose="020B0604020202020204" pitchFamily="34" charset="0"/>
+              <a:buChar char="•"/>
+              <a:defRPr sz="1800" kern="1200">
+                <a:solidFill>
+                  <a:schemeClr val="tx1"/>
+                </a:solidFill>
+                <a:latin typeface="+mn-lt"/>
+                <a:ea typeface="+mn-ea"/>
+                <a:cs typeface="+mn-cs"/>
+              </a:defRPr>
+            </a:lvl9pPr>
+          </a:lstStyle>
+          <a:p>
+            <a:pPr>
+              <a:lnSpc>
+                <a:spcPct val="150000"/>
+              </a:lnSpc>
+            </a:pPr>
+            <a:r>
+              <a:rPr lang="zh-CN" altLang="en-US" sz="2800" dirty="0">
+                <a:solidFill>
+                  <a:schemeClr val="tx1">
+                    <a:lumMod val="65000"/>
+                    <a:lumOff val="35000"/>
+                  </a:schemeClr>
+                </a:solidFill>
+                <a:latin typeface="微软雅黑 Light" panose="020B0502040204020203" pitchFamily="34" charset="-122"/>
+                <a:ea typeface="微软雅黑 Light" panose="020B0502040204020203" pitchFamily="34" charset="-122"/>
+              </a:rPr>
+              <a:t>完善</a:t>
+            </a:r>
+            <a:r>
+              <a:rPr lang="en-US" altLang="zh-CN" sz="2800" dirty="0" err="1">
+                <a:solidFill>
+                  <a:schemeClr val="tx1">
+                    <a:lumMod val="65000"/>
+                    <a:lumOff val="35000"/>
+                  </a:schemeClr>
+                </a:solidFill>
+                <a:latin typeface="微软雅黑 Light" panose="020B0502040204020203" pitchFamily="34" charset="-122"/>
+                <a:ea typeface="微软雅黑 Light" panose="020B0502040204020203" pitchFamily="34" charset="-122"/>
+              </a:rPr>
+              <a:t>GQuater</a:t>
+            </a:r>
+            <a:r>
+              <a:rPr lang="zh-CN" altLang="en-US" sz="2800" dirty="0">
+                <a:solidFill>
+                  <a:schemeClr val="tx1">
+                    <a:lumMod val="65000"/>
+                    <a:lumOff val="35000"/>
+                  </a:schemeClr>
+                </a:solidFill>
+                <a:latin typeface="微软雅黑 Light" panose="020B0502040204020203" pitchFamily="34" charset="-122"/>
+                <a:ea typeface="微软雅黑 Light" panose="020B0502040204020203" pitchFamily="34" charset="-122"/>
+              </a:rPr>
+              <a:t>类</a:t>
+            </a:r>
+            <a:endParaRPr lang="en-US" altLang="zh-CN" sz="2800" dirty="0">
+              <a:solidFill>
+                <a:schemeClr val="tx1">
+                  <a:lumMod val="65000"/>
+                  <a:lumOff val="35000"/>
+                </a:schemeClr>
+              </a:solidFill>
+              <a:latin typeface="微软雅黑 Light" panose="020B0502040204020203" pitchFamily="34" charset="-122"/>
+              <a:ea typeface="微软雅黑 Light" panose="020B0502040204020203" pitchFamily="34" charset="-122"/>
+            </a:endParaRPr>
+          </a:p>
+          <a:p>
+            <a:pPr lvl="1">
+              <a:lnSpc>
+                <a:spcPct val="150000"/>
+              </a:lnSpc>
+            </a:pPr>
+            <a:r>
+              <a:rPr lang="en-US" altLang="zh-CN" sz="2400" dirty="0" err="1">
+                <a:solidFill>
+                  <a:schemeClr val="tx1">
+                    <a:lumMod val="65000"/>
+                    <a:lumOff val="35000"/>
+                  </a:schemeClr>
+                </a:solidFill>
+                <a:latin typeface="微软雅黑 Light" panose="020B0502040204020203" pitchFamily="34" charset="-122"/>
+                <a:ea typeface="微软雅黑 Light" panose="020B0502040204020203" pitchFamily="34" charset="-122"/>
+              </a:rPr>
+              <a:t>GQuater</a:t>
+            </a:r>
+            <a:r>
+              <a:rPr lang="en-US" altLang="zh-CN" sz="2400" dirty="0">
+                <a:solidFill>
+                  <a:schemeClr val="tx1">
+                    <a:lumMod val="65000"/>
+                    <a:lumOff val="35000"/>
+                  </a:schemeClr>
+                </a:solidFill>
+                <a:latin typeface="微软雅黑 Light" panose="020B0502040204020203" pitchFamily="34" charset="-122"/>
+                <a:ea typeface="微软雅黑 Light" panose="020B0502040204020203" pitchFamily="34" charset="-122"/>
+              </a:rPr>
+              <a:t>&amp; operator +=(</a:t>
+            </a:r>
+            <a:r>
+              <a:rPr lang="en-US" altLang="zh-CN" sz="2400" dirty="0" err="1">
+                <a:solidFill>
+                  <a:schemeClr val="tx1">
+                    <a:lumMod val="65000"/>
+                    <a:lumOff val="35000"/>
+                  </a:schemeClr>
+                </a:solidFill>
+                <a:latin typeface="微软雅黑 Light" panose="020B0502040204020203" pitchFamily="34" charset="-122"/>
+                <a:ea typeface="微软雅黑 Light" panose="020B0502040204020203" pitchFamily="34" charset="-122"/>
+              </a:rPr>
+              <a:t>const</a:t>
+            </a:r>
+            <a:r>
+              <a:rPr lang="en-US" altLang="zh-CN" sz="2400" dirty="0">
+                <a:solidFill>
+                  <a:schemeClr val="tx1">
+                    <a:lumMod val="65000"/>
+                    <a:lumOff val="35000"/>
+                  </a:schemeClr>
+                </a:solidFill>
+                <a:latin typeface="微软雅黑 Light" panose="020B0502040204020203" pitchFamily="34" charset="-122"/>
+                <a:ea typeface="微软雅黑 Light" panose="020B0502040204020203" pitchFamily="34" charset="-122"/>
+              </a:rPr>
+              <a:t> </a:t>
+            </a:r>
+            <a:r>
+              <a:rPr lang="en-US" altLang="zh-CN" sz="2400" dirty="0" err="1">
+                <a:solidFill>
+                  <a:schemeClr val="tx1">
+                    <a:lumMod val="65000"/>
+                    <a:lumOff val="35000"/>
+                  </a:schemeClr>
+                </a:solidFill>
+                <a:latin typeface="微软雅黑 Light" panose="020B0502040204020203" pitchFamily="34" charset="-122"/>
+                <a:ea typeface="微软雅黑 Light" panose="020B0502040204020203" pitchFamily="34" charset="-122"/>
+              </a:rPr>
+              <a:t>GQuater</a:t>
+            </a:r>
+            <a:r>
+              <a:rPr lang="en-US" altLang="zh-CN" sz="2400" dirty="0">
+                <a:solidFill>
+                  <a:schemeClr val="tx1">
+                    <a:lumMod val="65000"/>
+                    <a:lumOff val="35000"/>
+                  </a:schemeClr>
+                </a:solidFill>
+                <a:latin typeface="微软雅黑 Light" panose="020B0502040204020203" pitchFamily="34" charset="-122"/>
+                <a:ea typeface="微软雅黑 Light" panose="020B0502040204020203" pitchFamily="34" charset="-122"/>
+              </a:rPr>
+              <a:t>&amp; </a:t>
+            </a:r>
+            <a:r>
+              <a:rPr lang="en-US" altLang="zh-CN" sz="2400" dirty="0" err="1">
+                <a:solidFill>
+                  <a:schemeClr val="tx1">
+                    <a:lumMod val="65000"/>
+                    <a:lumOff val="35000"/>
+                  </a:schemeClr>
+                </a:solidFill>
+                <a:latin typeface="微软雅黑 Light" panose="020B0502040204020203" pitchFamily="34" charset="-122"/>
+                <a:ea typeface="微软雅黑 Light" panose="020B0502040204020203" pitchFamily="34" charset="-122"/>
+              </a:rPr>
+              <a:t>rhs</a:t>
+            </a:r>
+            <a:r>
+              <a:rPr lang="en-US" altLang="zh-CN" sz="2400" dirty="0">
+                <a:solidFill>
+                  <a:schemeClr val="tx1">
+                    <a:lumMod val="65000"/>
+                    <a:lumOff val="35000"/>
+                  </a:schemeClr>
+                </a:solidFill>
+                <a:latin typeface="微软雅黑 Light" panose="020B0502040204020203" pitchFamily="34" charset="-122"/>
+                <a:ea typeface="微软雅黑 Light" panose="020B0502040204020203" pitchFamily="34" charset="-122"/>
+              </a:rPr>
+              <a:t>)</a:t>
+            </a:r>
+          </a:p>
+          <a:p>
+            <a:pPr lvl="1">
+              <a:lnSpc>
+                <a:spcPct val="150000"/>
+              </a:lnSpc>
+            </a:pPr>
+            <a:r>
+              <a:rPr lang="en-US" altLang="zh-CN" sz="2400" dirty="0" err="1">
+                <a:solidFill>
+                  <a:schemeClr val="tx1">
+                    <a:lumMod val="65000"/>
+                    <a:lumOff val="35000"/>
+                  </a:schemeClr>
+                </a:solidFill>
+                <a:latin typeface="微软雅黑 Light" panose="020B0502040204020203" pitchFamily="34" charset="-122"/>
+                <a:ea typeface="微软雅黑 Light" panose="020B0502040204020203" pitchFamily="34" charset="-122"/>
+              </a:rPr>
+              <a:t>GQuater</a:t>
+            </a:r>
+            <a:r>
+              <a:rPr lang="en-US" altLang="zh-CN" sz="2400" dirty="0">
+                <a:solidFill>
+                  <a:schemeClr val="tx1">
+                    <a:lumMod val="65000"/>
+                    <a:lumOff val="35000"/>
+                  </a:schemeClr>
+                </a:solidFill>
+                <a:latin typeface="微软雅黑 Light" panose="020B0502040204020203" pitchFamily="34" charset="-122"/>
+                <a:ea typeface="微软雅黑 Light" panose="020B0502040204020203" pitchFamily="34" charset="-122"/>
+              </a:rPr>
+              <a:t>&amp; operator -=(</a:t>
+            </a:r>
+            <a:r>
+              <a:rPr lang="en-US" altLang="zh-CN" sz="2400" dirty="0" err="1">
+                <a:solidFill>
+                  <a:schemeClr val="tx1">
+                    <a:lumMod val="65000"/>
+                    <a:lumOff val="35000"/>
+                  </a:schemeClr>
+                </a:solidFill>
+                <a:latin typeface="微软雅黑 Light" panose="020B0502040204020203" pitchFamily="34" charset="-122"/>
+                <a:ea typeface="微软雅黑 Light" panose="020B0502040204020203" pitchFamily="34" charset="-122"/>
+              </a:rPr>
+              <a:t>const</a:t>
+            </a:r>
+            <a:r>
+              <a:rPr lang="en-US" altLang="zh-CN" sz="2400" dirty="0">
+                <a:solidFill>
+                  <a:schemeClr val="tx1">
+                    <a:lumMod val="65000"/>
+                    <a:lumOff val="35000"/>
+                  </a:schemeClr>
+                </a:solidFill>
+                <a:latin typeface="微软雅黑 Light" panose="020B0502040204020203" pitchFamily="34" charset="-122"/>
+                <a:ea typeface="微软雅黑 Light" panose="020B0502040204020203" pitchFamily="34" charset="-122"/>
+              </a:rPr>
+              <a:t> </a:t>
+            </a:r>
+            <a:r>
+              <a:rPr lang="en-US" altLang="zh-CN" sz="2400" dirty="0" err="1">
+                <a:solidFill>
+                  <a:schemeClr val="tx1">
+                    <a:lumMod val="65000"/>
+                    <a:lumOff val="35000"/>
+                  </a:schemeClr>
+                </a:solidFill>
+                <a:latin typeface="微软雅黑 Light" panose="020B0502040204020203" pitchFamily="34" charset="-122"/>
+                <a:ea typeface="微软雅黑 Light" panose="020B0502040204020203" pitchFamily="34" charset="-122"/>
+              </a:rPr>
+              <a:t>GQuater</a:t>
+            </a:r>
+            <a:r>
+              <a:rPr lang="en-US" altLang="zh-CN" sz="2400" dirty="0">
+                <a:solidFill>
+                  <a:schemeClr val="tx1">
+                    <a:lumMod val="65000"/>
+                    <a:lumOff val="35000"/>
+                  </a:schemeClr>
+                </a:solidFill>
+                <a:latin typeface="微软雅黑 Light" panose="020B0502040204020203" pitchFamily="34" charset="-122"/>
+                <a:ea typeface="微软雅黑 Light" panose="020B0502040204020203" pitchFamily="34" charset="-122"/>
+              </a:rPr>
+              <a:t>&amp; </a:t>
+            </a:r>
+            <a:r>
+              <a:rPr lang="en-US" altLang="zh-CN" sz="2400" dirty="0" err="1">
+                <a:solidFill>
+                  <a:schemeClr val="tx1">
+                    <a:lumMod val="65000"/>
+                    <a:lumOff val="35000"/>
+                  </a:schemeClr>
+                </a:solidFill>
+                <a:latin typeface="微软雅黑 Light" panose="020B0502040204020203" pitchFamily="34" charset="-122"/>
+                <a:ea typeface="微软雅黑 Light" panose="020B0502040204020203" pitchFamily="34" charset="-122"/>
+              </a:rPr>
+              <a:t>rhs</a:t>
+            </a:r>
+            <a:r>
+              <a:rPr lang="en-US" altLang="zh-CN" sz="2400" dirty="0">
+                <a:solidFill>
+                  <a:schemeClr val="tx1">
+                    <a:lumMod val="65000"/>
+                    <a:lumOff val="35000"/>
+                  </a:schemeClr>
+                </a:solidFill>
+                <a:latin typeface="微软雅黑 Light" panose="020B0502040204020203" pitchFamily="34" charset="-122"/>
+                <a:ea typeface="微软雅黑 Light" panose="020B0502040204020203" pitchFamily="34" charset="-122"/>
+              </a:rPr>
+              <a:t>)</a:t>
+            </a:r>
+          </a:p>
+          <a:p>
+            <a:pPr lvl="1">
+              <a:lnSpc>
+                <a:spcPct val="150000"/>
+              </a:lnSpc>
+            </a:pPr>
+            <a:r>
+              <a:rPr lang="en-US" altLang="zh-CN" sz="2400" dirty="0" err="1">
+                <a:solidFill>
+                  <a:schemeClr val="tx1">
+                    <a:lumMod val="65000"/>
+                    <a:lumOff val="35000"/>
+                  </a:schemeClr>
+                </a:solidFill>
+                <a:latin typeface="微软雅黑 Light" panose="020B0502040204020203" pitchFamily="34" charset="-122"/>
+                <a:ea typeface="微软雅黑 Light" panose="020B0502040204020203" pitchFamily="34" charset="-122"/>
+              </a:rPr>
+              <a:t>GQuater</a:t>
+            </a:r>
+            <a:r>
+              <a:rPr lang="en-US" altLang="zh-CN" sz="2400" dirty="0">
+                <a:solidFill>
+                  <a:schemeClr val="tx1">
+                    <a:lumMod val="65000"/>
+                    <a:lumOff val="35000"/>
+                  </a:schemeClr>
+                </a:solidFill>
+                <a:latin typeface="微软雅黑 Light" panose="020B0502040204020203" pitchFamily="34" charset="-122"/>
+                <a:ea typeface="微软雅黑 Light" panose="020B0502040204020203" pitchFamily="34" charset="-122"/>
+              </a:rPr>
+              <a:t>&amp; operator *=(</a:t>
+            </a:r>
+            <a:r>
+              <a:rPr lang="en-US" altLang="zh-CN" sz="2400" dirty="0" err="1">
+                <a:solidFill>
+                  <a:schemeClr val="tx1">
+                    <a:lumMod val="65000"/>
+                    <a:lumOff val="35000"/>
+                  </a:schemeClr>
+                </a:solidFill>
+                <a:latin typeface="微软雅黑 Light" panose="020B0502040204020203" pitchFamily="34" charset="-122"/>
+                <a:ea typeface="微软雅黑 Light" panose="020B0502040204020203" pitchFamily="34" charset="-122"/>
+              </a:rPr>
+              <a:t>const</a:t>
+            </a:r>
+            <a:r>
+              <a:rPr lang="en-US" altLang="zh-CN" sz="2400" dirty="0">
+                <a:solidFill>
+                  <a:schemeClr val="tx1">
+                    <a:lumMod val="65000"/>
+                    <a:lumOff val="35000"/>
+                  </a:schemeClr>
+                </a:solidFill>
+                <a:latin typeface="微软雅黑 Light" panose="020B0502040204020203" pitchFamily="34" charset="-122"/>
+                <a:ea typeface="微软雅黑 Light" panose="020B0502040204020203" pitchFamily="34" charset="-122"/>
+              </a:rPr>
+              <a:t> </a:t>
+            </a:r>
+            <a:r>
+              <a:rPr lang="en-US" altLang="zh-CN" sz="2400" dirty="0" err="1">
+                <a:solidFill>
+                  <a:schemeClr val="tx1">
+                    <a:lumMod val="65000"/>
+                    <a:lumOff val="35000"/>
+                  </a:schemeClr>
+                </a:solidFill>
+                <a:latin typeface="微软雅黑 Light" panose="020B0502040204020203" pitchFamily="34" charset="-122"/>
+                <a:ea typeface="微软雅黑 Light" panose="020B0502040204020203" pitchFamily="34" charset="-122"/>
+              </a:rPr>
+              <a:t>GQuater</a:t>
+            </a:r>
+            <a:r>
+              <a:rPr lang="en-US" altLang="zh-CN" sz="2400" dirty="0">
+                <a:solidFill>
+                  <a:schemeClr val="tx1">
+                    <a:lumMod val="65000"/>
+                    <a:lumOff val="35000"/>
+                  </a:schemeClr>
+                </a:solidFill>
+                <a:latin typeface="微软雅黑 Light" panose="020B0502040204020203" pitchFamily="34" charset="-122"/>
+                <a:ea typeface="微软雅黑 Light" panose="020B0502040204020203" pitchFamily="34" charset="-122"/>
+              </a:rPr>
+              <a:t>&amp; </a:t>
+            </a:r>
+            <a:r>
+              <a:rPr lang="en-US" altLang="zh-CN" sz="2400" dirty="0" err="1">
+                <a:solidFill>
+                  <a:schemeClr val="tx1">
+                    <a:lumMod val="65000"/>
+                    <a:lumOff val="35000"/>
+                  </a:schemeClr>
+                </a:solidFill>
+                <a:latin typeface="微软雅黑 Light" panose="020B0502040204020203" pitchFamily="34" charset="-122"/>
+                <a:ea typeface="微软雅黑 Light" panose="020B0502040204020203" pitchFamily="34" charset="-122"/>
+              </a:rPr>
+              <a:t>rhs</a:t>
+            </a:r>
+            <a:r>
+              <a:rPr lang="en-US" altLang="zh-CN" sz="2400" dirty="0">
+                <a:solidFill>
+                  <a:schemeClr val="tx1">
+                    <a:lumMod val="65000"/>
+                    <a:lumOff val="35000"/>
+                  </a:schemeClr>
+                </a:solidFill>
+                <a:latin typeface="微软雅黑 Light" panose="020B0502040204020203" pitchFamily="34" charset="-122"/>
+                <a:ea typeface="微软雅黑 Light" panose="020B0502040204020203" pitchFamily="34" charset="-122"/>
+              </a:rPr>
+              <a:t>)</a:t>
+            </a:r>
+          </a:p>
+        </p:txBody>
+      </p:sp>
+    </p:spTree>
+    <p:extLst>
+      <p:ext uri="{BB962C8B-B14F-4D97-AF65-F5344CB8AC3E}">
+        <p14:creationId xmlns:p14="http://schemas.microsoft.com/office/powerpoint/2010/main" val="177885220"/>
+      </p:ext>
+    </p:extLst>
+  </p:cSld>
+  <p:clrMapOvr>
+    <a:masterClrMapping/>
+  </p:clrMapOvr>
+</p:sld>
+</file>
+
+<file path=ppt/slides/slide25.xml><?xml version="1.0" encoding="utf-8"?>
+<p:sld xmlns:a="http://schemas.openxmlformats.org/drawingml/2006/main" xmlns:r="http://schemas.openxmlformats.org/officeDocument/2006/relationships" xmlns:p="http://schemas.openxmlformats.org/presentationml/2006/main">
+  <p:cSld>
+    <p:spTree>
+      <p:nvGrpSpPr>
+        <p:cNvPr id="1" name=""/>
+        <p:cNvGrpSpPr/>
+        <p:nvPr/>
+      </p:nvGrpSpPr>
+      <p:grpSpPr>
+        <a:xfrm>
+          <a:off x="0" y="0"/>
+          <a:ext cx="0" cy="0"/>
+          <a:chOff x="0" y="0"/>
+          <a:chExt cx="0" cy="0"/>
+        </a:xfrm>
+      </p:grpSpPr>
+      <p:pic>
+        <p:nvPicPr>
+          <p:cNvPr id="3074" name="Picture 2">
+            <a:extLst>
+              <a:ext uri="{FF2B5EF4-FFF2-40B4-BE49-F238E27FC236}">
+                <a16:creationId xmlns:a16="http://schemas.microsoft.com/office/drawing/2014/main" id="{602C339E-BA86-4A21-AB6C-4F6D8491BC39}"/>
+              </a:ext>
+            </a:extLst>
+          </p:cNvPr>
+          <p:cNvPicPr>
+            <a:picLocks noChangeAspect="1" noChangeArrowheads="1"/>
+          </p:cNvPicPr>
+          <p:nvPr/>
+        </p:nvPicPr>
+        <p:blipFill>
+          <a:blip r:embed="rId2">
+            <a:extLst>
+              <a:ext uri="{28A0092B-C50C-407E-A947-70E740481C1C}">
+                <a14:useLocalDpi xmlns:a14="http://schemas.microsoft.com/office/drawing/2010/main" val="0"/>
+              </a:ext>
+            </a:extLst>
+          </a:blip>
+          <a:srcRect/>
+          <a:stretch>
+            <a:fillRect/>
+          </a:stretch>
+        </p:blipFill>
+        <p:spPr bwMode="auto">
+          <a:xfrm>
+            <a:off x="7956550" y="4606925"/>
+            <a:ext cx="1081088" cy="450850"/>
+          </a:xfrm>
+          <a:prstGeom prst="rect">
+            <a:avLst/>
+          </a:prstGeom>
+          <a:noFill/>
+          <a:ln>
+            <a:noFill/>
+          </a:ln>
+          <a:effectLst/>
+          <a:extLst>
+            <a:ext uri="{909E8E84-426E-40DD-AFC4-6F175D3DCCD1}">
+              <a14:hiddenFill xmlns:a14="http://schemas.microsoft.com/office/drawing/2010/main">
+                <a:solidFill>
+                  <a:srgbClr val="FFFFFF"/>
+                </a:solidFill>
+              </a14:hiddenFill>
+            </a:ext>
+            <a:ext uri="{91240B29-F687-4F45-9708-019B960494DF}">
+              <a14:hiddenLine xmlns:a14="http://schemas.microsoft.com/office/drawing/2010/main" w="9525">
+                <a:solidFill>
+                  <a:srgbClr val="000000"/>
+                </a:solidFill>
+                <a:miter lim="800000"/>
+                <a:headEnd/>
+                <a:tailEnd/>
+              </a14:hiddenLine>
+            </a:ext>
+            <a:ext uri="{AF507438-7753-43E0-B8FC-AC1667EBCBE1}">
+              <a14:hiddenEffects xmlns:a14="http://schemas.microsoft.com/office/drawing/2010/main">
+                <a:effectLst>
+                  <a:outerShdw dist="35921" dir="2700000" algn="ctr" rotWithShape="0">
+                    <a:srgbClr val="808080"/>
+                  </a:outerShdw>
+                </a:effectLst>
+              </a14:hiddenEffects>
+            </a:ext>
+          </a:extLst>
+        </p:spPr>
+      </p:pic>
+      <p:sp>
+        <p:nvSpPr>
+          <p:cNvPr id="3075" name="Title 1">
+            <a:extLst>
+              <a:ext uri="{FF2B5EF4-FFF2-40B4-BE49-F238E27FC236}">
+                <a16:creationId xmlns:a16="http://schemas.microsoft.com/office/drawing/2014/main" id="{666E1B67-1175-4598-AA77-794FC6629051}"/>
+              </a:ext>
+            </a:extLst>
+          </p:cNvPr>
+          <p:cNvSpPr>
+            <a:spLocks noGrp="1" noChangeArrowheads="1"/>
+          </p:cNvSpPr>
+          <p:nvPr>
+            <p:ph type="title"/>
+          </p:nvPr>
+        </p:nvSpPr>
+        <p:spPr bwMode="auto">
+          <a:xfrm>
+            <a:off x="457200" y="123825"/>
+            <a:ext cx="8229600" cy="711200"/>
+          </a:xfrm>
+          <a:noFill/>
+          <a:extLst>
+            <a:ext uri="{909E8E84-426E-40DD-AFC4-6F175D3DCCD1}">
+              <a14:hiddenFill xmlns:a14="http://schemas.microsoft.com/office/drawing/2010/main">
+                <a:solidFill>
+                  <a:srgbClr val="FFFFFF"/>
+                </a:solidFill>
+              </a14:hiddenFill>
+            </a:ext>
+            <a:ext uri="{91240B29-F687-4F45-9708-019B960494DF}">
+              <a14:hiddenLine xmlns:a14="http://schemas.microsoft.com/office/drawing/2010/main" w="9525">
+                <a:solidFill>
+                  <a:srgbClr val="000000"/>
+                </a:solidFill>
+                <a:miter lim="800000"/>
+                <a:headEnd/>
+                <a:tailEnd/>
+              </a14:hiddenLine>
+            </a:ext>
+          </a:extLst>
+        </p:spPr>
+        <p:txBody>
+          <a:bodyPr vert="horz" wrap="square" lIns="91440" tIns="45720" rIns="91440" bIns="45720" numCol="1" anchor="t" anchorCtr="0" compatLnSpc="1">
+            <a:prstTxWarp prst="textNoShape">
+              <a:avLst/>
+            </a:prstTxWarp>
+          </a:bodyPr>
+          <a:lstStyle/>
+          <a:p>
+            <a:pPr algn="l" eaLnBrk="1" hangingPunct="1"/>
+            <a:r>
+              <a:rPr lang="zh-CN" altLang="en-US" dirty="0">
+                <a:solidFill>
+                  <a:srgbClr val="C00000"/>
+                </a:solidFill>
+                <a:latin typeface="微软雅黑 Light" panose="020B0502040204020203" pitchFamily="34" charset="-122"/>
+                <a:ea typeface="微软雅黑 Light" panose="020B0502040204020203" pitchFamily="34" charset="-122"/>
+              </a:rPr>
+              <a:t>练习</a:t>
+            </a:r>
+            <a:endParaRPr lang="en-US" altLang="zh-CN" dirty="0">
+              <a:solidFill>
+                <a:srgbClr val="C00000"/>
+              </a:solidFill>
+              <a:latin typeface="微软雅黑 Light" panose="020B0502040204020203" pitchFamily="34" charset="-122"/>
+              <a:ea typeface="微软雅黑 Light" panose="020B0502040204020203" pitchFamily="34" charset="-122"/>
+            </a:endParaRPr>
+          </a:p>
+        </p:txBody>
+      </p:sp>
+      <p:sp>
+        <p:nvSpPr>
+          <p:cNvPr id="4" name="Content Placeholder 3">
+            <a:extLst>
+              <a:ext uri="{FF2B5EF4-FFF2-40B4-BE49-F238E27FC236}">
+                <a16:creationId xmlns:a16="http://schemas.microsoft.com/office/drawing/2014/main" id="{368B2D2E-6A5C-4FE0-91BB-6CC0CC9AEF62}"/>
+              </a:ext>
+            </a:extLst>
+          </p:cNvPr>
+          <p:cNvSpPr txBox="1">
+            <a:spLocks/>
+          </p:cNvSpPr>
+          <p:nvPr/>
+        </p:nvSpPr>
+        <p:spPr>
+          <a:xfrm>
+            <a:off x="457200" y="1131888"/>
+            <a:ext cx="8229600" cy="3925887"/>
+          </a:xfrm>
+          <a:prstGeom prst="rect">
+            <a:avLst/>
+          </a:prstGeom>
+        </p:spPr>
+        <p:txBody>
+          <a:bodyPr/>
+          <a:lstStyle>
+            <a:lvl1pPr marL="342900" indent="-342900" algn="l" rtl="0" fontAlgn="base">
+              <a:spcBef>
+                <a:spcPct val="20000"/>
+              </a:spcBef>
+              <a:spcAft>
+                <a:spcPct val="0"/>
+              </a:spcAft>
+              <a:buFont typeface="Arial" panose="020B0604020202020204" pitchFamily="34" charset="0"/>
+              <a:buChar char="•"/>
+              <a:defRPr sz="3200" kern="1200">
+                <a:solidFill>
+                  <a:schemeClr val="tx1"/>
+                </a:solidFill>
+                <a:latin typeface="+mn-lt"/>
+                <a:ea typeface="+mn-ea"/>
+                <a:cs typeface="+mn-cs"/>
+                <a:sym typeface="Calibri" panose="020F0502020204030204" pitchFamily="34" charset="0"/>
+              </a:defRPr>
+            </a:lvl1pPr>
+            <a:lvl2pPr marL="742950" indent="-285750" algn="l" rtl="0" fontAlgn="base">
+              <a:spcBef>
+                <a:spcPct val="20000"/>
+              </a:spcBef>
+              <a:spcAft>
+                <a:spcPct val="0"/>
+              </a:spcAft>
+              <a:buFont typeface="Arial" panose="020B0604020202020204" pitchFamily="34" charset="0"/>
+              <a:buChar char="–"/>
+              <a:defRPr sz="2800" kern="1200">
+                <a:solidFill>
+                  <a:schemeClr val="tx1"/>
+                </a:solidFill>
+                <a:latin typeface="+mn-lt"/>
+                <a:ea typeface="+mn-ea"/>
+                <a:cs typeface="+mn-cs"/>
+                <a:sym typeface="Calibri" panose="020F0502020204030204" pitchFamily="34" charset="0"/>
+              </a:defRPr>
+            </a:lvl2pPr>
+            <a:lvl3pPr marL="1143000" indent="-228600" algn="l" rtl="0" fontAlgn="base">
+              <a:spcBef>
+                <a:spcPct val="20000"/>
+              </a:spcBef>
+              <a:spcAft>
+                <a:spcPct val="0"/>
+              </a:spcAft>
+              <a:buFont typeface="Arial" panose="020B0604020202020204" pitchFamily="34" charset="0"/>
+              <a:buChar char="•"/>
+              <a:defRPr sz="2400" kern="1200">
+                <a:solidFill>
+                  <a:schemeClr val="tx1"/>
+                </a:solidFill>
+                <a:latin typeface="+mn-lt"/>
+                <a:ea typeface="+mn-ea"/>
+                <a:cs typeface="+mn-cs"/>
+                <a:sym typeface="Calibri" panose="020F0502020204030204" pitchFamily="34" charset="0"/>
+              </a:defRPr>
+            </a:lvl3pPr>
+            <a:lvl4pPr marL="1600200" indent="-228600" algn="l" rtl="0" fontAlgn="base">
+              <a:spcBef>
+                <a:spcPct val="20000"/>
+              </a:spcBef>
+              <a:spcAft>
+                <a:spcPct val="0"/>
+              </a:spcAft>
+              <a:buFont typeface="Arial" panose="020B0604020202020204" pitchFamily="34" charset="0"/>
+              <a:buChar char="–"/>
+              <a:defRPr sz="2000" kern="1200">
+                <a:solidFill>
+                  <a:schemeClr val="tx1"/>
+                </a:solidFill>
+                <a:latin typeface="+mn-lt"/>
+                <a:ea typeface="+mn-ea"/>
+                <a:cs typeface="+mn-cs"/>
+                <a:sym typeface="Calibri" panose="020F0502020204030204" pitchFamily="34" charset="0"/>
+              </a:defRPr>
+            </a:lvl4pPr>
+            <a:lvl5pPr marL="2057400" indent="-228600" algn="l" rtl="0" fontAlgn="base">
+              <a:spcBef>
+                <a:spcPct val="20000"/>
+              </a:spcBef>
+              <a:spcAft>
+                <a:spcPct val="0"/>
+              </a:spcAft>
+              <a:buFont typeface="Arial" panose="020B0604020202020204" pitchFamily="34" charset="0"/>
+              <a:buChar char="»"/>
+              <a:defRPr sz="2000" kern="1200">
+                <a:solidFill>
+                  <a:schemeClr val="tx1"/>
+                </a:solidFill>
+                <a:latin typeface="+mn-lt"/>
+                <a:ea typeface="+mn-ea"/>
+                <a:cs typeface="+mn-cs"/>
+                <a:sym typeface="Calibri" panose="020F0502020204030204" pitchFamily="34" charset="0"/>
+              </a:defRPr>
+            </a:lvl5pPr>
+            <a:lvl6pPr marL="2514600" indent="-228600" algn="l" defTabSz="914400" rtl="0" eaLnBrk="1" latinLnBrk="0" hangingPunct="1">
+              <a:lnSpc>
+                <a:spcPct val="90000"/>
+              </a:lnSpc>
+              <a:spcBef>
+                <a:spcPts val="500"/>
+              </a:spcBef>
+              <a:buFont typeface="Arial" panose="020B0604020202020204" pitchFamily="34" charset="0"/>
+              <a:buChar char="•"/>
+              <a:defRPr sz="1800" kern="1200">
+                <a:solidFill>
+                  <a:schemeClr val="tx1"/>
+                </a:solidFill>
+                <a:latin typeface="+mn-lt"/>
+                <a:ea typeface="+mn-ea"/>
+                <a:cs typeface="+mn-cs"/>
+              </a:defRPr>
+            </a:lvl6pPr>
+            <a:lvl7pPr marL="2971800" indent="-228600" algn="l" defTabSz="914400" rtl="0" eaLnBrk="1" latinLnBrk="0" hangingPunct="1">
+              <a:lnSpc>
+                <a:spcPct val="90000"/>
+              </a:lnSpc>
+              <a:spcBef>
+                <a:spcPts val="500"/>
+              </a:spcBef>
+              <a:buFont typeface="Arial" panose="020B0604020202020204" pitchFamily="34" charset="0"/>
+              <a:buChar char="•"/>
+              <a:defRPr sz="1800" kern="1200">
+                <a:solidFill>
+                  <a:schemeClr val="tx1"/>
+                </a:solidFill>
+                <a:latin typeface="+mn-lt"/>
+                <a:ea typeface="+mn-ea"/>
+                <a:cs typeface="+mn-cs"/>
+              </a:defRPr>
+            </a:lvl7pPr>
+            <a:lvl8pPr marL="3429000" indent="-228600" algn="l" defTabSz="914400" rtl="0" eaLnBrk="1" latinLnBrk="0" hangingPunct="1">
+              <a:lnSpc>
+                <a:spcPct val="90000"/>
+              </a:lnSpc>
+              <a:spcBef>
+                <a:spcPts val="500"/>
+              </a:spcBef>
+              <a:buFont typeface="Arial" panose="020B0604020202020204" pitchFamily="34" charset="0"/>
+              <a:buChar char="•"/>
+              <a:defRPr sz="1800" kern="1200">
+                <a:solidFill>
+                  <a:schemeClr val="tx1"/>
+                </a:solidFill>
+                <a:latin typeface="+mn-lt"/>
+                <a:ea typeface="+mn-ea"/>
+                <a:cs typeface="+mn-cs"/>
+              </a:defRPr>
+            </a:lvl8pPr>
+            <a:lvl9pPr marL="3886200" indent="-228600" algn="l" defTabSz="914400" rtl="0" eaLnBrk="1" latinLnBrk="0" hangingPunct="1">
+              <a:lnSpc>
+                <a:spcPct val="90000"/>
+              </a:lnSpc>
+              <a:spcBef>
+                <a:spcPts val="500"/>
+              </a:spcBef>
+              <a:buFont typeface="Arial" panose="020B0604020202020204" pitchFamily="34" charset="0"/>
+              <a:buChar char="•"/>
+              <a:defRPr sz="1800" kern="1200">
+                <a:solidFill>
+                  <a:schemeClr val="tx1"/>
+                </a:solidFill>
+                <a:latin typeface="+mn-lt"/>
+                <a:ea typeface="+mn-ea"/>
+                <a:cs typeface="+mn-cs"/>
+              </a:defRPr>
+            </a:lvl9pPr>
+          </a:lstStyle>
+          <a:p>
+            <a:pPr>
+              <a:lnSpc>
+                <a:spcPct val="150000"/>
+              </a:lnSpc>
+            </a:pPr>
+            <a:r>
+              <a:rPr lang="zh-CN" altLang="en-US" sz="2800" dirty="0">
+                <a:solidFill>
+                  <a:schemeClr val="tx1">
+                    <a:lumMod val="65000"/>
+                    <a:lumOff val="35000"/>
+                  </a:schemeClr>
+                </a:solidFill>
+                <a:latin typeface="微软雅黑 Light" panose="020B0502040204020203" pitchFamily="34" charset="-122"/>
+                <a:ea typeface="微软雅黑 Light" panose="020B0502040204020203" pitchFamily="34" charset="-122"/>
+              </a:rPr>
+              <a:t>完善</a:t>
+            </a:r>
+            <a:r>
+              <a:rPr lang="en-US" altLang="zh-CN" sz="2800" dirty="0" err="1">
+                <a:solidFill>
+                  <a:schemeClr val="tx1">
+                    <a:lumMod val="65000"/>
+                    <a:lumOff val="35000"/>
+                  </a:schemeClr>
+                </a:solidFill>
+                <a:latin typeface="微软雅黑 Light" panose="020B0502040204020203" pitchFamily="34" charset="-122"/>
+                <a:ea typeface="微软雅黑 Light" panose="020B0502040204020203" pitchFamily="34" charset="-122"/>
+              </a:rPr>
+              <a:t>GQuater</a:t>
+            </a:r>
+            <a:r>
+              <a:rPr lang="zh-CN" altLang="en-US" sz="2800" dirty="0">
+                <a:solidFill>
+                  <a:schemeClr val="tx1">
+                    <a:lumMod val="65000"/>
+                    <a:lumOff val="35000"/>
+                  </a:schemeClr>
+                </a:solidFill>
+                <a:latin typeface="微软雅黑 Light" panose="020B0502040204020203" pitchFamily="34" charset="-122"/>
+                <a:ea typeface="微软雅黑 Light" panose="020B0502040204020203" pitchFamily="34" charset="-122"/>
+              </a:rPr>
+              <a:t>类</a:t>
+            </a:r>
+            <a:endParaRPr lang="en-US" altLang="zh-CN" sz="2800" dirty="0">
+              <a:solidFill>
+                <a:schemeClr val="tx1">
+                  <a:lumMod val="65000"/>
+                  <a:lumOff val="35000"/>
+                </a:schemeClr>
+              </a:solidFill>
+              <a:latin typeface="微软雅黑 Light" panose="020B0502040204020203" pitchFamily="34" charset="-122"/>
+              <a:ea typeface="微软雅黑 Light" panose="020B0502040204020203" pitchFamily="34" charset="-122"/>
+            </a:endParaRPr>
+          </a:p>
+          <a:p>
+            <a:pPr lvl="1">
+              <a:lnSpc>
+                <a:spcPct val="150000"/>
+              </a:lnSpc>
+            </a:pPr>
+            <a:r>
+              <a:rPr lang="en-US" altLang="zh-CN" sz="2400" dirty="0" err="1">
+                <a:solidFill>
+                  <a:schemeClr val="tx1">
+                    <a:lumMod val="65000"/>
+                    <a:lumOff val="35000"/>
+                  </a:schemeClr>
+                </a:solidFill>
+                <a:latin typeface="微软雅黑 Light" panose="020B0502040204020203" pitchFamily="34" charset="-122"/>
+                <a:ea typeface="微软雅黑 Light" panose="020B0502040204020203" pitchFamily="34" charset="-122"/>
+              </a:rPr>
+              <a:t>GQuater</a:t>
+            </a:r>
+            <a:r>
+              <a:rPr lang="en-US" altLang="zh-CN" sz="2400" dirty="0">
+                <a:solidFill>
+                  <a:schemeClr val="tx1">
+                    <a:lumMod val="65000"/>
+                    <a:lumOff val="35000"/>
+                  </a:schemeClr>
+                </a:solidFill>
+                <a:latin typeface="微软雅黑 Light" panose="020B0502040204020203" pitchFamily="34" charset="-122"/>
+                <a:ea typeface="微软雅黑 Light" panose="020B0502040204020203" pitchFamily="34" charset="-122"/>
+              </a:rPr>
+              <a:t>&amp; operator *=(</a:t>
+            </a:r>
+            <a:r>
+              <a:rPr lang="en-US" altLang="zh-CN" sz="2400" dirty="0" err="1">
+                <a:solidFill>
+                  <a:schemeClr val="tx1">
+                    <a:lumMod val="65000"/>
+                    <a:lumOff val="35000"/>
+                  </a:schemeClr>
+                </a:solidFill>
+                <a:latin typeface="微软雅黑 Light" panose="020B0502040204020203" pitchFamily="34" charset="-122"/>
+                <a:ea typeface="微软雅黑 Light" panose="020B0502040204020203" pitchFamily="34" charset="-122"/>
+              </a:rPr>
+              <a:t>const</a:t>
+            </a:r>
+            <a:r>
+              <a:rPr lang="en-US" altLang="zh-CN" sz="2400" dirty="0">
+                <a:solidFill>
+                  <a:schemeClr val="tx1">
+                    <a:lumMod val="65000"/>
+                    <a:lumOff val="35000"/>
+                  </a:schemeClr>
+                </a:solidFill>
+                <a:latin typeface="微软雅黑 Light" panose="020B0502040204020203" pitchFamily="34" charset="-122"/>
+                <a:ea typeface="微软雅黑 Light" panose="020B0502040204020203" pitchFamily="34" charset="-122"/>
+              </a:rPr>
+              <a:t> float&amp; s);</a:t>
+            </a:r>
+          </a:p>
+          <a:p>
+            <a:pPr lvl="1">
+              <a:lnSpc>
+                <a:spcPct val="150000"/>
+              </a:lnSpc>
+            </a:pPr>
+            <a:r>
+              <a:rPr lang="en-US" altLang="zh-CN" sz="2400" dirty="0" err="1">
+                <a:solidFill>
+                  <a:schemeClr val="tx1">
+                    <a:lumMod val="65000"/>
+                    <a:lumOff val="35000"/>
+                  </a:schemeClr>
+                </a:solidFill>
+                <a:latin typeface="微软雅黑 Light" panose="020B0502040204020203" pitchFamily="34" charset="-122"/>
+                <a:ea typeface="微软雅黑 Light" panose="020B0502040204020203" pitchFamily="34" charset="-122"/>
+              </a:rPr>
+              <a:t>GQuater</a:t>
+            </a:r>
+            <a:r>
+              <a:rPr lang="en-US" altLang="zh-CN" sz="2400" dirty="0">
+                <a:solidFill>
+                  <a:schemeClr val="tx1">
+                    <a:lumMod val="65000"/>
+                    <a:lumOff val="35000"/>
+                  </a:schemeClr>
+                </a:solidFill>
+                <a:latin typeface="微软雅黑 Light" panose="020B0502040204020203" pitchFamily="34" charset="-122"/>
+                <a:ea typeface="微软雅黑 Light" panose="020B0502040204020203" pitchFamily="34" charset="-122"/>
+              </a:rPr>
+              <a:t>&amp; operator /=(</a:t>
+            </a:r>
+            <a:r>
+              <a:rPr lang="en-US" altLang="zh-CN" sz="2400" dirty="0" err="1">
+                <a:solidFill>
+                  <a:schemeClr val="tx1">
+                    <a:lumMod val="65000"/>
+                    <a:lumOff val="35000"/>
+                  </a:schemeClr>
+                </a:solidFill>
+                <a:latin typeface="微软雅黑 Light" panose="020B0502040204020203" pitchFamily="34" charset="-122"/>
+                <a:ea typeface="微软雅黑 Light" panose="020B0502040204020203" pitchFamily="34" charset="-122"/>
+              </a:rPr>
+              <a:t>const</a:t>
+            </a:r>
+            <a:r>
+              <a:rPr lang="en-US" altLang="zh-CN" sz="2400" dirty="0">
+                <a:solidFill>
+                  <a:schemeClr val="tx1">
+                    <a:lumMod val="65000"/>
+                    <a:lumOff val="35000"/>
+                  </a:schemeClr>
+                </a:solidFill>
+                <a:latin typeface="微软雅黑 Light" panose="020B0502040204020203" pitchFamily="34" charset="-122"/>
+                <a:ea typeface="微软雅黑 Light" panose="020B0502040204020203" pitchFamily="34" charset="-122"/>
+              </a:rPr>
+              <a:t> float&amp; s);</a:t>
+            </a:r>
+          </a:p>
+          <a:p>
+            <a:pPr lvl="1">
+              <a:lnSpc>
+                <a:spcPct val="150000"/>
+              </a:lnSpc>
+            </a:pPr>
+            <a:r>
+              <a:rPr lang="en-US" altLang="zh-CN" sz="2400" dirty="0" err="1">
+                <a:solidFill>
+                  <a:schemeClr val="tx1">
+                    <a:lumMod val="65000"/>
+                    <a:lumOff val="35000"/>
+                  </a:schemeClr>
+                </a:solidFill>
+                <a:latin typeface="微软雅黑 Light" panose="020B0502040204020203" pitchFamily="34" charset="-122"/>
+                <a:ea typeface="微软雅黑 Light" panose="020B0502040204020203" pitchFamily="34" charset="-122"/>
+              </a:rPr>
+              <a:t>GQuater</a:t>
+            </a:r>
+            <a:r>
+              <a:rPr lang="en-US" altLang="zh-CN" sz="2400" dirty="0">
+                <a:solidFill>
+                  <a:schemeClr val="tx1">
+                    <a:lumMod val="65000"/>
+                    <a:lumOff val="35000"/>
+                  </a:schemeClr>
+                </a:solidFill>
+                <a:latin typeface="微软雅黑 Light" panose="020B0502040204020203" pitchFamily="34" charset="-122"/>
+                <a:ea typeface="微软雅黑 Light" panose="020B0502040204020203" pitchFamily="34" charset="-122"/>
+              </a:rPr>
+              <a:t> operator+() </a:t>
+            </a:r>
+            <a:r>
+              <a:rPr lang="en-US" altLang="zh-CN" sz="2400" dirty="0" err="1">
+                <a:solidFill>
+                  <a:schemeClr val="tx1">
+                    <a:lumMod val="65000"/>
+                    <a:lumOff val="35000"/>
+                  </a:schemeClr>
+                </a:solidFill>
+                <a:latin typeface="微软雅黑 Light" panose="020B0502040204020203" pitchFamily="34" charset="-122"/>
+                <a:ea typeface="微软雅黑 Light" panose="020B0502040204020203" pitchFamily="34" charset="-122"/>
+              </a:rPr>
+              <a:t>const</a:t>
+            </a:r>
+            <a:r>
+              <a:rPr lang="en-US" altLang="zh-CN" sz="2400" dirty="0">
+                <a:solidFill>
+                  <a:schemeClr val="tx1">
+                    <a:lumMod val="65000"/>
+                    <a:lumOff val="35000"/>
+                  </a:schemeClr>
+                </a:solidFill>
+                <a:latin typeface="微软雅黑 Light" panose="020B0502040204020203" pitchFamily="34" charset="-122"/>
+                <a:ea typeface="微软雅黑 Light" panose="020B0502040204020203" pitchFamily="34" charset="-122"/>
+              </a:rPr>
+              <a:t>;</a:t>
+            </a:r>
+          </a:p>
+          <a:p>
+            <a:pPr lvl="1">
+              <a:lnSpc>
+                <a:spcPct val="150000"/>
+              </a:lnSpc>
+            </a:pPr>
+            <a:r>
+              <a:rPr lang="en-US" altLang="zh-CN" sz="2400" dirty="0" err="1">
+                <a:solidFill>
+                  <a:schemeClr val="tx1">
+                    <a:lumMod val="65000"/>
+                    <a:lumOff val="35000"/>
+                  </a:schemeClr>
+                </a:solidFill>
+                <a:latin typeface="微软雅黑 Light" panose="020B0502040204020203" pitchFamily="34" charset="-122"/>
+                <a:ea typeface="微软雅黑 Light" panose="020B0502040204020203" pitchFamily="34" charset="-122"/>
+              </a:rPr>
+              <a:t>GQuater</a:t>
+            </a:r>
+            <a:r>
+              <a:rPr lang="en-US" altLang="zh-CN" sz="2400" dirty="0">
+                <a:solidFill>
+                  <a:schemeClr val="tx1">
+                    <a:lumMod val="65000"/>
+                    <a:lumOff val="35000"/>
+                  </a:schemeClr>
+                </a:solidFill>
+                <a:latin typeface="微软雅黑 Light" panose="020B0502040204020203" pitchFamily="34" charset="-122"/>
+                <a:ea typeface="微软雅黑 Light" panose="020B0502040204020203" pitchFamily="34" charset="-122"/>
+              </a:rPr>
+              <a:t> operator -() </a:t>
+            </a:r>
+            <a:r>
+              <a:rPr lang="en-US" altLang="zh-CN" sz="2400" dirty="0" err="1">
+                <a:solidFill>
+                  <a:schemeClr val="tx1">
+                    <a:lumMod val="65000"/>
+                    <a:lumOff val="35000"/>
+                  </a:schemeClr>
+                </a:solidFill>
+                <a:latin typeface="微软雅黑 Light" panose="020B0502040204020203" pitchFamily="34" charset="-122"/>
+                <a:ea typeface="微软雅黑 Light" panose="020B0502040204020203" pitchFamily="34" charset="-122"/>
+              </a:rPr>
+              <a:t>const</a:t>
+            </a:r>
+            <a:r>
+              <a:rPr lang="en-US" altLang="zh-CN" sz="2400" dirty="0">
+                <a:solidFill>
+                  <a:schemeClr val="tx1">
+                    <a:lumMod val="65000"/>
+                    <a:lumOff val="35000"/>
+                  </a:schemeClr>
+                </a:solidFill>
+                <a:latin typeface="微软雅黑 Light" panose="020B0502040204020203" pitchFamily="34" charset="-122"/>
+                <a:ea typeface="微软雅黑 Light" panose="020B0502040204020203" pitchFamily="34" charset="-122"/>
+              </a:rPr>
+              <a:t>;</a:t>
+            </a:r>
+          </a:p>
+        </p:txBody>
+      </p:sp>
+    </p:spTree>
+    <p:extLst>
+      <p:ext uri="{BB962C8B-B14F-4D97-AF65-F5344CB8AC3E}">
+        <p14:creationId xmlns:p14="http://schemas.microsoft.com/office/powerpoint/2010/main" val="4249129530"/>
+      </p:ext>
+    </p:extLst>
+  </p:cSld>
+  <p:clrMapOvr>
+    <a:masterClrMapping/>
+  </p:clrMapOvr>
+</p:sld>
+</file>
+
+<file path=ppt/slides/slide26.xml><?xml version="1.0" encoding="utf-8"?>
+<p:sld xmlns:a="http://schemas.openxmlformats.org/drawingml/2006/main" xmlns:r="http://schemas.openxmlformats.org/officeDocument/2006/relationships" xmlns:p="http://schemas.openxmlformats.org/presentationml/2006/main">
+  <p:cSld>
+    <p:spTree>
+      <p:nvGrpSpPr>
+        <p:cNvPr id="1" name=""/>
+        <p:cNvGrpSpPr/>
+        <p:nvPr/>
+      </p:nvGrpSpPr>
+      <p:grpSpPr>
+        <a:xfrm>
+          <a:off x="0" y="0"/>
+          <a:ext cx="0" cy="0"/>
+          <a:chOff x="0" y="0"/>
+          <a:chExt cx="0" cy="0"/>
+        </a:xfrm>
+      </p:grpSpPr>
+      <p:pic>
+        <p:nvPicPr>
+          <p:cNvPr id="3074" name="Picture 2">
+            <a:extLst>
+              <a:ext uri="{FF2B5EF4-FFF2-40B4-BE49-F238E27FC236}">
+                <a16:creationId xmlns:a16="http://schemas.microsoft.com/office/drawing/2014/main" id="{602C339E-BA86-4A21-AB6C-4F6D8491BC39}"/>
+              </a:ext>
+            </a:extLst>
+          </p:cNvPr>
+          <p:cNvPicPr>
+            <a:picLocks noChangeAspect="1" noChangeArrowheads="1"/>
+          </p:cNvPicPr>
+          <p:nvPr/>
+        </p:nvPicPr>
+        <p:blipFill>
+          <a:blip r:embed="rId2">
+            <a:extLst>
+              <a:ext uri="{28A0092B-C50C-407E-A947-70E740481C1C}">
+                <a14:useLocalDpi xmlns:a14="http://schemas.microsoft.com/office/drawing/2010/main" val="0"/>
+              </a:ext>
+            </a:extLst>
+          </a:blip>
+          <a:srcRect/>
+          <a:stretch>
+            <a:fillRect/>
+          </a:stretch>
+        </p:blipFill>
+        <p:spPr bwMode="auto">
+          <a:xfrm>
+            <a:off x="7956550" y="4606925"/>
+            <a:ext cx="1081088" cy="450850"/>
+          </a:xfrm>
+          <a:prstGeom prst="rect">
+            <a:avLst/>
+          </a:prstGeom>
+          <a:noFill/>
+          <a:ln>
+            <a:noFill/>
+          </a:ln>
+          <a:effectLst/>
+          <a:extLst>
+            <a:ext uri="{909E8E84-426E-40DD-AFC4-6F175D3DCCD1}">
+              <a14:hiddenFill xmlns:a14="http://schemas.microsoft.com/office/drawing/2010/main">
+                <a:solidFill>
+                  <a:srgbClr val="FFFFFF"/>
+                </a:solidFill>
+              </a14:hiddenFill>
+            </a:ext>
+            <a:ext uri="{91240B29-F687-4F45-9708-019B960494DF}">
+              <a14:hiddenLine xmlns:a14="http://schemas.microsoft.com/office/drawing/2010/main" w="9525">
+                <a:solidFill>
+                  <a:srgbClr val="000000"/>
+                </a:solidFill>
+                <a:miter lim="800000"/>
+                <a:headEnd/>
+                <a:tailEnd/>
+              </a14:hiddenLine>
+            </a:ext>
+            <a:ext uri="{AF507438-7753-43E0-B8FC-AC1667EBCBE1}">
+              <a14:hiddenEffects xmlns:a14="http://schemas.microsoft.com/office/drawing/2010/main">
+                <a:effectLst>
+                  <a:outerShdw dist="35921" dir="2700000" algn="ctr" rotWithShape="0">
+                    <a:srgbClr val="808080"/>
+                  </a:outerShdw>
+                </a:effectLst>
+              </a14:hiddenEffects>
+            </a:ext>
+          </a:extLst>
+        </p:spPr>
+      </p:pic>
+      <p:sp>
+        <p:nvSpPr>
+          <p:cNvPr id="3075" name="Title 1">
+            <a:extLst>
+              <a:ext uri="{FF2B5EF4-FFF2-40B4-BE49-F238E27FC236}">
+                <a16:creationId xmlns:a16="http://schemas.microsoft.com/office/drawing/2014/main" id="{666E1B67-1175-4598-AA77-794FC6629051}"/>
+              </a:ext>
+            </a:extLst>
+          </p:cNvPr>
+          <p:cNvSpPr>
+            <a:spLocks noGrp="1" noChangeArrowheads="1"/>
+          </p:cNvSpPr>
+          <p:nvPr>
+            <p:ph type="title"/>
+          </p:nvPr>
+        </p:nvSpPr>
+        <p:spPr bwMode="auto">
+          <a:xfrm>
+            <a:off x="457200" y="123825"/>
+            <a:ext cx="8229600" cy="711200"/>
+          </a:xfrm>
+          <a:noFill/>
+          <a:extLst>
+            <a:ext uri="{909E8E84-426E-40DD-AFC4-6F175D3DCCD1}">
+              <a14:hiddenFill xmlns:a14="http://schemas.microsoft.com/office/drawing/2010/main">
+                <a:solidFill>
+                  <a:srgbClr val="FFFFFF"/>
+                </a:solidFill>
+              </a14:hiddenFill>
+            </a:ext>
+            <a:ext uri="{91240B29-F687-4F45-9708-019B960494DF}">
+              <a14:hiddenLine xmlns:a14="http://schemas.microsoft.com/office/drawing/2010/main" w="9525">
+                <a:solidFill>
+                  <a:srgbClr val="000000"/>
+                </a:solidFill>
+                <a:miter lim="800000"/>
+                <a:headEnd/>
+                <a:tailEnd/>
+              </a14:hiddenLine>
+            </a:ext>
+          </a:extLst>
+        </p:spPr>
+        <p:txBody>
+          <a:bodyPr vert="horz" wrap="square" lIns="91440" tIns="45720" rIns="91440" bIns="45720" numCol="1" anchor="t" anchorCtr="0" compatLnSpc="1">
+            <a:prstTxWarp prst="textNoShape">
+              <a:avLst/>
+            </a:prstTxWarp>
+          </a:bodyPr>
+          <a:lstStyle/>
+          <a:p>
+            <a:pPr algn="l" eaLnBrk="1" hangingPunct="1"/>
+            <a:r>
+              <a:rPr lang="zh-CN" altLang="en-US" dirty="0">
+                <a:solidFill>
+                  <a:srgbClr val="C00000"/>
+                </a:solidFill>
+                <a:latin typeface="微软雅黑 Light" panose="020B0502040204020203" pitchFamily="34" charset="-122"/>
+                <a:ea typeface="微软雅黑 Light" panose="020B0502040204020203" pitchFamily="34" charset="-122"/>
+              </a:rPr>
+              <a:t>练习</a:t>
+            </a:r>
+            <a:endParaRPr lang="en-US" altLang="zh-CN" dirty="0">
+              <a:solidFill>
+                <a:srgbClr val="C00000"/>
+              </a:solidFill>
+              <a:latin typeface="微软雅黑 Light" panose="020B0502040204020203" pitchFamily="34" charset="-122"/>
+              <a:ea typeface="微软雅黑 Light" panose="020B0502040204020203" pitchFamily="34" charset="-122"/>
+            </a:endParaRPr>
+          </a:p>
+        </p:txBody>
+      </p:sp>
+      <p:sp>
+        <p:nvSpPr>
+          <p:cNvPr id="4" name="Content Placeholder 3">
+            <a:extLst>
+              <a:ext uri="{FF2B5EF4-FFF2-40B4-BE49-F238E27FC236}">
+                <a16:creationId xmlns:a16="http://schemas.microsoft.com/office/drawing/2014/main" id="{368B2D2E-6A5C-4FE0-91BB-6CC0CC9AEF62}"/>
+              </a:ext>
+            </a:extLst>
+          </p:cNvPr>
+          <p:cNvSpPr txBox="1">
+            <a:spLocks/>
+          </p:cNvSpPr>
+          <p:nvPr/>
+        </p:nvSpPr>
+        <p:spPr>
+          <a:xfrm>
+            <a:off x="457200" y="1131888"/>
+            <a:ext cx="8229600" cy="3925887"/>
+          </a:xfrm>
+          <a:prstGeom prst="rect">
+            <a:avLst/>
+          </a:prstGeom>
+        </p:spPr>
+        <p:txBody>
+          <a:bodyPr/>
+          <a:lstStyle>
+            <a:lvl1pPr marL="342900" indent="-342900" algn="l" rtl="0" fontAlgn="base">
+              <a:spcBef>
+                <a:spcPct val="20000"/>
+              </a:spcBef>
+              <a:spcAft>
+                <a:spcPct val="0"/>
+              </a:spcAft>
+              <a:buFont typeface="Arial" panose="020B0604020202020204" pitchFamily="34" charset="0"/>
+              <a:buChar char="•"/>
+              <a:defRPr sz="3200" kern="1200">
+                <a:solidFill>
+                  <a:schemeClr val="tx1"/>
+                </a:solidFill>
+                <a:latin typeface="+mn-lt"/>
+                <a:ea typeface="+mn-ea"/>
+                <a:cs typeface="+mn-cs"/>
+                <a:sym typeface="Calibri" panose="020F0502020204030204" pitchFamily="34" charset="0"/>
+              </a:defRPr>
+            </a:lvl1pPr>
+            <a:lvl2pPr marL="742950" indent="-285750" algn="l" rtl="0" fontAlgn="base">
+              <a:spcBef>
+                <a:spcPct val="20000"/>
+              </a:spcBef>
+              <a:spcAft>
+                <a:spcPct val="0"/>
+              </a:spcAft>
+              <a:buFont typeface="Arial" panose="020B0604020202020204" pitchFamily="34" charset="0"/>
+              <a:buChar char="–"/>
+              <a:defRPr sz="2800" kern="1200">
+                <a:solidFill>
+                  <a:schemeClr val="tx1"/>
+                </a:solidFill>
+                <a:latin typeface="+mn-lt"/>
+                <a:ea typeface="+mn-ea"/>
+                <a:cs typeface="+mn-cs"/>
+                <a:sym typeface="Calibri" panose="020F0502020204030204" pitchFamily="34" charset="0"/>
+              </a:defRPr>
+            </a:lvl2pPr>
+            <a:lvl3pPr marL="1143000" indent="-228600" algn="l" rtl="0" fontAlgn="base">
+              <a:spcBef>
+                <a:spcPct val="20000"/>
+              </a:spcBef>
+              <a:spcAft>
+                <a:spcPct val="0"/>
+              </a:spcAft>
+              <a:buFont typeface="Arial" panose="020B0604020202020204" pitchFamily="34" charset="0"/>
+              <a:buChar char="•"/>
+              <a:defRPr sz="2400" kern="1200">
+                <a:solidFill>
+                  <a:schemeClr val="tx1"/>
+                </a:solidFill>
+                <a:latin typeface="+mn-lt"/>
+                <a:ea typeface="+mn-ea"/>
+                <a:cs typeface="+mn-cs"/>
+                <a:sym typeface="Calibri" panose="020F0502020204030204" pitchFamily="34" charset="0"/>
+              </a:defRPr>
+            </a:lvl3pPr>
+            <a:lvl4pPr marL="1600200" indent="-228600" algn="l" rtl="0" fontAlgn="base">
+              <a:spcBef>
+                <a:spcPct val="20000"/>
+              </a:spcBef>
+              <a:spcAft>
+                <a:spcPct val="0"/>
+              </a:spcAft>
+              <a:buFont typeface="Arial" panose="020B0604020202020204" pitchFamily="34" charset="0"/>
+              <a:buChar char="–"/>
+              <a:defRPr sz="2000" kern="1200">
+                <a:solidFill>
+                  <a:schemeClr val="tx1"/>
+                </a:solidFill>
+                <a:latin typeface="+mn-lt"/>
+                <a:ea typeface="+mn-ea"/>
+                <a:cs typeface="+mn-cs"/>
+                <a:sym typeface="Calibri" panose="020F0502020204030204" pitchFamily="34" charset="0"/>
+              </a:defRPr>
+            </a:lvl4pPr>
+            <a:lvl5pPr marL="2057400" indent="-228600" algn="l" rtl="0" fontAlgn="base">
+              <a:spcBef>
+                <a:spcPct val="20000"/>
+              </a:spcBef>
+              <a:spcAft>
+                <a:spcPct val="0"/>
+              </a:spcAft>
+              <a:buFont typeface="Arial" panose="020B0604020202020204" pitchFamily="34" charset="0"/>
+              <a:buChar char="»"/>
+              <a:defRPr sz="2000" kern="1200">
+                <a:solidFill>
+                  <a:schemeClr val="tx1"/>
+                </a:solidFill>
+                <a:latin typeface="+mn-lt"/>
+                <a:ea typeface="+mn-ea"/>
+                <a:cs typeface="+mn-cs"/>
+                <a:sym typeface="Calibri" panose="020F0502020204030204" pitchFamily="34" charset="0"/>
+              </a:defRPr>
+            </a:lvl5pPr>
+            <a:lvl6pPr marL="2514600" indent="-228600" algn="l" defTabSz="914400" rtl="0" eaLnBrk="1" latinLnBrk="0" hangingPunct="1">
+              <a:lnSpc>
+                <a:spcPct val="90000"/>
+              </a:lnSpc>
+              <a:spcBef>
+                <a:spcPts val="500"/>
+              </a:spcBef>
+              <a:buFont typeface="Arial" panose="020B0604020202020204" pitchFamily="34" charset="0"/>
+              <a:buChar char="•"/>
+              <a:defRPr sz="1800" kern="1200">
+                <a:solidFill>
+                  <a:schemeClr val="tx1"/>
+                </a:solidFill>
+                <a:latin typeface="+mn-lt"/>
+                <a:ea typeface="+mn-ea"/>
+                <a:cs typeface="+mn-cs"/>
+              </a:defRPr>
+            </a:lvl6pPr>
+            <a:lvl7pPr marL="2971800" indent="-228600" algn="l" defTabSz="914400" rtl="0" eaLnBrk="1" latinLnBrk="0" hangingPunct="1">
+              <a:lnSpc>
+                <a:spcPct val="90000"/>
+              </a:lnSpc>
+              <a:spcBef>
+                <a:spcPts val="500"/>
+              </a:spcBef>
+              <a:buFont typeface="Arial" panose="020B0604020202020204" pitchFamily="34" charset="0"/>
+              <a:buChar char="•"/>
+              <a:defRPr sz="1800" kern="1200">
+                <a:solidFill>
+                  <a:schemeClr val="tx1"/>
+                </a:solidFill>
+                <a:latin typeface="+mn-lt"/>
+                <a:ea typeface="+mn-ea"/>
+                <a:cs typeface="+mn-cs"/>
+              </a:defRPr>
+            </a:lvl7pPr>
+            <a:lvl8pPr marL="3429000" indent="-228600" algn="l" defTabSz="914400" rtl="0" eaLnBrk="1" latinLnBrk="0" hangingPunct="1">
+              <a:lnSpc>
+                <a:spcPct val="90000"/>
+              </a:lnSpc>
+              <a:spcBef>
+                <a:spcPts val="500"/>
+              </a:spcBef>
+              <a:buFont typeface="Arial" panose="020B0604020202020204" pitchFamily="34" charset="0"/>
+              <a:buChar char="•"/>
+              <a:defRPr sz="1800" kern="1200">
+                <a:solidFill>
+                  <a:schemeClr val="tx1"/>
+                </a:solidFill>
+                <a:latin typeface="+mn-lt"/>
+                <a:ea typeface="+mn-ea"/>
+                <a:cs typeface="+mn-cs"/>
+              </a:defRPr>
+            </a:lvl8pPr>
+            <a:lvl9pPr marL="3886200" indent="-228600" algn="l" defTabSz="914400" rtl="0" eaLnBrk="1" latinLnBrk="0" hangingPunct="1">
+              <a:lnSpc>
+                <a:spcPct val="90000"/>
+              </a:lnSpc>
+              <a:spcBef>
+                <a:spcPts val="500"/>
+              </a:spcBef>
+              <a:buFont typeface="Arial" panose="020B0604020202020204" pitchFamily="34" charset="0"/>
+              <a:buChar char="•"/>
+              <a:defRPr sz="1800" kern="1200">
+                <a:solidFill>
+                  <a:schemeClr val="tx1"/>
+                </a:solidFill>
+                <a:latin typeface="+mn-lt"/>
+                <a:ea typeface="+mn-ea"/>
+                <a:cs typeface="+mn-cs"/>
+              </a:defRPr>
+            </a:lvl9pPr>
+          </a:lstStyle>
+          <a:p>
+            <a:pPr>
+              <a:lnSpc>
+                <a:spcPct val="150000"/>
+              </a:lnSpc>
+            </a:pPr>
+            <a:r>
+              <a:rPr lang="zh-CN" altLang="en-US" sz="2800" dirty="0">
+                <a:solidFill>
+                  <a:schemeClr val="tx1">
+                    <a:lumMod val="65000"/>
+                    <a:lumOff val="35000"/>
+                  </a:schemeClr>
+                </a:solidFill>
+                <a:latin typeface="微软雅黑 Light" panose="020B0502040204020203" pitchFamily="34" charset="-122"/>
+                <a:ea typeface="微软雅黑 Light" panose="020B0502040204020203" pitchFamily="34" charset="-122"/>
+              </a:rPr>
+              <a:t>完善</a:t>
+            </a:r>
+            <a:r>
+              <a:rPr lang="en-US" altLang="zh-CN" sz="2800" dirty="0" err="1">
+                <a:solidFill>
+                  <a:schemeClr val="tx1">
+                    <a:lumMod val="65000"/>
+                    <a:lumOff val="35000"/>
+                  </a:schemeClr>
+                </a:solidFill>
+                <a:latin typeface="微软雅黑 Light" panose="020B0502040204020203" pitchFamily="34" charset="-122"/>
+                <a:ea typeface="微软雅黑 Light" panose="020B0502040204020203" pitchFamily="34" charset="-122"/>
+              </a:rPr>
+              <a:t>GQuater</a:t>
+            </a:r>
+            <a:r>
+              <a:rPr lang="zh-CN" altLang="en-US" sz="2800" dirty="0">
+                <a:solidFill>
+                  <a:schemeClr val="tx1">
+                    <a:lumMod val="65000"/>
+                    <a:lumOff val="35000"/>
+                  </a:schemeClr>
+                </a:solidFill>
+                <a:latin typeface="微软雅黑 Light" panose="020B0502040204020203" pitchFamily="34" charset="-122"/>
+                <a:ea typeface="微软雅黑 Light" panose="020B0502040204020203" pitchFamily="34" charset="-122"/>
+              </a:rPr>
+              <a:t>类</a:t>
+            </a:r>
+            <a:endParaRPr lang="en-US" altLang="zh-CN" sz="2800" dirty="0">
+              <a:solidFill>
+                <a:schemeClr val="tx1">
+                  <a:lumMod val="65000"/>
+                  <a:lumOff val="35000"/>
+                </a:schemeClr>
+              </a:solidFill>
+              <a:latin typeface="微软雅黑 Light" panose="020B0502040204020203" pitchFamily="34" charset="-122"/>
+              <a:ea typeface="微软雅黑 Light" panose="020B0502040204020203" pitchFamily="34" charset="-122"/>
+            </a:endParaRPr>
+          </a:p>
+          <a:p>
+            <a:pPr lvl="1">
+              <a:lnSpc>
+                <a:spcPct val="150000"/>
+              </a:lnSpc>
+            </a:pPr>
+            <a:r>
+              <a:rPr lang="en-US" altLang="zh-CN" sz="2400" dirty="0" err="1">
+                <a:solidFill>
+                  <a:schemeClr val="tx1">
+                    <a:lumMod val="65000"/>
+                    <a:lumOff val="35000"/>
+                  </a:schemeClr>
+                </a:solidFill>
+                <a:latin typeface="微软雅黑 Light" panose="020B0502040204020203" pitchFamily="34" charset="-122"/>
+                <a:ea typeface="微软雅黑 Light" panose="020B0502040204020203" pitchFamily="34" charset="-122"/>
+              </a:rPr>
+              <a:t>GQuater</a:t>
+            </a:r>
+            <a:r>
+              <a:rPr lang="en-US" altLang="zh-CN" sz="2400" dirty="0">
+                <a:solidFill>
+                  <a:schemeClr val="tx1">
+                    <a:lumMod val="65000"/>
+                    <a:lumOff val="35000"/>
+                  </a:schemeClr>
+                </a:solidFill>
+                <a:latin typeface="微软雅黑 Light" panose="020B0502040204020203" pitchFamily="34" charset="-122"/>
+                <a:ea typeface="微软雅黑 Light" panose="020B0502040204020203" pitchFamily="34" charset="-122"/>
+              </a:rPr>
+              <a:t> operator +(</a:t>
+            </a:r>
+            <a:r>
+              <a:rPr lang="en-US" altLang="zh-CN" sz="2400" dirty="0" err="1">
+                <a:solidFill>
+                  <a:schemeClr val="tx1">
+                    <a:lumMod val="65000"/>
+                    <a:lumOff val="35000"/>
+                  </a:schemeClr>
+                </a:solidFill>
+                <a:latin typeface="微软雅黑 Light" panose="020B0502040204020203" pitchFamily="34" charset="-122"/>
+                <a:ea typeface="微软雅黑 Light" panose="020B0502040204020203" pitchFamily="34" charset="-122"/>
+              </a:rPr>
+              <a:t>const</a:t>
+            </a:r>
+            <a:r>
+              <a:rPr lang="en-US" altLang="zh-CN" sz="2400" dirty="0">
+                <a:solidFill>
+                  <a:schemeClr val="tx1">
+                    <a:lumMod val="65000"/>
+                    <a:lumOff val="35000"/>
+                  </a:schemeClr>
+                </a:solidFill>
+                <a:latin typeface="微软雅黑 Light" panose="020B0502040204020203" pitchFamily="34" charset="-122"/>
+                <a:ea typeface="微软雅黑 Light" panose="020B0502040204020203" pitchFamily="34" charset="-122"/>
+              </a:rPr>
+              <a:t> </a:t>
+            </a:r>
+            <a:r>
+              <a:rPr lang="en-US" altLang="zh-CN" sz="2400" dirty="0" err="1">
+                <a:solidFill>
+                  <a:schemeClr val="tx1">
+                    <a:lumMod val="65000"/>
+                    <a:lumOff val="35000"/>
+                  </a:schemeClr>
+                </a:solidFill>
+                <a:latin typeface="微软雅黑 Light" panose="020B0502040204020203" pitchFamily="34" charset="-122"/>
+                <a:ea typeface="微软雅黑 Light" panose="020B0502040204020203" pitchFamily="34" charset="-122"/>
+              </a:rPr>
+              <a:t>GQuater</a:t>
+            </a:r>
+            <a:r>
+              <a:rPr lang="en-US" altLang="zh-CN" sz="2400" dirty="0">
+                <a:solidFill>
+                  <a:schemeClr val="tx1">
+                    <a:lumMod val="65000"/>
+                    <a:lumOff val="35000"/>
+                  </a:schemeClr>
+                </a:solidFill>
+                <a:latin typeface="微软雅黑 Light" panose="020B0502040204020203" pitchFamily="34" charset="-122"/>
+                <a:ea typeface="微软雅黑 Light" panose="020B0502040204020203" pitchFamily="34" charset="-122"/>
+              </a:rPr>
+              <a:t>&amp; </a:t>
+            </a:r>
+            <a:r>
+              <a:rPr lang="en-US" altLang="zh-CN" sz="2400" dirty="0" err="1">
+                <a:solidFill>
+                  <a:schemeClr val="tx1">
+                    <a:lumMod val="65000"/>
+                    <a:lumOff val="35000"/>
+                  </a:schemeClr>
+                </a:solidFill>
+                <a:latin typeface="微软雅黑 Light" panose="020B0502040204020203" pitchFamily="34" charset="-122"/>
+                <a:ea typeface="微软雅黑 Light" panose="020B0502040204020203" pitchFamily="34" charset="-122"/>
+              </a:rPr>
+              <a:t>rhs</a:t>
+            </a:r>
+            <a:r>
+              <a:rPr lang="en-US" altLang="zh-CN" sz="2400" dirty="0">
+                <a:solidFill>
+                  <a:schemeClr val="tx1">
+                    <a:lumMod val="65000"/>
+                    <a:lumOff val="35000"/>
+                  </a:schemeClr>
+                </a:solidFill>
+                <a:latin typeface="微软雅黑 Light" panose="020B0502040204020203" pitchFamily="34" charset="-122"/>
+                <a:ea typeface="微软雅黑 Light" panose="020B0502040204020203" pitchFamily="34" charset="-122"/>
+              </a:rPr>
+              <a:t>) </a:t>
+            </a:r>
+            <a:r>
+              <a:rPr lang="en-US" altLang="zh-CN" sz="2400" dirty="0" err="1">
+                <a:solidFill>
+                  <a:schemeClr val="tx1">
+                    <a:lumMod val="65000"/>
+                    <a:lumOff val="35000"/>
+                  </a:schemeClr>
+                </a:solidFill>
+                <a:latin typeface="微软雅黑 Light" panose="020B0502040204020203" pitchFamily="34" charset="-122"/>
+                <a:ea typeface="微软雅黑 Light" panose="020B0502040204020203" pitchFamily="34" charset="-122"/>
+              </a:rPr>
+              <a:t>const</a:t>
+            </a:r>
+            <a:r>
+              <a:rPr lang="en-US" altLang="zh-CN" sz="2400" dirty="0">
+                <a:solidFill>
+                  <a:schemeClr val="tx1">
+                    <a:lumMod val="65000"/>
+                    <a:lumOff val="35000"/>
+                  </a:schemeClr>
+                </a:solidFill>
+                <a:latin typeface="微软雅黑 Light" panose="020B0502040204020203" pitchFamily="34" charset="-122"/>
+                <a:ea typeface="微软雅黑 Light" panose="020B0502040204020203" pitchFamily="34" charset="-122"/>
+              </a:rPr>
+              <a:t>;</a:t>
+            </a:r>
+          </a:p>
+          <a:p>
+            <a:pPr lvl="1">
+              <a:lnSpc>
+                <a:spcPct val="150000"/>
+              </a:lnSpc>
+            </a:pPr>
+            <a:r>
+              <a:rPr lang="en-US" altLang="zh-CN" sz="2400" dirty="0" err="1">
+                <a:solidFill>
+                  <a:schemeClr val="tx1">
+                    <a:lumMod val="65000"/>
+                    <a:lumOff val="35000"/>
+                  </a:schemeClr>
+                </a:solidFill>
+                <a:latin typeface="微软雅黑 Light" panose="020B0502040204020203" pitchFamily="34" charset="-122"/>
+                <a:ea typeface="微软雅黑 Light" panose="020B0502040204020203" pitchFamily="34" charset="-122"/>
+              </a:rPr>
+              <a:t>GQuater</a:t>
+            </a:r>
+            <a:r>
+              <a:rPr lang="en-US" altLang="zh-CN" sz="2400" dirty="0">
+                <a:solidFill>
+                  <a:schemeClr val="tx1">
+                    <a:lumMod val="65000"/>
+                    <a:lumOff val="35000"/>
+                  </a:schemeClr>
+                </a:solidFill>
+                <a:latin typeface="微软雅黑 Light" panose="020B0502040204020203" pitchFamily="34" charset="-122"/>
+                <a:ea typeface="微软雅黑 Light" panose="020B0502040204020203" pitchFamily="34" charset="-122"/>
+              </a:rPr>
+              <a:t> operator -(</a:t>
+            </a:r>
+            <a:r>
+              <a:rPr lang="en-US" altLang="zh-CN" sz="2400" dirty="0" err="1">
+                <a:solidFill>
+                  <a:schemeClr val="tx1">
+                    <a:lumMod val="65000"/>
+                    <a:lumOff val="35000"/>
+                  </a:schemeClr>
+                </a:solidFill>
+                <a:latin typeface="微软雅黑 Light" panose="020B0502040204020203" pitchFamily="34" charset="-122"/>
+                <a:ea typeface="微软雅黑 Light" panose="020B0502040204020203" pitchFamily="34" charset="-122"/>
+              </a:rPr>
+              <a:t>const</a:t>
+            </a:r>
+            <a:r>
+              <a:rPr lang="en-US" altLang="zh-CN" sz="2400" dirty="0">
+                <a:solidFill>
+                  <a:schemeClr val="tx1">
+                    <a:lumMod val="65000"/>
+                    <a:lumOff val="35000"/>
+                  </a:schemeClr>
+                </a:solidFill>
+                <a:latin typeface="微软雅黑 Light" panose="020B0502040204020203" pitchFamily="34" charset="-122"/>
+                <a:ea typeface="微软雅黑 Light" panose="020B0502040204020203" pitchFamily="34" charset="-122"/>
+              </a:rPr>
+              <a:t> </a:t>
+            </a:r>
+            <a:r>
+              <a:rPr lang="en-US" altLang="zh-CN" sz="2400" dirty="0" err="1">
+                <a:solidFill>
+                  <a:schemeClr val="tx1">
+                    <a:lumMod val="65000"/>
+                    <a:lumOff val="35000"/>
+                  </a:schemeClr>
+                </a:solidFill>
+                <a:latin typeface="微软雅黑 Light" panose="020B0502040204020203" pitchFamily="34" charset="-122"/>
+                <a:ea typeface="微软雅黑 Light" panose="020B0502040204020203" pitchFamily="34" charset="-122"/>
+              </a:rPr>
+              <a:t>GQuater</a:t>
+            </a:r>
+            <a:r>
+              <a:rPr lang="en-US" altLang="zh-CN" sz="2400" dirty="0">
+                <a:solidFill>
+                  <a:schemeClr val="tx1">
+                    <a:lumMod val="65000"/>
+                    <a:lumOff val="35000"/>
+                  </a:schemeClr>
+                </a:solidFill>
+                <a:latin typeface="微软雅黑 Light" panose="020B0502040204020203" pitchFamily="34" charset="-122"/>
+                <a:ea typeface="微软雅黑 Light" panose="020B0502040204020203" pitchFamily="34" charset="-122"/>
+              </a:rPr>
+              <a:t>&amp; </a:t>
+            </a:r>
+            <a:r>
+              <a:rPr lang="en-US" altLang="zh-CN" sz="2400" dirty="0" err="1">
+                <a:solidFill>
+                  <a:schemeClr val="tx1">
+                    <a:lumMod val="65000"/>
+                    <a:lumOff val="35000"/>
+                  </a:schemeClr>
+                </a:solidFill>
+                <a:latin typeface="微软雅黑 Light" panose="020B0502040204020203" pitchFamily="34" charset="-122"/>
+                <a:ea typeface="微软雅黑 Light" panose="020B0502040204020203" pitchFamily="34" charset="-122"/>
+              </a:rPr>
+              <a:t>rhs</a:t>
+            </a:r>
+            <a:r>
+              <a:rPr lang="en-US" altLang="zh-CN" sz="2400" dirty="0">
+                <a:solidFill>
+                  <a:schemeClr val="tx1">
+                    <a:lumMod val="65000"/>
+                    <a:lumOff val="35000"/>
+                  </a:schemeClr>
+                </a:solidFill>
+                <a:latin typeface="微软雅黑 Light" panose="020B0502040204020203" pitchFamily="34" charset="-122"/>
+                <a:ea typeface="微软雅黑 Light" panose="020B0502040204020203" pitchFamily="34" charset="-122"/>
+              </a:rPr>
+              <a:t>) </a:t>
+            </a:r>
+            <a:r>
+              <a:rPr lang="en-US" altLang="zh-CN" sz="2400" dirty="0" err="1">
+                <a:solidFill>
+                  <a:schemeClr val="tx1">
+                    <a:lumMod val="65000"/>
+                    <a:lumOff val="35000"/>
+                  </a:schemeClr>
+                </a:solidFill>
+                <a:latin typeface="微软雅黑 Light" panose="020B0502040204020203" pitchFamily="34" charset="-122"/>
+                <a:ea typeface="微软雅黑 Light" panose="020B0502040204020203" pitchFamily="34" charset="-122"/>
+              </a:rPr>
+              <a:t>const</a:t>
+            </a:r>
+            <a:r>
+              <a:rPr lang="en-US" altLang="zh-CN" sz="2400" dirty="0">
+                <a:solidFill>
+                  <a:schemeClr val="tx1">
+                    <a:lumMod val="65000"/>
+                    <a:lumOff val="35000"/>
+                  </a:schemeClr>
+                </a:solidFill>
+                <a:latin typeface="微软雅黑 Light" panose="020B0502040204020203" pitchFamily="34" charset="-122"/>
+                <a:ea typeface="微软雅黑 Light" panose="020B0502040204020203" pitchFamily="34" charset="-122"/>
+              </a:rPr>
+              <a:t>;</a:t>
+            </a:r>
+          </a:p>
+          <a:p>
+            <a:pPr lvl="1">
+              <a:lnSpc>
+                <a:spcPct val="150000"/>
+              </a:lnSpc>
+            </a:pPr>
+            <a:r>
+              <a:rPr lang="en-US" altLang="zh-CN" sz="2400" dirty="0" err="1">
+                <a:solidFill>
+                  <a:schemeClr val="tx1">
+                    <a:lumMod val="65000"/>
+                    <a:lumOff val="35000"/>
+                  </a:schemeClr>
+                </a:solidFill>
+                <a:latin typeface="微软雅黑 Light" panose="020B0502040204020203" pitchFamily="34" charset="-122"/>
+                <a:ea typeface="微软雅黑 Light" panose="020B0502040204020203" pitchFamily="34" charset="-122"/>
+              </a:rPr>
+              <a:t>GQuater</a:t>
+            </a:r>
+            <a:r>
+              <a:rPr lang="en-US" altLang="zh-CN" sz="2400" dirty="0">
+                <a:solidFill>
+                  <a:schemeClr val="tx1">
+                    <a:lumMod val="65000"/>
+                    <a:lumOff val="35000"/>
+                  </a:schemeClr>
+                </a:solidFill>
+                <a:latin typeface="微软雅黑 Light" panose="020B0502040204020203" pitchFamily="34" charset="-122"/>
+                <a:ea typeface="微软雅黑 Light" panose="020B0502040204020203" pitchFamily="34" charset="-122"/>
+              </a:rPr>
+              <a:t> operator *(</a:t>
+            </a:r>
+            <a:r>
+              <a:rPr lang="en-US" altLang="zh-CN" sz="2400" dirty="0" err="1">
+                <a:solidFill>
+                  <a:schemeClr val="tx1">
+                    <a:lumMod val="65000"/>
+                    <a:lumOff val="35000"/>
+                  </a:schemeClr>
+                </a:solidFill>
+                <a:latin typeface="微软雅黑 Light" panose="020B0502040204020203" pitchFamily="34" charset="-122"/>
+                <a:ea typeface="微软雅黑 Light" panose="020B0502040204020203" pitchFamily="34" charset="-122"/>
+              </a:rPr>
+              <a:t>const</a:t>
+            </a:r>
+            <a:r>
+              <a:rPr lang="en-US" altLang="zh-CN" sz="2400" dirty="0">
+                <a:solidFill>
+                  <a:schemeClr val="tx1">
+                    <a:lumMod val="65000"/>
+                    <a:lumOff val="35000"/>
+                  </a:schemeClr>
+                </a:solidFill>
+                <a:latin typeface="微软雅黑 Light" panose="020B0502040204020203" pitchFamily="34" charset="-122"/>
+                <a:ea typeface="微软雅黑 Light" panose="020B0502040204020203" pitchFamily="34" charset="-122"/>
+              </a:rPr>
+              <a:t> </a:t>
+            </a:r>
+            <a:r>
+              <a:rPr lang="en-US" altLang="zh-CN" sz="2400" dirty="0" err="1">
+                <a:solidFill>
+                  <a:schemeClr val="tx1">
+                    <a:lumMod val="65000"/>
+                    <a:lumOff val="35000"/>
+                  </a:schemeClr>
+                </a:solidFill>
+                <a:latin typeface="微软雅黑 Light" panose="020B0502040204020203" pitchFamily="34" charset="-122"/>
+                <a:ea typeface="微软雅黑 Light" panose="020B0502040204020203" pitchFamily="34" charset="-122"/>
+              </a:rPr>
+              <a:t>GQuater</a:t>
+            </a:r>
+            <a:r>
+              <a:rPr lang="en-US" altLang="zh-CN" sz="2400" dirty="0">
+                <a:solidFill>
+                  <a:schemeClr val="tx1">
+                    <a:lumMod val="65000"/>
+                    <a:lumOff val="35000"/>
+                  </a:schemeClr>
+                </a:solidFill>
+                <a:latin typeface="微软雅黑 Light" panose="020B0502040204020203" pitchFamily="34" charset="-122"/>
+                <a:ea typeface="微软雅黑 Light" panose="020B0502040204020203" pitchFamily="34" charset="-122"/>
+              </a:rPr>
+              <a:t>&amp; </a:t>
+            </a:r>
+            <a:r>
+              <a:rPr lang="en-US" altLang="zh-CN" sz="2400" dirty="0" err="1">
+                <a:solidFill>
+                  <a:schemeClr val="tx1">
+                    <a:lumMod val="65000"/>
+                    <a:lumOff val="35000"/>
+                  </a:schemeClr>
+                </a:solidFill>
+                <a:latin typeface="微软雅黑 Light" panose="020B0502040204020203" pitchFamily="34" charset="-122"/>
+                <a:ea typeface="微软雅黑 Light" panose="020B0502040204020203" pitchFamily="34" charset="-122"/>
+              </a:rPr>
+              <a:t>rhs</a:t>
+            </a:r>
+            <a:r>
+              <a:rPr lang="en-US" altLang="zh-CN" sz="2400" dirty="0">
+                <a:solidFill>
+                  <a:schemeClr val="tx1">
+                    <a:lumMod val="65000"/>
+                    <a:lumOff val="35000"/>
+                  </a:schemeClr>
+                </a:solidFill>
+                <a:latin typeface="微软雅黑 Light" panose="020B0502040204020203" pitchFamily="34" charset="-122"/>
+                <a:ea typeface="微软雅黑 Light" panose="020B0502040204020203" pitchFamily="34" charset="-122"/>
+              </a:rPr>
+              <a:t>) </a:t>
+            </a:r>
+            <a:r>
+              <a:rPr lang="en-US" altLang="zh-CN" sz="2400" dirty="0" err="1">
+                <a:solidFill>
+                  <a:schemeClr val="tx1">
+                    <a:lumMod val="65000"/>
+                    <a:lumOff val="35000"/>
+                  </a:schemeClr>
+                </a:solidFill>
+                <a:latin typeface="微软雅黑 Light" panose="020B0502040204020203" pitchFamily="34" charset="-122"/>
+                <a:ea typeface="微软雅黑 Light" panose="020B0502040204020203" pitchFamily="34" charset="-122"/>
+              </a:rPr>
+              <a:t>const</a:t>
+            </a:r>
+            <a:r>
+              <a:rPr lang="en-US" altLang="zh-CN" sz="2400" dirty="0">
+                <a:solidFill>
+                  <a:schemeClr val="tx1">
+                    <a:lumMod val="65000"/>
+                    <a:lumOff val="35000"/>
+                  </a:schemeClr>
+                </a:solidFill>
+                <a:latin typeface="微软雅黑 Light" panose="020B0502040204020203" pitchFamily="34" charset="-122"/>
+                <a:ea typeface="微软雅黑 Light" panose="020B0502040204020203" pitchFamily="34" charset="-122"/>
+              </a:rPr>
+              <a:t>;</a:t>
+            </a:r>
+          </a:p>
+          <a:p>
+            <a:pPr lvl="1">
+              <a:lnSpc>
+                <a:spcPct val="150000"/>
+              </a:lnSpc>
+            </a:pPr>
+            <a:r>
+              <a:rPr lang="en-US" altLang="zh-CN" sz="2400" dirty="0" err="1">
+                <a:solidFill>
+                  <a:schemeClr val="tx1">
+                    <a:lumMod val="65000"/>
+                    <a:lumOff val="35000"/>
+                  </a:schemeClr>
+                </a:solidFill>
+                <a:latin typeface="微软雅黑 Light" panose="020B0502040204020203" pitchFamily="34" charset="-122"/>
+                <a:ea typeface="微软雅黑 Light" panose="020B0502040204020203" pitchFamily="34" charset="-122"/>
+              </a:rPr>
+              <a:t>GQuater</a:t>
+            </a:r>
+            <a:r>
+              <a:rPr lang="en-US" altLang="zh-CN" sz="2400" dirty="0">
+                <a:solidFill>
+                  <a:schemeClr val="tx1">
+                    <a:lumMod val="65000"/>
+                    <a:lumOff val="35000"/>
+                  </a:schemeClr>
+                </a:solidFill>
+                <a:latin typeface="微软雅黑 Light" panose="020B0502040204020203" pitchFamily="34" charset="-122"/>
+                <a:ea typeface="微软雅黑 Light" panose="020B0502040204020203" pitchFamily="34" charset="-122"/>
+              </a:rPr>
+              <a:t> operator *(</a:t>
+            </a:r>
+            <a:r>
+              <a:rPr lang="en-US" altLang="zh-CN" sz="2400" dirty="0" err="1">
+                <a:solidFill>
+                  <a:schemeClr val="tx1">
+                    <a:lumMod val="65000"/>
+                    <a:lumOff val="35000"/>
+                  </a:schemeClr>
+                </a:solidFill>
+                <a:latin typeface="微软雅黑 Light" panose="020B0502040204020203" pitchFamily="34" charset="-122"/>
+                <a:ea typeface="微软雅黑 Light" panose="020B0502040204020203" pitchFamily="34" charset="-122"/>
+              </a:rPr>
+              <a:t>const</a:t>
+            </a:r>
+            <a:r>
+              <a:rPr lang="en-US" altLang="zh-CN" sz="2400" dirty="0">
+                <a:solidFill>
+                  <a:schemeClr val="tx1">
+                    <a:lumMod val="65000"/>
+                    <a:lumOff val="35000"/>
+                  </a:schemeClr>
+                </a:solidFill>
+                <a:latin typeface="微软雅黑 Light" panose="020B0502040204020203" pitchFamily="34" charset="-122"/>
+                <a:ea typeface="微软雅黑 Light" panose="020B0502040204020203" pitchFamily="34" charset="-122"/>
+              </a:rPr>
+              <a:t> float&amp; s) </a:t>
+            </a:r>
+            <a:r>
+              <a:rPr lang="en-US" altLang="zh-CN" sz="2400" dirty="0" err="1">
+                <a:solidFill>
+                  <a:schemeClr val="tx1">
+                    <a:lumMod val="65000"/>
+                    <a:lumOff val="35000"/>
+                  </a:schemeClr>
+                </a:solidFill>
+                <a:latin typeface="微软雅黑 Light" panose="020B0502040204020203" pitchFamily="34" charset="-122"/>
+                <a:ea typeface="微软雅黑 Light" panose="020B0502040204020203" pitchFamily="34" charset="-122"/>
+              </a:rPr>
+              <a:t>const</a:t>
+            </a:r>
+            <a:r>
+              <a:rPr lang="en-US" altLang="zh-CN" sz="2400" dirty="0">
+                <a:solidFill>
+                  <a:schemeClr val="tx1">
+                    <a:lumMod val="65000"/>
+                    <a:lumOff val="35000"/>
+                  </a:schemeClr>
+                </a:solidFill>
+                <a:latin typeface="微软雅黑 Light" panose="020B0502040204020203" pitchFamily="34" charset="-122"/>
+                <a:ea typeface="微软雅黑 Light" panose="020B0502040204020203" pitchFamily="34" charset="-122"/>
+              </a:rPr>
+              <a:t>;</a:t>
+            </a:r>
+          </a:p>
+          <a:p>
+            <a:pPr lvl="1">
+              <a:lnSpc>
+                <a:spcPct val="150000"/>
+              </a:lnSpc>
+            </a:pPr>
+            <a:r>
+              <a:rPr lang="en-US" altLang="zh-CN" sz="2400" dirty="0" err="1">
+                <a:solidFill>
+                  <a:schemeClr val="tx1">
+                    <a:lumMod val="65000"/>
+                    <a:lumOff val="35000"/>
+                  </a:schemeClr>
+                </a:solidFill>
+                <a:latin typeface="微软雅黑 Light" panose="020B0502040204020203" pitchFamily="34" charset="-122"/>
+                <a:ea typeface="微软雅黑 Light" panose="020B0502040204020203" pitchFamily="34" charset="-122"/>
+              </a:rPr>
+              <a:t>GQuater</a:t>
+            </a:r>
+            <a:r>
+              <a:rPr lang="en-US" altLang="zh-CN" sz="2400" dirty="0">
+                <a:solidFill>
+                  <a:schemeClr val="tx1">
+                    <a:lumMod val="65000"/>
+                    <a:lumOff val="35000"/>
+                  </a:schemeClr>
+                </a:solidFill>
+                <a:latin typeface="微软雅黑 Light" panose="020B0502040204020203" pitchFamily="34" charset="-122"/>
+                <a:ea typeface="微软雅黑 Light" panose="020B0502040204020203" pitchFamily="34" charset="-122"/>
+              </a:rPr>
+              <a:t> operator /(</a:t>
+            </a:r>
+            <a:r>
+              <a:rPr lang="en-US" altLang="zh-CN" sz="2400" dirty="0" err="1">
+                <a:solidFill>
+                  <a:schemeClr val="tx1">
+                    <a:lumMod val="65000"/>
+                    <a:lumOff val="35000"/>
+                  </a:schemeClr>
+                </a:solidFill>
+                <a:latin typeface="微软雅黑 Light" panose="020B0502040204020203" pitchFamily="34" charset="-122"/>
+                <a:ea typeface="微软雅黑 Light" panose="020B0502040204020203" pitchFamily="34" charset="-122"/>
+              </a:rPr>
+              <a:t>const</a:t>
+            </a:r>
+            <a:r>
+              <a:rPr lang="en-US" altLang="zh-CN" sz="2400" dirty="0">
+                <a:solidFill>
+                  <a:schemeClr val="tx1">
+                    <a:lumMod val="65000"/>
+                    <a:lumOff val="35000"/>
+                  </a:schemeClr>
+                </a:solidFill>
+                <a:latin typeface="微软雅黑 Light" panose="020B0502040204020203" pitchFamily="34" charset="-122"/>
+                <a:ea typeface="微软雅黑 Light" panose="020B0502040204020203" pitchFamily="34" charset="-122"/>
+              </a:rPr>
+              <a:t> float&amp; s) </a:t>
+            </a:r>
+            <a:r>
+              <a:rPr lang="en-US" altLang="zh-CN" sz="2400" dirty="0" err="1">
+                <a:solidFill>
+                  <a:schemeClr val="tx1">
+                    <a:lumMod val="65000"/>
+                    <a:lumOff val="35000"/>
+                  </a:schemeClr>
+                </a:solidFill>
+                <a:latin typeface="微软雅黑 Light" panose="020B0502040204020203" pitchFamily="34" charset="-122"/>
+                <a:ea typeface="微软雅黑 Light" panose="020B0502040204020203" pitchFamily="34" charset="-122"/>
+              </a:rPr>
+              <a:t>const</a:t>
+            </a:r>
+            <a:r>
+              <a:rPr lang="en-US" altLang="zh-CN" sz="2400" dirty="0">
+                <a:solidFill>
+                  <a:schemeClr val="tx1">
+                    <a:lumMod val="65000"/>
+                    <a:lumOff val="35000"/>
+                  </a:schemeClr>
+                </a:solidFill>
+                <a:latin typeface="微软雅黑 Light" panose="020B0502040204020203" pitchFamily="34" charset="-122"/>
+                <a:ea typeface="微软雅黑 Light" panose="020B0502040204020203" pitchFamily="34" charset="-122"/>
+              </a:rPr>
+              <a:t>;</a:t>
+            </a:r>
+          </a:p>
+          <a:p>
+            <a:pPr lvl="1">
+              <a:lnSpc>
+                <a:spcPct val="150000"/>
+              </a:lnSpc>
+            </a:pPr>
+            <a:endParaRPr lang="en-US" altLang="zh-CN" sz="2400" dirty="0">
+              <a:solidFill>
+                <a:schemeClr val="tx1">
+                  <a:lumMod val="65000"/>
+                  <a:lumOff val="35000"/>
+                </a:schemeClr>
+              </a:solidFill>
+              <a:latin typeface="微软雅黑 Light" panose="020B0502040204020203" pitchFamily="34" charset="-122"/>
+              <a:ea typeface="微软雅黑 Light" panose="020B0502040204020203" pitchFamily="34" charset="-122"/>
+            </a:endParaRPr>
+          </a:p>
+          <a:p>
+            <a:pPr lvl="1">
+              <a:lnSpc>
+                <a:spcPct val="150000"/>
+              </a:lnSpc>
+            </a:pPr>
+            <a:endParaRPr lang="en-US" altLang="zh-CN" sz="2400" dirty="0">
+              <a:solidFill>
+                <a:schemeClr val="tx1">
+                  <a:lumMod val="65000"/>
+                  <a:lumOff val="35000"/>
+                </a:schemeClr>
+              </a:solidFill>
+              <a:latin typeface="微软雅黑 Light" panose="020B0502040204020203" pitchFamily="34" charset="-122"/>
+              <a:ea typeface="微软雅黑 Light" panose="020B0502040204020203" pitchFamily="34" charset="-122"/>
+            </a:endParaRPr>
+          </a:p>
+        </p:txBody>
+      </p:sp>
+    </p:spTree>
+    <p:extLst>
+      <p:ext uri="{BB962C8B-B14F-4D97-AF65-F5344CB8AC3E}">
+        <p14:creationId xmlns:p14="http://schemas.microsoft.com/office/powerpoint/2010/main" val="2496461836"/>
+      </p:ext>
+    </p:extLst>
+  </p:cSld>
+  <p:clrMapOvr>
+    <a:masterClrMapping/>
+  </p:clrMapOvr>
+</p:sld>
+</file>
+
+<file path=ppt/slides/slide27.xml><?xml version="1.0" encoding="utf-8"?>
 <p:sld xmlns:a="http://schemas.openxmlformats.org/drawingml/2006/main" xmlns:r="http://schemas.openxmlformats.org/officeDocument/2006/relationships" xmlns:p="http://schemas.openxmlformats.org/presentationml/2006/main">
   <p:cSld>
     <p:spTree>

--- a/PPT/C++练习.pptx
+++ b/PPT/C++练习.pptx
@@ -5,7 +5,7 @@
     <p:sldMasterId id="2147483648" r:id="rId1"/>
   </p:sldMasterIdLst>
   <p:notesMasterIdLst>
-    <p:notesMasterId r:id="rId29"/>
+    <p:notesMasterId r:id="rId32"/>
   </p:notesMasterIdLst>
   <p:sldIdLst>
     <p:sldId id="256" r:id="rId2"/>
@@ -34,7 +34,10 @@
     <p:sldId id="282" r:id="rId25"/>
     <p:sldId id="283" r:id="rId26"/>
     <p:sldId id="284" r:id="rId27"/>
-    <p:sldId id="259" r:id="rId28"/>
+    <p:sldId id="285" r:id="rId28"/>
+    <p:sldId id="286" r:id="rId29"/>
+    <p:sldId id="287" r:id="rId30"/>
+    <p:sldId id="259" r:id="rId31"/>
   </p:sldIdLst>
   <p:sldSz cx="9144000" cy="5143500" type="screen16x9"/>
   <p:notesSz cx="6858000" cy="9144000"/>
@@ -350,7 +353,7 @@
               <a:pPr>
                 <a:defRPr/>
               </a:pPr>
-              <a:t>2017/9/23</a:t>
+              <a:t>2017/9/28</a:t>
             </a:fld>
             <a:endParaRPr lang="zh-CN" altLang="en-US" sz="1200"/>
           </a:p>
@@ -28063,10 +28066,10 @@
       </p:grpSpPr>
       <p:pic>
         <p:nvPicPr>
-          <p:cNvPr id="8194" name="Picture 2" descr="D:\work\CSDN学院ppt\5.jpg">
+          <p:cNvPr id="3074" name="Picture 2">
             <a:extLst>
               <a:ext uri="{FF2B5EF4-FFF2-40B4-BE49-F238E27FC236}">
-                <a16:creationId xmlns:a16="http://schemas.microsoft.com/office/drawing/2014/main" id="{83E22A5A-51B9-4467-B4B9-86F64AB306C3}"/>
+                <a16:creationId xmlns:a16="http://schemas.microsoft.com/office/drawing/2014/main" id="{602C339E-BA86-4A21-AB6C-4F6D8491BC39}"/>
               </a:ext>
             </a:extLst>
           </p:cNvPr>
@@ -28090,1225 +28093,8 @@
         </p:blipFill>
         <p:spPr bwMode="auto">
           <a:xfrm>
-            <a:off x="0" y="0"/>
-            <a:ext cx="9140825" cy="5141913"/>
-          </a:xfrm>
-          <a:prstGeom prst="rect">
-            <a:avLst/>
-          </a:prstGeom>
-          <a:noFill/>
-          <a:ln>
-            <a:noFill/>
-          </a:ln>
-          <a:extLst>
-            <a:ext uri="{909E8E84-426E-40DD-AFC4-6F175D3DCCD1}">
-              <a14:hiddenFill xmlns:a14="http://schemas.microsoft.com/office/drawing/2010/main">
-                <a:solidFill>
-                  <a:srgbClr val="FFFFFF"/>
-                </a:solidFill>
-              </a14:hiddenFill>
-            </a:ext>
-            <a:ext uri="{91240B29-F687-4F45-9708-019B960494DF}">
-              <a14:hiddenLine xmlns:a14="http://schemas.microsoft.com/office/drawing/2010/main" w="9525">
-                <a:solidFill>
-                  <a:srgbClr val="000000"/>
-                </a:solidFill>
-                <a:miter lim="800000"/>
-                <a:headEnd/>
-                <a:tailEnd/>
-              </a14:hiddenLine>
-            </a:ext>
-          </a:extLst>
-        </p:spPr>
-      </p:pic>
-      <p:sp>
-        <p:nvSpPr>
-          <p:cNvPr id="8195" name="Title 1">
-            <a:extLst>
-              <a:ext uri="{FF2B5EF4-FFF2-40B4-BE49-F238E27FC236}">
-                <a16:creationId xmlns:a16="http://schemas.microsoft.com/office/drawing/2014/main" id="{94DB3CD8-71FB-4967-8D16-B8CA33DD3B35}"/>
-              </a:ext>
-            </a:extLst>
-          </p:cNvPr>
-          <p:cNvSpPr>
-            <a:spLocks noChangeArrowheads="1"/>
-          </p:cNvSpPr>
-          <p:nvPr/>
-        </p:nvSpPr>
-        <p:spPr bwMode="auto">
-          <a:xfrm>
-            <a:off x="4211638" y="679450"/>
-            <a:ext cx="4251325" cy="1325563"/>
-          </a:xfrm>
-          <a:prstGeom prst="rect">
-            <a:avLst/>
-          </a:prstGeom>
-          <a:noFill/>
-          <a:ln>
-            <a:noFill/>
-          </a:ln>
-          <a:extLst>
-            <a:ext uri="{909E8E84-426E-40DD-AFC4-6F175D3DCCD1}">
-              <a14:hiddenFill xmlns:a14="http://schemas.microsoft.com/office/drawing/2010/main">
-                <a:solidFill>
-                  <a:srgbClr val="FFFFFF"/>
-                </a:solidFill>
-              </a14:hiddenFill>
-            </a:ext>
-            <a:ext uri="{91240B29-F687-4F45-9708-019B960494DF}">
-              <a14:hiddenLine xmlns:a14="http://schemas.microsoft.com/office/drawing/2010/main" w="9525">
-                <a:solidFill>
-                  <a:srgbClr val="000000"/>
-                </a:solidFill>
-                <a:miter lim="800000"/>
-                <a:headEnd/>
-                <a:tailEnd/>
-              </a14:hiddenLine>
-            </a:ext>
-          </a:extLst>
-        </p:spPr>
-        <p:txBody>
-          <a:bodyPr anchor="ctr"/>
-          <a:lstStyle>
-            <a:lvl1pPr>
-              <a:buFont typeface="Arial" panose="020B0604020202020204" pitchFamily="34" charset="0"/>
-              <a:defRPr>
-                <a:solidFill>
-                  <a:schemeClr val="tx1"/>
-                </a:solidFill>
-                <a:latin typeface="Arial" panose="020B0604020202020204" pitchFamily="34" charset="0"/>
-                <a:ea typeface="宋体" panose="02010600030101010101" pitchFamily="2" charset="-122"/>
-              </a:defRPr>
-            </a:lvl1pPr>
-            <a:lvl2pPr marL="742950" indent="-285750">
-              <a:buFont typeface="Arial" panose="020B0604020202020204" pitchFamily="34" charset="0"/>
-              <a:defRPr>
-                <a:solidFill>
-                  <a:schemeClr val="tx1"/>
-                </a:solidFill>
-                <a:latin typeface="Arial" panose="020B0604020202020204" pitchFamily="34" charset="0"/>
-                <a:ea typeface="宋体" panose="02010600030101010101" pitchFamily="2" charset="-122"/>
-              </a:defRPr>
-            </a:lvl2pPr>
-            <a:lvl3pPr marL="1143000" indent="-228600">
-              <a:buFont typeface="Arial" panose="020B0604020202020204" pitchFamily="34" charset="0"/>
-              <a:defRPr>
-                <a:solidFill>
-                  <a:schemeClr val="tx1"/>
-                </a:solidFill>
-                <a:latin typeface="Arial" panose="020B0604020202020204" pitchFamily="34" charset="0"/>
-                <a:ea typeface="宋体" panose="02010600030101010101" pitchFamily="2" charset="-122"/>
-              </a:defRPr>
-            </a:lvl3pPr>
-            <a:lvl4pPr marL="1600200" indent="-228600">
-              <a:buFont typeface="Arial" panose="020B0604020202020204" pitchFamily="34" charset="0"/>
-              <a:defRPr>
-                <a:solidFill>
-                  <a:schemeClr val="tx1"/>
-                </a:solidFill>
-                <a:latin typeface="Arial" panose="020B0604020202020204" pitchFamily="34" charset="0"/>
-                <a:ea typeface="宋体" panose="02010600030101010101" pitchFamily="2" charset="-122"/>
-              </a:defRPr>
-            </a:lvl4pPr>
-            <a:lvl5pPr marL="2057400" indent="-228600">
-              <a:buFont typeface="Arial" panose="020B0604020202020204" pitchFamily="34" charset="0"/>
-              <a:defRPr>
-                <a:solidFill>
-                  <a:schemeClr val="tx1"/>
-                </a:solidFill>
-                <a:latin typeface="Arial" panose="020B0604020202020204" pitchFamily="34" charset="0"/>
-                <a:ea typeface="宋体" panose="02010600030101010101" pitchFamily="2" charset="-122"/>
-              </a:defRPr>
-            </a:lvl5pPr>
-            <a:lvl6pPr marL="2514600" indent="-228600" eaLnBrk="0" fontAlgn="base" hangingPunct="0">
-              <a:spcBef>
-                <a:spcPct val="0"/>
-              </a:spcBef>
-              <a:spcAft>
-                <a:spcPct val="0"/>
-              </a:spcAft>
-              <a:buFont typeface="Arial" panose="020B0604020202020204" pitchFamily="34" charset="0"/>
-              <a:defRPr>
-                <a:solidFill>
-                  <a:schemeClr val="tx1"/>
-                </a:solidFill>
-                <a:latin typeface="Arial" panose="020B0604020202020204" pitchFamily="34" charset="0"/>
-                <a:ea typeface="宋体" panose="02010600030101010101" pitchFamily="2" charset="-122"/>
-              </a:defRPr>
-            </a:lvl6pPr>
-            <a:lvl7pPr marL="2971800" indent="-228600" eaLnBrk="0" fontAlgn="base" hangingPunct="0">
-              <a:spcBef>
-                <a:spcPct val="0"/>
-              </a:spcBef>
-              <a:spcAft>
-                <a:spcPct val="0"/>
-              </a:spcAft>
-              <a:buFont typeface="Arial" panose="020B0604020202020204" pitchFamily="34" charset="0"/>
-              <a:defRPr>
-                <a:solidFill>
-                  <a:schemeClr val="tx1"/>
-                </a:solidFill>
-                <a:latin typeface="Arial" panose="020B0604020202020204" pitchFamily="34" charset="0"/>
-                <a:ea typeface="宋体" panose="02010600030101010101" pitchFamily="2" charset="-122"/>
-              </a:defRPr>
-            </a:lvl7pPr>
-            <a:lvl8pPr marL="3429000" indent="-228600" eaLnBrk="0" fontAlgn="base" hangingPunct="0">
-              <a:spcBef>
-                <a:spcPct val="0"/>
-              </a:spcBef>
-              <a:spcAft>
-                <a:spcPct val="0"/>
-              </a:spcAft>
-              <a:buFont typeface="Arial" panose="020B0604020202020204" pitchFamily="34" charset="0"/>
-              <a:defRPr>
-                <a:solidFill>
-                  <a:schemeClr val="tx1"/>
-                </a:solidFill>
-                <a:latin typeface="Arial" panose="020B0604020202020204" pitchFamily="34" charset="0"/>
-                <a:ea typeface="宋体" panose="02010600030101010101" pitchFamily="2" charset="-122"/>
-              </a:defRPr>
-            </a:lvl8pPr>
-            <a:lvl9pPr marL="3886200" indent="-228600" eaLnBrk="0" fontAlgn="base" hangingPunct="0">
-              <a:spcBef>
-                <a:spcPct val="0"/>
-              </a:spcBef>
-              <a:spcAft>
-                <a:spcPct val="0"/>
-              </a:spcAft>
-              <a:buFont typeface="Arial" panose="020B0604020202020204" pitchFamily="34" charset="0"/>
-              <a:defRPr>
-                <a:solidFill>
-                  <a:schemeClr val="tx1"/>
-                </a:solidFill>
-                <a:latin typeface="Arial" panose="020B0604020202020204" pitchFamily="34" charset="0"/>
-                <a:ea typeface="宋体" panose="02010600030101010101" pitchFamily="2" charset="-122"/>
-              </a:defRPr>
-            </a:lvl9pPr>
-          </a:lstStyle>
-          <a:p>
-            <a:pPr eaLnBrk="1" hangingPunct="1">
-              <a:lnSpc>
-                <a:spcPct val="90000"/>
-              </a:lnSpc>
-            </a:pPr>
-            <a:r>
-              <a:rPr lang="en-US" altLang="zh-CN" sz="6000">
-                <a:latin typeface="Arial Unicode MS" panose="020B0604020202020204" pitchFamily="34" charset="-122"/>
-                <a:ea typeface="Arial Unicode MS" panose="020B0604020202020204" pitchFamily="34" charset="-122"/>
-                <a:cs typeface="Arial Unicode MS" panose="020B0604020202020204" pitchFamily="34" charset="-122"/>
-                <a:sym typeface="Arial Unicode MS" panose="020B0604020202020204" pitchFamily="34" charset="-122"/>
-              </a:rPr>
-              <a:t>THANKS</a:t>
-            </a:r>
-            <a:endParaRPr lang="zh-CN" altLang="en-US" sz="6000">
-              <a:latin typeface="Arial Unicode MS" panose="020B0604020202020204" pitchFamily="34" charset="-122"/>
-              <a:ea typeface="Arial Unicode MS" panose="020B0604020202020204" pitchFamily="34" charset="-122"/>
-              <a:cs typeface="Arial Unicode MS" panose="020B0604020202020204" pitchFamily="34" charset="-122"/>
-              <a:sym typeface="Arial Unicode MS" panose="020B0604020202020204" pitchFamily="34" charset="-122"/>
-            </a:endParaRPr>
-          </a:p>
-        </p:txBody>
-      </p:sp>
-      <p:sp>
-        <p:nvSpPr>
-          <p:cNvPr id="8196" name="矩形 3">
-            <a:extLst>
-              <a:ext uri="{FF2B5EF4-FFF2-40B4-BE49-F238E27FC236}">
-                <a16:creationId xmlns:a16="http://schemas.microsoft.com/office/drawing/2014/main" id="{BE5C8F9D-FB92-4FE2-AA09-E91256B20DEA}"/>
-              </a:ext>
-            </a:extLst>
-          </p:cNvPr>
-          <p:cNvSpPr>
-            <a:spLocks noChangeArrowheads="1"/>
-          </p:cNvSpPr>
-          <p:nvPr/>
-        </p:nvSpPr>
-        <p:spPr bwMode="auto">
-          <a:xfrm>
-            <a:off x="4357688" y="3019425"/>
-            <a:ext cx="2662237" cy="923925"/>
-          </a:xfrm>
-          <a:prstGeom prst="rect">
-            <a:avLst/>
-          </a:prstGeom>
-          <a:noFill/>
-          <a:ln>
-            <a:noFill/>
-          </a:ln>
-          <a:extLst>
-            <a:ext uri="{909E8E84-426E-40DD-AFC4-6F175D3DCCD1}">
-              <a14:hiddenFill xmlns:a14="http://schemas.microsoft.com/office/drawing/2010/main">
-                <a:solidFill>
-                  <a:srgbClr val="FFFFFF"/>
-                </a:solidFill>
-              </a14:hiddenFill>
-            </a:ext>
-            <a:ext uri="{91240B29-F687-4F45-9708-019B960494DF}">
-              <a14:hiddenLine xmlns:a14="http://schemas.microsoft.com/office/drawing/2010/main" w="9525">
-                <a:solidFill>
-                  <a:srgbClr val="000000"/>
-                </a:solidFill>
-                <a:miter lim="800000"/>
-                <a:headEnd/>
-                <a:tailEnd/>
-              </a14:hiddenLine>
-            </a:ext>
-          </a:extLst>
-        </p:spPr>
-        <p:txBody>
-          <a:bodyPr>
-            <a:spAutoFit/>
-          </a:bodyPr>
-          <a:lstStyle>
-            <a:lvl1pPr>
-              <a:buFont typeface="Arial" panose="020B0604020202020204" pitchFamily="34" charset="0"/>
-              <a:defRPr>
-                <a:solidFill>
-                  <a:schemeClr val="tx1"/>
-                </a:solidFill>
-                <a:latin typeface="Arial" panose="020B0604020202020204" pitchFamily="34" charset="0"/>
-                <a:ea typeface="宋体" panose="02010600030101010101" pitchFamily="2" charset="-122"/>
-              </a:defRPr>
-            </a:lvl1pPr>
-            <a:lvl2pPr marL="742950" indent="-285750">
-              <a:buFont typeface="Arial" panose="020B0604020202020204" pitchFamily="34" charset="0"/>
-              <a:defRPr>
-                <a:solidFill>
-                  <a:schemeClr val="tx1"/>
-                </a:solidFill>
-                <a:latin typeface="Arial" panose="020B0604020202020204" pitchFamily="34" charset="0"/>
-                <a:ea typeface="宋体" panose="02010600030101010101" pitchFamily="2" charset="-122"/>
-              </a:defRPr>
-            </a:lvl2pPr>
-            <a:lvl3pPr marL="1143000" indent="-228600">
-              <a:buFont typeface="Arial" panose="020B0604020202020204" pitchFamily="34" charset="0"/>
-              <a:defRPr>
-                <a:solidFill>
-                  <a:schemeClr val="tx1"/>
-                </a:solidFill>
-                <a:latin typeface="Arial" panose="020B0604020202020204" pitchFamily="34" charset="0"/>
-                <a:ea typeface="宋体" panose="02010600030101010101" pitchFamily="2" charset="-122"/>
-              </a:defRPr>
-            </a:lvl3pPr>
-            <a:lvl4pPr marL="1600200" indent="-228600">
-              <a:buFont typeface="Arial" panose="020B0604020202020204" pitchFamily="34" charset="0"/>
-              <a:defRPr>
-                <a:solidFill>
-                  <a:schemeClr val="tx1"/>
-                </a:solidFill>
-                <a:latin typeface="Arial" panose="020B0604020202020204" pitchFamily="34" charset="0"/>
-                <a:ea typeface="宋体" panose="02010600030101010101" pitchFamily="2" charset="-122"/>
-              </a:defRPr>
-            </a:lvl4pPr>
-            <a:lvl5pPr marL="2057400" indent="-228600">
-              <a:buFont typeface="Arial" panose="020B0604020202020204" pitchFamily="34" charset="0"/>
-              <a:defRPr>
-                <a:solidFill>
-                  <a:schemeClr val="tx1"/>
-                </a:solidFill>
-                <a:latin typeface="Arial" panose="020B0604020202020204" pitchFamily="34" charset="0"/>
-                <a:ea typeface="宋体" panose="02010600030101010101" pitchFamily="2" charset="-122"/>
-              </a:defRPr>
-            </a:lvl5pPr>
-            <a:lvl6pPr marL="2514600" indent="-228600" eaLnBrk="0" fontAlgn="base" hangingPunct="0">
-              <a:spcBef>
-                <a:spcPct val="0"/>
-              </a:spcBef>
-              <a:spcAft>
-                <a:spcPct val="0"/>
-              </a:spcAft>
-              <a:buFont typeface="Arial" panose="020B0604020202020204" pitchFamily="34" charset="0"/>
-              <a:defRPr>
-                <a:solidFill>
-                  <a:schemeClr val="tx1"/>
-                </a:solidFill>
-                <a:latin typeface="Arial" panose="020B0604020202020204" pitchFamily="34" charset="0"/>
-                <a:ea typeface="宋体" panose="02010600030101010101" pitchFamily="2" charset="-122"/>
-              </a:defRPr>
-            </a:lvl6pPr>
-            <a:lvl7pPr marL="2971800" indent="-228600" eaLnBrk="0" fontAlgn="base" hangingPunct="0">
-              <a:spcBef>
-                <a:spcPct val="0"/>
-              </a:spcBef>
-              <a:spcAft>
-                <a:spcPct val="0"/>
-              </a:spcAft>
-              <a:buFont typeface="Arial" panose="020B0604020202020204" pitchFamily="34" charset="0"/>
-              <a:defRPr>
-                <a:solidFill>
-                  <a:schemeClr val="tx1"/>
-                </a:solidFill>
-                <a:latin typeface="Arial" panose="020B0604020202020204" pitchFamily="34" charset="0"/>
-                <a:ea typeface="宋体" panose="02010600030101010101" pitchFamily="2" charset="-122"/>
-              </a:defRPr>
-            </a:lvl7pPr>
-            <a:lvl8pPr marL="3429000" indent="-228600" eaLnBrk="0" fontAlgn="base" hangingPunct="0">
-              <a:spcBef>
-                <a:spcPct val="0"/>
-              </a:spcBef>
-              <a:spcAft>
-                <a:spcPct val="0"/>
-              </a:spcAft>
-              <a:buFont typeface="Arial" panose="020B0604020202020204" pitchFamily="34" charset="0"/>
-              <a:defRPr>
-                <a:solidFill>
-                  <a:schemeClr val="tx1"/>
-                </a:solidFill>
-                <a:latin typeface="Arial" panose="020B0604020202020204" pitchFamily="34" charset="0"/>
-                <a:ea typeface="宋体" panose="02010600030101010101" pitchFamily="2" charset="-122"/>
-              </a:defRPr>
-            </a:lvl8pPr>
-            <a:lvl9pPr marL="3886200" indent="-228600" eaLnBrk="0" fontAlgn="base" hangingPunct="0">
-              <a:spcBef>
-                <a:spcPct val="0"/>
-              </a:spcBef>
-              <a:spcAft>
-                <a:spcPct val="0"/>
-              </a:spcAft>
-              <a:buFont typeface="Arial" panose="020B0604020202020204" pitchFamily="34" charset="0"/>
-              <a:defRPr>
-                <a:solidFill>
-                  <a:schemeClr val="tx1"/>
-                </a:solidFill>
-                <a:latin typeface="Arial" panose="020B0604020202020204" pitchFamily="34" charset="0"/>
-                <a:ea typeface="宋体" panose="02010600030101010101" pitchFamily="2" charset="-122"/>
-              </a:defRPr>
-            </a:lvl9pPr>
-          </a:lstStyle>
-          <a:p>
-            <a:pPr eaLnBrk="1" hangingPunct="1"/>
-            <a:r>
-              <a:rPr lang="en-US" altLang="zh-CN" sz="900">
-                <a:solidFill>
-                  <a:srgbClr val="7F7F7F"/>
-                </a:solidFill>
-                <a:latin typeface="微软雅黑" panose="020B0503020204020204" pitchFamily="34" charset="-122"/>
-                <a:ea typeface="微软雅黑" panose="020B0503020204020204" pitchFamily="34" charset="-122"/>
-                <a:sym typeface="微软雅黑" panose="020B0503020204020204" pitchFamily="34" charset="-122"/>
-              </a:rPr>
-              <a:t>CSDN</a:t>
-            </a:r>
-            <a:r>
-              <a:rPr lang="zh-CN" altLang="en-US" sz="900">
-                <a:solidFill>
-                  <a:srgbClr val="7F7F7F"/>
-                </a:solidFill>
-                <a:latin typeface="微软雅黑" panose="020B0503020204020204" pitchFamily="34" charset="-122"/>
-                <a:ea typeface="微软雅黑" panose="020B0503020204020204" pitchFamily="34" charset="-122"/>
-                <a:sym typeface="微软雅黑" panose="020B0503020204020204" pitchFamily="34" charset="-122"/>
-              </a:rPr>
-              <a:t>网站：</a:t>
-            </a:r>
-            <a:r>
-              <a:rPr lang="en-US" altLang="zh-CN" sz="900">
-                <a:solidFill>
-                  <a:srgbClr val="7F7F7F"/>
-                </a:solidFill>
-                <a:latin typeface="微软雅黑" panose="020B0503020204020204" pitchFamily="34" charset="-122"/>
-                <a:ea typeface="微软雅黑" panose="020B0503020204020204" pitchFamily="34" charset="-122"/>
-                <a:sym typeface="微软雅黑" panose="020B0503020204020204" pitchFamily="34" charset="-122"/>
-              </a:rPr>
-              <a:t>www.csdn.net</a:t>
-            </a:r>
-            <a:endParaRPr lang="zh-CN" altLang="en-US" sz="900">
-              <a:solidFill>
-                <a:srgbClr val="7F7F7F"/>
-              </a:solidFill>
-              <a:latin typeface="微软雅黑" panose="020B0503020204020204" pitchFamily="34" charset="-122"/>
-              <a:ea typeface="微软雅黑" panose="020B0503020204020204" pitchFamily="34" charset="-122"/>
-              <a:sym typeface="微软雅黑" panose="020B0503020204020204" pitchFamily="34" charset="-122"/>
-            </a:endParaRPr>
-          </a:p>
-          <a:p>
-            <a:pPr eaLnBrk="1" hangingPunct="1"/>
-            <a:r>
-              <a:rPr lang="zh-CN" altLang="en-US" sz="900">
-                <a:solidFill>
-                  <a:srgbClr val="7F7F7F"/>
-                </a:solidFill>
-                <a:latin typeface="微软雅黑" panose="020B0503020204020204" pitchFamily="34" charset="-122"/>
-                <a:ea typeface="微软雅黑" panose="020B0503020204020204" pitchFamily="34" charset="-122"/>
-                <a:sym typeface="微软雅黑" panose="020B0503020204020204" pitchFamily="34" charset="-122"/>
-              </a:rPr>
-              <a:t>企业服务：</a:t>
-            </a:r>
-            <a:r>
-              <a:rPr lang="en-US" altLang="zh-CN" sz="900">
-                <a:solidFill>
-                  <a:srgbClr val="7F7F7F"/>
-                </a:solidFill>
-                <a:latin typeface="微软雅黑" panose="020B0503020204020204" pitchFamily="34" charset="-122"/>
-                <a:ea typeface="微软雅黑" panose="020B0503020204020204" pitchFamily="34" charset="-122"/>
-                <a:sym typeface="微软雅黑" panose="020B0503020204020204" pitchFamily="34" charset="-122"/>
-              </a:rPr>
-              <a:t>http://ems.csdn.net/</a:t>
-            </a:r>
-            <a:endParaRPr lang="zh-CN" altLang="en-US" sz="900">
-              <a:solidFill>
-                <a:srgbClr val="7F7F7F"/>
-              </a:solidFill>
-              <a:latin typeface="微软雅黑" panose="020B0503020204020204" pitchFamily="34" charset="-122"/>
-              <a:ea typeface="微软雅黑" panose="020B0503020204020204" pitchFamily="34" charset="-122"/>
-              <a:sym typeface="微软雅黑" panose="020B0503020204020204" pitchFamily="34" charset="-122"/>
-            </a:endParaRPr>
-          </a:p>
-          <a:p>
-            <a:pPr eaLnBrk="1" hangingPunct="1"/>
-            <a:r>
-              <a:rPr lang="zh-CN" altLang="en-US" sz="900">
-                <a:solidFill>
-                  <a:srgbClr val="7F7F7F"/>
-                </a:solidFill>
-                <a:latin typeface="微软雅黑" panose="020B0503020204020204" pitchFamily="34" charset="-122"/>
-                <a:ea typeface="微软雅黑" panose="020B0503020204020204" pitchFamily="34" charset="-122"/>
-                <a:sym typeface="微软雅黑" panose="020B0503020204020204" pitchFamily="34" charset="-122"/>
-              </a:rPr>
-              <a:t>人才服务：</a:t>
-            </a:r>
-            <a:r>
-              <a:rPr lang="en-US" altLang="zh-CN" sz="900">
-                <a:solidFill>
-                  <a:srgbClr val="7F7F7F"/>
-                </a:solidFill>
-                <a:latin typeface="微软雅黑" panose="020B0503020204020204" pitchFamily="34" charset="-122"/>
-                <a:ea typeface="微软雅黑" panose="020B0503020204020204" pitchFamily="34" charset="-122"/>
-                <a:sym typeface="微软雅黑" panose="020B0503020204020204" pitchFamily="34" charset="-122"/>
-              </a:rPr>
-              <a:t>http://job.csdn.net/</a:t>
-            </a:r>
-            <a:endParaRPr lang="zh-CN" altLang="en-US" sz="900">
-              <a:solidFill>
-                <a:srgbClr val="7F7F7F"/>
-              </a:solidFill>
-              <a:latin typeface="微软雅黑" panose="020B0503020204020204" pitchFamily="34" charset="-122"/>
-              <a:ea typeface="微软雅黑" panose="020B0503020204020204" pitchFamily="34" charset="-122"/>
-              <a:sym typeface="微软雅黑" panose="020B0503020204020204" pitchFamily="34" charset="-122"/>
-            </a:endParaRPr>
-          </a:p>
-          <a:p>
-            <a:pPr eaLnBrk="1" hangingPunct="1"/>
-            <a:r>
-              <a:rPr lang="en-US" altLang="zh-CN" sz="900">
-                <a:solidFill>
-                  <a:srgbClr val="7F7F7F"/>
-                </a:solidFill>
-                <a:latin typeface="微软雅黑" panose="020B0503020204020204" pitchFamily="34" charset="-122"/>
-                <a:ea typeface="微软雅黑" panose="020B0503020204020204" pitchFamily="34" charset="-122"/>
-                <a:sym typeface="微软雅黑" panose="020B0503020204020204" pitchFamily="34" charset="-122"/>
-              </a:rPr>
-              <a:t>CTO</a:t>
-            </a:r>
-            <a:r>
-              <a:rPr lang="zh-CN" altLang="en-US" sz="900">
-                <a:solidFill>
-                  <a:srgbClr val="7F7F7F"/>
-                </a:solidFill>
-                <a:latin typeface="微软雅黑" panose="020B0503020204020204" pitchFamily="34" charset="-122"/>
-                <a:ea typeface="微软雅黑" panose="020B0503020204020204" pitchFamily="34" charset="-122"/>
-                <a:sym typeface="微软雅黑" panose="020B0503020204020204" pitchFamily="34" charset="-122"/>
-              </a:rPr>
-              <a:t>俱乐部：</a:t>
-            </a:r>
-            <a:r>
-              <a:rPr lang="en-US" altLang="zh-CN" sz="900">
-                <a:solidFill>
-                  <a:srgbClr val="7F7F7F"/>
-                </a:solidFill>
-                <a:latin typeface="微软雅黑" panose="020B0503020204020204" pitchFamily="34" charset="-122"/>
-                <a:ea typeface="微软雅黑" panose="020B0503020204020204" pitchFamily="34" charset="-122"/>
-                <a:sym typeface="微软雅黑" panose="020B0503020204020204" pitchFamily="34" charset="-122"/>
-              </a:rPr>
-              <a:t>http://cto.csdn.net/</a:t>
-            </a:r>
-            <a:endParaRPr lang="zh-CN" altLang="en-US" sz="900">
-              <a:solidFill>
-                <a:srgbClr val="7F7F7F"/>
-              </a:solidFill>
-              <a:latin typeface="微软雅黑" panose="020B0503020204020204" pitchFamily="34" charset="-122"/>
-              <a:ea typeface="微软雅黑" panose="020B0503020204020204" pitchFamily="34" charset="-122"/>
-              <a:sym typeface="微软雅黑" panose="020B0503020204020204" pitchFamily="34" charset="-122"/>
-            </a:endParaRPr>
-          </a:p>
-          <a:p>
-            <a:pPr eaLnBrk="1" hangingPunct="1"/>
-            <a:r>
-              <a:rPr lang="zh-CN" altLang="en-US" sz="900">
-                <a:solidFill>
-                  <a:srgbClr val="7F7F7F"/>
-                </a:solidFill>
-                <a:latin typeface="微软雅黑" panose="020B0503020204020204" pitchFamily="34" charset="-122"/>
-                <a:ea typeface="微软雅黑" panose="020B0503020204020204" pitchFamily="34" charset="-122"/>
-                <a:sym typeface="微软雅黑" panose="020B0503020204020204" pitchFamily="34" charset="-122"/>
-              </a:rPr>
-              <a:t>高校俱乐部：</a:t>
-            </a:r>
-            <a:r>
-              <a:rPr lang="en-US" altLang="zh-CN" sz="900">
-                <a:solidFill>
-                  <a:srgbClr val="7F7F7F"/>
-                </a:solidFill>
-                <a:latin typeface="微软雅黑" panose="020B0503020204020204" pitchFamily="34" charset="-122"/>
-                <a:ea typeface="微软雅黑" panose="020B0503020204020204" pitchFamily="34" charset="-122"/>
-                <a:sym typeface="微软雅黑" panose="020B0503020204020204" pitchFamily="34" charset="-122"/>
-              </a:rPr>
-              <a:t>http://student.csdn.net/</a:t>
-            </a:r>
-            <a:endParaRPr lang="zh-CN" altLang="en-US" sz="900">
-              <a:solidFill>
-                <a:srgbClr val="7F7F7F"/>
-              </a:solidFill>
-              <a:latin typeface="微软雅黑" panose="020B0503020204020204" pitchFamily="34" charset="-122"/>
-              <a:ea typeface="微软雅黑" panose="020B0503020204020204" pitchFamily="34" charset="-122"/>
-              <a:sym typeface="微软雅黑" panose="020B0503020204020204" pitchFamily="34" charset="-122"/>
-            </a:endParaRPr>
-          </a:p>
-          <a:p>
-            <a:pPr eaLnBrk="1" hangingPunct="1"/>
-            <a:r>
-              <a:rPr lang="zh-CN" altLang="en-US" sz="900">
-                <a:solidFill>
-                  <a:srgbClr val="7F7F7F"/>
-                </a:solidFill>
-                <a:latin typeface="微软雅黑" panose="020B0503020204020204" pitchFamily="34" charset="-122"/>
-                <a:ea typeface="微软雅黑" panose="020B0503020204020204" pitchFamily="34" charset="-122"/>
-                <a:sym typeface="微软雅黑" panose="020B0503020204020204" pitchFamily="34" charset="-122"/>
-              </a:rPr>
-              <a:t>程序员杂志：</a:t>
-            </a:r>
-            <a:r>
-              <a:rPr lang="en-US" altLang="zh-CN" sz="900">
-                <a:solidFill>
-                  <a:srgbClr val="7F7F7F"/>
-                </a:solidFill>
-                <a:latin typeface="微软雅黑" panose="020B0503020204020204" pitchFamily="34" charset="-122"/>
-                <a:ea typeface="微软雅黑" panose="020B0503020204020204" pitchFamily="34" charset="-122"/>
-                <a:sym typeface="微软雅黑" panose="020B0503020204020204" pitchFamily="34" charset="-122"/>
-              </a:rPr>
-              <a:t>http://programmer.csdn.net/</a:t>
-            </a:r>
-          </a:p>
-        </p:txBody>
-      </p:sp>
-      <p:sp>
-        <p:nvSpPr>
-          <p:cNvPr id="8197" name="矩形 4">
-            <a:extLst>
-              <a:ext uri="{FF2B5EF4-FFF2-40B4-BE49-F238E27FC236}">
-                <a16:creationId xmlns:a16="http://schemas.microsoft.com/office/drawing/2014/main" id="{5A550E93-40B1-4CA3-B718-1EE1D72F986A}"/>
-              </a:ext>
-            </a:extLst>
-          </p:cNvPr>
-          <p:cNvSpPr>
-            <a:spLocks noChangeArrowheads="1"/>
-          </p:cNvSpPr>
-          <p:nvPr/>
-        </p:nvSpPr>
-        <p:spPr bwMode="auto">
-          <a:xfrm>
-            <a:off x="4368800" y="3952875"/>
-            <a:ext cx="4572000" cy="923925"/>
-          </a:xfrm>
-          <a:prstGeom prst="rect">
-            <a:avLst/>
-          </a:prstGeom>
-          <a:noFill/>
-          <a:ln>
-            <a:noFill/>
-          </a:ln>
-          <a:extLst>
-            <a:ext uri="{909E8E84-426E-40DD-AFC4-6F175D3DCCD1}">
-              <a14:hiddenFill xmlns:a14="http://schemas.microsoft.com/office/drawing/2010/main">
-                <a:solidFill>
-                  <a:srgbClr val="FFFFFF"/>
-                </a:solidFill>
-              </a14:hiddenFill>
-            </a:ext>
-            <a:ext uri="{91240B29-F687-4F45-9708-019B960494DF}">
-              <a14:hiddenLine xmlns:a14="http://schemas.microsoft.com/office/drawing/2010/main" w="9525">
-                <a:solidFill>
-                  <a:srgbClr val="000000"/>
-                </a:solidFill>
-                <a:miter lim="800000"/>
-                <a:headEnd/>
-                <a:tailEnd/>
-              </a14:hiddenLine>
-            </a:ext>
-          </a:extLst>
-        </p:spPr>
-        <p:txBody>
-          <a:bodyPr>
-            <a:spAutoFit/>
-          </a:bodyPr>
-          <a:lstStyle>
-            <a:lvl1pPr>
-              <a:buFont typeface="Arial" panose="020B0604020202020204" pitchFamily="34" charset="0"/>
-              <a:defRPr>
-                <a:solidFill>
-                  <a:schemeClr val="tx1"/>
-                </a:solidFill>
-                <a:latin typeface="Arial" panose="020B0604020202020204" pitchFamily="34" charset="0"/>
-                <a:ea typeface="宋体" panose="02010600030101010101" pitchFamily="2" charset="-122"/>
-              </a:defRPr>
-            </a:lvl1pPr>
-            <a:lvl2pPr marL="742950" indent="-285750">
-              <a:buFont typeface="Arial" panose="020B0604020202020204" pitchFamily="34" charset="0"/>
-              <a:defRPr>
-                <a:solidFill>
-                  <a:schemeClr val="tx1"/>
-                </a:solidFill>
-                <a:latin typeface="Arial" panose="020B0604020202020204" pitchFamily="34" charset="0"/>
-                <a:ea typeface="宋体" panose="02010600030101010101" pitchFamily="2" charset="-122"/>
-              </a:defRPr>
-            </a:lvl2pPr>
-            <a:lvl3pPr marL="1143000" indent="-228600">
-              <a:buFont typeface="Arial" panose="020B0604020202020204" pitchFamily="34" charset="0"/>
-              <a:defRPr>
-                <a:solidFill>
-                  <a:schemeClr val="tx1"/>
-                </a:solidFill>
-                <a:latin typeface="Arial" panose="020B0604020202020204" pitchFamily="34" charset="0"/>
-                <a:ea typeface="宋体" panose="02010600030101010101" pitchFamily="2" charset="-122"/>
-              </a:defRPr>
-            </a:lvl3pPr>
-            <a:lvl4pPr marL="1600200" indent="-228600">
-              <a:buFont typeface="Arial" panose="020B0604020202020204" pitchFamily="34" charset="0"/>
-              <a:defRPr>
-                <a:solidFill>
-                  <a:schemeClr val="tx1"/>
-                </a:solidFill>
-                <a:latin typeface="Arial" panose="020B0604020202020204" pitchFamily="34" charset="0"/>
-                <a:ea typeface="宋体" panose="02010600030101010101" pitchFamily="2" charset="-122"/>
-              </a:defRPr>
-            </a:lvl4pPr>
-            <a:lvl5pPr marL="2057400" indent="-228600">
-              <a:buFont typeface="Arial" panose="020B0604020202020204" pitchFamily="34" charset="0"/>
-              <a:defRPr>
-                <a:solidFill>
-                  <a:schemeClr val="tx1"/>
-                </a:solidFill>
-                <a:latin typeface="Arial" panose="020B0604020202020204" pitchFamily="34" charset="0"/>
-                <a:ea typeface="宋体" panose="02010600030101010101" pitchFamily="2" charset="-122"/>
-              </a:defRPr>
-            </a:lvl5pPr>
-            <a:lvl6pPr marL="2514600" indent="-228600" eaLnBrk="0" fontAlgn="base" hangingPunct="0">
-              <a:spcBef>
-                <a:spcPct val="0"/>
-              </a:spcBef>
-              <a:spcAft>
-                <a:spcPct val="0"/>
-              </a:spcAft>
-              <a:buFont typeface="Arial" panose="020B0604020202020204" pitchFamily="34" charset="0"/>
-              <a:defRPr>
-                <a:solidFill>
-                  <a:schemeClr val="tx1"/>
-                </a:solidFill>
-                <a:latin typeface="Arial" panose="020B0604020202020204" pitchFamily="34" charset="0"/>
-                <a:ea typeface="宋体" panose="02010600030101010101" pitchFamily="2" charset="-122"/>
-              </a:defRPr>
-            </a:lvl6pPr>
-            <a:lvl7pPr marL="2971800" indent="-228600" eaLnBrk="0" fontAlgn="base" hangingPunct="0">
-              <a:spcBef>
-                <a:spcPct val="0"/>
-              </a:spcBef>
-              <a:spcAft>
-                <a:spcPct val="0"/>
-              </a:spcAft>
-              <a:buFont typeface="Arial" panose="020B0604020202020204" pitchFamily="34" charset="0"/>
-              <a:defRPr>
-                <a:solidFill>
-                  <a:schemeClr val="tx1"/>
-                </a:solidFill>
-                <a:latin typeface="Arial" panose="020B0604020202020204" pitchFamily="34" charset="0"/>
-                <a:ea typeface="宋体" panose="02010600030101010101" pitchFamily="2" charset="-122"/>
-              </a:defRPr>
-            </a:lvl7pPr>
-            <a:lvl8pPr marL="3429000" indent="-228600" eaLnBrk="0" fontAlgn="base" hangingPunct="0">
-              <a:spcBef>
-                <a:spcPct val="0"/>
-              </a:spcBef>
-              <a:spcAft>
-                <a:spcPct val="0"/>
-              </a:spcAft>
-              <a:buFont typeface="Arial" panose="020B0604020202020204" pitchFamily="34" charset="0"/>
-              <a:defRPr>
-                <a:solidFill>
-                  <a:schemeClr val="tx1"/>
-                </a:solidFill>
-                <a:latin typeface="Arial" panose="020B0604020202020204" pitchFamily="34" charset="0"/>
-                <a:ea typeface="宋体" panose="02010600030101010101" pitchFamily="2" charset="-122"/>
-              </a:defRPr>
-            </a:lvl8pPr>
-            <a:lvl9pPr marL="3886200" indent="-228600" eaLnBrk="0" fontAlgn="base" hangingPunct="0">
-              <a:spcBef>
-                <a:spcPct val="0"/>
-              </a:spcBef>
-              <a:spcAft>
-                <a:spcPct val="0"/>
-              </a:spcAft>
-              <a:buFont typeface="Arial" panose="020B0604020202020204" pitchFamily="34" charset="0"/>
-              <a:defRPr>
-                <a:solidFill>
-                  <a:schemeClr val="tx1"/>
-                </a:solidFill>
-                <a:latin typeface="Arial" panose="020B0604020202020204" pitchFamily="34" charset="0"/>
-                <a:ea typeface="宋体" panose="02010600030101010101" pitchFamily="2" charset="-122"/>
-              </a:defRPr>
-            </a:lvl9pPr>
-          </a:lstStyle>
-          <a:p>
-            <a:pPr eaLnBrk="1" hangingPunct="1"/>
-            <a:r>
-              <a:rPr lang="en-US" altLang="zh-CN" sz="900">
-                <a:solidFill>
-                  <a:srgbClr val="7F7F7F"/>
-                </a:solidFill>
-                <a:latin typeface="微软雅黑" panose="020B0503020204020204" pitchFamily="34" charset="-122"/>
-                <a:ea typeface="微软雅黑" panose="020B0503020204020204" pitchFamily="34" charset="-122"/>
-                <a:sym typeface="微软雅黑" panose="020B0503020204020204" pitchFamily="34" charset="-122"/>
-              </a:rPr>
-              <a:t>CODE</a:t>
-            </a:r>
-            <a:r>
-              <a:rPr lang="zh-CN" altLang="en-US" sz="900">
-                <a:solidFill>
-                  <a:srgbClr val="7F7F7F"/>
-                </a:solidFill>
-                <a:latin typeface="微软雅黑" panose="020B0503020204020204" pitchFamily="34" charset="-122"/>
-                <a:ea typeface="微软雅黑" panose="020B0503020204020204" pitchFamily="34" charset="-122"/>
-                <a:sym typeface="微软雅黑" panose="020B0503020204020204" pitchFamily="34" charset="-122"/>
-              </a:rPr>
-              <a:t>平台：</a:t>
-            </a:r>
-            <a:r>
-              <a:rPr lang="en-US" altLang="zh-CN" sz="900">
-                <a:solidFill>
-                  <a:srgbClr val="7F7F7F"/>
-                </a:solidFill>
-                <a:latin typeface="微软雅黑" panose="020B0503020204020204" pitchFamily="34" charset="-122"/>
-                <a:ea typeface="微软雅黑" panose="020B0503020204020204" pitchFamily="34" charset="-122"/>
-                <a:sym typeface="微软雅黑" panose="020B0503020204020204" pitchFamily="34" charset="-122"/>
-              </a:rPr>
-              <a:t>https://code.csdn.net/</a:t>
-            </a:r>
-            <a:endParaRPr lang="zh-CN" altLang="en-US" sz="900">
-              <a:solidFill>
-                <a:srgbClr val="7F7F7F"/>
-              </a:solidFill>
-              <a:latin typeface="微软雅黑" panose="020B0503020204020204" pitchFamily="34" charset="-122"/>
-              <a:ea typeface="微软雅黑" panose="020B0503020204020204" pitchFamily="34" charset="-122"/>
-              <a:sym typeface="微软雅黑" panose="020B0503020204020204" pitchFamily="34" charset="-122"/>
-            </a:endParaRPr>
-          </a:p>
-          <a:p>
-            <a:pPr eaLnBrk="1" hangingPunct="1"/>
-            <a:r>
-              <a:rPr lang="zh-CN" altLang="en-US" sz="900">
-                <a:solidFill>
-                  <a:srgbClr val="7F7F7F"/>
-                </a:solidFill>
-                <a:latin typeface="微软雅黑" panose="020B0503020204020204" pitchFamily="34" charset="-122"/>
-                <a:ea typeface="微软雅黑" panose="020B0503020204020204" pitchFamily="34" charset="-122"/>
-                <a:sym typeface="微软雅黑" panose="020B0503020204020204" pitchFamily="34" charset="-122"/>
-              </a:rPr>
-              <a:t>项目外包：</a:t>
-            </a:r>
-            <a:r>
-              <a:rPr lang="en-US" altLang="zh-CN" sz="900">
-                <a:solidFill>
-                  <a:srgbClr val="7F7F7F"/>
-                </a:solidFill>
-                <a:latin typeface="微软雅黑" panose="020B0503020204020204" pitchFamily="34" charset="-122"/>
-                <a:ea typeface="微软雅黑" panose="020B0503020204020204" pitchFamily="34" charset="-122"/>
-                <a:sym typeface="微软雅黑" panose="020B0503020204020204" pitchFamily="34" charset="-122"/>
-              </a:rPr>
-              <a:t>http://www.csto.com/</a:t>
-            </a:r>
-            <a:endParaRPr lang="zh-CN" altLang="en-US" sz="900">
-              <a:solidFill>
-                <a:srgbClr val="7F7F7F"/>
-              </a:solidFill>
-              <a:latin typeface="微软雅黑" panose="020B0503020204020204" pitchFamily="34" charset="-122"/>
-              <a:ea typeface="微软雅黑" panose="020B0503020204020204" pitchFamily="34" charset="-122"/>
-              <a:sym typeface="微软雅黑" panose="020B0503020204020204" pitchFamily="34" charset="-122"/>
-            </a:endParaRPr>
-          </a:p>
-          <a:p>
-            <a:pPr eaLnBrk="1" hangingPunct="1"/>
-            <a:r>
-              <a:rPr lang="en-US" altLang="zh-CN" sz="900">
-                <a:solidFill>
-                  <a:srgbClr val="7F7F7F"/>
-                </a:solidFill>
-                <a:latin typeface="微软雅黑" panose="020B0503020204020204" pitchFamily="34" charset="-122"/>
-                <a:ea typeface="微软雅黑" panose="020B0503020204020204" pitchFamily="34" charset="-122"/>
-                <a:sym typeface="微软雅黑" panose="020B0503020204020204" pitchFamily="34" charset="-122"/>
-              </a:rPr>
-              <a:t>CSDN</a:t>
-            </a:r>
-            <a:r>
-              <a:rPr lang="zh-CN" altLang="en-US" sz="900">
-                <a:solidFill>
-                  <a:srgbClr val="7F7F7F"/>
-                </a:solidFill>
-                <a:latin typeface="微软雅黑" panose="020B0503020204020204" pitchFamily="34" charset="-122"/>
-                <a:ea typeface="微软雅黑" panose="020B0503020204020204" pitchFamily="34" charset="-122"/>
-                <a:sym typeface="微软雅黑" panose="020B0503020204020204" pitchFamily="34" charset="-122"/>
-              </a:rPr>
-              <a:t>博客：</a:t>
-            </a:r>
-            <a:r>
-              <a:rPr lang="en-US" altLang="zh-CN" sz="900">
-                <a:solidFill>
-                  <a:srgbClr val="7F7F7F"/>
-                </a:solidFill>
-                <a:latin typeface="微软雅黑" panose="020B0503020204020204" pitchFamily="34" charset="-122"/>
-                <a:ea typeface="微软雅黑" panose="020B0503020204020204" pitchFamily="34" charset="-122"/>
-                <a:sym typeface="微软雅黑" panose="020B0503020204020204" pitchFamily="34" charset="-122"/>
-              </a:rPr>
-              <a:t>http://blog.csdn.net/</a:t>
-            </a:r>
-            <a:endParaRPr lang="zh-CN" altLang="en-US" sz="900">
-              <a:solidFill>
-                <a:srgbClr val="7F7F7F"/>
-              </a:solidFill>
-              <a:latin typeface="微软雅黑" panose="020B0503020204020204" pitchFamily="34" charset="-122"/>
-              <a:ea typeface="微软雅黑" panose="020B0503020204020204" pitchFamily="34" charset="-122"/>
-              <a:sym typeface="微软雅黑" panose="020B0503020204020204" pitchFamily="34" charset="-122"/>
-            </a:endParaRPr>
-          </a:p>
-          <a:p>
-            <a:pPr eaLnBrk="1" hangingPunct="1"/>
-            <a:r>
-              <a:rPr lang="en-US" altLang="zh-CN" sz="900">
-                <a:solidFill>
-                  <a:srgbClr val="7F7F7F"/>
-                </a:solidFill>
-                <a:latin typeface="微软雅黑" panose="020B0503020204020204" pitchFamily="34" charset="-122"/>
-                <a:ea typeface="微软雅黑" panose="020B0503020204020204" pitchFamily="34" charset="-122"/>
-                <a:sym typeface="微软雅黑" panose="020B0503020204020204" pitchFamily="34" charset="-122"/>
-              </a:rPr>
-              <a:t>CSDN</a:t>
-            </a:r>
-            <a:r>
-              <a:rPr lang="zh-CN" altLang="en-US" sz="900">
-                <a:solidFill>
-                  <a:srgbClr val="7F7F7F"/>
-                </a:solidFill>
-                <a:latin typeface="微软雅黑" panose="020B0503020204020204" pitchFamily="34" charset="-122"/>
-                <a:ea typeface="微软雅黑" panose="020B0503020204020204" pitchFamily="34" charset="-122"/>
-                <a:sym typeface="微软雅黑" panose="020B0503020204020204" pitchFamily="34" charset="-122"/>
-              </a:rPr>
-              <a:t>论坛：</a:t>
-            </a:r>
-            <a:r>
-              <a:rPr lang="en-US" altLang="zh-CN" sz="900">
-                <a:solidFill>
-                  <a:srgbClr val="7F7F7F"/>
-                </a:solidFill>
-                <a:latin typeface="微软雅黑" panose="020B0503020204020204" pitchFamily="34" charset="-122"/>
-                <a:ea typeface="微软雅黑" panose="020B0503020204020204" pitchFamily="34" charset="-122"/>
-                <a:sym typeface="微软雅黑" panose="020B0503020204020204" pitchFamily="34" charset="-122"/>
-              </a:rPr>
-              <a:t>http://bbs.csdn.net/</a:t>
-            </a:r>
-            <a:endParaRPr lang="zh-CN" altLang="en-US" sz="900">
-              <a:solidFill>
-                <a:srgbClr val="7F7F7F"/>
-              </a:solidFill>
-              <a:latin typeface="微软雅黑" panose="020B0503020204020204" pitchFamily="34" charset="-122"/>
-              <a:ea typeface="微软雅黑" panose="020B0503020204020204" pitchFamily="34" charset="-122"/>
-              <a:sym typeface="微软雅黑" panose="020B0503020204020204" pitchFamily="34" charset="-122"/>
-            </a:endParaRPr>
-          </a:p>
-          <a:p>
-            <a:pPr eaLnBrk="1" hangingPunct="1"/>
-            <a:r>
-              <a:rPr lang="en-US" altLang="zh-CN" sz="900">
-                <a:solidFill>
-                  <a:srgbClr val="7F7F7F"/>
-                </a:solidFill>
-                <a:latin typeface="微软雅黑" panose="020B0503020204020204" pitchFamily="34" charset="-122"/>
-                <a:ea typeface="微软雅黑" panose="020B0503020204020204" pitchFamily="34" charset="-122"/>
-                <a:sym typeface="微软雅黑" panose="020B0503020204020204" pitchFamily="34" charset="-122"/>
-              </a:rPr>
-              <a:t>CSDN</a:t>
-            </a:r>
-            <a:r>
-              <a:rPr lang="zh-CN" altLang="en-US" sz="900">
-                <a:solidFill>
-                  <a:srgbClr val="7F7F7F"/>
-                </a:solidFill>
-                <a:latin typeface="微软雅黑" panose="020B0503020204020204" pitchFamily="34" charset="-122"/>
-                <a:ea typeface="微软雅黑" panose="020B0503020204020204" pitchFamily="34" charset="-122"/>
-                <a:sym typeface="微软雅黑" panose="020B0503020204020204" pitchFamily="34" charset="-122"/>
-              </a:rPr>
-              <a:t>下载：</a:t>
-            </a:r>
-            <a:r>
-              <a:rPr lang="en-US" altLang="zh-CN" sz="900">
-                <a:solidFill>
-                  <a:srgbClr val="7F7F7F"/>
-                </a:solidFill>
-                <a:latin typeface="微软雅黑" panose="020B0503020204020204" pitchFamily="34" charset="-122"/>
-                <a:ea typeface="微软雅黑" panose="020B0503020204020204" pitchFamily="34" charset="-122"/>
-                <a:sym typeface="微软雅黑" panose="020B0503020204020204" pitchFamily="34" charset="-122"/>
-              </a:rPr>
-              <a:t>http://download.csdn.net/</a:t>
-            </a:r>
-            <a:endParaRPr lang="en-US" altLang="zh-CN" sz="900" b="1">
-              <a:solidFill>
-                <a:srgbClr val="7F7F7F"/>
-              </a:solidFill>
-              <a:latin typeface="微软雅黑" panose="020B0503020204020204" pitchFamily="34" charset="-122"/>
-              <a:ea typeface="微软雅黑" panose="020B0503020204020204" pitchFamily="34" charset="-122"/>
-              <a:sym typeface="微软雅黑" panose="020B0503020204020204" pitchFamily="34" charset="-122"/>
-            </a:endParaRPr>
-          </a:p>
-          <a:p>
-            <a:pPr eaLnBrk="1" hangingPunct="1"/>
-            <a:endParaRPr lang="zh-CN" altLang="en-US" sz="900">
-              <a:solidFill>
-                <a:srgbClr val="7F7F7F"/>
-              </a:solidFill>
-              <a:latin typeface="微软雅黑" panose="020B0503020204020204" pitchFamily="34" charset="-122"/>
-              <a:ea typeface="微软雅黑" panose="020B0503020204020204" pitchFamily="34" charset="-122"/>
-              <a:sym typeface="微软雅黑" panose="020B0503020204020204" pitchFamily="34" charset="-122"/>
-            </a:endParaRPr>
-          </a:p>
-        </p:txBody>
-      </p:sp>
-      <p:sp>
-        <p:nvSpPr>
-          <p:cNvPr id="8198" name="文本框 5">
-            <a:extLst>
-              <a:ext uri="{FF2B5EF4-FFF2-40B4-BE49-F238E27FC236}">
-                <a16:creationId xmlns:a16="http://schemas.microsoft.com/office/drawing/2014/main" id="{C3033956-A2A9-4D76-84E1-6F53E52FBB80}"/>
-              </a:ext>
-            </a:extLst>
-          </p:cNvPr>
-          <p:cNvSpPr>
-            <a:spLocks noChangeArrowheads="1"/>
-          </p:cNvSpPr>
-          <p:nvPr/>
-        </p:nvSpPr>
-        <p:spPr bwMode="auto">
-          <a:xfrm>
-            <a:off x="4337050" y="1928813"/>
-            <a:ext cx="4000500" cy="492125"/>
-          </a:xfrm>
-          <a:prstGeom prst="rect">
-            <a:avLst/>
-          </a:prstGeom>
-          <a:noFill/>
-          <a:ln>
-            <a:noFill/>
-          </a:ln>
-          <a:extLst>
-            <a:ext uri="{909E8E84-426E-40DD-AFC4-6F175D3DCCD1}">
-              <a14:hiddenFill xmlns:a14="http://schemas.microsoft.com/office/drawing/2010/main">
-                <a:solidFill>
-                  <a:srgbClr val="FFFFFF"/>
-                </a:solidFill>
-              </a14:hiddenFill>
-            </a:ext>
-            <a:ext uri="{91240B29-F687-4F45-9708-019B960494DF}">
-              <a14:hiddenLine xmlns:a14="http://schemas.microsoft.com/office/drawing/2010/main" w="9525">
-                <a:solidFill>
-                  <a:srgbClr val="000000"/>
-                </a:solidFill>
-                <a:miter lim="800000"/>
-                <a:headEnd/>
-                <a:tailEnd/>
-              </a14:hiddenLine>
-            </a:ext>
-          </a:extLst>
-        </p:spPr>
-        <p:txBody>
-          <a:bodyPr>
-            <a:spAutoFit/>
-          </a:bodyPr>
-          <a:lstStyle>
-            <a:lvl1pPr>
-              <a:buFont typeface="Arial" panose="020B0604020202020204" pitchFamily="34" charset="0"/>
-              <a:defRPr>
-                <a:solidFill>
-                  <a:schemeClr val="tx1"/>
-                </a:solidFill>
-                <a:latin typeface="Arial" panose="020B0604020202020204" pitchFamily="34" charset="0"/>
-                <a:ea typeface="宋体" panose="02010600030101010101" pitchFamily="2" charset="-122"/>
-              </a:defRPr>
-            </a:lvl1pPr>
-            <a:lvl2pPr marL="742950" indent="-285750">
-              <a:buFont typeface="Arial" panose="020B0604020202020204" pitchFamily="34" charset="0"/>
-              <a:defRPr>
-                <a:solidFill>
-                  <a:schemeClr val="tx1"/>
-                </a:solidFill>
-                <a:latin typeface="Arial" panose="020B0604020202020204" pitchFamily="34" charset="0"/>
-                <a:ea typeface="宋体" panose="02010600030101010101" pitchFamily="2" charset="-122"/>
-              </a:defRPr>
-            </a:lvl2pPr>
-            <a:lvl3pPr marL="1143000" indent="-228600">
-              <a:buFont typeface="Arial" panose="020B0604020202020204" pitchFamily="34" charset="0"/>
-              <a:defRPr>
-                <a:solidFill>
-                  <a:schemeClr val="tx1"/>
-                </a:solidFill>
-                <a:latin typeface="Arial" panose="020B0604020202020204" pitchFamily="34" charset="0"/>
-                <a:ea typeface="宋体" panose="02010600030101010101" pitchFamily="2" charset="-122"/>
-              </a:defRPr>
-            </a:lvl3pPr>
-            <a:lvl4pPr marL="1600200" indent="-228600">
-              <a:buFont typeface="Arial" panose="020B0604020202020204" pitchFamily="34" charset="0"/>
-              <a:defRPr>
-                <a:solidFill>
-                  <a:schemeClr val="tx1"/>
-                </a:solidFill>
-                <a:latin typeface="Arial" panose="020B0604020202020204" pitchFamily="34" charset="0"/>
-                <a:ea typeface="宋体" panose="02010600030101010101" pitchFamily="2" charset="-122"/>
-              </a:defRPr>
-            </a:lvl4pPr>
-            <a:lvl5pPr marL="2057400" indent="-228600">
-              <a:buFont typeface="Arial" panose="020B0604020202020204" pitchFamily="34" charset="0"/>
-              <a:defRPr>
-                <a:solidFill>
-                  <a:schemeClr val="tx1"/>
-                </a:solidFill>
-                <a:latin typeface="Arial" panose="020B0604020202020204" pitchFamily="34" charset="0"/>
-                <a:ea typeface="宋体" panose="02010600030101010101" pitchFamily="2" charset="-122"/>
-              </a:defRPr>
-            </a:lvl5pPr>
-            <a:lvl6pPr marL="2514600" indent="-228600" eaLnBrk="0" fontAlgn="base" hangingPunct="0">
-              <a:spcBef>
-                <a:spcPct val="0"/>
-              </a:spcBef>
-              <a:spcAft>
-                <a:spcPct val="0"/>
-              </a:spcAft>
-              <a:buFont typeface="Arial" panose="020B0604020202020204" pitchFamily="34" charset="0"/>
-              <a:defRPr>
-                <a:solidFill>
-                  <a:schemeClr val="tx1"/>
-                </a:solidFill>
-                <a:latin typeface="Arial" panose="020B0604020202020204" pitchFamily="34" charset="0"/>
-                <a:ea typeface="宋体" panose="02010600030101010101" pitchFamily="2" charset="-122"/>
-              </a:defRPr>
-            </a:lvl6pPr>
-            <a:lvl7pPr marL="2971800" indent="-228600" eaLnBrk="0" fontAlgn="base" hangingPunct="0">
-              <a:spcBef>
-                <a:spcPct val="0"/>
-              </a:spcBef>
-              <a:spcAft>
-                <a:spcPct val="0"/>
-              </a:spcAft>
-              <a:buFont typeface="Arial" panose="020B0604020202020204" pitchFamily="34" charset="0"/>
-              <a:defRPr>
-                <a:solidFill>
-                  <a:schemeClr val="tx1"/>
-                </a:solidFill>
-                <a:latin typeface="Arial" panose="020B0604020202020204" pitchFamily="34" charset="0"/>
-                <a:ea typeface="宋体" panose="02010600030101010101" pitchFamily="2" charset="-122"/>
-              </a:defRPr>
-            </a:lvl7pPr>
-            <a:lvl8pPr marL="3429000" indent="-228600" eaLnBrk="0" fontAlgn="base" hangingPunct="0">
-              <a:spcBef>
-                <a:spcPct val="0"/>
-              </a:spcBef>
-              <a:spcAft>
-                <a:spcPct val="0"/>
-              </a:spcAft>
-              <a:buFont typeface="Arial" panose="020B0604020202020204" pitchFamily="34" charset="0"/>
-              <a:defRPr>
-                <a:solidFill>
-                  <a:schemeClr val="tx1"/>
-                </a:solidFill>
-                <a:latin typeface="Arial" panose="020B0604020202020204" pitchFamily="34" charset="0"/>
-                <a:ea typeface="宋体" panose="02010600030101010101" pitchFamily="2" charset="-122"/>
-              </a:defRPr>
-            </a:lvl8pPr>
-            <a:lvl9pPr marL="3886200" indent="-228600" eaLnBrk="0" fontAlgn="base" hangingPunct="0">
-              <a:spcBef>
-                <a:spcPct val="0"/>
-              </a:spcBef>
-              <a:spcAft>
-                <a:spcPct val="0"/>
-              </a:spcAft>
-              <a:buFont typeface="Arial" panose="020B0604020202020204" pitchFamily="34" charset="0"/>
-              <a:defRPr>
-                <a:solidFill>
-                  <a:schemeClr val="tx1"/>
-                </a:solidFill>
-                <a:latin typeface="Arial" panose="020B0604020202020204" pitchFamily="34" charset="0"/>
-                <a:ea typeface="宋体" panose="02010600030101010101" pitchFamily="2" charset="-122"/>
-              </a:defRPr>
-            </a:lvl9pPr>
-          </a:lstStyle>
-          <a:p>
-            <a:pPr eaLnBrk="1" hangingPunct="1"/>
-            <a:r>
-              <a:rPr lang="zh-CN" altLang="en-US" sz="1400">
-                <a:solidFill>
-                  <a:srgbClr val="595959"/>
-                </a:solidFill>
-                <a:latin typeface="微软雅黑" panose="020B0503020204020204" pitchFamily="34" charset="-122"/>
-                <a:ea typeface="微软雅黑" panose="020B0503020204020204" pitchFamily="34" charset="-122"/>
-                <a:sym typeface="微软雅黑" panose="020B0503020204020204" pitchFamily="34" charset="-122"/>
-              </a:rPr>
-              <a:t>本课程由 张赐 提供</a:t>
-            </a:r>
-            <a:endParaRPr lang="en-US" altLang="zh-CN" sz="1400">
-              <a:solidFill>
-                <a:srgbClr val="595959"/>
-              </a:solidFill>
-              <a:latin typeface="微软雅黑" panose="020B0503020204020204" pitchFamily="34" charset="-122"/>
-              <a:ea typeface="微软雅黑" panose="020B0503020204020204" pitchFamily="34" charset="-122"/>
-              <a:sym typeface="微软雅黑" panose="020B0503020204020204" pitchFamily="34" charset="-122"/>
-            </a:endParaRPr>
-          </a:p>
-          <a:p>
-            <a:pPr eaLnBrk="1" hangingPunct="1"/>
-            <a:endParaRPr lang="zh-CN" altLang="en-US" sz="1200">
-              <a:solidFill>
-                <a:srgbClr val="595959"/>
-              </a:solidFill>
-              <a:latin typeface="微软雅黑" panose="020B0503020204020204" pitchFamily="34" charset="-122"/>
-              <a:ea typeface="微软雅黑" panose="020B0503020204020204" pitchFamily="34" charset="-122"/>
-              <a:sym typeface="微软雅黑" panose="020B0503020204020204" pitchFamily="34" charset="-122"/>
-            </a:endParaRPr>
-          </a:p>
-        </p:txBody>
-      </p:sp>
-      <p:pic>
-        <p:nvPicPr>
-          <p:cNvPr id="8199" name="Picture 2">
-            <a:extLst>
-              <a:ext uri="{FF2B5EF4-FFF2-40B4-BE49-F238E27FC236}">
-                <a16:creationId xmlns:a16="http://schemas.microsoft.com/office/drawing/2014/main" id="{2656A675-2838-4DE8-A1F0-DE7DF761E3B6}"/>
-              </a:ext>
-            </a:extLst>
-          </p:cNvPr>
-          <p:cNvPicPr>
-            <a:picLocks noChangeAspect="1" noChangeArrowheads="1"/>
-          </p:cNvPicPr>
-          <p:nvPr/>
-        </p:nvPicPr>
-        <p:blipFill>
-          <a:blip r:embed="rId3">
-            <a:extLst>
-              <a:ext uri="{28A0092B-C50C-407E-A947-70E740481C1C}">
-                <a14:useLocalDpi xmlns:a14="http://schemas.microsoft.com/office/drawing/2010/main" val="0"/>
-              </a:ext>
-            </a:extLst>
-          </a:blip>
-          <a:srcRect/>
-          <a:stretch>
-            <a:fillRect/>
-          </a:stretch>
-        </p:blipFill>
-        <p:spPr bwMode="auto">
-          <a:xfrm>
-            <a:off x="107950" y="123825"/>
-            <a:ext cx="1296988" cy="539750"/>
+            <a:off x="7956550" y="4606925"/>
+            <a:ext cx="1081088" cy="450850"/>
           </a:xfrm>
           <a:prstGeom prst="rect">
             <a:avLst/>
@@ -29348,7 +28134,2244 @@
           </a:extLst>
         </p:spPr>
       </p:pic>
+      <p:sp>
+        <p:nvSpPr>
+          <p:cNvPr id="3075" name="Title 1">
+            <a:extLst>
+              <a:ext uri="{FF2B5EF4-FFF2-40B4-BE49-F238E27FC236}">
+                <a16:creationId xmlns:a16="http://schemas.microsoft.com/office/drawing/2014/main" id="{666E1B67-1175-4598-AA77-794FC6629051}"/>
+              </a:ext>
+            </a:extLst>
+          </p:cNvPr>
+          <p:cNvSpPr>
+            <a:spLocks noGrp="1" noChangeArrowheads="1"/>
+          </p:cNvSpPr>
+          <p:nvPr>
+            <p:ph type="title"/>
+          </p:nvPr>
+        </p:nvSpPr>
+        <p:spPr bwMode="auto">
+          <a:xfrm>
+            <a:off x="457200" y="123825"/>
+            <a:ext cx="8229600" cy="711200"/>
+          </a:xfrm>
+          <a:noFill/>
+          <a:extLst>
+            <a:ext uri="{909E8E84-426E-40DD-AFC4-6F175D3DCCD1}">
+              <a14:hiddenFill xmlns:a14="http://schemas.microsoft.com/office/drawing/2010/main">
+                <a:solidFill>
+                  <a:srgbClr val="FFFFFF"/>
+                </a:solidFill>
+              </a14:hiddenFill>
+            </a:ext>
+            <a:ext uri="{91240B29-F687-4F45-9708-019B960494DF}">
+              <a14:hiddenLine xmlns:a14="http://schemas.microsoft.com/office/drawing/2010/main" w="9525">
+                <a:solidFill>
+                  <a:srgbClr val="000000"/>
+                </a:solidFill>
+                <a:miter lim="800000"/>
+                <a:headEnd/>
+                <a:tailEnd/>
+              </a14:hiddenLine>
+            </a:ext>
+          </a:extLst>
+        </p:spPr>
+        <p:txBody>
+          <a:bodyPr vert="horz" wrap="square" lIns="91440" tIns="45720" rIns="91440" bIns="45720" numCol="1" anchor="t" anchorCtr="0" compatLnSpc="1">
+            <a:prstTxWarp prst="textNoShape">
+              <a:avLst/>
+            </a:prstTxWarp>
+          </a:bodyPr>
+          <a:lstStyle/>
+          <a:p>
+            <a:pPr algn="l" eaLnBrk="1" hangingPunct="1"/>
+            <a:r>
+              <a:rPr lang="zh-CN" altLang="en-US" dirty="0">
+                <a:solidFill>
+                  <a:srgbClr val="C00000"/>
+                </a:solidFill>
+                <a:latin typeface="微软雅黑 Light" panose="020B0502040204020203" pitchFamily="34" charset="-122"/>
+                <a:ea typeface="微软雅黑 Light" panose="020B0502040204020203" pitchFamily="34" charset="-122"/>
+              </a:rPr>
+              <a:t>练习</a:t>
+            </a:r>
+            <a:endParaRPr lang="en-US" altLang="zh-CN" dirty="0">
+              <a:solidFill>
+                <a:srgbClr val="C00000"/>
+              </a:solidFill>
+              <a:latin typeface="微软雅黑 Light" panose="020B0502040204020203" pitchFamily="34" charset="-122"/>
+              <a:ea typeface="微软雅黑 Light" panose="020B0502040204020203" pitchFamily="34" charset="-122"/>
+            </a:endParaRPr>
+          </a:p>
+        </p:txBody>
+      </p:sp>
+      <p:sp>
+        <p:nvSpPr>
+          <p:cNvPr id="4" name="Content Placeholder 3">
+            <a:extLst>
+              <a:ext uri="{FF2B5EF4-FFF2-40B4-BE49-F238E27FC236}">
+                <a16:creationId xmlns:a16="http://schemas.microsoft.com/office/drawing/2014/main" id="{368B2D2E-6A5C-4FE0-91BB-6CC0CC9AEF62}"/>
+              </a:ext>
+            </a:extLst>
+          </p:cNvPr>
+          <p:cNvSpPr txBox="1">
+            <a:spLocks/>
+          </p:cNvSpPr>
+          <p:nvPr/>
+        </p:nvSpPr>
+        <p:spPr>
+          <a:xfrm>
+            <a:off x="457200" y="1131888"/>
+            <a:ext cx="8229600" cy="3925887"/>
+          </a:xfrm>
+          <a:prstGeom prst="rect">
+            <a:avLst/>
+          </a:prstGeom>
+        </p:spPr>
+        <p:txBody>
+          <a:bodyPr/>
+          <a:lstStyle>
+            <a:lvl1pPr marL="342900" indent="-342900" algn="l" rtl="0" fontAlgn="base">
+              <a:spcBef>
+                <a:spcPct val="20000"/>
+              </a:spcBef>
+              <a:spcAft>
+                <a:spcPct val="0"/>
+              </a:spcAft>
+              <a:buFont typeface="Arial" panose="020B0604020202020204" pitchFamily="34" charset="0"/>
+              <a:buChar char="•"/>
+              <a:defRPr sz="3200" kern="1200">
+                <a:solidFill>
+                  <a:schemeClr val="tx1"/>
+                </a:solidFill>
+                <a:latin typeface="+mn-lt"/>
+                <a:ea typeface="+mn-ea"/>
+                <a:cs typeface="+mn-cs"/>
+                <a:sym typeface="Calibri" panose="020F0502020204030204" pitchFamily="34" charset="0"/>
+              </a:defRPr>
+            </a:lvl1pPr>
+            <a:lvl2pPr marL="742950" indent="-285750" algn="l" rtl="0" fontAlgn="base">
+              <a:spcBef>
+                <a:spcPct val="20000"/>
+              </a:spcBef>
+              <a:spcAft>
+                <a:spcPct val="0"/>
+              </a:spcAft>
+              <a:buFont typeface="Arial" panose="020B0604020202020204" pitchFamily="34" charset="0"/>
+              <a:buChar char="–"/>
+              <a:defRPr sz="2800" kern="1200">
+                <a:solidFill>
+                  <a:schemeClr val="tx1"/>
+                </a:solidFill>
+                <a:latin typeface="+mn-lt"/>
+                <a:ea typeface="+mn-ea"/>
+                <a:cs typeface="+mn-cs"/>
+                <a:sym typeface="Calibri" panose="020F0502020204030204" pitchFamily="34" charset="0"/>
+              </a:defRPr>
+            </a:lvl2pPr>
+            <a:lvl3pPr marL="1143000" indent="-228600" algn="l" rtl="0" fontAlgn="base">
+              <a:spcBef>
+                <a:spcPct val="20000"/>
+              </a:spcBef>
+              <a:spcAft>
+                <a:spcPct val="0"/>
+              </a:spcAft>
+              <a:buFont typeface="Arial" panose="020B0604020202020204" pitchFamily="34" charset="0"/>
+              <a:buChar char="•"/>
+              <a:defRPr sz="2400" kern="1200">
+                <a:solidFill>
+                  <a:schemeClr val="tx1"/>
+                </a:solidFill>
+                <a:latin typeface="+mn-lt"/>
+                <a:ea typeface="+mn-ea"/>
+                <a:cs typeface="+mn-cs"/>
+                <a:sym typeface="Calibri" panose="020F0502020204030204" pitchFamily="34" charset="0"/>
+              </a:defRPr>
+            </a:lvl3pPr>
+            <a:lvl4pPr marL="1600200" indent="-228600" algn="l" rtl="0" fontAlgn="base">
+              <a:spcBef>
+                <a:spcPct val="20000"/>
+              </a:spcBef>
+              <a:spcAft>
+                <a:spcPct val="0"/>
+              </a:spcAft>
+              <a:buFont typeface="Arial" panose="020B0604020202020204" pitchFamily="34" charset="0"/>
+              <a:buChar char="–"/>
+              <a:defRPr sz="2000" kern="1200">
+                <a:solidFill>
+                  <a:schemeClr val="tx1"/>
+                </a:solidFill>
+                <a:latin typeface="+mn-lt"/>
+                <a:ea typeface="+mn-ea"/>
+                <a:cs typeface="+mn-cs"/>
+                <a:sym typeface="Calibri" panose="020F0502020204030204" pitchFamily="34" charset="0"/>
+              </a:defRPr>
+            </a:lvl4pPr>
+            <a:lvl5pPr marL="2057400" indent="-228600" algn="l" rtl="0" fontAlgn="base">
+              <a:spcBef>
+                <a:spcPct val="20000"/>
+              </a:spcBef>
+              <a:spcAft>
+                <a:spcPct val="0"/>
+              </a:spcAft>
+              <a:buFont typeface="Arial" panose="020B0604020202020204" pitchFamily="34" charset="0"/>
+              <a:buChar char="»"/>
+              <a:defRPr sz="2000" kern="1200">
+                <a:solidFill>
+                  <a:schemeClr val="tx1"/>
+                </a:solidFill>
+                <a:latin typeface="+mn-lt"/>
+                <a:ea typeface="+mn-ea"/>
+                <a:cs typeface="+mn-cs"/>
+                <a:sym typeface="Calibri" panose="020F0502020204030204" pitchFamily="34" charset="0"/>
+              </a:defRPr>
+            </a:lvl5pPr>
+            <a:lvl6pPr marL="2514600" indent="-228600" algn="l" defTabSz="914400" rtl="0" eaLnBrk="1" latinLnBrk="0" hangingPunct="1">
+              <a:lnSpc>
+                <a:spcPct val="90000"/>
+              </a:lnSpc>
+              <a:spcBef>
+                <a:spcPts val="500"/>
+              </a:spcBef>
+              <a:buFont typeface="Arial" panose="020B0604020202020204" pitchFamily="34" charset="0"/>
+              <a:buChar char="•"/>
+              <a:defRPr sz="1800" kern="1200">
+                <a:solidFill>
+                  <a:schemeClr val="tx1"/>
+                </a:solidFill>
+                <a:latin typeface="+mn-lt"/>
+                <a:ea typeface="+mn-ea"/>
+                <a:cs typeface="+mn-cs"/>
+              </a:defRPr>
+            </a:lvl6pPr>
+            <a:lvl7pPr marL="2971800" indent="-228600" algn="l" defTabSz="914400" rtl="0" eaLnBrk="1" latinLnBrk="0" hangingPunct="1">
+              <a:lnSpc>
+                <a:spcPct val="90000"/>
+              </a:lnSpc>
+              <a:spcBef>
+                <a:spcPts val="500"/>
+              </a:spcBef>
+              <a:buFont typeface="Arial" panose="020B0604020202020204" pitchFamily="34" charset="0"/>
+              <a:buChar char="•"/>
+              <a:defRPr sz="1800" kern="1200">
+                <a:solidFill>
+                  <a:schemeClr val="tx1"/>
+                </a:solidFill>
+                <a:latin typeface="+mn-lt"/>
+                <a:ea typeface="+mn-ea"/>
+                <a:cs typeface="+mn-cs"/>
+              </a:defRPr>
+            </a:lvl7pPr>
+            <a:lvl8pPr marL="3429000" indent="-228600" algn="l" defTabSz="914400" rtl="0" eaLnBrk="1" latinLnBrk="0" hangingPunct="1">
+              <a:lnSpc>
+                <a:spcPct val="90000"/>
+              </a:lnSpc>
+              <a:spcBef>
+                <a:spcPts val="500"/>
+              </a:spcBef>
+              <a:buFont typeface="Arial" panose="020B0604020202020204" pitchFamily="34" charset="0"/>
+              <a:buChar char="•"/>
+              <a:defRPr sz="1800" kern="1200">
+                <a:solidFill>
+                  <a:schemeClr val="tx1"/>
+                </a:solidFill>
+                <a:latin typeface="+mn-lt"/>
+                <a:ea typeface="+mn-ea"/>
+                <a:cs typeface="+mn-cs"/>
+              </a:defRPr>
+            </a:lvl8pPr>
+            <a:lvl9pPr marL="3886200" indent="-228600" algn="l" defTabSz="914400" rtl="0" eaLnBrk="1" latinLnBrk="0" hangingPunct="1">
+              <a:lnSpc>
+                <a:spcPct val="90000"/>
+              </a:lnSpc>
+              <a:spcBef>
+                <a:spcPts val="500"/>
+              </a:spcBef>
+              <a:buFont typeface="Arial" panose="020B0604020202020204" pitchFamily="34" charset="0"/>
+              <a:buChar char="•"/>
+              <a:defRPr sz="1800" kern="1200">
+                <a:solidFill>
+                  <a:schemeClr val="tx1"/>
+                </a:solidFill>
+                <a:latin typeface="+mn-lt"/>
+                <a:ea typeface="+mn-ea"/>
+                <a:cs typeface="+mn-cs"/>
+              </a:defRPr>
+            </a:lvl9pPr>
+          </a:lstStyle>
+          <a:p>
+            <a:pPr>
+              <a:lnSpc>
+                <a:spcPct val="150000"/>
+              </a:lnSpc>
+            </a:pPr>
+            <a:r>
+              <a:rPr lang="zh-CN" altLang="en-US" sz="2800" dirty="0">
+                <a:solidFill>
+                  <a:schemeClr val="tx1">
+                    <a:lumMod val="65000"/>
+                    <a:lumOff val="35000"/>
+                  </a:schemeClr>
+                </a:solidFill>
+                <a:latin typeface="微软雅黑 Light" panose="020B0502040204020203" pitchFamily="34" charset="-122"/>
+                <a:ea typeface="微软雅黑 Light" panose="020B0502040204020203" pitchFamily="34" charset="-122"/>
+              </a:rPr>
+              <a:t>完善</a:t>
+            </a:r>
+            <a:r>
+              <a:rPr lang="en-US" altLang="zh-CN" sz="2800" dirty="0" err="1">
+                <a:solidFill>
+                  <a:schemeClr val="tx1">
+                    <a:lumMod val="65000"/>
+                    <a:lumOff val="35000"/>
+                  </a:schemeClr>
+                </a:solidFill>
+                <a:latin typeface="微软雅黑 Light" panose="020B0502040204020203" pitchFamily="34" charset="-122"/>
+                <a:ea typeface="微软雅黑 Light" panose="020B0502040204020203" pitchFamily="34" charset="-122"/>
+              </a:rPr>
+              <a:t>GQuater</a:t>
+            </a:r>
+            <a:r>
+              <a:rPr lang="zh-CN" altLang="en-US" sz="2800" dirty="0">
+                <a:solidFill>
+                  <a:schemeClr val="tx1">
+                    <a:lumMod val="65000"/>
+                    <a:lumOff val="35000"/>
+                  </a:schemeClr>
+                </a:solidFill>
+                <a:latin typeface="微软雅黑 Light" panose="020B0502040204020203" pitchFamily="34" charset="-122"/>
+                <a:ea typeface="微软雅黑 Light" panose="020B0502040204020203" pitchFamily="34" charset="-122"/>
+              </a:rPr>
+              <a:t>类</a:t>
+            </a:r>
+            <a:endParaRPr lang="en-US" altLang="zh-CN" sz="2800" dirty="0">
+              <a:solidFill>
+                <a:schemeClr val="tx1">
+                  <a:lumMod val="65000"/>
+                  <a:lumOff val="35000"/>
+                </a:schemeClr>
+              </a:solidFill>
+              <a:latin typeface="微软雅黑 Light" panose="020B0502040204020203" pitchFamily="34" charset="-122"/>
+              <a:ea typeface="微软雅黑 Light" panose="020B0502040204020203" pitchFamily="34" charset="-122"/>
+            </a:endParaRPr>
+          </a:p>
+          <a:p>
+            <a:pPr lvl="1">
+              <a:lnSpc>
+                <a:spcPct val="150000"/>
+              </a:lnSpc>
+            </a:pPr>
+            <a:r>
+              <a:rPr lang="en-US" altLang="zh-CN" sz="2000" dirty="0">
+                <a:solidFill>
+                  <a:schemeClr val="tx1">
+                    <a:lumMod val="65000"/>
+                    <a:lumOff val="35000"/>
+                  </a:schemeClr>
+                </a:solidFill>
+                <a:latin typeface="微软雅黑 Light" panose="020B0502040204020203" pitchFamily="34" charset="-122"/>
+                <a:ea typeface="微软雅黑 Light" panose="020B0502040204020203" pitchFamily="34" charset="-122"/>
+              </a:rPr>
+              <a:t>friend </a:t>
+            </a:r>
+            <a:r>
+              <a:rPr lang="en-US" altLang="zh-CN" sz="2000" dirty="0" err="1">
+                <a:solidFill>
+                  <a:schemeClr val="tx1">
+                    <a:lumMod val="65000"/>
+                    <a:lumOff val="35000"/>
+                  </a:schemeClr>
+                </a:solidFill>
+                <a:latin typeface="微软雅黑 Light" panose="020B0502040204020203" pitchFamily="34" charset="-122"/>
+                <a:ea typeface="微软雅黑 Light" panose="020B0502040204020203" pitchFamily="34" charset="-122"/>
+              </a:rPr>
+              <a:t>GQuater</a:t>
+            </a:r>
+            <a:r>
+              <a:rPr lang="en-US" altLang="zh-CN" sz="2000" dirty="0">
+                <a:solidFill>
+                  <a:schemeClr val="tx1">
+                    <a:lumMod val="65000"/>
+                    <a:lumOff val="35000"/>
+                  </a:schemeClr>
+                </a:solidFill>
+                <a:latin typeface="微软雅黑 Light" panose="020B0502040204020203" pitchFamily="34" charset="-122"/>
+                <a:ea typeface="微软雅黑 Light" panose="020B0502040204020203" pitchFamily="34" charset="-122"/>
+              </a:rPr>
+              <a:t> operator *(</a:t>
+            </a:r>
+            <a:r>
+              <a:rPr lang="en-US" altLang="zh-CN" sz="2000" dirty="0" err="1">
+                <a:solidFill>
+                  <a:schemeClr val="tx1">
+                    <a:lumMod val="65000"/>
+                    <a:lumOff val="35000"/>
+                  </a:schemeClr>
+                </a:solidFill>
+                <a:latin typeface="微软雅黑 Light" panose="020B0502040204020203" pitchFamily="34" charset="-122"/>
+                <a:ea typeface="微软雅黑 Light" panose="020B0502040204020203" pitchFamily="34" charset="-122"/>
+              </a:rPr>
+              <a:t>const</a:t>
+            </a:r>
+            <a:r>
+              <a:rPr lang="en-US" altLang="zh-CN" sz="2000" dirty="0">
+                <a:solidFill>
+                  <a:schemeClr val="tx1">
+                    <a:lumMod val="65000"/>
+                    <a:lumOff val="35000"/>
+                  </a:schemeClr>
+                </a:solidFill>
+                <a:latin typeface="微软雅黑 Light" panose="020B0502040204020203" pitchFamily="34" charset="-122"/>
+                <a:ea typeface="微软雅黑 Light" panose="020B0502040204020203" pitchFamily="34" charset="-122"/>
+              </a:rPr>
+              <a:t> float &amp;s, </a:t>
+            </a:r>
+            <a:r>
+              <a:rPr lang="en-US" altLang="zh-CN" sz="2000" dirty="0" err="1">
+                <a:solidFill>
+                  <a:schemeClr val="tx1">
+                    <a:lumMod val="65000"/>
+                    <a:lumOff val="35000"/>
+                  </a:schemeClr>
+                </a:solidFill>
+                <a:latin typeface="微软雅黑 Light" panose="020B0502040204020203" pitchFamily="34" charset="-122"/>
+                <a:ea typeface="微软雅黑 Light" panose="020B0502040204020203" pitchFamily="34" charset="-122"/>
+              </a:rPr>
+              <a:t>const</a:t>
+            </a:r>
+            <a:r>
+              <a:rPr lang="en-US" altLang="zh-CN" sz="2000" dirty="0">
+                <a:solidFill>
+                  <a:schemeClr val="tx1">
+                    <a:lumMod val="65000"/>
+                    <a:lumOff val="35000"/>
+                  </a:schemeClr>
+                </a:solidFill>
+                <a:latin typeface="微软雅黑 Light" panose="020B0502040204020203" pitchFamily="34" charset="-122"/>
+                <a:ea typeface="微软雅黑 Light" panose="020B0502040204020203" pitchFamily="34" charset="-122"/>
+              </a:rPr>
+              <a:t> </a:t>
+            </a:r>
+            <a:r>
+              <a:rPr lang="en-US" altLang="zh-CN" sz="2000" dirty="0" err="1">
+                <a:solidFill>
+                  <a:schemeClr val="tx1">
+                    <a:lumMod val="65000"/>
+                    <a:lumOff val="35000"/>
+                  </a:schemeClr>
+                </a:solidFill>
+                <a:latin typeface="微软雅黑 Light" panose="020B0502040204020203" pitchFamily="34" charset="-122"/>
+                <a:ea typeface="微软雅黑 Light" panose="020B0502040204020203" pitchFamily="34" charset="-122"/>
+              </a:rPr>
+              <a:t>GQuater</a:t>
+            </a:r>
+            <a:r>
+              <a:rPr lang="en-US" altLang="zh-CN" sz="2000" dirty="0">
+                <a:solidFill>
+                  <a:schemeClr val="tx1">
+                    <a:lumMod val="65000"/>
+                    <a:lumOff val="35000"/>
+                  </a:schemeClr>
+                </a:solidFill>
+                <a:latin typeface="微软雅黑 Light" panose="020B0502040204020203" pitchFamily="34" charset="-122"/>
+                <a:ea typeface="微软雅黑 Light" panose="020B0502040204020203" pitchFamily="34" charset="-122"/>
+              </a:rPr>
+              <a:t> &amp;</a:t>
+            </a:r>
+            <a:r>
+              <a:rPr lang="en-US" altLang="zh-CN" sz="2000" dirty="0" err="1">
+                <a:solidFill>
+                  <a:schemeClr val="tx1">
+                    <a:lumMod val="65000"/>
+                    <a:lumOff val="35000"/>
+                  </a:schemeClr>
+                </a:solidFill>
+                <a:latin typeface="微软雅黑 Light" panose="020B0502040204020203" pitchFamily="34" charset="-122"/>
+                <a:ea typeface="微软雅黑 Light" panose="020B0502040204020203" pitchFamily="34" charset="-122"/>
+              </a:rPr>
+              <a:t>rhs</a:t>
+            </a:r>
+            <a:r>
+              <a:rPr lang="en-US" altLang="zh-CN" sz="2000" dirty="0">
+                <a:solidFill>
+                  <a:schemeClr val="tx1">
+                    <a:lumMod val="65000"/>
+                    <a:lumOff val="35000"/>
+                  </a:schemeClr>
+                </a:solidFill>
+                <a:latin typeface="微软雅黑 Light" panose="020B0502040204020203" pitchFamily="34" charset="-122"/>
+                <a:ea typeface="微软雅黑 Light" panose="020B0502040204020203" pitchFamily="34" charset="-122"/>
+              </a:rPr>
+              <a:t>);</a:t>
+            </a:r>
+          </a:p>
+          <a:p>
+            <a:pPr lvl="1">
+              <a:lnSpc>
+                <a:spcPct val="150000"/>
+              </a:lnSpc>
+            </a:pPr>
+            <a:r>
+              <a:rPr lang="en-US" altLang="zh-CN" sz="1800" dirty="0" err="1">
+                <a:solidFill>
+                  <a:schemeClr val="tx1">
+                    <a:lumMod val="65000"/>
+                    <a:lumOff val="35000"/>
+                  </a:schemeClr>
+                </a:solidFill>
+                <a:latin typeface="微软雅黑 Light" panose="020B0502040204020203" pitchFamily="34" charset="-122"/>
+                <a:ea typeface="微软雅黑 Light" panose="020B0502040204020203" pitchFamily="34" charset="-122"/>
+              </a:rPr>
+              <a:t>GQuater</a:t>
+            </a:r>
+            <a:r>
+              <a:rPr lang="en-US" altLang="zh-CN" sz="1800" dirty="0">
+                <a:solidFill>
+                  <a:schemeClr val="tx1">
+                    <a:lumMod val="65000"/>
+                    <a:lumOff val="35000"/>
+                  </a:schemeClr>
+                </a:solidFill>
+                <a:latin typeface="微软雅黑 Light" panose="020B0502040204020203" pitchFamily="34" charset="-122"/>
+                <a:ea typeface="微软雅黑 Light" panose="020B0502040204020203" pitchFamily="34" charset="-122"/>
+              </a:rPr>
+              <a:t> &amp;Set(</a:t>
+            </a:r>
+            <a:r>
+              <a:rPr lang="en-US" altLang="zh-CN" sz="1800" dirty="0" err="1">
+                <a:solidFill>
+                  <a:schemeClr val="tx1">
+                    <a:lumMod val="65000"/>
+                    <a:lumOff val="35000"/>
+                  </a:schemeClr>
+                </a:solidFill>
+                <a:latin typeface="微软雅黑 Light" panose="020B0502040204020203" pitchFamily="34" charset="-122"/>
+                <a:ea typeface="微软雅黑 Light" panose="020B0502040204020203" pitchFamily="34" charset="-122"/>
+              </a:rPr>
+              <a:t>const</a:t>
+            </a:r>
+            <a:r>
+              <a:rPr lang="en-US" altLang="zh-CN" sz="1800" dirty="0">
+                <a:solidFill>
+                  <a:schemeClr val="tx1">
+                    <a:lumMod val="65000"/>
+                    <a:lumOff val="35000"/>
+                  </a:schemeClr>
+                </a:solidFill>
+                <a:latin typeface="微软雅黑 Light" panose="020B0502040204020203" pitchFamily="34" charset="-122"/>
+                <a:ea typeface="微软雅黑 Light" panose="020B0502040204020203" pitchFamily="34" charset="-122"/>
+              </a:rPr>
+              <a:t> float w, </a:t>
+            </a:r>
+            <a:r>
+              <a:rPr lang="en-US" altLang="zh-CN" sz="1800" dirty="0" err="1">
+                <a:solidFill>
+                  <a:schemeClr val="tx1">
+                    <a:lumMod val="65000"/>
+                    <a:lumOff val="35000"/>
+                  </a:schemeClr>
+                </a:solidFill>
+                <a:latin typeface="微软雅黑 Light" panose="020B0502040204020203" pitchFamily="34" charset="-122"/>
+                <a:ea typeface="微软雅黑 Light" panose="020B0502040204020203" pitchFamily="34" charset="-122"/>
+              </a:rPr>
+              <a:t>const</a:t>
+            </a:r>
+            <a:r>
+              <a:rPr lang="en-US" altLang="zh-CN" sz="1800" dirty="0">
+                <a:solidFill>
+                  <a:schemeClr val="tx1">
+                    <a:lumMod val="65000"/>
+                    <a:lumOff val="35000"/>
+                  </a:schemeClr>
+                </a:solidFill>
+                <a:latin typeface="微软雅黑 Light" panose="020B0502040204020203" pitchFamily="34" charset="-122"/>
+                <a:ea typeface="微软雅黑 Light" panose="020B0502040204020203" pitchFamily="34" charset="-122"/>
+              </a:rPr>
+              <a:t> float x, </a:t>
+            </a:r>
+            <a:r>
+              <a:rPr lang="en-US" altLang="zh-CN" sz="1800" dirty="0" err="1">
+                <a:solidFill>
+                  <a:schemeClr val="tx1">
+                    <a:lumMod val="65000"/>
+                    <a:lumOff val="35000"/>
+                  </a:schemeClr>
+                </a:solidFill>
+                <a:latin typeface="微软雅黑 Light" panose="020B0502040204020203" pitchFamily="34" charset="-122"/>
+                <a:ea typeface="微软雅黑 Light" panose="020B0502040204020203" pitchFamily="34" charset="-122"/>
+              </a:rPr>
+              <a:t>const</a:t>
+            </a:r>
+            <a:r>
+              <a:rPr lang="en-US" altLang="zh-CN" sz="1800" dirty="0">
+                <a:solidFill>
+                  <a:schemeClr val="tx1">
+                    <a:lumMod val="65000"/>
+                    <a:lumOff val="35000"/>
+                  </a:schemeClr>
+                </a:solidFill>
+                <a:latin typeface="微软雅黑 Light" panose="020B0502040204020203" pitchFamily="34" charset="-122"/>
+                <a:ea typeface="微软雅黑 Light" panose="020B0502040204020203" pitchFamily="34" charset="-122"/>
+              </a:rPr>
+              <a:t> float y, </a:t>
+            </a:r>
+            <a:r>
+              <a:rPr lang="en-US" altLang="zh-CN" sz="1800" dirty="0" err="1">
+                <a:solidFill>
+                  <a:schemeClr val="tx1">
+                    <a:lumMod val="65000"/>
+                    <a:lumOff val="35000"/>
+                  </a:schemeClr>
+                </a:solidFill>
+                <a:latin typeface="微软雅黑 Light" panose="020B0502040204020203" pitchFamily="34" charset="-122"/>
+                <a:ea typeface="微软雅黑 Light" panose="020B0502040204020203" pitchFamily="34" charset="-122"/>
+              </a:rPr>
+              <a:t>const</a:t>
+            </a:r>
+            <a:r>
+              <a:rPr lang="en-US" altLang="zh-CN" sz="1800" dirty="0">
+                <a:solidFill>
+                  <a:schemeClr val="tx1">
+                    <a:lumMod val="65000"/>
+                    <a:lumOff val="35000"/>
+                  </a:schemeClr>
+                </a:solidFill>
+                <a:latin typeface="微软雅黑 Light" panose="020B0502040204020203" pitchFamily="34" charset="-122"/>
+                <a:ea typeface="微软雅黑 Light" panose="020B0502040204020203" pitchFamily="34" charset="-122"/>
+              </a:rPr>
+              <a:t> float z);</a:t>
+            </a:r>
+          </a:p>
+          <a:p>
+            <a:pPr lvl="1">
+              <a:lnSpc>
+                <a:spcPct val="150000"/>
+              </a:lnSpc>
+            </a:pPr>
+            <a:r>
+              <a:rPr lang="en-US" altLang="zh-CN" sz="1800" dirty="0" err="1">
+                <a:solidFill>
+                  <a:schemeClr val="tx1">
+                    <a:lumMod val="65000"/>
+                    <a:lumOff val="35000"/>
+                  </a:schemeClr>
+                </a:solidFill>
+                <a:latin typeface="微软雅黑 Light" panose="020B0502040204020203" pitchFamily="34" charset="-122"/>
+                <a:ea typeface="微软雅黑 Light" panose="020B0502040204020203" pitchFamily="34" charset="-122"/>
+              </a:rPr>
+              <a:t>GQuater</a:t>
+            </a:r>
+            <a:r>
+              <a:rPr lang="en-US" altLang="zh-CN" sz="1800" dirty="0">
+                <a:solidFill>
+                  <a:schemeClr val="tx1">
+                    <a:lumMod val="65000"/>
+                    <a:lumOff val="35000"/>
+                  </a:schemeClr>
+                </a:solidFill>
+                <a:latin typeface="微软雅黑 Light" panose="020B0502040204020203" pitchFamily="34" charset="-122"/>
+                <a:ea typeface="微软雅黑 Light" panose="020B0502040204020203" pitchFamily="34" charset="-122"/>
+              </a:rPr>
+              <a:t> &amp;Set(float *q, bool </a:t>
+            </a:r>
+            <a:r>
+              <a:rPr lang="en-US" altLang="zh-CN" sz="1800" dirty="0" err="1">
+                <a:solidFill>
+                  <a:schemeClr val="tx1">
+                    <a:lumMod val="65000"/>
+                    <a:lumOff val="35000"/>
+                  </a:schemeClr>
+                </a:solidFill>
+                <a:latin typeface="微软雅黑 Light" panose="020B0502040204020203" pitchFamily="34" charset="-122"/>
+                <a:ea typeface="微软雅黑 Light" panose="020B0502040204020203" pitchFamily="34" charset="-122"/>
+              </a:rPr>
+              <a:t>invOrder</a:t>
+            </a:r>
+            <a:r>
+              <a:rPr lang="en-US" altLang="zh-CN" sz="1800" dirty="0">
+                <a:solidFill>
+                  <a:schemeClr val="tx1">
+                    <a:lumMod val="65000"/>
+                    <a:lumOff val="35000"/>
+                  </a:schemeClr>
+                </a:solidFill>
+                <a:latin typeface="微软雅黑 Light" panose="020B0502040204020203" pitchFamily="34" charset="-122"/>
+                <a:ea typeface="微软雅黑 Light" panose="020B0502040204020203" pitchFamily="34" charset="-122"/>
+              </a:rPr>
+              <a:t> = false);</a:t>
+            </a:r>
+          </a:p>
+          <a:p>
+            <a:pPr lvl="1">
+              <a:lnSpc>
+                <a:spcPct val="150000"/>
+              </a:lnSpc>
+            </a:pPr>
+            <a:r>
+              <a:rPr lang="en-US" altLang="zh-CN" sz="1800" dirty="0">
+                <a:solidFill>
+                  <a:schemeClr val="tx1">
+                    <a:lumMod val="65000"/>
+                    <a:lumOff val="35000"/>
+                  </a:schemeClr>
+                </a:solidFill>
+                <a:latin typeface="微软雅黑 Light" panose="020B0502040204020203" pitchFamily="34" charset="-122"/>
+                <a:ea typeface="微软雅黑 Light" panose="020B0502040204020203" pitchFamily="34" charset="-122"/>
+              </a:rPr>
+              <a:t>friend </a:t>
+            </a:r>
+            <a:r>
+              <a:rPr lang="en-US" altLang="zh-CN" sz="1800" dirty="0" err="1">
+                <a:solidFill>
+                  <a:schemeClr val="tx1">
+                    <a:lumMod val="65000"/>
+                    <a:lumOff val="35000"/>
+                  </a:schemeClr>
+                </a:solidFill>
+                <a:latin typeface="微软雅黑 Light" panose="020B0502040204020203" pitchFamily="34" charset="-122"/>
+                <a:ea typeface="微软雅黑 Light" panose="020B0502040204020203" pitchFamily="34" charset="-122"/>
+              </a:rPr>
+              <a:t>ostream</a:t>
+            </a:r>
+            <a:r>
+              <a:rPr lang="en-US" altLang="zh-CN" sz="1800" dirty="0">
+                <a:solidFill>
+                  <a:schemeClr val="tx1">
+                    <a:lumMod val="65000"/>
+                    <a:lumOff val="35000"/>
+                  </a:schemeClr>
+                </a:solidFill>
+                <a:latin typeface="微软雅黑 Light" panose="020B0502040204020203" pitchFamily="34" charset="-122"/>
+                <a:ea typeface="微软雅黑 Light" panose="020B0502040204020203" pitchFamily="34" charset="-122"/>
+              </a:rPr>
+              <a:t> &amp;operator &lt;&lt;(</a:t>
+            </a:r>
+            <a:r>
+              <a:rPr lang="en-US" altLang="zh-CN" sz="1800" dirty="0" err="1">
+                <a:solidFill>
+                  <a:schemeClr val="tx1">
+                    <a:lumMod val="65000"/>
+                    <a:lumOff val="35000"/>
+                  </a:schemeClr>
+                </a:solidFill>
+                <a:latin typeface="微软雅黑 Light" panose="020B0502040204020203" pitchFamily="34" charset="-122"/>
+                <a:ea typeface="微软雅黑 Light" panose="020B0502040204020203" pitchFamily="34" charset="-122"/>
+              </a:rPr>
+              <a:t>ostream</a:t>
+            </a:r>
+            <a:r>
+              <a:rPr lang="en-US" altLang="zh-CN" sz="1800" dirty="0">
+                <a:solidFill>
+                  <a:schemeClr val="tx1">
+                    <a:lumMod val="65000"/>
+                    <a:lumOff val="35000"/>
+                  </a:schemeClr>
+                </a:solidFill>
+                <a:latin typeface="微软雅黑 Light" panose="020B0502040204020203" pitchFamily="34" charset="-122"/>
+                <a:ea typeface="微软雅黑 Light" panose="020B0502040204020203" pitchFamily="34" charset="-122"/>
+              </a:rPr>
+              <a:t> &amp;</a:t>
+            </a:r>
+            <a:r>
+              <a:rPr lang="en-US" altLang="zh-CN" sz="1800" dirty="0" err="1">
+                <a:solidFill>
+                  <a:schemeClr val="tx1">
+                    <a:lumMod val="65000"/>
+                    <a:lumOff val="35000"/>
+                  </a:schemeClr>
+                </a:solidFill>
+                <a:latin typeface="微软雅黑 Light" panose="020B0502040204020203" pitchFamily="34" charset="-122"/>
+                <a:ea typeface="微软雅黑 Light" panose="020B0502040204020203" pitchFamily="34" charset="-122"/>
+              </a:rPr>
+              <a:t>os</a:t>
+            </a:r>
+            <a:r>
+              <a:rPr lang="en-US" altLang="zh-CN" sz="1800" dirty="0">
+                <a:solidFill>
+                  <a:schemeClr val="tx1">
+                    <a:lumMod val="65000"/>
+                    <a:lumOff val="35000"/>
+                  </a:schemeClr>
+                </a:solidFill>
+                <a:latin typeface="微软雅黑 Light" panose="020B0502040204020203" pitchFamily="34" charset="-122"/>
+                <a:ea typeface="微软雅黑 Light" panose="020B0502040204020203" pitchFamily="34" charset="-122"/>
+              </a:rPr>
+              <a:t>, </a:t>
+            </a:r>
+            <a:r>
+              <a:rPr lang="en-US" altLang="zh-CN" sz="1800" dirty="0" err="1">
+                <a:solidFill>
+                  <a:schemeClr val="tx1">
+                    <a:lumMod val="65000"/>
+                    <a:lumOff val="35000"/>
+                  </a:schemeClr>
+                </a:solidFill>
+                <a:latin typeface="微软雅黑 Light" panose="020B0502040204020203" pitchFamily="34" charset="-122"/>
+                <a:ea typeface="微软雅黑 Light" panose="020B0502040204020203" pitchFamily="34" charset="-122"/>
+              </a:rPr>
+              <a:t>const</a:t>
+            </a:r>
+            <a:r>
+              <a:rPr lang="en-US" altLang="zh-CN" sz="1800" dirty="0">
+                <a:solidFill>
+                  <a:schemeClr val="tx1">
+                    <a:lumMod val="65000"/>
+                    <a:lumOff val="35000"/>
+                  </a:schemeClr>
+                </a:solidFill>
+                <a:latin typeface="微软雅黑 Light" panose="020B0502040204020203" pitchFamily="34" charset="-122"/>
+                <a:ea typeface="微软雅黑 Light" panose="020B0502040204020203" pitchFamily="34" charset="-122"/>
+              </a:rPr>
+              <a:t> </a:t>
+            </a:r>
+            <a:r>
+              <a:rPr lang="en-US" altLang="zh-CN" sz="1800" dirty="0" err="1">
+                <a:solidFill>
+                  <a:schemeClr val="tx1">
+                    <a:lumMod val="65000"/>
+                    <a:lumOff val="35000"/>
+                  </a:schemeClr>
+                </a:solidFill>
+                <a:latin typeface="微软雅黑 Light" panose="020B0502040204020203" pitchFamily="34" charset="-122"/>
+                <a:ea typeface="微软雅黑 Light" panose="020B0502040204020203" pitchFamily="34" charset="-122"/>
+              </a:rPr>
+              <a:t>GQuater</a:t>
+            </a:r>
+            <a:r>
+              <a:rPr lang="en-US" altLang="zh-CN" sz="1800" dirty="0">
+                <a:solidFill>
+                  <a:schemeClr val="tx1">
+                    <a:lumMod val="65000"/>
+                    <a:lumOff val="35000"/>
+                  </a:schemeClr>
+                </a:solidFill>
+                <a:latin typeface="微软雅黑 Light" panose="020B0502040204020203" pitchFamily="34" charset="-122"/>
+                <a:ea typeface="微软雅黑 Light" panose="020B0502040204020203" pitchFamily="34" charset="-122"/>
+              </a:rPr>
+              <a:t> &amp;q);</a:t>
+            </a:r>
+          </a:p>
+          <a:p>
+            <a:pPr lvl="1">
+              <a:lnSpc>
+                <a:spcPct val="150000"/>
+              </a:lnSpc>
+            </a:pPr>
+            <a:endParaRPr lang="en-US" altLang="zh-CN" sz="2400" dirty="0">
+              <a:solidFill>
+                <a:schemeClr val="tx1">
+                  <a:lumMod val="65000"/>
+                  <a:lumOff val="35000"/>
+                </a:schemeClr>
+              </a:solidFill>
+              <a:latin typeface="微软雅黑 Light" panose="020B0502040204020203" pitchFamily="34" charset="-122"/>
+              <a:ea typeface="微软雅黑 Light" panose="020B0502040204020203" pitchFamily="34" charset="-122"/>
+            </a:endParaRPr>
+          </a:p>
+        </p:txBody>
+      </p:sp>
     </p:spTree>
+    <p:extLst>
+      <p:ext uri="{BB962C8B-B14F-4D97-AF65-F5344CB8AC3E}">
+        <p14:creationId xmlns:p14="http://schemas.microsoft.com/office/powerpoint/2010/main" val="3785996926"/>
+      </p:ext>
+    </p:extLst>
+  </p:cSld>
+  <p:clrMapOvr>
+    <a:masterClrMapping/>
+  </p:clrMapOvr>
+</p:sld>
+</file>
+
+<file path=ppt/slides/slide28.xml><?xml version="1.0" encoding="utf-8"?>
+<p:sld xmlns:a="http://schemas.openxmlformats.org/drawingml/2006/main" xmlns:r="http://schemas.openxmlformats.org/officeDocument/2006/relationships" xmlns:p="http://schemas.openxmlformats.org/presentationml/2006/main">
+  <p:cSld>
+    <p:spTree>
+      <p:nvGrpSpPr>
+        <p:cNvPr id="1" name=""/>
+        <p:cNvGrpSpPr/>
+        <p:nvPr/>
+      </p:nvGrpSpPr>
+      <p:grpSpPr>
+        <a:xfrm>
+          <a:off x="0" y="0"/>
+          <a:ext cx="0" cy="0"/>
+          <a:chOff x="0" y="0"/>
+          <a:chExt cx="0" cy="0"/>
+        </a:xfrm>
+      </p:grpSpPr>
+      <p:pic>
+        <p:nvPicPr>
+          <p:cNvPr id="3074" name="Picture 2">
+            <a:extLst>
+              <a:ext uri="{FF2B5EF4-FFF2-40B4-BE49-F238E27FC236}">
+                <a16:creationId xmlns:a16="http://schemas.microsoft.com/office/drawing/2014/main" id="{602C339E-BA86-4A21-AB6C-4F6D8491BC39}"/>
+              </a:ext>
+            </a:extLst>
+          </p:cNvPr>
+          <p:cNvPicPr>
+            <a:picLocks noChangeAspect="1" noChangeArrowheads="1"/>
+          </p:cNvPicPr>
+          <p:nvPr/>
+        </p:nvPicPr>
+        <p:blipFill>
+          <a:blip r:embed="rId2">
+            <a:extLst>
+              <a:ext uri="{28A0092B-C50C-407E-A947-70E740481C1C}">
+                <a14:useLocalDpi xmlns:a14="http://schemas.microsoft.com/office/drawing/2010/main" val="0"/>
+              </a:ext>
+            </a:extLst>
+          </a:blip>
+          <a:srcRect/>
+          <a:stretch>
+            <a:fillRect/>
+          </a:stretch>
+        </p:blipFill>
+        <p:spPr bwMode="auto">
+          <a:xfrm>
+            <a:off x="7956550" y="4606925"/>
+            <a:ext cx="1081088" cy="450850"/>
+          </a:xfrm>
+          <a:prstGeom prst="rect">
+            <a:avLst/>
+          </a:prstGeom>
+          <a:noFill/>
+          <a:ln>
+            <a:noFill/>
+          </a:ln>
+          <a:effectLst/>
+          <a:extLst>
+            <a:ext uri="{909E8E84-426E-40DD-AFC4-6F175D3DCCD1}">
+              <a14:hiddenFill xmlns:a14="http://schemas.microsoft.com/office/drawing/2010/main">
+                <a:solidFill>
+                  <a:srgbClr val="FFFFFF"/>
+                </a:solidFill>
+              </a14:hiddenFill>
+            </a:ext>
+            <a:ext uri="{91240B29-F687-4F45-9708-019B960494DF}">
+              <a14:hiddenLine xmlns:a14="http://schemas.microsoft.com/office/drawing/2010/main" w="9525">
+                <a:solidFill>
+                  <a:srgbClr val="000000"/>
+                </a:solidFill>
+                <a:miter lim="800000"/>
+                <a:headEnd/>
+                <a:tailEnd/>
+              </a14:hiddenLine>
+            </a:ext>
+            <a:ext uri="{AF507438-7753-43E0-B8FC-AC1667EBCBE1}">
+              <a14:hiddenEffects xmlns:a14="http://schemas.microsoft.com/office/drawing/2010/main">
+                <a:effectLst>
+                  <a:outerShdw dist="35921" dir="2700000" algn="ctr" rotWithShape="0">
+                    <a:srgbClr val="808080"/>
+                  </a:outerShdw>
+                </a:effectLst>
+              </a14:hiddenEffects>
+            </a:ext>
+          </a:extLst>
+        </p:spPr>
+      </p:pic>
+      <p:sp>
+        <p:nvSpPr>
+          <p:cNvPr id="3075" name="Title 1">
+            <a:extLst>
+              <a:ext uri="{FF2B5EF4-FFF2-40B4-BE49-F238E27FC236}">
+                <a16:creationId xmlns:a16="http://schemas.microsoft.com/office/drawing/2014/main" id="{666E1B67-1175-4598-AA77-794FC6629051}"/>
+              </a:ext>
+            </a:extLst>
+          </p:cNvPr>
+          <p:cNvSpPr>
+            <a:spLocks noGrp="1" noChangeArrowheads="1"/>
+          </p:cNvSpPr>
+          <p:nvPr>
+            <p:ph type="title"/>
+          </p:nvPr>
+        </p:nvSpPr>
+        <p:spPr bwMode="auto">
+          <a:xfrm>
+            <a:off x="457200" y="123825"/>
+            <a:ext cx="8229600" cy="711200"/>
+          </a:xfrm>
+          <a:noFill/>
+          <a:extLst>
+            <a:ext uri="{909E8E84-426E-40DD-AFC4-6F175D3DCCD1}">
+              <a14:hiddenFill xmlns:a14="http://schemas.microsoft.com/office/drawing/2010/main">
+                <a:solidFill>
+                  <a:srgbClr val="FFFFFF"/>
+                </a:solidFill>
+              </a14:hiddenFill>
+            </a:ext>
+            <a:ext uri="{91240B29-F687-4F45-9708-019B960494DF}">
+              <a14:hiddenLine xmlns:a14="http://schemas.microsoft.com/office/drawing/2010/main" w="9525">
+                <a:solidFill>
+                  <a:srgbClr val="000000"/>
+                </a:solidFill>
+                <a:miter lim="800000"/>
+                <a:headEnd/>
+                <a:tailEnd/>
+              </a14:hiddenLine>
+            </a:ext>
+          </a:extLst>
+        </p:spPr>
+        <p:txBody>
+          <a:bodyPr vert="horz" wrap="square" lIns="91440" tIns="45720" rIns="91440" bIns="45720" numCol="1" anchor="t" anchorCtr="0" compatLnSpc="1">
+            <a:prstTxWarp prst="textNoShape">
+              <a:avLst/>
+            </a:prstTxWarp>
+          </a:bodyPr>
+          <a:lstStyle/>
+          <a:p>
+            <a:pPr algn="l" eaLnBrk="1" hangingPunct="1"/>
+            <a:r>
+              <a:rPr lang="zh-CN" altLang="en-US" dirty="0">
+                <a:solidFill>
+                  <a:srgbClr val="C00000"/>
+                </a:solidFill>
+                <a:latin typeface="微软雅黑 Light" panose="020B0502040204020203" pitchFamily="34" charset="-122"/>
+                <a:ea typeface="微软雅黑 Light" panose="020B0502040204020203" pitchFamily="34" charset="-122"/>
+              </a:rPr>
+              <a:t>练习</a:t>
+            </a:r>
+            <a:endParaRPr lang="en-US" altLang="zh-CN" dirty="0">
+              <a:solidFill>
+                <a:srgbClr val="C00000"/>
+              </a:solidFill>
+              <a:latin typeface="微软雅黑 Light" panose="020B0502040204020203" pitchFamily="34" charset="-122"/>
+              <a:ea typeface="微软雅黑 Light" panose="020B0502040204020203" pitchFamily="34" charset="-122"/>
+            </a:endParaRPr>
+          </a:p>
+        </p:txBody>
+      </p:sp>
+      <p:sp>
+        <p:nvSpPr>
+          <p:cNvPr id="4" name="Content Placeholder 3">
+            <a:extLst>
+              <a:ext uri="{FF2B5EF4-FFF2-40B4-BE49-F238E27FC236}">
+                <a16:creationId xmlns:a16="http://schemas.microsoft.com/office/drawing/2014/main" id="{368B2D2E-6A5C-4FE0-91BB-6CC0CC9AEF62}"/>
+              </a:ext>
+            </a:extLst>
+          </p:cNvPr>
+          <p:cNvSpPr txBox="1">
+            <a:spLocks/>
+          </p:cNvSpPr>
+          <p:nvPr/>
+        </p:nvSpPr>
+        <p:spPr>
+          <a:xfrm>
+            <a:off x="457200" y="1131888"/>
+            <a:ext cx="8229600" cy="3925887"/>
+          </a:xfrm>
+          <a:prstGeom prst="rect">
+            <a:avLst/>
+          </a:prstGeom>
+        </p:spPr>
+        <p:txBody>
+          <a:bodyPr/>
+          <a:lstStyle>
+            <a:lvl1pPr marL="342900" indent="-342900" algn="l" rtl="0" fontAlgn="base">
+              <a:spcBef>
+                <a:spcPct val="20000"/>
+              </a:spcBef>
+              <a:spcAft>
+                <a:spcPct val="0"/>
+              </a:spcAft>
+              <a:buFont typeface="Arial" panose="020B0604020202020204" pitchFamily="34" charset="0"/>
+              <a:buChar char="•"/>
+              <a:defRPr sz="3200" kern="1200">
+                <a:solidFill>
+                  <a:schemeClr val="tx1"/>
+                </a:solidFill>
+                <a:latin typeface="+mn-lt"/>
+                <a:ea typeface="+mn-ea"/>
+                <a:cs typeface="+mn-cs"/>
+                <a:sym typeface="Calibri" panose="020F0502020204030204" pitchFamily="34" charset="0"/>
+              </a:defRPr>
+            </a:lvl1pPr>
+            <a:lvl2pPr marL="742950" indent="-285750" algn="l" rtl="0" fontAlgn="base">
+              <a:spcBef>
+                <a:spcPct val="20000"/>
+              </a:spcBef>
+              <a:spcAft>
+                <a:spcPct val="0"/>
+              </a:spcAft>
+              <a:buFont typeface="Arial" panose="020B0604020202020204" pitchFamily="34" charset="0"/>
+              <a:buChar char="–"/>
+              <a:defRPr sz="2800" kern="1200">
+                <a:solidFill>
+                  <a:schemeClr val="tx1"/>
+                </a:solidFill>
+                <a:latin typeface="+mn-lt"/>
+                <a:ea typeface="+mn-ea"/>
+                <a:cs typeface="+mn-cs"/>
+                <a:sym typeface="Calibri" panose="020F0502020204030204" pitchFamily="34" charset="0"/>
+              </a:defRPr>
+            </a:lvl2pPr>
+            <a:lvl3pPr marL="1143000" indent="-228600" algn="l" rtl="0" fontAlgn="base">
+              <a:spcBef>
+                <a:spcPct val="20000"/>
+              </a:spcBef>
+              <a:spcAft>
+                <a:spcPct val="0"/>
+              </a:spcAft>
+              <a:buFont typeface="Arial" panose="020B0604020202020204" pitchFamily="34" charset="0"/>
+              <a:buChar char="•"/>
+              <a:defRPr sz="2400" kern="1200">
+                <a:solidFill>
+                  <a:schemeClr val="tx1"/>
+                </a:solidFill>
+                <a:latin typeface="+mn-lt"/>
+                <a:ea typeface="+mn-ea"/>
+                <a:cs typeface="+mn-cs"/>
+                <a:sym typeface="Calibri" panose="020F0502020204030204" pitchFamily="34" charset="0"/>
+              </a:defRPr>
+            </a:lvl3pPr>
+            <a:lvl4pPr marL="1600200" indent="-228600" algn="l" rtl="0" fontAlgn="base">
+              <a:spcBef>
+                <a:spcPct val="20000"/>
+              </a:spcBef>
+              <a:spcAft>
+                <a:spcPct val="0"/>
+              </a:spcAft>
+              <a:buFont typeface="Arial" panose="020B0604020202020204" pitchFamily="34" charset="0"/>
+              <a:buChar char="–"/>
+              <a:defRPr sz="2000" kern="1200">
+                <a:solidFill>
+                  <a:schemeClr val="tx1"/>
+                </a:solidFill>
+                <a:latin typeface="+mn-lt"/>
+                <a:ea typeface="+mn-ea"/>
+                <a:cs typeface="+mn-cs"/>
+                <a:sym typeface="Calibri" panose="020F0502020204030204" pitchFamily="34" charset="0"/>
+              </a:defRPr>
+            </a:lvl4pPr>
+            <a:lvl5pPr marL="2057400" indent="-228600" algn="l" rtl="0" fontAlgn="base">
+              <a:spcBef>
+                <a:spcPct val="20000"/>
+              </a:spcBef>
+              <a:spcAft>
+                <a:spcPct val="0"/>
+              </a:spcAft>
+              <a:buFont typeface="Arial" panose="020B0604020202020204" pitchFamily="34" charset="0"/>
+              <a:buChar char="»"/>
+              <a:defRPr sz="2000" kern="1200">
+                <a:solidFill>
+                  <a:schemeClr val="tx1"/>
+                </a:solidFill>
+                <a:latin typeface="+mn-lt"/>
+                <a:ea typeface="+mn-ea"/>
+                <a:cs typeface="+mn-cs"/>
+                <a:sym typeface="Calibri" panose="020F0502020204030204" pitchFamily="34" charset="0"/>
+              </a:defRPr>
+            </a:lvl5pPr>
+            <a:lvl6pPr marL="2514600" indent="-228600" algn="l" defTabSz="914400" rtl="0" eaLnBrk="1" latinLnBrk="0" hangingPunct="1">
+              <a:lnSpc>
+                <a:spcPct val="90000"/>
+              </a:lnSpc>
+              <a:spcBef>
+                <a:spcPts val="500"/>
+              </a:spcBef>
+              <a:buFont typeface="Arial" panose="020B0604020202020204" pitchFamily="34" charset="0"/>
+              <a:buChar char="•"/>
+              <a:defRPr sz="1800" kern="1200">
+                <a:solidFill>
+                  <a:schemeClr val="tx1"/>
+                </a:solidFill>
+                <a:latin typeface="+mn-lt"/>
+                <a:ea typeface="+mn-ea"/>
+                <a:cs typeface="+mn-cs"/>
+              </a:defRPr>
+            </a:lvl6pPr>
+            <a:lvl7pPr marL="2971800" indent="-228600" algn="l" defTabSz="914400" rtl="0" eaLnBrk="1" latinLnBrk="0" hangingPunct="1">
+              <a:lnSpc>
+                <a:spcPct val="90000"/>
+              </a:lnSpc>
+              <a:spcBef>
+                <a:spcPts val="500"/>
+              </a:spcBef>
+              <a:buFont typeface="Arial" panose="020B0604020202020204" pitchFamily="34" charset="0"/>
+              <a:buChar char="•"/>
+              <a:defRPr sz="1800" kern="1200">
+                <a:solidFill>
+                  <a:schemeClr val="tx1"/>
+                </a:solidFill>
+                <a:latin typeface="+mn-lt"/>
+                <a:ea typeface="+mn-ea"/>
+                <a:cs typeface="+mn-cs"/>
+              </a:defRPr>
+            </a:lvl7pPr>
+            <a:lvl8pPr marL="3429000" indent="-228600" algn="l" defTabSz="914400" rtl="0" eaLnBrk="1" latinLnBrk="0" hangingPunct="1">
+              <a:lnSpc>
+                <a:spcPct val="90000"/>
+              </a:lnSpc>
+              <a:spcBef>
+                <a:spcPts val="500"/>
+              </a:spcBef>
+              <a:buFont typeface="Arial" panose="020B0604020202020204" pitchFamily="34" charset="0"/>
+              <a:buChar char="•"/>
+              <a:defRPr sz="1800" kern="1200">
+                <a:solidFill>
+                  <a:schemeClr val="tx1"/>
+                </a:solidFill>
+                <a:latin typeface="+mn-lt"/>
+                <a:ea typeface="+mn-ea"/>
+                <a:cs typeface="+mn-cs"/>
+              </a:defRPr>
+            </a:lvl8pPr>
+            <a:lvl9pPr marL="3886200" indent="-228600" algn="l" defTabSz="914400" rtl="0" eaLnBrk="1" latinLnBrk="0" hangingPunct="1">
+              <a:lnSpc>
+                <a:spcPct val="90000"/>
+              </a:lnSpc>
+              <a:spcBef>
+                <a:spcPts val="500"/>
+              </a:spcBef>
+              <a:buFont typeface="Arial" panose="020B0604020202020204" pitchFamily="34" charset="0"/>
+              <a:buChar char="•"/>
+              <a:defRPr sz="1800" kern="1200">
+                <a:solidFill>
+                  <a:schemeClr val="tx1"/>
+                </a:solidFill>
+                <a:latin typeface="+mn-lt"/>
+                <a:ea typeface="+mn-ea"/>
+                <a:cs typeface="+mn-cs"/>
+              </a:defRPr>
+            </a:lvl9pPr>
+          </a:lstStyle>
+          <a:p>
+            <a:pPr>
+              <a:lnSpc>
+                <a:spcPct val="150000"/>
+              </a:lnSpc>
+            </a:pPr>
+            <a:r>
+              <a:rPr lang="zh-CN" altLang="en-US" sz="2800" dirty="0">
+                <a:solidFill>
+                  <a:schemeClr val="tx1">
+                    <a:lumMod val="65000"/>
+                    <a:lumOff val="35000"/>
+                  </a:schemeClr>
+                </a:solidFill>
+                <a:latin typeface="微软雅黑 Light" panose="020B0502040204020203" pitchFamily="34" charset="-122"/>
+                <a:ea typeface="微软雅黑 Light" panose="020B0502040204020203" pitchFamily="34" charset="-122"/>
+              </a:rPr>
+              <a:t>完善</a:t>
+            </a:r>
+            <a:r>
+              <a:rPr lang="en-US" altLang="zh-CN" sz="2800" dirty="0" err="1">
+                <a:solidFill>
+                  <a:schemeClr val="tx1">
+                    <a:lumMod val="65000"/>
+                    <a:lumOff val="35000"/>
+                  </a:schemeClr>
+                </a:solidFill>
+                <a:latin typeface="微软雅黑 Light" panose="020B0502040204020203" pitchFamily="34" charset="-122"/>
+                <a:ea typeface="微软雅黑 Light" panose="020B0502040204020203" pitchFamily="34" charset="-122"/>
+              </a:rPr>
+              <a:t>GQuater</a:t>
+            </a:r>
+            <a:r>
+              <a:rPr lang="zh-CN" altLang="en-US" sz="2800" dirty="0">
+                <a:solidFill>
+                  <a:schemeClr val="tx1">
+                    <a:lumMod val="65000"/>
+                    <a:lumOff val="35000"/>
+                  </a:schemeClr>
+                </a:solidFill>
+                <a:latin typeface="微软雅黑 Light" panose="020B0502040204020203" pitchFamily="34" charset="-122"/>
+                <a:ea typeface="微软雅黑 Light" panose="020B0502040204020203" pitchFamily="34" charset="-122"/>
+              </a:rPr>
+              <a:t>类</a:t>
+            </a:r>
+            <a:endParaRPr lang="en-US" altLang="zh-CN" sz="2800" dirty="0">
+              <a:solidFill>
+                <a:schemeClr val="tx1">
+                  <a:lumMod val="65000"/>
+                  <a:lumOff val="35000"/>
+                </a:schemeClr>
+              </a:solidFill>
+              <a:latin typeface="微软雅黑 Light" panose="020B0502040204020203" pitchFamily="34" charset="-122"/>
+              <a:ea typeface="微软雅黑 Light" panose="020B0502040204020203" pitchFamily="34" charset="-122"/>
+            </a:endParaRPr>
+          </a:p>
+          <a:p>
+            <a:pPr lvl="1">
+              <a:lnSpc>
+                <a:spcPct val="150000"/>
+              </a:lnSpc>
+            </a:pPr>
+            <a:r>
+              <a:rPr lang="en-US" altLang="zh-CN" dirty="0" err="1">
+                <a:solidFill>
+                  <a:schemeClr val="tx1">
+                    <a:lumMod val="65000"/>
+                    <a:lumOff val="35000"/>
+                  </a:schemeClr>
+                </a:solidFill>
+                <a:latin typeface="微软雅黑 Light" panose="020B0502040204020203" pitchFamily="34" charset="-122"/>
+                <a:ea typeface="微软雅黑 Light" panose="020B0502040204020203" pitchFamily="34" charset="-122"/>
+              </a:rPr>
+              <a:t>GQuater</a:t>
+            </a:r>
+            <a:r>
+              <a:rPr lang="en-US" altLang="zh-CN" dirty="0">
+                <a:solidFill>
+                  <a:schemeClr val="tx1">
+                    <a:lumMod val="65000"/>
+                    <a:lumOff val="35000"/>
+                  </a:schemeClr>
+                </a:solidFill>
+                <a:latin typeface="微软雅黑 Light" panose="020B0502040204020203" pitchFamily="34" charset="-122"/>
+                <a:ea typeface="微软雅黑 Light" panose="020B0502040204020203" pitchFamily="34" charset="-122"/>
+              </a:rPr>
+              <a:t> &amp;Normalize();</a:t>
+            </a:r>
+          </a:p>
+          <a:p>
+            <a:pPr lvl="1">
+              <a:lnSpc>
+                <a:spcPct val="150000"/>
+              </a:lnSpc>
+            </a:pPr>
+            <a:r>
+              <a:rPr lang="en-US" altLang="zh-CN" dirty="0" err="1">
+                <a:solidFill>
+                  <a:schemeClr val="tx1">
+                    <a:lumMod val="65000"/>
+                    <a:lumOff val="35000"/>
+                  </a:schemeClr>
+                </a:solidFill>
+                <a:latin typeface="微软雅黑 Light" panose="020B0502040204020203" pitchFamily="34" charset="-122"/>
+                <a:ea typeface="微软雅黑 Light" panose="020B0502040204020203" pitchFamily="34" charset="-122"/>
+              </a:rPr>
+              <a:t>GQuater</a:t>
+            </a:r>
+            <a:r>
+              <a:rPr lang="en-US" altLang="zh-CN" dirty="0">
+                <a:solidFill>
+                  <a:schemeClr val="tx1">
+                    <a:lumMod val="65000"/>
+                    <a:lumOff val="35000"/>
+                  </a:schemeClr>
+                </a:solidFill>
+                <a:latin typeface="微软雅黑 Light" panose="020B0502040204020203" pitchFamily="34" charset="-122"/>
+                <a:ea typeface="微软雅黑 Light" panose="020B0502040204020203" pitchFamily="34" charset="-122"/>
+              </a:rPr>
+              <a:t> &amp;</a:t>
+            </a:r>
+            <a:r>
+              <a:rPr lang="en-US" altLang="zh-CN" dirty="0" err="1">
+                <a:solidFill>
+                  <a:schemeClr val="tx1">
+                    <a:lumMod val="65000"/>
+                    <a:lumOff val="35000"/>
+                  </a:schemeClr>
+                </a:solidFill>
+                <a:latin typeface="微软雅黑 Light" panose="020B0502040204020203" pitchFamily="34" charset="-122"/>
+                <a:ea typeface="微软雅黑 Light" panose="020B0502040204020203" pitchFamily="34" charset="-122"/>
+              </a:rPr>
+              <a:t>SetIdentity</a:t>
+            </a:r>
+            <a:r>
+              <a:rPr lang="en-US" altLang="zh-CN" dirty="0">
+                <a:solidFill>
+                  <a:schemeClr val="tx1">
+                    <a:lumMod val="65000"/>
+                    <a:lumOff val="35000"/>
+                  </a:schemeClr>
+                </a:solidFill>
+                <a:latin typeface="微软雅黑 Light" panose="020B0502040204020203" pitchFamily="34" charset="-122"/>
+                <a:ea typeface="微软雅黑 Light" panose="020B0502040204020203" pitchFamily="34" charset="-122"/>
+              </a:rPr>
+              <a:t>();</a:t>
+            </a:r>
+          </a:p>
+          <a:p>
+            <a:pPr lvl="1">
+              <a:lnSpc>
+                <a:spcPct val="150000"/>
+              </a:lnSpc>
+            </a:pPr>
+            <a:r>
+              <a:rPr lang="en-US" altLang="zh-CN" dirty="0" err="1">
+                <a:solidFill>
+                  <a:schemeClr val="tx1">
+                    <a:lumMod val="65000"/>
+                    <a:lumOff val="35000"/>
+                  </a:schemeClr>
+                </a:solidFill>
+                <a:latin typeface="微软雅黑 Light" panose="020B0502040204020203" pitchFamily="34" charset="-122"/>
+                <a:ea typeface="微软雅黑 Light" panose="020B0502040204020203" pitchFamily="34" charset="-122"/>
+              </a:rPr>
+              <a:t>GQuater</a:t>
+            </a:r>
+            <a:r>
+              <a:rPr lang="en-US" altLang="zh-CN" dirty="0">
+                <a:solidFill>
+                  <a:schemeClr val="tx1">
+                    <a:lumMod val="65000"/>
+                    <a:lumOff val="35000"/>
+                  </a:schemeClr>
+                </a:solidFill>
+                <a:latin typeface="微软雅黑 Light" panose="020B0502040204020203" pitchFamily="34" charset="-122"/>
+                <a:ea typeface="微软雅黑 Light" panose="020B0502040204020203" pitchFamily="34" charset="-122"/>
+              </a:rPr>
+              <a:t> &amp;</a:t>
+            </a:r>
+            <a:r>
+              <a:rPr lang="en-US" altLang="zh-CN" dirty="0" err="1">
+                <a:solidFill>
+                  <a:schemeClr val="tx1">
+                    <a:lumMod val="65000"/>
+                    <a:lumOff val="35000"/>
+                  </a:schemeClr>
+                </a:solidFill>
+                <a:latin typeface="微软雅黑 Light" panose="020B0502040204020203" pitchFamily="34" charset="-122"/>
+                <a:ea typeface="微软雅黑 Light" panose="020B0502040204020203" pitchFamily="34" charset="-122"/>
+              </a:rPr>
+              <a:t>SetConjugate</a:t>
+            </a:r>
+            <a:r>
+              <a:rPr lang="en-US" altLang="zh-CN" dirty="0">
+                <a:solidFill>
+                  <a:schemeClr val="tx1">
+                    <a:lumMod val="65000"/>
+                    <a:lumOff val="35000"/>
+                  </a:schemeClr>
+                </a:solidFill>
+                <a:latin typeface="微软雅黑 Light" panose="020B0502040204020203" pitchFamily="34" charset="-122"/>
+                <a:ea typeface="微软雅黑 Light" panose="020B0502040204020203" pitchFamily="34" charset="-122"/>
+              </a:rPr>
+              <a:t>();</a:t>
+            </a:r>
+          </a:p>
+          <a:p>
+            <a:pPr lvl="1">
+              <a:lnSpc>
+                <a:spcPct val="150000"/>
+              </a:lnSpc>
+            </a:pPr>
+            <a:r>
+              <a:rPr lang="en-US" altLang="zh-CN" dirty="0" err="1">
+                <a:solidFill>
+                  <a:schemeClr val="tx1">
+                    <a:lumMod val="65000"/>
+                    <a:lumOff val="35000"/>
+                  </a:schemeClr>
+                </a:solidFill>
+                <a:latin typeface="微软雅黑 Light" panose="020B0502040204020203" pitchFamily="34" charset="-122"/>
+                <a:ea typeface="微软雅黑 Light" panose="020B0502040204020203" pitchFamily="34" charset="-122"/>
+              </a:rPr>
+              <a:t>GQuater</a:t>
+            </a:r>
+            <a:r>
+              <a:rPr lang="en-US" altLang="zh-CN" dirty="0">
+                <a:solidFill>
+                  <a:schemeClr val="tx1">
+                    <a:lumMod val="65000"/>
+                    <a:lumOff val="35000"/>
+                  </a:schemeClr>
+                </a:solidFill>
+                <a:latin typeface="微软雅黑 Light" panose="020B0502040204020203" pitchFamily="34" charset="-122"/>
+                <a:ea typeface="微软雅黑 Light" panose="020B0502040204020203" pitchFamily="34" charset="-122"/>
+              </a:rPr>
+              <a:t> &amp;</a:t>
+            </a:r>
+            <a:r>
+              <a:rPr lang="en-US" altLang="zh-CN" dirty="0" err="1">
+                <a:solidFill>
+                  <a:schemeClr val="tx1">
+                    <a:lumMod val="65000"/>
+                    <a:lumOff val="35000"/>
+                  </a:schemeClr>
+                </a:solidFill>
+                <a:latin typeface="微软雅黑 Light" panose="020B0502040204020203" pitchFamily="34" charset="-122"/>
+                <a:ea typeface="微软雅黑 Light" panose="020B0502040204020203" pitchFamily="34" charset="-122"/>
+              </a:rPr>
+              <a:t>SetInverse</a:t>
+            </a:r>
+            <a:r>
+              <a:rPr lang="en-US" altLang="zh-CN" dirty="0">
+                <a:solidFill>
+                  <a:schemeClr val="tx1">
+                    <a:lumMod val="65000"/>
+                    <a:lumOff val="35000"/>
+                  </a:schemeClr>
+                </a:solidFill>
+                <a:latin typeface="微软雅黑 Light" panose="020B0502040204020203" pitchFamily="34" charset="-122"/>
+                <a:ea typeface="微软雅黑 Light" panose="020B0502040204020203" pitchFamily="34" charset="-122"/>
+              </a:rPr>
+              <a:t>();</a:t>
+            </a:r>
+          </a:p>
+        </p:txBody>
+      </p:sp>
+    </p:spTree>
+    <p:extLst>
+      <p:ext uri="{BB962C8B-B14F-4D97-AF65-F5344CB8AC3E}">
+        <p14:creationId xmlns:p14="http://schemas.microsoft.com/office/powerpoint/2010/main" val="3282195251"/>
+      </p:ext>
+    </p:extLst>
+  </p:cSld>
+  <p:clrMapOvr>
+    <a:masterClrMapping/>
+  </p:clrMapOvr>
+</p:sld>
+</file>
+
+<file path=ppt/slides/slide29.xml><?xml version="1.0" encoding="utf-8"?>
+<p:sld xmlns:a="http://schemas.openxmlformats.org/drawingml/2006/main" xmlns:r="http://schemas.openxmlformats.org/officeDocument/2006/relationships" xmlns:p="http://schemas.openxmlformats.org/presentationml/2006/main">
+  <p:cSld>
+    <p:spTree>
+      <p:nvGrpSpPr>
+        <p:cNvPr id="1" name=""/>
+        <p:cNvGrpSpPr/>
+        <p:nvPr/>
+      </p:nvGrpSpPr>
+      <p:grpSpPr>
+        <a:xfrm>
+          <a:off x="0" y="0"/>
+          <a:ext cx="0" cy="0"/>
+          <a:chOff x="0" y="0"/>
+          <a:chExt cx="0" cy="0"/>
+        </a:xfrm>
+      </p:grpSpPr>
+      <p:pic>
+        <p:nvPicPr>
+          <p:cNvPr id="3074" name="Picture 2">
+            <a:extLst>
+              <a:ext uri="{FF2B5EF4-FFF2-40B4-BE49-F238E27FC236}">
+                <a16:creationId xmlns:a16="http://schemas.microsoft.com/office/drawing/2014/main" id="{602C339E-BA86-4A21-AB6C-4F6D8491BC39}"/>
+              </a:ext>
+            </a:extLst>
+          </p:cNvPr>
+          <p:cNvPicPr>
+            <a:picLocks noChangeAspect="1" noChangeArrowheads="1"/>
+          </p:cNvPicPr>
+          <p:nvPr/>
+        </p:nvPicPr>
+        <p:blipFill>
+          <a:blip r:embed="rId2">
+            <a:extLst>
+              <a:ext uri="{28A0092B-C50C-407E-A947-70E740481C1C}">
+                <a14:useLocalDpi xmlns:a14="http://schemas.microsoft.com/office/drawing/2010/main" val="0"/>
+              </a:ext>
+            </a:extLst>
+          </a:blip>
+          <a:srcRect/>
+          <a:stretch>
+            <a:fillRect/>
+          </a:stretch>
+        </p:blipFill>
+        <p:spPr bwMode="auto">
+          <a:xfrm>
+            <a:off x="7956550" y="4606925"/>
+            <a:ext cx="1081088" cy="450850"/>
+          </a:xfrm>
+          <a:prstGeom prst="rect">
+            <a:avLst/>
+          </a:prstGeom>
+          <a:noFill/>
+          <a:ln>
+            <a:noFill/>
+          </a:ln>
+          <a:effectLst/>
+          <a:extLst>
+            <a:ext uri="{909E8E84-426E-40DD-AFC4-6F175D3DCCD1}">
+              <a14:hiddenFill xmlns:a14="http://schemas.microsoft.com/office/drawing/2010/main">
+                <a:solidFill>
+                  <a:srgbClr val="FFFFFF"/>
+                </a:solidFill>
+              </a14:hiddenFill>
+            </a:ext>
+            <a:ext uri="{91240B29-F687-4F45-9708-019B960494DF}">
+              <a14:hiddenLine xmlns:a14="http://schemas.microsoft.com/office/drawing/2010/main" w="9525">
+                <a:solidFill>
+                  <a:srgbClr val="000000"/>
+                </a:solidFill>
+                <a:miter lim="800000"/>
+                <a:headEnd/>
+                <a:tailEnd/>
+              </a14:hiddenLine>
+            </a:ext>
+            <a:ext uri="{AF507438-7753-43E0-B8FC-AC1667EBCBE1}">
+              <a14:hiddenEffects xmlns:a14="http://schemas.microsoft.com/office/drawing/2010/main">
+                <a:effectLst>
+                  <a:outerShdw dist="35921" dir="2700000" algn="ctr" rotWithShape="0">
+                    <a:srgbClr val="808080"/>
+                  </a:outerShdw>
+                </a:effectLst>
+              </a14:hiddenEffects>
+            </a:ext>
+          </a:extLst>
+        </p:spPr>
+      </p:pic>
+      <p:sp>
+        <p:nvSpPr>
+          <p:cNvPr id="3075" name="Title 1">
+            <a:extLst>
+              <a:ext uri="{FF2B5EF4-FFF2-40B4-BE49-F238E27FC236}">
+                <a16:creationId xmlns:a16="http://schemas.microsoft.com/office/drawing/2014/main" id="{666E1B67-1175-4598-AA77-794FC6629051}"/>
+              </a:ext>
+            </a:extLst>
+          </p:cNvPr>
+          <p:cNvSpPr>
+            <a:spLocks noGrp="1" noChangeArrowheads="1"/>
+          </p:cNvSpPr>
+          <p:nvPr>
+            <p:ph type="title"/>
+          </p:nvPr>
+        </p:nvSpPr>
+        <p:spPr bwMode="auto">
+          <a:xfrm>
+            <a:off x="457200" y="123825"/>
+            <a:ext cx="8229600" cy="711200"/>
+          </a:xfrm>
+          <a:noFill/>
+          <a:extLst>
+            <a:ext uri="{909E8E84-426E-40DD-AFC4-6F175D3DCCD1}">
+              <a14:hiddenFill xmlns:a14="http://schemas.microsoft.com/office/drawing/2010/main">
+                <a:solidFill>
+                  <a:srgbClr val="FFFFFF"/>
+                </a:solidFill>
+              </a14:hiddenFill>
+            </a:ext>
+            <a:ext uri="{91240B29-F687-4F45-9708-019B960494DF}">
+              <a14:hiddenLine xmlns:a14="http://schemas.microsoft.com/office/drawing/2010/main" w="9525">
+                <a:solidFill>
+                  <a:srgbClr val="000000"/>
+                </a:solidFill>
+                <a:miter lim="800000"/>
+                <a:headEnd/>
+                <a:tailEnd/>
+              </a14:hiddenLine>
+            </a:ext>
+          </a:extLst>
+        </p:spPr>
+        <p:txBody>
+          <a:bodyPr vert="horz" wrap="square" lIns="91440" tIns="45720" rIns="91440" bIns="45720" numCol="1" anchor="t" anchorCtr="0" compatLnSpc="1">
+            <a:prstTxWarp prst="textNoShape">
+              <a:avLst/>
+            </a:prstTxWarp>
+          </a:bodyPr>
+          <a:lstStyle/>
+          <a:p>
+            <a:pPr algn="l" eaLnBrk="1" hangingPunct="1"/>
+            <a:r>
+              <a:rPr lang="zh-CN" altLang="en-US" dirty="0">
+                <a:solidFill>
+                  <a:srgbClr val="C00000"/>
+                </a:solidFill>
+                <a:latin typeface="微软雅黑 Light" panose="020B0502040204020203" pitchFamily="34" charset="-122"/>
+                <a:ea typeface="微软雅黑 Light" panose="020B0502040204020203" pitchFamily="34" charset="-122"/>
+              </a:rPr>
+              <a:t>练习</a:t>
+            </a:r>
+            <a:endParaRPr lang="en-US" altLang="zh-CN" dirty="0">
+              <a:solidFill>
+                <a:srgbClr val="C00000"/>
+              </a:solidFill>
+              <a:latin typeface="微软雅黑 Light" panose="020B0502040204020203" pitchFamily="34" charset="-122"/>
+              <a:ea typeface="微软雅黑 Light" panose="020B0502040204020203" pitchFamily="34" charset="-122"/>
+            </a:endParaRPr>
+          </a:p>
+        </p:txBody>
+      </p:sp>
+      <p:sp>
+        <p:nvSpPr>
+          <p:cNvPr id="4" name="Content Placeholder 3">
+            <a:extLst>
+              <a:ext uri="{FF2B5EF4-FFF2-40B4-BE49-F238E27FC236}">
+                <a16:creationId xmlns:a16="http://schemas.microsoft.com/office/drawing/2014/main" id="{368B2D2E-6A5C-4FE0-91BB-6CC0CC9AEF62}"/>
+              </a:ext>
+            </a:extLst>
+          </p:cNvPr>
+          <p:cNvSpPr txBox="1">
+            <a:spLocks/>
+          </p:cNvSpPr>
+          <p:nvPr/>
+        </p:nvSpPr>
+        <p:spPr>
+          <a:xfrm>
+            <a:off x="457200" y="1131888"/>
+            <a:ext cx="8229600" cy="3925887"/>
+          </a:xfrm>
+          <a:prstGeom prst="rect">
+            <a:avLst/>
+          </a:prstGeom>
+        </p:spPr>
+        <p:txBody>
+          <a:bodyPr/>
+          <a:lstStyle>
+            <a:lvl1pPr marL="342900" indent="-342900" algn="l" rtl="0" fontAlgn="base">
+              <a:spcBef>
+                <a:spcPct val="20000"/>
+              </a:spcBef>
+              <a:spcAft>
+                <a:spcPct val="0"/>
+              </a:spcAft>
+              <a:buFont typeface="Arial" panose="020B0604020202020204" pitchFamily="34" charset="0"/>
+              <a:buChar char="•"/>
+              <a:defRPr sz="3200" kern="1200">
+                <a:solidFill>
+                  <a:schemeClr val="tx1"/>
+                </a:solidFill>
+                <a:latin typeface="+mn-lt"/>
+                <a:ea typeface="+mn-ea"/>
+                <a:cs typeface="+mn-cs"/>
+                <a:sym typeface="Calibri" panose="020F0502020204030204" pitchFamily="34" charset="0"/>
+              </a:defRPr>
+            </a:lvl1pPr>
+            <a:lvl2pPr marL="742950" indent="-285750" algn="l" rtl="0" fontAlgn="base">
+              <a:spcBef>
+                <a:spcPct val="20000"/>
+              </a:spcBef>
+              <a:spcAft>
+                <a:spcPct val="0"/>
+              </a:spcAft>
+              <a:buFont typeface="Arial" panose="020B0604020202020204" pitchFamily="34" charset="0"/>
+              <a:buChar char="–"/>
+              <a:defRPr sz="2800" kern="1200">
+                <a:solidFill>
+                  <a:schemeClr val="tx1"/>
+                </a:solidFill>
+                <a:latin typeface="+mn-lt"/>
+                <a:ea typeface="+mn-ea"/>
+                <a:cs typeface="+mn-cs"/>
+                <a:sym typeface="Calibri" panose="020F0502020204030204" pitchFamily="34" charset="0"/>
+              </a:defRPr>
+            </a:lvl2pPr>
+            <a:lvl3pPr marL="1143000" indent="-228600" algn="l" rtl="0" fontAlgn="base">
+              <a:spcBef>
+                <a:spcPct val="20000"/>
+              </a:spcBef>
+              <a:spcAft>
+                <a:spcPct val="0"/>
+              </a:spcAft>
+              <a:buFont typeface="Arial" panose="020B0604020202020204" pitchFamily="34" charset="0"/>
+              <a:buChar char="•"/>
+              <a:defRPr sz="2400" kern="1200">
+                <a:solidFill>
+                  <a:schemeClr val="tx1"/>
+                </a:solidFill>
+                <a:latin typeface="+mn-lt"/>
+                <a:ea typeface="+mn-ea"/>
+                <a:cs typeface="+mn-cs"/>
+                <a:sym typeface="Calibri" panose="020F0502020204030204" pitchFamily="34" charset="0"/>
+              </a:defRPr>
+            </a:lvl3pPr>
+            <a:lvl4pPr marL="1600200" indent="-228600" algn="l" rtl="0" fontAlgn="base">
+              <a:spcBef>
+                <a:spcPct val="20000"/>
+              </a:spcBef>
+              <a:spcAft>
+                <a:spcPct val="0"/>
+              </a:spcAft>
+              <a:buFont typeface="Arial" panose="020B0604020202020204" pitchFamily="34" charset="0"/>
+              <a:buChar char="–"/>
+              <a:defRPr sz="2000" kern="1200">
+                <a:solidFill>
+                  <a:schemeClr val="tx1"/>
+                </a:solidFill>
+                <a:latin typeface="+mn-lt"/>
+                <a:ea typeface="+mn-ea"/>
+                <a:cs typeface="+mn-cs"/>
+                <a:sym typeface="Calibri" panose="020F0502020204030204" pitchFamily="34" charset="0"/>
+              </a:defRPr>
+            </a:lvl4pPr>
+            <a:lvl5pPr marL="2057400" indent="-228600" algn="l" rtl="0" fontAlgn="base">
+              <a:spcBef>
+                <a:spcPct val="20000"/>
+              </a:spcBef>
+              <a:spcAft>
+                <a:spcPct val="0"/>
+              </a:spcAft>
+              <a:buFont typeface="Arial" panose="020B0604020202020204" pitchFamily="34" charset="0"/>
+              <a:buChar char="»"/>
+              <a:defRPr sz="2000" kern="1200">
+                <a:solidFill>
+                  <a:schemeClr val="tx1"/>
+                </a:solidFill>
+                <a:latin typeface="+mn-lt"/>
+                <a:ea typeface="+mn-ea"/>
+                <a:cs typeface="+mn-cs"/>
+                <a:sym typeface="Calibri" panose="020F0502020204030204" pitchFamily="34" charset="0"/>
+              </a:defRPr>
+            </a:lvl5pPr>
+            <a:lvl6pPr marL="2514600" indent="-228600" algn="l" defTabSz="914400" rtl="0" eaLnBrk="1" latinLnBrk="0" hangingPunct="1">
+              <a:lnSpc>
+                <a:spcPct val="90000"/>
+              </a:lnSpc>
+              <a:spcBef>
+                <a:spcPts val="500"/>
+              </a:spcBef>
+              <a:buFont typeface="Arial" panose="020B0604020202020204" pitchFamily="34" charset="0"/>
+              <a:buChar char="•"/>
+              <a:defRPr sz="1800" kern="1200">
+                <a:solidFill>
+                  <a:schemeClr val="tx1"/>
+                </a:solidFill>
+                <a:latin typeface="+mn-lt"/>
+                <a:ea typeface="+mn-ea"/>
+                <a:cs typeface="+mn-cs"/>
+              </a:defRPr>
+            </a:lvl6pPr>
+            <a:lvl7pPr marL="2971800" indent="-228600" algn="l" defTabSz="914400" rtl="0" eaLnBrk="1" latinLnBrk="0" hangingPunct="1">
+              <a:lnSpc>
+                <a:spcPct val="90000"/>
+              </a:lnSpc>
+              <a:spcBef>
+                <a:spcPts val="500"/>
+              </a:spcBef>
+              <a:buFont typeface="Arial" panose="020B0604020202020204" pitchFamily="34" charset="0"/>
+              <a:buChar char="•"/>
+              <a:defRPr sz="1800" kern="1200">
+                <a:solidFill>
+                  <a:schemeClr val="tx1"/>
+                </a:solidFill>
+                <a:latin typeface="+mn-lt"/>
+                <a:ea typeface="+mn-ea"/>
+                <a:cs typeface="+mn-cs"/>
+              </a:defRPr>
+            </a:lvl7pPr>
+            <a:lvl8pPr marL="3429000" indent="-228600" algn="l" defTabSz="914400" rtl="0" eaLnBrk="1" latinLnBrk="0" hangingPunct="1">
+              <a:lnSpc>
+                <a:spcPct val="90000"/>
+              </a:lnSpc>
+              <a:spcBef>
+                <a:spcPts val="500"/>
+              </a:spcBef>
+              <a:buFont typeface="Arial" panose="020B0604020202020204" pitchFamily="34" charset="0"/>
+              <a:buChar char="•"/>
+              <a:defRPr sz="1800" kern="1200">
+                <a:solidFill>
+                  <a:schemeClr val="tx1"/>
+                </a:solidFill>
+                <a:latin typeface="+mn-lt"/>
+                <a:ea typeface="+mn-ea"/>
+                <a:cs typeface="+mn-cs"/>
+              </a:defRPr>
+            </a:lvl8pPr>
+            <a:lvl9pPr marL="3886200" indent="-228600" algn="l" defTabSz="914400" rtl="0" eaLnBrk="1" latinLnBrk="0" hangingPunct="1">
+              <a:lnSpc>
+                <a:spcPct val="90000"/>
+              </a:lnSpc>
+              <a:spcBef>
+                <a:spcPts val="500"/>
+              </a:spcBef>
+              <a:buFont typeface="Arial" panose="020B0604020202020204" pitchFamily="34" charset="0"/>
+              <a:buChar char="•"/>
+              <a:defRPr sz="1800" kern="1200">
+                <a:solidFill>
+                  <a:schemeClr val="tx1"/>
+                </a:solidFill>
+                <a:latin typeface="+mn-lt"/>
+                <a:ea typeface="+mn-ea"/>
+                <a:cs typeface="+mn-cs"/>
+              </a:defRPr>
+            </a:lvl9pPr>
+          </a:lstStyle>
+          <a:p>
+            <a:pPr>
+              <a:lnSpc>
+                <a:spcPct val="150000"/>
+              </a:lnSpc>
+            </a:pPr>
+            <a:r>
+              <a:rPr lang="zh-CN" altLang="en-US" sz="2800" dirty="0">
+                <a:solidFill>
+                  <a:schemeClr val="tx1">
+                    <a:lumMod val="65000"/>
+                    <a:lumOff val="35000"/>
+                  </a:schemeClr>
+                </a:solidFill>
+                <a:latin typeface="微软雅黑 Light" panose="020B0502040204020203" pitchFamily="34" charset="-122"/>
+                <a:ea typeface="微软雅黑 Light" panose="020B0502040204020203" pitchFamily="34" charset="-122"/>
+              </a:rPr>
+              <a:t>完善</a:t>
+            </a:r>
+            <a:r>
+              <a:rPr lang="en-US" altLang="zh-CN" sz="2800" dirty="0" err="1">
+                <a:solidFill>
+                  <a:schemeClr val="tx1">
+                    <a:lumMod val="65000"/>
+                    <a:lumOff val="35000"/>
+                  </a:schemeClr>
+                </a:solidFill>
+                <a:latin typeface="微软雅黑 Light" panose="020B0502040204020203" pitchFamily="34" charset="-122"/>
+                <a:ea typeface="微软雅黑 Light" panose="020B0502040204020203" pitchFamily="34" charset="-122"/>
+              </a:rPr>
+              <a:t>GQuater</a:t>
+            </a:r>
+            <a:r>
+              <a:rPr lang="zh-CN" altLang="en-US" sz="2800" dirty="0">
+                <a:solidFill>
+                  <a:schemeClr val="tx1">
+                    <a:lumMod val="65000"/>
+                    <a:lumOff val="35000"/>
+                  </a:schemeClr>
+                </a:solidFill>
+                <a:latin typeface="微软雅黑 Light" panose="020B0502040204020203" pitchFamily="34" charset="-122"/>
+                <a:ea typeface="微软雅黑 Light" panose="020B0502040204020203" pitchFamily="34" charset="-122"/>
+              </a:rPr>
+              <a:t>类</a:t>
+            </a:r>
+            <a:endParaRPr lang="en-US" altLang="zh-CN" sz="2800" dirty="0">
+              <a:solidFill>
+                <a:schemeClr val="tx1">
+                  <a:lumMod val="65000"/>
+                  <a:lumOff val="35000"/>
+                </a:schemeClr>
+              </a:solidFill>
+              <a:latin typeface="微软雅黑 Light" panose="020B0502040204020203" pitchFamily="34" charset="-122"/>
+              <a:ea typeface="微软雅黑 Light" panose="020B0502040204020203" pitchFamily="34" charset="-122"/>
+            </a:endParaRPr>
+          </a:p>
+          <a:p>
+            <a:pPr lvl="1">
+              <a:lnSpc>
+                <a:spcPct val="150000"/>
+              </a:lnSpc>
+            </a:pPr>
+            <a:r>
+              <a:rPr lang="en-US" altLang="zh-CN" dirty="0">
+                <a:solidFill>
+                  <a:schemeClr val="tx1">
+                    <a:lumMod val="65000"/>
+                    <a:lumOff val="35000"/>
+                  </a:schemeClr>
+                </a:solidFill>
+                <a:latin typeface="微软雅黑 Light" panose="020B0502040204020203" pitchFamily="34" charset="-122"/>
+                <a:ea typeface="微软雅黑 Light" panose="020B0502040204020203" pitchFamily="34" charset="-122"/>
+              </a:rPr>
+              <a:t>bool </a:t>
+            </a:r>
+            <a:r>
+              <a:rPr lang="en-US" altLang="zh-CN" dirty="0" err="1">
+                <a:solidFill>
+                  <a:schemeClr val="tx1">
+                    <a:lumMod val="65000"/>
+                    <a:lumOff val="35000"/>
+                  </a:schemeClr>
+                </a:solidFill>
+                <a:latin typeface="微软雅黑 Light" panose="020B0502040204020203" pitchFamily="34" charset="-122"/>
+                <a:ea typeface="微软雅黑 Light" panose="020B0502040204020203" pitchFamily="34" charset="-122"/>
+              </a:rPr>
+              <a:t>IsUnitQuater</a:t>
+            </a:r>
+            <a:r>
+              <a:rPr lang="en-US" altLang="zh-CN" dirty="0">
+                <a:solidFill>
+                  <a:schemeClr val="tx1">
+                    <a:lumMod val="65000"/>
+                    <a:lumOff val="35000"/>
+                  </a:schemeClr>
+                </a:solidFill>
+                <a:latin typeface="微软雅黑 Light" panose="020B0502040204020203" pitchFamily="34" charset="-122"/>
+                <a:ea typeface="微软雅黑 Light" panose="020B0502040204020203" pitchFamily="34" charset="-122"/>
+              </a:rPr>
+              <a:t>() </a:t>
+            </a:r>
+            <a:r>
+              <a:rPr lang="en-US" altLang="zh-CN" dirty="0" err="1">
+                <a:solidFill>
+                  <a:schemeClr val="tx1">
+                    <a:lumMod val="65000"/>
+                    <a:lumOff val="35000"/>
+                  </a:schemeClr>
+                </a:solidFill>
+                <a:latin typeface="微软雅黑 Light" panose="020B0502040204020203" pitchFamily="34" charset="-122"/>
+                <a:ea typeface="微软雅黑 Light" panose="020B0502040204020203" pitchFamily="34" charset="-122"/>
+              </a:rPr>
+              <a:t>const</a:t>
+            </a:r>
+            <a:r>
+              <a:rPr lang="en-US" altLang="zh-CN" dirty="0">
+                <a:solidFill>
+                  <a:schemeClr val="tx1">
+                    <a:lumMod val="65000"/>
+                    <a:lumOff val="35000"/>
+                  </a:schemeClr>
+                </a:solidFill>
+                <a:latin typeface="微软雅黑 Light" panose="020B0502040204020203" pitchFamily="34" charset="-122"/>
+                <a:ea typeface="微软雅黑 Light" panose="020B0502040204020203" pitchFamily="34" charset="-122"/>
+              </a:rPr>
+              <a:t>;</a:t>
+            </a:r>
+          </a:p>
+          <a:p>
+            <a:pPr lvl="1">
+              <a:lnSpc>
+                <a:spcPct val="150000"/>
+              </a:lnSpc>
+            </a:pPr>
+            <a:r>
+              <a:rPr lang="en-US" altLang="zh-CN" dirty="0">
+                <a:solidFill>
+                  <a:schemeClr val="tx1">
+                    <a:lumMod val="65000"/>
+                    <a:lumOff val="35000"/>
+                  </a:schemeClr>
+                </a:solidFill>
+                <a:latin typeface="微软雅黑 Light" panose="020B0502040204020203" pitchFamily="34" charset="-122"/>
+                <a:ea typeface="微软雅黑 Light" panose="020B0502040204020203" pitchFamily="34" charset="-122"/>
+              </a:rPr>
+              <a:t>bool </a:t>
+            </a:r>
+            <a:r>
+              <a:rPr lang="en-US" altLang="zh-CN" dirty="0" err="1">
+                <a:solidFill>
+                  <a:schemeClr val="tx1">
+                    <a:lumMod val="65000"/>
+                    <a:lumOff val="35000"/>
+                  </a:schemeClr>
+                </a:solidFill>
+                <a:latin typeface="微软雅黑 Light" panose="020B0502040204020203" pitchFamily="34" charset="-122"/>
+                <a:ea typeface="微软雅黑 Light" panose="020B0502040204020203" pitchFamily="34" charset="-122"/>
+              </a:rPr>
+              <a:t>IsIdentity</a:t>
+            </a:r>
+            <a:r>
+              <a:rPr lang="en-US" altLang="zh-CN" dirty="0">
+                <a:solidFill>
+                  <a:schemeClr val="tx1">
+                    <a:lumMod val="65000"/>
+                    <a:lumOff val="35000"/>
+                  </a:schemeClr>
+                </a:solidFill>
+                <a:latin typeface="微软雅黑 Light" panose="020B0502040204020203" pitchFamily="34" charset="-122"/>
+                <a:ea typeface="微软雅黑 Light" panose="020B0502040204020203" pitchFamily="34" charset="-122"/>
+              </a:rPr>
+              <a:t>() </a:t>
+            </a:r>
+            <a:r>
+              <a:rPr lang="en-US" altLang="zh-CN" dirty="0" err="1">
+                <a:solidFill>
+                  <a:schemeClr val="tx1">
+                    <a:lumMod val="65000"/>
+                    <a:lumOff val="35000"/>
+                  </a:schemeClr>
+                </a:solidFill>
+                <a:latin typeface="微软雅黑 Light" panose="020B0502040204020203" pitchFamily="34" charset="-122"/>
+                <a:ea typeface="微软雅黑 Light" panose="020B0502040204020203" pitchFamily="34" charset="-122"/>
+              </a:rPr>
+              <a:t>const</a:t>
+            </a:r>
+            <a:r>
+              <a:rPr lang="en-US" altLang="zh-CN" dirty="0">
+                <a:solidFill>
+                  <a:schemeClr val="tx1">
+                    <a:lumMod val="65000"/>
+                    <a:lumOff val="35000"/>
+                  </a:schemeClr>
+                </a:solidFill>
+                <a:latin typeface="微软雅黑 Light" panose="020B0502040204020203" pitchFamily="34" charset="-122"/>
+                <a:ea typeface="微软雅黑 Light" panose="020B0502040204020203" pitchFamily="34" charset="-122"/>
+              </a:rPr>
+              <a:t>;</a:t>
+            </a:r>
+          </a:p>
+          <a:p>
+            <a:pPr lvl="1">
+              <a:lnSpc>
+                <a:spcPct val="150000"/>
+              </a:lnSpc>
+            </a:pPr>
+            <a:r>
+              <a:rPr lang="en-US" altLang="zh-CN" dirty="0">
+                <a:solidFill>
+                  <a:schemeClr val="tx1">
+                    <a:lumMod val="65000"/>
+                    <a:lumOff val="35000"/>
+                  </a:schemeClr>
+                </a:solidFill>
+                <a:latin typeface="微软雅黑 Light" panose="020B0502040204020203" pitchFamily="34" charset="-122"/>
+                <a:ea typeface="微软雅黑 Light" panose="020B0502040204020203" pitchFamily="34" charset="-122"/>
+              </a:rPr>
+              <a:t>Friend float norm(</a:t>
+            </a:r>
+            <a:r>
+              <a:rPr lang="en-US" altLang="zh-CN" dirty="0" err="1">
+                <a:solidFill>
+                  <a:schemeClr val="tx1">
+                    <a:lumMod val="65000"/>
+                    <a:lumOff val="35000"/>
+                  </a:schemeClr>
+                </a:solidFill>
+                <a:latin typeface="微软雅黑 Light" panose="020B0502040204020203" pitchFamily="34" charset="-122"/>
+                <a:ea typeface="微软雅黑 Light" panose="020B0502040204020203" pitchFamily="34" charset="-122"/>
+              </a:rPr>
+              <a:t>const</a:t>
+            </a:r>
+            <a:r>
+              <a:rPr lang="en-US" altLang="zh-CN" dirty="0">
+                <a:solidFill>
+                  <a:schemeClr val="tx1">
+                    <a:lumMod val="65000"/>
+                    <a:lumOff val="35000"/>
+                  </a:schemeClr>
+                </a:solidFill>
+                <a:latin typeface="微软雅黑 Light" panose="020B0502040204020203" pitchFamily="34" charset="-122"/>
+                <a:ea typeface="微软雅黑 Light" panose="020B0502040204020203" pitchFamily="34" charset="-122"/>
+              </a:rPr>
+              <a:t> </a:t>
+            </a:r>
+            <a:r>
+              <a:rPr lang="en-US" altLang="zh-CN" dirty="0" err="1">
+                <a:solidFill>
+                  <a:schemeClr val="tx1">
+                    <a:lumMod val="65000"/>
+                    <a:lumOff val="35000"/>
+                  </a:schemeClr>
+                </a:solidFill>
+                <a:latin typeface="微软雅黑 Light" panose="020B0502040204020203" pitchFamily="34" charset="-122"/>
+                <a:ea typeface="微软雅黑 Light" panose="020B0502040204020203" pitchFamily="34" charset="-122"/>
+              </a:rPr>
+              <a:t>GQuater</a:t>
+            </a:r>
+            <a:r>
+              <a:rPr lang="en-US" altLang="zh-CN" dirty="0">
+                <a:solidFill>
+                  <a:schemeClr val="tx1">
+                    <a:lumMod val="65000"/>
+                    <a:lumOff val="35000"/>
+                  </a:schemeClr>
+                </a:solidFill>
+                <a:latin typeface="微软雅黑 Light" panose="020B0502040204020203" pitchFamily="34" charset="-122"/>
+                <a:ea typeface="微软雅黑 Light" panose="020B0502040204020203" pitchFamily="34" charset="-122"/>
+              </a:rPr>
+              <a:t> &amp;q);</a:t>
+            </a:r>
+          </a:p>
+          <a:p>
+            <a:pPr lvl="1">
+              <a:lnSpc>
+                <a:spcPct val="150000"/>
+              </a:lnSpc>
+            </a:pPr>
+            <a:r>
+              <a:rPr lang="en-US" altLang="zh-CN" dirty="0">
+                <a:solidFill>
+                  <a:schemeClr val="tx1">
+                    <a:lumMod val="65000"/>
+                    <a:lumOff val="35000"/>
+                  </a:schemeClr>
+                </a:solidFill>
+                <a:latin typeface="微软雅黑 Light" panose="020B0502040204020203" pitchFamily="34" charset="-122"/>
+                <a:ea typeface="微软雅黑 Light" panose="020B0502040204020203" pitchFamily="34" charset="-122"/>
+              </a:rPr>
+              <a:t>friend </a:t>
+            </a:r>
+            <a:r>
+              <a:rPr lang="en-US" altLang="zh-CN" dirty="0" err="1">
+                <a:solidFill>
+                  <a:schemeClr val="tx1">
+                    <a:lumMod val="65000"/>
+                    <a:lumOff val="35000"/>
+                  </a:schemeClr>
+                </a:solidFill>
+                <a:latin typeface="微软雅黑 Light" panose="020B0502040204020203" pitchFamily="34" charset="-122"/>
+                <a:ea typeface="微软雅黑 Light" panose="020B0502040204020203" pitchFamily="34" charset="-122"/>
+              </a:rPr>
+              <a:t>GQuater</a:t>
+            </a:r>
+            <a:r>
+              <a:rPr lang="en-US" altLang="zh-CN" dirty="0">
+                <a:solidFill>
+                  <a:schemeClr val="tx1">
+                    <a:lumMod val="65000"/>
+                    <a:lumOff val="35000"/>
+                  </a:schemeClr>
+                </a:solidFill>
+                <a:latin typeface="微软雅黑 Light" panose="020B0502040204020203" pitchFamily="34" charset="-122"/>
+                <a:ea typeface="微软雅黑 Light" panose="020B0502040204020203" pitchFamily="34" charset="-122"/>
+              </a:rPr>
+              <a:t> </a:t>
+            </a:r>
+            <a:r>
+              <a:rPr lang="en-US" altLang="zh-CN" dirty="0" err="1">
+                <a:solidFill>
+                  <a:schemeClr val="tx1">
+                    <a:lumMod val="65000"/>
+                    <a:lumOff val="35000"/>
+                  </a:schemeClr>
+                </a:solidFill>
+                <a:latin typeface="微软雅黑 Light" panose="020B0502040204020203" pitchFamily="34" charset="-122"/>
+                <a:ea typeface="微软雅黑 Light" panose="020B0502040204020203" pitchFamily="34" charset="-122"/>
+              </a:rPr>
+              <a:t>inv</a:t>
+            </a:r>
+            <a:r>
+              <a:rPr lang="en-US" altLang="zh-CN" dirty="0">
+                <a:solidFill>
+                  <a:schemeClr val="tx1">
+                    <a:lumMod val="65000"/>
+                    <a:lumOff val="35000"/>
+                  </a:schemeClr>
+                </a:solidFill>
+                <a:latin typeface="微软雅黑 Light" panose="020B0502040204020203" pitchFamily="34" charset="-122"/>
+                <a:ea typeface="微软雅黑 Light" panose="020B0502040204020203" pitchFamily="34" charset="-122"/>
+              </a:rPr>
+              <a:t>(</a:t>
+            </a:r>
+            <a:r>
+              <a:rPr lang="en-US" altLang="zh-CN" dirty="0" err="1">
+                <a:solidFill>
+                  <a:schemeClr val="tx1">
+                    <a:lumMod val="65000"/>
+                    <a:lumOff val="35000"/>
+                  </a:schemeClr>
+                </a:solidFill>
+                <a:latin typeface="微软雅黑 Light" panose="020B0502040204020203" pitchFamily="34" charset="-122"/>
+                <a:ea typeface="微软雅黑 Light" panose="020B0502040204020203" pitchFamily="34" charset="-122"/>
+              </a:rPr>
+              <a:t>const</a:t>
+            </a:r>
+            <a:r>
+              <a:rPr lang="en-US" altLang="zh-CN" dirty="0">
+                <a:solidFill>
+                  <a:schemeClr val="tx1">
+                    <a:lumMod val="65000"/>
+                    <a:lumOff val="35000"/>
+                  </a:schemeClr>
+                </a:solidFill>
+                <a:latin typeface="微软雅黑 Light" panose="020B0502040204020203" pitchFamily="34" charset="-122"/>
+                <a:ea typeface="微软雅黑 Light" panose="020B0502040204020203" pitchFamily="34" charset="-122"/>
+              </a:rPr>
+              <a:t> </a:t>
+            </a:r>
+            <a:r>
+              <a:rPr lang="en-US" altLang="zh-CN" dirty="0" err="1">
+                <a:solidFill>
+                  <a:schemeClr val="tx1">
+                    <a:lumMod val="65000"/>
+                    <a:lumOff val="35000"/>
+                  </a:schemeClr>
+                </a:solidFill>
+                <a:latin typeface="微软雅黑 Light" panose="020B0502040204020203" pitchFamily="34" charset="-122"/>
+                <a:ea typeface="微软雅黑 Light" panose="020B0502040204020203" pitchFamily="34" charset="-122"/>
+              </a:rPr>
+              <a:t>GQuater</a:t>
+            </a:r>
+            <a:r>
+              <a:rPr lang="en-US" altLang="zh-CN" dirty="0">
+                <a:solidFill>
+                  <a:schemeClr val="tx1">
+                    <a:lumMod val="65000"/>
+                    <a:lumOff val="35000"/>
+                  </a:schemeClr>
+                </a:solidFill>
+                <a:latin typeface="微软雅黑 Light" panose="020B0502040204020203" pitchFamily="34" charset="-122"/>
+                <a:ea typeface="微软雅黑 Light" panose="020B0502040204020203" pitchFamily="34" charset="-122"/>
+              </a:rPr>
+              <a:t> &amp;q);</a:t>
+            </a:r>
+          </a:p>
+        </p:txBody>
+      </p:sp>
+    </p:spTree>
+    <p:extLst>
+      <p:ext uri="{BB962C8B-B14F-4D97-AF65-F5344CB8AC3E}">
+        <p14:creationId xmlns:p14="http://schemas.microsoft.com/office/powerpoint/2010/main" val="1567199000"/>
+      </p:ext>
+    </p:extLst>
   </p:cSld>
   <p:clrMapOvr>
     <a:masterClrMapping/>
@@ -29831,6 +30854,1318 @@
           </a:p>
         </p:txBody>
       </p:sp>
+    </p:spTree>
+  </p:cSld>
+  <p:clrMapOvr>
+    <a:masterClrMapping/>
+  </p:clrMapOvr>
+</p:sld>
+</file>
+
+<file path=ppt/slides/slide30.xml><?xml version="1.0" encoding="utf-8"?>
+<p:sld xmlns:a="http://schemas.openxmlformats.org/drawingml/2006/main" xmlns:r="http://schemas.openxmlformats.org/officeDocument/2006/relationships" xmlns:p="http://schemas.openxmlformats.org/presentationml/2006/main">
+  <p:cSld>
+    <p:spTree>
+      <p:nvGrpSpPr>
+        <p:cNvPr id="1" name=""/>
+        <p:cNvGrpSpPr/>
+        <p:nvPr/>
+      </p:nvGrpSpPr>
+      <p:grpSpPr>
+        <a:xfrm>
+          <a:off x="0" y="0"/>
+          <a:ext cx="0" cy="0"/>
+          <a:chOff x="0" y="0"/>
+          <a:chExt cx="0" cy="0"/>
+        </a:xfrm>
+      </p:grpSpPr>
+      <p:pic>
+        <p:nvPicPr>
+          <p:cNvPr id="8194" name="Picture 2" descr="D:\work\CSDN学院ppt\5.jpg">
+            <a:extLst>
+              <a:ext uri="{FF2B5EF4-FFF2-40B4-BE49-F238E27FC236}">
+                <a16:creationId xmlns:a16="http://schemas.microsoft.com/office/drawing/2014/main" id="{83E22A5A-51B9-4467-B4B9-86F64AB306C3}"/>
+              </a:ext>
+            </a:extLst>
+          </p:cNvPr>
+          <p:cNvPicPr>
+            <a:picLocks noChangeAspect="1" noChangeArrowheads="1"/>
+          </p:cNvPicPr>
+          <p:nvPr/>
+        </p:nvPicPr>
+        <p:blipFill>
+          <a:blip r:embed="rId2">
+            <a:extLst>
+              <a:ext uri="{28A0092B-C50C-407E-A947-70E740481C1C}">
+                <a14:useLocalDpi xmlns:a14="http://schemas.microsoft.com/office/drawing/2010/main" val="0"/>
+              </a:ext>
+            </a:extLst>
+          </a:blip>
+          <a:srcRect/>
+          <a:stretch>
+            <a:fillRect/>
+          </a:stretch>
+        </p:blipFill>
+        <p:spPr bwMode="auto">
+          <a:xfrm>
+            <a:off x="0" y="0"/>
+            <a:ext cx="9140825" cy="5141913"/>
+          </a:xfrm>
+          <a:prstGeom prst="rect">
+            <a:avLst/>
+          </a:prstGeom>
+          <a:noFill/>
+          <a:ln>
+            <a:noFill/>
+          </a:ln>
+          <a:extLst>
+            <a:ext uri="{909E8E84-426E-40DD-AFC4-6F175D3DCCD1}">
+              <a14:hiddenFill xmlns:a14="http://schemas.microsoft.com/office/drawing/2010/main">
+                <a:solidFill>
+                  <a:srgbClr val="FFFFFF"/>
+                </a:solidFill>
+              </a14:hiddenFill>
+            </a:ext>
+            <a:ext uri="{91240B29-F687-4F45-9708-019B960494DF}">
+              <a14:hiddenLine xmlns:a14="http://schemas.microsoft.com/office/drawing/2010/main" w="9525">
+                <a:solidFill>
+                  <a:srgbClr val="000000"/>
+                </a:solidFill>
+                <a:miter lim="800000"/>
+                <a:headEnd/>
+                <a:tailEnd/>
+              </a14:hiddenLine>
+            </a:ext>
+          </a:extLst>
+        </p:spPr>
+      </p:pic>
+      <p:sp>
+        <p:nvSpPr>
+          <p:cNvPr id="8195" name="Title 1">
+            <a:extLst>
+              <a:ext uri="{FF2B5EF4-FFF2-40B4-BE49-F238E27FC236}">
+                <a16:creationId xmlns:a16="http://schemas.microsoft.com/office/drawing/2014/main" id="{94DB3CD8-71FB-4967-8D16-B8CA33DD3B35}"/>
+              </a:ext>
+            </a:extLst>
+          </p:cNvPr>
+          <p:cNvSpPr>
+            <a:spLocks noChangeArrowheads="1"/>
+          </p:cNvSpPr>
+          <p:nvPr/>
+        </p:nvSpPr>
+        <p:spPr bwMode="auto">
+          <a:xfrm>
+            <a:off x="4211638" y="679450"/>
+            <a:ext cx="4251325" cy="1325563"/>
+          </a:xfrm>
+          <a:prstGeom prst="rect">
+            <a:avLst/>
+          </a:prstGeom>
+          <a:noFill/>
+          <a:ln>
+            <a:noFill/>
+          </a:ln>
+          <a:extLst>
+            <a:ext uri="{909E8E84-426E-40DD-AFC4-6F175D3DCCD1}">
+              <a14:hiddenFill xmlns:a14="http://schemas.microsoft.com/office/drawing/2010/main">
+                <a:solidFill>
+                  <a:srgbClr val="FFFFFF"/>
+                </a:solidFill>
+              </a14:hiddenFill>
+            </a:ext>
+            <a:ext uri="{91240B29-F687-4F45-9708-019B960494DF}">
+              <a14:hiddenLine xmlns:a14="http://schemas.microsoft.com/office/drawing/2010/main" w="9525">
+                <a:solidFill>
+                  <a:srgbClr val="000000"/>
+                </a:solidFill>
+                <a:miter lim="800000"/>
+                <a:headEnd/>
+                <a:tailEnd/>
+              </a14:hiddenLine>
+            </a:ext>
+          </a:extLst>
+        </p:spPr>
+        <p:txBody>
+          <a:bodyPr anchor="ctr"/>
+          <a:lstStyle>
+            <a:lvl1pPr>
+              <a:buFont typeface="Arial" panose="020B0604020202020204" pitchFamily="34" charset="0"/>
+              <a:defRPr>
+                <a:solidFill>
+                  <a:schemeClr val="tx1"/>
+                </a:solidFill>
+                <a:latin typeface="Arial" panose="020B0604020202020204" pitchFamily="34" charset="0"/>
+                <a:ea typeface="宋体" panose="02010600030101010101" pitchFamily="2" charset="-122"/>
+              </a:defRPr>
+            </a:lvl1pPr>
+            <a:lvl2pPr marL="742950" indent="-285750">
+              <a:buFont typeface="Arial" panose="020B0604020202020204" pitchFamily="34" charset="0"/>
+              <a:defRPr>
+                <a:solidFill>
+                  <a:schemeClr val="tx1"/>
+                </a:solidFill>
+                <a:latin typeface="Arial" panose="020B0604020202020204" pitchFamily="34" charset="0"/>
+                <a:ea typeface="宋体" panose="02010600030101010101" pitchFamily="2" charset="-122"/>
+              </a:defRPr>
+            </a:lvl2pPr>
+            <a:lvl3pPr marL="1143000" indent="-228600">
+              <a:buFont typeface="Arial" panose="020B0604020202020204" pitchFamily="34" charset="0"/>
+              <a:defRPr>
+                <a:solidFill>
+                  <a:schemeClr val="tx1"/>
+                </a:solidFill>
+                <a:latin typeface="Arial" panose="020B0604020202020204" pitchFamily="34" charset="0"/>
+                <a:ea typeface="宋体" panose="02010600030101010101" pitchFamily="2" charset="-122"/>
+              </a:defRPr>
+            </a:lvl3pPr>
+            <a:lvl4pPr marL="1600200" indent="-228600">
+              <a:buFont typeface="Arial" panose="020B0604020202020204" pitchFamily="34" charset="0"/>
+              <a:defRPr>
+                <a:solidFill>
+                  <a:schemeClr val="tx1"/>
+                </a:solidFill>
+                <a:latin typeface="Arial" panose="020B0604020202020204" pitchFamily="34" charset="0"/>
+                <a:ea typeface="宋体" panose="02010600030101010101" pitchFamily="2" charset="-122"/>
+              </a:defRPr>
+            </a:lvl4pPr>
+            <a:lvl5pPr marL="2057400" indent="-228600">
+              <a:buFont typeface="Arial" panose="020B0604020202020204" pitchFamily="34" charset="0"/>
+              <a:defRPr>
+                <a:solidFill>
+                  <a:schemeClr val="tx1"/>
+                </a:solidFill>
+                <a:latin typeface="Arial" panose="020B0604020202020204" pitchFamily="34" charset="0"/>
+                <a:ea typeface="宋体" panose="02010600030101010101" pitchFamily="2" charset="-122"/>
+              </a:defRPr>
+            </a:lvl5pPr>
+            <a:lvl6pPr marL="2514600" indent="-228600" eaLnBrk="0" fontAlgn="base" hangingPunct="0">
+              <a:spcBef>
+                <a:spcPct val="0"/>
+              </a:spcBef>
+              <a:spcAft>
+                <a:spcPct val="0"/>
+              </a:spcAft>
+              <a:buFont typeface="Arial" panose="020B0604020202020204" pitchFamily="34" charset="0"/>
+              <a:defRPr>
+                <a:solidFill>
+                  <a:schemeClr val="tx1"/>
+                </a:solidFill>
+                <a:latin typeface="Arial" panose="020B0604020202020204" pitchFamily="34" charset="0"/>
+                <a:ea typeface="宋体" panose="02010600030101010101" pitchFamily="2" charset="-122"/>
+              </a:defRPr>
+            </a:lvl6pPr>
+            <a:lvl7pPr marL="2971800" indent="-228600" eaLnBrk="0" fontAlgn="base" hangingPunct="0">
+              <a:spcBef>
+                <a:spcPct val="0"/>
+              </a:spcBef>
+              <a:spcAft>
+                <a:spcPct val="0"/>
+              </a:spcAft>
+              <a:buFont typeface="Arial" panose="020B0604020202020204" pitchFamily="34" charset="0"/>
+              <a:defRPr>
+                <a:solidFill>
+                  <a:schemeClr val="tx1"/>
+                </a:solidFill>
+                <a:latin typeface="Arial" panose="020B0604020202020204" pitchFamily="34" charset="0"/>
+                <a:ea typeface="宋体" panose="02010600030101010101" pitchFamily="2" charset="-122"/>
+              </a:defRPr>
+            </a:lvl7pPr>
+            <a:lvl8pPr marL="3429000" indent="-228600" eaLnBrk="0" fontAlgn="base" hangingPunct="0">
+              <a:spcBef>
+                <a:spcPct val="0"/>
+              </a:spcBef>
+              <a:spcAft>
+                <a:spcPct val="0"/>
+              </a:spcAft>
+              <a:buFont typeface="Arial" panose="020B0604020202020204" pitchFamily="34" charset="0"/>
+              <a:defRPr>
+                <a:solidFill>
+                  <a:schemeClr val="tx1"/>
+                </a:solidFill>
+                <a:latin typeface="Arial" panose="020B0604020202020204" pitchFamily="34" charset="0"/>
+                <a:ea typeface="宋体" panose="02010600030101010101" pitchFamily="2" charset="-122"/>
+              </a:defRPr>
+            </a:lvl8pPr>
+            <a:lvl9pPr marL="3886200" indent="-228600" eaLnBrk="0" fontAlgn="base" hangingPunct="0">
+              <a:spcBef>
+                <a:spcPct val="0"/>
+              </a:spcBef>
+              <a:spcAft>
+                <a:spcPct val="0"/>
+              </a:spcAft>
+              <a:buFont typeface="Arial" panose="020B0604020202020204" pitchFamily="34" charset="0"/>
+              <a:defRPr>
+                <a:solidFill>
+                  <a:schemeClr val="tx1"/>
+                </a:solidFill>
+                <a:latin typeface="Arial" panose="020B0604020202020204" pitchFamily="34" charset="0"/>
+                <a:ea typeface="宋体" panose="02010600030101010101" pitchFamily="2" charset="-122"/>
+              </a:defRPr>
+            </a:lvl9pPr>
+          </a:lstStyle>
+          <a:p>
+            <a:pPr eaLnBrk="1" hangingPunct="1">
+              <a:lnSpc>
+                <a:spcPct val="90000"/>
+              </a:lnSpc>
+            </a:pPr>
+            <a:r>
+              <a:rPr lang="en-US" altLang="zh-CN" sz="6000">
+                <a:latin typeface="Arial Unicode MS" panose="020B0604020202020204" pitchFamily="34" charset="-122"/>
+                <a:ea typeface="Arial Unicode MS" panose="020B0604020202020204" pitchFamily="34" charset="-122"/>
+                <a:cs typeface="Arial Unicode MS" panose="020B0604020202020204" pitchFamily="34" charset="-122"/>
+                <a:sym typeface="Arial Unicode MS" panose="020B0604020202020204" pitchFamily="34" charset="-122"/>
+              </a:rPr>
+              <a:t>THANKS</a:t>
+            </a:r>
+            <a:endParaRPr lang="zh-CN" altLang="en-US" sz="6000">
+              <a:latin typeface="Arial Unicode MS" panose="020B0604020202020204" pitchFamily="34" charset="-122"/>
+              <a:ea typeface="Arial Unicode MS" panose="020B0604020202020204" pitchFamily="34" charset="-122"/>
+              <a:cs typeface="Arial Unicode MS" panose="020B0604020202020204" pitchFamily="34" charset="-122"/>
+              <a:sym typeface="Arial Unicode MS" panose="020B0604020202020204" pitchFamily="34" charset="-122"/>
+            </a:endParaRPr>
+          </a:p>
+        </p:txBody>
+      </p:sp>
+      <p:sp>
+        <p:nvSpPr>
+          <p:cNvPr id="8196" name="矩形 3">
+            <a:extLst>
+              <a:ext uri="{FF2B5EF4-FFF2-40B4-BE49-F238E27FC236}">
+                <a16:creationId xmlns:a16="http://schemas.microsoft.com/office/drawing/2014/main" id="{BE5C8F9D-FB92-4FE2-AA09-E91256B20DEA}"/>
+              </a:ext>
+            </a:extLst>
+          </p:cNvPr>
+          <p:cNvSpPr>
+            <a:spLocks noChangeArrowheads="1"/>
+          </p:cNvSpPr>
+          <p:nvPr/>
+        </p:nvSpPr>
+        <p:spPr bwMode="auto">
+          <a:xfrm>
+            <a:off x="4357688" y="3019425"/>
+            <a:ext cx="2662237" cy="923925"/>
+          </a:xfrm>
+          <a:prstGeom prst="rect">
+            <a:avLst/>
+          </a:prstGeom>
+          <a:noFill/>
+          <a:ln>
+            <a:noFill/>
+          </a:ln>
+          <a:extLst>
+            <a:ext uri="{909E8E84-426E-40DD-AFC4-6F175D3DCCD1}">
+              <a14:hiddenFill xmlns:a14="http://schemas.microsoft.com/office/drawing/2010/main">
+                <a:solidFill>
+                  <a:srgbClr val="FFFFFF"/>
+                </a:solidFill>
+              </a14:hiddenFill>
+            </a:ext>
+            <a:ext uri="{91240B29-F687-4F45-9708-019B960494DF}">
+              <a14:hiddenLine xmlns:a14="http://schemas.microsoft.com/office/drawing/2010/main" w="9525">
+                <a:solidFill>
+                  <a:srgbClr val="000000"/>
+                </a:solidFill>
+                <a:miter lim="800000"/>
+                <a:headEnd/>
+                <a:tailEnd/>
+              </a14:hiddenLine>
+            </a:ext>
+          </a:extLst>
+        </p:spPr>
+        <p:txBody>
+          <a:bodyPr>
+            <a:spAutoFit/>
+          </a:bodyPr>
+          <a:lstStyle>
+            <a:lvl1pPr>
+              <a:buFont typeface="Arial" panose="020B0604020202020204" pitchFamily="34" charset="0"/>
+              <a:defRPr>
+                <a:solidFill>
+                  <a:schemeClr val="tx1"/>
+                </a:solidFill>
+                <a:latin typeface="Arial" panose="020B0604020202020204" pitchFamily="34" charset="0"/>
+                <a:ea typeface="宋体" panose="02010600030101010101" pitchFamily="2" charset="-122"/>
+              </a:defRPr>
+            </a:lvl1pPr>
+            <a:lvl2pPr marL="742950" indent="-285750">
+              <a:buFont typeface="Arial" panose="020B0604020202020204" pitchFamily="34" charset="0"/>
+              <a:defRPr>
+                <a:solidFill>
+                  <a:schemeClr val="tx1"/>
+                </a:solidFill>
+                <a:latin typeface="Arial" panose="020B0604020202020204" pitchFamily="34" charset="0"/>
+                <a:ea typeface="宋体" panose="02010600030101010101" pitchFamily="2" charset="-122"/>
+              </a:defRPr>
+            </a:lvl2pPr>
+            <a:lvl3pPr marL="1143000" indent="-228600">
+              <a:buFont typeface="Arial" panose="020B0604020202020204" pitchFamily="34" charset="0"/>
+              <a:defRPr>
+                <a:solidFill>
+                  <a:schemeClr val="tx1"/>
+                </a:solidFill>
+                <a:latin typeface="Arial" panose="020B0604020202020204" pitchFamily="34" charset="0"/>
+                <a:ea typeface="宋体" panose="02010600030101010101" pitchFamily="2" charset="-122"/>
+              </a:defRPr>
+            </a:lvl3pPr>
+            <a:lvl4pPr marL="1600200" indent="-228600">
+              <a:buFont typeface="Arial" panose="020B0604020202020204" pitchFamily="34" charset="0"/>
+              <a:defRPr>
+                <a:solidFill>
+                  <a:schemeClr val="tx1"/>
+                </a:solidFill>
+                <a:latin typeface="Arial" panose="020B0604020202020204" pitchFamily="34" charset="0"/>
+                <a:ea typeface="宋体" panose="02010600030101010101" pitchFamily="2" charset="-122"/>
+              </a:defRPr>
+            </a:lvl4pPr>
+            <a:lvl5pPr marL="2057400" indent="-228600">
+              <a:buFont typeface="Arial" panose="020B0604020202020204" pitchFamily="34" charset="0"/>
+              <a:defRPr>
+                <a:solidFill>
+                  <a:schemeClr val="tx1"/>
+                </a:solidFill>
+                <a:latin typeface="Arial" panose="020B0604020202020204" pitchFamily="34" charset="0"/>
+                <a:ea typeface="宋体" panose="02010600030101010101" pitchFamily="2" charset="-122"/>
+              </a:defRPr>
+            </a:lvl5pPr>
+            <a:lvl6pPr marL="2514600" indent="-228600" eaLnBrk="0" fontAlgn="base" hangingPunct="0">
+              <a:spcBef>
+                <a:spcPct val="0"/>
+              </a:spcBef>
+              <a:spcAft>
+                <a:spcPct val="0"/>
+              </a:spcAft>
+              <a:buFont typeface="Arial" panose="020B0604020202020204" pitchFamily="34" charset="0"/>
+              <a:defRPr>
+                <a:solidFill>
+                  <a:schemeClr val="tx1"/>
+                </a:solidFill>
+                <a:latin typeface="Arial" panose="020B0604020202020204" pitchFamily="34" charset="0"/>
+                <a:ea typeface="宋体" panose="02010600030101010101" pitchFamily="2" charset="-122"/>
+              </a:defRPr>
+            </a:lvl6pPr>
+            <a:lvl7pPr marL="2971800" indent="-228600" eaLnBrk="0" fontAlgn="base" hangingPunct="0">
+              <a:spcBef>
+                <a:spcPct val="0"/>
+              </a:spcBef>
+              <a:spcAft>
+                <a:spcPct val="0"/>
+              </a:spcAft>
+              <a:buFont typeface="Arial" panose="020B0604020202020204" pitchFamily="34" charset="0"/>
+              <a:defRPr>
+                <a:solidFill>
+                  <a:schemeClr val="tx1"/>
+                </a:solidFill>
+                <a:latin typeface="Arial" panose="020B0604020202020204" pitchFamily="34" charset="0"/>
+                <a:ea typeface="宋体" panose="02010600030101010101" pitchFamily="2" charset="-122"/>
+              </a:defRPr>
+            </a:lvl7pPr>
+            <a:lvl8pPr marL="3429000" indent="-228600" eaLnBrk="0" fontAlgn="base" hangingPunct="0">
+              <a:spcBef>
+                <a:spcPct val="0"/>
+              </a:spcBef>
+              <a:spcAft>
+                <a:spcPct val="0"/>
+              </a:spcAft>
+              <a:buFont typeface="Arial" panose="020B0604020202020204" pitchFamily="34" charset="0"/>
+              <a:defRPr>
+                <a:solidFill>
+                  <a:schemeClr val="tx1"/>
+                </a:solidFill>
+                <a:latin typeface="Arial" panose="020B0604020202020204" pitchFamily="34" charset="0"/>
+                <a:ea typeface="宋体" panose="02010600030101010101" pitchFamily="2" charset="-122"/>
+              </a:defRPr>
+            </a:lvl8pPr>
+            <a:lvl9pPr marL="3886200" indent="-228600" eaLnBrk="0" fontAlgn="base" hangingPunct="0">
+              <a:spcBef>
+                <a:spcPct val="0"/>
+              </a:spcBef>
+              <a:spcAft>
+                <a:spcPct val="0"/>
+              </a:spcAft>
+              <a:buFont typeface="Arial" panose="020B0604020202020204" pitchFamily="34" charset="0"/>
+              <a:defRPr>
+                <a:solidFill>
+                  <a:schemeClr val="tx1"/>
+                </a:solidFill>
+                <a:latin typeface="Arial" panose="020B0604020202020204" pitchFamily="34" charset="0"/>
+                <a:ea typeface="宋体" panose="02010600030101010101" pitchFamily="2" charset="-122"/>
+              </a:defRPr>
+            </a:lvl9pPr>
+          </a:lstStyle>
+          <a:p>
+            <a:pPr eaLnBrk="1" hangingPunct="1"/>
+            <a:r>
+              <a:rPr lang="en-US" altLang="zh-CN" sz="900">
+                <a:solidFill>
+                  <a:srgbClr val="7F7F7F"/>
+                </a:solidFill>
+                <a:latin typeface="微软雅黑" panose="020B0503020204020204" pitchFamily="34" charset="-122"/>
+                <a:ea typeface="微软雅黑" panose="020B0503020204020204" pitchFamily="34" charset="-122"/>
+                <a:sym typeface="微软雅黑" panose="020B0503020204020204" pitchFamily="34" charset="-122"/>
+              </a:rPr>
+              <a:t>CSDN</a:t>
+            </a:r>
+            <a:r>
+              <a:rPr lang="zh-CN" altLang="en-US" sz="900">
+                <a:solidFill>
+                  <a:srgbClr val="7F7F7F"/>
+                </a:solidFill>
+                <a:latin typeface="微软雅黑" panose="020B0503020204020204" pitchFamily="34" charset="-122"/>
+                <a:ea typeface="微软雅黑" panose="020B0503020204020204" pitchFamily="34" charset="-122"/>
+                <a:sym typeface="微软雅黑" panose="020B0503020204020204" pitchFamily="34" charset="-122"/>
+              </a:rPr>
+              <a:t>网站：</a:t>
+            </a:r>
+            <a:r>
+              <a:rPr lang="en-US" altLang="zh-CN" sz="900">
+                <a:solidFill>
+                  <a:srgbClr val="7F7F7F"/>
+                </a:solidFill>
+                <a:latin typeface="微软雅黑" panose="020B0503020204020204" pitchFamily="34" charset="-122"/>
+                <a:ea typeface="微软雅黑" panose="020B0503020204020204" pitchFamily="34" charset="-122"/>
+                <a:sym typeface="微软雅黑" panose="020B0503020204020204" pitchFamily="34" charset="-122"/>
+              </a:rPr>
+              <a:t>www.csdn.net</a:t>
+            </a:r>
+            <a:endParaRPr lang="zh-CN" altLang="en-US" sz="900">
+              <a:solidFill>
+                <a:srgbClr val="7F7F7F"/>
+              </a:solidFill>
+              <a:latin typeface="微软雅黑" panose="020B0503020204020204" pitchFamily="34" charset="-122"/>
+              <a:ea typeface="微软雅黑" panose="020B0503020204020204" pitchFamily="34" charset="-122"/>
+              <a:sym typeface="微软雅黑" panose="020B0503020204020204" pitchFamily="34" charset="-122"/>
+            </a:endParaRPr>
+          </a:p>
+          <a:p>
+            <a:pPr eaLnBrk="1" hangingPunct="1"/>
+            <a:r>
+              <a:rPr lang="zh-CN" altLang="en-US" sz="900">
+                <a:solidFill>
+                  <a:srgbClr val="7F7F7F"/>
+                </a:solidFill>
+                <a:latin typeface="微软雅黑" panose="020B0503020204020204" pitchFamily="34" charset="-122"/>
+                <a:ea typeface="微软雅黑" panose="020B0503020204020204" pitchFamily="34" charset="-122"/>
+                <a:sym typeface="微软雅黑" panose="020B0503020204020204" pitchFamily="34" charset="-122"/>
+              </a:rPr>
+              <a:t>企业服务：</a:t>
+            </a:r>
+            <a:r>
+              <a:rPr lang="en-US" altLang="zh-CN" sz="900">
+                <a:solidFill>
+                  <a:srgbClr val="7F7F7F"/>
+                </a:solidFill>
+                <a:latin typeface="微软雅黑" panose="020B0503020204020204" pitchFamily="34" charset="-122"/>
+                <a:ea typeface="微软雅黑" panose="020B0503020204020204" pitchFamily="34" charset="-122"/>
+                <a:sym typeface="微软雅黑" panose="020B0503020204020204" pitchFamily="34" charset="-122"/>
+              </a:rPr>
+              <a:t>http://ems.csdn.net/</a:t>
+            </a:r>
+            <a:endParaRPr lang="zh-CN" altLang="en-US" sz="900">
+              <a:solidFill>
+                <a:srgbClr val="7F7F7F"/>
+              </a:solidFill>
+              <a:latin typeface="微软雅黑" panose="020B0503020204020204" pitchFamily="34" charset="-122"/>
+              <a:ea typeface="微软雅黑" panose="020B0503020204020204" pitchFamily="34" charset="-122"/>
+              <a:sym typeface="微软雅黑" panose="020B0503020204020204" pitchFamily="34" charset="-122"/>
+            </a:endParaRPr>
+          </a:p>
+          <a:p>
+            <a:pPr eaLnBrk="1" hangingPunct="1"/>
+            <a:r>
+              <a:rPr lang="zh-CN" altLang="en-US" sz="900">
+                <a:solidFill>
+                  <a:srgbClr val="7F7F7F"/>
+                </a:solidFill>
+                <a:latin typeface="微软雅黑" panose="020B0503020204020204" pitchFamily="34" charset="-122"/>
+                <a:ea typeface="微软雅黑" panose="020B0503020204020204" pitchFamily="34" charset="-122"/>
+                <a:sym typeface="微软雅黑" panose="020B0503020204020204" pitchFamily="34" charset="-122"/>
+              </a:rPr>
+              <a:t>人才服务：</a:t>
+            </a:r>
+            <a:r>
+              <a:rPr lang="en-US" altLang="zh-CN" sz="900">
+                <a:solidFill>
+                  <a:srgbClr val="7F7F7F"/>
+                </a:solidFill>
+                <a:latin typeface="微软雅黑" panose="020B0503020204020204" pitchFamily="34" charset="-122"/>
+                <a:ea typeface="微软雅黑" panose="020B0503020204020204" pitchFamily="34" charset="-122"/>
+                <a:sym typeface="微软雅黑" panose="020B0503020204020204" pitchFamily="34" charset="-122"/>
+              </a:rPr>
+              <a:t>http://job.csdn.net/</a:t>
+            </a:r>
+            <a:endParaRPr lang="zh-CN" altLang="en-US" sz="900">
+              <a:solidFill>
+                <a:srgbClr val="7F7F7F"/>
+              </a:solidFill>
+              <a:latin typeface="微软雅黑" panose="020B0503020204020204" pitchFamily="34" charset="-122"/>
+              <a:ea typeface="微软雅黑" panose="020B0503020204020204" pitchFamily="34" charset="-122"/>
+              <a:sym typeface="微软雅黑" panose="020B0503020204020204" pitchFamily="34" charset="-122"/>
+            </a:endParaRPr>
+          </a:p>
+          <a:p>
+            <a:pPr eaLnBrk="1" hangingPunct="1"/>
+            <a:r>
+              <a:rPr lang="en-US" altLang="zh-CN" sz="900">
+                <a:solidFill>
+                  <a:srgbClr val="7F7F7F"/>
+                </a:solidFill>
+                <a:latin typeface="微软雅黑" panose="020B0503020204020204" pitchFamily="34" charset="-122"/>
+                <a:ea typeface="微软雅黑" panose="020B0503020204020204" pitchFamily="34" charset="-122"/>
+                <a:sym typeface="微软雅黑" panose="020B0503020204020204" pitchFamily="34" charset="-122"/>
+              </a:rPr>
+              <a:t>CTO</a:t>
+            </a:r>
+            <a:r>
+              <a:rPr lang="zh-CN" altLang="en-US" sz="900">
+                <a:solidFill>
+                  <a:srgbClr val="7F7F7F"/>
+                </a:solidFill>
+                <a:latin typeface="微软雅黑" panose="020B0503020204020204" pitchFamily="34" charset="-122"/>
+                <a:ea typeface="微软雅黑" panose="020B0503020204020204" pitchFamily="34" charset="-122"/>
+                <a:sym typeface="微软雅黑" panose="020B0503020204020204" pitchFamily="34" charset="-122"/>
+              </a:rPr>
+              <a:t>俱乐部：</a:t>
+            </a:r>
+            <a:r>
+              <a:rPr lang="en-US" altLang="zh-CN" sz="900">
+                <a:solidFill>
+                  <a:srgbClr val="7F7F7F"/>
+                </a:solidFill>
+                <a:latin typeface="微软雅黑" panose="020B0503020204020204" pitchFamily="34" charset="-122"/>
+                <a:ea typeface="微软雅黑" panose="020B0503020204020204" pitchFamily="34" charset="-122"/>
+                <a:sym typeface="微软雅黑" panose="020B0503020204020204" pitchFamily="34" charset="-122"/>
+              </a:rPr>
+              <a:t>http://cto.csdn.net/</a:t>
+            </a:r>
+            <a:endParaRPr lang="zh-CN" altLang="en-US" sz="900">
+              <a:solidFill>
+                <a:srgbClr val="7F7F7F"/>
+              </a:solidFill>
+              <a:latin typeface="微软雅黑" panose="020B0503020204020204" pitchFamily="34" charset="-122"/>
+              <a:ea typeface="微软雅黑" panose="020B0503020204020204" pitchFamily="34" charset="-122"/>
+              <a:sym typeface="微软雅黑" panose="020B0503020204020204" pitchFamily="34" charset="-122"/>
+            </a:endParaRPr>
+          </a:p>
+          <a:p>
+            <a:pPr eaLnBrk="1" hangingPunct="1"/>
+            <a:r>
+              <a:rPr lang="zh-CN" altLang="en-US" sz="900">
+                <a:solidFill>
+                  <a:srgbClr val="7F7F7F"/>
+                </a:solidFill>
+                <a:latin typeface="微软雅黑" panose="020B0503020204020204" pitchFamily="34" charset="-122"/>
+                <a:ea typeface="微软雅黑" panose="020B0503020204020204" pitchFamily="34" charset="-122"/>
+                <a:sym typeface="微软雅黑" panose="020B0503020204020204" pitchFamily="34" charset="-122"/>
+              </a:rPr>
+              <a:t>高校俱乐部：</a:t>
+            </a:r>
+            <a:r>
+              <a:rPr lang="en-US" altLang="zh-CN" sz="900">
+                <a:solidFill>
+                  <a:srgbClr val="7F7F7F"/>
+                </a:solidFill>
+                <a:latin typeface="微软雅黑" panose="020B0503020204020204" pitchFamily="34" charset="-122"/>
+                <a:ea typeface="微软雅黑" panose="020B0503020204020204" pitchFamily="34" charset="-122"/>
+                <a:sym typeface="微软雅黑" panose="020B0503020204020204" pitchFamily="34" charset="-122"/>
+              </a:rPr>
+              <a:t>http://student.csdn.net/</a:t>
+            </a:r>
+            <a:endParaRPr lang="zh-CN" altLang="en-US" sz="900">
+              <a:solidFill>
+                <a:srgbClr val="7F7F7F"/>
+              </a:solidFill>
+              <a:latin typeface="微软雅黑" panose="020B0503020204020204" pitchFamily="34" charset="-122"/>
+              <a:ea typeface="微软雅黑" panose="020B0503020204020204" pitchFamily="34" charset="-122"/>
+              <a:sym typeface="微软雅黑" panose="020B0503020204020204" pitchFamily="34" charset="-122"/>
+            </a:endParaRPr>
+          </a:p>
+          <a:p>
+            <a:pPr eaLnBrk="1" hangingPunct="1"/>
+            <a:r>
+              <a:rPr lang="zh-CN" altLang="en-US" sz="900">
+                <a:solidFill>
+                  <a:srgbClr val="7F7F7F"/>
+                </a:solidFill>
+                <a:latin typeface="微软雅黑" panose="020B0503020204020204" pitchFamily="34" charset="-122"/>
+                <a:ea typeface="微软雅黑" panose="020B0503020204020204" pitchFamily="34" charset="-122"/>
+                <a:sym typeface="微软雅黑" panose="020B0503020204020204" pitchFamily="34" charset="-122"/>
+              </a:rPr>
+              <a:t>程序员杂志：</a:t>
+            </a:r>
+            <a:r>
+              <a:rPr lang="en-US" altLang="zh-CN" sz="900">
+                <a:solidFill>
+                  <a:srgbClr val="7F7F7F"/>
+                </a:solidFill>
+                <a:latin typeface="微软雅黑" panose="020B0503020204020204" pitchFamily="34" charset="-122"/>
+                <a:ea typeface="微软雅黑" panose="020B0503020204020204" pitchFamily="34" charset="-122"/>
+                <a:sym typeface="微软雅黑" panose="020B0503020204020204" pitchFamily="34" charset="-122"/>
+              </a:rPr>
+              <a:t>http://programmer.csdn.net/</a:t>
+            </a:r>
+          </a:p>
+        </p:txBody>
+      </p:sp>
+      <p:sp>
+        <p:nvSpPr>
+          <p:cNvPr id="8197" name="矩形 4">
+            <a:extLst>
+              <a:ext uri="{FF2B5EF4-FFF2-40B4-BE49-F238E27FC236}">
+                <a16:creationId xmlns:a16="http://schemas.microsoft.com/office/drawing/2014/main" id="{5A550E93-40B1-4CA3-B718-1EE1D72F986A}"/>
+              </a:ext>
+            </a:extLst>
+          </p:cNvPr>
+          <p:cNvSpPr>
+            <a:spLocks noChangeArrowheads="1"/>
+          </p:cNvSpPr>
+          <p:nvPr/>
+        </p:nvSpPr>
+        <p:spPr bwMode="auto">
+          <a:xfrm>
+            <a:off x="4368800" y="3952875"/>
+            <a:ext cx="4572000" cy="923925"/>
+          </a:xfrm>
+          <a:prstGeom prst="rect">
+            <a:avLst/>
+          </a:prstGeom>
+          <a:noFill/>
+          <a:ln>
+            <a:noFill/>
+          </a:ln>
+          <a:extLst>
+            <a:ext uri="{909E8E84-426E-40DD-AFC4-6F175D3DCCD1}">
+              <a14:hiddenFill xmlns:a14="http://schemas.microsoft.com/office/drawing/2010/main">
+                <a:solidFill>
+                  <a:srgbClr val="FFFFFF"/>
+                </a:solidFill>
+              </a14:hiddenFill>
+            </a:ext>
+            <a:ext uri="{91240B29-F687-4F45-9708-019B960494DF}">
+              <a14:hiddenLine xmlns:a14="http://schemas.microsoft.com/office/drawing/2010/main" w="9525">
+                <a:solidFill>
+                  <a:srgbClr val="000000"/>
+                </a:solidFill>
+                <a:miter lim="800000"/>
+                <a:headEnd/>
+                <a:tailEnd/>
+              </a14:hiddenLine>
+            </a:ext>
+          </a:extLst>
+        </p:spPr>
+        <p:txBody>
+          <a:bodyPr>
+            <a:spAutoFit/>
+          </a:bodyPr>
+          <a:lstStyle>
+            <a:lvl1pPr>
+              <a:buFont typeface="Arial" panose="020B0604020202020204" pitchFamily="34" charset="0"/>
+              <a:defRPr>
+                <a:solidFill>
+                  <a:schemeClr val="tx1"/>
+                </a:solidFill>
+                <a:latin typeface="Arial" panose="020B0604020202020204" pitchFamily="34" charset="0"/>
+                <a:ea typeface="宋体" panose="02010600030101010101" pitchFamily="2" charset="-122"/>
+              </a:defRPr>
+            </a:lvl1pPr>
+            <a:lvl2pPr marL="742950" indent="-285750">
+              <a:buFont typeface="Arial" panose="020B0604020202020204" pitchFamily="34" charset="0"/>
+              <a:defRPr>
+                <a:solidFill>
+                  <a:schemeClr val="tx1"/>
+                </a:solidFill>
+                <a:latin typeface="Arial" panose="020B0604020202020204" pitchFamily="34" charset="0"/>
+                <a:ea typeface="宋体" panose="02010600030101010101" pitchFamily="2" charset="-122"/>
+              </a:defRPr>
+            </a:lvl2pPr>
+            <a:lvl3pPr marL="1143000" indent="-228600">
+              <a:buFont typeface="Arial" panose="020B0604020202020204" pitchFamily="34" charset="0"/>
+              <a:defRPr>
+                <a:solidFill>
+                  <a:schemeClr val="tx1"/>
+                </a:solidFill>
+                <a:latin typeface="Arial" panose="020B0604020202020204" pitchFamily="34" charset="0"/>
+                <a:ea typeface="宋体" panose="02010600030101010101" pitchFamily="2" charset="-122"/>
+              </a:defRPr>
+            </a:lvl3pPr>
+            <a:lvl4pPr marL="1600200" indent="-228600">
+              <a:buFont typeface="Arial" panose="020B0604020202020204" pitchFamily="34" charset="0"/>
+              <a:defRPr>
+                <a:solidFill>
+                  <a:schemeClr val="tx1"/>
+                </a:solidFill>
+                <a:latin typeface="Arial" panose="020B0604020202020204" pitchFamily="34" charset="0"/>
+                <a:ea typeface="宋体" panose="02010600030101010101" pitchFamily="2" charset="-122"/>
+              </a:defRPr>
+            </a:lvl4pPr>
+            <a:lvl5pPr marL="2057400" indent="-228600">
+              <a:buFont typeface="Arial" panose="020B0604020202020204" pitchFamily="34" charset="0"/>
+              <a:defRPr>
+                <a:solidFill>
+                  <a:schemeClr val="tx1"/>
+                </a:solidFill>
+                <a:latin typeface="Arial" panose="020B0604020202020204" pitchFamily="34" charset="0"/>
+                <a:ea typeface="宋体" panose="02010600030101010101" pitchFamily="2" charset="-122"/>
+              </a:defRPr>
+            </a:lvl5pPr>
+            <a:lvl6pPr marL="2514600" indent="-228600" eaLnBrk="0" fontAlgn="base" hangingPunct="0">
+              <a:spcBef>
+                <a:spcPct val="0"/>
+              </a:spcBef>
+              <a:spcAft>
+                <a:spcPct val="0"/>
+              </a:spcAft>
+              <a:buFont typeface="Arial" panose="020B0604020202020204" pitchFamily="34" charset="0"/>
+              <a:defRPr>
+                <a:solidFill>
+                  <a:schemeClr val="tx1"/>
+                </a:solidFill>
+                <a:latin typeface="Arial" panose="020B0604020202020204" pitchFamily="34" charset="0"/>
+                <a:ea typeface="宋体" panose="02010600030101010101" pitchFamily="2" charset="-122"/>
+              </a:defRPr>
+            </a:lvl6pPr>
+            <a:lvl7pPr marL="2971800" indent="-228600" eaLnBrk="0" fontAlgn="base" hangingPunct="0">
+              <a:spcBef>
+                <a:spcPct val="0"/>
+              </a:spcBef>
+              <a:spcAft>
+                <a:spcPct val="0"/>
+              </a:spcAft>
+              <a:buFont typeface="Arial" panose="020B0604020202020204" pitchFamily="34" charset="0"/>
+              <a:defRPr>
+                <a:solidFill>
+                  <a:schemeClr val="tx1"/>
+                </a:solidFill>
+                <a:latin typeface="Arial" panose="020B0604020202020204" pitchFamily="34" charset="0"/>
+                <a:ea typeface="宋体" panose="02010600030101010101" pitchFamily="2" charset="-122"/>
+              </a:defRPr>
+            </a:lvl7pPr>
+            <a:lvl8pPr marL="3429000" indent="-228600" eaLnBrk="0" fontAlgn="base" hangingPunct="0">
+              <a:spcBef>
+                <a:spcPct val="0"/>
+              </a:spcBef>
+              <a:spcAft>
+                <a:spcPct val="0"/>
+              </a:spcAft>
+              <a:buFont typeface="Arial" panose="020B0604020202020204" pitchFamily="34" charset="0"/>
+              <a:defRPr>
+                <a:solidFill>
+                  <a:schemeClr val="tx1"/>
+                </a:solidFill>
+                <a:latin typeface="Arial" panose="020B0604020202020204" pitchFamily="34" charset="0"/>
+                <a:ea typeface="宋体" panose="02010600030101010101" pitchFamily="2" charset="-122"/>
+              </a:defRPr>
+            </a:lvl8pPr>
+            <a:lvl9pPr marL="3886200" indent="-228600" eaLnBrk="0" fontAlgn="base" hangingPunct="0">
+              <a:spcBef>
+                <a:spcPct val="0"/>
+              </a:spcBef>
+              <a:spcAft>
+                <a:spcPct val="0"/>
+              </a:spcAft>
+              <a:buFont typeface="Arial" panose="020B0604020202020204" pitchFamily="34" charset="0"/>
+              <a:defRPr>
+                <a:solidFill>
+                  <a:schemeClr val="tx1"/>
+                </a:solidFill>
+                <a:latin typeface="Arial" panose="020B0604020202020204" pitchFamily="34" charset="0"/>
+                <a:ea typeface="宋体" panose="02010600030101010101" pitchFamily="2" charset="-122"/>
+              </a:defRPr>
+            </a:lvl9pPr>
+          </a:lstStyle>
+          <a:p>
+            <a:pPr eaLnBrk="1" hangingPunct="1"/>
+            <a:r>
+              <a:rPr lang="en-US" altLang="zh-CN" sz="900">
+                <a:solidFill>
+                  <a:srgbClr val="7F7F7F"/>
+                </a:solidFill>
+                <a:latin typeface="微软雅黑" panose="020B0503020204020204" pitchFamily="34" charset="-122"/>
+                <a:ea typeface="微软雅黑" panose="020B0503020204020204" pitchFamily="34" charset="-122"/>
+                <a:sym typeface="微软雅黑" panose="020B0503020204020204" pitchFamily="34" charset="-122"/>
+              </a:rPr>
+              <a:t>CODE</a:t>
+            </a:r>
+            <a:r>
+              <a:rPr lang="zh-CN" altLang="en-US" sz="900">
+                <a:solidFill>
+                  <a:srgbClr val="7F7F7F"/>
+                </a:solidFill>
+                <a:latin typeface="微软雅黑" panose="020B0503020204020204" pitchFamily="34" charset="-122"/>
+                <a:ea typeface="微软雅黑" panose="020B0503020204020204" pitchFamily="34" charset="-122"/>
+                <a:sym typeface="微软雅黑" panose="020B0503020204020204" pitchFamily="34" charset="-122"/>
+              </a:rPr>
+              <a:t>平台：</a:t>
+            </a:r>
+            <a:r>
+              <a:rPr lang="en-US" altLang="zh-CN" sz="900">
+                <a:solidFill>
+                  <a:srgbClr val="7F7F7F"/>
+                </a:solidFill>
+                <a:latin typeface="微软雅黑" panose="020B0503020204020204" pitchFamily="34" charset="-122"/>
+                <a:ea typeface="微软雅黑" panose="020B0503020204020204" pitchFamily="34" charset="-122"/>
+                <a:sym typeface="微软雅黑" panose="020B0503020204020204" pitchFamily="34" charset="-122"/>
+              </a:rPr>
+              <a:t>https://code.csdn.net/</a:t>
+            </a:r>
+            <a:endParaRPr lang="zh-CN" altLang="en-US" sz="900">
+              <a:solidFill>
+                <a:srgbClr val="7F7F7F"/>
+              </a:solidFill>
+              <a:latin typeface="微软雅黑" panose="020B0503020204020204" pitchFamily="34" charset="-122"/>
+              <a:ea typeface="微软雅黑" panose="020B0503020204020204" pitchFamily="34" charset="-122"/>
+              <a:sym typeface="微软雅黑" panose="020B0503020204020204" pitchFamily="34" charset="-122"/>
+            </a:endParaRPr>
+          </a:p>
+          <a:p>
+            <a:pPr eaLnBrk="1" hangingPunct="1"/>
+            <a:r>
+              <a:rPr lang="zh-CN" altLang="en-US" sz="900">
+                <a:solidFill>
+                  <a:srgbClr val="7F7F7F"/>
+                </a:solidFill>
+                <a:latin typeface="微软雅黑" panose="020B0503020204020204" pitchFamily="34" charset="-122"/>
+                <a:ea typeface="微软雅黑" panose="020B0503020204020204" pitchFamily="34" charset="-122"/>
+                <a:sym typeface="微软雅黑" panose="020B0503020204020204" pitchFamily="34" charset="-122"/>
+              </a:rPr>
+              <a:t>项目外包：</a:t>
+            </a:r>
+            <a:r>
+              <a:rPr lang="en-US" altLang="zh-CN" sz="900">
+                <a:solidFill>
+                  <a:srgbClr val="7F7F7F"/>
+                </a:solidFill>
+                <a:latin typeface="微软雅黑" panose="020B0503020204020204" pitchFamily="34" charset="-122"/>
+                <a:ea typeface="微软雅黑" panose="020B0503020204020204" pitchFamily="34" charset="-122"/>
+                <a:sym typeface="微软雅黑" panose="020B0503020204020204" pitchFamily="34" charset="-122"/>
+              </a:rPr>
+              <a:t>http://www.csto.com/</a:t>
+            </a:r>
+            <a:endParaRPr lang="zh-CN" altLang="en-US" sz="900">
+              <a:solidFill>
+                <a:srgbClr val="7F7F7F"/>
+              </a:solidFill>
+              <a:latin typeface="微软雅黑" panose="020B0503020204020204" pitchFamily="34" charset="-122"/>
+              <a:ea typeface="微软雅黑" panose="020B0503020204020204" pitchFamily="34" charset="-122"/>
+              <a:sym typeface="微软雅黑" panose="020B0503020204020204" pitchFamily="34" charset="-122"/>
+            </a:endParaRPr>
+          </a:p>
+          <a:p>
+            <a:pPr eaLnBrk="1" hangingPunct="1"/>
+            <a:r>
+              <a:rPr lang="en-US" altLang="zh-CN" sz="900">
+                <a:solidFill>
+                  <a:srgbClr val="7F7F7F"/>
+                </a:solidFill>
+                <a:latin typeface="微软雅黑" panose="020B0503020204020204" pitchFamily="34" charset="-122"/>
+                <a:ea typeface="微软雅黑" panose="020B0503020204020204" pitchFamily="34" charset="-122"/>
+                <a:sym typeface="微软雅黑" panose="020B0503020204020204" pitchFamily="34" charset="-122"/>
+              </a:rPr>
+              <a:t>CSDN</a:t>
+            </a:r>
+            <a:r>
+              <a:rPr lang="zh-CN" altLang="en-US" sz="900">
+                <a:solidFill>
+                  <a:srgbClr val="7F7F7F"/>
+                </a:solidFill>
+                <a:latin typeface="微软雅黑" panose="020B0503020204020204" pitchFamily="34" charset="-122"/>
+                <a:ea typeface="微软雅黑" panose="020B0503020204020204" pitchFamily="34" charset="-122"/>
+                <a:sym typeface="微软雅黑" panose="020B0503020204020204" pitchFamily="34" charset="-122"/>
+              </a:rPr>
+              <a:t>博客：</a:t>
+            </a:r>
+            <a:r>
+              <a:rPr lang="en-US" altLang="zh-CN" sz="900">
+                <a:solidFill>
+                  <a:srgbClr val="7F7F7F"/>
+                </a:solidFill>
+                <a:latin typeface="微软雅黑" panose="020B0503020204020204" pitchFamily="34" charset="-122"/>
+                <a:ea typeface="微软雅黑" panose="020B0503020204020204" pitchFamily="34" charset="-122"/>
+                <a:sym typeface="微软雅黑" panose="020B0503020204020204" pitchFamily="34" charset="-122"/>
+              </a:rPr>
+              <a:t>http://blog.csdn.net/</a:t>
+            </a:r>
+            <a:endParaRPr lang="zh-CN" altLang="en-US" sz="900">
+              <a:solidFill>
+                <a:srgbClr val="7F7F7F"/>
+              </a:solidFill>
+              <a:latin typeface="微软雅黑" panose="020B0503020204020204" pitchFamily="34" charset="-122"/>
+              <a:ea typeface="微软雅黑" panose="020B0503020204020204" pitchFamily="34" charset="-122"/>
+              <a:sym typeface="微软雅黑" panose="020B0503020204020204" pitchFamily="34" charset="-122"/>
+            </a:endParaRPr>
+          </a:p>
+          <a:p>
+            <a:pPr eaLnBrk="1" hangingPunct="1"/>
+            <a:r>
+              <a:rPr lang="en-US" altLang="zh-CN" sz="900">
+                <a:solidFill>
+                  <a:srgbClr val="7F7F7F"/>
+                </a:solidFill>
+                <a:latin typeface="微软雅黑" panose="020B0503020204020204" pitchFamily="34" charset="-122"/>
+                <a:ea typeface="微软雅黑" panose="020B0503020204020204" pitchFamily="34" charset="-122"/>
+                <a:sym typeface="微软雅黑" panose="020B0503020204020204" pitchFamily="34" charset="-122"/>
+              </a:rPr>
+              <a:t>CSDN</a:t>
+            </a:r>
+            <a:r>
+              <a:rPr lang="zh-CN" altLang="en-US" sz="900">
+                <a:solidFill>
+                  <a:srgbClr val="7F7F7F"/>
+                </a:solidFill>
+                <a:latin typeface="微软雅黑" panose="020B0503020204020204" pitchFamily="34" charset="-122"/>
+                <a:ea typeface="微软雅黑" panose="020B0503020204020204" pitchFamily="34" charset="-122"/>
+                <a:sym typeface="微软雅黑" panose="020B0503020204020204" pitchFamily="34" charset="-122"/>
+              </a:rPr>
+              <a:t>论坛：</a:t>
+            </a:r>
+            <a:r>
+              <a:rPr lang="en-US" altLang="zh-CN" sz="900">
+                <a:solidFill>
+                  <a:srgbClr val="7F7F7F"/>
+                </a:solidFill>
+                <a:latin typeface="微软雅黑" panose="020B0503020204020204" pitchFamily="34" charset="-122"/>
+                <a:ea typeface="微软雅黑" panose="020B0503020204020204" pitchFamily="34" charset="-122"/>
+                <a:sym typeface="微软雅黑" panose="020B0503020204020204" pitchFamily="34" charset="-122"/>
+              </a:rPr>
+              <a:t>http://bbs.csdn.net/</a:t>
+            </a:r>
+            <a:endParaRPr lang="zh-CN" altLang="en-US" sz="900">
+              <a:solidFill>
+                <a:srgbClr val="7F7F7F"/>
+              </a:solidFill>
+              <a:latin typeface="微软雅黑" panose="020B0503020204020204" pitchFamily="34" charset="-122"/>
+              <a:ea typeface="微软雅黑" panose="020B0503020204020204" pitchFamily="34" charset="-122"/>
+              <a:sym typeface="微软雅黑" panose="020B0503020204020204" pitchFamily="34" charset="-122"/>
+            </a:endParaRPr>
+          </a:p>
+          <a:p>
+            <a:pPr eaLnBrk="1" hangingPunct="1"/>
+            <a:r>
+              <a:rPr lang="en-US" altLang="zh-CN" sz="900">
+                <a:solidFill>
+                  <a:srgbClr val="7F7F7F"/>
+                </a:solidFill>
+                <a:latin typeface="微软雅黑" panose="020B0503020204020204" pitchFamily="34" charset="-122"/>
+                <a:ea typeface="微软雅黑" panose="020B0503020204020204" pitchFamily="34" charset="-122"/>
+                <a:sym typeface="微软雅黑" panose="020B0503020204020204" pitchFamily="34" charset="-122"/>
+              </a:rPr>
+              <a:t>CSDN</a:t>
+            </a:r>
+            <a:r>
+              <a:rPr lang="zh-CN" altLang="en-US" sz="900">
+                <a:solidFill>
+                  <a:srgbClr val="7F7F7F"/>
+                </a:solidFill>
+                <a:latin typeface="微软雅黑" panose="020B0503020204020204" pitchFamily="34" charset="-122"/>
+                <a:ea typeface="微软雅黑" panose="020B0503020204020204" pitchFamily="34" charset="-122"/>
+                <a:sym typeface="微软雅黑" panose="020B0503020204020204" pitchFamily="34" charset="-122"/>
+              </a:rPr>
+              <a:t>下载：</a:t>
+            </a:r>
+            <a:r>
+              <a:rPr lang="en-US" altLang="zh-CN" sz="900">
+                <a:solidFill>
+                  <a:srgbClr val="7F7F7F"/>
+                </a:solidFill>
+                <a:latin typeface="微软雅黑" panose="020B0503020204020204" pitchFamily="34" charset="-122"/>
+                <a:ea typeface="微软雅黑" panose="020B0503020204020204" pitchFamily="34" charset="-122"/>
+                <a:sym typeface="微软雅黑" panose="020B0503020204020204" pitchFamily="34" charset="-122"/>
+              </a:rPr>
+              <a:t>http://download.csdn.net/</a:t>
+            </a:r>
+            <a:endParaRPr lang="en-US" altLang="zh-CN" sz="900" b="1">
+              <a:solidFill>
+                <a:srgbClr val="7F7F7F"/>
+              </a:solidFill>
+              <a:latin typeface="微软雅黑" panose="020B0503020204020204" pitchFamily="34" charset="-122"/>
+              <a:ea typeface="微软雅黑" panose="020B0503020204020204" pitchFamily="34" charset="-122"/>
+              <a:sym typeface="微软雅黑" panose="020B0503020204020204" pitchFamily="34" charset="-122"/>
+            </a:endParaRPr>
+          </a:p>
+          <a:p>
+            <a:pPr eaLnBrk="1" hangingPunct="1"/>
+            <a:endParaRPr lang="zh-CN" altLang="en-US" sz="900">
+              <a:solidFill>
+                <a:srgbClr val="7F7F7F"/>
+              </a:solidFill>
+              <a:latin typeface="微软雅黑" panose="020B0503020204020204" pitchFamily="34" charset="-122"/>
+              <a:ea typeface="微软雅黑" panose="020B0503020204020204" pitchFamily="34" charset="-122"/>
+              <a:sym typeface="微软雅黑" panose="020B0503020204020204" pitchFamily="34" charset="-122"/>
+            </a:endParaRPr>
+          </a:p>
+        </p:txBody>
+      </p:sp>
+      <p:sp>
+        <p:nvSpPr>
+          <p:cNvPr id="8198" name="文本框 5">
+            <a:extLst>
+              <a:ext uri="{FF2B5EF4-FFF2-40B4-BE49-F238E27FC236}">
+                <a16:creationId xmlns:a16="http://schemas.microsoft.com/office/drawing/2014/main" id="{C3033956-A2A9-4D76-84E1-6F53E52FBB80}"/>
+              </a:ext>
+            </a:extLst>
+          </p:cNvPr>
+          <p:cNvSpPr>
+            <a:spLocks noChangeArrowheads="1"/>
+          </p:cNvSpPr>
+          <p:nvPr/>
+        </p:nvSpPr>
+        <p:spPr bwMode="auto">
+          <a:xfrm>
+            <a:off x="4337050" y="1928813"/>
+            <a:ext cx="4000500" cy="492125"/>
+          </a:xfrm>
+          <a:prstGeom prst="rect">
+            <a:avLst/>
+          </a:prstGeom>
+          <a:noFill/>
+          <a:ln>
+            <a:noFill/>
+          </a:ln>
+          <a:extLst>
+            <a:ext uri="{909E8E84-426E-40DD-AFC4-6F175D3DCCD1}">
+              <a14:hiddenFill xmlns:a14="http://schemas.microsoft.com/office/drawing/2010/main">
+                <a:solidFill>
+                  <a:srgbClr val="FFFFFF"/>
+                </a:solidFill>
+              </a14:hiddenFill>
+            </a:ext>
+            <a:ext uri="{91240B29-F687-4F45-9708-019B960494DF}">
+              <a14:hiddenLine xmlns:a14="http://schemas.microsoft.com/office/drawing/2010/main" w="9525">
+                <a:solidFill>
+                  <a:srgbClr val="000000"/>
+                </a:solidFill>
+                <a:miter lim="800000"/>
+                <a:headEnd/>
+                <a:tailEnd/>
+              </a14:hiddenLine>
+            </a:ext>
+          </a:extLst>
+        </p:spPr>
+        <p:txBody>
+          <a:bodyPr>
+            <a:spAutoFit/>
+          </a:bodyPr>
+          <a:lstStyle>
+            <a:lvl1pPr>
+              <a:buFont typeface="Arial" panose="020B0604020202020204" pitchFamily="34" charset="0"/>
+              <a:defRPr>
+                <a:solidFill>
+                  <a:schemeClr val="tx1"/>
+                </a:solidFill>
+                <a:latin typeface="Arial" panose="020B0604020202020204" pitchFamily="34" charset="0"/>
+                <a:ea typeface="宋体" panose="02010600030101010101" pitchFamily="2" charset="-122"/>
+              </a:defRPr>
+            </a:lvl1pPr>
+            <a:lvl2pPr marL="742950" indent="-285750">
+              <a:buFont typeface="Arial" panose="020B0604020202020204" pitchFamily="34" charset="0"/>
+              <a:defRPr>
+                <a:solidFill>
+                  <a:schemeClr val="tx1"/>
+                </a:solidFill>
+                <a:latin typeface="Arial" panose="020B0604020202020204" pitchFamily="34" charset="0"/>
+                <a:ea typeface="宋体" panose="02010600030101010101" pitchFamily="2" charset="-122"/>
+              </a:defRPr>
+            </a:lvl2pPr>
+            <a:lvl3pPr marL="1143000" indent="-228600">
+              <a:buFont typeface="Arial" panose="020B0604020202020204" pitchFamily="34" charset="0"/>
+              <a:defRPr>
+                <a:solidFill>
+                  <a:schemeClr val="tx1"/>
+                </a:solidFill>
+                <a:latin typeface="Arial" panose="020B0604020202020204" pitchFamily="34" charset="0"/>
+                <a:ea typeface="宋体" panose="02010600030101010101" pitchFamily="2" charset="-122"/>
+              </a:defRPr>
+            </a:lvl3pPr>
+            <a:lvl4pPr marL="1600200" indent="-228600">
+              <a:buFont typeface="Arial" panose="020B0604020202020204" pitchFamily="34" charset="0"/>
+              <a:defRPr>
+                <a:solidFill>
+                  <a:schemeClr val="tx1"/>
+                </a:solidFill>
+                <a:latin typeface="Arial" panose="020B0604020202020204" pitchFamily="34" charset="0"/>
+                <a:ea typeface="宋体" panose="02010600030101010101" pitchFamily="2" charset="-122"/>
+              </a:defRPr>
+            </a:lvl4pPr>
+            <a:lvl5pPr marL="2057400" indent="-228600">
+              <a:buFont typeface="Arial" panose="020B0604020202020204" pitchFamily="34" charset="0"/>
+              <a:defRPr>
+                <a:solidFill>
+                  <a:schemeClr val="tx1"/>
+                </a:solidFill>
+                <a:latin typeface="Arial" panose="020B0604020202020204" pitchFamily="34" charset="0"/>
+                <a:ea typeface="宋体" panose="02010600030101010101" pitchFamily="2" charset="-122"/>
+              </a:defRPr>
+            </a:lvl5pPr>
+            <a:lvl6pPr marL="2514600" indent="-228600" eaLnBrk="0" fontAlgn="base" hangingPunct="0">
+              <a:spcBef>
+                <a:spcPct val="0"/>
+              </a:spcBef>
+              <a:spcAft>
+                <a:spcPct val="0"/>
+              </a:spcAft>
+              <a:buFont typeface="Arial" panose="020B0604020202020204" pitchFamily="34" charset="0"/>
+              <a:defRPr>
+                <a:solidFill>
+                  <a:schemeClr val="tx1"/>
+                </a:solidFill>
+                <a:latin typeface="Arial" panose="020B0604020202020204" pitchFamily="34" charset="0"/>
+                <a:ea typeface="宋体" panose="02010600030101010101" pitchFamily="2" charset="-122"/>
+              </a:defRPr>
+            </a:lvl6pPr>
+            <a:lvl7pPr marL="2971800" indent="-228600" eaLnBrk="0" fontAlgn="base" hangingPunct="0">
+              <a:spcBef>
+                <a:spcPct val="0"/>
+              </a:spcBef>
+              <a:spcAft>
+                <a:spcPct val="0"/>
+              </a:spcAft>
+              <a:buFont typeface="Arial" panose="020B0604020202020204" pitchFamily="34" charset="0"/>
+              <a:defRPr>
+                <a:solidFill>
+                  <a:schemeClr val="tx1"/>
+                </a:solidFill>
+                <a:latin typeface="Arial" panose="020B0604020202020204" pitchFamily="34" charset="0"/>
+                <a:ea typeface="宋体" panose="02010600030101010101" pitchFamily="2" charset="-122"/>
+              </a:defRPr>
+            </a:lvl7pPr>
+            <a:lvl8pPr marL="3429000" indent="-228600" eaLnBrk="0" fontAlgn="base" hangingPunct="0">
+              <a:spcBef>
+                <a:spcPct val="0"/>
+              </a:spcBef>
+              <a:spcAft>
+                <a:spcPct val="0"/>
+              </a:spcAft>
+              <a:buFont typeface="Arial" panose="020B0604020202020204" pitchFamily="34" charset="0"/>
+              <a:defRPr>
+                <a:solidFill>
+                  <a:schemeClr val="tx1"/>
+                </a:solidFill>
+                <a:latin typeface="Arial" panose="020B0604020202020204" pitchFamily="34" charset="0"/>
+                <a:ea typeface="宋体" panose="02010600030101010101" pitchFamily="2" charset="-122"/>
+              </a:defRPr>
+            </a:lvl8pPr>
+            <a:lvl9pPr marL="3886200" indent="-228600" eaLnBrk="0" fontAlgn="base" hangingPunct="0">
+              <a:spcBef>
+                <a:spcPct val="0"/>
+              </a:spcBef>
+              <a:spcAft>
+                <a:spcPct val="0"/>
+              </a:spcAft>
+              <a:buFont typeface="Arial" panose="020B0604020202020204" pitchFamily="34" charset="0"/>
+              <a:defRPr>
+                <a:solidFill>
+                  <a:schemeClr val="tx1"/>
+                </a:solidFill>
+                <a:latin typeface="Arial" panose="020B0604020202020204" pitchFamily="34" charset="0"/>
+                <a:ea typeface="宋体" panose="02010600030101010101" pitchFamily="2" charset="-122"/>
+              </a:defRPr>
+            </a:lvl9pPr>
+          </a:lstStyle>
+          <a:p>
+            <a:pPr eaLnBrk="1" hangingPunct="1"/>
+            <a:r>
+              <a:rPr lang="zh-CN" altLang="en-US" sz="1400">
+                <a:solidFill>
+                  <a:srgbClr val="595959"/>
+                </a:solidFill>
+                <a:latin typeface="微软雅黑" panose="020B0503020204020204" pitchFamily="34" charset="-122"/>
+                <a:ea typeface="微软雅黑" panose="020B0503020204020204" pitchFamily="34" charset="-122"/>
+                <a:sym typeface="微软雅黑" panose="020B0503020204020204" pitchFamily="34" charset="-122"/>
+              </a:rPr>
+              <a:t>本课程由 张赐 提供</a:t>
+            </a:r>
+            <a:endParaRPr lang="en-US" altLang="zh-CN" sz="1400">
+              <a:solidFill>
+                <a:srgbClr val="595959"/>
+              </a:solidFill>
+              <a:latin typeface="微软雅黑" panose="020B0503020204020204" pitchFamily="34" charset="-122"/>
+              <a:ea typeface="微软雅黑" panose="020B0503020204020204" pitchFamily="34" charset="-122"/>
+              <a:sym typeface="微软雅黑" panose="020B0503020204020204" pitchFamily="34" charset="-122"/>
+            </a:endParaRPr>
+          </a:p>
+          <a:p>
+            <a:pPr eaLnBrk="1" hangingPunct="1"/>
+            <a:endParaRPr lang="zh-CN" altLang="en-US" sz="1200">
+              <a:solidFill>
+                <a:srgbClr val="595959"/>
+              </a:solidFill>
+              <a:latin typeface="微软雅黑" panose="020B0503020204020204" pitchFamily="34" charset="-122"/>
+              <a:ea typeface="微软雅黑" panose="020B0503020204020204" pitchFamily="34" charset="-122"/>
+              <a:sym typeface="微软雅黑" panose="020B0503020204020204" pitchFamily="34" charset="-122"/>
+            </a:endParaRPr>
+          </a:p>
+        </p:txBody>
+      </p:sp>
+      <p:pic>
+        <p:nvPicPr>
+          <p:cNvPr id="8199" name="Picture 2">
+            <a:extLst>
+              <a:ext uri="{FF2B5EF4-FFF2-40B4-BE49-F238E27FC236}">
+                <a16:creationId xmlns:a16="http://schemas.microsoft.com/office/drawing/2014/main" id="{2656A675-2838-4DE8-A1F0-DE7DF761E3B6}"/>
+              </a:ext>
+            </a:extLst>
+          </p:cNvPr>
+          <p:cNvPicPr>
+            <a:picLocks noChangeAspect="1" noChangeArrowheads="1"/>
+          </p:cNvPicPr>
+          <p:nvPr/>
+        </p:nvPicPr>
+        <p:blipFill>
+          <a:blip r:embed="rId3">
+            <a:extLst>
+              <a:ext uri="{28A0092B-C50C-407E-A947-70E740481C1C}">
+                <a14:useLocalDpi xmlns:a14="http://schemas.microsoft.com/office/drawing/2010/main" val="0"/>
+              </a:ext>
+            </a:extLst>
+          </a:blip>
+          <a:srcRect/>
+          <a:stretch>
+            <a:fillRect/>
+          </a:stretch>
+        </p:blipFill>
+        <p:spPr bwMode="auto">
+          <a:xfrm>
+            <a:off x="107950" y="123825"/>
+            <a:ext cx="1296988" cy="539750"/>
+          </a:xfrm>
+          <a:prstGeom prst="rect">
+            <a:avLst/>
+          </a:prstGeom>
+          <a:noFill/>
+          <a:ln>
+            <a:noFill/>
+          </a:ln>
+          <a:effectLst/>
+          <a:extLst>
+            <a:ext uri="{909E8E84-426E-40DD-AFC4-6F175D3DCCD1}">
+              <a14:hiddenFill xmlns:a14="http://schemas.microsoft.com/office/drawing/2010/main">
+                <a:solidFill>
+                  <a:srgbClr val="FFFFFF"/>
+                </a:solidFill>
+              </a14:hiddenFill>
+            </a:ext>
+            <a:ext uri="{91240B29-F687-4F45-9708-019B960494DF}">
+              <a14:hiddenLine xmlns:a14="http://schemas.microsoft.com/office/drawing/2010/main" w="9525">
+                <a:solidFill>
+                  <a:srgbClr val="000000"/>
+                </a:solidFill>
+                <a:miter lim="800000"/>
+                <a:headEnd/>
+                <a:tailEnd/>
+              </a14:hiddenLine>
+            </a:ext>
+            <a:ext uri="{AF507438-7753-43E0-B8FC-AC1667EBCBE1}">
+              <a14:hiddenEffects xmlns:a14="http://schemas.microsoft.com/office/drawing/2010/main">
+                <a:effectLst>
+                  <a:outerShdw dist="35921" dir="2700000" algn="ctr" rotWithShape="0">
+                    <a:srgbClr val="808080"/>
+                  </a:outerShdw>
+                </a:effectLst>
+              </a14:hiddenEffects>
+            </a:ext>
+          </a:extLst>
+        </p:spPr>
+      </p:pic>
     </p:spTree>
   </p:cSld>
   <p:clrMapOvr>

--- a/PPT/C++练习.pptx
+++ b/PPT/C++练习.pptx
@@ -35,8 +35,8 @@
     <p:sldId id="283" r:id="rId26"/>
     <p:sldId id="284" r:id="rId27"/>
     <p:sldId id="285" r:id="rId28"/>
-    <p:sldId id="286" r:id="rId29"/>
-    <p:sldId id="287" r:id="rId30"/>
+    <p:sldId id="287" r:id="rId29"/>
+    <p:sldId id="286" r:id="rId30"/>
     <p:sldId id="259" r:id="rId31"/>
   </p:sldIdLst>
   <p:sldSz cx="9144000" cy="5143500" type="screen16x9"/>
@@ -29398,7 +29398,7 @@
               </a:lnSpc>
             </a:pPr>
             <a:r>
-              <a:rPr lang="en-US" altLang="zh-CN" dirty="0" err="1">
+              <a:rPr lang="en-US" altLang="zh-CN" dirty="0">
                 <a:solidFill>
                   <a:schemeClr val="tx1">
                     <a:lumMod val="65000"/>
@@ -29408,10 +29408,10 @@
                 <a:latin typeface="微软雅黑 Light" panose="020B0502040204020203" pitchFamily="34" charset="-122"/>
                 <a:ea typeface="微软雅黑 Light" panose="020B0502040204020203" pitchFamily="34" charset="-122"/>
               </a:rPr>
-              <a:t>GQuater</a:t>
-            </a:r>
-            <a:r>
-              <a:rPr lang="en-US" altLang="zh-CN" dirty="0">
+              <a:t>bool </a:t>
+            </a:r>
+            <a:r>
+              <a:rPr lang="en-US" altLang="zh-CN" dirty="0" err="1">
                 <a:solidFill>
                   <a:schemeClr val="tx1">
                     <a:lumMod val="65000"/>
@@ -29421,7 +29421,46 @@
                 <a:latin typeface="微软雅黑 Light" panose="020B0502040204020203" pitchFamily="34" charset="-122"/>
                 <a:ea typeface="微软雅黑 Light" panose="020B0502040204020203" pitchFamily="34" charset="-122"/>
               </a:rPr>
-              <a:t> &amp;Normalize();</a:t>
+              <a:t>IsUnitQuater</a:t>
+            </a:r>
+            <a:r>
+              <a:rPr lang="en-US" altLang="zh-CN" dirty="0">
+                <a:solidFill>
+                  <a:schemeClr val="tx1">
+                    <a:lumMod val="65000"/>
+                    <a:lumOff val="35000"/>
+                  </a:schemeClr>
+                </a:solidFill>
+                <a:latin typeface="微软雅黑 Light" panose="020B0502040204020203" pitchFamily="34" charset="-122"/>
+                <a:ea typeface="微软雅黑 Light" panose="020B0502040204020203" pitchFamily="34" charset="-122"/>
+              </a:rPr>
+              <a:t>() </a:t>
+            </a:r>
+            <a:r>
+              <a:rPr lang="en-US" altLang="zh-CN" dirty="0" err="1">
+                <a:solidFill>
+                  <a:schemeClr val="tx1">
+                    <a:lumMod val="65000"/>
+                    <a:lumOff val="35000"/>
+                  </a:schemeClr>
+                </a:solidFill>
+                <a:latin typeface="微软雅黑 Light" panose="020B0502040204020203" pitchFamily="34" charset="-122"/>
+                <a:ea typeface="微软雅黑 Light" panose="020B0502040204020203" pitchFamily="34" charset="-122"/>
+              </a:rPr>
+              <a:t>const</a:t>
+            </a:r>
+            <a:r>
+              <a:rPr lang="en-US" altLang="zh-CN" dirty="0">
+                <a:solidFill>
+                  <a:schemeClr val="tx1">
+                    <a:lumMod val="65000"/>
+                    <a:lumOff val="35000"/>
+                  </a:schemeClr>
+                </a:solidFill>
+                <a:latin typeface="微软雅黑 Light" panose="020B0502040204020203" pitchFamily="34" charset="-122"/>
+                <a:ea typeface="微软雅黑 Light" panose="020B0502040204020203" pitchFamily="34" charset="-122"/>
+              </a:rPr>
+              <a:t>;</a:t>
             </a:r>
           </a:p>
           <a:p>
@@ -29431,7 +29470,7 @@
               </a:lnSpc>
             </a:pPr>
             <a:r>
-              <a:rPr lang="en-US" altLang="zh-CN" dirty="0" err="1">
+              <a:rPr lang="en-US" altLang="zh-CN" dirty="0">
                 <a:solidFill>
                   <a:schemeClr val="tx1">
                     <a:lumMod val="65000"/>
@@ -29441,10 +29480,10 @@
                 <a:latin typeface="微软雅黑 Light" panose="020B0502040204020203" pitchFamily="34" charset="-122"/>
                 <a:ea typeface="微软雅黑 Light" panose="020B0502040204020203" pitchFamily="34" charset="-122"/>
               </a:rPr>
-              <a:t>GQuater</a:t>
-            </a:r>
-            <a:r>
-              <a:rPr lang="en-US" altLang="zh-CN" dirty="0">
+              <a:t>bool </a:t>
+            </a:r>
+            <a:r>
+              <a:rPr lang="en-US" altLang="zh-CN" dirty="0" err="1">
                 <a:solidFill>
                   <a:schemeClr val="tx1">
                     <a:lumMod val="65000"/>
@@ -29454,10 +29493,10 @@
                 <a:latin typeface="微软雅黑 Light" panose="020B0502040204020203" pitchFamily="34" charset="-122"/>
                 <a:ea typeface="微软雅黑 Light" panose="020B0502040204020203" pitchFamily="34" charset="-122"/>
               </a:rPr>
-              <a:t> &amp;</a:t>
-            </a:r>
-            <a:r>
-              <a:rPr lang="en-US" altLang="zh-CN" dirty="0" err="1">
+              <a:t>IsIdentity</a:t>
+            </a:r>
+            <a:r>
+              <a:rPr lang="en-US" altLang="zh-CN" dirty="0">
                 <a:solidFill>
                   <a:schemeClr val="tx1">
                     <a:lumMod val="65000"/>
@@ -29467,10 +29506,10 @@
                 <a:latin typeface="微软雅黑 Light" panose="020B0502040204020203" pitchFamily="34" charset="-122"/>
                 <a:ea typeface="微软雅黑 Light" panose="020B0502040204020203" pitchFamily="34" charset="-122"/>
               </a:rPr>
-              <a:t>SetIdentity</a:t>
-            </a:r>
-            <a:r>
-              <a:rPr lang="en-US" altLang="zh-CN" dirty="0">
+              <a:t>() </a:t>
+            </a:r>
+            <a:r>
+              <a:rPr lang="en-US" altLang="zh-CN" dirty="0" err="1">
                 <a:solidFill>
                   <a:schemeClr val="tx1">
                     <a:lumMod val="65000"/>
@@ -29480,7 +29519,20 @@
                 <a:latin typeface="微软雅黑 Light" panose="020B0502040204020203" pitchFamily="34" charset="-122"/>
                 <a:ea typeface="微软雅黑 Light" panose="020B0502040204020203" pitchFamily="34" charset="-122"/>
               </a:rPr>
-              <a:t>();</a:t>
+              <a:t>const</a:t>
+            </a:r>
+            <a:r>
+              <a:rPr lang="en-US" altLang="zh-CN" dirty="0">
+                <a:solidFill>
+                  <a:schemeClr val="tx1">
+                    <a:lumMod val="65000"/>
+                    <a:lumOff val="35000"/>
+                  </a:schemeClr>
+                </a:solidFill>
+                <a:latin typeface="微软雅黑 Light" panose="020B0502040204020203" pitchFamily="34" charset="-122"/>
+                <a:ea typeface="微软雅黑 Light" panose="020B0502040204020203" pitchFamily="34" charset="-122"/>
+              </a:rPr>
+              <a:t>;</a:t>
             </a:r>
           </a:p>
           <a:p>
@@ -29490,7 +29542,7 @@
               </a:lnSpc>
             </a:pPr>
             <a:r>
-              <a:rPr lang="en-US" altLang="zh-CN" dirty="0" err="1">
+              <a:rPr lang="en-US" altLang="zh-CN" dirty="0">
                 <a:solidFill>
                   <a:schemeClr val="tx1">
                     <a:lumMod val="65000"/>
@@ -29500,10 +29552,10 @@
                 <a:latin typeface="微软雅黑 Light" panose="020B0502040204020203" pitchFamily="34" charset="-122"/>
                 <a:ea typeface="微软雅黑 Light" panose="020B0502040204020203" pitchFamily="34" charset="-122"/>
               </a:rPr>
-              <a:t>GQuater</a:t>
-            </a:r>
-            <a:r>
-              <a:rPr lang="en-US" altLang="zh-CN" dirty="0">
+              <a:t>Friend float norm(</a:t>
+            </a:r>
+            <a:r>
+              <a:rPr lang="en-US" altLang="zh-CN" dirty="0" err="1">
                 <a:solidFill>
                   <a:schemeClr val="tx1">
                     <a:lumMod val="65000"/>
@@ -29513,10 +29565,10 @@
                 <a:latin typeface="微软雅黑 Light" panose="020B0502040204020203" pitchFamily="34" charset="-122"/>
                 <a:ea typeface="微软雅黑 Light" panose="020B0502040204020203" pitchFamily="34" charset="-122"/>
               </a:rPr>
-              <a:t> &amp;</a:t>
-            </a:r>
-            <a:r>
-              <a:rPr lang="en-US" altLang="zh-CN" dirty="0" err="1">
+              <a:t>const</a:t>
+            </a:r>
+            <a:r>
+              <a:rPr lang="en-US" altLang="zh-CN" dirty="0">
                 <a:solidFill>
                   <a:schemeClr val="tx1">
                     <a:lumMod val="65000"/>
@@ -29526,10 +29578,10 @@
                 <a:latin typeface="微软雅黑 Light" panose="020B0502040204020203" pitchFamily="34" charset="-122"/>
                 <a:ea typeface="微软雅黑 Light" panose="020B0502040204020203" pitchFamily="34" charset="-122"/>
               </a:rPr>
-              <a:t>SetConjugate</a:t>
-            </a:r>
-            <a:r>
-              <a:rPr lang="en-US" altLang="zh-CN" dirty="0">
+              <a:t> </a:t>
+            </a:r>
+            <a:r>
+              <a:rPr lang="en-US" altLang="zh-CN" dirty="0" err="1">
                 <a:solidFill>
                   <a:schemeClr val="tx1">
                     <a:lumMod val="65000"/>
@@ -29539,7 +29591,20 @@
                 <a:latin typeface="微软雅黑 Light" panose="020B0502040204020203" pitchFamily="34" charset="-122"/>
                 <a:ea typeface="微软雅黑 Light" panose="020B0502040204020203" pitchFamily="34" charset="-122"/>
               </a:rPr>
-              <a:t>();</a:t>
+              <a:t>GQuater</a:t>
+            </a:r>
+            <a:r>
+              <a:rPr lang="en-US" altLang="zh-CN" dirty="0">
+                <a:solidFill>
+                  <a:schemeClr val="tx1">
+                    <a:lumMod val="65000"/>
+                    <a:lumOff val="35000"/>
+                  </a:schemeClr>
+                </a:solidFill>
+                <a:latin typeface="微软雅黑 Light" panose="020B0502040204020203" pitchFamily="34" charset="-122"/>
+                <a:ea typeface="微软雅黑 Light" panose="020B0502040204020203" pitchFamily="34" charset="-122"/>
+              </a:rPr>
+              <a:t> &amp;q);</a:t>
             </a:r>
           </a:p>
           <a:p>
@@ -29549,7 +29614,7 @@
               </a:lnSpc>
             </a:pPr>
             <a:r>
-              <a:rPr lang="en-US" altLang="zh-CN" dirty="0" err="1">
+              <a:rPr lang="en-US" altLang="zh-CN" dirty="0">
                 <a:solidFill>
                   <a:schemeClr val="tx1">
                     <a:lumMod val="65000"/>
@@ -29559,10 +29624,10 @@
                 <a:latin typeface="微软雅黑 Light" panose="020B0502040204020203" pitchFamily="34" charset="-122"/>
                 <a:ea typeface="微软雅黑 Light" panose="020B0502040204020203" pitchFamily="34" charset="-122"/>
               </a:rPr>
-              <a:t>GQuater</a:t>
-            </a:r>
-            <a:r>
-              <a:rPr lang="en-US" altLang="zh-CN" dirty="0">
+              <a:t>friend </a:t>
+            </a:r>
+            <a:r>
+              <a:rPr lang="en-US" altLang="zh-CN" dirty="0" err="1">
                 <a:solidFill>
                   <a:schemeClr val="tx1">
                     <a:lumMod val="65000"/>
@@ -29572,10 +29637,10 @@
                 <a:latin typeface="微软雅黑 Light" panose="020B0502040204020203" pitchFamily="34" charset="-122"/>
                 <a:ea typeface="微软雅黑 Light" panose="020B0502040204020203" pitchFamily="34" charset="-122"/>
               </a:rPr>
-              <a:t> &amp;</a:t>
-            </a:r>
-            <a:r>
-              <a:rPr lang="en-US" altLang="zh-CN" dirty="0" err="1">
+              <a:t>GQuater</a:t>
+            </a:r>
+            <a:r>
+              <a:rPr lang="en-US" altLang="zh-CN" dirty="0">
                 <a:solidFill>
                   <a:schemeClr val="tx1">
                     <a:lumMod val="65000"/>
@@ -29585,10 +29650,10 @@
                 <a:latin typeface="微软雅黑 Light" panose="020B0502040204020203" pitchFamily="34" charset="-122"/>
                 <a:ea typeface="微软雅黑 Light" panose="020B0502040204020203" pitchFamily="34" charset="-122"/>
               </a:rPr>
-              <a:t>SetInverse</a:t>
-            </a:r>
-            <a:r>
-              <a:rPr lang="en-US" altLang="zh-CN" dirty="0">
+              <a:t> </a:t>
+            </a:r>
+            <a:r>
+              <a:rPr lang="en-US" altLang="zh-CN" dirty="0" err="1">
                 <a:solidFill>
                   <a:schemeClr val="tx1">
                     <a:lumMod val="65000"/>
@@ -29598,7 +29663,72 @@
                 <a:latin typeface="微软雅黑 Light" panose="020B0502040204020203" pitchFamily="34" charset="-122"/>
                 <a:ea typeface="微软雅黑 Light" panose="020B0502040204020203" pitchFamily="34" charset="-122"/>
               </a:rPr>
-              <a:t>();</a:t>
+              <a:t>inv</a:t>
+            </a:r>
+            <a:r>
+              <a:rPr lang="en-US" altLang="zh-CN" dirty="0">
+                <a:solidFill>
+                  <a:schemeClr val="tx1">
+                    <a:lumMod val="65000"/>
+                    <a:lumOff val="35000"/>
+                  </a:schemeClr>
+                </a:solidFill>
+                <a:latin typeface="微软雅黑 Light" panose="020B0502040204020203" pitchFamily="34" charset="-122"/>
+                <a:ea typeface="微软雅黑 Light" panose="020B0502040204020203" pitchFamily="34" charset="-122"/>
+              </a:rPr>
+              <a:t>(</a:t>
+            </a:r>
+            <a:r>
+              <a:rPr lang="en-US" altLang="zh-CN" dirty="0" err="1">
+                <a:solidFill>
+                  <a:schemeClr val="tx1">
+                    <a:lumMod val="65000"/>
+                    <a:lumOff val="35000"/>
+                  </a:schemeClr>
+                </a:solidFill>
+                <a:latin typeface="微软雅黑 Light" panose="020B0502040204020203" pitchFamily="34" charset="-122"/>
+                <a:ea typeface="微软雅黑 Light" panose="020B0502040204020203" pitchFamily="34" charset="-122"/>
+              </a:rPr>
+              <a:t>const</a:t>
+            </a:r>
+            <a:r>
+              <a:rPr lang="en-US" altLang="zh-CN" dirty="0">
+                <a:solidFill>
+                  <a:schemeClr val="tx1">
+                    <a:lumMod val="65000"/>
+                    <a:lumOff val="35000"/>
+                  </a:schemeClr>
+                </a:solidFill>
+                <a:latin typeface="微软雅黑 Light" panose="020B0502040204020203" pitchFamily="34" charset="-122"/>
+                <a:ea typeface="微软雅黑 Light" panose="020B0502040204020203" pitchFamily="34" charset="-122"/>
+              </a:rPr>
+              <a:t> </a:t>
+            </a:r>
+            <a:r>
+              <a:rPr lang="en-US" altLang="zh-CN" dirty="0" err="1">
+                <a:solidFill>
+                  <a:schemeClr val="tx1">
+                    <a:lumMod val="65000"/>
+                    <a:lumOff val="35000"/>
+                  </a:schemeClr>
+                </a:solidFill>
+                <a:latin typeface="微软雅黑 Light" panose="020B0502040204020203" pitchFamily="34" charset="-122"/>
+                <a:ea typeface="微软雅黑 Light" panose="020B0502040204020203" pitchFamily="34" charset="-122"/>
+              </a:rPr>
+              <a:t>GQuater</a:t>
+            </a:r>
+            <a:r>
+              <a:rPr lang="en-US" altLang="zh-CN" dirty="0">
+                <a:solidFill>
+                  <a:schemeClr val="tx1">
+                    <a:lumMod val="65000"/>
+                    <a:lumOff val="35000"/>
+                  </a:schemeClr>
+                </a:solidFill>
+                <a:latin typeface="微软雅黑 Light" panose="020B0502040204020203" pitchFamily="34" charset="-122"/>
+                <a:ea typeface="微软雅黑 Light" panose="020B0502040204020203" pitchFamily="34" charset="-122"/>
+              </a:rPr>
+              <a:t> &amp;q);</a:t>
             </a:r>
           </a:p>
         </p:txBody>
@@ -29606,7 +29736,7 @@
     </p:spTree>
     <p:extLst>
       <p:ext uri="{BB962C8B-B14F-4D97-AF65-F5344CB8AC3E}">
-        <p14:creationId xmlns:p14="http://schemas.microsoft.com/office/powerpoint/2010/main" val="3282195251"/>
+        <p14:creationId xmlns:p14="http://schemas.microsoft.com/office/powerpoint/2010/main" val="1567199000"/>
       </p:ext>
     </p:extLst>
   </p:cSld>
@@ -30031,7 +30161,7 @@
               </a:lnSpc>
             </a:pPr>
             <a:r>
-              <a:rPr lang="en-US" altLang="zh-CN" dirty="0">
+              <a:rPr lang="en-US" altLang="zh-CN" dirty="0" err="1">
                 <a:solidFill>
                   <a:schemeClr val="tx1">
                     <a:lumMod val="65000"/>
@@ -30041,10 +30171,10 @@
                 <a:latin typeface="微软雅黑 Light" panose="020B0502040204020203" pitchFamily="34" charset="-122"/>
                 <a:ea typeface="微软雅黑 Light" panose="020B0502040204020203" pitchFamily="34" charset="-122"/>
               </a:rPr>
-              <a:t>bool </a:t>
-            </a:r>
-            <a:r>
-              <a:rPr lang="en-US" altLang="zh-CN" dirty="0" err="1">
+              <a:t>GQuater</a:t>
+            </a:r>
+            <a:r>
+              <a:rPr lang="en-US" altLang="zh-CN" dirty="0">
                 <a:solidFill>
                   <a:schemeClr val="tx1">
                     <a:lumMod val="65000"/>
@@ -30054,46 +30184,7 @@
                 <a:latin typeface="微软雅黑 Light" panose="020B0502040204020203" pitchFamily="34" charset="-122"/>
                 <a:ea typeface="微软雅黑 Light" panose="020B0502040204020203" pitchFamily="34" charset="-122"/>
               </a:rPr>
-              <a:t>IsUnitQuater</a:t>
-            </a:r>
-            <a:r>
-              <a:rPr lang="en-US" altLang="zh-CN" dirty="0">
-                <a:solidFill>
-                  <a:schemeClr val="tx1">
-                    <a:lumMod val="65000"/>
-                    <a:lumOff val="35000"/>
-                  </a:schemeClr>
-                </a:solidFill>
-                <a:latin typeface="微软雅黑 Light" panose="020B0502040204020203" pitchFamily="34" charset="-122"/>
-                <a:ea typeface="微软雅黑 Light" panose="020B0502040204020203" pitchFamily="34" charset="-122"/>
-              </a:rPr>
-              <a:t>() </a:t>
-            </a:r>
-            <a:r>
-              <a:rPr lang="en-US" altLang="zh-CN" dirty="0" err="1">
-                <a:solidFill>
-                  <a:schemeClr val="tx1">
-                    <a:lumMod val="65000"/>
-                    <a:lumOff val="35000"/>
-                  </a:schemeClr>
-                </a:solidFill>
-                <a:latin typeface="微软雅黑 Light" panose="020B0502040204020203" pitchFamily="34" charset="-122"/>
-                <a:ea typeface="微软雅黑 Light" panose="020B0502040204020203" pitchFamily="34" charset="-122"/>
-              </a:rPr>
-              <a:t>const</a:t>
-            </a:r>
-            <a:r>
-              <a:rPr lang="en-US" altLang="zh-CN" dirty="0">
-                <a:solidFill>
-                  <a:schemeClr val="tx1">
-                    <a:lumMod val="65000"/>
-                    <a:lumOff val="35000"/>
-                  </a:schemeClr>
-                </a:solidFill>
-                <a:latin typeface="微软雅黑 Light" panose="020B0502040204020203" pitchFamily="34" charset="-122"/>
-                <a:ea typeface="微软雅黑 Light" panose="020B0502040204020203" pitchFamily="34" charset="-122"/>
-              </a:rPr>
-              <a:t>;</a:t>
+              <a:t> &amp;Normalize();</a:t>
             </a:r>
           </a:p>
           <a:p>
@@ -30103,7 +30194,7 @@
               </a:lnSpc>
             </a:pPr>
             <a:r>
-              <a:rPr lang="en-US" altLang="zh-CN" dirty="0">
+              <a:rPr lang="en-US" altLang="zh-CN" dirty="0" err="1">
                 <a:solidFill>
                   <a:schemeClr val="tx1">
                     <a:lumMod val="65000"/>
@@ -30113,10 +30204,10 @@
                 <a:latin typeface="微软雅黑 Light" panose="020B0502040204020203" pitchFamily="34" charset="-122"/>
                 <a:ea typeface="微软雅黑 Light" panose="020B0502040204020203" pitchFamily="34" charset="-122"/>
               </a:rPr>
-              <a:t>bool </a:t>
-            </a:r>
-            <a:r>
-              <a:rPr lang="en-US" altLang="zh-CN" dirty="0" err="1">
+              <a:t>GQuater</a:t>
+            </a:r>
+            <a:r>
+              <a:rPr lang="en-US" altLang="zh-CN" dirty="0">
                 <a:solidFill>
                   <a:schemeClr val="tx1">
                     <a:lumMod val="65000"/>
@@ -30126,10 +30217,10 @@
                 <a:latin typeface="微软雅黑 Light" panose="020B0502040204020203" pitchFamily="34" charset="-122"/>
                 <a:ea typeface="微软雅黑 Light" panose="020B0502040204020203" pitchFamily="34" charset="-122"/>
               </a:rPr>
-              <a:t>IsIdentity</a:t>
-            </a:r>
-            <a:r>
-              <a:rPr lang="en-US" altLang="zh-CN" dirty="0">
+              <a:t> &amp;</a:t>
+            </a:r>
+            <a:r>
+              <a:rPr lang="en-US" altLang="zh-CN" dirty="0" err="1">
                 <a:solidFill>
                   <a:schemeClr val="tx1">
                     <a:lumMod val="65000"/>
@@ -30139,10 +30230,10 @@
                 <a:latin typeface="微软雅黑 Light" panose="020B0502040204020203" pitchFamily="34" charset="-122"/>
                 <a:ea typeface="微软雅黑 Light" panose="020B0502040204020203" pitchFamily="34" charset="-122"/>
               </a:rPr>
-              <a:t>() </a:t>
-            </a:r>
-            <a:r>
-              <a:rPr lang="en-US" altLang="zh-CN" dirty="0" err="1">
+              <a:t>SetIdentity</a:t>
+            </a:r>
+            <a:r>
+              <a:rPr lang="en-US" altLang="zh-CN" dirty="0">
                 <a:solidFill>
                   <a:schemeClr val="tx1">
                     <a:lumMod val="65000"/>
@@ -30152,20 +30243,7 @@
                 <a:latin typeface="微软雅黑 Light" panose="020B0502040204020203" pitchFamily="34" charset="-122"/>
                 <a:ea typeface="微软雅黑 Light" panose="020B0502040204020203" pitchFamily="34" charset="-122"/>
               </a:rPr>
-              <a:t>const</a:t>
-            </a:r>
-            <a:r>
-              <a:rPr lang="en-US" altLang="zh-CN" dirty="0">
-                <a:solidFill>
-                  <a:schemeClr val="tx1">
-                    <a:lumMod val="65000"/>
-                    <a:lumOff val="35000"/>
-                  </a:schemeClr>
-                </a:solidFill>
-                <a:latin typeface="微软雅黑 Light" panose="020B0502040204020203" pitchFamily="34" charset="-122"/>
-                <a:ea typeface="微软雅黑 Light" panose="020B0502040204020203" pitchFamily="34" charset="-122"/>
-              </a:rPr>
-              <a:t>;</a:t>
+              <a:t>();</a:t>
             </a:r>
           </a:p>
           <a:p>
@@ -30175,7 +30253,7 @@
               </a:lnSpc>
             </a:pPr>
             <a:r>
-              <a:rPr lang="en-US" altLang="zh-CN" dirty="0">
+              <a:rPr lang="en-US" altLang="zh-CN" dirty="0" err="1">
                 <a:solidFill>
                   <a:schemeClr val="tx1">
                     <a:lumMod val="65000"/>
@@ -30185,10 +30263,10 @@
                 <a:latin typeface="微软雅黑 Light" panose="020B0502040204020203" pitchFamily="34" charset="-122"/>
                 <a:ea typeface="微软雅黑 Light" panose="020B0502040204020203" pitchFamily="34" charset="-122"/>
               </a:rPr>
-              <a:t>Friend float norm(</a:t>
-            </a:r>
-            <a:r>
-              <a:rPr lang="en-US" altLang="zh-CN" dirty="0" err="1">
+              <a:t>GQuater</a:t>
+            </a:r>
+            <a:r>
+              <a:rPr lang="en-US" altLang="zh-CN" dirty="0">
                 <a:solidFill>
                   <a:schemeClr val="tx1">
                     <a:lumMod val="65000"/>
@@ -30198,10 +30276,10 @@
                 <a:latin typeface="微软雅黑 Light" panose="020B0502040204020203" pitchFamily="34" charset="-122"/>
                 <a:ea typeface="微软雅黑 Light" panose="020B0502040204020203" pitchFamily="34" charset="-122"/>
               </a:rPr>
-              <a:t>const</a:t>
-            </a:r>
-            <a:r>
-              <a:rPr lang="en-US" altLang="zh-CN" dirty="0">
+              <a:t> &amp;</a:t>
+            </a:r>
+            <a:r>
+              <a:rPr lang="en-US" altLang="zh-CN" dirty="0" err="1">
                 <a:solidFill>
                   <a:schemeClr val="tx1">
                     <a:lumMod val="65000"/>
@@ -30211,10 +30289,10 @@
                 <a:latin typeface="微软雅黑 Light" panose="020B0502040204020203" pitchFamily="34" charset="-122"/>
                 <a:ea typeface="微软雅黑 Light" panose="020B0502040204020203" pitchFamily="34" charset="-122"/>
               </a:rPr>
-              <a:t> </a:t>
-            </a:r>
-            <a:r>
-              <a:rPr lang="en-US" altLang="zh-CN" dirty="0" err="1">
+              <a:t>SetConjugate</a:t>
+            </a:r>
+            <a:r>
+              <a:rPr lang="en-US" altLang="zh-CN" dirty="0">
                 <a:solidFill>
                   <a:schemeClr val="tx1">
                     <a:lumMod val="65000"/>
@@ -30224,20 +30302,7 @@
                 <a:latin typeface="微软雅黑 Light" panose="020B0502040204020203" pitchFamily="34" charset="-122"/>
                 <a:ea typeface="微软雅黑 Light" panose="020B0502040204020203" pitchFamily="34" charset="-122"/>
               </a:rPr>
-              <a:t>GQuater</a:t>
-            </a:r>
-            <a:r>
-              <a:rPr lang="en-US" altLang="zh-CN" dirty="0">
-                <a:solidFill>
-                  <a:schemeClr val="tx1">
-                    <a:lumMod val="65000"/>
-                    <a:lumOff val="35000"/>
-                  </a:schemeClr>
-                </a:solidFill>
-                <a:latin typeface="微软雅黑 Light" panose="020B0502040204020203" pitchFamily="34" charset="-122"/>
-                <a:ea typeface="微软雅黑 Light" panose="020B0502040204020203" pitchFamily="34" charset="-122"/>
-              </a:rPr>
-              <a:t> &amp;q);</a:t>
+              <a:t>();</a:t>
             </a:r>
           </a:p>
           <a:p>
@@ -30247,7 +30312,7 @@
               </a:lnSpc>
             </a:pPr>
             <a:r>
-              <a:rPr lang="en-US" altLang="zh-CN" dirty="0">
+              <a:rPr lang="en-US" altLang="zh-CN" dirty="0" err="1">
                 <a:solidFill>
                   <a:schemeClr val="tx1">
                     <a:lumMod val="65000"/>
@@ -30257,10 +30322,10 @@
                 <a:latin typeface="微软雅黑 Light" panose="020B0502040204020203" pitchFamily="34" charset="-122"/>
                 <a:ea typeface="微软雅黑 Light" panose="020B0502040204020203" pitchFamily="34" charset="-122"/>
               </a:rPr>
-              <a:t>friend </a:t>
-            </a:r>
-            <a:r>
-              <a:rPr lang="en-US" altLang="zh-CN" dirty="0" err="1">
+              <a:t>GQuater</a:t>
+            </a:r>
+            <a:r>
+              <a:rPr lang="en-US" altLang="zh-CN" dirty="0">
                 <a:solidFill>
                   <a:schemeClr val="tx1">
                     <a:lumMod val="65000"/>
@@ -30270,10 +30335,10 @@
                 <a:latin typeface="微软雅黑 Light" panose="020B0502040204020203" pitchFamily="34" charset="-122"/>
                 <a:ea typeface="微软雅黑 Light" panose="020B0502040204020203" pitchFamily="34" charset="-122"/>
               </a:rPr>
-              <a:t>GQuater</a:t>
-            </a:r>
-            <a:r>
-              <a:rPr lang="en-US" altLang="zh-CN" dirty="0">
+              <a:t> &amp;</a:t>
+            </a:r>
+            <a:r>
+              <a:rPr lang="en-US" altLang="zh-CN" dirty="0" err="1">
                 <a:solidFill>
                   <a:schemeClr val="tx1">
                     <a:lumMod val="65000"/>
@@ -30283,10 +30348,10 @@
                 <a:latin typeface="微软雅黑 Light" panose="020B0502040204020203" pitchFamily="34" charset="-122"/>
                 <a:ea typeface="微软雅黑 Light" panose="020B0502040204020203" pitchFamily="34" charset="-122"/>
               </a:rPr>
-              <a:t> </a:t>
-            </a:r>
-            <a:r>
-              <a:rPr lang="en-US" altLang="zh-CN" dirty="0" err="1">
+              <a:t>SetInverse</a:t>
+            </a:r>
+            <a:r>
+              <a:rPr lang="en-US" altLang="zh-CN" dirty="0">
                 <a:solidFill>
                   <a:schemeClr val="tx1">
                     <a:lumMod val="65000"/>
@@ -30296,72 +30361,7 @@
                 <a:latin typeface="微软雅黑 Light" panose="020B0502040204020203" pitchFamily="34" charset="-122"/>
                 <a:ea typeface="微软雅黑 Light" panose="020B0502040204020203" pitchFamily="34" charset="-122"/>
               </a:rPr>
-              <a:t>inv</a:t>
-            </a:r>
-            <a:r>
-              <a:rPr lang="en-US" altLang="zh-CN" dirty="0">
-                <a:solidFill>
-                  <a:schemeClr val="tx1">
-                    <a:lumMod val="65000"/>
-                    <a:lumOff val="35000"/>
-                  </a:schemeClr>
-                </a:solidFill>
-                <a:latin typeface="微软雅黑 Light" panose="020B0502040204020203" pitchFamily="34" charset="-122"/>
-                <a:ea typeface="微软雅黑 Light" panose="020B0502040204020203" pitchFamily="34" charset="-122"/>
-              </a:rPr>
-              <a:t>(</a:t>
-            </a:r>
-            <a:r>
-              <a:rPr lang="en-US" altLang="zh-CN" dirty="0" err="1">
-                <a:solidFill>
-                  <a:schemeClr val="tx1">
-                    <a:lumMod val="65000"/>
-                    <a:lumOff val="35000"/>
-                  </a:schemeClr>
-                </a:solidFill>
-                <a:latin typeface="微软雅黑 Light" panose="020B0502040204020203" pitchFamily="34" charset="-122"/>
-                <a:ea typeface="微软雅黑 Light" panose="020B0502040204020203" pitchFamily="34" charset="-122"/>
-              </a:rPr>
-              <a:t>const</a:t>
-            </a:r>
-            <a:r>
-              <a:rPr lang="en-US" altLang="zh-CN" dirty="0">
-                <a:solidFill>
-                  <a:schemeClr val="tx1">
-                    <a:lumMod val="65000"/>
-                    <a:lumOff val="35000"/>
-                  </a:schemeClr>
-                </a:solidFill>
-                <a:latin typeface="微软雅黑 Light" panose="020B0502040204020203" pitchFamily="34" charset="-122"/>
-                <a:ea typeface="微软雅黑 Light" panose="020B0502040204020203" pitchFamily="34" charset="-122"/>
-              </a:rPr>
-              <a:t> </a:t>
-            </a:r>
-            <a:r>
-              <a:rPr lang="en-US" altLang="zh-CN" dirty="0" err="1">
-                <a:solidFill>
-                  <a:schemeClr val="tx1">
-                    <a:lumMod val="65000"/>
-                    <a:lumOff val="35000"/>
-                  </a:schemeClr>
-                </a:solidFill>
-                <a:latin typeface="微软雅黑 Light" panose="020B0502040204020203" pitchFamily="34" charset="-122"/>
-                <a:ea typeface="微软雅黑 Light" panose="020B0502040204020203" pitchFamily="34" charset="-122"/>
-              </a:rPr>
-              <a:t>GQuater</a:t>
-            </a:r>
-            <a:r>
-              <a:rPr lang="en-US" altLang="zh-CN" dirty="0">
-                <a:solidFill>
-                  <a:schemeClr val="tx1">
-                    <a:lumMod val="65000"/>
-                    <a:lumOff val="35000"/>
-                  </a:schemeClr>
-                </a:solidFill>
-                <a:latin typeface="微软雅黑 Light" panose="020B0502040204020203" pitchFamily="34" charset="-122"/>
-                <a:ea typeface="微软雅黑 Light" panose="020B0502040204020203" pitchFamily="34" charset="-122"/>
-              </a:rPr>
-              <a:t> &amp;q);</a:t>
+              <a:t>();</a:t>
             </a:r>
           </a:p>
         </p:txBody>
@@ -30369,7 +30369,7 @@
     </p:spTree>
     <p:extLst>
       <p:ext uri="{BB962C8B-B14F-4D97-AF65-F5344CB8AC3E}">
-        <p14:creationId xmlns:p14="http://schemas.microsoft.com/office/powerpoint/2010/main" val="1567199000"/>
+        <p14:creationId xmlns:p14="http://schemas.microsoft.com/office/powerpoint/2010/main" val="3282195251"/>
       </p:ext>
     </p:extLst>
   </p:cSld>

--- a/PPT/C++练习.pptx
+++ b/PPT/C++练习.pptx
@@ -8,7 +8,7 @@
     <p:notesMasterId r:id="rId32"/>
   </p:notesMasterIdLst>
   <p:sldIdLst>
-    <p:sldId id="256" r:id="rId2"/>
+    <p:sldId id="288" r:id="rId2"/>
     <p:sldId id="260" r:id="rId3"/>
     <p:sldId id="257" r:id="rId4"/>
     <p:sldId id="261" r:id="rId5"/>
@@ -37,7 +37,7 @@
     <p:sldId id="285" r:id="rId28"/>
     <p:sldId id="287" r:id="rId29"/>
     <p:sldId id="286" r:id="rId30"/>
-    <p:sldId id="259" r:id="rId31"/>
+    <p:sldId id="289" r:id="rId31"/>
   </p:sldIdLst>
   <p:sldSz cx="9144000" cy="5143500" type="screen16x9"/>
   <p:notesSz cx="6858000" cy="9144000"/>
@@ -353,7 +353,7 @@
               <a:pPr>
                 <a:defRPr/>
               </a:pPr>
-              <a:t>2017/9/28</a:t>
+              <a:t>2017/10/9</a:t>
             </a:fld>
             <a:endParaRPr lang="zh-CN" altLang="en-US" sz="1200"/>
           </a:p>
@@ -3201,66 +3201,6 @@
           <a:chExt cx="0" cy="0"/>
         </a:xfrm>
       </p:grpSpPr>
-      <p:pic>
-        <p:nvPicPr>
-          <p:cNvPr id="2050" name="Picture 2" descr="D:\work\CSDN学院ppt\5.jpg">
-            <a:extLst>
-              <a:ext uri="{FF2B5EF4-FFF2-40B4-BE49-F238E27FC236}">
-                <a16:creationId xmlns:a16="http://schemas.microsoft.com/office/drawing/2014/main" id="{736691C9-DDCA-49F7-B495-F8B240079F98}"/>
-              </a:ext>
-            </a:extLst>
-          </p:cNvPr>
-          <p:cNvPicPr>
-            <a:picLocks noChangeAspect="1" noChangeArrowheads="1"/>
-          </p:cNvPicPr>
-          <p:nvPr/>
-        </p:nvPicPr>
-        <p:blipFill>
-          <a:blip r:embed="rId2">
-            <a:extLst>
-              <a:ext uri="{28A0092B-C50C-407E-A947-70E740481C1C}">
-                <a14:useLocalDpi xmlns:a14="http://schemas.microsoft.com/office/drawing/2010/main" val="0"/>
-              </a:ext>
-            </a:extLst>
-          </a:blip>
-          <a:srcRect/>
-          <a:stretch>
-            <a:fillRect/>
-          </a:stretch>
-        </p:blipFill>
-        <p:spPr bwMode="auto">
-          <a:xfrm>
-            <a:off x="0" y="0"/>
-            <a:ext cx="9140825" cy="5141913"/>
-          </a:xfrm>
-          <a:prstGeom prst="rect">
-            <a:avLst/>
-          </a:prstGeom>
-          <a:noFill/>
-          <a:ln>
-            <a:noFill/>
-          </a:ln>
-          <a:extLst>
-            <a:ext uri="{909E8E84-426E-40DD-AFC4-6F175D3DCCD1}">
-              <a14:hiddenFill xmlns:a14="http://schemas.microsoft.com/office/drawing/2010/main">
-                <a:solidFill>
-                  <a:srgbClr val="FFFFFF"/>
-                </a:solidFill>
-              </a14:hiddenFill>
-            </a:ext>
-            <a:ext uri="{91240B29-F687-4F45-9708-019B960494DF}">
-              <a14:hiddenLine xmlns:a14="http://schemas.microsoft.com/office/drawing/2010/main" w="9525">
-                <a:solidFill>
-                  <a:srgbClr val="000000"/>
-                </a:solidFill>
-                <a:miter lim="800000"/>
-                <a:headEnd/>
-                <a:tailEnd/>
-              </a14:hiddenLine>
-            </a:ext>
-          </a:extLst>
-        </p:spPr>
-      </p:pic>
       <p:sp>
         <p:nvSpPr>
           <p:cNvPr id="3075" name="Title 1">
@@ -3319,27 +3259,6 @@
               <a:buNone/>
               <a:defRPr/>
             </a:pPr>
-            <a:endParaRPr lang="en-US" altLang="zh-CN" sz="4800" dirty="0">
-              <a:solidFill>
-                <a:schemeClr val="tx1">
-                  <a:lumMod val="65000"/>
-                  <a:lumOff val="35000"/>
-                </a:schemeClr>
-              </a:solidFill>
-              <a:latin typeface="微软雅黑" panose="020B0503020204020204" pitchFamily="34" charset="-122"/>
-              <a:ea typeface="微软雅黑" panose="020B0503020204020204" pitchFamily="34" charset="-122"/>
-              <a:sym typeface="微软雅黑" panose="020B0503020204020204" pitchFamily="34" charset="-122"/>
-            </a:endParaRPr>
-          </a:p>
-          <a:p>
-            <a:pPr algn="ctr" eaLnBrk="1" hangingPunct="1">
-              <a:lnSpc>
-                <a:spcPct val="90000"/>
-              </a:lnSpc>
-              <a:buFont typeface="Arial" panose="020B0604020202020204" pitchFamily="34" charset="0"/>
-              <a:buNone/>
-              <a:defRPr/>
-            </a:pPr>
             <a:r>
               <a:rPr lang="en-US" altLang="zh-CN" sz="4800" dirty="0">
                 <a:solidFill>
@@ -3369,220 +3288,6 @@
               <a:t>编程实践</a:t>
             </a:r>
             <a:endParaRPr lang="en-US" altLang="zh-CN" sz="4800" dirty="0">
-              <a:solidFill>
-                <a:schemeClr val="tx1">
-                  <a:lumMod val="65000"/>
-                  <a:lumOff val="35000"/>
-                </a:schemeClr>
-              </a:solidFill>
-              <a:latin typeface="微软雅黑" panose="020B0503020204020204" pitchFamily="34" charset="-122"/>
-              <a:ea typeface="微软雅黑" panose="020B0503020204020204" pitchFamily="34" charset="-122"/>
-              <a:sym typeface="微软雅黑" panose="020B0503020204020204" pitchFamily="34" charset="-122"/>
-            </a:endParaRPr>
-          </a:p>
-        </p:txBody>
-      </p:sp>
-      <p:sp>
-        <p:nvSpPr>
-          <p:cNvPr id="2052" name="文本框 4">
-            <a:extLst>
-              <a:ext uri="{FF2B5EF4-FFF2-40B4-BE49-F238E27FC236}">
-                <a16:creationId xmlns:a16="http://schemas.microsoft.com/office/drawing/2014/main" id="{C9201F73-94F1-495D-9050-ACB50FD65D99}"/>
-              </a:ext>
-            </a:extLst>
-          </p:cNvPr>
-          <p:cNvSpPr>
-            <a:spLocks noChangeArrowheads="1"/>
-          </p:cNvSpPr>
-          <p:nvPr/>
-        </p:nvSpPr>
-        <p:spPr bwMode="auto">
-          <a:xfrm>
-            <a:off x="4473575" y="2787650"/>
-            <a:ext cx="4202113" cy="336695"/>
-          </a:xfrm>
-          <a:prstGeom prst="rect">
-            <a:avLst/>
-          </a:prstGeom>
-          <a:noFill/>
-          <a:ln>
-            <a:noFill/>
-          </a:ln>
-          <a:extLst>
-            <a:ext uri="{909E8E84-426E-40DD-AFC4-6F175D3DCCD1}">
-              <a14:hiddenFill xmlns:a14="http://schemas.microsoft.com/office/drawing/2010/main">
-                <a:solidFill>
-                  <a:srgbClr val="FFFFFF"/>
-                </a:solidFill>
-              </a14:hiddenFill>
-            </a:ext>
-            <a:ext uri="{91240B29-F687-4F45-9708-019B960494DF}">
-              <a14:hiddenLine xmlns:a14="http://schemas.microsoft.com/office/drawing/2010/main" w="9525">
-                <a:solidFill>
-                  <a:srgbClr val="000000"/>
-                </a:solidFill>
-                <a:miter lim="800000"/>
-                <a:headEnd/>
-                <a:tailEnd/>
-              </a14:hiddenLine>
-            </a:ext>
-          </a:extLst>
-        </p:spPr>
-        <p:txBody>
-          <a:bodyPr>
-            <a:spAutoFit/>
-          </a:bodyPr>
-          <a:lstStyle>
-            <a:lvl1pPr>
-              <a:buFont typeface="Arial" panose="020B0604020202020204" pitchFamily="34" charset="0"/>
-              <a:defRPr>
-                <a:solidFill>
-                  <a:schemeClr val="tx1"/>
-                </a:solidFill>
-                <a:latin typeface="Arial" panose="020B0604020202020204" pitchFamily="34" charset="0"/>
-                <a:ea typeface="宋体" panose="02010600030101010101" pitchFamily="2" charset="-122"/>
-              </a:defRPr>
-            </a:lvl1pPr>
-            <a:lvl2pPr marL="742950" indent="-285750">
-              <a:buFont typeface="Arial" panose="020B0604020202020204" pitchFamily="34" charset="0"/>
-              <a:defRPr>
-                <a:solidFill>
-                  <a:schemeClr val="tx1"/>
-                </a:solidFill>
-                <a:latin typeface="Arial" panose="020B0604020202020204" pitchFamily="34" charset="0"/>
-                <a:ea typeface="宋体" panose="02010600030101010101" pitchFamily="2" charset="-122"/>
-              </a:defRPr>
-            </a:lvl2pPr>
-            <a:lvl3pPr marL="1143000" indent="-228600">
-              <a:buFont typeface="Arial" panose="020B0604020202020204" pitchFamily="34" charset="0"/>
-              <a:defRPr>
-                <a:solidFill>
-                  <a:schemeClr val="tx1"/>
-                </a:solidFill>
-                <a:latin typeface="Arial" panose="020B0604020202020204" pitchFamily="34" charset="0"/>
-                <a:ea typeface="宋体" panose="02010600030101010101" pitchFamily="2" charset="-122"/>
-              </a:defRPr>
-            </a:lvl3pPr>
-            <a:lvl4pPr marL="1600200" indent="-228600">
-              <a:buFont typeface="Arial" panose="020B0604020202020204" pitchFamily="34" charset="0"/>
-              <a:defRPr>
-                <a:solidFill>
-                  <a:schemeClr val="tx1"/>
-                </a:solidFill>
-                <a:latin typeface="Arial" panose="020B0604020202020204" pitchFamily="34" charset="0"/>
-                <a:ea typeface="宋体" panose="02010600030101010101" pitchFamily="2" charset="-122"/>
-              </a:defRPr>
-            </a:lvl4pPr>
-            <a:lvl5pPr marL="2057400" indent="-228600">
-              <a:buFont typeface="Arial" panose="020B0604020202020204" pitchFamily="34" charset="0"/>
-              <a:defRPr>
-                <a:solidFill>
-                  <a:schemeClr val="tx1"/>
-                </a:solidFill>
-                <a:latin typeface="Arial" panose="020B0604020202020204" pitchFamily="34" charset="0"/>
-                <a:ea typeface="宋体" panose="02010600030101010101" pitchFamily="2" charset="-122"/>
-              </a:defRPr>
-            </a:lvl5pPr>
-            <a:lvl6pPr marL="2514600" indent="-228600" eaLnBrk="0" fontAlgn="base" hangingPunct="0">
-              <a:spcBef>
-                <a:spcPct val="0"/>
-              </a:spcBef>
-              <a:spcAft>
-                <a:spcPct val="0"/>
-              </a:spcAft>
-              <a:buFont typeface="Arial" panose="020B0604020202020204" pitchFamily="34" charset="0"/>
-              <a:defRPr>
-                <a:solidFill>
-                  <a:schemeClr val="tx1"/>
-                </a:solidFill>
-                <a:latin typeface="Arial" panose="020B0604020202020204" pitchFamily="34" charset="0"/>
-                <a:ea typeface="宋体" panose="02010600030101010101" pitchFamily="2" charset="-122"/>
-              </a:defRPr>
-            </a:lvl6pPr>
-            <a:lvl7pPr marL="2971800" indent="-228600" eaLnBrk="0" fontAlgn="base" hangingPunct="0">
-              <a:spcBef>
-                <a:spcPct val="0"/>
-              </a:spcBef>
-              <a:spcAft>
-                <a:spcPct val="0"/>
-              </a:spcAft>
-              <a:buFont typeface="Arial" panose="020B0604020202020204" pitchFamily="34" charset="0"/>
-              <a:defRPr>
-                <a:solidFill>
-                  <a:schemeClr val="tx1"/>
-                </a:solidFill>
-                <a:latin typeface="Arial" panose="020B0604020202020204" pitchFamily="34" charset="0"/>
-                <a:ea typeface="宋体" panose="02010600030101010101" pitchFamily="2" charset="-122"/>
-              </a:defRPr>
-            </a:lvl7pPr>
-            <a:lvl8pPr marL="3429000" indent="-228600" eaLnBrk="0" fontAlgn="base" hangingPunct="0">
-              <a:spcBef>
-                <a:spcPct val="0"/>
-              </a:spcBef>
-              <a:spcAft>
-                <a:spcPct val="0"/>
-              </a:spcAft>
-              <a:buFont typeface="Arial" panose="020B0604020202020204" pitchFamily="34" charset="0"/>
-              <a:defRPr>
-                <a:solidFill>
-                  <a:schemeClr val="tx1"/>
-                </a:solidFill>
-                <a:latin typeface="Arial" panose="020B0604020202020204" pitchFamily="34" charset="0"/>
-                <a:ea typeface="宋体" panose="02010600030101010101" pitchFamily="2" charset="-122"/>
-              </a:defRPr>
-            </a:lvl8pPr>
-            <a:lvl9pPr marL="3886200" indent="-228600" eaLnBrk="0" fontAlgn="base" hangingPunct="0">
-              <a:spcBef>
-                <a:spcPct val="0"/>
-              </a:spcBef>
-              <a:spcAft>
-                <a:spcPct val="0"/>
-              </a:spcAft>
-              <a:buFont typeface="Arial" panose="020B0604020202020204" pitchFamily="34" charset="0"/>
-              <a:defRPr>
-                <a:solidFill>
-                  <a:schemeClr val="tx1"/>
-                </a:solidFill>
-                <a:latin typeface="Arial" panose="020B0604020202020204" pitchFamily="34" charset="0"/>
-                <a:ea typeface="宋体" panose="02010600030101010101" pitchFamily="2" charset="-122"/>
-              </a:defRPr>
-            </a:lvl9pPr>
-          </a:lstStyle>
-          <a:p>
-            <a:pPr eaLnBrk="1" hangingPunct="1">
-              <a:lnSpc>
-                <a:spcPct val="150000"/>
-              </a:lnSpc>
-            </a:pPr>
-            <a:r>
-              <a:rPr lang="en-US" altLang="zh-CN" sz="1200" dirty="0">
-                <a:solidFill>
-                  <a:schemeClr val="tx1">
-                    <a:lumMod val="65000"/>
-                    <a:lumOff val="35000"/>
-                  </a:schemeClr>
-                </a:solidFill>
-                <a:latin typeface="微软雅黑" panose="020B0503020204020204" pitchFamily="34" charset="-122"/>
-                <a:ea typeface="微软雅黑" panose="020B0503020204020204" pitchFamily="34" charset="-122"/>
-                <a:sym typeface="微软雅黑" panose="020B0503020204020204" pitchFamily="34" charset="-122"/>
-              </a:rPr>
-              <a:t>CSDN</a:t>
-            </a:r>
-            <a:r>
-              <a:rPr lang="zh-CN" altLang="en-US" sz="1200" dirty="0">
-                <a:solidFill>
-                  <a:schemeClr val="tx1">
-                    <a:lumMod val="65000"/>
-                    <a:lumOff val="35000"/>
-                  </a:schemeClr>
-                </a:solidFill>
-                <a:latin typeface="微软雅黑" panose="020B0503020204020204" pitchFamily="34" charset="-122"/>
-                <a:ea typeface="微软雅黑" panose="020B0503020204020204" pitchFamily="34" charset="-122"/>
-                <a:sym typeface="微软雅黑" panose="020B0503020204020204" pitchFamily="34" charset="-122"/>
-              </a:rPr>
-              <a:t>博客地址</a:t>
-            </a:r>
-            <a:endParaRPr lang="en-US" altLang="zh-CN" sz="1200" dirty="0">
               <a:solidFill>
                 <a:schemeClr val="tx1">
                   <a:lumMod val="65000"/>
@@ -3601,7 +3306,7 @@
           <p:cNvPr id="2053" name="矩形 6">
             <a:extLst>
               <a:ext uri="{FF2B5EF4-FFF2-40B4-BE49-F238E27FC236}">
-                <a16:creationId xmlns:a16="http://schemas.microsoft.com/office/drawing/2014/main" id="{FB77DFCE-9043-42D7-BD57-B1A31B8718D3}"/>
+                <a16:creationId xmlns:a16="http://schemas.microsoft.com/office/drawing/2014/main" id="{B6D1BE42-F098-437C-9215-32B167654286}"/>
               </a:ext>
             </a:extLst>
           </p:cNvPr>
@@ -3772,7 +3477,7 @@
           <p:cNvPr id="2054" name="矩形 7">
             <a:extLst>
               <a:ext uri="{FF2B5EF4-FFF2-40B4-BE49-F238E27FC236}">
-                <a16:creationId xmlns:a16="http://schemas.microsoft.com/office/drawing/2014/main" id="{8ACB1FD7-669E-4878-A177-7A0EBF8D7AA2}"/>
+                <a16:creationId xmlns:a16="http://schemas.microsoft.com/office/drawing/2014/main" id="{97A2F271-8B12-4465-82A9-8CCD51D27912}"/>
               </a:ext>
             </a:extLst>
           </p:cNvPr>
@@ -3981,10 +3686,10 @@
       </p:sp>
       <p:sp>
         <p:nvSpPr>
-          <p:cNvPr id="2055" name="文本框 6">
+          <p:cNvPr id="12" name="矩形 6">
             <a:extLst>
               <a:ext uri="{FF2B5EF4-FFF2-40B4-BE49-F238E27FC236}">
-                <a16:creationId xmlns:a16="http://schemas.microsoft.com/office/drawing/2014/main" id="{BDE8A730-D279-476D-A3B2-A60703C46AD9}"/>
+                <a16:creationId xmlns:a16="http://schemas.microsoft.com/office/drawing/2014/main" id="{0E39F71D-14AF-466F-80F7-D013332A6BF5}"/>
               </a:ext>
             </a:extLst>
           </p:cNvPr>
@@ -3995,30 +3700,25 @@
         </p:nvSpPr>
         <p:spPr bwMode="auto">
           <a:xfrm>
-            <a:off x="4500563" y="3230563"/>
-            <a:ext cx="2735262" cy="276225"/>
+            <a:off x="0" y="4622222"/>
+            <a:ext cx="9144000" cy="538162"/>
           </a:xfrm>
           <a:prstGeom prst="rect">
             <a:avLst/>
           </a:prstGeom>
-          <a:noFill/>
+          <a:solidFill>
+            <a:srgbClr val="C00000"/>
+          </a:solidFill>
           <a:ln>
             <a:noFill/>
           </a:ln>
           <a:extLst>
-            <a:ext uri="{909E8E84-426E-40DD-AFC4-6F175D3DCCD1}">
-              <a14:hiddenFill xmlns:a14="http://schemas.microsoft.com/office/drawing/2010/main">
-                <a:solidFill>
-                  <a:srgbClr val="FFFFFF"/>
-                </a:solidFill>
-              </a14:hiddenFill>
-            </a:ext>
             <a:ext uri="{91240B29-F687-4F45-9708-019B960494DF}">
-              <a14:hiddenLine xmlns:a14="http://schemas.microsoft.com/office/drawing/2010/main" w="9525">
-                <a:solidFill>
-                  <a:srgbClr val="000000"/>
-                </a:solidFill>
-                <a:miter lim="800000"/>
+              <a14:hiddenLine xmlns:a14="http://schemas.microsoft.com/office/drawing/2010/main" w="25400">
+                <a:solidFill>
+                  <a:srgbClr val="395E8A"/>
+                </a:solidFill>
+                <a:bevel/>
                 <a:headEnd/>
                 <a:tailEnd/>
               </a14:hiddenLine>
@@ -4026,9 +3726,7 @@
           </a:extLst>
         </p:spPr>
         <p:txBody>
-          <a:bodyPr>
-            <a:spAutoFit/>
-          </a:bodyPr>
+          <a:bodyPr anchor="ctr"/>
           <a:lstStyle>
             <a:lvl1pPr>
               <a:buFont typeface="Arial" panose="020B0604020202020204" pitchFamily="34" charset="0"/>
@@ -4146,106 +3844,99 @@
             </a:lvl9pPr>
           </a:lstStyle>
           <a:p>
-            <a:pPr eaLnBrk="1" hangingPunct="1"/>
-            <a:r>
-              <a:rPr lang="en-US" altLang="zh-CN" sz="1200" dirty="0">
-                <a:solidFill>
-                  <a:schemeClr val="tx1">
-                    <a:lumMod val="65000"/>
-                    <a:lumOff val="35000"/>
-                  </a:schemeClr>
-                </a:solidFill>
-                <a:latin typeface="微软雅黑" panose="020B0503020204020204" pitchFamily="34" charset="-122"/>
-                <a:ea typeface="微软雅黑" panose="020B0503020204020204" pitchFamily="34" charset="-122"/>
-                <a:sym typeface="微软雅黑" panose="020B0503020204020204" pitchFamily="34" charset="-122"/>
-              </a:rPr>
-              <a:t>http://blog.csdn.net/zhangci226</a:t>
-            </a:r>
-            <a:endParaRPr lang="zh-CN" altLang="en-US" sz="1200" dirty="0">
+            <a:pPr algn="ctr" eaLnBrk="1" hangingPunct="1"/>
+            <a:endParaRPr lang="zh-CN" altLang="zh-CN">
               <a:solidFill>
-                <a:schemeClr val="tx1">
-                  <a:lumMod val="65000"/>
-                  <a:lumOff val="35000"/>
-                </a:schemeClr>
+                <a:srgbClr val="FFFFFF"/>
               </a:solidFill>
-              <a:latin typeface="微软雅黑" panose="020B0503020204020204" pitchFamily="34" charset="-122"/>
-              <a:ea typeface="微软雅黑" panose="020B0503020204020204" pitchFamily="34" charset="-122"/>
-              <a:sym typeface="微软雅黑" panose="020B0503020204020204" pitchFamily="34" charset="-122"/>
+              <a:latin typeface="宋体" panose="02010600030101010101" pitchFamily="2" charset="-122"/>
+              <a:sym typeface="宋体" panose="02010600030101010101" pitchFamily="2" charset="-122"/>
             </a:endParaRPr>
           </a:p>
         </p:txBody>
       </p:sp>
       <p:pic>
         <p:nvPicPr>
-          <p:cNvPr id="2056" name="Picture 2">
+          <p:cNvPr id="3" name="图片 2">
             <a:extLst>
               <a:ext uri="{FF2B5EF4-FFF2-40B4-BE49-F238E27FC236}">
-                <a16:creationId xmlns:a16="http://schemas.microsoft.com/office/drawing/2014/main" id="{8D614DD1-BBF4-4B86-95D7-98E1C330D7E0}"/>
+                <a16:creationId xmlns:a16="http://schemas.microsoft.com/office/drawing/2014/main" id="{583004D2-6E63-4036-ACDD-0910B14D3FCA}"/>
               </a:ext>
             </a:extLst>
           </p:cNvPr>
           <p:cNvPicPr>
-            <a:picLocks noChangeAspect="1" noChangeArrowheads="1"/>
+            <a:picLocks noChangeAspect="1"/>
           </p:cNvPicPr>
           <p:nvPr/>
         </p:nvPicPr>
         <p:blipFill>
-          <a:blip r:embed="rId3">
+          <a:blip r:embed="rId2">
             <a:extLst>
               <a:ext uri="{28A0092B-C50C-407E-A947-70E740481C1C}">
                 <a14:useLocalDpi xmlns:a14="http://schemas.microsoft.com/office/drawing/2010/main" val="0"/>
               </a:ext>
             </a:extLst>
           </a:blip>
-          <a:srcRect/>
           <a:stretch>
             <a:fillRect/>
           </a:stretch>
         </p:blipFill>
-        <p:spPr bwMode="auto">
+        <p:spPr>
           <a:xfrm>
-            <a:off x="107950" y="123825"/>
-            <a:ext cx="1296988" cy="539750"/>
+            <a:off x="251641" y="267559"/>
+            <a:ext cx="3379278" cy="4173683"/>
           </a:xfrm>
           <a:prstGeom prst="rect">
             <a:avLst/>
           </a:prstGeom>
-          <a:noFill/>
-          <a:ln>
-            <a:noFill/>
-          </a:ln>
-          <a:effectLst/>
-          <a:extLst>
-            <a:ext uri="{909E8E84-426E-40DD-AFC4-6F175D3DCCD1}">
-              <a14:hiddenFill xmlns:a14="http://schemas.microsoft.com/office/drawing/2010/main">
-                <a:solidFill>
-                  <a:srgbClr val="FFFFFF"/>
-                </a:solidFill>
-              </a14:hiddenFill>
-            </a:ext>
-            <a:ext uri="{91240B29-F687-4F45-9708-019B960494DF}">
-              <a14:hiddenLine xmlns:a14="http://schemas.microsoft.com/office/drawing/2010/main" w="9525">
-                <a:solidFill>
-                  <a:srgbClr val="000000"/>
-                </a:solidFill>
-                <a:bevel/>
-                <a:headEnd/>
-                <a:tailEnd/>
-              </a14:hiddenLine>
-            </a:ext>
-            <a:ext uri="{AF507438-7753-43E0-B8FC-AC1667EBCBE1}">
-              <a14:hiddenEffects xmlns:a14="http://schemas.microsoft.com/office/drawing/2010/main">
-                <a:effectLst>
-                  <a:outerShdw dist="35921" dir="2700000" algn="ctr" rotWithShape="0">
-                    <a:srgbClr val="808080"/>
-                  </a:outerShdw>
-                </a:effectLst>
-              </a14:hiddenEffects>
-            </a:ext>
-          </a:extLst>
         </p:spPr>
       </p:pic>
+      <p:sp>
+        <p:nvSpPr>
+          <p:cNvPr id="4" name="矩形 3">
+            <a:extLst>
+              <a:ext uri="{FF2B5EF4-FFF2-40B4-BE49-F238E27FC236}">
+                <a16:creationId xmlns:a16="http://schemas.microsoft.com/office/drawing/2014/main" id="{4216CA4C-6561-4063-B20A-0403314CB7B8}"/>
+              </a:ext>
+            </a:extLst>
+          </p:cNvPr>
+          <p:cNvSpPr/>
+          <p:nvPr/>
+        </p:nvSpPr>
+        <p:spPr>
+          <a:xfrm>
+            <a:off x="6712629" y="4722628"/>
+            <a:ext cx="2431371" cy="369332"/>
+          </a:xfrm>
+          <a:prstGeom prst="rect">
+            <a:avLst/>
+          </a:prstGeom>
+        </p:spPr>
+        <p:txBody>
+          <a:bodyPr wrap="none">
+            <a:spAutoFit/>
+          </a:bodyPr>
+          <a:lstStyle/>
+          <a:p>
+            <a:r>
+              <a:rPr lang="en-US" altLang="zh-CN" dirty="0">
+                <a:solidFill>
+                  <a:srgbClr val="FFFFFF"/>
+                </a:solidFill>
+                <a:latin typeface="MicrosoftYaHei"/>
+              </a:rPr>
+              <a:t>GRAPHICS LABORATORY</a:t>
+            </a:r>
+            <a:endParaRPr lang="zh-CN" altLang="en-US" dirty="0"/>
+          </a:p>
+        </p:txBody>
+      </p:sp>
     </p:spTree>
+    <p:extLst>
+      <p:ext uri="{BB962C8B-B14F-4D97-AF65-F5344CB8AC3E}">
+        <p14:creationId xmlns:p14="http://schemas.microsoft.com/office/powerpoint/2010/main" val="2211701857"/>
+      </p:ext>
+    </p:extLst>
   </p:cSld>
   <p:clrMapOvr>
     <a:masterClrMapping/>
@@ -4270,76 +3961,6 @@
           <a:chExt cx="0" cy="0"/>
         </a:xfrm>
       </p:grpSpPr>
-      <p:pic>
-        <p:nvPicPr>
-          <p:cNvPr id="3074" name="Picture 2">
-            <a:extLst>
-              <a:ext uri="{FF2B5EF4-FFF2-40B4-BE49-F238E27FC236}">
-                <a16:creationId xmlns:a16="http://schemas.microsoft.com/office/drawing/2014/main" id="{602C339E-BA86-4A21-AB6C-4F6D8491BC39}"/>
-              </a:ext>
-            </a:extLst>
-          </p:cNvPr>
-          <p:cNvPicPr>
-            <a:picLocks noChangeAspect="1" noChangeArrowheads="1"/>
-          </p:cNvPicPr>
-          <p:nvPr/>
-        </p:nvPicPr>
-        <p:blipFill>
-          <a:blip r:embed="rId2">
-            <a:extLst>
-              <a:ext uri="{28A0092B-C50C-407E-A947-70E740481C1C}">
-                <a14:useLocalDpi xmlns:a14="http://schemas.microsoft.com/office/drawing/2010/main" val="0"/>
-              </a:ext>
-            </a:extLst>
-          </a:blip>
-          <a:srcRect/>
-          <a:stretch>
-            <a:fillRect/>
-          </a:stretch>
-        </p:blipFill>
-        <p:spPr bwMode="auto">
-          <a:xfrm>
-            <a:off x="7956550" y="4606925"/>
-            <a:ext cx="1081088" cy="450850"/>
-          </a:xfrm>
-          <a:prstGeom prst="rect">
-            <a:avLst/>
-          </a:prstGeom>
-          <a:noFill/>
-          <a:ln>
-            <a:noFill/>
-          </a:ln>
-          <a:effectLst/>
-          <a:extLst>
-            <a:ext uri="{909E8E84-426E-40DD-AFC4-6F175D3DCCD1}">
-              <a14:hiddenFill xmlns:a14="http://schemas.microsoft.com/office/drawing/2010/main">
-                <a:solidFill>
-                  <a:srgbClr val="FFFFFF"/>
-                </a:solidFill>
-              </a14:hiddenFill>
-            </a:ext>
-            <a:ext uri="{91240B29-F687-4F45-9708-019B960494DF}">
-              <a14:hiddenLine xmlns:a14="http://schemas.microsoft.com/office/drawing/2010/main" w="9525">
-                <a:solidFill>
-                  <a:srgbClr val="000000"/>
-                </a:solidFill>
-                <a:miter lim="800000"/>
-                <a:headEnd/>
-                <a:tailEnd/>
-              </a14:hiddenLine>
-            </a:ext>
-            <a:ext uri="{AF507438-7753-43E0-B8FC-AC1667EBCBE1}">
-              <a14:hiddenEffects xmlns:a14="http://schemas.microsoft.com/office/drawing/2010/main">
-                <a:effectLst>
-                  <a:outerShdw dist="35921" dir="2700000" algn="ctr" rotWithShape="0">
-                    <a:srgbClr val="808080"/>
-                  </a:outerShdw>
-                </a:effectLst>
-              </a14:hiddenEffects>
-            </a:ext>
-          </a:extLst>
-        </p:spPr>
-      </p:pic>
       <p:sp>
         <p:nvSpPr>
           <p:cNvPr id="3075" name="Title 1">
@@ -6259,76 +5880,6 @@
           <a:chExt cx="0" cy="0"/>
         </a:xfrm>
       </p:grpSpPr>
-      <p:pic>
-        <p:nvPicPr>
-          <p:cNvPr id="3074" name="Picture 2">
-            <a:extLst>
-              <a:ext uri="{FF2B5EF4-FFF2-40B4-BE49-F238E27FC236}">
-                <a16:creationId xmlns:a16="http://schemas.microsoft.com/office/drawing/2014/main" id="{602C339E-BA86-4A21-AB6C-4F6D8491BC39}"/>
-              </a:ext>
-            </a:extLst>
-          </p:cNvPr>
-          <p:cNvPicPr>
-            <a:picLocks noChangeAspect="1" noChangeArrowheads="1"/>
-          </p:cNvPicPr>
-          <p:nvPr/>
-        </p:nvPicPr>
-        <p:blipFill>
-          <a:blip r:embed="rId2">
-            <a:extLst>
-              <a:ext uri="{28A0092B-C50C-407E-A947-70E740481C1C}">
-                <a14:useLocalDpi xmlns:a14="http://schemas.microsoft.com/office/drawing/2010/main" val="0"/>
-              </a:ext>
-            </a:extLst>
-          </a:blip>
-          <a:srcRect/>
-          <a:stretch>
-            <a:fillRect/>
-          </a:stretch>
-        </p:blipFill>
-        <p:spPr bwMode="auto">
-          <a:xfrm>
-            <a:off x="7956550" y="4606925"/>
-            <a:ext cx="1081088" cy="450850"/>
-          </a:xfrm>
-          <a:prstGeom prst="rect">
-            <a:avLst/>
-          </a:prstGeom>
-          <a:noFill/>
-          <a:ln>
-            <a:noFill/>
-          </a:ln>
-          <a:effectLst/>
-          <a:extLst>
-            <a:ext uri="{909E8E84-426E-40DD-AFC4-6F175D3DCCD1}">
-              <a14:hiddenFill xmlns:a14="http://schemas.microsoft.com/office/drawing/2010/main">
-                <a:solidFill>
-                  <a:srgbClr val="FFFFFF"/>
-                </a:solidFill>
-              </a14:hiddenFill>
-            </a:ext>
-            <a:ext uri="{91240B29-F687-4F45-9708-019B960494DF}">
-              <a14:hiddenLine xmlns:a14="http://schemas.microsoft.com/office/drawing/2010/main" w="9525">
-                <a:solidFill>
-                  <a:srgbClr val="000000"/>
-                </a:solidFill>
-                <a:miter lim="800000"/>
-                <a:headEnd/>
-                <a:tailEnd/>
-              </a14:hiddenLine>
-            </a:ext>
-            <a:ext uri="{AF507438-7753-43E0-B8FC-AC1667EBCBE1}">
-              <a14:hiddenEffects xmlns:a14="http://schemas.microsoft.com/office/drawing/2010/main">
-                <a:effectLst>
-                  <a:outerShdw dist="35921" dir="2700000" algn="ctr" rotWithShape="0">
-                    <a:srgbClr val="808080"/>
-                  </a:outerShdw>
-                </a:effectLst>
-              </a14:hiddenEffects>
-            </a:ext>
-          </a:extLst>
-        </p:spPr>
-      </p:pic>
       <p:sp>
         <p:nvSpPr>
           <p:cNvPr id="3075" name="Title 1">
@@ -8706,76 +8257,6 @@
           <a:chExt cx="0" cy="0"/>
         </a:xfrm>
       </p:grpSpPr>
-      <p:pic>
-        <p:nvPicPr>
-          <p:cNvPr id="3074" name="Picture 2">
-            <a:extLst>
-              <a:ext uri="{FF2B5EF4-FFF2-40B4-BE49-F238E27FC236}">
-                <a16:creationId xmlns:a16="http://schemas.microsoft.com/office/drawing/2014/main" id="{602C339E-BA86-4A21-AB6C-4F6D8491BC39}"/>
-              </a:ext>
-            </a:extLst>
-          </p:cNvPr>
-          <p:cNvPicPr>
-            <a:picLocks noChangeAspect="1" noChangeArrowheads="1"/>
-          </p:cNvPicPr>
-          <p:nvPr/>
-        </p:nvPicPr>
-        <p:blipFill>
-          <a:blip r:embed="rId2">
-            <a:extLst>
-              <a:ext uri="{28A0092B-C50C-407E-A947-70E740481C1C}">
-                <a14:useLocalDpi xmlns:a14="http://schemas.microsoft.com/office/drawing/2010/main" val="0"/>
-              </a:ext>
-            </a:extLst>
-          </a:blip>
-          <a:srcRect/>
-          <a:stretch>
-            <a:fillRect/>
-          </a:stretch>
-        </p:blipFill>
-        <p:spPr bwMode="auto">
-          <a:xfrm>
-            <a:off x="7956550" y="4606925"/>
-            <a:ext cx="1081088" cy="450850"/>
-          </a:xfrm>
-          <a:prstGeom prst="rect">
-            <a:avLst/>
-          </a:prstGeom>
-          <a:noFill/>
-          <a:ln>
-            <a:noFill/>
-          </a:ln>
-          <a:effectLst/>
-          <a:extLst>
-            <a:ext uri="{909E8E84-426E-40DD-AFC4-6F175D3DCCD1}">
-              <a14:hiddenFill xmlns:a14="http://schemas.microsoft.com/office/drawing/2010/main">
-                <a:solidFill>
-                  <a:srgbClr val="FFFFFF"/>
-                </a:solidFill>
-              </a14:hiddenFill>
-            </a:ext>
-            <a:ext uri="{91240B29-F687-4F45-9708-019B960494DF}">
-              <a14:hiddenLine xmlns:a14="http://schemas.microsoft.com/office/drawing/2010/main" w="9525">
-                <a:solidFill>
-                  <a:srgbClr val="000000"/>
-                </a:solidFill>
-                <a:miter lim="800000"/>
-                <a:headEnd/>
-                <a:tailEnd/>
-              </a14:hiddenLine>
-            </a:ext>
-            <a:ext uri="{AF507438-7753-43E0-B8FC-AC1667EBCBE1}">
-              <a14:hiddenEffects xmlns:a14="http://schemas.microsoft.com/office/drawing/2010/main">
-                <a:effectLst>
-                  <a:outerShdw dist="35921" dir="2700000" algn="ctr" rotWithShape="0">
-                    <a:srgbClr val="808080"/>
-                  </a:outerShdw>
-                </a:effectLst>
-              </a14:hiddenEffects>
-            </a:ext>
-          </a:extLst>
-        </p:spPr>
-      </p:pic>
       <p:sp>
         <p:nvSpPr>
           <p:cNvPr id="3075" name="Title 1">
@@ -11617,76 +11098,6 @@
           <a:chExt cx="0" cy="0"/>
         </a:xfrm>
       </p:grpSpPr>
-      <p:pic>
-        <p:nvPicPr>
-          <p:cNvPr id="3074" name="Picture 2">
-            <a:extLst>
-              <a:ext uri="{FF2B5EF4-FFF2-40B4-BE49-F238E27FC236}">
-                <a16:creationId xmlns:a16="http://schemas.microsoft.com/office/drawing/2014/main" id="{602C339E-BA86-4A21-AB6C-4F6D8491BC39}"/>
-              </a:ext>
-            </a:extLst>
-          </p:cNvPr>
-          <p:cNvPicPr>
-            <a:picLocks noChangeAspect="1" noChangeArrowheads="1"/>
-          </p:cNvPicPr>
-          <p:nvPr/>
-        </p:nvPicPr>
-        <p:blipFill>
-          <a:blip r:embed="rId2">
-            <a:extLst>
-              <a:ext uri="{28A0092B-C50C-407E-A947-70E740481C1C}">
-                <a14:useLocalDpi xmlns:a14="http://schemas.microsoft.com/office/drawing/2010/main" val="0"/>
-              </a:ext>
-            </a:extLst>
-          </a:blip>
-          <a:srcRect/>
-          <a:stretch>
-            <a:fillRect/>
-          </a:stretch>
-        </p:blipFill>
-        <p:spPr bwMode="auto">
-          <a:xfrm>
-            <a:off x="7956550" y="4606925"/>
-            <a:ext cx="1081088" cy="450850"/>
-          </a:xfrm>
-          <a:prstGeom prst="rect">
-            <a:avLst/>
-          </a:prstGeom>
-          <a:noFill/>
-          <a:ln>
-            <a:noFill/>
-          </a:ln>
-          <a:effectLst/>
-          <a:extLst>
-            <a:ext uri="{909E8E84-426E-40DD-AFC4-6F175D3DCCD1}">
-              <a14:hiddenFill xmlns:a14="http://schemas.microsoft.com/office/drawing/2010/main">
-                <a:solidFill>
-                  <a:srgbClr val="FFFFFF"/>
-                </a:solidFill>
-              </a14:hiddenFill>
-            </a:ext>
-            <a:ext uri="{91240B29-F687-4F45-9708-019B960494DF}">
-              <a14:hiddenLine xmlns:a14="http://schemas.microsoft.com/office/drawing/2010/main" w="9525">
-                <a:solidFill>
-                  <a:srgbClr val="000000"/>
-                </a:solidFill>
-                <a:miter lim="800000"/>
-                <a:headEnd/>
-                <a:tailEnd/>
-              </a14:hiddenLine>
-            </a:ext>
-            <a:ext uri="{AF507438-7753-43E0-B8FC-AC1667EBCBE1}">
-              <a14:hiddenEffects xmlns:a14="http://schemas.microsoft.com/office/drawing/2010/main">
-                <a:effectLst>
-                  <a:outerShdw dist="35921" dir="2700000" algn="ctr" rotWithShape="0">
-                    <a:srgbClr val="808080"/>
-                  </a:outerShdw>
-                </a:effectLst>
-              </a14:hiddenEffects>
-            </a:ext>
-          </a:extLst>
-        </p:spPr>
-      </p:pic>
       <p:sp>
         <p:nvSpPr>
           <p:cNvPr id="3075" name="Title 1">
@@ -15012,76 +14423,6 @@
           <a:chExt cx="0" cy="0"/>
         </a:xfrm>
       </p:grpSpPr>
-      <p:pic>
-        <p:nvPicPr>
-          <p:cNvPr id="3074" name="Picture 2">
-            <a:extLst>
-              <a:ext uri="{FF2B5EF4-FFF2-40B4-BE49-F238E27FC236}">
-                <a16:creationId xmlns:a16="http://schemas.microsoft.com/office/drawing/2014/main" id="{602C339E-BA86-4A21-AB6C-4F6D8491BC39}"/>
-              </a:ext>
-            </a:extLst>
-          </p:cNvPr>
-          <p:cNvPicPr>
-            <a:picLocks noChangeAspect="1" noChangeArrowheads="1"/>
-          </p:cNvPicPr>
-          <p:nvPr/>
-        </p:nvPicPr>
-        <p:blipFill>
-          <a:blip r:embed="rId2">
-            <a:extLst>
-              <a:ext uri="{28A0092B-C50C-407E-A947-70E740481C1C}">
-                <a14:useLocalDpi xmlns:a14="http://schemas.microsoft.com/office/drawing/2010/main" val="0"/>
-              </a:ext>
-            </a:extLst>
-          </a:blip>
-          <a:srcRect/>
-          <a:stretch>
-            <a:fillRect/>
-          </a:stretch>
-        </p:blipFill>
-        <p:spPr bwMode="auto">
-          <a:xfrm>
-            <a:off x="7956550" y="4606925"/>
-            <a:ext cx="1081088" cy="450850"/>
-          </a:xfrm>
-          <a:prstGeom prst="rect">
-            <a:avLst/>
-          </a:prstGeom>
-          <a:noFill/>
-          <a:ln>
-            <a:noFill/>
-          </a:ln>
-          <a:effectLst/>
-          <a:extLst>
-            <a:ext uri="{909E8E84-426E-40DD-AFC4-6F175D3DCCD1}">
-              <a14:hiddenFill xmlns:a14="http://schemas.microsoft.com/office/drawing/2010/main">
-                <a:solidFill>
-                  <a:srgbClr val="FFFFFF"/>
-                </a:solidFill>
-              </a14:hiddenFill>
-            </a:ext>
-            <a:ext uri="{91240B29-F687-4F45-9708-019B960494DF}">
-              <a14:hiddenLine xmlns:a14="http://schemas.microsoft.com/office/drawing/2010/main" w="9525">
-                <a:solidFill>
-                  <a:srgbClr val="000000"/>
-                </a:solidFill>
-                <a:miter lim="800000"/>
-                <a:headEnd/>
-                <a:tailEnd/>
-              </a14:hiddenLine>
-            </a:ext>
-            <a:ext uri="{AF507438-7753-43E0-B8FC-AC1667EBCBE1}">
-              <a14:hiddenEffects xmlns:a14="http://schemas.microsoft.com/office/drawing/2010/main">
-                <a:effectLst>
-                  <a:outerShdw dist="35921" dir="2700000" algn="ctr" rotWithShape="0">
-                    <a:srgbClr val="808080"/>
-                  </a:outerShdw>
-                </a:effectLst>
-              </a14:hiddenEffects>
-            </a:ext>
-          </a:extLst>
-        </p:spPr>
-      </p:pic>
       <p:sp>
         <p:nvSpPr>
           <p:cNvPr id="3075" name="Title 1">
@@ -18883,76 +18224,6 @@
           <a:chExt cx="0" cy="0"/>
         </a:xfrm>
       </p:grpSpPr>
-      <p:pic>
-        <p:nvPicPr>
-          <p:cNvPr id="3074" name="Picture 2">
-            <a:extLst>
-              <a:ext uri="{FF2B5EF4-FFF2-40B4-BE49-F238E27FC236}">
-                <a16:creationId xmlns:a16="http://schemas.microsoft.com/office/drawing/2014/main" id="{602C339E-BA86-4A21-AB6C-4F6D8491BC39}"/>
-              </a:ext>
-            </a:extLst>
-          </p:cNvPr>
-          <p:cNvPicPr>
-            <a:picLocks noChangeAspect="1" noChangeArrowheads="1"/>
-          </p:cNvPicPr>
-          <p:nvPr/>
-        </p:nvPicPr>
-        <p:blipFill>
-          <a:blip r:embed="rId2">
-            <a:extLst>
-              <a:ext uri="{28A0092B-C50C-407E-A947-70E740481C1C}">
-                <a14:useLocalDpi xmlns:a14="http://schemas.microsoft.com/office/drawing/2010/main" val="0"/>
-              </a:ext>
-            </a:extLst>
-          </a:blip>
-          <a:srcRect/>
-          <a:stretch>
-            <a:fillRect/>
-          </a:stretch>
-        </p:blipFill>
-        <p:spPr bwMode="auto">
-          <a:xfrm>
-            <a:off x="7956550" y="4606925"/>
-            <a:ext cx="1081088" cy="450850"/>
-          </a:xfrm>
-          <a:prstGeom prst="rect">
-            <a:avLst/>
-          </a:prstGeom>
-          <a:noFill/>
-          <a:ln>
-            <a:noFill/>
-          </a:ln>
-          <a:effectLst/>
-          <a:extLst>
-            <a:ext uri="{909E8E84-426E-40DD-AFC4-6F175D3DCCD1}">
-              <a14:hiddenFill xmlns:a14="http://schemas.microsoft.com/office/drawing/2010/main">
-                <a:solidFill>
-                  <a:srgbClr val="FFFFFF"/>
-                </a:solidFill>
-              </a14:hiddenFill>
-            </a:ext>
-            <a:ext uri="{91240B29-F687-4F45-9708-019B960494DF}">
-              <a14:hiddenLine xmlns:a14="http://schemas.microsoft.com/office/drawing/2010/main" w="9525">
-                <a:solidFill>
-                  <a:srgbClr val="000000"/>
-                </a:solidFill>
-                <a:miter lim="800000"/>
-                <a:headEnd/>
-                <a:tailEnd/>
-              </a14:hiddenLine>
-            </a:ext>
-            <a:ext uri="{AF507438-7753-43E0-B8FC-AC1667EBCBE1}">
-              <a14:hiddenEffects xmlns:a14="http://schemas.microsoft.com/office/drawing/2010/main">
-                <a:effectLst>
-                  <a:outerShdw dist="35921" dir="2700000" algn="ctr" rotWithShape="0">
-                    <a:srgbClr val="808080"/>
-                  </a:outerShdw>
-                </a:effectLst>
-              </a14:hiddenEffects>
-            </a:ext>
-          </a:extLst>
-        </p:spPr>
-      </p:pic>
       <p:sp>
         <p:nvSpPr>
           <p:cNvPr id="3075" name="Title 1">
@@ -19402,76 +18673,6 @@
           <a:chExt cx="0" cy="0"/>
         </a:xfrm>
       </p:grpSpPr>
-      <p:pic>
-        <p:nvPicPr>
-          <p:cNvPr id="3074" name="Picture 2">
-            <a:extLst>
-              <a:ext uri="{FF2B5EF4-FFF2-40B4-BE49-F238E27FC236}">
-                <a16:creationId xmlns:a16="http://schemas.microsoft.com/office/drawing/2014/main" id="{602C339E-BA86-4A21-AB6C-4F6D8491BC39}"/>
-              </a:ext>
-            </a:extLst>
-          </p:cNvPr>
-          <p:cNvPicPr>
-            <a:picLocks noChangeAspect="1" noChangeArrowheads="1"/>
-          </p:cNvPicPr>
-          <p:nvPr/>
-        </p:nvPicPr>
-        <p:blipFill>
-          <a:blip r:embed="rId2">
-            <a:extLst>
-              <a:ext uri="{28A0092B-C50C-407E-A947-70E740481C1C}">
-                <a14:useLocalDpi xmlns:a14="http://schemas.microsoft.com/office/drawing/2010/main" val="0"/>
-              </a:ext>
-            </a:extLst>
-          </a:blip>
-          <a:srcRect/>
-          <a:stretch>
-            <a:fillRect/>
-          </a:stretch>
-        </p:blipFill>
-        <p:spPr bwMode="auto">
-          <a:xfrm>
-            <a:off x="7956550" y="4606925"/>
-            <a:ext cx="1081088" cy="450850"/>
-          </a:xfrm>
-          <a:prstGeom prst="rect">
-            <a:avLst/>
-          </a:prstGeom>
-          <a:noFill/>
-          <a:ln>
-            <a:noFill/>
-          </a:ln>
-          <a:effectLst/>
-          <a:extLst>
-            <a:ext uri="{909E8E84-426E-40DD-AFC4-6F175D3DCCD1}">
-              <a14:hiddenFill xmlns:a14="http://schemas.microsoft.com/office/drawing/2010/main">
-                <a:solidFill>
-                  <a:srgbClr val="FFFFFF"/>
-                </a:solidFill>
-              </a14:hiddenFill>
-            </a:ext>
-            <a:ext uri="{91240B29-F687-4F45-9708-019B960494DF}">
-              <a14:hiddenLine xmlns:a14="http://schemas.microsoft.com/office/drawing/2010/main" w="9525">
-                <a:solidFill>
-                  <a:srgbClr val="000000"/>
-                </a:solidFill>
-                <a:miter lim="800000"/>
-                <a:headEnd/>
-                <a:tailEnd/>
-              </a14:hiddenLine>
-            </a:ext>
-            <a:ext uri="{AF507438-7753-43E0-B8FC-AC1667EBCBE1}">
-              <a14:hiddenEffects xmlns:a14="http://schemas.microsoft.com/office/drawing/2010/main">
-                <a:effectLst>
-                  <a:outerShdw dist="35921" dir="2700000" algn="ctr" rotWithShape="0">
-                    <a:srgbClr val="808080"/>
-                  </a:outerShdw>
-                </a:effectLst>
-              </a14:hiddenEffects>
-            </a:ext>
-          </a:extLst>
-        </p:spPr>
-      </p:pic>
       <p:sp>
         <p:nvSpPr>
           <p:cNvPr id="3075" name="Title 1">
@@ -19957,76 +19158,6 @@
           <a:chExt cx="0" cy="0"/>
         </a:xfrm>
       </p:grpSpPr>
-      <p:pic>
-        <p:nvPicPr>
-          <p:cNvPr id="3074" name="Picture 2">
-            <a:extLst>
-              <a:ext uri="{FF2B5EF4-FFF2-40B4-BE49-F238E27FC236}">
-                <a16:creationId xmlns:a16="http://schemas.microsoft.com/office/drawing/2014/main" id="{602C339E-BA86-4A21-AB6C-4F6D8491BC39}"/>
-              </a:ext>
-            </a:extLst>
-          </p:cNvPr>
-          <p:cNvPicPr>
-            <a:picLocks noChangeAspect="1" noChangeArrowheads="1"/>
-          </p:cNvPicPr>
-          <p:nvPr/>
-        </p:nvPicPr>
-        <p:blipFill>
-          <a:blip r:embed="rId2">
-            <a:extLst>
-              <a:ext uri="{28A0092B-C50C-407E-A947-70E740481C1C}">
-                <a14:useLocalDpi xmlns:a14="http://schemas.microsoft.com/office/drawing/2010/main" val="0"/>
-              </a:ext>
-            </a:extLst>
-          </a:blip>
-          <a:srcRect/>
-          <a:stretch>
-            <a:fillRect/>
-          </a:stretch>
-        </p:blipFill>
-        <p:spPr bwMode="auto">
-          <a:xfrm>
-            <a:off x="7956550" y="4606925"/>
-            <a:ext cx="1081088" cy="450850"/>
-          </a:xfrm>
-          <a:prstGeom prst="rect">
-            <a:avLst/>
-          </a:prstGeom>
-          <a:noFill/>
-          <a:ln>
-            <a:noFill/>
-          </a:ln>
-          <a:effectLst/>
-          <a:extLst>
-            <a:ext uri="{909E8E84-426E-40DD-AFC4-6F175D3DCCD1}">
-              <a14:hiddenFill xmlns:a14="http://schemas.microsoft.com/office/drawing/2010/main">
-                <a:solidFill>
-                  <a:srgbClr val="FFFFFF"/>
-                </a:solidFill>
-              </a14:hiddenFill>
-            </a:ext>
-            <a:ext uri="{91240B29-F687-4F45-9708-019B960494DF}">
-              <a14:hiddenLine xmlns:a14="http://schemas.microsoft.com/office/drawing/2010/main" w="9525">
-                <a:solidFill>
-                  <a:srgbClr val="000000"/>
-                </a:solidFill>
-                <a:miter lim="800000"/>
-                <a:headEnd/>
-                <a:tailEnd/>
-              </a14:hiddenLine>
-            </a:ext>
-            <a:ext uri="{AF507438-7753-43E0-B8FC-AC1667EBCBE1}">
-              <a14:hiddenEffects xmlns:a14="http://schemas.microsoft.com/office/drawing/2010/main">
-                <a:effectLst>
-                  <a:outerShdw dist="35921" dir="2700000" algn="ctr" rotWithShape="0">
-                    <a:srgbClr val="808080"/>
-                  </a:outerShdw>
-                </a:effectLst>
-              </a14:hiddenEffects>
-            </a:ext>
-          </a:extLst>
-        </p:spPr>
-      </p:pic>
       <p:sp>
         <p:nvSpPr>
           <p:cNvPr id="3075" name="Title 1">
@@ -20545,76 +19676,6 @@
           <a:chExt cx="0" cy="0"/>
         </a:xfrm>
       </p:grpSpPr>
-      <p:pic>
-        <p:nvPicPr>
-          <p:cNvPr id="3074" name="Picture 2">
-            <a:extLst>
-              <a:ext uri="{FF2B5EF4-FFF2-40B4-BE49-F238E27FC236}">
-                <a16:creationId xmlns:a16="http://schemas.microsoft.com/office/drawing/2014/main" id="{602C339E-BA86-4A21-AB6C-4F6D8491BC39}"/>
-              </a:ext>
-            </a:extLst>
-          </p:cNvPr>
-          <p:cNvPicPr>
-            <a:picLocks noChangeAspect="1" noChangeArrowheads="1"/>
-          </p:cNvPicPr>
-          <p:nvPr/>
-        </p:nvPicPr>
-        <p:blipFill>
-          <a:blip r:embed="rId2">
-            <a:extLst>
-              <a:ext uri="{28A0092B-C50C-407E-A947-70E740481C1C}">
-                <a14:useLocalDpi xmlns:a14="http://schemas.microsoft.com/office/drawing/2010/main" val="0"/>
-              </a:ext>
-            </a:extLst>
-          </a:blip>
-          <a:srcRect/>
-          <a:stretch>
-            <a:fillRect/>
-          </a:stretch>
-        </p:blipFill>
-        <p:spPr bwMode="auto">
-          <a:xfrm>
-            <a:off x="7956550" y="4606925"/>
-            <a:ext cx="1081088" cy="450850"/>
-          </a:xfrm>
-          <a:prstGeom prst="rect">
-            <a:avLst/>
-          </a:prstGeom>
-          <a:noFill/>
-          <a:ln>
-            <a:noFill/>
-          </a:ln>
-          <a:effectLst/>
-          <a:extLst>
-            <a:ext uri="{909E8E84-426E-40DD-AFC4-6F175D3DCCD1}">
-              <a14:hiddenFill xmlns:a14="http://schemas.microsoft.com/office/drawing/2010/main">
-                <a:solidFill>
-                  <a:srgbClr val="FFFFFF"/>
-                </a:solidFill>
-              </a14:hiddenFill>
-            </a:ext>
-            <a:ext uri="{91240B29-F687-4F45-9708-019B960494DF}">
-              <a14:hiddenLine xmlns:a14="http://schemas.microsoft.com/office/drawing/2010/main" w="9525">
-                <a:solidFill>
-                  <a:srgbClr val="000000"/>
-                </a:solidFill>
-                <a:miter lim="800000"/>
-                <a:headEnd/>
-                <a:tailEnd/>
-              </a14:hiddenLine>
-            </a:ext>
-            <a:ext uri="{AF507438-7753-43E0-B8FC-AC1667EBCBE1}">
-              <a14:hiddenEffects xmlns:a14="http://schemas.microsoft.com/office/drawing/2010/main">
-                <a:effectLst>
-                  <a:outerShdw dist="35921" dir="2700000" algn="ctr" rotWithShape="0">
-                    <a:srgbClr val="808080"/>
-                  </a:outerShdw>
-                </a:effectLst>
-              </a14:hiddenEffects>
-            </a:ext>
-          </a:extLst>
-        </p:spPr>
-      </p:pic>
       <p:sp>
         <p:nvSpPr>
           <p:cNvPr id="3075" name="Title 1">
@@ -21074,76 +20135,6 @@
           <a:chExt cx="0" cy="0"/>
         </a:xfrm>
       </p:grpSpPr>
-      <p:pic>
-        <p:nvPicPr>
-          <p:cNvPr id="3074" name="Picture 2">
-            <a:extLst>
-              <a:ext uri="{FF2B5EF4-FFF2-40B4-BE49-F238E27FC236}">
-                <a16:creationId xmlns:a16="http://schemas.microsoft.com/office/drawing/2014/main" id="{602C339E-BA86-4A21-AB6C-4F6D8491BC39}"/>
-              </a:ext>
-            </a:extLst>
-          </p:cNvPr>
-          <p:cNvPicPr>
-            <a:picLocks noChangeAspect="1" noChangeArrowheads="1"/>
-          </p:cNvPicPr>
-          <p:nvPr/>
-        </p:nvPicPr>
-        <p:blipFill>
-          <a:blip r:embed="rId2">
-            <a:extLst>
-              <a:ext uri="{28A0092B-C50C-407E-A947-70E740481C1C}">
-                <a14:useLocalDpi xmlns:a14="http://schemas.microsoft.com/office/drawing/2010/main" val="0"/>
-              </a:ext>
-            </a:extLst>
-          </a:blip>
-          <a:srcRect/>
-          <a:stretch>
-            <a:fillRect/>
-          </a:stretch>
-        </p:blipFill>
-        <p:spPr bwMode="auto">
-          <a:xfrm>
-            <a:off x="7956550" y="4606925"/>
-            <a:ext cx="1081088" cy="450850"/>
-          </a:xfrm>
-          <a:prstGeom prst="rect">
-            <a:avLst/>
-          </a:prstGeom>
-          <a:noFill/>
-          <a:ln>
-            <a:noFill/>
-          </a:ln>
-          <a:effectLst/>
-          <a:extLst>
-            <a:ext uri="{909E8E84-426E-40DD-AFC4-6F175D3DCCD1}">
-              <a14:hiddenFill xmlns:a14="http://schemas.microsoft.com/office/drawing/2010/main">
-                <a:solidFill>
-                  <a:srgbClr val="FFFFFF"/>
-                </a:solidFill>
-              </a14:hiddenFill>
-            </a:ext>
-            <a:ext uri="{91240B29-F687-4F45-9708-019B960494DF}">
-              <a14:hiddenLine xmlns:a14="http://schemas.microsoft.com/office/drawing/2010/main" w="9525">
-                <a:solidFill>
-                  <a:srgbClr val="000000"/>
-                </a:solidFill>
-                <a:miter lim="800000"/>
-                <a:headEnd/>
-                <a:tailEnd/>
-              </a14:hiddenLine>
-            </a:ext>
-            <a:ext uri="{AF507438-7753-43E0-B8FC-AC1667EBCBE1}">
-              <a14:hiddenEffects xmlns:a14="http://schemas.microsoft.com/office/drawing/2010/main">
-                <a:effectLst>
-                  <a:outerShdw dist="35921" dir="2700000" algn="ctr" rotWithShape="0">
-                    <a:srgbClr val="808080"/>
-                  </a:outerShdw>
-                </a:effectLst>
-              </a14:hiddenEffects>
-            </a:ext>
-          </a:extLst>
-        </p:spPr>
-      </p:pic>
       <p:sp>
         <p:nvSpPr>
           <p:cNvPr id="3075" name="Title 1">
@@ -21610,76 +20601,6 @@
           <a:chExt cx="0" cy="0"/>
         </a:xfrm>
       </p:grpSpPr>
-      <p:pic>
-        <p:nvPicPr>
-          <p:cNvPr id="3074" name="Picture 2">
-            <a:extLst>
-              <a:ext uri="{FF2B5EF4-FFF2-40B4-BE49-F238E27FC236}">
-                <a16:creationId xmlns:a16="http://schemas.microsoft.com/office/drawing/2014/main" id="{602C339E-BA86-4A21-AB6C-4F6D8491BC39}"/>
-              </a:ext>
-            </a:extLst>
-          </p:cNvPr>
-          <p:cNvPicPr>
-            <a:picLocks noChangeAspect="1" noChangeArrowheads="1"/>
-          </p:cNvPicPr>
-          <p:nvPr/>
-        </p:nvPicPr>
-        <p:blipFill>
-          <a:blip r:embed="rId2">
-            <a:extLst>
-              <a:ext uri="{28A0092B-C50C-407E-A947-70E740481C1C}">
-                <a14:useLocalDpi xmlns:a14="http://schemas.microsoft.com/office/drawing/2010/main" val="0"/>
-              </a:ext>
-            </a:extLst>
-          </a:blip>
-          <a:srcRect/>
-          <a:stretch>
-            <a:fillRect/>
-          </a:stretch>
-        </p:blipFill>
-        <p:spPr bwMode="auto">
-          <a:xfrm>
-            <a:off x="7956550" y="4606925"/>
-            <a:ext cx="1081088" cy="450850"/>
-          </a:xfrm>
-          <a:prstGeom prst="rect">
-            <a:avLst/>
-          </a:prstGeom>
-          <a:noFill/>
-          <a:ln>
-            <a:noFill/>
-          </a:ln>
-          <a:effectLst/>
-          <a:extLst>
-            <a:ext uri="{909E8E84-426E-40DD-AFC4-6F175D3DCCD1}">
-              <a14:hiddenFill xmlns:a14="http://schemas.microsoft.com/office/drawing/2010/main">
-                <a:solidFill>
-                  <a:srgbClr val="FFFFFF"/>
-                </a:solidFill>
-              </a14:hiddenFill>
-            </a:ext>
-            <a:ext uri="{91240B29-F687-4F45-9708-019B960494DF}">
-              <a14:hiddenLine xmlns:a14="http://schemas.microsoft.com/office/drawing/2010/main" w="9525">
-                <a:solidFill>
-                  <a:srgbClr val="000000"/>
-                </a:solidFill>
-                <a:miter lim="800000"/>
-                <a:headEnd/>
-                <a:tailEnd/>
-              </a14:hiddenLine>
-            </a:ext>
-            <a:ext uri="{AF507438-7753-43E0-B8FC-AC1667EBCBE1}">
-              <a14:hiddenEffects xmlns:a14="http://schemas.microsoft.com/office/drawing/2010/main">
-                <a:effectLst>
-                  <a:outerShdw dist="35921" dir="2700000" algn="ctr" rotWithShape="0">
-                    <a:srgbClr val="808080"/>
-                  </a:outerShdw>
-                </a:effectLst>
-              </a14:hiddenEffects>
-            </a:ext>
-          </a:extLst>
-        </p:spPr>
-      </p:pic>
       <p:sp>
         <p:nvSpPr>
           <p:cNvPr id="3075" name="Title 1">
@@ -22184,76 +21105,6 @@
           <a:chExt cx="0" cy="0"/>
         </a:xfrm>
       </p:grpSpPr>
-      <p:pic>
-        <p:nvPicPr>
-          <p:cNvPr id="3074" name="Picture 2">
-            <a:extLst>
-              <a:ext uri="{FF2B5EF4-FFF2-40B4-BE49-F238E27FC236}">
-                <a16:creationId xmlns:a16="http://schemas.microsoft.com/office/drawing/2014/main" id="{602C339E-BA86-4A21-AB6C-4F6D8491BC39}"/>
-              </a:ext>
-            </a:extLst>
-          </p:cNvPr>
-          <p:cNvPicPr>
-            <a:picLocks noChangeAspect="1" noChangeArrowheads="1"/>
-          </p:cNvPicPr>
-          <p:nvPr/>
-        </p:nvPicPr>
-        <p:blipFill>
-          <a:blip r:embed="rId2">
-            <a:extLst>
-              <a:ext uri="{28A0092B-C50C-407E-A947-70E740481C1C}">
-                <a14:useLocalDpi xmlns:a14="http://schemas.microsoft.com/office/drawing/2010/main" val="0"/>
-              </a:ext>
-            </a:extLst>
-          </a:blip>
-          <a:srcRect/>
-          <a:stretch>
-            <a:fillRect/>
-          </a:stretch>
-        </p:blipFill>
-        <p:spPr bwMode="auto">
-          <a:xfrm>
-            <a:off x="7956550" y="4606925"/>
-            <a:ext cx="1081088" cy="450850"/>
-          </a:xfrm>
-          <a:prstGeom prst="rect">
-            <a:avLst/>
-          </a:prstGeom>
-          <a:noFill/>
-          <a:ln>
-            <a:noFill/>
-          </a:ln>
-          <a:effectLst/>
-          <a:extLst>
-            <a:ext uri="{909E8E84-426E-40DD-AFC4-6F175D3DCCD1}">
-              <a14:hiddenFill xmlns:a14="http://schemas.microsoft.com/office/drawing/2010/main">
-                <a:solidFill>
-                  <a:srgbClr val="FFFFFF"/>
-                </a:solidFill>
-              </a14:hiddenFill>
-            </a:ext>
-            <a:ext uri="{91240B29-F687-4F45-9708-019B960494DF}">
-              <a14:hiddenLine xmlns:a14="http://schemas.microsoft.com/office/drawing/2010/main" w="9525">
-                <a:solidFill>
-                  <a:srgbClr val="000000"/>
-                </a:solidFill>
-                <a:miter lim="800000"/>
-                <a:headEnd/>
-                <a:tailEnd/>
-              </a14:hiddenLine>
-            </a:ext>
-            <a:ext uri="{AF507438-7753-43E0-B8FC-AC1667EBCBE1}">
-              <a14:hiddenEffects xmlns:a14="http://schemas.microsoft.com/office/drawing/2010/main">
-                <a:effectLst>
-                  <a:outerShdw dist="35921" dir="2700000" algn="ctr" rotWithShape="0">
-                    <a:srgbClr val="808080"/>
-                  </a:outerShdw>
-                </a:effectLst>
-              </a14:hiddenEffects>
-            </a:ext>
-          </a:extLst>
-        </p:spPr>
-      </p:pic>
       <p:sp>
         <p:nvSpPr>
           <p:cNvPr id="3075" name="Title 1">
@@ -22739,76 +21590,6 @@
           <a:chExt cx="0" cy="0"/>
         </a:xfrm>
       </p:grpSpPr>
-      <p:pic>
-        <p:nvPicPr>
-          <p:cNvPr id="3074" name="Picture 2">
-            <a:extLst>
-              <a:ext uri="{FF2B5EF4-FFF2-40B4-BE49-F238E27FC236}">
-                <a16:creationId xmlns:a16="http://schemas.microsoft.com/office/drawing/2014/main" id="{602C339E-BA86-4A21-AB6C-4F6D8491BC39}"/>
-              </a:ext>
-            </a:extLst>
-          </p:cNvPr>
-          <p:cNvPicPr>
-            <a:picLocks noChangeAspect="1" noChangeArrowheads="1"/>
-          </p:cNvPicPr>
-          <p:nvPr/>
-        </p:nvPicPr>
-        <p:blipFill>
-          <a:blip r:embed="rId2">
-            <a:extLst>
-              <a:ext uri="{28A0092B-C50C-407E-A947-70E740481C1C}">
-                <a14:useLocalDpi xmlns:a14="http://schemas.microsoft.com/office/drawing/2010/main" val="0"/>
-              </a:ext>
-            </a:extLst>
-          </a:blip>
-          <a:srcRect/>
-          <a:stretch>
-            <a:fillRect/>
-          </a:stretch>
-        </p:blipFill>
-        <p:spPr bwMode="auto">
-          <a:xfrm>
-            <a:off x="7956550" y="4606925"/>
-            <a:ext cx="1081088" cy="450850"/>
-          </a:xfrm>
-          <a:prstGeom prst="rect">
-            <a:avLst/>
-          </a:prstGeom>
-          <a:noFill/>
-          <a:ln>
-            <a:noFill/>
-          </a:ln>
-          <a:effectLst/>
-          <a:extLst>
-            <a:ext uri="{909E8E84-426E-40DD-AFC4-6F175D3DCCD1}">
-              <a14:hiddenFill xmlns:a14="http://schemas.microsoft.com/office/drawing/2010/main">
-                <a:solidFill>
-                  <a:srgbClr val="FFFFFF"/>
-                </a:solidFill>
-              </a14:hiddenFill>
-            </a:ext>
-            <a:ext uri="{91240B29-F687-4F45-9708-019B960494DF}">
-              <a14:hiddenLine xmlns:a14="http://schemas.microsoft.com/office/drawing/2010/main" w="9525">
-                <a:solidFill>
-                  <a:srgbClr val="000000"/>
-                </a:solidFill>
-                <a:miter lim="800000"/>
-                <a:headEnd/>
-                <a:tailEnd/>
-              </a14:hiddenLine>
-            </a:ext>
-            <a:ext uri="{AF507438-7753-43E0-B8FC-AC1667EBCBE1}">
-              <a14:hiddenEffects xmlns:a14="http://schemas.microsoft.com/office/drawing/2010/main">
-                <a:effectLst>
-                  <a:outerShdw dist="35921" dir="2700000" algn="ctr" rotWithShape="0">
-                    <a:srgbClr val="808080"/>
-                  </a:outerShdw>
-                </a:effectLst>
-              </a14:hiddenEffects>
-            </a:ext>
-          </a:extLst>
-        </p:spPr>
-      </p:pic>
       <p:sp>
         <p:nvSpPr>
           <p:cNvPr id="3075" name="Title 1">
@@ -24367,76 +23148,6 @@
           <a:chExt cx="0" cy="0"/>
         </a:xfrm>
       </p:grpSpPr>
-      <p:pic>
-        <p:nvPicPr>
-          <p:cNvPr id="3074" name="Picture 2">
-            <a:extLst>
-              <a:ext uri="{FF2B5EF4-FFF2-40B4-BE49-F238E27FC236}">
-                <a16:creationId xmlns:a16="http://schemas.microsoft.com/office/drawing/2014/main" id="{602C339E-BA86-4A21-AB6C-4F6D8491BC39}"/>
-              </a:ext>
-            </a:extLst>
-          </p:cNvPr>
-          <p:cNvPicPr>
-            <a:picLocks noChangeAspect="1" noChangeArrowheads="1"/>
-          </p:cNvPicPr>
-          <p:nvPr/>
-        </p:nvPicPr>
-        <p:blipFill>
-          <a:blip r:embed="rId2">
-            <a:extLst>
-              <a:ext uri="{28A0092B-C50C-407E-A947-70E740481C1C}">
-                <a14:useLocalDpi xmlns:a14="http://schemas.microsoft.com/office/drawing/2010/main" val="0"/>
-              </a:ext>
-            </a:extLst>
-          </a:blip>
-          <a:srcRect/>
-          <a:stretch>
-            <a:fillRect/>
-          </a:stretch>
-        </p:blipFill>
-        <p:spPr bwMode="auto">
-          <a:xfrm>
-            <a:off x="7956550" y="4606925"/>
-            <a:ext cx="1081088" cy="450850"/>
-          </a:xfrm>
-          <a:prstGeom prst="rect">
-            <a:avLst/>
-          </a:prstGeom>
-          <a:noFill/>
-          <a:ln>
-            <a:noFill/>
-          </a:ln>
-          <a:effectLst/>
-          <a:extLst>
-            <a:ext uri="{909E8E84-426E-40DD-AFC4-6F175D3DCCD1}">
-              <a14:hiddenFill xmlns:a14="http://schemas.microsoft.com/office/drawing/2010/main">
-                <a:solidFill>
-                  <a:srgbClr val="FFFFFF"/>
-                </a:solidFill>
-              </a14:hiddenFill>
-            </a:ext>
-            <a:ext uri="{91240B29-F687-4F45-9708-019B960494DF}">
-              <a14:hiddenLine xmlns:a14="http://schemas.microsoft.com/office/drawing/2010/main" w="9525">
-                <a:solidFill>
-                  <a:srgbClr val="000000"/>
-                </a:solidFill>
-                <a:miter lim="800000"/>
-                <a:headEnd/>
-                <a:tailEnd/>
-              </a14:hiddenLine>
-            </a:ext>
-            <a:ext uri="{AF507438-7753-43E0-B8FC-AC1667EBCBE1}">
-              <a14:hiddenEffects xmlns:a14="http://schemas.microsoft.com/office/drawing/2010/main">
-                <a:effectLst>
-                  <a:outerShdw dist="35921" dir="2700000" algn="ctr" rotWithShape="0">
-                    <a:srgbClr val="808080"/>
-                  </a:outerShdw>
-                </a:effectLst>
-              </a14:hiddenEffects>
-            </a:ext>
-          </a:extLst>
-        </p:spPr>
-      </p:pic>
       <p:sp>
         <p:nvSpPr>
           <p:cNvPr id="3075" name="Title 1">
@@ -24926,76 +23637,6 @@
           <a:chExt cx="0" cy="0"/>
         </a:xfrm>
       </p:grpSpPr>
-      <p:pic>
-        <p:nvPicPr>
-          <p:cNvPr id="3074" name="Picture 2">
-            <a:extLst>
-              <a:ext uri="{FF2B5EF4-FFF2-40B4-BE49-F238E27FC236}">
-                <a16:creationId xmlns:a16="http://schemas.microsoft.com/office/drawing/2014/main" id="{602C339E-BA86-4A21-AB6C-4F6D8491BC39}"/>
-              </a:ext>
-            </a:extLst>
-          </p:cNvPr>
-          <p:cNvPicPr>
-            <a:picLocks noChangeAspect="1" noChangeArrowheads="1"/>
-          </p:cNvPicPr>
-          <p:nvPr/>
-        </p:nvPicPr>
-        <p:blipFill>
-          <a:blip r:embed="rId2">
-            <a:extLst>
-              <a:ext uri="{28A0092B-C50C-407E-A947-70E740481C1C}">
-                <a14:useLocalDpi xmlns:a14="http://schemas.microsoft.com/office/drawing/2010/main" val="0"/>
-              </a:ext>
-            </a:extLst>
-          </a:blip>
-          <a:srcRect/>
-          <a:stretch>
-            <a:fillRect/>
-          </a:stretch>
-        </p:blipFill>
-        <p:spPr bwMode="auto">
-          <a:xfrm>
-            <a:off x="7956550" y="4606925"/>
-            <a:ext cx="1081088" cy="450850"/>
-          </a:xfrm>
-          <a:prstGeom prst="rect">
-            <a:avLst/>
-          </a:prstGeom>
-          <a:noFill/>
-          <a:ln>
-            <a:noFill/>
-          </a:ln>
-          <a:effectLst/>
-          <a:extLst>
-            <a:ext uri="{909E8E84-426E-40DD-AFC4-6F175D3DCCD1}">
-              <a14:hiddenFill xmlns:a14="http://schemas.microsoft.com/office/drawing/2010/main">
-                <a:solidFill>
-                  <a:srgbClr val="FFFFFF"/>
-                </a:solidFill>
-              </a14:hiddenFill>
-            </a:ext>
-            <a:ext uri="{91240B29-F687-4F45-9708-019B960494DF}">
-              <a14:hiddenLine xmlns:a14="http://schemas.microsoft.com/office/drawing/2010/main" w="9525">
-                <a:solidFill>
-                  <a:srgbClr val="000000"/>
-                </a:solidFill>
-                <a:miter lim="800000"/>
-                <a:headEnd/>
-                <a:tailEnd/>
-              </a14:hiddenLine>
-            </a:ext>
-            <a:ext uri="{AF507438-7753-43E0-B8FC-AC1667EBCBE1}">
-              <a14:hiddenEffects xmlns:a14="http://schemas.microsoft.com/office/drawing/2010/main">
-                <a:effectLst>
-                  <a:outerShdw dist="35921" dir="2700000" algn="ctr" rotWithShape="0">
-                    <a:srgbClr val="808080"/>
-                  </a:outerShdw>
-                </a:effectLst>
-              </a14:hiddenEffects>
-            </a:ext>
-          </a:extLst>
-        </p:spPr>
-      </p:pic>
       <p:sp>
         <p:nvSpPr>
           <p:cNvPr id="3075" name="Title 1">
@@ -25611,76 +24252,6 @@
           <a:chExt cx="0" cy="0"/>
         </a:xfrm>
       </p:grpSpPr>
-      <p:pic>
-        <p:nvPicPr>
-          <p:cNvPr id="3074" name="Picture 2">
-            <a:extLst>
-              <a:ext uri="{FF2B5EF4-FFF2-40B4-BE49-F238E27FC236}">
-                <a16:creationId xmlns:a16="http://schemas.microsoft.com/office/drawing/2014/main" id="{602C339E-BA86-4A21-AB6C-4F6D8491BC39}"/>
-              </a:ext>
-            </a:extLst>
-          </p:cNvPr>
-          <p:cNvPicPr>
-            <a:picLocks noChangeAspect="1" noChangeArrowheads="1"/>
-          </p:cNvPicPr>
-          <p:nvPr/>
-        </p:nvPicPr>
-        <p:blipFill>
-          <a:blip r:embed="rId2">
-            <a:extLst>
-              <a:ext uri="{28A0092B-C50C-407E-A947-70E740481C1C}">
-                <a14:useLocalDpi xmlns:a14="http://schemas.microsoft.com/office/drawing/2010/main" val="0"/>
-              </a:ext>
-            </a:extLst>
-          </a:blip>
-          <a:srcRect/>
-          <a:stretch>
-            <a:fillRect/>
-          </a:stretch>
-        </p:blipFill>
-        <p:spPr bwMode="auto">
-          <a:xfrm>
-            <a:off x="7956550" y="4606925"/>
-            <a:ext cx="1081088" cy="450850"/>
-          </a:xfrm>
-          <a:prstGeom prst="rect">
-            <a:avLst/>
-          </a:prstGeom>
-          <a:noFill/>
-          <a:ln>
-            <a:noFill/>
-          </a:ln>
-          <a:effectLst/>
-          <a:extLst>
-            <a:ext uri="{909E8E84-426E-40DD-AFC4-6F175D3DCCD1}">
-              <a14:hiddenFill xmlns:a14="http://schemas.microsoft.com/office/drawing/2010/main">
-                <a:solidFill>
-                  <a:srgbClr val="FFFFFF"/>
-                </a:solidFill>
-              </a14:hiddenFill>
-            </a:ext>
-            <a:ext uri="{91240B29-F687-4F45-9708-019B960494DF}">
-              <a14:hiddenLine xmlns:a14="http://schemas.microsoft.com/office/drawing/2010/main" w="9525">
-                <a:solidFill>
-                  <a:srgbClr val="000000"/>
-                </a:solidFill>
-                <a:miter lim="800000"/>
-                <a:headEnd/>
-                <a:tailEnd/>
-              </a14:hiddenLine>
-            </a:ext>
-            <a:ext uri="{AF507438-7753-43E0-B8FC-AC1667EBCBE1}">
-              <a14:hiddenEffects xmlns:a14="http://schemas.microsoft.com/office/drawing/2010/main">
-                <a:effectLst>
-                  <a:outerShdw dist="35921" dir="2700000" algn="ctr" rotWithShape="0">
-                    <a:srgbClr val="808080"/>
-                  </a:outerShdw>
-                </a:effectLst>
-              </a14:hiddenEffects>
-            </a:ext>
-          </a:extLst>
-        </p:spPr>
-      </p:pic>
       <p:sp>
         <p:nvSpPr>
           <p:cNvPr id="3075" name="Title 1">
@@ -26367,76 +24938,6 @@
           <a:chExt cx="0" cy="0"/>
         </a:xfrm>
       </p:grpSpPr>
-      <p:pic>
-        <p:nvPicPr>
-          <p:cNvPr id="3074" name="Picture 2">
-            <a:extLst>
-              <a:ext uri="{FF2B5EF4-FFF2-40B4-BE49-F238E27FC236}">
-                <a16:creationId xmlns:a16="http://schemas.microsoft.com/office/drawing/2014/main" id="{602C339E-BA86-4A21-AB6C-4F6D8491BC39}"/>
-              </a:ext>
-            </a:extLst>
-          </p:cNvPr>
-          <p:cNvPicPr>
-            <a:picLocks noChangeAspect="1" noChangeArrowheads="1"/>
-          </p:cNvPicPr>
-          <p:nvPr/>
-        </p:nvPicPr>
-        <p:blipFill>
-          <a:blip r:embed="rId2">
-            <a:extLst>
-              <a:ext uri="{28A0092B-C50C-407E-A947-70E740481C1C}">
-                <a14:useLocalDpi xmlns:a14="http://schemas.microsoft.com/office/drawing/2010/main" val="0"/>
-              </a:ext>
-            </a:extLst>
-          </a:blip>
-          <a:srcRect/>
-          <a:stretch>
-            <a:fillRect/>
-          </a:stretch>
-        </p:blipFill>
-        <p:spPr bwMode="auto">
-          <a:xfrm>
-            <a:off x="7956550" y="4606925"/>
-            <a:ext cx="1081088" cy="450850"/>
-          </a:xfrm>
-          <a:prstGeom prst="rect">
-            <a:avLst/>
-          </a:prstGeom>
-          <a:noFill/>
-          <a:ln>
-            <a:noFill/>
-          </a:ln>
-          <a:effectLst/>
-          <a:extLst>
-            <a:ext uri="{909E8E84-426E-40DD-AFC4-6F175D3DCCD1}">
-              <a14:hiddenFill xmlns:a14="http://schemas.microsoft.com/office/drawing/2010/main">
-                <a:solidFill>
-                  <a:srgbClr val="FFFFFF"/>
-                </a:solidFill>
-              </a14:hiddenFill>
-            </a:ext>
-            <a:ext uri="{91240B29-F687-4F45-9708-019B960494DF}">
-              <a14:hiddenLine xmlns:a14="http://schemas.microsoft.com/office/drawing/2010/main" w="9525">
-                <a:solidFill>
-                  <a:srgbClr val="000000"/>
-                </a:solidFill>
-                <a:miter lim="800000"/>
-                <a:headEnd/>
-                <a:tailEnd/>
-              </a14:hiddenLine>
-            </a:ext>
-            <a:ext uri="{AF507438-7753-43E0-B8FC-AC1667EBCBE1}">
-              <a14:hiddenEffects xmlns:a14="http://schemas.microsoft.com/office/drawing/2010/main">
-                <a:effectLst>
-                  <a:outerShdw dist="35921" dir="2700000" algn="ctr" rotWithShape="0">
-                    <a:srgbClr val="808080"/>
-                  </a:outerShdw>
-                </a:effectLst>
-              </a14:hiddenEffects>
-            </a:ext>
-          </a:extLst>
-        </p:spPr>
-      </p:pic>
       <p:sp>
         <p:nvSpPr>
           <p:cNvPr id="3075" name="Title 1">
@@ -27026,76 +25527,6 @@
           <a:chExt cx="0" cy="0"/>
         </a:xfrm>
       </p:grpSpPr>
-      <p:pic>
-        <p:nvPicPr>
-          <p:cNvPr id="3074" name="Picture 2">
-            <a:extLst>
-              <a:ext uri="{FF2B5EF4-FFF2-40B4-BE49-F238E27FC236}">
-                <a16:creationId xmlns:a16="http://schemas.microsoft.com/office/drawing/2014/main" id="{602C339E-BA86-4A21-AB6C-4F6D8491BC39}"/>
-              </a:ext>
-            </a:extLst>
-          </p:cNvPr>
-          <p:cNvPicPr>
-            <a:picLocks noChangeAspect="1" noChangeArrowheads="1"/>
-          </p:cNvPicPr>
-          <p:nvPr/>
-        </p:nvPicPr>
-        <p:blipFill>
-          <a:blip r:embed="rId2">
-            <a:extLst>
-              <a:ext uri="{28A0092B-C50C-407E-A947-70E740481C1C}">
-                <a14:useLocalDpi xmlns:a14="http://schemas.microsoft.com/office/drawing/2010/main" val="0"/>
-              </a:ext>
-            </a:extLst>
-          </a:blip>
-          <a:srcRect/>
-          <a:stretch>
-            <a:fillRect/>
-          </a:stretch>
-        </p:blipFill>
-        <p:spPr bwMode="auto">
-          <a:xfrm>
-            <a:off x="7956550" y="4606925"/>
-            <a:ext cx="1081088" cy="450850"/>
-          </a:xfrm>
-          <a:prstGeom prst="rect">
-            <a:avLst/>
-          </a:prstGeom>
-          <a:noFill/>
-          <a:ln>
-            <a:noFill/>
-          </a:ln>
-          <a:effectLst/>
-          <a:extLst>
-            <a:ext uri="{909E8E84-426E-40DD-AFC4-6F175D3DCCD1}">
-              <a14:hiddenFill xmlns:a14="http://schemas.microsoft.com/office/drawing/2010/main">
-                <a:solidFill>
-                  <a:srgbClr val="FFFFFF"/>
-                </a:solidFill>
-              </a14:hiddenFill>
-            </a:ext>
-            <a:ext uri="{91240B29-F687-4F45-9708-019B960494DF}">
-              <a14:hiddenLine xmlns:a14="http://schemas.microsoft.com/office/drawing/2010/main" w="9525">
-                <a:solidFill>
-                  <a:srgbClr val="000000"/>
-                </a:solidFill>
-                <a:miter lim="800000"/>
-                <a:headEnd/>
-                <a:tailEnd/>
-              </a14:hiddenLine>
-            </a:ext>
-            <a:ext uri="{AF507438-7753-43E0-B8FC-AC1667EBCBE1}">
-              <a14:hiddenEffects xmlns:a14="http://schemas.microsoft.com/office/drawing/2010/main">
-                <a:effectLst>
-                  <a:outerShdw dist="35921" dir="2700000" algn="ctr" rotWithShape="0">
-                    <a:srgbClr val="808080"/>
-                  </a:outerShdw>
-                </a:effectLst>
-              </a14:hiddenEffects>
-            </a:ext>
-          </a:extLst>
-        </p:spPr>
-      </p:pic>
       <p:sp>
         <p:nvSpPr>
           <p:cNvPr id="3075" name="Title 1">
@@ -28064,76 +26495,6 @@
           <a:chExt cx="0" cy="0"/>
         </a:xfrm>
       </p:grpSpPr>
-      <p:pic>
-        <p:nvPicPr>
-          <p:cNvPr id="3074" name="Picture 2">
-            <a:extLst>
-              <a:ext uri="{FF2B5EF4-FFF2-40B4-BE49-F238E27FC236}">
-                <a16:creationId xmlns:a16="http://schemas.microsoft.com/office/drawing/2014/main" id="{602C339E-BA86-4A21-AB6C-4F6D8491BC39}"/>
-              </a:ext>
-            </a:extLst>
-          </p:cNvPr>
-          <p:cNvPicPr>
-            <a:picLocks noChangeAspect="1" noChangeArrowheads="1"/>
-          </p:cNvPicPr>
-          <p:nvPr/>
-        </p:nvPicPr>
-        <p:blipFill>
-          <a:blip r:embed="rId2">
-            <a:extLst>
-              <a:ext uri="{28A0092B-C50C-407E-A947-70E740481C1C}">
-                <a14:useLocalDpi xmlns:a14="http://schemas.microsoft.com/office/drawing/2010/main" val="0"/>
-              </a:ext>
-            </a:extLst>
-          </a:blip>
-          <a:srcRect/>
-          <a:stretch>
-            <a:fillRect/>
-          </a:stretch>
-        </p:blipFill>
-        <p:spPr bwMode="auto">
-          <a:xfrm>
-            <a:off x="7956550" y="4606925"/>
-            <a:ext cx="1081088" cy="450850"/>
-          </a:xfrm>
-          <a:prstGeom prst="rect">
-            <a:avLst/>
-          </a:prstGeom>
-          <a:noFill/>
-          <a:ln>
-            <a:noFill/>
-          </a:ln>
-          <a:effectLst/>
-          <a:extLst>
-            <a:ext uri="{909E8E84-426E-40DD-AFC4-6F175D3DCCD1}">
-              <a14:hiddenFill xmlns:a14="http://schemas.microsoft.com/office/drawing/2010/main">
-                <a:solidFill>
-                  <a:srgbClr val="FFFFFF"/>
-                </a:solidFill>
-              </a14:hiddenFill>
-            </a:ext>
-            <a:ext uri="{91240B29-F687-4F45-9708-019B960494DF}">
-              <a14:hiddenLine xmlns:a14="http://schemas.microsoft.com/office/drawing/2010/main" w="9525">
-                <a:solidFill>
-                  <a:srgbClr val="000000"/>
-                </a:solidFill>
-                <a:miter lim="800000"/>
-                <a:headEnd/>
-                <a:tailEnd/>
-              </a14:hiddenLine>
-            </a:ext>
-            <a:ext uri="{AF507438-7753-43E0-B8FC-AC1667EBCBE1}">
-              <a14:hiddenEffects xmlns:a14="http://schemas.microsoft.com/office/drawing/2010/main">
-                <a:effectLst>
-                  <a:outerShdw dist="35921" dir="2700000" algn="ctr" rotWithShape="0">
-                    <a:srgbClr val="808080"/>
-                  </a:outerShdw>
-                </a:effectLst>
-              </a14:hiddenEffects>
-            </a:ext>
-          </a:extLst>
-        </p:spPr>
-      </p:pic>
       <p:sp>
         <p:nvSpPr>
           <p:cNvPr id="3075" name="Title 1">
@@ -29000,76 +27361,6 @@
           <a:chExt cx="0" cy="0"/>
         </a:xfrm>
       </p:grpSpPr>
-      <p:pic>
-        <p:nvPicPr>
-          <p:cNvPr id="3074" name="Picture 2">
-            <a:extLst>
-              <a:ext uri="{FF2B5EF4-FFF2-40B4-BE49-F238E27FC236}">
-                <a16:creationId xmlns:a16="http://schemas.microsoft.com/office/drawing/2014/main" id="{602C339E-BA86-4A21-AB6C-4F6D8491BC39}"/>
-              </a:ext>
-            </a:extLst>
-          </p:cNvPr>
-          <p:cNvPicPr>
-            <a:picLocks noChangeAspect="1" noChangeArrowheads="1"/>
-          </p:cNvPicPr>
-          <p:nvPr/>
-        </p:nvPicPr>
-        <p:blipFill>
-          <a:blip r:embed="rId2">
-            <a:extLst>
-              <a:ext uri="{28A0092B-C50C-407E-A947-70E740481C1C}">
-                <a14:useLocalDpi xmlns:a14="http://schemas.microsoft.com/office/drawing/2010/main" val="0"/>
-              </a:ext>
-            </a:extLst>
-          </a:blip>
-          <a:srcRect/>
-          <a:stretch>
-            <a:fillRect/>
-          </a:stretch>
-        </p:blipFill>
-        <p:spPr bwMode="auto">
-          <a:xfrm>
-            <a:off x="7956550" y="4606925"/>
-            <a:ext cx="1081088" cy="450850"/>
-          </a:xfrm>
-          <a:prstGeom prst="rect">
-            <a:avLst/>
-          </a:prstGeom>
-          <a:noFill/>
-          <a:ln>
-            <a:noFill/>
-          </a:ln>
-          <a:effectLst/>
-          <a:extLst>
-            <a:ext uri="{909E8E84-426E-40DD-AFC4-6F175D3DCCD1}">
-              <a14:hiddenFill xmlns:a14="http://schemas.microsoft.com/office/drawing/2010/main">
-                <a:solidFill>
-                  <a:srgbClr val="FFFFFF"/>
-                </a:solidFill>
-              </a14:hiddenFill>
-            </a:ext>
-            <a:ext uri="{91240B29-F687-4F45-9708-019B960494DF}">
-              <a14:hiddenLine xmlns:a14="http://schemas.microsoft.com/office/drawing/2010/main" w="9525">
-                <a:solidFill>
-                  <a:srgbClr val="000000"/>
-                </a:solidFill>
-                <a:miter lim="800000"/>
-                <a:headEnd/>
-                <a:tailEnd/>
-              </a14:hiddenLine>
-            </a:ext>
-            <a:ext uri="{AF507438-7753-43E0-B8FC-AC1667EBCBE1}">
-              <a14:hiddenEffects xmlns:a14="http://schemas.microsoft.com/office/drawing/2010/main">
-                <a:effectLst>
-                  <a:outerShdw dist="35921" dir="2700000" algn="ctr" rotWithShape="0">
-                    <a:srgbClr val="808080"/>
-                  </a:outerShdw>
-                </a:effectLst>
-              </a14:hiddenEffects>
-            </a:ext>
-          </a:extLst>
-        </p:spPr>
-      </p:pic>
       <p:sp>
         <p:nvSpPr>
           <p:cNvPr id="3075" name="Title 1">
@@ -29763,76 +28054,6 @@
           <a:chExt cx="0" cy="0"/>
         </a:xfrm>
       </p:grpSpPr>
-      <p:pic>
-        <p:nvPicPr>
-          <p:cNvPr id="3074" name="Picture 2">
-            <a:extLst>
-              <a:ext uri="{FF2B5EF4-FFF2-40B4-BE49-F238E27FC236}">
-                <a16:creationId xmlns:a16="http://schemas.microsoft.com/office/drawing/2014/main" id="{602C339E-BA86-4A21-AB6C-4F6D8491BC39}"/>
-              </a:ext>
-            </a:extLst>
-          </p:cNvPr>
-          <p:cNvPicPr>
-            <a:picLocks noChangeAspect="1" noChangeArrowheads="1"/>
-          </p:cNvPicPr>
-          <p:nvPr/>
-        </p:nvPicPr>
-        <p:blipFill>
-          <a:blip r:embed="rId2">
-            <a:extLst>
-              <a:ext uri="{28A0092B-C50C-407E-A947-70E740481C1C}">
-                <a14:useLocalDpi xmlns:a14="http://schemas.microsoft.com/office/drawing/2010/main" val="0"/>
-              </a:ext>
-            </a:extLst>
-          </a:blip>
-          <a:srcRect/>
-          <a:stretch>
-            <a:fillRect/>
-          </a:stretch>
-        </p:blipFill>
-        <p:spPr bwMode="auto">
-          <a:xfrm>
-            <a:off x="7956550" y="4606925"/>
-            <a:ext cx="1081088" cy="450850"/>
-          </a:xfrm>
-          <a:prstGeom prst="rect">
-            <a:avLst/>
-          </a:prstGeom>
-          <a:noFill/>
-          <a:ln>
-            <a:noFill/>
-          </a:ln>
-          <a:effectLst/>
-          <a:extLst>
-            <a:ext uri="{909E8E84-426E-40DD-AFC4-6F175D3DCCD1}">
-              <a14:hiddenFill xmlns:a14="http://schemas.microsoft.com/office/drawing/2010/main">
-                <a:solidFill>
-                  <a:srgbClr val="FFFFFF"/>
-                </a:solidFill>
-              </a14:hiddenFill>
-            </a:ext>
-            <a:ext uri="{91240B29-F687-4F45-9708-019B960494DF}">
-              <a14:hiddenLine xmlns:a14="http://schemas.microsoft.com/office/drawing/2010/main" w="9525">
-                <a:solidFill>
-                  <a:srgbClr val="000000"/>
-                </a:solidFill>
-                <a:miter lim="800000"/>
-                <a:headEnd/>
-                <a:tailEnd/>
-              </a14:hiddenLine>
-            </a:ext>
-            <a:ext uri="{AF507438-7753-43E0-B8FC-AC1667EBCBE1}">
-              <a14:hiddenEffects xmlns:a14="http://schemas.microsoft.com/office/drawing/2010/main">
-                <a:effectLst>
-                  <a:outerShdw dist="35921" dir="2700000" algn="ctr" rotWithShape="0">
-                    <a:srgbClr val="808080"/>
-                  </a:outerShdw>
-                </a:effectLst>
-              </a14:hiddenEffects>
-            </a:ext>
-          </a:extLst>
-        </p:spPr>
-      </p:pic>
       <p:sp>
         <p:nvSpPr>
           <p:cNvPr id="3075" name="Title 1">
@@ -30396,76 +28617,6 @@
           <a:chExt cx="0" cy="0"/>
         </a:xfrm>
       </p:grpSpPr>
-      <p:pic>
-        <p:nvPicPr>
-          <p:cNvPr id="3074" name="Picture 2">
-            <a:extLst>
-              <a:ext uri="{FF2B5EF4-FFF2-40B4-BE49-F238E27FC236}">
-                <a16:creationId xmlns:a16="http://schemas.microsoft.com/office/drawing/2014/main" id="{602C339E-BA86-4A21-AB6C-4F6D8491BC39}"/>
-              </a:ext>
-            </a:extLst>
-          </p:cNvPr>
-          <p:cNvPicPr>
-            <a:picLocks noChangeAspect="1" noChangeArrowheads="1"/>
-          </p:cNvPicPr>
-          <p:nvPr/>
-        </p:nvPicPr>
-        <p:blipFill>
-          <a:blip r:embed="rId2">
-            <a:extLst>
-              <a:ext uri="{28A0092B-C50C-407E-A947-70E740481C1C}">
-                <a14:useLocalDpi xmlns:a14="http://schemas.microsoft.com/office/drawing/2010/main" val="0"/>
-              </a:ext>
-            </a:extLst>
-          </a:blip>
-          <a:srcRect/>
-          <a:stretch>
-            <a:fillRect/>
-          </a:stretch>
-        </p:blipFill>
-        <p:spPr bwMode="auto">
-          <a:xfrm>
-            <a:off x="7956550" y="4606925"/>
-            <a:ext cx="1081088" cy="450850"/>
-          </a:xfrm>
-          <a:prstGeom prst="rect">
-            <a:avLst/>
-          </a:prstGeom>
-          <a:noFill/>
-          <a:ln>
-            <a:noFill/>
-          </a:ln>
-          <a:effectLst/>
-          <a:extLst>
-            <a:ext uri="{909E8E84-426E-40DD-AFC4-6F175D3DCCD1}">
-              <a14:hiddenFill xmlns:a14="http://schemas.microsoft.com/office/drawing/2010/main">
-                <a:solidFill>
-                  <a:srgbClr val="FFFFFF"/>
-                </a:solidFill>
-              </a14:hiddenFill>
-            </a:ext>
-            <a:ext uri="{91240B29-F687-4F45-9708-019B960494DF}">
-              <a14:hiddenLine xmlns:a14="http://schemas.microsoft.com/office/drawing/2010/main" w="9525">
-                <a:solidFill>
-                  <a:srgbClr val="000000"/>
-                </a:solidFill>
-                <a:miter lim="800000"/>
-                <a:headEnd/>
-                <a:tailEnd/>
-              </a14:hiddenLine>
-            </a:ext>
-            <a:ext uri="{AF507438-7753-43E0-B8FC-AC1667EBCBE1}">
-              <a14:hiddenEffects xmlns:a14="http://schemas.microsoft.com/office/drawing/2010/main">
-                <a:effectLst>
-                  <a:outerShdw dist="35921" dir="2700000" algn="ctr" rotWithShape="0">
-                    <a:srgbClr val="808080"/>
-                  </a:outerShdw>
-                </a:effectLst>
-              </a14:hiddenEffects>
-            </a:ext>
-          </a:extLst>
-        </p:spPr>
-      </p:pic>
       <p:sp>
         <p:nvSpPr>
           <p:cNvPr id="3075" name="Title 1">
@@ -30879,66 +29030,6 @@
           <a:chExt cx="0" cy="0"/>
         </a:xfrm>
       </p:grpSpPr>
-      <p:pic>
-        <p:nvPicPr>
-          <p:cNvPr id="8194" name="Picture 2" descr="D:\work\CSDN学院ppt\5.jpg">
-            <a:extLst>
-              <a:ext uri="{FF2B5EF4-FFF2-40B4-BE49-F238E27FC236}">
-                <a16:creationId xmlns:a16="http://schemas.microsoft.com/office/drawing/2014/main" id="{83E22A5A-51B9-4467-B4B9-86F64AB306C3}"/>
-              </a:ext>
-            </a:extLst>
-          </p:cNvPr>
-          <p:cNvPicPr>
-            <a:picLocks noChangeAspect="1" noChangeArrowheads="1"/>
-          </p:cNvPicPr>
-          <p:nvPr/>
-        </p:nvPicPr>
-        <p:blipFill>
-          <a:blip r:embed="rId2">
-            <a:extLst>
-              <a:ext uri="{28A0092B-C50C-407E-A947-70E740481C1C}">
-                <a14:useLocalDpi xmlns:a14="http://schemas.microsoft.com/office/drawing/2010/main" val="0"/>
-              </a:ext>
-            </a:extLst>
-          </a:blip>
-          <a:srcRect/>
-          <a:stretch>
-            <a:fillRect/>
-          </a:stretch>
-        </p:blipFill>
-        <p:spPr bwMode="auto">
-          <a:xfrm>
-            <a:off x="0" y="0"/>
-            <a:ext cx="9140825" cy="5141913"/>
-          </a:xfrm>
-          <a:prstGeom prst="rect">
-            <a:avLst/>
-          </a:prstGeom>
-          <a:noFill/>
-          <a:ln>
-            <a:noFill/>
-          </a:ln>
-          <a:extLst>
-            <a:ext uri="{909E8E84-426E-40DD-AFC4-6F175D3DCCD1}">
-              <a14:hiddenFill xmlns:a14="http://schemas.microsoft.com/office/drawing/2010/main">
-                <a:solidFill>
-                  <a:srgbClr val="FFFFFF"/>
-                </a:solidFill>
-              </a14:hiddenFill>
-            </a:ext>
-            <a:ext uri="{91240B29-F687-4F45-9708-019B960494DF}">
-              <a14:hiddenLine xmlns:a14="http://schemas.microsoft.com/office/drawing/2010/main" w="9525">
-                <a:solidFill>
-                  <a:srgbClr val="000000"/>
-                </a:solidFill>
-                <a:miter lim="800000"/>
-                <a:headEnd/>
-                <a:tailEnd/>
-              </a14:hiddenLine>
-            </a:ext>
-          </a:extLst>
-        </p:spPr>
-      </p:pic>
       <p:sp>
         <p:nvSpPr>
           <p:cNvPr id="8195" name="Title 1">
@@ -31123,774 +29214,6 @@
               <a:ea typeface="Arial Unicode MS" panose="020B0604020202020204" pitchFamily="34" charset="-122"/>
               <a:cs typeface="Arial Unicode MS" panose="020B0604020202020204" pitchFamily="34" charset="-122"/>
               <a:sym typeface="Arial Unicode MS" panose="020B0604020202020204" pitchFamily="34" charset="-122"/>
-            </a:endParaRPr>
-          </a:p>
-        </p:txBody>
-      </p:sp>
-      <p:sp>
-        <p:nvSpPr>
-          <p:cNvPr id="8196" name="矩形 3">
-            <a:extLst>
-              <a:ext uri="{FF2B5EF4-FFF2-40B4-BE49-F238E27FC236}">
-                <a16:creationId xmlns:a16="http://schemas.microsoft.com/office/drawing/2014/main" id="{BE5C8F9D-FB92-4FE2-AA09-E91256B20DEA}"/>
-              </a:ext>
-            </a:extLst>
-          </p:cNvPr>
-          <p:cNvSpPr>
-            <a:spLocks noChangeArrowheads="1"/>
-          </p:cNvSpPr>
-          <p:nvPr/>
-        </p:nvSpPr>
-        <p:spPr bwMode="auto">
-          <a:xfrm>
-            <a:off x="4357688" y="3019425"/>
-            <a:ext cx="2662237" cy="923925"/>
-          </a:xfrm>
-          <a:prstGeom prst="rect">
-            <a:avLst/>
-          </a:prstGeom>
-          <a:noFill/>
-          <a:ln>
-            <a:noFill/>
-          </a:ln>
-          <a:extLst>
-            <a:ext uri="{909E8E84-426E-40DD-AFC4-6F175D3DCCD1}">
-              <a14:hiddenFill xmlns:a14="http://schemas.microsoft.com/office/drawing/2010/main">
-                <a:solidFill>
-                  <a:srgbClr val="FFFFFF"/>
-                </a:solidFill>
-              </a14:hiddenFill>
-            </a:ext>
-            <a:ext uri="{91240B29-F687-4F45-9708-019B960494DF}">
-              <a14:hiddenLine xmlns:a14="http://schemas.microsoft.com/office/drawing/2010/main" w="9525">
-                <a:solidFill>
-                  <a:srgbClr val="000000"/>
-                </a:solidFill>
-                <a:miter lim="800000"/>
-                <a:headEnd/>
-                <a:tailEnd/>
-              </a14:hiddenLine>
-            </a:ext>
-          </a:extLst>
-        </p:spPr>
-        <p:txBody>
-          <a:bodyPr>
-            <a:spAutoFit/>
-          </a:bodyPr>
-          <a:lstStyle>
-            <a:lvl1pPr>
-              <a:buFont typeface="Arial" panose="020B0604020202020204" pitchFamily="34" charset="0"/>
-              <a:defRPr>
-                <a:solidFill>
-                  <a:schemeClr val="tx1"/>
-                </a:solidFill>
-                <a:latin typeface="Arial" panose="020B0604020202020204" pitchFamily="34" charset="0"/>
-                <a:ea typeface="宋体" panose="02010600030101010101" pitchFamily="2" charset="-122"/>
-              </a:defRPr>
-            </a:lvl1pPr>
-            <a:lvl2pPr marL="742950" indent="-285750">
-              <a:buFont typeface="Arial" panose="020B0604020202020204" pitchFamily="34" charset="0"/>
-              <a:defRPr>
-                <a:solidFill>
-                  <a:schemeClr val="tx1"/>
-                </a:solidFill>
-                <a:latin typeface="Arial" panose="020B0604020202020204" pitchFamily="34" charset="0"/>
-                <a:ea typeface="宋体" panose="02010600030101010101" pitchFamily="2" charset="-122"/>
-              </a:defRPr>
-            </a:lvl2pPr>
-            <a:lvl3pPr marL="1143000" indent="-228600">
-              <a:buFont typeface="Arial" panose="020B0604020202020204" pitchFamily="34" charset="0"/>
-              <a:defRPr>
-                <a:solidFill>
-                  <a:schemeClr val="tx1"/>
-                </a:solidFill>
-                <a:latin typeface="Arial" panose="020B0604020202020204" pitchFamily="34" charset="0"/>
-                <a:ea typeface="宋体" panose="02010600030101010101" pitchFamily="2" charset="-122"/>
-              </a:defRPr>
-            </a:lvl3pPr>
-            <a:lvl4pPr marL="1600200" indent="-228600">
-              <a:buFont typeface="Arial" panose="020B0604020202020204" pitchFamily="34" charset="0"/>
-              <a:defRPr>
-                <a:solidFill>
-                  <a:schemeClr val="tx1"/>
-                </a:solidFill>
-                <a:latin typeface="Arial" panose="020B0604020202020204" pitchFamily="34" charset="0"/>
-                <a:ea typeface="宋体" panose="02010600030101010101" pitchFamily="2" charset="-122"/>
-              </a:defRPr>
-            </a:lvl4pPr>
-            <a:lvl5pPr marL="2057400" indent="-228600">
-              <a:buFont typeface="Arial" panose="020B0604020202020204" pitchFamily="34" charset="0"/>
-              <a:defRPr>
-                <a:solidFill>
-                  <a:schemeClr val="tx1"/>
-                </a:solidFill>
-                <a:latin typeface="Arial" panose="020B0604020202020204" pitchFamily="34" charset="0"/>
-                <a:ea typeface="宋体" panose="02010600030101010101" pitchFamily="2" charset="-122"/>
-              </a:defRPr>
-            </a:lvl5pPr>
-            <a:lvl6pPr marL="2514600" indent="-228600" eaLnBrk="0" fontAlgn="base" hangingPunct="0">
-              <a:spcBef>
-                <a:spcPct val="0"/>
-              </a:spcBef>
-              <a:spcAft>
-                <a:spcPct val="0"/>
-              </a:spcAft>
-              <a:buFont typeface="Arial" panose="020B0604020202020204" pitchFamily="34" charset="0"/>
-              <a:defRPr>
-                <a:solidFill>
-                  <a:schemeClr val="tx1"/>
-                </a:solidFill>
-                <a:latin typeface="Arial" panose="020B0604020202020204" pitchFamily="34" charset="0"/>
-                <a:ea typeface="宋体" panose="02010600030101010101" pitchFamily="2" charset="-122"/>
-              </a:defRPr>
-            </a:lvl6pPr>
-            <a:lvl7pPr marL="2971800" indent="-228600" eaLnBrk="0" fontAlgn="base" hangingPunct="0">
-              <a:spcBef>
-                <a:spcPct val="0"/>
-              </a:spcBef>
-              <a:spcAft>
-                <a:spcPct val="0"/>
-              </a:spcAft>
-              <a:buFont typeface="Arial" panose="020B0604020202020204" pitchFamily="34" charset="0"/>
-              <a:defRPr>
-                <a:solidFill>
-                  <a:schemeClr val="tx1"/>
-                </a:solidFill>
-                <a:latin typeface="Arial" panose="020B0604020202020204" pitchFamily="34" charset="0"/>
-                <a:ea typeface="宋体" panose="02010600030101010101" pitchFamily="2" charset="-122"/>
-              </a:defRPr>
-            </a:lvl7pPr>
-            <a:lvl8pPr marL="3429000" indent="-228600" eaLnBrk="0" fontAlgn="base" hangingPunct="0">
-              <a:spcBef>
-                <a:spcPct val="0"/>
-              </a:spcBef>
-              <a:spcAft>
-                <a:spcPct val="0"/>
-              </a:spcAft>
-              <a:buFont typeface="Arial" panose="020B0604020202020204" pitchFamily="34" charset="0"/>
-              <a:defRPr>
-                <a:solidFill>
-                  <a:schemeClr val="tx1"/>
-                </a:solidFill>
-                <a:latin typeface="Arial" panose="020B0604020202020204" pitchFamily="34" charset="0"/>
-                <a:ea typeface="宋体" panose="02010600030101010101" pitchFamily="2" charset="-122"/>
-              </a:defRPr>
-            </a:lvl8pPr>
-            <a:lvl9pPr marL="3886200" indent="-228600" eaLnBrk="0" fontAlgn="base" hangingPunct="0">
-              <a:spcBef>
-                <a:spcPct val="0"/>
-              </a:spcBef>
-              <a:spcAft>
-                <a:spcPct val="0"/>
-              </a:spcAft>
-              <a:buFont typeface="Arial" panose="020B0604020202020204" pitchFamily="34" charset="0"/>
-              <a:defRPr>
-                <a:solidFill>
-                  <a:schemeClr val="tx1"/>
-                </a:solidFill>
-                <a:latin typeface="Arial" panose="020B0604020202020204" pitchFamily="34" charset="0"/>
-                <a:ea typeface="宋体" panose="02010600030101010101" pitchFamily="2" charset="-122"/>
-              </a:defRPr>
-            </a:lvl9pPr>
-          </a:lstStyle>
-          <a:p>
-            <a:pPr eaLnBrk="1" hangingPunct="1"/>
-            <a:r>
-              <a:rPr lang="en-US" altLang="zh-CN" sz="900">
-                <a:solidFill>
-                  <a:srgbClr val="7F7F7F"/>
-                </a:solidFill>
-                <a:latin typeface="微软雅黑" panose="020B0503020204020204" pitchFamily="34" charset="-122"/>
-                <a:ea typeface="微软雅黑" panose="020B0503020204020204" pitchFamily="34" charset="-122"/>
-                <a:sym typeface="微软雅黑" panose="020B0503020204020204" pitchFamily="34" charset="-122"/>
-              </a:rPr>
-              <a:t>CSDN</a:t>
-            </a:r>
-            <a:r>
-              <a:rPr lang="zh-CN" altLang="en-US" sz="900">
-                <a:solidFill>
-                  <a:srgbClr val="7F7F7F"/>
-                </a:solidFill>
-                <a:latin typeface="微软雅黑" panose="020B0503020204020204" pitchFamily="34" charset="-122"/>
-                <a:ea typeface="微软雅黑" panose="020B0503020204020204" pitchFamily="34" charset="-122"/>
-                <a:sym typeface="微软雅黑" panose="020B0503020204020204" pitchFamily="34" charset="-122"/>
-              </a:rPr>
-              <a:t>网站：</a:t>
-            </a:r>
-            <a:r>
-              <a:rPr lang="en-US" altLang="zh-CN" sz="900">
-                <a:solidFill>
-                  <a:srgbClr val="7F7F7F"/>
-                </a:solidFill>
-                <a:latin typeface="微软雅黑" panose="020B0503020204020204" pitchFamily="34" charset="-122"/>
-                <a:ea typeface="微软雅黑" panose="020B0503020204020204" pitchFamily="34" charset="-122"/>
-                <a:sym typeface="微软雅黑" panose="020B0503020204020204" pitchFamily="34" charset="-122"/>
-              </a:rPr>
-              <a:t>www.csdn.net</a:t>
-            </a:r>
-            <a:endParaRPr lang="zh-CN" altLang="en-US" sz="900">
-              <a:solidFill>
-                <a:srgbClr val="7F7F7F"/>
-              </a:solidFill>
-              <a:latin typeface="微软雅黑" panose="020B0503020204020204" pitchFamily="34" charset="-122"/>
-              <a:ea typeface="微软雅黑" panose="020B0503020204020204" pitchFamily="34" charset="-122"/>
-              <a:sym typeface="微软雅黑" panose="020B0503020204020204" pitchFamily="34" charset="-122"/>
-            </a:endParaRPr>
-          </a:p>
-          <a:p>
-            <a:pPr eaLnBrk="1" hangingPunct="1"/>
-            <a:r>
-              <a:rPr lang="zh-CN" altLang="en-US" sz="900">
-                <a:solidFill>
-                  <a:srgbClr val="7F7F7F"/>
-                </a:solidFill>
-                <a:latin typeface="微软雅黑" panose="020B0503020204020204" pitchFamily="34" charset="-122"/>
-                <a:ea typeface="微软雅黑" panose="020B0503020204020204" pitchFamily="34" charset="-122"/>
-                <a:sym typeface="微软雅黑" panose="020B0503020204020204" pitchFamily="34" charset="-122"/>
-              </a:rPr>
-              <a:t>企业服务：</a:t>
-            </a:r>
-            <a:r>
-              <a:rPr lang="en-US" altLang="zh-CN" sz="900">
-                <a:solidFill>
-                  <a:srgbClr val="7F7F7F"/>
-                </a:solidFill>
-                <a:latin typeface="微软雅黑" panose="020B0503020204020204" pitchFamily="34" charset="-122"/>
-                <a:ea typeface="微软雅黑" panose="020B0503020204020204" pitchFamily="34" charset="-122"/>
-                <a:sym typeface="微软雅黑" panose="020B0503020204020204" pitchFamily="34" charset="-122"/>
-              </a:rPr>
-              <a:t>http://ems.csdn.net/</a:t>
-            </a:r>
-            <a:endParaRPr lang="zh-CN" altLang="en-US" sz="900">
-              <a:solidFill>
-                <a:srgbClr val="7F7F7F"/>
-              </a:solidFill>
-              <a:latin typeface="微软雅黑" panose="020B0503020204020204" pitchFamily="34" charset="-122"/>
-              <a:ea typeface="微软雅黑" panose="020B0503020204020204" pitchFamily="34" charset="-122"/>
-              <a:sym typeface="微软雅黑" panose="020B0503020204020204" pitchFamily="34" charset="-122"/>
-            </a:endParaRPr>
-          </a:p>
-          <a:p>
-            <a:pPr eaLnBrk="1" hangingPunct="1"/>
-            <a:r>
-              <a:rPr lang="zh-CN" altLang="en-US" sz="900">
-                <a:solidFill>
-                  <a:srgbClr val="7F7F7F"/>
-                </a:solidFill>
-                <a:latin typeface="微软雅黑" panose="020B0503020204020204" pitchFamily="34" charset="-122"/>
-                <a:ea typeface="微软雅黑" panose="020B0503020204020204" pitchFamily="34" charset="-122"/>
-                <a:sym typeface="微软雅黑" panose="020B0503020204020204" pitchFamily="34" charset="-122"/>
-              </a:rPr>
-              <a:t>人才服务：</a:t>
-            </a:r>
-            <a:r>
-              <a:rPr lang="en-US" altLang="zh-CN" sz="900">
-                <a:solidFill>
-                  <a:srgbClr val="7F7F7F"/>
-                </a:solidFill>
-                <a:latin typeface="微软雅黑" panose="020B0503020204020204" pitchFamily="34" charset="-122"/>
-                <a:ea typeface="微软雅黑" panose="020B0503020204020204" pitchFamily="34" charset="-122"/>
-                <a:sym typeface="微软雅黑" panose="020B0503020204020204" pitchFamily="34" charset="-122"/>
-              </a:rPr>
-              <a:t>http://job.csdn.net/</a:t>
-            </a:r>
-            <a:endParaRPr lang="zh-CN" altLang="en-US" sz="900">
-              <a:solidFill>
-                <a:srgbClr val="7F7F7F"/>
-              </a:solidFill>
-              <a:latin typeface="微软雅黑" panose="020B0503020204020204" pitchFamily="34" charset="-122"/>
-              <a:ea typeface="微软雅黑" panose="020B0503020204020204" pitchFamily="34" charset="-122"/>
-              <a:sym typeface="微软雅黑" panose="020B0503020204020204" pitchFamily="34" charset="-122"/>
-            </a:endParaRPr>
-          </a:p>
-          <a:p>
-            <a:pPr eaLnBrk="1" hangingPunct="1"/>
-            <a:r>
-              <a:rPr lang="en-US" altLang="zh-CN" sz="900">
-                <a:solidFill>
-                  <a:srgbClr val="7F7F7F"/>
-                </a:solidFill>
-                <a:latin typeface="微软雅黑" panose="020B0503020204020204" pitchFamily="34" charset="-122"/>
-                <a:ea typeface="微软雅黑" panose="020B0503020204020204" pitchFamily="34" charset="-122"/>
-                <a:sym typeface="微软雅黑" panose="020B0503020204020204" pitchFamily="34" charset="-122"/>
-              </a:rPr>
-              <a:t>CTO</a:t>
-            </a:r>
-            <a:r>
-              <a:rPr lang="zh-CN" altLang="en-US" sz="900">
-                <a:solidFill>
-                  <a:srgbClr val="7F7F7F"/>
-                </a:solidFill>
-                <a:latin typeface="微软雅黑" panose="020B0503020204020204" pitchFamily="34" charset="-122"/>
-                <a:ea typeface="微软雅黑" panose="020B0503020204020204" pitchFamily="34" charset="-122"/>
-                <a:sym typeface="微软雅黑" panose="020B0503020204020204" pitchFamily="34" charset="-122"/>
-              </a:rPr>
-              <a:t>俱乐部：</a:t>
-            </a:r>
-            <a:r>
-              <a:rPr lang="en-US" altLang="zh-CN" sz="900">
-                <a:solidFill>
-                  <a:srgbClr val="7F7F7F"/>
-                </a:solidFill>
-                <a:latin typeface="微软雅黑" panose="020B0503020204020204" pitchFamily="34" charset="-122"/>
-                <a:ea typeface="微软雅黑" panose="020B0503020204020204" pitchFamily="34" charset="-122"/>
-                <a:sym typeface="微软雅黑" panose="020B0503020204020204" pitchFamily="34" charset="-122"/>
-              </a:rPr>
-              <a:t>http://cto.csdn.net/</a:t>
-            </a:r>
-            <a:endParaRPr lang="zh-CN" altLang="en-US" sz="900">
-              <a:solidFill>
-                <a:srgbClr val="7F7F7F"/>
-              </a:solidFill>
-              <a:latin typeface="微软雅黑" panose="020B0503020204020204" pitchFamily="34" charset="-122"/>
-              <a:ea typeface="微软雅黑" panose="020B0503020204020204" pitchFamily="34" charset="-122"/>
-              <a:sym typeface="微软雅黑" panose="020B0503020204020204" pitchFamily="34" charset="-122"/>
-            </a:endParaRPr>
-          </a:p>
-          <a:p>
-            <a:pPr eaLnBrk="1" hangingPunct="1"/>
-            <a:r>
-              <a:rPr lang="zh-CN" altLang="en-US" sz="900">
-                <a:solidFill>
-                  <a:srgbClr val="7F7F7F"/>
-                </a:solidFill>
-                <a:latin typeface="微软雅黑" panose="020B0503020204020204" pitchFamily="34" charset="-122"/>
-                <a:ea typeface="微软雅黑" panose="020B0503020204020204" pitchFamily="34" charset="-122"/>
-                <a:sym typeface="微软雅黑" panose="020B0503020204020204" pitchFamily="34" charset="-122"/>
-              </a:rPr>
-              <a:t>高校俱乐部：</a:t>
-            </a:r>
-            <a:r>
-              <a:rPr lang="en-US" altLang="zh-CN" sz="900">
-                <a:solidFill>
-                  <a:srgbClr val="7F7F7F"/>
-                </a:solidFill>
-                <a:latin typeface="微软雅黑" panose="020B0503020204020204" pitchFamily="34" charset="-122"/>
-                <a:ea typeface="微软雅黑" panose="020B0503020204020204" pitchFamily="34" charset="-122"/>
-                <a:sym typeface="微软雅黑" panose="020B0503020204020204" pitchFamily="34" charset="-122"/>
-              </a:rPr>
-              <a:t>http://student.csdn.net/</a:t>
-            </a:r>
-            <a:endParaRPr lang="zh-CN" altLang="en-US" sz="900">
-              <a:solidFill>
-                <a:srgbClr val="7F7F7F"/>
-              </a:solidFill>
-              <a:latin typeface="微软雅黑" panose="020B0503020204020204" pitchFamily="34" charset="-122"/>
-              <a:ea typeface="微软雅黑" panose="020B0503020204020204" pitchFamily="34" charset="-122"/>
-              <a:sym typeface="微软雅黑" panose="020B0503020204020204" pitchFamily="34" charset="-122"/>
-            </a:endParaRPr>
-          </a:p>
-          <a:p>
-            <a:pPr eaLnBrk="1" hangingPunct="1"/>
-            <a:r>
-              <a:rPr lang="zh-CN" altLang="en-US" sz="900">
-                <a:solidFill>
-                  <a:srgbClr val="7F7F7F"/>
-                </a:solidFill>
-                <a:latin typeface="微软雅黑" panose="020B0503020204020204" pitchFamily="34" charset="-122"/>
-                <a:ea typeface="微软雅黑" panose="020B0503020204020204" pitchFamily="34" charset="-122"/>
-                <a:sym typeface="微软雅黑" panose="020B0503020204020204" pitchFamily="34" charset="-122"/>
-              </a:rPr>
-              <a:t>程序员杂志：</a:t>
-            </a:r>
-            <a:r>
-              <a:rPr lang="en-US" altLang="zh-CN" sz="900">
-                <a:solidFill>
-                  <a:srgbClr val="7F7F7F"/>
-                </a:solidFill>
-                <a:latin typeface="微软雅黑" panose="020B0503020204020204" pitchFamily="34" charset="-122"/>
-                <a:ea typeface="微软雅黑" panose="020B0503020204020204" pitchFamily="34" charset="-122"/>
-                <a:sym typeface="微软雅黑" panose="020B0503020204020204" pitchFamily="34" charset="-122"/>
-              </a:rPr>
-              <a:t>http://programmer.csdn.net/</a:t>
-            </a:r>
-          </a:p>
-        </p:txBody>
-      </p:sp>
-      <p:sp>
-        <p:nvSpPr>
-          <p:cNvPr id="8197" name="矩形 4">
-            <a:extLst>
-              <a:ext uri="{FF2B5EF4-FFF2-40B4-BE49-F238E27FC236}">
-                <a16:creationId xmlns:a16="http://schemas.microsoft.com/office/drawing/2014/main" id="{5A550E93-40B1-4CA3-B718-1EE1D72F986A}"/>
-              </a:ext>
-            </a:extLst>
-          </p:cNvPr>
-          <p:cNvSpPr>
-            <a:spLocks noChangeArrowheads="1"/>
-          </p:cNvSpPr>
-          <p:nvPr/>
-        </p:nvSpPr>
-        <p:spPr bwMode="auto">
-          <a:xfrm>
-            <a:off x="4368800" y="3952875"/>
-            <a:ext cx="4572000" cy="923925"/>
-          </a:xfrm>
-          <a:prstGeom prst="rect">
-            <a:avLst/>
-          </a:prstGeom>
-          <a:noFill/>
-          <a:ln>
-            <a:noFill/>
-          </a:ln>
-          <a:extLst>
-            <a:ext uri="{909E8E84-426E-40DD-AFC4-6F175D3DCCD1}">
-              <a14:hiddenFill xmlns:a14="http://schemas.microsoft.com/office/drawing/2010/main">
-                <a:solidFill>
-                  <a:srgbClr val="FFFFFF"/>
-                </a:solidFill>
-              </a14:hiddenFill>
-            </a:ext>
-            <a:ext uri="{91240B29-F687-4F45-9708-019B960494DF}">
-              <a14:hiddenLine xmlns:a14="http://schemas.microsoft.com/office/drawing/2010/main" w="9525">
-                <a:solidFill>
-                  <a:srgbClr val="000000"/>
-                </a:solidFill>
-                <a:miter lim="800000"/>
-                <a:headEnd/>
-                <a:tailEnd/>
-              </a14:hiddenLine>
-            </a:ext>
-          </a:extLst>
-        </p:spPr>
-        <p:txBody>
-          <a:bodyPr>
-            <a:spAutoFit/>
-          </a:bodyPr>
-          <a:lstStyle>
-            <a:lvl1pPr>
-              <a:buFont typeface="Arial" panose="020B0604020202020204" pitchFamily="34" charset="0"/>
-              <a:defRPr>
-                <a:solidFill>
-                  <a:schemeClr val="tx1"/>
-                </a:solidFill>
-                <a:latin typeface="Arial" panose="020B0604020202020204" pitchFamily="34" charset="0"/>
-                <a:ea typeface="宋体" panose="02010600030101010101" pitchFamily="2" charset="-122"/>
-              </a:defRPr>
-            </a:lvl1pPr>
-            <a:lvl2pPr marL="742950" indent="-285750">
-              <a:buFont typeface="Arial" panose="020B0604020202020204" pitchFamily="34" charset="0"/>
-              <a:defRPr>
-                <a:solidFill>
-                  <a:schemeClr val="tx1"/>
-                </a:solidFill>
-                <a:latin typeface="Arial" panose="020B0604020202020204" pitchFamily="34" charset="0"/>
-                <a:ea typeface="宋体" panose="02010600030101010101" pitchFamily="2" charset="-122"/>
-              </a:defRPr>
-            </a:lvl2pPr>
-            <a:lvl3pPr marL="1143000" indent="-228600">
-              <a:buFont typeface="Arial" panose="020B0604020202020204" pitchFamily="34" charset="0"/>
-              <a:defRPr>
-                <a:solidFill>
-                  <a:schemeClr val="tx1"/>
-                </a:solidFill>
-                <a:latin typeface="Arial" panose="020B0604020202020204" pitchFamily="34" charset="0"/>
-                <a:ea typeface="宋体" panose="02010600030101010101" pitchFamily="2" charset="-122"/>
-              </a:defRPr>
-            </a:lvl3pPr>
-            <a:lvl4pPr marL="1600200" indent="-228600">
-              <a:buFont typeface="Arial" panose="020B0604020202020204" pitchFamily="34" charset="0"/>
-              <a:defRPr>
-                <a:solidFill>
-                  <a:schemeClr val="tx1"/>
-                </a:solidFill>
-                <a:latin typeface="Arial" panose="020B0604020202020204" pitchFamily="34" charset="0"/>
-                <a:ea typeface="宋体" panose="02010600030101010101" pitchFamily="2" charset="-122"/>
-              </a:defRPr>
-            </a:lvl4pPr>
-            <a:lvl5pPr marL="2057400" indent="-228600">
-              <a:buFont typeface="Arial" panose="020B0604020202020204" pitchFamily="34" charset="0"/>
-              <a:defRPr>
-                <a:solidFill>
-                  <a:schemeClr val="tx1"/>
-                </a:solidFill>
-                <a:latin typeface="Arial" panose="020B0604020202020204" pitchFamily="34" charset="0"/>
-                <a:ea typeface="宋体" panose="02010600030101010101" pitchFamily="2" charset="-122"/>
-              </a:defRPr>
-            </a:lvl5pPr>
-            <a:lvl6pPr marL="2514600" indent="-228600" eaLnBrk="0" fontAlgn="base" hangingPunct="0">
-              <a:spcBef>
-                <a:spcPct val="0"/>
-              </a:spcBef>
-              <a:spcAft>
-                <a:spcPct val="0"/>
-              </a:spcAft>
-              <a:buFont typeface="Arial" panose="020B0604020202020204" pitchFamily="34" charset="0"/>
-              <a:defRPr>
-                <a:solidFill>
-                  <a:schemeClr val="tx1"/>
-                </a:solidFill>
-                <a:latin typeface="Arial" panose="020B0604020202020204" pitchFamily="34" charset="0"/>
-                <a:ea typeface="宋体" panose="02010600030101010101" pitchFamily="2" charset="-122"/>
-              </a:defRPr>
-            </a:lvl6pPr>
-            <a:lvl7pPr marL="2971800" indent="-228600" eaLnBrk="0" fontAlgn="base" hangingPunct="0">
-              <a:spcBef>
-                <a:spcPct val="0"/>
-              </a:spcBef>
-              <a:spcAft>
-                <a:spcPct val="0"/>
-              </a:spcAft>
-              <a:buFont typeface="Arial" panose="020B0604020202020204" pitchFamily="34" charset="0"/>
-              <a:defRPr>
-                <a:solidFill>
-                  <a:schemeClr val="tx1"/>
-                </a:solidFill>
-                <a:latin typeface="Arial" panose="020B0604020202020204" pitchFamily="34" charset="0"/>
-                <a:ea typeface="宋体" panose="02010600030101010101" pitchFamily="2" charset="-122"/>
-              </a:defRPr>
-            </a:lvl7pPr>
-            <a:lvl8pPr marL="3429000" indent="-228600" eaLnBrk="0" fontAlgn="base" hangingPunct="0">
-              <a:spcBef>
-                <a:spcPct val="0"/>
-              </a:spcBef>
-              <a:spcAft>
-                <a:spcPct val="0"/>
-              </a:spcAft>
-              <a:buFont typeface="Arial" panose="020B0604020202020204" pitchFamily="34" charset="0"/>
-              <a:defRPr>
-                <a:solidFill>
-                  <a:schemeClr val="tx1"/>
-                </a:solidFill>
-                <a:latin typeface="Arial" panose="020B0604020202020204" pitchFamily="34" charset="0"/>
-                <a:ea typeface="宋体" panose="02010600030101010101" pitchFamily="2" charset="-122"/>
-              </a:defRPr>
-            </a:lvl8pPr>
-            <a:lvl9pPr marL="3886200" indent="-228600" eaLnBrk="0" fontAlgn="base" hangingPunct="0">
-              <a:spcBef>
-                <a:spcPct val="0"/>
-              </a:spcBef>
-              <a:spcAft>
-                <a:spcPct val="0"/>
-              </a:spcAft>
-              <a:buFont typeface="Arial" panose="020B0604020202020204" pitchFamily="34" charset="0"/>
-              <a:defRPr>
-                <a:solidFill>
-                  <a:schemeClr val="tx1"/>
-                </a:solidFill>
-                <a:latin typeface="Arial" panose="020B0604020202020204" pitchFamily="34" charset="0"/>
-                <a:ea typeface="宋体" panose="02010600030101010101" pitchFamily="2" charset="-122"/>
-              </a:defRPr>
-            </a:lvl9pPr>
-          </a:lstStyle>
-          <a:p>
-            <a:pPr eaLnBrk="1" hangingPunct="1"/>
-            <a:r>
-              <a:rPr lang="en-US" altLang="zh-CN" sz="900">
-                <a:solidFill>
-                  <a:srgbClr val="7F7F7F"/>
-                </a:solidFill>
-                <a:latin typeface="微软雅黑" panose="020B0503020204020204" pitchFamily="34" charset="-122"/>
-                <a:ea typeface="微软雅黑" panose="020B0503020204020204" pitchFamily="34" charset="-122"/>
-                <a:sym typeface="微软雅黑" panose="020B0503020204020204" pitchFamily="34" charset="-122"/>
-              </a:rPr>
-              <a:t>CODE</a:t>
-            </a:r>
-            <a:r>
-              <a:rPr lang="zh-CN" altLang="en-US" sz="900">
-                <a:solidFill>
-                  <a:srgbClr val="7F7F7F"/>
-                </a:solidFill>
-                <a:latin typeface="微软雅黑" panose="020B0503020204020204" pitchFamily="34" charset="-122"/>
-                <a:ea typeface="微软雅黑" panose="020B0503020204020204" pitchFamily="34" charset="-122"/>
-                <a:sym typeface="微软雅黑" panose="020B0503020204020204" pitchFamily="34" charset="-122"/>
-              </a:rPr>
-              <a:t>平台：</a:t>
-            </a:r>
-            <a:r>
-              <a:rPr lang="en-US" altLang="zh-CN" sz="900">
-                <a:solidFill>
-                  <a:srgbClr val="7F7F7F"/>
-                </a:solidFill>
-                <a:latin typeface="微软雅黑" panose="020B0503020204020204" pitchFamily="34" charset="-122"/>
-                <a:ea typeface="微软雅黑" panose="020B0503020204020204" pitchFamily="34" charset="-122"/>
-                <a:sym typeface="微软雅黑" panose="020B0503020204020204" pitchFamily="34" charset="-122"/>
-              </a:rPr>
-              <a:t>https://code.csdn.net/</a:t>
-            </a:r>
-            <a:endParaRPr lang="zh-CN" altLang="en-US" sz="900">
-              <a:solidFill>
-                <a:srgbClr val="7F7F7F"/>
-              </a:solidFill>
-              <a:latin typeface="微软雅黑" panose="020B0503020204020204" pitchFamily="34" charset="-122"/>
-              <a:ea typeface="微软雅黑" panose="020B0503020204020204" pitchFamily="34" charset="-122"/>
-              <a:sym typeface="微软雅黑" panose="020B0503020204020204" pitchFamily="34" charset="-122"/>
-            </a:endParaRPr>
-          </a:p>
-          <a:p>
-            <a:pPr eaLnBrk="1" hangingPunct="1"/>
-            <a:r>
-              <a:rPr lang="zh-CN" altLang="en-US" sz="900">
-                <a:solidFill>
-                  <a:srgbClr val="7F7F7F"/>
-                </a:solidFill>
-                <a:latin typeface="微软雅黑" panose="020B0503020204020204" pitchFamily="34" charset="-122"/>
-                <a:ea typeface="微软雅黑" panose="020B0503020204020204" pitchFamily="34" charset="-122"/>
-                <a:sym typeface="微软雅黑" panose="020B0503020204020204" pitchFamily="34" charset="-122"/>
-              </a:rPr>
-              <a:t>项目外包：</a:t>
-            </a:r>
-            <a:r>
-              <a:rPr lang="en-US" altLang="zh-CN" sz="900">
-                <a:solidFill>
-                  <a:srgbClr val="7F7F7F"/>
-                </a:solidFill>
-                <a:latin typeface="微软雅黑" panose="020B0503020204020204" pitchFamily="34" charset="-122"/>
-                <a:ea typeface="微软雅黑" panose="020B0503020204020204" pitchFamily="34" charset="-122"/>
-                <a:sym typeface="微软雅黑" panose="020B0503020204020204" pitchFamily="34" charset="-122"/>
-              </a:rPr>
-              <a:t>http://www.csto.com/</a:t>
-            </a:r>
-            <a:endParaRPr lang="zh-CN" altLang="en-US" sz="900">
-              <a:solidFill>
-                <a:srgbClr val="7F7F7F"/>
-              </a:solidFill>
-              <a:latin typeface="微软雅黑" panose="020B0503020204020204" pitchFamily="34" charset="-122"/>
-              <a:ea typeface="微软雅黑" panose="020B0503020204020204" pitchFamily="34" charset="-122"/>
-              <a:sym typeface="微软雅黑" panose="020B0503020204020204" pitchFamily="34" charset="-122"/>
-            </a:endParaRPr>
-          </a:p>
-          <a:p>
-            <a:pPr eaLnBrk="1" hangingPunct="1"/>
-            <a:r>
-              <a:rPr lang="en-US" altLang="zh-CN" sz="900">
-                <a:solidFill>
-                  <a:srgbClr val="7F7F7F"/>
-                </a:solidFill>
-                <a:latin typeface="微软雅黑" panose="020B0503020204020204" pitchFamily="34" charset="-122"/>
-                <a:ea typeface="微软雅黑" panose="020B0503020204020204" pitchFamily="34" charset="-122"/>
-                <a:sym typeface="微软雅黑" panose="020B0503020204020204" pitchFamily="34" charset="-122"/>
-              </a:rPr>
-              <a:t>CSDN</a:t>
-            </a:r>
-            <a:r>
-              <a:rPr lang="zh-CN" altLang="en-US" sz="900">
-                <a:solidFill>
-                  <a:srgbClr val="7F7F7F"/>
-                </a:solidFill>
-                <a:latin typeface="微软雅黑" panose="020B0503020204020204" pitchFamily="34" charset="-122"/>
-                <a:ea typeface="微软雅黑" panose="020B0503020204020204" pitchFamily="34" charset="-122"/>
-                <a:sym typeface="微软雅黑" panose="020B0503020204020204" pitchFamily="34" charset="-122"/>
-              </a:rPr>
-              <a:t>博客：</a:t>
-            </a:r>
-            <a:r>
-              <a:rPr lang="en-US" altLang="zh-CN" sz="900">
-                <a:solidFill>
-                  <a:srgbClr val="7F7F7F"/>
-                </a:solidFill>
-                <a:latin typeface="微软雅黑" panose="020B0503020204020204" pitchFamily="34" charset="-122"/>
-                <a:ea typeface="微软雅黑" panose="020B0503020204020204" pitchFamily="34" charset="-122"/>
-                <a:sym typeface="微软雅黑" panose="020B0503020204020204" pitchFamily="34" charset="-122"/>
-              </a:rPr>
-              <a:t>http://blog.csdn.net/</a:t>
-            </a:r>
-            <a:endParaRPr lang="zh-CN" altLang="en-US" sz="900">
-              <a:solidFill>
-                <a:srgbClr val="7F7F7F"/>
-              </a:solidFill>
-              <a:latin typeface="微软雅黑" panose="020B0503020204020204" pitchFamily="34" charset="-122"/>
-              <a:ea typeface="微软雅黑" panose="020B0503020204020204" pitchFamily="34" charset="-122"/>
-              <a:sym typeface="微软雅黑" panose="020B0503020204020204" pitchFamily="34" charset="-122"/>
-            </a:endParaRPr>
-          </a:p>
-          <a:p>
-            <a:pPr eaLnBrk="1" hangingPunct="1"/>
-            <a:r>
-              <a:rPr lang="en-US" altLang="zh-CN" sz="900">
-                <a:solidFill>
-                  <a:srgbClr val="7F7F7F"/>
-                </a:solidFill>
-                <a:latin typeface="微软雅黑" panose="020B0503020204020204" pitchFamily="34" charset="-122"/>
-                <a:ea typeface="微软雅黑" panose="020B0503020204020204" pitchFamily="34" charset="-122"/>
-                <a:sym typeface="微软雅黑" panose="020B0503020204020204" pitchFamily="34" charset="-122"/>
-              </a:rPr>
-              <a:t>CSDN</a:t>
-            </a:r>
-            <a:r>
-              <a:rPr lang="zh-CN" altLang="en-US" sz="900">
-                <a:solidFill>
-                  <a:srgbClr val="7F7F7F"/>
-                </a:solidFill>
-                <a:latin typeface="微软雅黑" panose="020B0503020204020204" pitchFamily="34" charset="-122"/>
-                <a:ea typeface="微软雅黑" panose="020B0503020204020204" pitchFamily="34" charset="-122"/>
-                <a:sym typeface="微软雅黑" panose="020B0503020204020204" pitchFamily="34" charset="-122"/>
-              </a:rPr>
-              <a:t>论坛：</a:t>
-            </a:r>
-            <a:r>
-              <a:rPr lang="en-US" altLang="zh-CN" sz="900">
-                <a:solidFill>
-                  <a:srgbClr val="7F7F7F"/>
-                </a:solidFill>
-                <a:latin typeface="微软雅黑" panose="020B0503020204020204" pitchFamily="34" charset="-122"/>
-                <a:ea typeface="微软雅黑" panose="020B0503020204020204" pitchFamily="34" charset="-122"/>
-                <a:sym typeface="微软雅黑" panose="020B0503020204020204" pitchFamily="34" charset="-122"/>
-              </a:rPr>
-              <a:t>http://bbs.csdn.net/</a:t>
-            </a:r>
-            <a:endParaRPr lang="zh-CN" altLang="en-US" sz="900">
-              <a:solidFill>
-                <a:srgbClr val="7F7F7F"/>
-              </a:solidFill>
-              <a:latin typeface="微软雅黑" panose="020B0503020204020204" pitchFamily="34" charset="-122"/>
-              <a:ea typeface="微软雅黑" panose="020B0503020204020204" pitchFamily="34" charset="-122"/>
-              <a:sym typeface="微软雅黑" panose="020B0503020204020204" pitchFamily="34" charset="-122"/>
-            </a:endParaRPr>
-          </a:p>
-          <a:p>
-            <a:pPr eaLnBrk="1" hangingPunct="1"/>
-            <a:r>
-              <a:rPr lang="en-US" altLang="zh-CN" sz="900">
-                <a:solidFill>
-                  <a:srgbClr val="7F7F7F"/>
-                </a:solidFill>
-                <a:latin typeface="微软雅黑" panose="020B0503020204020204" pitchFamily="34" charset="-122"/>
-                <a:ea typeface="微软雅黑" panose="020B0503020204020204" pitchFamily="34" charset="-122"/>
-                <a:sym typeface="微软雅黑" panose="020B0503020204020204" pitchFamily="34" charset="-122"/>
-              </a:rPr>
-              <a:t>CSDN</a:t>
-            </a:r>
-            <a:r>
-              <a:rPr lang="zh-CN" altLang="en-US" sz="900">
-                <a:solidFill>
-                  <a:srgbClr val="7F7F7F"/>
-                </a:solidFill>
-                <a:latin typeface="微软雅黑" panose="020B0503020204020204" pitchFamily="34" charset="-122"/>
-                <a:ea typeface="微软雅黑" panose="020B0503020204020204" pitchFamily="34" charset="-122"/>
-                <a:sym typeface="微软雅黑" panose="020B0503020204020204" pitchFamily="34" charset="-122"/>
-              </a:rPr>
-              <a:t>下载：</a:t>
-            </a:r>
-            <a:r>
-              <a:rPr lang="en-US" altLang="zh-CN" sz="900">
-                <a:solidFill>
-                  <a:srgbClr val="7F7F7F"/>
-                </a:solidFill>
-                <a:latin typeface="微软雅黑" panose="020B0503020204020204" pitchFamily="34" charset="-122"/>
-                <a:ea typeface="微软雅黑" panose="020B0503020204020204" pitchFamily="34" charset="-122"/>
-                <a:sym typeface="微软雅黑" panose="020B0503020204020204" pitchFamily="34" charset="-122"/>
-              </a:rPr>
-              <a:t>http://download.csdn.net/</a:t>
-            </a:r>
-            <a:endParaRPr lang="en-US" altLang="zh-CN" sz="900" b="1">
-              <a:solidFill>
-                <a:srgbClr val="7F7F7F"/>
-              </a:solidFill>
-              <a:latin typeface="微软雅黑" panose="020B0503020204020204" pitchFamily="34" charset="-122"/>
-              <a:ea typeface="微软雅黑" panose="020B0503020204020204" pitchFamily="34" charset="-122"/>
-              <a:sym typeface="微软雅黑" panose="020B0503020204020204" pitchFamily="34" charset="-122"/>
-            </a:endParaRPr>
-          </a:p>
-          <a:p>
-            <a:pPr eaLnBrk="1" hangingPunct="1"/>
-            <a:endParaRPr lang="zh-CN" altLang="en-US" sz="900">
-              <a:solidFill>
-                <a:srgbClr val="7F7F7F"/>
-              </a:solidFill>
-              <a:latin typeface="微软雅黑" panose="020B0503020204020204" pitchFamily="34" charset="-122"/>
-              <a:ea typeface="微软雅黑" panose="020B0503020204020204" pitchFamily="34" charset="-122"/>
-              <a:sym typeface="微软雅黑" panose="020B0503020204020204" pitchFamily="34" charset="-122"/>
             </a:endParaRPr>
           </a:p>
         </p:txBody>
@@ -32096,77 +29419,259 @@
           </a:p>
         </p:txBody>
       </p:sp>
+      <p:sp>
+        <p:nvSpPr>
+          <p:cNvPr id="8" name="矩形 6">
+            <a:extLst>
+              <a:ext uri="{FF2B5EF4-FFF2-40B4-BE49-F238E27FC236}">
+                <a16:creationId xmlns:a16="http://schemas.microsoft.com/office/drawing/2014/main" id="{97019FA3-2921-442A-AC31-53F7EAE1803B}"/>
+              </a:ext>
+            </a:extLst>
+          </p:cNvPr>
+          <p:cNvSpPr>
+            <a:spLocks noChangeArrowheads="1"/>
+          </p:cNvSpPr>
+          <p:nvPr/>
+        </p:nvSpPr>
+        <p:spPr bwMode="auto">
+          <a:xfrm>
+            <a:off x="0" y="4622222"/>
+            <a:ext cx="9144000" cy="538162"/>
+          </a:xfrm>
+          <a:prstGeom prst="rect">
+            <a:avLst/>
+          </a:prstGeom>
+          <a:solidFill>
+            <a:srgbClr val="C00000"/>
+          </a:solidFill>
+          <a:ln>
+            <a:noFill/>
+          </a:ln>
+          <a:extLst>
+            <a:ext uri="{91240B29-F687-4F45-9708-019B960494DF}">
+              <a14:hiddenLine xmlns:a14="http://schemas.microsoft.com/office/drawing/2010/main" w="25400">
+                <a:solidFill>
+                  <a:srgbClr val="395E8A"/>
+                </a:solidFill>
+                <a:bevel/>
+                <a:headEnd/>
+                <a:tailEnd/>
+              </a14:hiddenLine>
+            </a:ext>
+          </a:extLst>
+        </p:spPr>
+        <p:txBody>
+          <a:bodyPr anchor="ctr"/>
+          <a:lstStyle>
+            <a:lvl1pPr>
+              <a:buFont typeface="Arial" panose="020B0604020202020204" pitchFamily="34" charset="0"/>
+              <a:defRPr>
+                <a:solidFill>
+                  <a:schemeClr val="tx1"/>
+                </a:solidFill>
+                <a:latin typeface="Arial" panose="020B0604020202020204" pitchFamily="34" charset="0"/>
+                <a:ea typeface="宋体" panose="02010600030101010101" pitchFamily="2" charset="-122"/>
+              </a:defRPr>
+            </a:lvl1pPr>
+            <a:lvl2pPr marL="742950" indent="-285750">
+              <a:buFont typeface="Arial" panose="020B0604020202020204" pitchFamily="34" charset="0"/>
+              <a:defRPr>
+                <a:solidFill>
+                  <a:schemeClr val="tx1"/>
+                </a:solidFill>
+                <a:latin typeface="Arial" panose="020B0604020202020204" pitchFamily="34" charset="0"/>
+                <a:ea typeface="宋体" panose="02010600030101010101" pitchFamily="2" charset="-122"/>
+              </a:defRPr>
+            </a:lvl2pPr>
+            <a:lvl3pPr marL="1143000" indent="-228600">
+              <a:buFont typeface="Arial" panose="020B0604020202020204" pitchFamily="34" charset="0"/>
+              <a:defRPr>
+                <a:solidFill>
+                  <a:schemeClr val="tx1"/>
+                </a:solidFill>
+                <a:latin typeface="Arial" panose="020B0604020202020204" pitchFamily="34" charset="0"/>
+                <a:ea typeface="宋体" panose="02010600030101010101" pitchFamily="2" charset="-122"/>
+              </a:defRPr>
+            </a:lvl3pPr>
+            <a:lvl4pPr marL="1600200" indent="-228600">
+              <a:buFont typeface="Arial" panose="020B0604020202020204" pitchFamily="34" charset="0"/>
+              <a:defRPr>
+                <a:solidFill>
+                  <a:schemeClr val="tx1"/>
+                </a:solidFill>
+                <a:latin typeface="Arial" panose="020B0604020202020204" pitchFamily="34" charset="0"/>
+                <a:ea typeface="宋体" panose="02010600030101010101" pitchFamily="2" charset="-122"/>
+              </a:defRPr>
+            </a:lvl4pPr>
+            <a:lvl5pPr marL="2057400" indent="-228600">
+              <a:buFont typeface="Arial" panose="020B0604020202020204" pitchFamily="34" charset="0"/>
+              <a:defRPr>
+                <a:solidFill>
+                  <a:schemeClr val="tx1"/>
+                </a:solidFill>
+                <a:latin typeface="Arial" panose="020B0604020202020204" pitchFamily="34" charset="0"/>
+                <a:ea typeface="宋体" panose="02010600030101010101" pitchFamily="2" charset="-122"/>
+              </a:defRPr>
+            </a:lvl5pPr>
+            <a:lvl6pPr marL="2514600" indent="-228600" eaLnBrk="0" fontAlgn="base" hangingPunct="0">
+              <a:spcBef>
+                <a:spcPct val="0"/>
+              </a:spcBef>
+              <a:spcAft>
+                <a:spcPct val="0"/>
+              </a:spcAft>
+              <a:buFont typeface="Arial" panose="020B0604020202020204" pitchFamily="34" charset="0"/>
+              <a:defRPr>
+                <a:solidFill>
+                  <a:schemeClr val="tx1"/>
+                </a:solidFill>
+                <a:latin typeface="Arial" panose="020B0604020202020204" pitchFamily="34" charset="0"/>
+                <a:ea typeface="宋体" panose="02010600030101010101" pitchFamily="2" charset="-122"/>
+              </a:defRPr>
+            </a:lvl6pPr>
+            <a:lvl7pPr marL="2971800" indent="-228600" eaLnBrk="0" fontAlgn="base" hangingPunct="0">
+              <a:spcBef>
+                <a:spcPct val="0"/>
+              </a:spcBef>
+              <a:spcAft>
+                <a:spcPct val="0"/>
+              </a:spcAft>
+              <a:buFont typeface="Arial" panose="020B0604020202020204" pitchFamily="34" charset="0"/>
+              <a:defRPr>
+                <a:solidFill>
+                  <a:schemeClr val="tx1"/>
+                </a:solidFill>
+                <a:latin typeface="Arial" panose="020B0604020202020204" pitchFamily="34" charset="0"/>
+                <a:ea typeface="宋体" panose="02010600030101010101" pitchFamily="2" charset="-122"/>
+              </a:defRPr>
+            </a:lvl7pPr>
+            <a:lvl8pPr marL="3429000" indent="-228600" eaLnBrk="0" fontAlgn="base" hangingPunct="0">
+              <a:spcBef>
+                <a:spcPct val="0"/>
+              </a:spcBef>
+              <a:spcAft>
+                <a:spcPct val="0"/>
+              </a:spcAft>
+              <a:buFont typeface="Arial" panose="020B0604020202020204" pitchFamily="34" charset="0"/>
+              <a:defRPr>
+                <a:solidFill>
+                  <a:schemeClr val="tx1"/>
+                </a:solidFill>
+                <a:latin typeface="Arial" panose="020B0604020202020204" pitchFamily="34" charset="0"/>
+                <a:ea typeface="宋体" panose="02010600030101010101" pitchFamily="2" charset="-122"/>
+              </a:defRPr>
+            </a:lvl8pPr>
+            <a:lvl9pPr marL="3886200" indent="-228600" eaLnBrk="0" fontAlgn="base" hangingPunct="0">
+              <a:spcBef>
+                <a:spcPct val="0"/>
+              </a:spcBef>
+              <a:spcAft>
+                <a:spcPct val="0"/>
+              </a:spcAft>
+              <a:buFont typeface="Arial" panose="020B0604020202020204" pitchFamily="34" charset="0"/>
+              <a:defRPr>
+                <a:solidFill>
+                  <a:schemeClr val="tx1"/>
+                </a:solidFill>
+                <a:latin typeface="Arial" panose="020B0604020202020204" pitchFamily="34" charset="0"/>
+                <a:ea typeface="宋体" panose="02010600030101010101" pitchFamily="2" charset="-122"/>
+              </a:defRPr>
+            </a:lvl9pPr>
+          </a:lstStyle>
+          <a:p>
+            <a:pPr algn="ctr" eaLnBrk="1" hangingPunct="1"/>
+            <a:endParaRPr lang="zh-CN" altLang="zh-CN">
+              <a:solidFill>
+                <a:srgbClr val="FFFFFF"/>
+              </a:solidFill>
+              <a:latin typeface="宋体" panose="02010600030101010101" pitchFamily="2" charset="-122"/>
+              <a:sym typeface="宋体" panose="02010600030101010101" pitchFamily="2" charset="-122"/>
+            </a:endParaRPr>
+          </a:p>
+        </p:txBody>
+      </p:sp>
       <p:pic>
         <p:nvPicPr>
-          <p:cNvPr id="8199" name="Picture 2">
+          <p:cNvPr id="9" name="图片 8">
             <a:extLst>
               <a:ext uri="{FF2B5EF4-FFF2-40B4-BE49-F238E27FC236}">
-                <a16:creationId xmlns:a16="http://schemas.microsoft.com/office/drawing/2014/main" id="{2656A675-2838-4DE8-A1F0-DE7DF761E3B6}"/>
+                <a16:creationId xmlns:a16="http://schemas.microsoft.com/office/drawing/2014/main" id="{20998B28-A189-4803-A242-B5394D19D896}"/>
               </a:ext>
             </a:extLst>
           </p:cNvPr>
           <p:cNvPicPr>
-            <a:picLocks noChangeAspect="1" noChangeArrowheads="1"/>
+            <a:picLocks noChangeAspect="1"/>
           </p:cNvPicPr>
           <p:nvPr/>
         </p:nvPicPr>
         <p:blipFill>
-          <a:blip r:embed="rId3">
+          <a:blip r:embed="rId2">
             <a:extLst>
               <a:ext uri="{28A0092B-C50C-407E-A947-70E740481C1C}">
                 <a14:useLocalDpi xmlns:a14="http://schemas.microsoft.com/office/drawing/2010/main" val="0"/>
               </a:ext>
             </a:extLst>
           </a:blip>
-          <a:srcRect/>
           <a:stretch>
             <a:fillRect/>
           </a:stretch>
         </p:blipFill>
-        <p:spPr bwMode="auto">
+        <p:spPr>
           <a:xfrm>
-            <a:off x="107950" y="123825"/>
-            <a:ext cx="1296988" cy="539750"/>
+            <a:off x="251641" y="267559"/>
+            <a:ext cx="3379278" cy="4173683"/>
           </a:xfrm>
           <a:prstGeom prst="rect">
             <a:avLst/>
           </a:prstGeom>
-          <a:noFill/>
-          <a:ln>
-            <a:noFill/>
-          </a:ln>
-          <a:effectLst/>
-          <a:extLst>
-            <a:ext uri="{909E8E84-426E-40DD-AFC4-6F175D3DCCD1}">
-              <a14:hiddenFill xmlns:a14="http://schemas.microsoft.com/office/drawing/2010/main">
-                <a:solidFill>
-                  <a:srgbClr val="FFFFFF"/>
-                </a:solidFill>
-              </a14:hiddenFill>
-            </a:ext>
-            <a:ext uri="{91240B29-F687-4F45-9708-019B960494DF}">
-              <a14:hiddenLine xmlns:a14="http://schemas.microsoft.com/office/drawing/2010/main" w="9525">
-                <a:solidFill>
-                  <a:srgbClr val="000000"/>
-                </a:solidFill>
-                <a:miter lim="800000"/>
-                <a:headEnd/>
-                <a:tailEnd/>
-              </a14:hiddenLine>
-            </a:ext>
-            <a:ext uri="{AF507438-7753-43E0-B8FC-AC1667EBCBE1}">
-              <a14:hiddenEffects xmlns:a14="http://schemas.microsoft.com/office/drawing/2010/main">
-                <a:effectLst>
-                  <a:outerShdw dist="35921" dir="2700000" algn="ctr" rotWithShape="0">
-                    <a:srgbClr val="808080"/>
-                  </a:outerShdw>
-                </a:effectLst>
-              </a14:hiddenEffects>
-            </a:ext>
-          </a:extLst>
         </p:spPr>
       </p:pic>
+      <p:sp>
+        <p:nvSpPr>
+          <p:cNvPr id="10" name="矩形 9">
+            <a:extLst>
+              <a:ext uri="{FF2B5EF4-FFF2-40B4-BE49-F238E27FC236}">
+                <a16:creationId xmlns:a16="http://schemas.microsoft.com/office/drawing/2014/main" id="{786F9D3C-22E2-48DD-9EE6-2A4DB83E8E0C}"/>
+              </a:ext>
+            </a:extLst>
+          </p:cNvPr>
+          <p:cNvSpPr/>
+          <p:nvPr/>
+        </p:nvSpPr>
+        <p:spPr>
+          <a:xfrm>
+            <a:off x="6712629" y="4722628"/>
+            <a:ext cx="2431371" cy="369332"/>
+          </a:xfrm>
+          <a:prstGeom prst="rect">
+            <a:avLst/>
+          </a:prstGeom>
+        </p:spPr>
+        <p:txBody>
+          <a:bodyPr wrap="none">
+            <a:spAutoFit/>
+          </a:bodyPr>
+          <a:lstStyle/>
+          <a:p>
+            <a:r>
+              <a:rPr lang="en-US" altLang="zh-CN" dirty="0">
+                <a:solidFill>
+                  <a:srgbClr val="FFFFFF"/>
+                </a:solidFill>
+                <a:latin typeface="MicrosoftYaHei"/>
+              </a:rPr>
+              <a:t>GRAPHICS LABORATORY</a:t>
+            </a:r>
+            <a:endParaRPr lang="zh-CN" altLang="en-US" dirty="0"/>
+          </a:p>
+        </p:txBody>
+      </p:sp>
     </p:spTree>
+    <p:extLst>
+      <p:ext uri="{BB962C8B-B14F-4D97-AF65-F5344CB8AC3E}">
+        <p14:creationId xmlns:p14="http://schemas.microsoft.com/office/powerpoint/2010/main" val="1226259202"/>
+      </p:ext>
+    </p:extLst>
   </p:cSld>
   <p:clrMapOvr>
     <a:masterClrMapping/>
@@ -32191,76 +29696,6 @@
           <a:chExt cx="0" cy="0"/>
         </a:xfrm>
       </p:grpSpPr>
-      <p:pic>
-        <p:nvPicPr>
-          <p:cNvPr id="3074" name="Picture 2">
-            <a:extLst>
-              <a:ext uri="{FF2B5EF4-FFF2-40B4-BE49-F238E27FC236}">
-                <a16:creationId xmlns:a16="http://schemas.microsoft.com/office/drawing/2014/main" id="{602C339E-BA86-4A21-AB6C-4F6D8491BC39}"/>
-              </a:ext>
-            </a:extLst>
-          </p:cNvPr>
-          <p:cNvPicPr>
-            <a:picLocks noChangeAspect="1" noChangeArrowheads="1"/>
-          </p:cNvPicPr>
-          <p:nvPr/>
-        </p:nvPicPr>
-        <p:blipFill>
-          <a:blip r:embed="rId2">
-            <a:extLst>
-              <a:ext uri="{28A0092B-C50C-407E-A947-70E740481C1C}">
-                <a14:useLocalDpi xmlns:a14="http://schemas.microsoft.com/office/drawing/2010/main" val="0"/>
-              </a:ext>
-            </a:extLst>
-          </a:blip>
-          <a:srcRect/>
-          <a:stretch>
-            <a:fillRect/>
-          </a:stretch>
-        </p:blipFill>
-        <p:spPr bwMode="auto">
-          <a:xfrm>
-            <a:off x="7956550" y="4606925"/>
-            <a:ext cx="1081088" cy="450850"/>
-          </a:xfrm>
-          <a:prstGeom prst="rect">
-            <a:avLst/>
-          </a:prstGeom>
-          <a:noFill/>
-          <a:ln>
-            <a:noFill/>
-          </a:ln>
-          <a:effectLst/>
-          <a:extLst>
-            <a:ext uri="{909E8E84-426E-40DD-AFC4-6F175D3DCCD1}">
-              <a14:hiddenFill xmlns:a14="http://schemas.microsoft.com/office/drawing/2010/main">
-                <a:solidFill>
-                  <a:srgbClr val="FFFFFF"/>
-                </a:solidFill>
-              </a14:hiddenFill>
-            </a:ext>
-            <a:ext uri="{91240B29-F687-4F45-9708-019B960494DF}">
-              <a14:hiddenLine xmlns:a14="http://schemas.microsoft.com/office/drawing/2010/main" w="9525">
-                <a:solidFill>
-                  <a:srgbClr val="000000"/>
-                </a:solidFill>
-                <a:miter lim="800000"/>
-                <a:headEnd/>
-                <a:tailEnd/>
-              </a14:hiddenLine>
-            </a:ext>
-            <a:ext uri="{AF507438-7753-43E0-B8FC-AC1667EBCBE1}">
-              <a14:hiddenEffects xmlns:a14="http://schemas.microsoft.com/office/drawing/2010/main">
-                <a:effectLst>
-                  <a:outerShdw dist="35921" dir="2700000" algn="ctr" rotWithShape="0">
-                    <a:srgbClr val="808080"/>
-                  </a:outerShdw>
-                </a:effectLst>
-              </a14:hiddenEffects>
-            </a:ext>
-          </a:extLst>
-        </p:spPr>
-      </p:pic>
       <p:sp>
         <p:nvSpPr>
           <p:cNvPr id="3075" name="Title 1">
@@ -32709,76 +30144,6 @@
           <a:chExt cx="0" cy="0"/>
         </a:xfrm>
       </p:grpSpPr>
-      <p:pic>
-        <p:nvPicPr>
-          <p:cNvPr id="3074" name="Picture 2">
-            <a:extLst>
-              <a:ext uri="{FF2B5EF4-FFF2-40B4-BE49-F238E27FC236}">
-                <a16:creationId xmlns:a16="http://schemas.microsoft.com/office/drawing/2014/main" id="{602C339E-BA86-4A21-AB6C-4F6D8491BC39}"/>
-              </a:ext>
-            </a:extLst>
-          </p:cNvPr>
-          <p:cNvPicPr>
-            <a:picLocks noChangeAspect="1" noChangeArrowheads="1"/>
-          </p:cNvPicPr>
-          <p:nvPr/>
-        </p:nvPicPr>
-        <p:blipFill>
-          <a:blip r:embed="rId2">
-            <a:extLst>
-              <a:ext uri="{28A0092B-C50C-407E-A947-70E740481C1C}">
-                <a14:useLocalDpi xmlns:a14="http://schemas.microsoft.com/office/drawing/2010/main" val="0"/>
-              </a:ext>
-            </a:extLst>
-          </a:blip>
-          <a:srcRect/>
-          <a:stretch>
-            <a:fillRect/>
-          </a:stretch>
-        </p:blipFill>
-        <p:spPr bwMode="auto">
-          <a:xfrm>
-            <a:off x="7956550" y="4606925"/>
-            <a:ext cx="1081088" cy="450850"/>
-          </a:xfrm>
-          <a:prstGeom prst="rect">
-            <a:avLst/>
-          </a:prstGeom>
-          <a:noFill/>
-          <a:ln>
-            <a:noFill/>
-          </a:ln>
-          <a:effectLst/>
-          <a:extLst>
-            <a:ext uri="{909E8E84-426E-40DD-AFC4-6F175D3DCCD1}">
-              <a14:hiddenFill xmlns:a14="http://schemas.microsoft.com/office/drawing/2010/main">
-                <a:solidFill>
-                  <a:srgbClr val="FFFFFF"/>
-                </a:solidFill>
-              </a14:hiddenFill>
-            </a:ext>
-            <a:ext uri="{91240B29-F687-4F45-9708-019B960494DF}">
-              <a14:hiddenLine xmlns:a14="http://schemas.microsoft.com/office/drawing/2010/main" w="9525">
-                <a:solidFill>
-                  <a:srgbClr val="000000"/>
-                </a:solidFill>
-                <a:miter lim="800000"/>
-                <a:headEnd/>
-                <a:tailEnd/>
-              </a14:hiddenLine>
-            </a:ext>
-            <a:ext uri="{AF507438-7753-43E0-B8FC-AC1667EBCBE1}">
-              <a14:hiddenEffects xmlns:a14="http://schemas.microsoft.com/office/drawing/2010/main">
-                <a:effectLst>
-                  <a:outerShdw dist="35921" dir="2700000" algn="ctr" rotWithShape="0">
-                    <a:srgbClr val="808080"/>
-                  </a:outerShdw>
-                </a:effectLst>
-              </a14:hiddenEffects>
-            </a:ext>
-          </a:extLst>
-        </p:spPr>
-      </p:pic>
       <p:sp>
         <p:nvSpPr>
           <p:cNvPr id="3075" name="Title 1">
@@ -33132,76 +30497,6 @@
           <a:chExt cx="0" cy="0"/>
         </a:xfrm>
       </p:grpSpPr>
-      <p:pic>
-        <p:nvPicPr>
-          <p:cNvPr id="3074" name="Picture 2">
-            <a:extLst>
-              <a:ext uri="{FF2B5EF4-FFF2-40B4-BE49-F238E27FC236}">
-                <a16:creationId xmlns:a16="http://schemas.microsoft.com/office/drawing/2014/main" id="{602C339E-BA86-4A21-AB6C-4F6D8491BC39}"/>
-              </a:ext>
-            </a:extLst>
-          </p:cNvPr>
-          <p:cNvPicPr>
-            <a:picLocks noChangeAspect="1" noChangeArrowheads="1"/>
-          </p:cNvPicPr>
-          <p:nvPr/>
-        </p:nvPicPr>
-        <p:blipFill>
-          <a:blip r:embed="rId2">
-            <a:extLst>
-              <a:ext uri="{28A0092B-C50C-407E-A947-70E740481C1C}">
-                <a14:useLocalDpi xmlns:a14="http://schemas.microsoft.com/office/drawing/2010/main" val="0"/>
-              </a:ext>
-            </a:extLst>
-          </a:blip>
-          <a:srcRect/>
-          <a:stretch>
-            <a:fillRect/>
-          </a:stretch>
-        </p:blipFill>
-        <p:spPr bwMode="auto">
-          <a:xfrm>
-            <a:off x="7956550" y="4606925"/>
-            <a:ext cx="1081088" cy="450850"/>
-          </a:xfrm>
-          <a:prstGeom prst="rect">
-            <a:avLst/>
-          </a:prstGeom>
-          <a:noFill/>
-          <a:ln>
-            <a:noFill/>
-          </a:ln>
-          <a:effectLst/>
-          <a:extLst>
-            <a:ext uri="{909E8E84-426E-40DD-AFC4-6F175D3DCCD1}">
-              <a14:hiddenFill xmlns:a14="http://schemas.microsoft.com/office/drawing/2010/main">
-                <a:solidFill>
-                  <a:srgbClr val="FFFFFF"/>
-                </a:solidFill>
-              </a14:hiddenFill>
-            </a:ext>
-            <a:ext uri="{91240B29-F687-4F45-9708-019B960494DF}">
-              <a14:hiddenLine xmlns:a14="http://schemas.microsoft.com/office/drawing/2010/main" w="9525">
-                <a:solidFill>
-                  <a:srgbClr val="000000"/>
-                </a:solidFill>
-                <a:miter lim="800000"/>
-                <a:headEnd/>
-                <a:tailEnd/>
-              </a14:hiddenLine>
-            </a:ext>
-            <a:ext uri="{AF507438-7753-43E0-B8FC-AC1667EBCBE1}">
-              <a14:hiddenEffects xmlns:a14="http://schemas.microsoft.com/office/drawing/2010/main">
-                <a:effectLst>
-                  <a:outerShdw dist="35921" dir="2700000" algn="ctr" rotWithShape="0">
-                    <a:srgbClr val="808080"/>
-                  </a:outerShdw>
-                </a:effectLst>
-              </a14:hiddenEffects>
-            </a:ext>
-          </a:extLst>
-        </p:spPr>
-      </p:pic>
       <p:sp>
         <p:nvSpPr>
           <p:cNvPr id="3075" name="Title 1">
@@ -33693,76 +30988,6 @@
           <a:chExt cx="0" cy="0"/>
         </a:xfrm>
       </p:grpSpPr>
-      <p:pic>
-        <p:nvPicPr>
-          <p:cNvPr id="3074" name="Picture 2">
-            <a:extLst>
-              <a:ext uri="{FF2B5EF4-FFF2-40B4-BE49-F238E27FC236}">
-                <a16:creationId xmlns:a16="http://schemas.microsoft.com/office/drawing/2014/main" id="{602C339E-BA86-4A21-AB6C-4F6D8491BC39}"/>
-              </a:ext>
-            </a:extLst>
-          </p:cNvPr>
-          <p:cNvPicPr>
-            <a:picLocks noChangeAspect="1" noChangeArrowheads="1"/>
-          </p:cNvPicPr>
-          <p:nvPr/>
-        </p:nvPicPr>
-        <p:blipFill>
-          <a:blip r:embed="rId2">
-            <a:extLst>
-              <a:ext uri="{28A0092B-C50C-407E-A947-70E740481C1C}">
-                <a14:useLocalDpi xmlns:a14="http://schemas.microsoft.com/office/drawing/2010/main" val="0"/>
-              </a:ext>
-            </a:extLst>
-          </a:blip>
-          <a:srcRect/>
-          <a:stretch>
-            <a:fillRect/>
-          </a:stretch>
-        </p:blipFill>
-        <p:spPr bwMode="auto">
-          <a:xfrm>
-            <a:off x="7956550" y="4606925"/>
-            <a:ext cx="1081088" cy="450850"/>
-          </a:xfrm>
-          <a:prstGeom prst="rect">
-            <a:avLst/>
-          </a:prstGeom>
-          <a:noFill/>
-          <a:ln>
-            <a:noFill/>
-          </a:ln>
-          <a:effectLst/>
-          <a:extLst>
-            <a:ext uri="{909E8E84-426E-40DD-AFC4-6F175D3DCCD1}">
-              <a14:hiddenFill xmlns:a14="http://schemas.microsoft.com/office/drawing/2010/main">
-                <a:solidFill>
-                  <a:srgbClr val="FFFFFF"/>
-                </a:solidFill>
-              </a14:hiddenFill>
-            </a:ext>
-            <a:ext uri="{91240B29-F687-4F45-9708-019B960494DF}">
-              <a14:hiddenLine xmlns:a14="http://schemas.microsoft.com/office/drawing/2010/main" w="9525">
-                <a:solidFill>
-                  <a:srgbClr val="000000"/>
-                </a:solidFill>
-                <a:miter lim="800000"/>
-                <a:headEnd/>
-                <a:tailEnd/>
-              </a14:hiddenLine>
-            </a:ext>
-            <a:ext uri="{AF507438-7753-43E0-B8FC-AC1667EBCBE1}">
-              <a14:hiddenEffects xmlns:a14="http://schemas.microsoft.com/office/drawing/2010/main">
-                <a:effectLst>
-                  <a:outerShdw dist="35921" dir="2700000" algn="ctr" rotWithShape="0">
-                    <a:srgbClr val="808080"/>
-                  </a:outerShdw>
-                </a:effectLst>
-              </a14:hiddenEffects>
-            </a:ext>
-          </a:extLst>
-        </p:spPr>
-      </p:pic>
       <p:sp>
         <p:nvSpPr>
           <p:cNvPr id="3075" name="Title 1">
@@ -34206,76 +31431,6 @@
           <a:chExt cx="0" cy="0"/>
         </a:xfrm>
       </p:grpSpPr>
-      <p:pic>
-        <p:nvPicPr>
-          <p:cNvPr id="3074" name="Picture 2">
-            <a:extLst>
-              <a:ext uri="{FF2B5EF4-FFF2-40B4-BE49-F238E27FC236}">
-                <a16:creationId xmlns:a16="http://schemas.microsoft.com/office/drawing/2014/main" id="{602C339E-BA86-4A21-AB6C-4F6D8491BC39}"/>
-              </a:ext>
-            </a:extLst>
-          </p:cNvPr>
-          <p:cNvPicPr>
-            <a:picLocks noChangeAspect="1" noChangeArrowheads="1"/>
-          </p:cNvPicPr>
-          <p:nvPr/>
-        </p:nvPicPr>
-        <p:blipFill>
-          <a:blip r:embed="rId2">
-            <a:extLst>
-              <a:ext uri="{28A0092B-C50C-407E-A947-70E740481C1C}">
-                <a14:useLocalDpi xmlns:a14="http://schemas.microsoft.com/office/drawing/2010/main" val="0"/>
-              </a:ext>
-            </a:extLst>
-          </a:blip>
-          <a:srcRect/>
-          <a:stretch>
-            <a:fillRect/>
-          </a:stretch>
-        </p:blipFill>
-        <p:spPr bwMode="auto">
-          <a:xfrm>
-            <a:off x="7956550" y="4606925"/>
-            <a:ext cx="1081088" cy="450850"/>
-          </a:xfrm>
-          <a:prstGeom prst="rect">
-            <a:avLst/>
-          </a:prstGeom>
-          <a:noFill/>
-          <a:ln>
-            <a:noFill/>
-          </a:ln>
-          <a:effectLst/>
-          <a:extLst>
-            <a:ext uri="{909E8E84-426E-40DD-AFC4-6F175D3DCCD1}">
-              <a14:hiddenFill xmlns:a14="http://schemas.microsoft.com/office/drawing/2010/main">
-                <a:solidFill>
-                  <a:srgbClr val="FFFFFF"/>
-                </a:solidFill>
-              </a14:hiddenFill>
-            </a:ext>
-            <a:ext uri="{91240B29-F687-4F45-9708-019B960494DF}">
-              <a14:hiddenLine xmlns:a14="http://schemas.microsoft.com/office/drawing/2010/main" w="9525">
-                <a:solidFill>
-                  <a:srgbClr val="000000"/>
-                </a:solidFill>
-                <a:miter lim="800000"/>
-                <a:headEnd/>
-                <a:tailEnd/>
-              </a14:hiddenLine>
-            </a:ext>
-            <a:ext uri="{AF507438-7753-43E0-B8FC-AC1667EBCBE1}">
-              <a14:hiddenEffects xmlns:a14="http://schemas.microsoft.com/office/drawing/2010/main">
-                <a:effectLst>
-                  <a:outerShdw dist="35921" dir="2700000" algn="ctr" rotWithShape="0">
-                    <a:srgbClr val="808080"/>
-                  </a:outerShdw>
-                </a:effectLst>
-              </a14:hiddenEffects>
-            </a:ext>
-          </a:extLst>
-        </p:spPr>
-      </p:pic>
       <p:sp>
         <p:nvSpPr>
           <p:cNvPr id="3075" name="Title 1">
@@ -34646,76 +31801,6 @@
           <a:chExt cx="0" cy="0"/>
         </a:xfrm>
       </p:grpSpPr>
-      <p:pic>
-        <p:nvPicPr>
-          <p:cNvPr id="3074" name="Picture 2">
-            <a:extLst>
-              <a:ext uri="{FF2B5EF4-FFF2-40B4-BE49-F238E27FC236}">
-                <a16:creationId xmlns:a16="http://schemas.microsoft.com/office/drawing/2014/main" id="{602C339E-BA86-4A21-AB6C-4F6D8491BC39}"/>
-              </a:ext>
-            </a:extLst>
-          </p:cNvPr>
-          <p:cNvPicPr>
-            <a:picLocks noChangeAspect="1" noChangeArrowheads="1"/>
-          </p:cNvPicPr>
-          <p:nvPr/>
-        </p:nvPicPr>
-        <p:blipFill>
-          <a:blip r:embed="rId2">
-            <a:extLst>
-              <a:ext uri="{28A0092B-C50C-407E-A947-70E740481C1C}">
-                <a14:useLocalDpi xmlns:a14="http://schemas.microsoft.com/office/drawing/2010/main" val="0"/>
-              </a:ext>
-            </a:extLst>
-          </a:blip>
-          <a:srcRect/>
-          <a:stretch>
-            <a:fillRect/>
-          </a:stretch>
-        </p:blipFill>
-        <p:spPr bwMode="auto">
-          <a:xfrm>
-            <a:off x="7956550" y="4606925"/>
-            <a:ext cx="1081088" cy="450850"/>
-          </a:xfrm>
-          <a:prstGeom prst="rect">
-            <a:avLst/>
-          </a:prstGeom>
-          <a:noFill/>
-          <a:ln>
-            <a:noFill/>
-          </a:ln>
-          <a:effectLst/>
-          <a:extLst>
-            <a:ext uri="{909E8E84-426E-40DD-AFC4-6F175D3DCCD1}">
-              <a14:hiddenFill xmlns:a14="http://schemas.microsoft.com/office/drawing/2010/main">
-                <a:solidFill>
-                  <a:srgbClr val="FFFFFF"/>
-                </a:solidFill>
-              </a14:hiddenFill>
-            </a:ext>
-            <a:ext uri="{91240B29-F687-4F45-9708-019B960494DF}">
-              <a14:hiddenLine xmlns:a14="http://schemas.microsoft.com/office/drawing/2010/main" w="9525">
-                <a:solidFill>
-                  <a:srgbClr val="000000"/>
-                </a:solidFill>
-                <a:miter lim="800000"/>
-                <a:headEnd/>
-                <a:tailEnd/>
-              </a14:hiddenLine>
-            </a:ext>
-            <a:ext uri="{AF507438-7753-43E0-B8FC-AC1667EBCBE1}">
-              <a14:hiddenEffects xmlns:a14="http://schemas.microsoft.com/office/drawing/2010/main">
-                <a:effectLst>
-                  <a:outerShdw dist="35921" dir="2700000" algn="ctr" rotWithShape="0">
-                    <a:srgbClr val="808080"/>
-                  </a:outerShdw>
-                </a:effectLst>
-              </a14:hiddenEffects>
-            </a:ext>
-          </a:extLst>
-        </p:spPr>
-      </p:pic>
       <p:sp>
         <p:nvSpPr>
           <p:cNvPr id="3075" name="Title 1">
